--- a/doc/designDoc.pptx
+++ b/doc/designDoc.pptx
@@ -106,6 +106,11 @@
       </a:defRPr>
     </a:lvl9pPr>
   </p:defaultTextStyle>
+  <p:extLst>
+    <p:ext uri="{EFAFB233-063F-42B5-8137-9DF3F51BA10A}">
+      <p15:sldGuideLst xmlns:p15="http://schemas.microsoft.com/office/powerpoint/2012/main"/>
+    </p:ext>
+  </p:extLst>
 </p:presentation>
 </file>
 
@@ -258,7 +263,7 @@
           <a:p>
             <a:fld id="{9FCA313A-65B0-404C-ABF6-BBAAB537D5DB}" type="datetimeFigureOut">
               <a:rPr lang="en-SG" smtClean="0"/>
-              <a:t>8/5/2024</a:t>
+              <a:t>17/5/2024</a:t>
             </a:fld>
             <a:endParaRPr lang="en-SG"/>
           </a:p>
@@ -458,7 +463,7 @@
           <a:p>
             <a:fld id="{9FCA313A-65B0-404C-ABF6-BBAAB537D5DB}" type="datetimeFigureOut">
               <a:rPr lang="en-SG" smtClean="0"/>
-              <a:t>8/5/2024</a:t>
+              <a:t>17/5/2024</a:t>
             </a:fld>
             <a:endParaRPr lang="en-SG"/>
           </a:p>
@@ -668,7 +673,7 @@
           <a:p>
             <a:fld id="{9FCA313A-65B0-404C-ABF6-BBAAB537D5DB}" type="datetimeFigureOut">
               <a:rPr lang="en-SG" smtClean="0"/>
-              <a:t>8/5/2024</a:t>
+              <a:t>17/5/2024</a:t>
             </a:fld>
             <a:endParaRPr lang="en-SG"/>
           </a:p>
@@ -868,7 +873,7 @@
           <a:p>
             <a:fld id="{9FCA313A-65B0-404C-ABF6-BBAAB537D5DB}" type="datetimeFigureOut">
               <a:rPr lang="en-SG" smtClean="0"/>
-              <a:t>8/5/2024</a:t>
+              <a:t>17/5/2024</a:t>
             </a:fld>
             <a:endParaRPr lang="en-SG"/>
           </a:p>
@@ -1144,7 +1149,7 @@
           <a:p>
             <a:fld id="{9FCA313A-65B0-404C-ABF6-BBAAB537D5DB}" type="datetimeFigureOut">
               <a:rPr lang="en-SG" smtClean="0"/>
-              <a:t>8/5/2024</a:t>
+              <a:t>17/5/2024</a:t>
             </a:fld>
             <a:endParaRPr lang="en-SG"/>
           </a:p>
@@ -1412,7 +1417,7 @@
           <a:p>
             <a:fld id="{9FCA313A-65B0-404C-ABF6-BBAAB537D5DB}" type="datetimeFigureOut">
               <a:rPr lang="en-SG" smtClean="0"/>
-              <a:t>8/5/2024</a:t>
+              <a:t>17/5/2024</a:t>
             </a:fld>
             <a:endParaRPr lang="en-SG"/>
           </a:p>
@@ -1827,7 +1832,7 @@
           <a:p>
             <a:fld id="{9FCA313A-65B0-404C-ABF6-BBAAB537D5DB}" type="datetimeFigureOut">
               <a:rPr lang="en-SG" smtClean="0"/>
-              <a:t>8/5/2024</a:t>
+              <a:t>17/5/2024</a:t>
             </a:fld>
             <a:endParaRPr lang="en-SG"/>
           </a:p>
@@ -1969,7 +1974,7 @@
           <a:p>
             <a:fld id="{9FCA313A-65B0-404C-ABF6-BBAAB537D5DB}" type="datetimeFigureOut">
               <a:rPr lang="en-SG" smtClean="0"/>
-              <a:t>8/5/2024</a:t>
+              <a:t>17/5/2024</a:t>
             </a:fld>
             <a:endParaRPr lang="en-SG"/>
           </a:p>
@@ -2082,7 +2087,7 @@
           <a:p>
             <a:fld id="{9FCA313A-65B0-404C-ABF6-BBAAB537D5DB}" type="datetimeFigureOut">
               <a:rPr lang="en-SG" smtClean="0"/>
-              <a:t>8/5/2024</a:t>
+              <a:t>17/5/2024</a:t>
             </a:fld>
             <a:endParaRPr lang="en-SG"/>
           </a:p>
@@ -2395,7 +2400,7 @@
           <a:p>
             <a:fld id="{9FCA313A-65B0-404C-ABF6-BBAAB537D5DB}" type="datetimeFigureOut">
               <a:rPr lang="en-SG" smtClean="0"/>
-              <a:t>8/5/2024</a:t>
+              <a:t>17/5/2024</a:t>
             </a:fld>
             <a:endParaRPr lang="en-SG"/>
           </a:p>
@@ -2684,7 +2689,7 @@
           <a:p>
             <a:fld id="{9FCA313A-65B0-404C-ABF6-BBAAB537D5DB}" type="datetimeFigureOut">
               <a:rPr lang="en-SG" smtClean="0"/>
-              <a:t>8/5/2024</a:t>
+              <a:t>17/5/2024</a:t>
             </a:fld>
             <a:endParaRPr lang="en-SG"/>
           </a:p>
@@ -2927,7 +2932,7 @@
           <a:p>
             <a:fld id="{9FCA313A-65B0-404C-ABF6-BBAAB537D5DB}" type="datetimeFigureOut">
               <a:rPr lang="en-SG" smtClean="0"/>
-              <a:t>8/5/2024</a:t>
+              <a:t>17/5/2024</a:t>
             </a:fld>
             <a:endParaRPr lang="en-SG"/>
           </a:p>
@@ -3408,7 +3413,7 @@
         </p:blipFill>
         <p:spPr>
           <a:xfrm>
-            <a:off x="5422900" y="1500256"/>
+            <a:off x="5230876" y="503560"/>
             <a:ext cx="5598903" cy="4367143"/>
           </a:xfrm>
           <a:prstGeom prst="rect">
@@ -3430,7 +3435,7 @@
         </p:nvSpPr>
         <p:spPr>
           <a:xfrm>
-            <a:off x="5965372" y="4735306"/>
+            <a:off x="5773348" y="3738610"/>
             <a:ext cx="5258637" cy="1015663"/>
           </a:xfrm>
           <a:prstGeom prst="rect">
@@ -3513,7 +3518,7 @@
         </p:blipFill>
         <p:spPr>
           <a:xfrm>
-            <a:off x="3124571" y="1081381"/>
+            <a:off x="838571" y="386437"/>
             <a:ext cx="5942857" cy="4695238"/>
           </a:xfrm>
           <a:prstGeom prst="roundRect">
@@ -3575,6 +3580,1430 @@
           <a:chExt cx="0" cy="0"/>
         </a:xfrm>
       </p:grpSpPr>
+      <p:sp>
+        <p:nvSpPr>
+          <p:cNvPr id="2" name="Rectangle 1">
+            <a:extLst>
+              <a:ext uri="{FF2B5EF4-FFF2-40B4-BE49-F238E27FC236}">
+                <a16:creationId xmlns:a16="http://schemas.microsoft.com/office/drawing/2014/main" id="{916A6A6D-20BA-DC15-473A-DB416FF5CE4F}"/>
+              </a:ext>
+            </a:extLst>
+          </p:cNvPr>
+          <p:cNvSpPr/>
+          <p:nvPr/>
+        </p:nvSpPr>
+        <p:spPr>
+          <a:xfrm>
+            <a:off x="5429557" y="1697664"/>
+            <a:ext cx="96824" cy="94593"/>
+          </a:xfrm>
+          <a:prstGeom prst="rect">
+            <a:avLst/>
+          </a:prstGeom>
+        </p:spPr>
+        <p:style>
+          <a:lnRef idx="2">
+            <a:schemeClr val="accent1">
+              <a:shade val="15000"/>
+            </a:schemeClr>
+          </a:lnRef>
+          <a:fillRef idx="1">
+            <a:schemeClr val="accent1"/>
+          </a:fillRef>
+          <a:effectRef idx="0">
+            <a:schemeClr val="accent1"/>
+          </a:effectRef>
+          <a:fontRef idx="minor">
+            <a:schemeClr val="lt1"/>
+          </a:fontRef>
+        </p:style>
+        <p:txBody>
+          <a:bodyPr rtlCol="0" anchor="ctr"/>
+          <a:lstStyle/>
+          <a:p>
+            <a:pPr algn="ctr"/>
+            <a:endParaRPr lang="en-SG"/>
+          </a:p>
+        </p:txBody>
+      </p:sp>
+      <p:sp>
+        <p:nvSpPr>
+          <p:cNvPr id="3" name="Rectangle 2">
+            <a:extLst>
+              <a:ext uri="{FF2B5EF4-FFF2-40B4-BE49-F238E27FC236}">
+                <a16:creationId xmlns:a16="http://schemas.microsoft.com/office/drawing/2014/main" id="{9CCF8289-0524-56C3-A2BD-6285C37C99DB}"/>
+              </a:ext>
+            </a:extLst>
+          </p:cNvPr>
+          <p:cNvSpPr/>
+          <p:nvPr/>
+        </p:nvSpPr>
+        <p:spPr>
+          <a:xfrm>
+            <a:off x="4145633" y="1696906"/>
+            <a:ext cx="96824" cy="94593"/>
+          </a:xfrm>
+          <a:prstGeom prst="rect">
+            <a:avLst/>
+          </a:prstGeom>
+        </p:spPr>
+        <p:style>
+          <a:lnRef idx="2">
+            <a:schemeClr val="accent1">
+              <a:shade val="15000"/>
+            </a:schemeClr>
+          </a:lnRef>
+          <a:fillRef idx="1">
+            <a:schemeClr val="accent1"/>
+          </a:fillRef>
+          <a:effectRef idx="0">
+            <a:schemeClr val="accent1"/>
+          </a:effectRef>
+          <a:fontRef idx="minor">
+            <a:schemeClr val="lt1"/>
+          </a:fontRef>
+        </p:style>
+        <p:txBody>
+          <a:bodyPr rtlCol="0" anchor="ctr"/>
+          <a:lstStyle/>
+          <a:p>
+            <a:pPr algn="ctr"/>
+            <a:endParaRPr lang="en-SG"/>
+          </a:p>
+        </p:txBody>
+      </p:sp>
+      <p:sp>
+        <p:nvSpPr>
+          <p:cNvPr id="4" name="Rectangle 3">
+            <a:extLst>
+              <a:ext uri="{FF2B5EF4-FFF2-40B4-BE49-F238E27FC236}">
+                <a16:creationId xmlns:a16="http://schemas.microsoft.com/office/drawing/2014/main" id="{3C8C99B4-6D53-4A28-04B6-9EBFB545E301}"/>
+              </a:ext>
+            </a:extLst>
+          </p:cNvPr>
+          <p:cNvSpPr/>
+          <p:nvPr/>
+        </p:nvSpPr>
+        <p:spPr>
+          <a:xfrm>
+            <a:off x="2931342" y="792720"/>
+            <a:ext cx="4048489" cy="1012571"/>
+          </a:xfrm>
+          <a:prstGeom prst="rect">
+            <a:avLst/>
+          </a:prstGeom>
+          <a:solidFill>
+            <a:schemeClr val="accent1">
+              <a:lumMod val="75000"/>
+            </a:schemeClr>
+          </a:solidFill>
+        </p:spPr>
+        <p:style>
+          <a:lnRef idx="2">
+            <a:schemeClr val="accent1">
+              <a:shade val="15000"/>
+            </a:schemeClr>
+          </a:lnRef>
+          <a:fillRef idx="1">
+            <a:schemeClr val="accent1"/>
+          </a:fillRef>
+          <a:effectRef idx="0">
+            <a:schemeClr val="accent1"/>
+          </a:effectRef>
+          <a:fontRef idx="minor">
+            <a:schemeClr val="lt1"/>
+          </a:fontRef>
+        </p:style>
+        <p:txBody>
+          <a:bodyPr rtlCol="0" anchor="ctr"/>
+          <a:lstStyle/>
+          <a:p>
+            <a:pPr algn="ctr"/>
+            <a:endParaRPr lang="en-SG" sz="1600" b="1" dirty="0">
+              <a:solidFill>
+                <a:schemeClr val="bg1"/>
+              </a:solidFill>
+            </a:endParaRPr>
+          </a:p>
+        </p:txBody>
+      </p:sp>
+      <p:sp>
+        <p:nvSpPr>
+          <p:cNvPr id="5" name="Rectangle 4">
+            <a:extLst>
+              <a:ext uri="{FF2B5EF4-FFF2-40B4-BE49-F238E27FC236}">
+                <a16:creationId xmlns:a16="http://schemas.microsoft.com/office/drawing/2014/main" id="{3068CEE8-59E9-546C-D415-359AAB9FF2A8}"/>
+              </a:ext>
+            </a:extLst>
+          </p:cNvPr>
+          <p:cNvSpPr/>
+          <p:nvPr/>
+        </p:nvSpPr>
+        <p:spPr>
+          <a:xfrm>
+            <a:off x="290824" y="2609969"/>
+            <a:ext cx="2651342" cy="2673556"/>
+          </a:xfrm>
+          <a:prstGeom prst="rect">
+            <a:avLst/>
+          </a:prstGeom>
+          <a:solidFill>
+            <a:schemeClr val="accent2">
+              <a:lumMod val="20000"/>
+              <a:lumOff val="80000"/>
+            </a:schemeClr>
+          </a:solidFill>
+        </p:spPr>
+        <p:style>
+          <a:lnRef idx="2">
+            <a:schemeClr val="accent1">
+              <a:shade val="15000"/>
+            </a:schemeClr>
+          </a:lnRef>
+          <a:fillRef idx="1">
+            <a:schemeClr val="accent1"/>
+          </a:fillRef>
+          <a:effectRef idx="0">
+            <a:schemeClr val="accent1"/>
+          </a:effectRef>
+          <a:fontRef idx="minor">
+            <a:schemeClr val="lt1"/>
+          </a:fontRef>
+        </p:style>
+        <p:txBody>
+          <a:bodyPr rtlCol="0" anchor="ctr"/>
+          <a:lstStyle/>
+          <a:p>
+            <a:pPr algn="ctr"/>
+            <a:endParaRPr lang="en-SG" dirty="0"/>
+          </a:p>
+        </p:txBody>
+      </p:sp>
+      <p:sp>
+        <p:nvSpPr>
+          <p:cNvPr id="6" name="TextBox 5">
+            <a:extLst>
+              <a:ext uri="{FF2B5EF4-FFF2-40B4-BE49-F238E27FC236}">
+                <a16:creationId xmlns:a16="http://schemas.microsoft.com/office/drawing/2014/main" id="{E57A74F4-6ECA-3467-5151-543CE324D441}"/>
+              </a:ext>
+            </a:extLst>
+          </p:cNvPr>
+          <p:cNvSpPr txBox="1"/>
+          <p:nvPr/>
+        </p:nvSpPr>
+        <p:spPr>
+          <a:xfrm>
+            <a:off x="305204" y="2641646"/>
+            <a:ext cx="2544369" cy="584775"/>
+          </a:xfrm>
+          <a:prstGeom prst="rect">
+            <a:avLst/>
+          </a:prstGeom>
+          <a:noFill/>
+        </p:spPr>
+        <p:txBody>
+          <a:bodyPr wrap="square" rtlCol="0">
+            <a:spAutoFit/>
+          </a:bodyPr>
+          <a:lstStyle/>
+          <a:p>
+            <a:r>
+              <a:rPr lang="en-SG" sz="1600" b="1" dirty="0"/>
+              <a:t>Malicious Activities module Repository </a:t>
+            </a:r>
+          </a:p>
+        </p:txBody>
+      </p:sp>
+      <p:sp>
+        <p:nvSpPr>
+          <p:cNvPr id="8" name="Rectangle 7">
+            <a:extLst>
+              <a:ext uri="{FF2B5EF4-FFF2-40B4-BE49-F238E27FC236}">
+                <a16:creationId xmlns:a16="http://schemas.microsoft.com/office/drawing/2014/main" id="{1991B3D6-CF92-8E93-6B3A-42B73C66DBC6}"/>
+              </a:ext>
+            </a:extLst>
+          </p:cNvPr>
+          <p:cNvSpPr/>
+          <p:nvPr/>
+        </p:nvSpPr>
+        <p:spPr>
+          <a:xfrm>
+            <a:off x="412809" y="3275857"/>
+            <a:ext cx="2253399" cy="414661"/>
+          </a:xfrm>
+          <a:prstGeom prst="rect">
+            <a:avLst/>
+          </a:prstGeom>
+          <a:solidFill>
+            <a:schemeClr val="accent2">
+              <a:lumMod val="40000"/>
+              <a:lumOff val="60000"/>
+            </a:schemeClr>
+          </a:solidFill>
+          <a:ln>
+            <a:solidFill>
+              <a:srgbClr val="C00000"/>
+            </a:solidFill>
+            <a:prstDash val="sysDash"/>
+          </a:ln>
+        </p:spPr>
+        <p:style>
+          <a:lnRef idx="2">
+            <a:schemeClr val="accent1">
+              <a:shade val="15000"/>
+            </a:schemeClr>
+          </a:lnRef>
+          <a:fillRef idx="1">
+            <a:schemeClr val="accent1"/>
+          </a:fillRef>
+          <a:effectRef idx="0">
+            <a:schemeClr val="accent1"/>
+          </a:effectRef>
+          <a:fontRef idx="minor">
+            <a:schemeClr val="lt1"/>
+          </a:fontRef>
+        </p:style>
+        <p:txBody>
+          <a:bodyPr rtlCol="0" anchor="ctr"/>
+          <a:lstStyle/>
+          <a:p>
+            <a:r>
+              <a:rPr lang="en-SG" sz="1200" b="1" dirty="0">
+                <a:solidFill>
+                  <a:srgbClr val="C00000"/>
+                </a:solidFill>
+              </a:rPr>
+              <a:t>Credentials Compromise Attack Module  </a:t>
+            </a:r>
+          </a:p>
+        </p:txBody>
+      </p:sp>
+      <p:sp>
+        <p:nvSpPr>
+          <p:cNvPr id="9" name="Rectangle 8">
+            <a:extLst>
+              <a:ext uri="{FF2B5EF4-FFF2-40B4-BE49-F238E27FC236}">
+                <a16:creationId xmlns:a16="http://schemas.microsoft.com/office/drawing/2014/main" id="{209CE54E-6780-B303-F582-A7D4EF5BA5F6}"/>
+              </a:ext>
+            </a:extLst>
+          </p:cNvPr>
+          <p:cNvSpPr/>
+          <p:nvPr/>
+        </p:nvSpPr>
+        <p:spPr>
+          <a:xfrm>
+            <a:off x="3381153" y="2585704"/>
+            <a:ext cx="3115200" cy="2697821"/>
+          </a:xfrm>
+          <a:prstGeom prst="rect">
+            <a:avLst/>
+          </a:prstGeom>
+          <a:solidFill>
+            <a:schemeClr val="bg2"/>
+          </a:solidFill>
+        </p:spPr>
+        <p:style>
+          <a:lnRef idx="2">
+            <a:schemeClr val="accent1">
+              <a:shade val="15000"/>
+            </a:schemeClr>
+          </a:lnRef>
+          <a:fillRef idx="1">
+            <a:schemeClr val="accent1"/>
+          </a:fillRef>
+          <a:effectRef idx="0">
+            <a:schemeClr val="accent1"/>
+          </a:effectRef>
+          <a:fontRef idx="minor">
+            <a:schemeClr val="lt1"/>
+          </a:fontRef>
+        </p:style>
+        <p:txBody>
+          <a:bodyPr rtlCol="0" anchor="ctr"/>
+          <a:lstStyle/>
+          <a:p>
+            <a:pPr algn="ctr"/>
+            <a:endParaRPr lang="en-SG" dirty="0"/>
+          </a:p>
+        </p:txBody>
+      </p:sp>
+      <p:sp>
+        <p:nvSpPr>
+          <p:cNvPr id="10" name="TextBox 9">
+            <a:extLst>
+              <a:ext uri="{FF2B5EF4-FFF2-40B4-BE49-F238E27FC236}">
+                <a16:creationId xmlns:a16="http://schemas.microsoft.com/office/drawing/2014/main" id="{E4CA0A39-7065-4EE0-8460-36E758B5FD74}"/>
+              </a:ext>
+            </a:extLst>
+          </p:cNvPr>
+          <p:cNvSpPr txBox="1"/>
+          <p:nvPr/>
+        </p:nvSpPr>
+        <p:spPr>
+          <a:xfrm>
+            <a:off x="3417114" y="2626582"/>
+            <a:ext cx="3079239" cy="338554"/>
+          </a:xfrm>
+          <a:prstGeom prst="rect">
+            <a:avLst/>
+          </a:prstGeom>
+          <a:noFill/>
+        </p:spPr>
+        <p:txBody>
+          <a:bodyPr wrap="square" rtlCol="0">
+            <a:spAutoFit/>
+          </a:bodyPr>
+          <a:lstStyle/>
+          <a:p>
+            <a:r>
+              <a:rPr lang="en-SG" sz="1600" b="1" dirty="0"/>
+              <a:t>Ninja Malware Agent interface </a:t>
+            </a:r>
+          </a:p>
+        </p:txBody>
+      </p:sp>
+      <p:sp>
+        <p:nvSpPr>
+          <p:cNvPr id="11" name="Rectangle 10">
+            <a:extLst>
+              <a:ext uri="{FF2B5EF4-FFF2-40B4-BE49-F238E27FC236}">
+                <a16:creationId xmlns:a16="http://schemas.microsoft.com/office/drawing/2014/main" id="{26723BDB-239A-8AF3-E7D7-1F65B4A1C530}"/>
+              </a:ext>
+            </a:extLst>
+          </p:cNvPr>
+          <p:cNvSpPr/>
+          <p:nvPr/>
+        </p:nvSpPr>
+        <p:spPr>
+          <a:xfrm>
+            <a:off x="3524613" y="3071540"/>
+            <a:ext cx="2737963" cy="428160"/>
+          </a:xfrm>
+          <a:prstGeom prst="rect">
+            <a:avLst/>
+          </a:prstGeom>
+          <a:solidFill>
+            <a:schemeClr val="accent4">
+              <a:lumMod val="20000"/>
+              <a:lumOff val="80000"/>
+            </a:schemeClr>
+          </a:solidFill>
+          <a:ln>
+            <a:prstDash val="sysDash"/>
+          </a:ln>
+        </p:spPr>
+        <p:style>
+          <a:lnRef idx="2">
+            <a:schemeClr val="accent1">
+              <a:shade val="15000"/>
+            </a:schemeClr>
+          </a:lnRef>
+          <a:fillRef idx="1">
+            <a:schemeClr val="accent1"/>
+          </a:fillRef>
+          <a:effectRef idx="0">
+            <a:schemeClr val="accent1"/>
+          </a:effectRef>
+          <a:fontRef idx="minor">
+            <a:schemeClr val="lt1"/>
+          </a:fontRef>
+        </p:style>
+        <p:txBody>
+          <a:bodyPr rtlCol="0" anchor="ctr"/>
+          <a:lstStyle/>
+          <a:p>
+            <a:r>
+              <a:rPr lang="en-SG" sz="1200" b="1" dirty="0">
+                <a:solidFill>
+                  <a:schemeClr val="tx1"/>
+                </a:solidFill>
+              </a:rPr>
+              <a:t>Attack task synchronization (C2) and schedule module </a:t>
+            </a:r>
+          </a:p>
+        </p:txBody>
+      </p:sp>
+      <p:sp>
+        <p:nvSpPr>
+          <p:cNvPr id="12" name="Rectangle 11">
+            <a:extLst>
+              <a:ext uri="{FF2B5EF4-FFF2-40B4-BE49-F238E27FC236}">
+                <a16:creationId xmlns:a16="http://schemas.microsoft.com/office/drawing/2014/main" id="{1333E417-4638-8FDF-7A00-2C7B9DDC95E0}"/>
+              </a:ext>
+            </a:extLst>
+          </p:cNvPr>
+          <p:cNvSpPr/>
+          <p:nvPr/>
+        </p:nvSpPr>
+        <p:spPr>
+          <a:xfrm>
+            <a:off x="3545811" y="3642033"/>
+            <a:ext cx="2716765" cy="428161"/>
+          </a:xfrm>
+          <a:prstGeom prst="rect">
+            <a:avLst/>
+          </a:prstGeom>
+          <a:solidFill>
+            <a:schemeClr val="accent4">
+              <a:lumMod val="20000"/>
+              <a:lumOff val="80000"/>
+            </a:schemeClr>
+          </a:solidFill>
+          <a:ln>
+            <a:prstDash val="sysDash"/>
+          </a:ln>
+        </p:spPr>
+        <p:style>
+          <a:lnRef idx="2">
+            <a:schemeClr val="accent1">
+              <a:shade val="15000"/>
+            </a:schemeClr>
+          </a:lnRef>
+          <a:fillRef idx="1">
+            <a:schemeClr val="accent1"/>
+          </a:fillRef>
+          <a:effectRef idx="0">
+            <a:schemeClr val="accent1"/>
+          </a:effectRef>
+          <a:fontRef idx="minor">
+            <a:schemeClr val="lt1"/>
+          </a:fontRef>
+        </p:style>
+        <p:txBody>
+          <a:bodyPr rtlCol="0" anchor="ctr"/>
+          <a:lstStyle/>
+          <a:p>
+            <a:r>
+              <a:rPr lang="en-SG" sz="1200" b="1" dirty="0">
+                <a:solidFill>
+                  <a:schemeClr val="tx1"/>
+                </a:solidFill>
+              </a:rPr>
+              <a:t>Malicious Action Camouflage and communication encryption </a:t>
+            </a:r>
+          </a:p>
+        </p:txBody>
+      </p:sp>
+      <p:sp>
+        <p:nvSpPr>
+          <p:cNvPr id="13" name="Rectangle 12">
+            <a:extLst>
+              <a:ext uri="{FF2B5EF4-FFF2-40B4-BE49-F238E27FC236}">
+                <a16:creationId xmlns:a16="http://schemas.microsoft.com/office/drawing/2014/main" id="{FBF10D33-2BEA-49D1-ED79-FE5B14E8CFCE}"/>
+              </a:ext>
+            </a:extLst>
+          </p:cNvPr>
+          <p:cNvSpPr/>
+          <p:nvPr/>
+        </p:nvSpPr>
+        <p:spPr>
+          <a:xfrm>
+            <a:off x="3545811" y="4790458"/>
+            <a:ext cx="2716765" cy="370148"/>
+          </a:xfrm>
+          <a:prstGeom prst="rect">
+            <a:avLst/>
+          </a:prstGeom>
+          <a:solidFill>
+            <a:schemeClr val="accent4">
+              <a:lumMod val="20000"/>
+              <a:lumOff val="80000"/>
+            </a:schemeClr>
+          </a:solidFill>
+          <a:ln>
+            <a:prstDash val="sysDash"/>
+          </a:ln>
+        </p:spPr>
+        <p:style>
+          <a:lnRef idx="2">
+            <a:schemeClr val="accent1">
+              <a:shade val="15000"/>
+            </a:schemeClr>
+          </a:lnRef>
+          <a:fillRef idx="1">
+            <a:schemeClr val="accent1"/>
+          </a:fillRef>
+          <a:effectRef idx="0">
+            <a:schemeClr val="accent1"/>
+          </a:effectRef>
+          <a:fontRef idx="minor">
+            <a:schemeClr val="lt1"/>
+          </a:fontRef>
+        </p:style>
+        <p:txBody>
+          <a:bodyPr rtlCol="0" anchor="ctr"/>
+          <a:lstStyle/>
+          <a:p>
+            <a:r>
+              <a:rPr lang="en-SG" sz="1200" b="1" dirty="0">
+                <a:solidFill>
+                  <a:schemeClr val="tx1"/>
+                </a:solidFill>
+              </a:rPr>
+              <a:t>Self-protection watchdog module </a:t>
+            </a:r>
+          </a:p>
+        </p:txBody>
+      </p:sp>
+      <p:sp>
+        <p:nvSpPr>
+          <p:cNvPr id="14" name="Rectangle 13">
+            <a:extLst>
+              <a:ext uri="{FF2B5EF4-FFF2-40B4-BE49-F238E27FC236}">
+                <a16:creationId xmlns:a16="http://schemas.microsoft.com/office/drawing/2014/main" id="{75458D44-E310-FA7F-C0DD-279BD436222C}"/>
+              </a:ext>
+            </a:extLst>
+          </p:cNvPr>
+          <p:cNvSpPr/>
+          <p:nvPr/>
+        </p:nvSpPr>
+        <p:spPr>
+          <a:xfrm>
+            <a:off x="6870050" y="2574217"/>
+            <a:ext cx="3375293" cy="2697821"/>
+          </a:xfrm>
+          <a:prstGeom prst="rect">
+            <a:avLst/>
+          </a:prstGeom>
+          <a:solidFill>
+            <a:schemeClr val="accent6">
+              <a:lumMod val="20000"/>
+              <a:lumOff val="80000"/>
+            </a:schemeClr>
+          </a:solidFill>
+        </p:spPr>
+        <p:style>
+          <a:lnRef idx="2">
+            <a:schemeClr val="accent1">
+              <a:shade val="15000"/>
+            </a:schemeClr>
+          </a:lnRef>
+          <a:fillRef idx="1">
+            <a:schemeClr val="accent1"/>
+          </a:fillRef>
+          <a:effectRef idx="0">
+            <a:schemeClr val="accent1"/>
+          </a:effectRef>
+          <a:fontRef idx="minor">
+            <a:schemeClr val="lt1"/>
+          </a:fontRef>
+        </p:style>
+        <p:txBody>
+          <a:bodyPr rtlCol="0" anchor="ctr"/>
+          <a:lstStyle/>
+          <a:p>
+            <a:pPr algn="ctr"/>
+            <a:endParaRPr lang="en-SG" dirty="0"/>
+          </a:p>
+        </p:txBody>
+      </p:sp>
+      <p:sp>
+        <p:nvSpPr>
+          <p:cNvPr id="15" name="TextBox 14">
+            <a:extLst>
+              <a:ext uri="{FF2B5EF4-FFF2-40B4-BE49-F238E27FC236}">
+                <a16:creationId xmlns:a16="http://schemas.microsoft.com/office/drawing/2014/main" id="{0A7BDC0E-29A5-56DB-82A7-F84D2DBAA484}"/>
+              </a:ext>
+            </a:extLst>
+          </p:cNvPr>
+          <p:cNvSpPr txBox="1"/>
+          <p:nvPr/>
+        </p:nvSpPr>
+        <p:spPr>
+          <a:xfrm>
+            <a:off x="6987547" y="2585704"/>
+            <a:ext cx="3079728" cy="584775"/>
+          </a:xfrm>
+          <a:prstGeom prst="rect">
+            <a:avLst/>
+          </a:prstGeom>
+          <a:noFill/>
+        </p:spPr>
+        <p:txBody>
+          <a:bodyPr wrap="square" rtlCol="0">
+            <a:spAutoFit/>
+          </a:bodyPr>
+          <a:lstStyle/>
+          <a:p>
+            <a:r>
+              <a:rPr lang="en-SG" sz="1600" b="1" dirty="0">
+                <a:solidFill>
+                  <a:schemeClr val="tx1"/>
+                </a:solidFill>
+              </a:rPr>
+              <a:t>Command and Control (C2)</a:t>
+            </a:r>
+            <a:r>
+              <a:rPr lang="en-US" sz="1600" b="1" dirty="0">
+                <a:solidFill>
+                  <a:schemeClr val="tx1"/>
+                </a:solidFill>
+              </a:rPr>
+              <a:t> Orchestrator </a:t>
+            </a:r>
+            <a:r>
+              <a:rPr lang="en-SG" sz="1600" b="1" dirty="0"/>
+              <a:t> </a:t>
+            </a:r>
+          </a:p>
+        </p:txBody>
+      </p:sp>
+      <p:cxnSp>
+        <p:nvCxnSpPr>
+          <p:cNvPr id="20" name="Connector: Elbow 19">
+            <a:extLst>
+              <a:ext uri="{FF2B5EF4-FFF2-40B4-BE49-F238E27FC236}">
+                <a16:creationId xmlns:a16="http://schemas.microsoft.com/office/drawing/2014/main" id="{36D09372-D35E-250D-F599-A7F3CDF6B256}"/>
+              </a:ext>
+            </a:extLst>
+          </p:cNvPr>
+          <p:cNvCxnSpPr>
+            <a:cxnSpLocks/>
+            <a:stCxn id="3" idx="2"/>
+            <a:endCxn id="5" idx="0"/>
+          </p:cNvCxnSpPr>
+          <p:nvPr/>
+        </p:nvCxnSpPr>
+        <p:spPr>
+          <a:xfrm rot="5400000">
+            <a:off x="2496035" y="911959"/>
+            <a:ext cx="818470" cy="2577550"/>
+          </a:xfrm>
+          <a:prstGeom prst="bentConnector3">
+            <a:avLst>
+              <a:gd name="adj1" fmla="val 50000"/>
+            </a:avLst>
+          </a:prstGeom>
+          <a:ln>
+            <a:tailEnd type="triangle"/>
+          </a:ln>
+        </p:spPr>
+        <p:style>
+          <a:lnRef idx="2">
+            <a:schemeClr val="dk1"/>
+          </a:lnRef>
+          <a:fillRef idx="0">
+            <a:schemeClr val="dk1"/>
+          </a:fillRef>
+          <a:effectRef idx="1">
+            <a:schemeClr val="dk1"/>
+          </a:effectRef>
+          <a:fontRef idx="minor">
+            <a:schemeClr val="tx1"/>
+          </a:fontRef>
+        </p:style>
+      </p:cxnSp>
+      <p:cxnSp>
+        <p:nvCxnSpPr>
+          <p:cNvPr id="21" name="Straight Arrow Connector 20">
+            <a:extLst>
+              <a:ext uri="{FF2B5EF4-FFF2-40B4-BE49-F238E27FC236}">
+                <a16:creationId xmlns:a16="http://schemas.microsoft.com/office/drawing/2014/main" id="{09D72EA5-CA97-0584-7A9C-2C3953715A24}"/>
+              </a:ext>
+            </a:extLst>
+          </p:cNvPr>
+          <p:cNvCxnSpPr>
+            <a:cxnSpLocks/>
+          </p:cNvCxnSpPr>
+          <p:nvPr/>
+        </p:nvCxnSpPr>
+        <p:spPr>
+          <a:xfrm flipH="1">
+            <a:off x="4744851" y="1772161"/>
+            <a:ext cx="6960" cy="822966"/>
+          </a:xfrm>
+          <a:prstGeom prst="straightConnector1">
+            <a:avLst/>
+          </a:prstGeom>
+          <a:ln>
+            <a:solidFill>
+              <a:schemeClr val="tx1"/>
+            </a:solidFill>
+            <a:tailEnd type="triangle"/>
+          </a:ln>
+        </p:spPr>
+        <p:style>
+          <a:lnRef idx="2">
+            <a:schemeClr val="accent1"/>
+          </a:lnRef>
+          <a:fillRef idx="0">
+            <a:schemeClr val="accent1"/>
+          </a:fillRef>
+          <a:effectRef idx="1">
+            <a:schemeClr val="accent1"/>
+          </a:effectRef>
+          <a:fontRef idx="minor">
+            <a:schemeClr val="tx1"/>
+          </a:fontRef>
+        </p:style>
+      </p:cxnSp>
+      <p:cxnSp>
+        <p:nvCxnSpPr>
+          <p:cNvPr id="22" name="Connector: Elbow 21">
+            <a:extLst>
+              <a:ext uri="{FF2B5EF4-FFF2-40B4-BE49-F238E27FC236}">
+                <a16:creationId xmlns:a16="http://schemas.microsoft.com/office/drawing/2014/main" id="{E969037D-25AF-0565-D62A-D611A235E79D}"/>
+              </a:ext>
+            </a:extLst>
+          </p:cNvPr>
+          <p:cNvCxnSpPr>
+            <a:cxnSpLocks/>
+            <a:stCxn id="2" idx="2"/>
+            <a:endCxn id="14" idx="0"/>
+          </p:cNvCxnSpPr>
+          <p:nvPr/>
+        </p:nvCxnSpPr>
+        <p:spPr>
+          <a:xfrm rot="16200000" flipH="1">
+            <a:off x="6626853" y="643373"/>
+            <a:ext cx="781960" cy="3079728"/>
+          </a:xfrm>
+          <a:prstGeom prst="bentConnector3">
+            <a:avLst>
+              <a:gd name="adj1" fmla="val 50000"/>
+            </a:avLst>
+          </a:prstGeom>
+          <a:ln>
+            <a:tailEnd type="triangle"/>
+          </a:ln>
+        </p:spPr>
+        <p:style>
+          <a:lnRef idx="2">
+            <a:schemeClr val="dk1"/>
+          </a:lnRef>
+          <a:fillRef idx="0">
+            <a:schemeClr val="dk1"/>
+          </a:fillRef>
+          <a:effectRef idx="1">
+            <a:schemeClr val="dk1"/>
+          </a:effectRef>
+          <a:fontRef idx="minor">
+            <a:schemeClr val="tx1"/>
+          </a:fontRef>
+        </p:style>
+      </p:cxnSp>
+      <p:sp>
+        <p:nvSpPr>
+          <p:cNvPr id="23" name="TextBox 22">
+            <a:extLst>
+              <a:ext uri="{FF2B5EF4-FFF2-40B4-BE49-F238E27FC236}">
+                <a16:creationId xmlns:a16="http://schemas.microsoft.com/office/drawing/2014/main" id="{D1B60E67-C693-8AC9-0543-9A41EA7A2C8C}"/>
+              </a:ext>
+            </a:extLst>
+          </p:cNvPr>
+          <p:cNvSpPr txBox="1"/>
+          <p:nvPr/>
+        </p:nvSpPr>
+        <p:spPr>
+          <a:xfrm>
+            <a:off x="256168" y="898717"/>
+            <a:ext cx="1683505" cy="307777"/>
+          </a:xfrm>
+          <a:prstGeom prst="rect">
+            <a:avLst/>
+          </a:prstGeom>
+          <a:noFill/>
+        </p:spPr>
+        <p:txBody>
+          <a:bodyPr wrap="square" rtlCol="0">
+            <a:spAutoFit/>
+          </a:bodyPr>
+          <a:lstStyle/>
+          <a:p>
+            <a:r>
+              <a:rPr lang="en-SG" sz="1400" b="1" dirty="0">
+                <a:solidFill>
+                  <a:schemeClr val="tx1">
+                    <a:lumMod val="50000"/>
+                    <a:lumOff val="50000"/>
+                  </a:schemeClr>
+                </a:solidFill>
+              </a:rPr>
+              <a:t>System Structure </a:t>
+            </a:r>
+          </a:p>
+        </p:txBody>
+      </p:sp>
+      <p:sp>
+        <p:nvSpPr>
+          <p:cNvPr id="25" name="TextBox 24">
+            <a:extLst>
+              <a:ext uri="{FF2B5EF4-FFF2-40B4-BE49-F238E27FC236}">
+                <a16:creationId xmlns:a16="http://schemas.microsoft.com/office/drawing/2014/main" id="{52ED8240-E76E-7481-AE52-C196923D223A}"/>
+              </a:ext>
+            </a:extLst>
+          </p:cNvPr>
+          <p:cNvSpPr txBox="1"/>
+          <p:nvPr/>
+        </p:nvSpPr>
+        <p:spPr>
+          <a:xfrm>
+            <a:off x="2869624" y="976554"/>
+            <a:ext cx="3070973" cy="923330"/>
+          </a:xfrm>
+          <a:prstGeom prst="rect">
+            <a:avLst/>
+          </a:prstGeom>
+          <a:noFill/>
+        </p:spPr>
+        <p:txBody>
+          <a:bodyPr wrap="square" rtlCol="0">
+            <a:spAutoFit/>
+          </a:bodyPr>
+          <a:lstStyle/>
+          <a:p>
+            <a:pPr algn="ctr"/>
+            <a:r>
+              <a:rPr lang="en-SG" sz="1800" b="1" dirty="0">
+                <a:solidFill>
+                  <a:schemeClr val="bg1"/>
+                </a:solidFill>
+              </a:rPr>
+              <a:t>Ninja C2-Malware Cyber Attack Simulation System </a:t>
+            </a:r>
+          </a:p>
+          <a:p>
+            <a:pPr algn="ctr"/>
+            <a:endParaRPr lang="en-SG" dirty="0"/>
+          </a:p>
+        </p:txBody>
+      </p:sp>
+      <p:pic>
+        <p:nvPicPr>
+          <p:cNvPr id="28" name="Picture 27">
+            <a:extLst>
+              <a:ext uri="{FF2B5EF4-FFF2-40B4-BE49-F238E27FC236}">
+                <a16:creationId xmlns:a16="http://schemas.microsoft.com/office/drawing/2014/main" id="{41EFD07B-BF8C-A2B2-1C4C-EFAD5F1B6D8E}"/>
+              </a:ext>
+            </a:extLst>
+          </p:cNvPr>
+          <p:cNvPicPr>
+            <a:picLocks noChangeAspect="1"/>
+          </p:cNvPicPr>
+          <p:nvPr/>
+        </p:nvPicPr>
+        <p:blipFill>
+          <a:blip r:embed="rId2"/>
+          <a:stretch>
+            <a:fillRect/>
+          </a:stretch>
+        </p:blipFill>
+        <p:spPr>
+          <a:xfrm>
+            <a:off x="5878879" y="939064"/>
+            <a:ext cx="984211" cy="757842"/>
+          </a:xfrm>
+          <a:prstGeom prst="rect">
+            <a:avLst/>
+          </a:prstGeom>
+        </p:spPr>
+      </p:pic>
+      <p:sp>
+        <p:nvSpPr>
+          <p:cNvPr id="31" name="Rectangle 30">
+            <a:extLst>
+              <a:ext uri="{FF2B5EF4-FFF2-40B4-BE49-F238E27FC236}">
+                <a16:creationId xmlns:a16="http://schemas.microsoft.com/office/drawing/2014/main" id="{9FF40AD3-2E45-95A6-589D-149923FF0D5D}"/>
+              </a:ext>
+            </a:extLst>
+          </p:cNvPr>
+          <p:cNvSpPr/>
+          <p:nvPr/>
+        </p:nvSpPr>
+        <p:spPr>
+          <a:xfrm>
+            <a:off x="412809" y="3796339"/>
+            <a:ext cx="2253399" cy="307912"/>
+          </a:xfrm>
+          <a:prstGeom prst="rect">
+            <a:avLst/>
+          </a:prstGeom>
+          <a:solidFill>
+            <a:schemeClr val="accent2">
+              <a:lumMod val="40000"/>
+              <a:lumOff val="60000"/>
+            </a:schemeClr>
+          </a:solidFill>
+          <a:ln>
+            <a:solidFill>
+              <a:srgbClr val="C00000"/>
+            </a:solidFill>
+            <a:prstDash val="sysDash"/>
+          </a:ln>
+        </p:spPr>
+        <p:style>
+          <a:lnRef idx="2">
+            <a:schemeClr val="accent1">
+              <a:shade val="15000"/>
+            </a:schemeClr>
+          </a:lnRef>
+          <a:fillRef idx="1">
+            <a:schemeClr val="accent1"/>
+          </a:fillRef>
+          <a:effectRef idx="0">
+            <a:schemeClr val="accent1"/>
+          </a:effectRef>
+          <a:fontRef idx="minor">
+            <a:schemeClr val="lt1"/>
+          </a:fontRef>
+        </p:style>
+        <p:txBody>
+          <a:bodyPr rtlCol="0" anchor="ctr"/>
+          <a:lstStyle/>
+          <a:p>
+            <a:r>
+              <a:rPr lang="en-SG" sz="1200" b="1" dirty="0">
+                <a:solidFill>
+                  <a:srgbClr val="C00000"/>
+                </a:solidFill>
+              </a:rPr>
+              <a:t>Scan and eavesdrop Module</a:t>
+            </a:r>
+          </a:p>
+        </p:txBody>
+      </p:sp>
+      <p:sp>
+        <p:nvSpPr>
+          <p:cNvPr id="32" name="Rectangle 31">
+            <a:extLst>
+              <a:ext uri="{FF2B5EF4-FFF2-40B4-BE49-F238E27FC236}">
+                <a16:creationId xmlns:a16="http://schemas.microsoft.com/office/drawing/2014/main" id="{3787030E-A280-EA36-EAAB-DD730AB7714E}"/>
+              </a:ext>
+            </a:extLst>
+          </p:cNvPr>
+          <p:cNvSpPr/>
+          <p:nvPr/>
+        </p:nvSpPr>
+        <p:spPr>
+          <a:xfrm>
+            <a:off x="412809" y="4232020"/>
+            <a:ext cx="2253399" cy="307912"/>
+          </a:xfrm>
+          <a:prstGeom prst="rect">
+            <a:avLst/>
+          </a:prstGeom>
+          <a:solidFill>
+            <a:schemeClr val="accent2">
+              <a:lumMod val="40000"/>
+              <a:lumOff val="60000"/>
+            </a:schemeClr>
+          </a:solidFill>
+          <a:ln>
+            <a:solidFill>
+              <a:srgbClr val="C00000"/>
+            </a:solidFill>
+            <a:prstDash val="sysDash"/>
+          </a:ln>
+        </p:spPr>
+        <p:style>
+          <a:lnRef idx="2">
+            <a:schemeClr val="accent1">
+              <a:shade val="15000"/>
+            </a:schemeClr>
+          </a:lnRef>
+          <a:fillRef idx="1">
+            <a:schemeClr val="accent1"/>
+          </a:fillRef>
+          <a:effectRef idx="0">
+            <a:schemeClr val="accent1"/>
+          </a:effectRef>
+          <a:fontRef idx="minor">
+            <a:schemeClr val="lt1"/>
+          </a:fontRef>
+        </p:style>
+        <p:txBody>
+          <a:bodyPr rtlCol="0" anchor="ctr"/>
+          <a:lstStyle/>
+          <a:p>
+            <a:r>
+              <a:rPr lang="en-SG" sz="1200" b="1" dirty="0">
+                <a:solidFill>
+                  <a:srgbClr val="C00000"/>
+                </a:solidFill>
+              </a:rPr>
+              <a:t>Denial of Service Module</a:t>
+            </a:r>
+          </a:p>
+        </p:txBody>
+      </p:sp>
+      <p:sp>
+        <p:nvSpPr>
+          <p:cNvPr id="33" name="Rectangle 32">
+            <a:extLst>
+              <a:ext uri="{FF2B5EF4-FFF2-40B4-BE49-F238E27FC236}">
+                <a16:creationId xmlns:a16="http://schemas.microsoft.com/office/drawing/2014/main" id="{5691DFF1-58BC-1A9A-0A49-DFFB3FBD5681}"/>
+              </a:ext>
+            </a:extLst>
+          </p:cNvPr>
+          <p:cNvSpPr/>
+          <p:nvPr/>
+        </p:nvSpPr>
+        <p:spPr>
+          <a:xfrm>
+            <a:off x="412809" y="4670003"/>
+            <a:ext cx="2253399" cy="414213"/>
+          </a:xfrm>
+          <a:prstGeom prst="rect">
+            <a:avLst/>
+          </a:prstGeom>
+          <a:solidFill>
+            <a:schemeClr val="accent2">
+              <a:lumMod val="40000"/>
+              <a:lumOff val="60000"/>
+            </a:schemeClr>
+          </a:solidFill>
+          <a:ln>
+            <a:solidFill>
+              <a:srgbClr val="C00000"/>
+            </a:solidFill>
+            <a:prstDash val="sysDash"/>
+          </a:ln>
+        </p:spPr>
+        <p:style>
+          <a:lnRef idx="2">
+            <a:schemeClr val="accent1">
+              <a:shade val="15000"/>
+            </a:schemeClr>
+          </a:lnRef>
+          <a:fillRef idx="1">
+            <a:schemeClr val="accent1"/>
+          </a:fillRef>
+          <a:effectRef idx="0">
+            <a:schemeClr val="accent1"/>
+          </a:effectRef>
+          <a:fontRef idx="minor">
+            <a:schemeClr val="lt1"/>
+          </a:fontRef>
+        </p:style>
+        <p:txBody>
+          <a:bodyPr rtlCol="0" anchor="ctr"/>
+          <a:lstStyle/>
+          <a:p>
+            <a:r>
+              <a:rPr lang="en-SG" sz="1200" b="1" dirty="0">
+                <a:solidFill>
+                  <a:srgbClr val="C00000"/>
+                </a:solidFill>
+              </a:rPr>
+              <a:t>Destruction and phishing Attack Module</a:t>
+            </a:r>
+          </a:p>
+        </p:txBody>
+      </p:sp>
+      <p:sp>
+        <p:nvSpPr>
+          <p:cNvPr id="35" name="Rectangle 34">
+            <a:extLst>
+              <a:ext uri="{FF2B5EF4-FFF2-40B4-BE49-F238E27FC236}">
+                <a16:creationId xmlns:a16="http://schemas.microsoft.com/office/drawing/2014/main" id="{01FB8868-8E10-0716-B912-039EAB059009}"/>
+              </a:ext>
+            </a:extLst>
+          </p:cNvPr>
+          <p:cNvSpPr/>
+          <p:nvPr/>
+        </p:nvSpPr>
+        <p:spPr>
+          <a:xfrm>
+            <a:off x="3545811" y="4239378"/>
+            <a:ext cx="2716765" cy="428161"/>
+          </a:xfrm>
+          <a:prstGeom prst="rect">
+            <a:avLst/>
+          </a:prstGeom>
+          <a:solidFill>
+            <a:schemeClr val="accent4">
+              <a:lumMod val="20000"/>
+              <a:lumOff val="80000"/>
+            </a:schemeClr>
+          </a:solidFill>
+          <a:ln>
+            <a:prstDash val="sysDash"/>
+          </a:ln>
+        </p:spPr>
+        <p:style>
+          <a:lnRef idx="2">
+            <a:schemeClr val="accent1">
+              <a:shade val="15000"/>
+            </a:schemeClr>
+          </a:lnRef>
+          <a:fillRef idx="1">
+            <a:schemeClr val="accent1"/>
+          </a:fillRef>
+          <a:effectRef idx="0">
+            <a:schemeClr val="accent1"/>
+          </a:effectRef>
+          <a:fontRef idx="minor">
+            <a:schemeClr val="lt1"/>
+          </a:fontRef>
+        </p:style>
+        <p:txBody>
+          <a:bodyPr rtlCol="0" anchor="ctr"/>
+          <a:lstStyle/>
+          <a:p>
+            <a:r>
+              <a:rPr lang="en-SG" sz="1200" b="1" dirty="0">
+                <a:solidFill>
+                  <a:schemeClr val="tx1"/>
+                </a:solidFill>
+              </a:rPr>
+              <a:t>Malicious Action module assemble function </a:t>
+            </a:r>
+          </a:p>
+        </p:txBody>
+      </p:sp>
+      <p:pic>
+        <p:nvPicPr>
+          <p:cNvPr id="40" name="Picture 39">
+            <a:extLst>
+              <a:ext uri="{FF2B5EF4-FFF2-40B4-BE49-F238E27FC236}">
+                <a16:creationId xmlns:a16="http://schemas.microsoft.com/office/drawing/2014/main" id="{677C29A9-81B5-5C1E-CD32-E6FB7A117031}"/>
+              </a:ext>
+            </a:extLst>
+          </p:cNvPr>
+          <p:cNvPicPr>
+            <a:picLocks noChangeAspect="1"/>
+          </p:cNvPicPr>
+          <p:nvPr/>
+        </p:nvPicPr>
+        <p:blipFill>
+          <a:blip r:embed="rId3"/>
+          <a:stretch>
+            <a:fillRect/>
+          </a:stretch>
+        </p:blipFill>
+        <p:spPr>
+          <a:xfrm>
+            <a:off x="8587836" y="3186811"/>
+            <a:ext cx="1527011" cy="1084178"/>
+          </a:xfrm>
+          <a:prstGeom prst="rect">
+            <a:avLst/>
+          </a:prstGeom>
+          <a:ln w="9525">
+            <a:solidFill>
+              <a:schemeClr val="tx1"/>
+            </a:solidFill>
+          </a:ln>
+        </p:spPr>
+      </p:pic>
+      <p:sp>
+        <p:nvSpPr>
+          <p:cNvPr id="41" name="Rectangle 40">
+            <a:extLst>
+              <a:ext uri="{FF2B5EF4-FFF2-40B4-BE49-F238E27FC236}">
+                <a16:creationId xmlns:a16="http://schemas.microsoft.com/office/drawing/2014/main" id="{AC18D5AC-16AD-97AD-FBFE-3BF12EBEDA43}"/>
+              </a:ext>
+            </a:extLst>
+          </p:cNvPr>
+          <p:cNvSpPr/>
+          <p:nvPr/>
+        </p:nvSpPr>
+        <p:spPr>
+          <a:xfrm>
+            <a:off x="8587836" y="4307213"/>
+            <a:ext cx="1627045" cy="446330"/>
+          </a:xfrm>
+          <a:prstGeom prst="rect">
+            <a:avLst/>
+          </a:prstGeom>
+          <a:noFill/>
+          <a:ln>
+            <a:noFill/>
+            <a:prstDash val="sysDash"/>
+          </a:ln>
+        </p:spPr>
+        <p:style>
+          <a:lnRef idx="2">
+            <a:schemeClr val="accent1">
+              <a:shade val="15000"/>
+            </a:schemeClr>
+          </a:lnRef>
+          <a:fillRef idx="1">
+            <a:schemeClr val="accent1"/>
+          </a:fillRef>
+          <a:effectRef idx="0">
+            <a:schemeClr val="accent1"/>
+          </a:effectRef>
+          <a:fontRef idx="minor">
+            <a:schemeClr val="lt1"/>
+          </a:fontRef>
+        </p:style>
+        <p:txBody>
+          <a:bodyPr rtlCol="0" anchor="ctr"/>
+          <a:lstStyle/>
+          <a:p>
+            <a:r>
+              <a:rPr lang="en-SG" sz="1200" b="1" dirty="0">
+                <a:solidFill>
+                  <a:schemeClr val="tx1"/>
+                </a:solidFill>
+              </a:rPr>
+              <a:t>Attack tasks assign  bulletin board</a:t>
+            </a:r>
+          </a:p>
+        </p:txBody>
+      </p:sp>
+      <p:pic>
+        <p:nvPicPr>
+          <p:cNvPr id="44" name="Picture 43">
+            <a:extLst>
+              <a:ext uri="{FF2B5EF4-FFF2-40B4-BE49-F238E27FC236}">
+                <a16:creationId xmlns:a16="http://schemas.microsoft.com/office/drawing/2014/main" id="{17BA3D5D-A44D-78B4-E1CC-BCD2CB38B67B}"/>
+              </a:ext>
+            </a:extLst>
+          </p:cNvPr>
+          <p:cNvPicPr>
+            <a:picLocks noChangeAspect="1"/>
+          </p:cNvPicPr>
+          <p:nvPr/>
+        </p:nvPicPr>
+        <p:blipFill>
+          <a:blip r:embed="rId4"/>
+          <a:stretch>
+            <a:fillRect/>
+          </a:stretch>
+        </p:blipFill>
+        <p:spPr>
+          <a:xfrm>
+            <a:off x="6978374" y="3193830"/>
+            <a:ext cx="1440709" cy="1082957"/>
+          </a:xfrm>
+          <a:prstGeom prst="rect">
+            <a:avLst/>
+          </a:prstGeom>
+          <a:ln w="6350">
+            <a:solidFill>
+              <a:schemeClr val="tx1"/>
+            </a:solidFill>
+          </a:ln>
+        </p:spPr>
+      </p:pic>
+      <p:sp>
+        <p:nvSpPr>
+          <p:cNvPr id="45" name="Rectangle 44">
+            <a:extLst>
+              <a:ext uri="{FF2B5EF4-FFF2-40B4-BE49-F238E27FC236}">
+                <a16:creationId xmlns:a16="http://schemas.microsoft.com/office/drawing/2014/main" id="{9C47021B-B2F1-60F1-7F9F-1ED969D47A5F}"/>
+              </a:ext>
+            </a:extLst>
+          </p:cNvPr>
+          <p:cNvSpPr/>
+          <p:nvPr/>
+        </p:nvSpPr>
+        <p:spPr>
+          <a:xfrm>
+            <a:off x="6917412" y="4300138"/>
+            <a:ext cx="1627045" cy="446330"/>
+          </a:xfrm>
+          <a:prstGeom prst="rect">
+            <a:avLst/>
+          </a:prstGeom>
+          <a:noFill/>
+          <a:ln>
+            <a:noFill/>
+            <a:prstDash val="sysDash"/>
+          </a:ln>
+        </p:spPr>
+        <p:style>
+          <a:lnRef idx="2">
+            <a:schemeClr val="accent1">
+              <a:shade val="15000"/>
+            </a:schemeClr>
+          </a:lnRef>
+          <a:fillRef idx="1">
+            <a:schemeClr val="accent1"/>
+          </a:fillRef>
+          <a:effectRef idx="0">
+            <a:schemeClr val="accent1"/>
+          </a:effectRef>
+          <a:fontRef idx="minor">
+            <a:schemeClr val="lt1"/>
+          </a:fontRef>
+        </p:style>
+        <p:txBody>
+          <a:bodyPr rtlCol="0" anchor="ctr"/>
+          <a:lstStyle/>
+          <a:p>
+            <a:r>
+              <a:rPr lang="en-SG" sz="1200" b="1" dirty="0">
+                <a:solidFill>
+                  <a:schemeClr val="tx1"/>
+                </a:solidFill>
+              </a:rPr>
+              <a:t>Malwares management board</a:t>
+            </a:r>
+          </a:p>
+        </p:txBody>
+      </p:sp>
+      <p:sp>
+        <p:nvSpPr>
+          <p:cNvPr id="46" name="Rectangle 45">
+            <a:extLst>
+              <a:ext uri="{FF2B5EF4-FFF2-40B4-BE49-F238E27FC236}">
+                <a16:creationId xmlns:a16="http://schemas.microsoft.com/office/drawing/2014/main" id="{75E005C0-1E01-FCFC-9495-86306FE30701}"/>
+              </a:ext>
+            </a:extLst>
+          </p:cNvPr>
+          <p:cNvSpPr/>
+          <p:nvPr/>
+        </p:nvSpPr>
+        <p:spPr>
+          <a:xfrm>
+            <a:off x="6999135" y="4789908"/>
+            <a:ext cx="3068140" cy="370148"/>
+          </a:xfrm>
+          <a:prstGeom prst="rect">
+            <a:avLst/>
+          </a:prstGeom>
+          <a:solidFill>
+            <a:schemeClr val="accent4">
+              <a:lumMod val="20000"/>
+              <a:lumOff val="80000"/>
+            </a:schemeClr>
+          </a:solidFill>
+          <a:ln>
+            <a:prstDash val="sysDash"/>
+          </a:ln>
+        </p:spPr>
+        <p:style>
+          <a:lnRef idx="2">
+            <a:schemeClr val="accent1">
+              <a:shade val="15000"/>
+            </a:schemeClr>
+          </a:lnRef>
+          <a:fillRef idx="1">
+            <a:schemeClr val="accent1"/>
+          </a:fillRef>
+          <a:effectRef idx="0">
+            <a:schemeClr val="accent1"/>
+          </a:effectRef>
+          <a:fontRef idx="minor">
+            <a:schemeClr val="lt1"/>
+          </a:fontRef>
+        </p:style>
+        <p:txBody>
+          <a:bodyPr rtlCol="0" anchor="ctr"/>
+          <a:lstStyle/>
+          <a:p>
+            <a:r>
+              <a:rPr lang="en-SG" sz="1200" b="1">
+                <a:solidFill>
+                  <a:schemeClr val="tx1"/>
+                </a:solidFill>
+              </a:rPr>
+              <a:t>Malware tasks </a:t>
+            </a:r>
+            <a:r>
+              <a:rPr lang="en-SG" sz="1200" b="1" dirty="0">
+                <a:solidFill>
+                  <a:schemeClr val="tx1"/>
+                </a:solidFill>
+              </a:rPr>
+              <a:t>management module and result archive data base.</a:t>
+            </a:r>
+          </a:p>
+        </p:txBody>
+      </p:sp>
     </p:spTree>
     <p:extLst>
       <p:ext uri="{BB962C8B-B14F-4D97-AF65-F5344CB8AC3E}">

--- a/doc/designDoc.pptx
+++ b/doc/designDoc.pptx
@@ -3594,7 +3594,7 @@
         </p:nvSpPr>
         <p:spPr>
           <a:xfrm>
-            <a:off x="5429557" y="1697664"/>
+            <a:off x="6120673" y="1676399"/>
             <a:ext cx="96824" cy="94593"/>
           </a:xfrm>
           <a:prstGeom prst="rect">
@@ -3640,7 +3640,7 @@
         </p:nvSpPr>
         <p:spPr>
           <a:xfrm>
-            <a:off x="4145633" y="1696906"/>
+            <a:off x="4836749" y="1675641"/>
             <a:ext cx="96824" cy="94593"/>
           </a:xfrm>
           <a:prstGeom prst="rect">
@@ -3686,7 +3686,7 @@
         </p:nvSpPr>
         <p:spPr>
           <a:xfrm>
-            <a:off x="2931342" y="792720"/>
+            <a:off x="3622458" y="771455"/>
             <a:ext cx="4048489" cy="1012571"/>
           </a:xfrm>
           <a:prstGeom prst="rect">
@@ -3741,7 +3741,7 @@
         </p:nvSpPr>
         <p:spPr>
           <a:xfrm>
-            <a:off x="290824" y="2609969"/>
+            <a:off x="981940" y="2588704"/>
             <a:ext cx="2651342" cy="2673556"/>
           </a:xfrm>
           <a:prstGeom prst="rect">
@@ -3793,7 +3793,7 @@
         </p:nvSpPr>
         <p:spPr>
           <a:xfrm>
-            <a:off x="305204" y="2641646"/>
+            <a:off x="996320" y="2620381"/>
             <a:ext cx="2544369" cy="584775"/>
           </a:xfrm>
           <a:prstGeom prst="rect">
@@ -3809,7 +3809,7 @@
           <a:p>
             <a:r>
               <a:rPr lang="en-SG" sz="1600" b="1" dirty="0"/>
-              <a:t>Malicious Activities module Repository </a:t>
+              <a:t>Malicious Activities Plugin Repository </a:t>
             </a:r>
           </a:p>
         </p:txBody>
@@ -3828,7 +3828,7 @@
         </p:nvSpPr>
         <p:spPr>
           <a:xfrm>
-            <a:off x="412809" y="3275857"/>
+            <a:off x="1103925" y="3254592"/>
             <a:ext cx="2253399" cy="414661"/>
           </a:xfrm>
           <a:prstGeom prst="rect">
@@ -3873,7 +3873,7 @@
                   <a:srgbClr val="C00000"/>
                 </a:solidFill>
               </a:rPr>
-              <a:t>Credentials Compromise Attack Module  </a:t>
+              <a:t>Credentials compromise attack modules  </a:t>
             </a:r>
           </a:p>
         </p:txBody>
@@ -3892,7 +3892,7 @@
         </p:nvSpPr>
         <p:spPr>
           <a:xfrm>
-            <a:off x="3381153" y="2585704"/>
+            <a:off x="4072269" y="2564439"/>
             <a:ext cx="3115200" cy="2697821"/>
           </a:xfrm>
           <a:prstGeom prst="rect">
@@ -3941,7 +3941,7 @@
         </p:nvSpPr>
         <p:spPr>
           <a:xfrm>
-            <a:off x="3417114" y="2626582"/>
+            <a:off x="4108230" y="2605317"/>
             <a:ext cx="3079239" cy="338554"/>
           </a:xfrm>
           <a:prstGeom prst="rect">
@@ -3957,7 +3957,7 @@
           <a:p>
             <a:r>
               <a:rPr lang="en-SG" sz="1600" b="1" dirty="0"/>
-              <a:t>Ninja Malware Agent interface </a:t>
+              <a:t>Ninja Malware Agent Interface </a:t>
             </a:r>
           </a:p>
         </p:txBody>
@@ -3976,7 +3976,7 @@
         </p:nvSpPr>
         <p:spPr>
           <a:xfrm>
-            <a:off x="3524613" y="3071540"/>
+            <a:off x="4215729" y="3050275"/>
             <a:ext cx="2737963" cy="428160"/>
           </a:xfrm>
           <a:prstGeom prst="rect">
@@ -4037,7 +4037,7 @@
         </p:nvSpPr>
         <p:spPr>
           <a:xfrm>
-            <a:off x="3545811" y="3642033"/>
+            <a:off x="4236927" y="3620768"/>
             <a:ext cx="2716765" cy="428161"/>
           </a:xfrm>
           <a:prstGeom prst="rect">
@@ -4079,7 +4079,7 @@
                   <a:schemeClr val="tx1"/>
                 </a:solidFill>
               </a:rPr>
-              <a:t>Malicious Action Camouflage and communication encryption </a:t>
+              <a:t>Malicious action camouflage and communication encryption </a:t>
             </a:r>
           </a:p>
         </p:txBody>
@@ -4098,7 +4098,7 @@
         </p:nvSpPr>
         <p:spPr>
           <a:xfrm>
-            <a:off x="3545811" y="4790458"/>
+            <a:off x="4236927" y="4769193"/>
             <a:ext cx="2716765" cy="370148"/>
           </a:xfrm>
           <a:prstGeom prst="rect">
@@ -4159,7 +4159,7 @@
         </p:nvSpPr>
         <p:spPr>
           <a:xfrm>
-            <a:off x="6870050" y="2574217"/>
+            <a:off x="7561166" y="2552952"/>
             <a:ext cx="3375293" cy="2697821"/>
           </a:xfrm>
           <a:prstGeom prst="rect">
@@ -4211,7 +4211,7 @@
         </p:nvSpPr>
         <p:spPr>
           <a:xfrm>
-            <a:off x="6987547" y="2585704"/>
+            <a:off x="7678663" y="2564439"/>
             <a:ext cx="3079728" cy="584775"/>
           </a:xfrm>
           <a:prstGeom prst="rect">
@@ -4266,7 +4266,7 @@
         </p:nvCxnSpPr>
         <p:spPr>
           <a:xfrm rot="5400000">
-            <a:off x="2496035" y="911959"/>
+            <a:off x="3187151" y="890694"/>
             <a:ext cx="818470" cy="2577550"/>
           </a:xfrm>
           <a:prstGeom prst="bentConnector3">
@@ -4309,7 +4309,7 @@
         </p:nvCxnSpPr>
         <p:spPr>
           <a:xfrm flipH="1">
-            <a:off x="4744851" y="1772161"/>
+            <a:off x="5435967" y="1750896"/>
             <a:ext cx="6960" cy="822966"/>
           </a:xfrm>
           <a:prstGeom prst="straightConnector1">
@@ -4355,7 +4355,7 @@
         </p:nvCxnSpPr>
         <p:spPr>
           <a:xfrm rot="16200000" flipH="1">
-            <a:off x="6626853" y="643373"/>
+            <a:off x="7317969" y="622108"/>
             <a:ext cx="781960" cy="3079728"/>
           </a:xfrm>
           <a:prstGeom prst="bentConnector3">
@@ -4396,8 +4396,8 @@
         </p:nvSpPr>
         <p:spPr>
           <a:xfrm>
-            <a:off x="256168" y="898717"/>
-            <a:ext cx="1683505" cy="307777"/>
+            <a:off x="1059024" y="763910"/>
+            <a:ext cx="1939357" cy="338554"/>
           </a:xfrm>
           <a:prstGeom prst="rect">
             <a:avLst/>
@@ -4411,7 +4411,7 @@
           <a:lstStyle/>
           <a:p>
             <a:r>
-              <a:rPr lang="en-SG" sz="1400" b="1" dirty="0">
+              <a:rPr lang="en-SG" sz="1600" b="1" dirty="0">
                 <a:solidFill>
                   <a:schemeClr val="tx1">
                     <a:lumMod val="50000"/>
@@ -4438,7 +4438,7 @@
         </p:nvSpPr>
         <p:spPr>
           <a:xfrm>
-            <a:off x="2869624" y="976554"/>
+            <a:off x="3560740" y="955289"/>
             <a:ext cx="3070973" cy="923330"/>
           </a:xfrm>
           <a:prstGeom prst="rect">
@@ -4490,7 +4490,7 @@
         </p:blipFill>
         <p:spPr>
           <a:xfrm>
-            <a:off x="5878879" y="939064"/>
+            <a:off x="6569995" y="917799"/>
             <a:ext cx="984211" cy="757842"/>
           </a:xfrm>
           <a:prstGeom prst="rect">
@@ -4512,7 +4512,7 @@
         </p:nvSpPr>
         <p:spPr>
           <a:xfrm>
-            <a:off x="412809" y="3796339"/>
+            <a:off x="1103925" y="3775074"/>
             <a:ext cx="2253399" cy="307912"/>
           </a:xfrm>
           <a:prstGeom prst="rect">
@@ -4557,7 +4557,7 @@
                   <a:srgbClr val="C00000"/>
                 </a:solidFill>
               </a:rPr>
-              <a:t>Scan and eavesdrop Module</a:t>
+              <a:t>Scan and eavesdrop modules</a:t>
             </a:r>
           </a:p>
         </p:txBody>
@@ -4576,7 +4576,7 @@
         </p:nvSpPr>
         <p:spPr>
           <a:xfrm>
-            <a:off x="412809" y="4232020"/>
+            <a:off x="1103925" y="4210755"/>
             <a:ext cx="2253399" cy="307912"/>
           </a:xfrm>
           <a:prstGeom prst="rect">
@@ -4621,7 +4621,7 @@
                   <a:srgbClr val="C00000"/>
                 </a:solidFill>
               </a:rPr>
-              <a:t>Denial of Service Module</a:t>
+              <a:t>Denial of service modules</a:t>
             </a:r>
           </a:p>
         </p:txBody>
@@ -4640,7 +4640,7 @@
         </p:nvSpPr>
         <p:spPr>
           <a:xfrm>
-            <a:off x="412809" y="4670003"/>
+            <a:off x="1103925" y="4648738"/>
             <a:ext cx="2253399" cy="414213"/>
           </a:xfrm>
           <a:prstGeom prst="rect">
@@ -4685,7 +4685,7 @@
                   <a:srgbClr val="C00000"/>
                 </a:solidFill>
               </a:rPr>
-              <a:t>Destruction and phishing Attack Module</a:t>
+              <a:t>Destruction and phishing attack modules</a:t>
             </a:r>
           </a:p>
         </p:txBody>
@@ -4704,7 +4704,7 @@
         </p:nvSpPr>
         <p:spPr>
           <a:xfrm>
-            <a:off x="3545811" y="4239378"/>
+            <a:off x="4236927" y="4218113"/>
             <a:ext cx="2716765" cy="428161"/>
           </a:xfrm>
           <a:prstGeom prst="rect">
@@ -4746,7 +4746,7 @@
                   <a:schemeClr val="tx1"/>
                 </a:solidFill>
               </a:rPr>
-              <a:t>Malicious Action module assemble function </a:t>
+              <a:t>Malicious action module/plug-in assemble function </a:t>
             </a:r>
           </a:p>
         </p:txBody>
@@ -4773,7 +4773,7 @@
         </p:blipFill>
         <p:spPr>
           <a:xfrm>
-            <a:off x="8587836" y="3186811"/>
+            <a:off x="9278952" y="3165546"/>
             <a:ext cx="1527011" cy="1084178"/>
           </a:xfrm>
           <a:prstGeom prst="rect">
@@ -4800,7 +4800,7 @@
         </p:nvSpPr>
         <p:spPr>
           <a:xfrm>
-            <a:off x="8587836" y="4307213"/>
+            <a:off x="9291821" y="3817969"/>
             <a:ext cx="1627045" cy="446330"/>
           </a:xfrm>
           <a:prstGeom prst="rect">
@@ -4835,7 +4835,7 @@
             <a:r>
               <a:rPr lang="en-SG" sz="1200" b="1" dirty="0">
                 <a:solidFill>
-                  <a:schemeClr val="tx1"/>
+                  <a:schemeClr val="bg1"/>
                 </a:solidFill>
               </a:rPr>
               <a:t>Attack tasks assign  bulletin board</a:t>
@@ -4865,7 +4865,7 @@
         </p:blipFill>
         <p:spPr>
           <a:xfrm>
-            <a:off x="6978374" y="3193830"/>
+            <a:off x="7669490" y="3172565"/>
             <a:ext cx="1440709" cy="1082957"/>
           </a:xfrm>
           <a:prstGeom prst="rect">
@@ -4892,7 +4892,7 @@
         </p:nvSpPr>
         <p:spPr>
           <a:xfrm>
-            <a:off x="6917412" y="4300138"/>
+            <a:off x="7651420" y="3832543"/>
             <a:ext cx="1627045" cy="446330"/>
           </a:xfrm>
           <a:prstGeom prst="rect">
@@ -4927,7 +4927,7 @@
             <a:r>
               <a:rPr lang="en-SG" sz="1200" b="1" dirty="0">
                 <a:solidFill>
-                  <a:schemeClr val="tx1"/>
+                  <a:schemeClr val="bg1"/>
                 </a:solidFill>
               </a:rPr>
               <a:t>Malwares management board</a:t>
@@ -4949,16 +4949,16 @@
         </p:nvSpPr>
         <p:spPr>
           <a:xfrm>
-            <a:off x="6999135" y="4789908"/>
-            <a:ext cx="3068140" cy="370148"/>
+            <a:off x="7690251" y="4396610"/>
+            <a:ext cx="3068140" cy="281563"/>
           </a:xfrm>
           <a:prstGeom prst="rect">
             <a:avLst/>
           </a:prstGeom>
           <a:solidFill>
-            <a:schemeClr val="accent4">
-              <a:lumMod val="20000"/>
-              <a:lumOff val="80000"/>
+            <a:schemeClr val="accent6">
+              <a:lumMod val="60000"/>
+              <a:lumOff val="40000"/>
             </a:schemeClr>
           </a:solidFill>
           <a:ln>
@@ -4986,20 +4986,73 @@
           <a:lstStyle/>
           <a:p>
             <a:r>
-              <a:rPr lang="en-SG" sz="1200" b="1">
-                <a:solidFill>
-                  <a:schemeClr val="tx1"/>
-                </a:solidFill>
-              </a:rPr>
-              <a:t>Malware tasks </a:t>
-            </a:r>
-            <a:r>
               <a:rPr lang="en-SG" sz="1200" b="1" dirty="0">
                 <a:solidFill>
                   <a:schemeClr val="tx1"/>
                 </a:solidFill>
               </a:rPr>
-              <a:t>management module and result archive data base.</a:t>
+              <a:t>Malware tasks management module</a:t>
+            </a:r>
+          </a:p>
+        </p:txBody>
+      </p:sp>
+      <p:sp>
+        <p:nvSpPr>
+          <p:cNvPr id="48" name="Rectangle 47">
+            <a:extLst>
+              <a:ext uri="{FF2B5EF4-FFF2-40B4-BE49-F238E27FC236}">
+                <a16:creationId xmlns:a16="http://schemas.microsoft.com/office/drawing/2014/main" id="{2CA32237-4525-393A-899C-8BA784EF706E}"/>
+              </a:ext>
+            </a:extLst>
+          </p:cNvPr>
+          <p:cNvSpPr/>
+          <p:nvPr/>
+        </p:nvSpPr>
+        <p:spPr>
+          <a:xfrm>
+            <a:off x="7690251" y="4809027"/>
+            <a:ext cx="3068140" cy="281563"/>
+          </a:xfrm>
+          <a:prstGeom prst="rect">
+            <a:avLst/>
+          </a:prstGeom>
+          <a:solidFill>
+            <a:schemeClr val="accent6">
+              <a:lumMod val="60000"/>
+              <a:lumOff val="40000"/>
+            </a:schemeClr>
+          </a:solidFill>
+          <a:ln>
+            <a:prstDash val="sysDash"/>
+          </a:ln>
+        </p:spPr>
+        <p:style>
+          <a:lnRef idx="2">
+            <a:schemeClr val="accent1">
+              <a:shade val="15000"/>
+            </a:schemeClr>
+          </a:lnRef>
+          <a:fillRef idx="1">
+            <a:schemeClr val="accent1"/>
+          </a:fillRef>
+          <a:effectRef idx="0">
+            <a:schemeClr val="accent1"/>
+          </a:effectRef>
+          <a:fontRef idx="minor">
+            <a:schemeClr val="lt1"/>
+          </a:fontRef>
+        </p:style>
+        <p:txBody>
+          <a:bodyPr rtlCol="0" anchor="ctr"/>
+          <a:lstStyle/>
+          <a:p>
+            <a:r>
+              <a:rPr lang="en-SG" sz="1200" b="1" dirty="0">
+                <a:solidFill>
+                  <a:schemeClr val="tx1"/>
+                </a:solidFill>
+              </a:rPr>
+              <a:t>Attack result archive database</a:t>
             </a:r>
           </a:p>
         </p:txBody>

--- a/doc/designDoc.pptx
+++ b/doc/designDoc.pptx
@@ -8,6 +8,7 @@
     <p:sldId id="256" r:id="rId2"/>
     <p:sldId id="257" r:id="rId3"/>
     <p:sldId id="258" r:id="rId4"/>
+    <p:sldId id="259" r:id="rId5"/>
   </p:sldIdLst>
   <p:sldSz cx="12192000" cy="6858000"/>
   <p:notesSz cx="6858000" cy="9144000"/>
@@ -263,7 +264,7 @@
           <a:p>
             <a:fld id="{9FCA313A-65B0-404C-ABF6-BBAAB537D5DB}" type="datetimeFigureOut">
               <a:rPr lang="en-SG" smtClean="0"/>
-              <a:t>17/5/2024</a:t>
+              <a:t>18/5/2024</a:t>
             </a:fld>
             <a:endParaRPr lang="en-SG"/>
           </a:p>
@@ -463,7 +464,7 @@
           <a:p>
             <a:fld id="{9FCA313A-65B0-404C-ABF6-BBAAB537D5DB}" type="datetimeFigureOut">
               <a:rPr lang="en-SG" smtClean="0"/>
-              <a:t>17/5/2024</a:t>
+              <a:t>18/5/2024</a:t>
             </a:fld>
             <a:endParaRPr lang="en-SG"/>
           </a:p>
@@ -673,7 +674,7 @@
           <a:p>
             <a:fld id="{9FCA313A-65B0-404C-ABF6-BBAAB537D5DB}" type="datetimeFigureOut">
               <a:rPr lang="en-SG" smtClean="0"/>
-              <a:t>17/5/2024</a:t>
+              <a:t>18/5/2024</a:t>
             </a:fld>
             <a:endParaRPr lang="en-SG"/>
           </a:p>
@@ -873,7 +874,7 @@
           <a:p>
             <a:fld id="{9FCA313A-65B0-404C-ABF6-BBAAB537D5DB}" type="datetimeFigureOut">
               <a:rPr lang="en-SG" smtClean="0"/>
-              <a:t>17/5/2024</a:t>
+              <a:t>18/5/2024</a:t>
             </a:fld>
             <a:endParaRPr lang="en-SG"/>
           </a:p>
@@ -1149,7 +1150,7 @@
           <a:p>
             <a:fld id="{9FCA313A-65B0-404C-ABF6-BBAAB537D5DB}" type="datetimeFigureOut">
               <a:rPr lang="en-SG" smtClean="0"/>
-              <a:t>17/5/2024</a:t>
+              <a:t>18/5/2024</a:t>
             </a:fld>
             <a:endParaRPr lang="en-SG"/>
           </a:p>
@@ -1417,7 +1418,7 @@
           <a:p>
             <a:fld id="{9FCA313A-65B0-404C-ABF6-BBAAB537D5DB}" type="datetimeFigureOut">
               <a:rPr lang="en-SG" smtClean="0"/>
-              <a:t>17/5/2024</a:t>
+              <a:t>18/5/2024</a:t>
             </a:fld>
             <a:endParaRPr lang="en-SG"/>
           </a:p>
@@ -1832,7 +1833,7 @@
           <a:p>
             <a:fld id="{9FCA313A-65B0-404C-ABF6-BBAAB537D5DB}" type="datetimeFigureOut">
               <a:rPr lang="en-SG" smtClean="0"/>
-              <a:t>17/5/2024</a:t>
+              <a:t>18/5/2024</a:t>
             </a:fld>
             <a:endParaRPr lang="en-SG"/>
           </a:p>
@@ -1974,7 +1975,7 @@
           <a:p>
             <a:fld id="{9FCA313A-65B0-404C-ABF6-BBAAB537D5DB}" type="datetimeFigureOut">
               <a:rPr lang="en-SG" smtClean="0"/>
-              <a:t>17/5/2024</a:t>
+              <a:t>18/5/2024</a:t>
             </a:fld>
             <a:endParaRPr lang="en-SG"/>
           </a:p>
@@ -2087,7 +2088,7 @@
           <a:p>
             <a:fld id="{9FCA313A-65B0-404C-ABF6-BBAAB537D5DB}" type="datetimeFigureOut">
               <a:rPr lang="en-SG" smtClean="0"/>
-              <a:t>17/5/2024</a:t>
+              <a:t>18/5/2024</a:t>
             </a:fld>
             <a:endParaRPr lang="en-SG"/>
           </a:p>
@@ -2400,7 +2401,7 @@
           <a:p>
             <a:fld id="{9FCA313A-65B0-404C-ABF6-BBAAB537D5DB}" type="datetimeFigureOut">
               <a:rPr lang="en-SG" smtClean="0"/>
-              <a:t>17/5/2024</a:t>
+              <a:t>18/5/2024</a:t>
             </a:fld>
             <a:endParaRPr lang="en-SG"/>
           </a:p>
@@ -2689,7 +2690,7 @@
           <a:p>
             <a:fld id="{9FCA313A-65B0-404C-ABF6-BBAAB537D5DB}" type="datetimeFigureOut">
               <a:rPr lang="en-SG" smtClean="0"/>
-              <a:t>17/5/2024</a:t>
+              <a:t>18/5/2024</a:t>
             </a:fld>
             <a:endParaRPr lang="en-SG"/>
           </a:p>
@@ -2932,7 +2933,7 @@
           <a:p>
             <a:fld id="{9FCA313A-65B0-404C-ABF6-BBAAB537D5DB}" type="datetimeFigureOut">
               <a:rPr lang="en-SG" smtClean="0"/>
-              <a:t>17/5/2024</a:t>
+              <a:t>18/5/2024</a:t>
             </a:fld>
             <a:endParaRPr lang="en-SG"/>
           </a:p>
@@ -3518,8 +3519,8 @@
         </p:blipFill>
         <p:spPr>
           <a:xfrm>
-            <a:off x="838571" y="386437"/>
-            <a:ext cx="5942857" cy="4695238"/>
+            <a:off x="838572" y="386437"/>
+            <a:ext cx="5499618" cy="4345051"/>
           </a:xfrm>
           <a:prstGeom prst="roundRect">
             <a:avLst>
@@ -4159,7 +4160,7 @@
         </p:nvSpPr>
         <p:spPr>
           <a:xfrm>
-            <a:off x="7561166" y="2552952"/>
+            <a:off x="7590818" y="2564439"/>
             <a:ext cx="3375293" cy="2697821"/>
           </a:xfrm>
           <a:prstGeom prst="rect">
@@ -4355,8 +4356,8 @@
         </p:nvCxnSpPr>
         <p:spPr>
           <a:xfrm rot="16200000" flipH="1">
-            <a:off x="7317969" y="622108"/>
-            <a:ext cx="781960" cy="3079728"/>
+            <a:off x="7327052" y="613025"/>
+            <a:ext cx="793447" cy="3109380"/>
           </a:xfrm>
           <a:prstGeom prst="bentConnector3">
             <a:avLst>
@@ -5061,6 +5062,5210 @@
     <p:extLst>
       <p:ext uri="{BB962C8B-B14F-4D97-AF65-F5344CB8AC3E}">
         <p14:creationId xmlns:p14="http://schemas.microsoft.com/office/powerpoint/2010/main" val="2119627432"/>
+      </p:ext>
+    </p:extLst>
+  </p:cSld>
+  <p:clrMapOvr>
+    <a:masterClrMapping/>
+  </p:clrMapOvr>
+</p:sld>
+</file>
+
+<file path=ppt/slides/slide4.xml><?xml version="1.0" encoding="utf-8"?>
+<p:sld xmlns:a="http://schemas.openxmlformats.org/drawingml/2006/main" xmlns:r="http://schemas.openxmlformats.org/officeDocument/2006/relationships" xmlns:p="http://schemas.openxmlformats.org/presentationml/2006/main">
+  <p:cSld>
+    <p:spTree>
+      <p:nvGrpSpPr>
+        <p:cNvPr id="1" name=""/>
+        <p:cNvGrpSpPr/>
+        <p:nvPr/>
+      </p:nvGrpSpPr>
+      <p:grpSpPr>
+        <a:xfrm>
+          <a:off x="0" y="0"/>
+          <a:ext cx="0" cy="0"/>
+          <a:chOff x="0" y="0"/>
+          <a:chExt cx="0" cy="0"/>
+        </a:xfrm>
+      </p:grpSpPr>
+      <p:sp>
+        <p:nvSpPr>
+          <p:cNvPr id="192" name="Rectangle 191">
+            <a:extLst>
+              <a:ext uri="{FF2B5EF4-FFF2-40B4-BE49-F238E27FC236}">
+                <a16:creationId xmlns:a16="http://schemas.microsoft.com/office/drawing/2014/main" id="{7ED9D4F5-AB8D-2520-A05E-9596322108E5}"/>
+              </a:ext>
+            </a:extLst>
+          </p:cNvPr>
+          <p:cNvSpPr/>
+          <p:nvPr/>
+        </p:nvSpPr>
+        <p:spPr>
+          <a:xfrm>
+            <a:off x="651190" y="4510420"/>
+            <a:ext cx="1472324" cy="1451167"/>
+          </a:xfrm>
+          <a:prstGeom prst="rect">
+            <a:avLst/>
+          </a:prstGeom>
+          <a:solidFill>
+            <a:schemeClr val="accent2">
+              <a:lumMod val="20000"/>
+              <a:lumOff val="80000"/>
+            </a:schemeClr>
+          </a:solidFill>
+        </p:spPr>
+        <p:style>
+          <a:lnRef idx="2">
+            <a:schemeClr val="accent1">
+              <a:shade val="15000"/>
+            </a:schemeClr>
+          </a:lnRef>
+          <a:fillRef idx="1">
+            <a:schemeClr val="accent1"/>
+          </a:fillRef>
+          <a:effectRef idx="0">
+            <a:schemeClr val="accent1"/>
+          </a:effectRef>
+          <a:fontRef idx="minor">
+            <a:schemeClr val="lt1"/>
+          </a:fontRef>
+        </p:style>
+        <p:txBody>
+          <a:bodyPr rtlCol="0" anchor="ctr"/>
+          <a:lstStyle/>
+          <a:p>
+            <a:pPr algn="ctr"/>
+            <a:endParaRPr lang="en-SG" dirty="0"/>
+          </a:p>
+        </p:txBody>
+      </p:sp>
+      <p:sp>
+        <p:nvSpPr>
+          <p:cNvPr id="28" name="Rectangle 27">
+            <a:extLst>
+              <a:ext uri="{FF2B5EF4-FFF2-40B4-BE49-F238E27FC236}">
+                <a16:creationId xmlns:a16="http://schemas.microsoft.com/office/drawing/2014/main" id="{90EC440F-A5A2-ACD9-2CFE-EF18DBEA2405}"/>
+              </a:ext>
+            </a:extLst>
+          </p:cNvPr>
+          <p:cNvSpPr/>
+          <p:nvPr/>
+        </p:nvSpPr>
+        <p:spPr>
+          <a:xfrm>
+            <a:off x="8814390" y="3094058"/>
+            <a:ext cx="2392887" cy="2955868"/>
+          </a:xfrm>
+          <a:prstGeom prst="rect">
+            <a:avLst/>
+          </a:prstGeom>
+          <a:solidFill>
+            <a:schemeClr val="tx2">
+              <a:lumMod val="10000"/>
+              <a:lumOff val="90000"/>
+            </a:schemeClr>
+          </a:solidFill>
+        </p:spPr>
+        <p:style>
+          <a:lnRef idx="2">
+            <a:schemeClr val="accent1">
+              <a:shade val="15000"/>
+            </a:schemeClr>
+          </a:lnRef>
+          <a:fillRef idx="1">
+            <a:schemeClr val="accent1"/>
+          </a:fillRef>
+          <a:effectRef idx="0">
+            <a:schemeClr val="accent1"/>
+          </a:effectRef>
+          <a:fontRef idx="minor">
+            <a:schemeClr val="lt1"/>
+          </a:fontRef>
+        </p:style>
+        <p:txBody>
+          <a:bodyPr rtlCol="0" anchor="ctr"/>
+          <a:lstStyle/>
+          <a:p>
+            <a:pPr algn="ctr"/>
+            <a:endParaRPr lang="en-SG"/>
+          </a:p>
+        </p:txBody>
+      </p:sp>
+      <p:sp>
+        <p:nvSpPr>
+          <p:cNvPr id="14" name="Rectangle 13">
+            <a:extLst>
+              <a:ext uri="{FF2B5EF4-FFF2-40B4-BE49-F238E27FC236}">
+                <a16:creationId xmlns:a16="http://schemas.microsoft.com/office/drawing/2014/main" id="{97F6387E-9C55-AFDB-867B-3FC9DEBD9813}"/>
+              </a:ext>
+            </a:extLst>
+          </p:cNvPr>
+          <p:cNvSpPr/>
+          <p:nvPr/>
+        </p:nvSpPr>
+        <p:spPr>
+          <a:xfrm>
+            <a:off x="2706810" y="3564414"/>
+            <a:ext cx="3708369" cy="1059714"/>
+          </a:xfrm>
+          <a:prstGeom prst="rect">
+            <a:avLst/>
+          </a:prstGeom>
+          <a:solidFill>
+            <a:schemeClr val="accent6">
+              <a:lumMod val="20000"/>
+              <a:lumOff val="80000"/>
+            </a:schemeClr>
+          </a:solidFill>
+        </p:spPr>
+        <p:style>
+          <a:lnRef idx="2">
+            <a:schemeClr val="accent1">
+              <a:shade val="15000"/>
+            </a:schemeClr>
+          </a:lnRef>
+          <a:fillRef idx="1">
+            <a:schemeClr val="accent1"/>
+          </a:fillRef>
+          <a:effectRef idx="0">
+            <a:schemeClr val="accent1"/>
+          </a:effectRef>
+          <a:fontRef idx="minor">
+            <a:schemeClr val="lt1"/>
+          </a:fontRef>
+        </p:style>
+        <p:txBody>
+          <a:bodyPr rtlCol="0" anchor="ctr"/>
+          <a:lstStyle/>
+          <a:p>
+            <a:pPr algn="ctr"/>
+            <a:endParaRPr lang="en-SG" dirty="0"/>
+          </a:p>
+        </p:txBody>
+      </p:sp>
+      <p:sp>
+        <p:nvSpPr>
+          <p:cNvPr id="4" name="Rectangle 3">
+            <a:extLst>
+              <a:ext uri="{FF2B5EF4-FFF2-40B4-BE49-F238E27FC236}">
+                <a16:creationId xmlns:a16="http://schemas.microsoft.com/office/drawing/2014/main" id="{961EA118-2D8A-3E77-C84F-CB73E6DBA305}"/>
+              </a:ext>
+            </a:extLst>
+          </p:cNvPr>
+          <p:cNvSpPr/>
+          <p:nvPr/>
+        </p:nvSpPr>
+        <p:spPr>
+          <a:xfrm>
+            <a:off x="2692430" y="428035"/>
+            <a:ext cx="2558749" cy="2548624"/>
+          </a:xfrm>
+          <a:prstGeom prst="rect">
+            <a:avLst/>
+          </a:prstGeom>
+          <a:solidFill>
+            <a:schemeClr val="accent2">
+              <a:lumMod val="20000"/>
+              <a:lumOff val="80000"/>
+            </a:schemeClr>
+          </a:solidFill>
+        </p:spPr>
+        <p:style>
+          <a:lnRef idx="2">
+            <a:schemeClr val="accent1">
+              <a:shade val="15000"/>
+            </a:schemeClr>
+          </a:lnRef>
+          <a:fillRef idx="1">
+            <a:schemeClr val="accent1"/>
+          </a:fillRef>
+          <a:effectRef idx="0">
+            <a:schemeClr val="accent1"/>
+          </a:effectRef>
+          <a:fontRef idx="minor">
+            <a:schemeClr val="lt1"/>
+          </a:fontRef>
+        </p:style>
+        <p:txBody>
+          <a:bodyPr rtlCol="0" anchor="ctr"/>
+          <a:lstStyle/>
+          <a:p>
+            <a:pPr algn="ctr"/>
+            <a:endParaRPr lang="en-SG" dirty="0"/>
+          </a:p>
+        </p:txBody>
+      </p:sp>
+      <p:sp>
+        <p:nvSpPr>
+          <p:cNvPr id="5" name="TextBox 4">
+            <a:extLst>
+              <a:ext uri="{FF2B5EF4-FFF2-40B4-BE49-F238E27FC236}">
+                <a16:creationId xmlns:a16="http://schemas.microsoft.com/office/drawing/2014/main" id="{E0B5BC59-7CE1-F124-92E8-44524705724D}"/>
+              </a:ext>
+            </a:extLst>
+          </p:cNvPr>
+          <p:cNvSpPr txBox="1"/>
+          <p:nvPr/>
+        </p:nvSpPr>
+        <p:spPr>
+          <a:xfrm>
+            <a:off x="2727315" y="467894"/>
+            <a:ext cx="2544369" cy="523220"/>
+          </a:xfrm>
+          <a:prstGeom prst="rect">
+            <a:avLst/>
+          </a:prstGeom>
+          <a:noFill/>
+        </p:spPr>
+        <p:txBody>
+          <a:bodyPr wrap="square" rtlCol="0">
+            <a:spAutoFit/>
+          </a:bodyPr>
+          <a:lstStyle/>
+          <a:p>
+            <a:r>
+              <a:rPr lang="en-SG" sz="1400" b="1" dirty="0"/>
+              <a:t>Malicious Activities Plugin Repository </a:t>
+            </a:r>
+          </a:p>
+        </p:txBody>
+      </p:sp>
+      <p:sp>
+        <p:nvSpPr>
+          <p:cNvPr id="6" name="Rectangle 5">
+            <a:extLst>
+              <a:ext uri="{FF2B5EF4-FFF2-40B4-BE49-F238E27FC236}">
+                <a16:creationId xmlns:a16="http://schemas.microsoft.com/office/drawing/2014/main" id="{6126343F-A6B0-379D-13F6-ACFF08C230B1}"/>
+              </a:ext>
+            </a:extLst>
+          </p:cNvPr>
+          <p:cNvSpPr/>
+          <p:nvPr/>
+        </p:nvSpPr>
+        <p:spPr>
+          <a:xfrm>
+            <a:off x="2814415" y="1027469"/>
+            <a:ext cx="2253399" cy="414661"/>
+          </a:xfrm>
+          <a:prstGeom prst="rect">
+            <a:avLst/>
+          </a:prstGeom>
+          <a:solidFill>
+            <a:schemeClr val="accent2">
+              <a:lumMod val="40000"/>
+              <a:lumOff val="60000"/>
+            </a:schemeClr>
+          </a:solidFill>
+          <a:ln>
+            <a:solidFill>
+              <a:srgbClr val="C00000"/>
+            </a:solidFill>
+            <a:prstDash val="sysDash"/>
+          </a:ln>
+        </p:spPr>
+        <p:style>
+          <a:lnRef idx="2">
+            <a:schemeClr val="accent1">
+              <a:shade val="15000"/>
+            </a:schemeClr>
+          </a:lnRef>
+          <a:fillRef idx="1">
+            <a:schemeClr val="accent1"/>
+          </a:fillRef>
+          <a:effectRef idx="0">
+            <a:schemeClr val="accent1"/>
+          </a:effectRef>
+          <a:fontRef idx="minor">
+            <a:schemeClr val="lt1"/>
+          </a:fontRef>
+        </p:style>
+        <p:txBody>
+          <a:bodyPr rtlCol="0" anchor="ctr"/>
+          <a:lstStyle/>
+          <a:p>
+            <a:r>
+              <a:rPr lang="en-SG" sz="1200" b="1" dirty="0">
+                <a:solidFill>
+                  <a:srgbClr val="C00000"/>
+                </a:solidFill>
+              </a:rPr>
+              <a:t>Credentials compromise attack modules  </a:t>
+            </a:r>
+          </a:p>
+        </p:txBody>
+      </p:sp>
+      <p:sp>
+        <p:nvSpPr>
+          <p:cNvPr id="7" name="Rectangle 6">
+            <a:extLst>
+              <a:ext uri="{FF2B5EF4-FFF2-40B4-BE49-F238E27FC236}">
+                <a16:creationId xmlns:a16="http://schemas.microsoft.com/office/drawing/2014/main" id="{4FDF8CC8-620B-44F8-23DB-65F6E4D5D87D}"/>
+              </a:ext>
+            </a:extLst>
+          </p:cNvPr>
+          <p:cNvSpPr/>
+          <p:nvPr/>
+        </p:nvSpPr>
+        <p:spPr>
+          <a:xfrm>
+            <a:off x="2814415" y="1547951"/>
+            <a:ext cx="2253399" cy="307912"/>
+          </a:xfrm>
+          <a:prstGeom prst="rect">
+            <a:avLst/>
+          </a:prstGeom>
+          <a:solidFill>
+            <a:schemeClr val="accent2">
+              <a:lumMod val="40000"/>
+              <a:lumOff val="60000"/>
+            </a:schemeClr>
+          </a:solidFill>
+          <a:ln>
+            <a:solidFill>
+              <a:srgbClr val="C00000"/>
+            </a:solidFill>
+            <a:prstDash val="sysDash"/>
+          </a:ln>
+        </p:spPr>
+        <p:style>
+          <a:lnRef idx="2">
+            <a:schemeClr val="accent1">
+              <a:shade val="15000"/>
+            </a:schemeClr>
+          </a:lnRef>
+          <a:fillRef idx="1">
+            <a:schemeClr val="accent1"/>
+          </a:fillRef>
+          <a:effectRef idx="0">
+            <a:schemeClr val="accent1"/>
+          </a:effectRef>
+          <a:fontRef idx="minor">
+            <a:schemeClr val="lt1"/>
+          </a:fontRef>
+        </p:style>
+        <p:txBody>
+          <a:bodyPr rtlCol="0" anchor="ctr"/>
+          <a:lstStyle/>
+          <a:p>
+            <a:r>
+              <a:rPr lang="en-SG" sz="1200" b="1" dirty="0">
+                <a:solidFill>
+                  <a:srgbClr val="C00000"/>
+                </a:solidFill>
+              </a:rPr>
+              <a:t>Scan and eavesdrop modules</a:t>
+            </a:r>
+          </a:p>
+        </p:txBody>
+      </p:sp>
+      <p:sp>
+        <p:nvSpPr>
+          <p:cNvPr id="8" name="Rectangle 7">
+            <a:extLst>
+              <a:ext uri="{FF2B5EF4-FFF2-40B4-BE49-F238E27FC236}">
+                <a16:creationId xmlns:a16="http://schemas.microsoft.com/office/drawing/2014/main" id="{13F91AEE-CF08-54DC-0802-6F65D49BF9E8}"/>
+              </a:ext>
+            </a:extLst>
+          </p:cNvPr>
+          <p:cNvSpPr/>
+          <p:nvPr/>
+        </p:nvSpPr>
+        <p:spPr>
+          <a:xfrm>
+            <a:off x="2814415" y="1983632"/>
+            <a:ext cx="2253399" cy="307912"/>
+          </a:xfrm>
+          <a:prstGeom prst="rect">
+            <a:avLst/>
+          </a:prstGeom>
+          <a:solidFill>
+            <a:schemeClr val="accent2">
+              <a:lumMod val="40000"/>
+              <a:lumOff val="60000"/>
+            </a:schemeClr>
+          </a:solidFill>
+          <a:ln>
+            <a:solidFill>
+              <a:srgbClr val="C00000"/>
+            </a:solidFill>
+            <a:prstDash val="sysDash"/>
+          </a:ln>
+        </p:spPr>
+        <p:style>
+          <a:lnRef idx="2">
+            <a:schemeClr val="accent1">
+              <a:shade val="15000"/>
+            </a:schemeClr>
+          </a:lnRef>
+          <a:fillRef idx="1">
+            <a:schemeClr val="accent1"/>
+          </a:fillRef>
+          <a:effectRef idx="0">
+            <a:schemeClr val="accent1"/>
+          </a:effectRef>
+          <a:fontRef idx="minor">
+            <a:schemeClr val="lt1"/>
+          </a:fontRef>
+        </p:style>
+        <p:txBody>
+          <a:bodyPr rtlCol="0" anchor="ctr"/>
+          <a:lstStyle/>
+          <a:p>
+            <a:r>
+              <a:rPr lang="en-SG" sz="1200" b="1" dirty="0">
+                <a:solidFill>
+                  <a:srgbClr val="C00000"/>
+                </a:solidFill>
+              </a:rPr>
+              <a:t>Denial of service modules</a:t>
+            </a:r>
+          </a:p>
+        </p:txBody>
+      </p:sp>
+      <p:sp>
+        <p:nvSpPr>
+          <p:cNvPr id="9" name="Rectangle 8">
+            <a:extLst>
+              <a:ext uri="{FF2B5EF4-FFF2-40B4-BE49-F238E27FC236}">
+                <a16:creationId xmlns:a16="http://schemas.microsoft.com/office/drawing/2014/main" id="{434F936B-C57A-DD73-4FA2-5163F8E01C4B}"/>
+              </a:ext>
+            </a:extLst>
+          </p:cNvPr>
+          <p:cNvSpPr/>
+          <p:nvPr/>
+        </p:nvSpPr>
+        <p:spPr>
+          <a:xfrm>
+            <a:off x="2814415" y="2421615"/>
+            <a:ext cx="2253399" cy="414213"/>
+          </a:xfrm>
+          <a:prstGeom prst="rect">
+            <a:avLst/>
+          </a:prstGeom>
+          <a:solidFill>
+            <a:schemeClr val="accent2">
+              <a:lumMod val="40000"/>
+              <a:lumOff val="60000"/>
+            </a:schemeClr>
+          </a:solidFill>
+          <a:ln>
+            <a:solidFill>
+              <a:srgbClr val="C00000"/>
+            </a:solidFill>
+            <a:prstDash val="sysDash"/>
+          </a:ln>
+        </p:spPr>
+        <p:style>
+          <a:lnRef idx="2">
+            <a:schemeClr val="accent1">
+              <a:shade val="15000"/>
+            </a:schemeClr>
+          </a:lnRef>
+          <a:fillRef idx="1">
+            <a:schemeClr val="accent1"/>
+          </a:fillRef>
+          <a:effectRef idx="0">
+            <a:schemeClr val="accent1"/>
+          </a:effectRef>
+          <a:fontRef idx="minor">
+            <a:schemeClr val="lt1"/>
+          </a:fontRef>
+        </p:style>
+        <p:txBody>
+          <a:bodyPr rtlCol="0" anchor="ctr"/>
+          <a:lstStyle/>
+          <a:p>
+            <a:r>
+              <a:rPr lang="en-SG" sz="1200" b="1" dirty="0">
+                <a:solidFill>
+                  <a:srgbClr val="C00000"/>
+                </a:solidFill>
+              </a:rPr>
+              <a:t>Destruction and phishing attack modules</a:t>
+            </a:r>
+          </a:p>
+        </p:txBody>
+      </p:sp>
+      <p:pic>
+        <p:nvPicPr>
+          <p:cNvPr id="10" name="Picture 9">
+            <a:extLst>
+              <a:ext uri="{FF2B5EF4-FFF2-40B4-BE49-F238E27FC236}">
+                <a16:creationId xmlns:a16="http://schemas.microsoft.com/office/drawing/2014/main" id="{F40CEA41-D533-3317-FD68-71F4396F2A38}"/>
+              </a:ext>
+            </a:extLst>
+          </p:cNvPr>
+          <p:cNvPicPr>
+            <a:picLocks noChangeAspect="1"/>
+          </p:cNvPicPr>
+          <p:nvPr/>
+        </p:nvPicPr>
+        <p:blipFill>
+          <a:blip r:embed="rId2"/>
+          <a:stretch>
+            <a:fillRect/>
+          </a:stretch>
+        </p:blipFill>
+        <p:spPr>
+          <a:xfrm>
+            <a:off x="750717" y="1974708"/>
+            <a:ext cx="491801" cy="545259"/>
+          </a:xfrm>
+          <a:prstGeom prst="rect">
+            <a:avLst/>
+          </a:prstGeom>
+          <a:ln w="9525">
+            <a:solidFill>
+              <a:schemeClr val="tx1"/>
+            </a:solidFill>
+          </a:ln>
+        </p:spPr>
+      </p:pic>
+      <p:pic>
+        <p:nvPicPr>
+          <p:cNvPr id="11" name="Picture 10">
+            <a:extLst>
+              <a:ext uri="{FF2B5EF4-FFF2-40B4-BE49-F238E27FC236}">
+                <a16:creationId xmlns:a16="http://schemas.microsoft.com/office/drawing/2014/main" id="{EBEB613A-1309-813E-97A4-2460349E6F1F}"/>
+              </a:ext>
+            </a:extLst>
+          </p:cNvPr>
+          <p:cNvPicPr>
+            <a:picLocks noChangeAspect="1"/>
+          </p:cNvPicPr>
+          <p:nvPr/>
+        </p:nvPicPr>
+        <p:blipFill>
+          <a:blip r:embed="rId3"/>
+          <a:stretch>
+            <a:fillRect/>
+          </a:stretch>
+        </p:blipFill>
+        <p:spPr>
+          <a:xfrm>
+            <a:off x="2814415" y="3650165"/>
+            <a:ext cx="1269629" cy="584213"/>
+          </a:xfrm>
+          <a:prstGeom prst="rect">
+            <a:avLst/>
+          </a:prstGeom>
+          <a:ln w="19050">
+            <a:solidFill>
+              <a:srgbClr val="FF0000"/>
+            </a:solidFill>
+            <a:prstDash val="sysDash"/>
+          </a:ln>
+        </p:spPr>
+      </p:pic>
+      <p:sp>
+        <p:nvSpPr>
+          <p:cNvPr id="13" name="TextBox 12">
+            <a:extLst>
+              <a:ext uri="{FF2B5EF4-FFF2-40B4-BE49-F238E27FC236}">
+                <a16:creationId xmlns:a16="http://schemas.microsoft.com/office/drawing/2014/main" id="{10CD56E5-F177-2A21-0F2D-6CA98F4D55D7}"/>
+              </a:ext>
+            </a:extLst>
+          </p:cNvPr>
+          <p:cNvSpPr txBox="1"/>
+          <p:nvPr/>
+        </p:nvSpPr>
+        <p:spPr>
+          <a:xfrm>
+            <a:off x="2634795" y="3054268"/>
+            <a:ext cx="2308628" cy="523220"/>
+          </a:xfrm>
+          <a:prstGeom prst="rect">
+            <a:avLst/>
+          </a:prstGeom>
+          <a:noFill/>
+        </p:spPr>
+        <p:txBody>
+          <a:bodyPr wrap="square">
+            <a:spAutoFit/>
+          </a:bodyPr>
+          <a:lstStyle/>
+          <a:p>
+            <a:r>
+              <a:rPr lang="en-SG" sz="1400" b="1" dirty="0">
+                <a:solidFill>
+                  <a:schemeClr val="tx1"/>
+                </a:solidFill>
+              </a:rPr>
+              <a:t>Command and Control (C2)</a:t>
+            </a:r>
+            <a:r>
+              <a:rPr lang="en-US" sz="1400" b="1" dirty="0">
+                <a:solidFill>
+                  <a:schemeClr val="tx1"/>
+                </a:solidFill>
+              </a:rPr>
+              <a:t> Orchestrator </a:t>
+            </a:r>
+            <a:r>
+              <a:rPr lang="en-SG" sz="1400" b="1" dirty="0"/>
+              <a:t> </a:t>
+            </a:r>
+          </a:p>
+        </p:txBody>
+      </p:sp>
+      <p:sp>
+        <p:nvSpPr>
+          <p:cNvPr id="15" name="Cloud 14">
+            <a:extLst>
+              <a:ext uri="{FF2B5EF4-FFF2-40B4-BE49-F238E27FC236}">
+                <a16:creationId xmlns:a16="http://schemas.microsoft.com/office/drawing/2014/main" id="{ED48E2DF-25F8-6619-3310-4E0F075EB26C}"/>
+              </a:ext>
+            </a:extLst>
+          </p:cNvPr>
+          <p:cNvSpPr/>
+          <p:nvPr/>
+        </p:nvSpPr>
+        <p:spPr>
+          <a:xfrm>
+            <a:off x="6724642" y="3806479"/>
+            <a:ext cx="1356668" cy="703941"/>
+          </a:xfrm>
+          <a:prstGeom prst="cloud">
+            <a:avLst/>
+          </a:prstGeom>
+          <a:noFill/>
+        </p:spPr>
+        <p:style>
+          <a:lnRef idx="2">
+            <a:schemeClr val="accent1">
+              <a:shade val="15000"/>
+            </a:schemeClr>
+          </a:lnRef>
+          <a:fillRef idx="1">
+            <a:schemeClr val="accent1"/>
+          </a:fillRef>
+          <a:effectRef idx="0">
+            <a:schemeClr val="accent1"/>
+          </a:effectRef>
+          <a:fontRef idx="minor">
+            <a:schemeClr val="lt1"/>
+          </a:fontRef>
+        </p:style>
+        <p:txBody>
+          <a:bodyPr rtlCol="0" anchor="ctr"/>
+          <a:lstStyle/>
+          <a:p>
+            <a:pPr algn="ctr"/>
+            <a:r>
+              <a:rPr lang="en-SG" sz="1400" b="1" dirty="0">
+                <a:solidFill>
+                  <a:schemeClr val="tx1"/>
+                </a:solidFill>
+              </a:rPr>
+              <a:t>Internet</a:t>
+            </a:r>
+            <a:r>
+              <a:rPr lang="en-SG" dirty="0">
+                <a:solidFill>
+                  <a:schemeClr val="tx1"/>
+                </a:solidFill>
+              </a:rPr>
+              <a:t> </a:t>
+            </a:r>
+          </a:p>
+        </p:txBody>
+      </p:sp>
+      <p:sp>
+        <p:nvSpPr>
+          <p:cNvPr id="17" name="Rectangle 16">
+            <a:extLst>
+              <a:ext uri="{FF2B5EF4-FFF2-40B4-BE49-F238E27FC236}">
+                <a16:creationId xmlns:a16="http://schemas.microsoft.com/office/drawing/2014/main" id="{2F2700F4-9367-273C-1776-19FFF6812855}"/>
+              </a:ext>
+            </a:extLst>
+          </p:cNvPr>
+          <p:cNvSpPr/>
+          <p:nvPr/>
+        </p:nvSpPr>
+        <p:spPr>
+          <a:xfrm>
+            <a:off x="4289569" y="4094995"/>
+            <a:ext cx="1762093" cy="386845"/>
+          </a:xfrm>
+          <a:prstGeom prst="rect">
+            <a:avLst/>
+          </a:prstGeom>
+          <a:solidFill>
+            <a:schemeClr val="accent6">
+              <a:lumMod val="60000"/>
+              <a:lumOff val="40000"/>
+            </a:schemeClr>
+          </a:solidFill>
+          <a:ln>
+            <a:prstDash val="sysDash"/>
+          </a:ln>
+        </p:spPr>
+        <p:style>
+          <a:lnRef idx="2">
+            <a:schemeClr val="accent1">
+              <a:shade val="15000"/>
+            </a:schemeClr>
+          </a:lnRef>
+          <a:fillRef idx="1">
+            <a:schemeClr val="accent1"/>
+          </a:fillRef>
+          <a:effectRef idx="0">
+            <a:schemeClr val="accent1"/>
+          </a:effectRef>
+          <a:fontRef idx="minor">
+            <a:schemeClr val="lt1"/>
+          </a:fontRef>
+        </p:style>
+        <p:txBody>
+          <a:bodyPr rtlCol="0" anchor="ctr"/>
+          <a:lstStyle/>
+          <a:p>
+            <a:r>
+              <a:rPr lang="en-SG" sz="1200" b="1" dirty="0">
+                <a:solidFill>
+                  <a:schemeClr val="tx1"/>
+                </a:solidFill>
+              </a:rPr>
+              <a:t>Malware tasks management module</a:t>
+            </a:r>
+          </a:p>
+        </p:txBody>
+      </p:sp>
+      <p:pic>
+        <p:nvPicPr>
+          <p:cNvPr id="18" name="Picture 17">
+            <a:extLst>
+              <a:ext uri="{FF2B5EF4-FFF2-40B4-BE49-F238E27FC236}">
+                <a16:creationId xmlns:a16="http://schemas.microsoft.com/office/drawing/2014/main" id="{82E32EB1-69B2-753E-921E-DE63866C9106}"/>
+              </a:ext>
+            </a:extLst>
+          </p:cNvPr>
+          <p:cNvPicPr>
+            <a:picLocks noChangeAspect="1"/>
+          </p:cNvPicPr>
+          <p:nvPr/>
+        </p:nvPicPr>
+        <p:blipFill>
+          <a:blip r:embed="rId4"/>
+          <a:stretch>
+            <a:fillRect/>
+          </a:stretch>
+        </p:blipFill>
+        <p:spPr>
+          <a:xfrm>
+            <a:off x="9377585" y="4007034"/>
+            <a:ext cx="891414" cy="503386"/>
+          </a:xfrm>
+          <a:prstGeom prst="rect">
+            <a:avLst/>
+          </a:prstGeom>
+          <a:ln w="9525">
+            <a:solidFill>
+              <a:srgbClr val="FF0000"/>
+            </a:solidFill>
+          </a:ln>
+        </p:spPr>
+      </p:pic>
+      <p:pic>
+        <p:nvPicPr>
+          <p:cNvPr id="19" name="Picture 18" descr="A red horse on wheels&#10;&#10;Description automatically generated">
+            <a:extLst>
+              <a:ext uri="{FF2B5EF4-FFF2-40B4-BE49-F238E27FC236}">
+                <a16:creationId xmlns:a16="http://schemas.microsoft.com/office/drawing/2014/main" id="{AB06769A-C16A-F092-46FC-8BF01EB54229}"/>
+              </a:ext>
+            </a:extLst>
+          </p:cNvPr>
+          <p:cNvPicPr>
+            <a:picLocks noChangeAspect="1"/>
+          </p:cNvPicPr>
+          <p:nvPr/>
+        </p:nvPicPr>
+        <p:blipFill>
+          <a:blip r:embed="rId5">
+            <a:extLst>
+              <a:ext uri="{28A0092B-C50C-407E-A947-70E740481C1C}">
+                <a14:useLocalDpi xmlns:a14="http://schemas.microsoft.com/office/drawing/2010/main" val="0"/>
+              </a:ext>
+            </a:extLst>
+          </a:blip>
+          <a:stretch>
+            <a:fillRect/>
+          </a:stretch>
+        </p:blipFill>
+        <p:spPr>
+          <a:xfrm flipH="1">
+            <a:off x="9510827" y="4094995"/>
+            <a:ext cx="276941" cy="218840"/>
+          </a:xfrm>
+          <a:prstGeom prst="rect">
+            <a:avLst/>
+          </a:prstGeom>
+          <a:ln w="19050">
+            <a:solidFill>
+              <a:srgbClr val="FF0000"/>
+            </a:solidFill>
+          </a:ln>
+        </p:spPr>
+      </p:pic>
+      <p:pic>
+        <p:nvPicPr>
+          <p:cNvPr id="20" name="Picture 19">
+            <a:extLst>
+              <a:ext uri="{FF2B5EF4-FFF2-40B4-BE49-F238E27FC236}">
+                <a16:creationId xmlns:a16="http://schemas.microsoft.com/office/drawing/2014/main" id="{0583291C-B7C2-3F3A-12DB-852CA5E63E29}"/>
+              </a:ext>
+            </a:extLst>
+          </p:cNvPr>
+          <p:cNvPicPr>
+            <a:picLocks noChangeAspect="1"/>
+          </p:cNvPicPr>
+          <p:nvPr/>
+        </p:nvPicPr>
+        <p:blipFill>
+          <a:blip r:embed="rId4"/>
+          <a:stretch>
+            <a:fillRect/>
+          </a:stretch>
+        </p:blipFill>
+        <p:spPr>
+          <a:xfrm>
+            <a:off x="9372986" y="4662588"/>
+            <a:ext cx="891414" cy="503386"/>
+          </a:xfrm>
+          <a:prstGeom prst="rect">
+            <a:avLst/>
+          </a:prstGeom>
+          <a:ln>
+            <a:solidFill>
+              <a:srgbClr val="FF0000"/>
+            </a:solidFill>
+          </a:ln>
+        </p:spPr>
+      </p:pic>
+      <p:pic>
+        <p:nvPicPr>
+          <p:cNvPr id="21" name="Picture 20">
+            <a:extLst>
+              <a:ext uri="{FF2B5EF4-FFF2-40B4-BE49-F238E27FC236}">
+                <a16:creationId xmlns:a16="http://schemas.microsoft.com/office/drawing/2014/main" id="{6104A1BA-BED9-8B41-44F5-47E064A16F74}"/>
+              </a:ext>
+            </a:extLst>
+          </p:cNvPr>
+          <p:cNvPicPr>
+            <a:picLocks noChangeAspect="1"/>
+          </p:cNvPicPr>
+          <p:nvPr/>
+        </p:nvPicPr>
+        <p:blipFill>
+          <a:blip r:embed="rId6"/>
+          <a:stretch>
+            <a:fillRect/>
+          </a:stretch>
+        </p:blipFill>
+        <p:spPr>
+          <a:xfrm>
+            <a:off x="9500575" y="4711682"/>
+            <a:ext cx="318118" cy="261610"/>
+          </a:xfrm>
+          <a:prstGeom prst="rect">
+            <a:avLst/>
+          </a:prstGeom>
+          <a:ln w="19050">
+            <a:solidFill>
+              <a:srgbClr val="FF0000"/>
+            </a:solidFill>
+          </a:ln>
+        </p:spPr>
+      </p:pic>
+      <p:pic>
+        <p:nvPicPr>
+          <p:cNvPr id="22" name="Picture 21">
+            <a:extLst>
+              <a:ext uri="{FF2B5EF4-FFF2-40B4-BE49-F238E27FC236}">
+                <a16:creationId xmlns:a16="http://schemas.microsoft.com/office/drawing/2014/main" id="{8F3C14DD-0E5D-D36A-7D6D-116635E29C1C}"/>
+              </a:ext>
+            </a:extLst>
+          </p:cNvPr>
+          <p:cNvPicPr>
+            <a:picLocks noChangeAspect="1"/>
+          </p:cNvPicPr>
+          <p:nvPr/>
+        </p:nvPicPr>
+        <p:blipFill>
+          <a:blip r:embed="rId4"/>
+          <a:stretch>
+            <a:fillRect/>
+          </a:stretch>
+        </p:blipFill>
+        <p:spPr>
+          <a:xfrm>
+            <a:off x="9369435" y="3300364"/>
+            <a:ext cx="891414" cy="503386"/>
+          </a:xfrm>
+          <a:prstGeom prst="rect">
+            <a:avLst/>
+          </a:prstGeom>
+          <a:ln>
+            <a:solidFill>
+              <a:srgbClr val="FF0000"/>
+            </a:solidFill>
+          </a:ln>
+        </p:spPr>
+      </p:pic>
+      <p:pic>
+        <p:nvPicPr>
+          <p:cNvPr id="23" name="Picture 22">
+            <a:extLst>
+              <a:ext uri="{FF2B5EF4-FFF2-40B4-BE49-F238E27FC236}">
+                <a16:creationId xmlns:a16="http://schemas.microsoft.com/office/drawing/2014/main" id="{976610CF-D80F-E8D4-9611-B8F700E4DE26}"/>
+              </a:ext>
+            </a:extLst>
+          </p:cNvPr>
+          <p:cNvPicPr>
+            <a:picLocks noChangeAspect="1"/>
+          </p:cNvPicPr>
+          <p:nvPr/>
+        </p:nvPicPr>
+        <p:blipFill>
+          <a:blip r:embed="rId7"/>
+          <a:stretch>
+            <a:fillRect/>
+          </a:stretch>
+        </p:blipFill>
+        <p:spPr>
+          <a:xfrm>
+            <a:off x="9486910" y="3370619"/>
+            <a:ext cx="328232" cy="310241"/>
+          </a:xfrm>
+          <a:prstGeom prst="rect">
+            <a:avLst/>
+          </a:prstGeom>
+          <a:ln w="19050">
+            <a:solidFill>
+              <a:srgbClr val="FF0000"/>
+            </a:solidFill>
+          </a:ln>
+        </p:spPr>
+      </p:pic>
+      <p:pic>
+        <p:nvPicPr>
+          <p:cNvPr id="24" name="Picture 23">
+            <a:extLst>
+              <a:ext uri="{FF2B5EF4-FFF2-40B4-BE49-F238E27FC236}">
+                <a16:creationId xmlns:a16="http://schemas.microsoft.com/office/drawing/2014/main" id="{F4D30EEB-E5E4-B8A4-2D3A-ACF0FE9BE4D9}"/>
+              </a:ext>
+            </a:extLst>
+          </p:cNvPr>
+          <p:cNvPicPr>
+            <a:picLocks noChangeAspect="1"/>
+          </p:cNvPicPr>
+          <p:nvPr/>
+        </p:nvPicPr>
+        <p:blipFill>
+          <a:blip r:embed="rId4"/>
+          <a:stretch>
+            <a:fillRect/>
+          </a:stretch>
+        </p:blipFill>
+        <p:spPr>
+          <a:xfrm>
+            <a:off x="9369435" y="5372281"/>
+            <a:ext cx="891414" cy="503386"/>
+          </a:xfrm>
+          <a:prstGeom prst="rect">
+            <a:avLst/>
+          </a:prstGeom>
+          <a:ln>
+            <a:solidFill>
+              <a:srgbClr val="FF0000"/>
+            </a:solidFill>
+          </a:ln>
+        </p:spPr>
+      </p:pic>
+      <p:pic>
+        <p:nvPicPr>
+          <p:cNvPr id="25" name="Picture 24">
+            <a:extLst>
+              <a:ext uri="{FF2B5EF4-FFF2-40B4-BE49-F238E27FC236}">
+                <a16:creationId xmlns:a16="http://schemas.microsoft.com/office/drawing/2014/main" id="{CCEF2309-D67A-3C50-80FE-D7EEF7B0B4BD}"/>
+              </a:ext>
+            </a:extLst>
+          </p:cNvPr>
+          <p:cNvPicPr>
+            <a:picLocks noChangeAspect="1"/>
+          </p:cNvPicPr>
+          <p:nvPr/>
+        </p:nvPicPr>
+        <p:blipFill>
+          <a:blip r:embed="rId8"/>
+          <a:stretch>
+            <a:fillRect/>
+          </a:stretch>
+        </p:blipFill>
+        <p:spPr>
+          <a:xfrm>
+            <a:off x="9480334" y="5448738"/>
+            <a:ext cx="297937" cy="331576"/>
+          </a:xfrm>
+          <a:prstGeom prst="rect">
+            <a:avLst/>
+          </a:prstGeom>
+          <a:ln w="19050">
+            <a:solidFill>
+              <a:srgbClr val="FF0000"/>
+            </a:solidFill>
+          </a:ln>
+        </p:spPr>
+      </p:pic>
+      <p:pic>
+        <p:nvPicPr>
+          <p:cNvPr id="29" name="Picture 28" descr="A firewall and a fireball&#10;&#10;Description automatically generated">
+            <a:extLst>
+              <a:ext uri="{FF2B5EF4-FFF2-40B4-BE49-F238E27FC236}">
+                <a16:creationId xmlns:a16="http://schemas.microsoft.com/office/drawing/2014/main" id="{4623CBE4-683A-95E8-C652-4F896708C128}"/>
+              </a:ext>
+            </a:extLst>
+          </p:cNvPr>
+          <p:cNvPicPr>
+            <a:picLocks noChangeAspect="1"/>
+          </p:cNvPicPr>
+          <p:nvPr/>
+        </p:nvPicPr>
+        <p:blipFill>
+          <a:blip r:embed="rId9"/>
+          <a:stretch>
+            <a:fillRect/>
+          </a:stretch>
+        </p:blipFill>
+        <p:spPr>
+          <a:xfrm>
+            <a:off x="8426360" y="4008494"/>
+            <a:ext cx="501791" cy="390570"/>
+          </a:xfrm>
+          <a:prstGeom prst="rect">
+            <a:avLst/>
+          </a:prstGeom>
+          <a:ln>
+            <a:solidFill>
+              <a:schemeClr val="tx1"/>
+            </a:solidFill>
+          </a:ln>
+        </p:spPr>
+      </p:pic>
+      <p:cxnSp>
+        <p:nvCxnSpPr>
+          <p:cNvPr id="31" name="Connector: Elbow 30">
+            <a:extLst>
+              <a:ext uri="{FF2B5EF4-FFF2-40B4-BE49-F238E27FC236}">
+                <a16:creationId xmlns:a16="http://schemas.microsoft.com/office/drawing/2014/main" id="{1919490D-BC78-EE9D-E9A4-548DB6F0DF21}"/>
+              </a:ext>
+            </a:extLst>
+          </p:cNvPr>
+          <p:cNvCxnSpPr>
+            <a:stCxn id="22" idx="1"/>
+            <a:endCxn id="29" idx="3"/>
+          </p:cNvCxnSpPr>
+          <p:nvPr/>
+        </p:nvCxnSpPr>
+        <p:spPr>
+          <a:xfrm rot="10800000" flipV="1">
+            <a:off x="8928151" y="3552057"/>
+            <a:ext cx="441284" cy="651722"/>
+          </a:xfrm>
+          <a:prstGeom prst="bentConnector3">
+            <a:avLst/>
+          </a:prstGeom>
+        </p:spPr>
+        <p:style>
+          <a:lnRef idx="2">
+            <a:schemeClr val="accent1"/>
+          </a:lnRef>
+          <a:fillRef idx="0">
+            <a:schemeClr val="accent1"/>
+          </a:fillRef>
+          <a:effectRef idx="1">
+            <a:schemeClr val="accent1"/>
+          </a:effectRef>
+          <a:fontRef idx="minor">
+            <a:schemeClr val="tx1"/>
+          </a:fontRef>
+        </p:style>
+      </p:cxnSp>
+      <p:cxnSp>
+        <p:nvCxnSpPr>
+          <p:cNvPr id="32" name="Connector: Elbow 31">
+            <a:extLst>
+              <a:ext uri="{FF2B5EF4-FFF2-40B4-BE49-F238E27FC236}">
+                <a16:creationId xmlns:a16="http://schemas.microsoft.com/office/drawing/2014/main" id="{C64E696A-0900-3E5E-2CCB-669906BAC9B0}"/>
+              </a:ext>
+            </a:extLst>
+          </p:cNvPr>
+          <p:cNvCxnSpPr>
+            <a:cxnSpLocks/>
+            <a:stCxn id="18" idx="1"/>
+            <a:endCxn id="29" idx="3"/>
+          </p:cNvCxnSpPr>
+          <p:nvPr/>
+        </p:nvCxnSpPr>
+        <p:spPr>
+          <a:xfrm rot="10800000">
+            <a:off x="8928151" y="4203779"/>
+            <a:ext cx="449434" cy="54948"/>
+          </a:xfrm>
+          <a:prstGeom prst="bentConnector3">
+            <a:avLst/>
+          </a:prstGeom>
+        </p:spPr>
+        <p:style>
+          <a:lnRef idx="2">
+            <a:schemeClr val="accent1"/>
+          </a:lnRef>
+          <a:fillRef idx="0">
+            <a:schemeClr val="accent1"/>
+          </a:fillRef>
+          <a:effectRef idx="1">
+            <a:schemeClr val="accent1"/>
+          </a:effectRef>
+          <a:fontRef idx="minor">
+            <a:schemeClr val="tx1"/>
+          </a:fontRef>
+        </p:style>
+      </p:cxnSp>
+      <p:cxnSp>
+        <p:nvCxnSpPr>
+          <p:cNvPr id="35" name="Connector: Elbow 34">
+            <a:extLst>
+              <a:ext uri="{FF2B5EF4-FFF2-40B4-BE49-F238E27FC236}">
+                <a16:creationId xmlns:a16="http://schemas.microsoft.com/office/drawing/2014/main" id="{3CC48C31-F6A9-A135-5BEC-CE0C3F5FF128}"/>
+              </a:ext>
+            </a:extLst>
+          </p:cNvPr>
+          <p:cNvCxnSpPr>
+            <a:cxnSpLocks/>
+            <a:stCxn id="24" idx="1"/>
+            <a:endCxn id="29" idx="3"/>
+          </p:cNvCxnSpPr>
+          <p:nvPr/>
+        </p:nvCxnSpPr>
+        <p:spPr>
+          <a:xfrm rot="10800000">
+            <a:off x="8928151" y="4203780"/>
+            <a:ext cx="441284" cy="1420195"/>
+          </a:xfrm>
+          <a:prstGeom prst="bentConnector3">
+            <a:avLst>
+              <a:gd name="adj1" fmla="val 50000"/>
+            </a:avLst>
+          </a:prstGeom>
+        </p:spPr>
+        <p:style>
+          <a:lnRef idx="2">
+            <a:schemeClr val="accent1"/>
+          </a:lnRef>
+          <a:fillRef idx="0">
+            <a:schemeClr val="accent1"/>
+          </a:fillRef>
+          <a:effectRef idx="1">
+            <a:schemeClr val="accent1"/>
+          </a:effectRef>
+          <a:fontRef idx="minor">
+            <a:schemeClr val="tx1"/>
+          </a:fontRef>
+        </p:style>
+      </p:cxnSp>
+      <p:cxnSp>
+        <p:nvCxnSpPr>
+          <p:cNvPr id="40" name="Connector: Elbow 39">
+            <a:extLst>
+              <a:ext uri="{FF2B5EF4-FFF2-40B4-BE49-F238E27FC236}">
+                <a16:creationId xmlns:a16="http://schemas.microsoft.com/office/drawing/2014/main" id="{D3BA95A6-14EE-1903-0630-835932148B74}"/>
+              </a:ext>
+            </a:extLst>
+          </p:cNvPr>
+          <p:cNvCxnSpPr>
+            <a:cxnSpLocks/>
+            <a:stCxn id="20" idx="1"/>
+            <a:endCxn id="29" idx="3"/>
+          </p:cNvCxnSpPr>
+          <p:nvPr/>
+        </p:nvCxnSpPr>
+        <p:spPr>
+          <a:xfrm rot="10800000">
+            <a:off x="8928152" y="4203779"/>
+            <a:ext cx="444835" cy="710502"/>
+          </a:xfrm>
+          <a:prstGeom prst="bentConnector3">
+            <a:avLst>
+              <a:gd name="adj1" fmla="val 50000"/>
+            </a:avLst>
+          </a:prstGeom>
+        </p:spPr>
+        <p:style>
+          <a:lnRef idx="2">
+            <a:schemeClr val="accent1"/>
+          </a:lnRef>
+          <a:fillRef idx="0">
+            <a:schemeClr val="accent1"/>
+          </a:fillRef>
+          <a:effectRef idx="1">
+            <a:schemeClr val="accent1"/>
+          </a:effectRef>
+          <a:fontRef idx="minor">
+            <a:schemeClr val="tx1"/>
+          </a:fontRef>
+        </p:style>
+      </p:cxnSp>
+      <p:cxnSp>
+        <p:nvCxnSpPr>
+          <p:cNvPr id="44" name="Straight Arrow Connector 43">
+            <a:extLst>
+              <a:ext uri="{FF2B5EF4-FFF2-40B4-BE49-F238E27FC236}">
+                <a16:creationId xmlns:a16="http://schemas.microsoft.com/office/drawing/2014/main" id="{2357F54B-2717-9ED2-A38D-EA666D5E2789}"/>
+              </a:ext>
+            </a:extLst>
+          </p:cNvPr>
+          <p:cNvCxnSpPr>
+            <a:cxnSpLocks/>
+            <a:stCxn id="29" idx="1"/>
+          </p:cNvCxnSpPr>
+          <p:nvPr/>
+        </p:nvCxnSpPr>
+        <p:spPr>
+          <a:xfrm flipH="1">
+            <a:off x="8081310" y="4203779"/>
+            <a:ext cx="345050" cy="0"/>
+          </a:xfrm>
+          <a:prstGeom prst="straightConnector1">
+            <a:avLst/>
+          </a:prstGeom>
+          <a:ln>
+            <a:tailEnd type="triangle"/>
+          </a:ln>
+        </p:spPr>
+        <p:style>
+          <a:lnRef idx="2">
+            <a:schemeClr val="accent1"/>
+          </a:lnRef>
+          <a:fillRef idx="0">
+            <a:schemeClr val="accent1"/>
+          </a:fillRef>
+          <a:effectRef idx="1">
+            <a:schemeClr val="accent1"/>
+          </a:effectRef>
+          <a:fontRef idx="minor">
+            <a:schemeClr val="tx1"/>
+          </a:fontRef>
+        </p:style>
+      </p:cxnSp>
+      <p:cxnSp>
+        <p:nvCxnSpPr>
+          <p:cNvPr id="46" name="Straight Arrow Connector 45">
+            <a:extLst>
+              <a:ext uri="{FF2B5EF4-FFF2-40B4-BE49-F238E27FC236}">
+                <a16:creationId xmlns:a16="http://schemas.microsoft.com/office/drawing/2014/main" id="{1F98BD76-A071-9ED6-C0A4-2D5AB8862F39}"/>
+              </a:ext>
+            </a:extLst>
+          </p:cNvPr>
+          <p:cNvCxnSpPr>
+            <a:cxnSpLocks/>
+            <a:stCxn id="15" idx="2"/>
+          </p:cNvCxnSpPr>
+          <p:nvPr/>
+        </p:nvCxnSpPr>
+        <p:spPr>
+          <a:xfrm flipH="1" flipV="1">
+            <a:off x="6042692" y="4158449"/>
+            <a:ext cx="686158" cy="1"/>
+          </a:xfrm>
+          <a:prstGeom prst="straightConnector1">
+            <a:avLst/>
+          </a:prstGeom>
+          <a:ln>
+            <a:tailEnd type="triangle"/>
+          </a:ln>
+        </p:spPr>
+        <p:style>
+          <a:lnRef idx="2">
+            <a:schemeClr val="accent1"/>
+          </a:lnRef>
+          <a:fillRef idx="0">
+            <a:schemeClr val="accent1"/>
+          </a:fillRef>
+          <a:effectRef idx="1">
+            <a:schemeClr val="accent1"/>
+          </a:effectRef>
+          <a:fontRef idx="minor">
+            <a:schemeClr val="tx1"/>
+          </a:fontRef>
+        </p:style>
+      </p:cxnSp>
+      <p:sp>
+        <p:nvSpPr>
+          <p:cNvPr id="48" name="Rectangle 47">
+            <a:extLst>
+              <a:ext uri="{FF2B5EF4-FFF2-40B4-BE49-F238E27FC236}">
+                <a16:creationId xmlns:a16="http://schemas.microsoft.com/office/drawing/2014/main" id="{1A41F2C3-EC5A-5692-FCC7-27B851CB2024}"/>
+              </a:ext>
+            </a:extLst>
+          </p:cNvPr>
+          <p:cNvSpPr/>
+          <p:nvPr/>
+        </p:nvSpPr>
+        <p:spPr>
+          <a:xfrm>
+            <a:off x="4289569" y="3636452"/>
+            <a:ext cx="1753124" cy="386845"/>
+          </a:xfrm>
+          <a:prstGeom prst="rect">
+            <a:avLst/>
+          </a:prstGeom>
+          <a:solidFill>
+            <a:schemeClr val="accent6">
+              <a:lumMod val="60000"/>
+              <a:lumOff val="40000"/>
+            </a:schemeClr>
+          </a:solidFill>
+          <a:ln>
+            <a:prstDash val="sysDash"/>
+          </a:ln>
+        </p:spPr>
+        <p:style>
+          <a:lnRef idx="2">
+            <a:schemeClr val="accent1">
+              <a:shade val="15000"/>
+            </a:schemeClr>
+          </a:lnRef>
+          <a:fillRef idx="1">
+            <a:schemeClr val="accent1"/>
+          </a:fillRef>
+          <a:effectRef idx="0">
+            <a:schemeClr val="accent1"/>
+          </a:effectRef>
+          <a:fontRef idx="minor">
+            <a:schemeClr val="lt1"/>
+          </a:fontRef>
+        </p:style>
+        <p:txBody>
+          <a:bodyPr rtlCol="0" anchor="ctr"/>
+          <a:lstStyle/>
+          <a:p>
+            <a:r>
+              <a:rPr lang="en-US" sz="1200" b="1" dirty="0">
+                <a:solidFill>
+                  <a:schemeClr val="tx1"/>
+                </a:solidFill>
+              </a:rPr>
+              <a:t>Attack function assemble module </a:t>
+            </a:r>
+            <a:endParaRPr lang="en-SG" sz="1200" b="1" dirty="0">
+              <a:solidFill>
+                <a:schemeClr val="tx1"/>
+              </a:solidFill>
+            </a:endParaRPr>
+          </a:p>
+        </p:txBody>
+      </p:sp>
+      <p:sp>
+        <p:nvSpPr>
+          <p:cNvPr id="54" name="TextBox 53">
+            <a:extLst>
+              <a:ext uri="{FF2B5EF4-FFF2-40B4-BE49-F238E27FC236}">
+                <a16:creationId xmlns:a16="http://schemas.microsoft.com/office/drawing/2014/main" id="{0911DA32-56EB-010D-A85C-748DB5917750}"/>
+              </a:ext>
+            </a:extLst>
+          </p:cNvPr>
+          <p:cNvSpPr txBox="1"/>
+          <p:nvPr/>
+        </p:nvSpPr>
+        <p:spPr>
+          <a:xfrm>
+            <a:off x="8092828" y="4501393"/>
+            <a:ext cx="797920" cy="276999"/>
+          </a:xfrm>
+          <a:prstGeom prst="rect">
+            <a:avLst/>
+          </a:prstGeom>
+          <a:noFill/>
+        </p:spPr>
+        <p:txBody>
+          <a:bodyPr wrap="square" rtlCol="0">
+            <a:spAutoFit/>
+          </a:bodyPr>
+          <a:lstStyle/>
+          <a:p>
+            <a:r>
+              <a:rPr lang="en-US" sz="1200" b="1" dirty="0">
+                <a:solidFill>
+                  <a:srgbClr val="C00000"/>
+                </a:solidFill>
+              </a:rPr>
+              <a:t>Firewall</a:t>
+            </a:r>
+            <a:endParaRPr lang="en-SG" sz="1200" b="1" dirty="0">
+              <a:solidFill>
+                <a:srgbClr val="C00000"/>
+              </a:solidFill>
+            </a:endParaRPr>
+          </a:p>
+        </p:txBody>
+      </p:sp>
+      <p:sp>
+        <p:nvSpPr>
+          <p:cNvPr id="55" name="TextBox 54">
+            <a:extLst>
+              <a:ext uri="{FF2B5EF4-FFF2-40B4-BE49-F238E27FC236}">
+                <a16:creationId xmlns:a16="http://schemas.microsoft.com/office/drawing/2014/main" id="{40E0F5A4-98E9-6A7F-21AB-261A6F5CB6F3}"/>
+              </a:ext>
+            </a:extLst>
+          </p:cNvPr>
+          <p:cNvSpPr txBox="1"/>
+          <p:nvPr/>
+        </p:nvSpPr>
+        <p:spPr>
+          <a:xfrm>
+            <a:off x="10246534" y="3964142"/>
+            <a:ext cx="1010293" cy="600164"/>
+          </a:xfrm>
+          <a:prstGeom prst="rect">
+            <a:avLst/>
+          </a:prstGeom>
+          <a:noFill/>
+        </p:spPr>
+        <p:txBody>
+          <a:bodyPr wrap="square" rtlCol="0">
+            <a:spAutoFit/>
+          </a:bodyPr>
+          <a:lstStyle/>
+          <a:p>
+            <a:r>
+              <a:rPr lang="en-US" sz="1100" b="1" dirty="0">
+                <a:solidFill>
+                  <a:srgbClr val="FF0000"/>
+                </a:solidFill>
+              </a:rPr>
+              <a:t>Ninja Agent [Trojan plug-in ]</a:t>
+            </a:r>
+            <a:endParaRPr lang="en-SG" sz="1100" b="1" dirty="0">
+              <a:solidFill>
+                <a:srgbClr val="FF0000"/>
+              </a:solidFill>
+            </a:endParaRPr>
+          </a:p>
+        </p:txBody>
+      </p:sp>
+      <p:sp>
+        <p:nvSpPr>
+          <p:cNvPr id="56" name="TextBox 55">
+            <a:extLst>
+              <a:ext uri="{FF2B5EF4-FFF2-40B4-BE49-F238E27FC236}">
+                <a16:creationId xmlns:a16="http://schemas.microsoft.com/office/drawing/2014/main" id="{92C52DF8-E1A2-221E-0958-3E6261771040}"/>
+              </a:ext>
+            </a:extLst>
+          </p:cNvPr>
+          <p:cNvSpPr txBox="1"/>
+          <p:nvPr/>
+        </p:nvSpPr>
+        <p:spPr>
+          <a:xfrm>
+            <a:off x="10196986" y="3271284"/>
+            <a:ext cx="1010293" cy="600164"/>
+          </a:xfrm>
+          <a:prstGeom prst="rect">
+            <a:avLst/>
+          </a:prstGeom>
+          <a:noFill/>
+        </p:spPr>
+        <p:txBody>
+          <a:bodyPr wrap="square" rtlCol="0">
+            <a:spAutoFit/>
+          </a:bodyPr>
+          <a:lstStyle/>
+          <a:p>
+            <a:r>
+              <a:rPr lang="en-US" sz="1100" b="1" dirty="0">
+                <a:solidFill>
+                  <a:srgbClr val="FF0000"/>
+                </a:solidFill>
+              </a:rPr>
+              <a:t>Ninja Agent [Phishing plug-in]</a:t>
+            </a:r>
+            <a:endParaRPr lang="en-SG" sz="1100" b="1" dirty="0">
+              <a:solidFill>
+                <a:srgbClr val="FF0000"/>
+              </a:solidFill>
+            </a:endParaRPr>
+          </a:p>
+        </p:txBody>
+      </p:sp>
+      <p:sp>
+        <p:nvSpPr>
+          <p:cNvPr id="57" name="TextBox 56">
+            <a:extLst>
+              <a:ext uri="{FF2B5EF4-FFF2-40B4-BE49-F238E27FC236}">
+                <a16:creationId xmlns:a16="http://schemas.microsoft.com/office/drawing/2014/main" id="{D0CA301E-2E42-D170-4406-B14A9A13DA22}"/>
+              </a:ext>
+            </a:extLst>
+          </p:cNvPr>
+          <p:cNvSpPr txBox="1"/>
+          <p:nvPr/>
+        </p:nvSpPr>
+        <p:spPr>
+          <a:xfrm>
+            <a:off x="10241530" y="4657000"/>
+            <a:ext cx="1010293" cy="430887"/>
+          </a:xfrm>
+          <a:prstGeom prst="rect">
+            <a:avLst/>
+          </a:prstGeom>
+          <a:noFill/>
+        </p:spPr>
+        <p:txBody>
+          <a:bodyPr wrap="square" rtlCol="0">
+            <a:spAutoFit/>
+          </a:bodyPr>
+          <a:lstStyle/>
+          <a:p>
+            <a:r>
+              <a:rPr lang="en-US" sz="1100" b="1" dirty="0">
+                <a:solidFill>
+                  <a:srgbClr val="FF0000"/>
+                </a:solidFill>
+              </a:rPr>
+              <a:t>Ninja Agent [DoS-plugin]</a:t>
+            </a:r>
+            <a:endParaRPr lang="en-SG" sz="1100" b="1" dirty="0">
+              <a:solidFill>
+                <a:srgbClr val="FF0000"/>
+              </a:solidFill>
+            </a:endParaRPr>
+          </a:p>
+        </p:txBody>
+      </p:sp>
+      <p:sp>
+        <p:nvSpPr>
+          <p:cNvPr id="58" name="TextBox 57">
+            <a:extLst>
+              <a:ext uri="{FF2B5EF4-FFF2-40B4-BE49-F238E27FC236}">
+                <a16:creationId xmlns:a16="http://schemas.microsoft.com/office/drawing/2014/main" id="{431B9D86-73BA-0267-F857-51BA1B521B70}"/>
+              </a:ext>
+            </a:extLst>
+          </p:cNvPr>
+          <p:cNvSpPr txBox="1"/>
+          <p:nvPr/>
+        </p:nvSpPr>
+        <p:spPr>
+          <a:xfrm>
+            <a:off x="10268999" y="5358996"/>
+            <a:ext cx="1010293" cy="600164"/>
+          </a:xfrm>
+          <a:prstGeom prst="rect">
+            <a:avLst/>
+          </a:prstGeom>
+          <a:noFill/>
+        </p:spPr>
+        <p:txBody>
+          <a:bodyPr wrap="square" rtlCol="0">
+            <a:spAutoFit/>
+          </a:bodyPr>
+          <a:lstStyle/>
+          <a:p>
+            <a:r>
+              <a:rPr lang="en-US" sz="1100" b="1" dirty="0">
+                <a:solidFill>
+                  <a:srgbClr val="FF0000"/>
+                </a:solidFill>
+              </a:rPr>
+              <a:t>Ninja Agent [Injection plugin]</a:t>
+            </a:r>
+            <a:endParaRPr lang="en-SG" sz="1100" b="1" dirty="0">
+              <a:solidFill>
+                <a:srgbClr val="FF0000"/>
+              </a:solidFill>
+            </a:endParaRPr>
+          </a:p>
+        </p:txBody>
+      </p:sp>
+      <p:pic>
+        <p:nvPicPr>
+          <p:cNvPr id="59" name="Picture 58">
+            <a:extLst>
+              <a:ext uri="{FF2B5EF4-FFF2-40B4-BE49-F238E27FC236}">
+                <a16:creationId xmlns:a16="http://schemas.microsoft.com/office/drawing/2014/main" id="{BE5BD942-3448-FE47-E580-84DC123BCC07}"/>
+              </a:ext>
+            </a:extLst>
+          </p:cNvPr>
+          <p:cNvPicPr>
+            <a:picLocks noChangeAspect="1"/>
+          </p:cNvPicPr>
+          <p:nvPr/>
+        </p:nvPicPr>
+        <p:blipFill>
+          <a:blip r:embed="rId10"/>
+          <a:stretch>
+            <a:fillRect/>
+          </a:stretch>
+        </p:blipFill>
+        <p:spPr>
+          <a:xfrm>
+            <a:off x="4942346" y="3141903"/>
+            <a:ext cx="356212" cy="249348"/>
+          </a:xfrm>
+          <a:prstGeom prst="rect">
+            <a:avLst/>
+          </a:prstGeom>
+        </p:spPr>
+      </p:pic>
+      <p:cxnSp>
+        <p:nvCxnSpPr>
+          <p:cNvPr id="60" name="Straight Arrow Connector 59">
+            <a:extLst>
+              <a:ext uri="{FF2B5EF4-FFF2-40B4-BE49-F238E27FC236}">
+                <a16:creationId xmlns:a16="http://schemas.microsoft.com/office/drawing/2014/main" id="{8BD4CB32-4BA6-0395-97DD-D998B84EBE4E}"/>
+              </a:ext>
+            </a:extLst>
+          </p:cNvPr>
+          <p:cNvCxnSpPr>
+            <a:cxnSpLocks/>
+          </p:cNvCxnSpPr>
+          <p:nvPr/>
+        </p:nvCxnSpPr>
+        <p:spPr>
+          <a:xfrm>
+            <a:off x="4892732" y="2980609"/>
+            <a:ext cx="0" cy="655843"/>
+          </a:xfrm>
+          <a:prstGeom prst="straightConnector1">
+            <a:avLst/>
+          </a:prstGeom>
+          <a:ln>
+            <a:solidFill>
+              <a:srgbClr val="C00000"/>
+            </a:solidFill>
+            <a:prstDash val="sysDash"/>
+            <a:tailEnd type="triangle"/>
+          </a:ln>
+        </p:spPr>
+        <p:style>
+          <a:lnRef idx="2">
+            <a:schemeClr val="accent1"/>
+          </a:lnRef>
+          <a:fillRef idx="0">
+            <a:schemeClr val="accent1"/>
+          </a:fillRef>
+          <a:effectRef idx="1">
+            <a:schemeClr val="accent1"/>
+          </a:effectRef>
+          <a:fontRef idx="minor">
+            <a:schemeClr val="tx1"/>
+          </a:fontRef>
+        </p:style>
+      </p:cxnSp>
+      <p:sp>
+        <p:nvSpPr>
+          <p:cNvPr id="61" name="TextBox 60">
+            <a:extLst>
+              <a:ext uri="{FF2B5EF4-FFF2-40B4-BE49-F238E27FC236}">
+                <a16:creationId xmlns:a16="http://schemas.microsoft.com/office/drawing/2014/main" id="{BCEBA17B-6A05-21D9-058B-C780412F9D69}"/>
+              </a:ext>
+            </a:extLst>
+          </p:cNvPr>
+          <p:cNvSpPr txBox="1"/>
+          <p:nvPr/>
+        </p:nvSpPr>
+        <p:spPr>
+          <a:xfrm>
+            <a:off x="5444173" y="2883642"/>
+            <a:ext cx="951544" cy="553998"/>
+          </a:xfrm>
+          <a:prstGeom prst="rect">
+            <a:avLst/>
+          </a:prstGeom>
+          <a:noFill/>
+        </p:spPr>
+        <p:txBody>
+          <a:bodyPr wrap="square" rtlCol="0">
+            <a:spAutoFit/>
+          </a:bodyPr>
+          <a:lstStyle/>
+          <a:p>
+            <a:r>
+              <a:rPr lang="en-US" sz="1000" b="1" dirty="0">
+                <a:solidFill>
+                  <a:srgbClr val="C00000"/>
+                </a:solidFill>
+              </a:rPr>
+              <a:t>Different malicious action plugin </a:t>
+            </a:r>
+            <a:endParaRPr lang="en-SG" sz="1000" b="1" dirty="0">
+              <a:solidFill>
+                <a:srgbClr val="C00000"/>
+              </a:solidFill>
+            </a:endParaRPr>
+          </a:p>
+        </p:txBody>
+      </p:sp>
+      <p:pic>
+        <p:nvPicPr>
+          <p:cNvPr id="64" name="Picture 63">
+            <a:extLst>
+              <a:ext uri="{FF2B5EF4-FFF2-40B4-BE49-F238E27FC236}">
+                <a16:creationId xmlns:a16="http://schemas.microsoft.com/office/drawing/2014/main" id="{4F52751A-E803-1798-DCCF-3FF66442A691}"/>
+              </a:ext>
+            </a:extLst>
+          </p:cNvPr>
+          <p:cNvPicPr>
+            <a:picLocks noChangeAspect="1"/>
+          </p:cNvPicPr>
+          <p:nvPr/>
+        </p:nvPicPr>
+        <p:blipFill>
+          <a:blip r:embed="rId10"/>
+          <a:stretch>
+            <a:fillRect/>
+          </a:stretch>
+        </p:blipFill>
+        <p:spPr>
+          <a:xfrm>
+            <a:off x="5102658" y="3188292"/>
+            <a:ext cx="356212" cy="249348"/>
+          </a:xfrm>
+          <a:prstGeom prst="rect">
+            <a:avLst/>
+          </a:prstGeom>
+        </p:spPr>
+      </p:pic>
+      <p:cxnSp>
+        <p:nvCxnSpPr>
+          <p:cNvPr id="65" name="Straight Arrow Connector 64">
+            <a:extLst>
+              <a:ext uri="{FF2B5EF4-FFF2-40B4-BE49-F238E27FC236}">
+                <a16:creationId xmlns:a16="http://schemas.microsoft.com/office/drawing/2014/main" id="{04563E8D-8F85-4E09-414A-97FC06387C72}"/>
+              </a:ext>
+            </a:extLst>
+          </p:cNvPr>
+          <p:cNvCxnSpPr>
+            <a:cxnSpLocks/>
+          </p:cNvCxnSpPr>
+          <p:nvPr/>
+        </p:nvCxnSpPr>
+        <p:spPr>
+          <a:xfrm>
+            <a:off x="6060341" y="3964142"/>
+            <a:ext cx="716106" cy="0"/>
+          </a:xfrm>
+          <a:prstGeom prst="straightConnector1">
+            <a:avLst/>
+          </a:prstGeom>
+          <a:ln>
+            <a:solidFill>
+              <a:srgbClr val="C00000"/>
+            </a:solidFill>
+            <a:prstDash val="sysDash"/>
+            <a:tailEnd type="triangle"/>
+          </a:ln>
+        </p:spPr>
+        <p:style>
+          <a:lnRef idx="2">
+            <a:schemeClr val="accent1"/>
+          </a:lnRef>
+          <a:fillRef idx="0">
+            <a:schemeClr val="accent1"/>
+          </a:fillRef>
+          <a:effectRef idx="1">
+            <a:schemeClr val="accent1"/>
+          </a:effectRef>
+          <a:fontRef idx="minor">
+            <a:schemeClr val="tx1"/>
+          </a:fontRef>
+        </p:style>
+      </p:cxnSp>
+      <p:cxnSp>
+        <p:nvCxnSpPr>
+          <p:cNvPr id="72" name="Straight Arrow Connector 71">
+            <a:extLst>
+              <a:ext uri="{FF2B5EF4-FFF2-40B4-BE49-F238E27FC236}">
+                <a16:creationId xmlns:a16="http://schemas.microsoft.com/office/drawing/2014/main" id="{C4BF4285-5AB0-BAE4-145D-47352BCBB2EE}"/>
+              </a:ext>
+            </a:extLst>
+          </p:cNvPr>
+          <p:cNvCxnSpPr>
+            <a:cxnSpLocks/>
+          </p:cNvCxnSpPr>
+          <p:nvPr/>
+        </p:nvCxnSpPr>
+        <p:spPr>
+          <a:xfrm flipV="1">
+            <a:off x="8108096" y="4022980"/>
+            <a:ext cx="267745" cy="2393"/>
+          </a:xfrm>
+          <a:prstGeom prst="straightConnector1">
+            <a:avLst/>
+          </a:prstGeom>
+          <a:ln>
+            <a:solidFill>
+              <a:srgbClr val="C00000"/>
+            </a:solidFill>
+            <a:prstDash val="sysDash"/>
+            <a:tailEnd type="triangle"/>
+          </a:ln>
+        </p:spPr>
+        <p:style>
+          <a:lnRef idx="2">
+            <a:schemeClr val="accent1"/>
+          </a:lnRef>
+          <a:fillRef idx="0">
+            <a:schemeClr val="accent1"/>
+          </a:fillRef>
+          <a:effectRef idx="1">
+            <a:schemeClr val="accent1"/>
+          </a:effectRef>
+          <a:fontRef idx="minor">
+            <a:schemeClr val="tx1"/>
+          </a:fontRef>
+        </p:style>
+      </p:cxnSp>
+      <p:cxnSp>
+        <p:nvCxnSpPr>
+          <p:cNvPr id="74" name="Straight Arrow Connector 73">
+            <a:extLst>
+              <a:ext uri="{FF2B5EF4-FFF2-40B4-BE49-F238E27FC236}">
+                <a16:creationId xmlns:a16="http://schemas.microsoft.com/office/drawing/2014/main" id="{1696CC66-A627-1980-7904-26E633AAEE05}"/>
+              </a:ext>
+            </a:extLst>
+          </p:cNvPr>
+          <p:cNvCxnSpPr>
+            <a:cxnSpLocks/>
+            <a:endCxn id="22" idx="1"/>
+          </p:cNvCxnSpPr>
+          <p:nvPr/>
+        </p:nvCxnSpPr>
+        <p:spPr>
+          <a:xfrm flipV="1">
+            <a:off x="8908360" y="3552057"/>
+            <a:ext cx="461075" cy="647202"/>
+          </a:xfrm>
+          <a:prstGeom prst="straightConnector1">
+            <a:avLst/>
+          </a:prstGeom>
+          <a:ln>
+            <a:solidFill>
+              <a:srgbClr val="C00000"/>
+            </a:solidFill>
+            <a:prstDash val="sysDash"/>
+            <a:tailEnd type="triangle"/>
+          </a:ln>
+        </p:spPr>
+        <p:style>
+          <a:lnRef idx="2">
+            <a:schemeClr val="accent1"/>
+          </a:lnRef>
+          <a:fillRef idx="0">
+            <a:schemeClr val="accent1"/>
+          </a:fillRef>
+          <a:effectRef idx="1">
+            <a:schemeClr val="accent1"/>
+          </a:effectRef>
+          <a:fontRef idx="minor">
+            <a:schemeClr val="tx1"/>
+          </a:fontRef>
+        </p:style>
+      </p:cxnSp>
+      <p:cxnSp>
+        <p:nvCxnSpPr>
+          <p:cNvPr id="77" name="Straight Arrow Connector 76">
+            <a:extLst>
+              <a:ext uri="{FF2B5EF4-FFF2-40B4-BE49-F238E27FC236}">
+                <a16:creationId xmlns:a16="http://schemas.microsoft.com/office/drawing/2014/main" id="{CDAE9228-CFC5-1026-22DB-C82BA6FADF3D}"/>
+              </a:ext>
+            </a:extLst>
+          </p:cNvPr>
+          <p:cNvCxnSpPr>
+            <a:cxnSpLocks/>
+            <a:endCxn id="19" idx="3"/>
+          </p:cNvCxnSpPr>
+          <p:nvPr/>
+        </p:nvCxnSpPr>
+        <p:spPr>
+          <a:xfrm>
+            <a:off x="8932749" y="4158080"/>
+            <a:ext cx="578078" cy="46335"/>
+          </a:xfrm>
+          <a:prstGeom prst="straightConnector1">
+            <a:avLst/>
+          </a:prstGeom>
+          <a:ln>
+            <a:solidFill>
+              <a:srgbClr val="C00000"/>
+            </a:solidFill>
+            <a:prstDash val="sysDash"/>
+            <a:tailEnd type="triangle"/>
+          </a:ln>
+        </p:spPr>
+        <p:style>
+          <a:lnRef idx="2">
+            <a:schemeClr val="accent1"/>
+          </a:lnRef>
+          <a:fillRef idx="0">
+            <a:schemeClr val="accent1"/>
+          </a:fillRef>
+          <a:effectRef idx="1">
+            <a:schemeClr val="accent1"/>
+          </a:effectRef>
+          <a:fontRef idx="minor">
+            <a:schemeClr val="tx1"/>
+          </a:fontRef>
+        </p:style>
+      </p:cxnSp>
+      <p:cxnSp>
+        <p:nvCxnSpPr>
+          <p:cNvPr id="79" name="Straight Arrow Connector 78">
+            <a:extLst>
+              <a:ext uri="{FF2B5EF4-FFF2-40B4-BE49-F238E27FC236}">
+                <a16:creationId xmlns:a16="http://schemas.microsoft.com/office/drawing/2014/main" id="{1348A9BB-B9A4-5B24-BF26-6C221C7E6E74}"/>
+              </a:ext>
+            </a:extLst>
+          </p:cNvPr>
+          <p:cNvCxnSpPr>
+            <a:cxnSpLocks/>
+            <a:stCxn id="29" idx="3"/>
+            <a:endCxn id="21" idx="1"/>
+          </p:cNvCxnSpPr>
+          <p:nvPr/>
+        </p:nvCxnSpPr>
+        <p:spPr>
+          <a:xfrm>
+            <a:off x="8928151" y="4203779"/>
+            <a:ext cx="572424" cy="638708"/>
+          </a:xfrm>
+          <a:prstGeom prst="straightConnector1">
+            <a:avLst/>
+          </a:prstGeom>
+          <a:ln>
+            <a:solidFill>
+              <a:srgbClr val="C00000"/>
+            </a:solidFill>
+            <a:prstDash val="sysDash"/>
+            <a:tailEnd type="triangle"/>
+          </a:ln>
+        </p:spPr>
+        <p:style>
+          <a:lnRef idx="2">
+            <a:schemeClr val="accent1"/>
+          </a:lnRef>
+          <a:fillRef idx="0">
+            <a:schemeClr val="accent1"/>
+          </a:fillRef>
+          <a:effectRef idx="1">
+            <a:schemeClr val="accent1"/>
+          </a:effectRef>
+          <a:fontRef idx="minor">
+            <a:schemeClr val="tx1"/>
+          </a:fontRef>
+        </p:style>
+      </p:cxnSp>
+      <p:cxnSp>
+        <p:nvCxnSpPr>
+          <p:cNvPr id="82" name="Straight Arrow Connector 81">
+            <a:extLst>
+              <a:ext uri="{FF2B5EF4-FFF2-40B4-BE49-F238E27FC236}">
+                <a16:creationId xmlns:a16="http://schemas.microsoft.com/office/drawing/2014/main" id="{63211586-58E0-D118-B8A9-B71848C0DBDE}"/>
+              </a:ext>
+            </a:extLst>
+          </p:cNvPr>
+          <p:cNvCxnSpPr>
+            <a:cxnSpLocks/>
+            <a:endCxn id="25" idx="1"/>
+          </p:cNvCxnSpPr>
+          <p:nvPr/>
+        </p:nvCxnSpPr>
+        <p:spPr>
+          <a:xfrm>
+            <a:off x="8976326" y="4217230"/>
+            <a:ext cx="504008" cy="1397296"/>
+          </a:xfrm>
+          <a:prstGeom prst="straightConnector1">
+            <a:avLst/>
+          </a:prstGeom>
+          <a:ln>
+            <a:solidFill>
+              <a:srgbClr val="C00000"/>
+            </a:solidFill>
+            <a:prstDash val="sysDash"/>
+            <a:tailEnd type="triangle"/>
+          </a:ln>
+        </p:spPr>
+        <p:style>
+          <a:lnRef idx="2">
+            <a:schemeClr val="accent1"/>
+          </a:lnRef>
+          <a:fillRef idx="0">
+            <a:schemeClr val="accent1"/>
+          </a:fillRef>
+          <a:effectRef idx="1">
+            <a:schemeClr val="accent1"/>
+          </a:effectRef>
+          <a:fontRef idx="minor">
+            <a:schemeClr val="tx1"/>
+          </a:fontRef>
+        </p:style>
+      </p:cxnSp>
+      <p:sp>
+        <p:nvSpPr>
+          <p:cNvPr id="85" name="TextBox 84">
+            <a:extLst>
+              <a:ext uri="{FF2B5EF4-FFF2-40B4-BE49-F238E27FC236}">
+                <a16:creationId xmlns:a16="http://schemas.microsoft.com/office/drawing/2014/main" id="{C330DEA8-935E-B0EA-BA7A-54210E206F01}"/>
+              </a:ext>
+            </a:extLst>
+          </p:cNvPr>
+          <p:cNvSpPr txBox="1"/>
+          <p:nvPr/>
+        </p:nvSpPr>
+        <p:spPr>
+          <a:xfrm>
+            <a:off x="8734096" y="2758856"/>
+            <a:ext cx="2545195" cy="307777"/>
+          </a:xfrm>
+          <a:prstGeom prst="rect">
+            <a:avLst/>
+          </a:prstGeom>
+          <a:noFill/>
+        </p:spPr>
+        <p:txBody>
+          <a:bodyPr wrap="square" rtlCol="0">
+            <a:spAutoFit/>
+          </a:bodyPr>
+          <a:lstStyle/>
+          <a:p>
+            <a:r>
+              <a:rPr lang="en-US" sz="1400" b="1" dirty="0"/>
+              <a:t>Cyber Exercise Environment</a:t>
+            </a:r>
+            <a:endParaRPr lang="en-SG" sz="1400" b="1" dirty="0"/>
+          </a:p>
+        </p:txBody>
+      </p:sp>
+      <p:sp>
+        <p:nvSpPr>
+          <p:cNvPr id="93" name="Rectangle 92">
+            <a:extLst>
+              <a:ext uri="{FF2B5EF4-FFF2-40B4-BE49-F238E27FC236}">
+                <a16:creationId xmlns:a16="http://schemas.microsoft.com/office/drawing/2014/main" id="{1B4A8881-B95D-53FB-A8DF-A090A41F290D}"/>
+              </a:ext>
+            </a:extLst>
+          </p:cNvPr>
+          <p:cNvSpPr/>
+          <p:nvPr/>
+        </p:nvSpPr>
+        <p:spPr>
+          <a:xfrm>
+            <a:off x="6149310" y="1652745"/>
+            <a:ext cx="1477253" cy="523220"/>
+          </a:xfrm>
+          <a:prstGeom prst="rect">
+            <a:avLst/>
+          </a:prstGeom>
+          <a:solidFill>
+            <a:schemeClr val="bg2"/>
+          </a:solidFill>
+        </p:spPr>
+        <p:style>
+          <a:lnRef idx="2">
+            <a:schemeClr val="accent1">
+              <a:shade val="15000"/>
+            </a:schemeClr>
+          </a:lnRef>
+          <a:fillRef idx="1">
+            <a:schemeClr val="accent1"/>
+          </a:fillRef>
+          <a:effectRef idx="0">
+            <a:schemeClr val="accent1"/>
+          </a:effectRef>
+          <a:fontRef idx="minor">
+            <a:schemeClr val="lt1"/>
+          </a:fontRef>
+        </p:style>
+        <p:txBody>
+          <a:bodyPr rtlCol="0" anchor="ctr"/>
+          <a:lstStyle/>
+          <a:p>
+            <a:pPr algn="ctr"/>
+            <a:endParaRPr lang="en-SG" dirty="0"/>
+          </a:p>
+        </p:txBody>
+      </p:sp>
+      <p:sp>
+        <p:nvSpPr>
+          <p:cNvPr id="98" name="TextBox 97">
+            <a:extLst>
+              <a:ext uri="{FF2B5EF4-FFF2-40B4-BE49-F238E27FC236}">
+                <a16:creationId xmlns:a16="http://schemas.microsoft.com/office/drawing/2014/main" id="{58693497-76DF-7C13-0689-333F15CF7358}"/>
+              </a:ext>
+            </a:extLst>
+          </p:cNvPr>
+          <p:cNvSpPr txBox="1"/>
+          <p:nvPr/>
+        </p:nvSpPr>
+        <p:spPr>
+          <a:xfrm>
+            <a:off x="6131661" y="1652745"/>
+            <a:ext cx="1529746" cy="523220"/>
+          </a:xfrm>
+          <a:prstGeom prst="rect">
+            <a:avLst/>
+          </a:prstGeom>
+          <a:noFill/>
+        </p:spPr>
+        <p:txBody>
+          <a:bodyPr wrap="square" rtlCol="0">
+            <a:spAutoFit/>
+          </a:bodyPr>
+          <a:lstStyle/>
+          <a:p>
+            <a:r>
+              <a:rPr lang="en-SG" sz="1400" b="1" dirty="0"/>
+              <a:t>Ninja Malware Agent Interface </a:t>
+            </a:r>
+          </a:p>
+        </p:txBody>
+      </p:sp>
+      <p:cxnSp>
+        <p:nvCxnSpPr>
+          <p:cNvPr id="105" name="Connector: Elbow 104">
+            <a:extLst>
+              <a:ext uri="{FF2B5EF4-FFF2-40B4-BE49-F238E27FC236}">
+                <a16:creationId xmlns:a16="http://schemas.microsoft.com/office/drawing/2014/main" id="{E1081406-246A-9383-5254-24BF42EBBAE5}"/>
+              </a:ext>
+            </a:extLst>
+          </p:cNvPr>
+          <p:cNvCxnSpPr>
+            <a:cxnSpLocks/>
+            <a:endCxn id="98" idx="1"/>
+          </p:cNvCxnSpPr>
+          <p:nvPr/>
+        </p:nvCxnSpPr>
+        <p:spPr>
+          <a:xfrm>
+            <a:off x="5102658" y="1238675"/>
+            <a:ext cx="1029003" cy="675680"/>
+          </a:xfrm>
+          <a:prstGeom prst="bentConnector3">
+            <a:avLst/>
+          </a:prstGeom>
+          <a:ln w="12700">
+            <a:solidFill>
+              <a:srgbClr val="C00000"/>
+            </a:solidFill>
+            <a:prstDash val="sysDash"/>
+            <a:tailEnd type="triangle"/>
+          </a:ln>
+        </p:spPr>
+        <p:style>
+          <a:lnRef idx="2">
+            <a:schemeClr val="accent1"/>
+          </a:lnRef>
+          <a:fillRef idx="0">
+            <a:schemeClr val="accent1"/>
+          </a:fillRef>
+          <a:effectRef idx="1">
+            <a:schemeClr val="accent1"/>
+          </a:effectRef>
+          <a:fontRef idx="minor">
+            <a:schemeClr val="tx1"/>
+          </a:fontRef>
+        </p:style>
+      </p:cxnSp>
+      <p:cxnSp>
+        <p:nvCxnSpPr>
+          <p:cNvPr id="107" name="Connector: Elbow 106">
+            <a:extLst>
+              <a:ext uri="{FF2B5EF4-FFF2-40B4-BE49-F238E27FC236}">
+                <a16:creationId xmlns:a16="http://schemas.microsoft.com/office/drawing/2014/main" id="{7D5C6ED0-7ADB-DF6A-4582-31E28F2FFD67}"/>
+              </a:ext>
+            </a:extLst>
+          </p:cNvPr>
+          <p:cNvCxnSpPr>
+            <a:cxnSpLocks/>
+            <a:stCxn id="7" idx="3"/>
+            <a:endCxn id="98" idx="1"/>
+          </p:cNvCxnSpPr>
+          <p:nvPr/>
+        </p:nvCxnSpPr>
+        <p:spPr>
+          <a:xfrm>
+            <a:off x="5067814" y="1701907"/>
+            <a:ext cx="1063847" cy="212448"/>
+          </a:xfrm>
+          <a:prstGeom prst="bentConnector3">
+            <a:avLst/>
+          </a:prstGeom>
+          <a:ln w="12700">
+            <a:solidFill>
+              <a:srgbClr val="C00000"/>
+            </a:solidFill>
+            <a:prstDash val="sysDash"/>
+            <a:tailEnd type="triangle"/>
+          </a:ln>
+        </p:spPr>
+        <p:style>
+          <a:lnRef idx="2">
+            <a:schemeClr val="accent1"/>
+          </a:lnRef>
+          <a:fillRef idx="0">
+            <a:schemeClr val="accent1"/>
+          </a:fillRef>
+          <a:effectRef idx="1">
+            <a:schemeClr val="accent1"/>
+          </a:effectRef>
+          <a:fontRef idx="minor">
+            <a:schemeClr val="tx1"/>
+          </a:fontRef>
+        </p:style>
+      </p:cxnSp>
+      <p:cxnSp>
+        <p:nvCxnSpPr>
+          <p:cNvPr id="110" name="Connector: Elbow 109">
+            <a:extLst>
+              <a:ext uri="{FF2B5EF4-FFF2-40B4-BE49-F238E27FC236}">
+                <a16:creationId xmlns:a16="http://schemas.microsoft.com/office/drawing/2014/main" id="{8A83CC4C-646B-CB30-3B93-550B1B817C6D}"/>
+              </a:ext>
+            </a:extLst>
+          </p:cNvPr>
+          <p:cNvCxnSpPr>
+            <a:cxnSpLocks/>
+            <a:stCxn id="8" idx="3"/>
+            <a:endCxn id="98" idx="1"/>
+          </p:cNvCxnSpPr>
+          <p:nvPr/>
+        </p:nvCxnSpPr>
+        <p:spPr>
+          <a:xfrm flipV="1">
+            <a:off x="5067814" y="1914355"/>
+            <a:ext cx="1063847" cy="223233"/>
+          </a:xfrm>
+          <a:prstGeom prst="bentConnector3">
+            <a:avLst/>
+          </a:prstGeom>
+          <a:ln w="12700">
+            <a:solidFill>
+              <a:srgbClr val="C00000"/>
+            </a:solidFill>
+            <a:prstDash val="sysDash"/>
+            <a:tailEnd type="triangle"/>
+          </a:ln>
+        </p:spPr>
+        <p:style>
+          <a:lnRef idx="2">
+            <a:schemeClr val="accent1"/>
+          </a:lnRef>
+          <a:fillRef idx="0">
+            <a:schemeClr val="accent1"/>
+          </a:fillRef>
+          <a:effectRef idx="1">
+            <a:schemeClr val="accent1"/>
+          </a:effectRef>
+          <a:fontRef idx="minor">
+            <a:schemeClr val="tx1"/>
+          </a:fontRef>
+        </p:style>
+      </p:cxnSp>
+      <p:cxnSp>
+        <p:nvCxnSpPr>
+          <p:cNvPr id="113" name="Connector: Elbow 112">
+            <a:extLst>
+              <a:ext uri="{FF2B5EF4-FFF2-40B4-BE49-F238E27FC236}">
+                <a16:creationId xmlns:a16="http://schemas.microsoft.com/office/drawing/2014/main" id="{E558EAC4-35C9-7B34-D975-62268C7EEB28}"/>
+              </a:ext>
+            </a:extLst>
+          </p:cNvPr>
+          <p:cNvCxnSpPr>
+            <a:cxnSpLocks/>
+            <a:stCxn id="9" idx="3"/>
+            <a:endCxn id="98" idx="1"/>
+          </p:cNvCxnSpPr>
+          <p:nvPr/>
+        </p:nvCxnSpPr>
+        <p:spPr>
+          <a:xfrm flipV="1">
+            <a:off x="5067814" y="1914355"/>
+            <a:ext cx="1063847" cy="714367"/>
+          </a:xfrm>
+          <a:prstGeom prst="bentConnector3">
+            <a:avLst/>
+          </a:prstGeom>
+          <a:ln w="12700">
+            <a:solidFill>
+              <a:srgbClr val="C00000"/>
+            </a:solidFill>
+            <a:prstDash val="sysDash"/>
+            <a:tailEnd type="triangle"/>
+          </a:ln>
+        </p:spPr>
+        <p:style>
+          <a:lnRef idx="2">
+            <a:schemeClr val="accent1"/>
+          </a:lnRef>
+          <a:fillRef idx="0">
+            <a:schemeClr val="accent1"/>
+          </a:fillRef>
+          <a:effectRef idx="1">
+            <a:schemeClr val="accent1"/>
+          </a:effectRef>
+          <a:fontRef idx="minor">
+            <a:schemeClr val="tx1"/>
+          </a:fontRef>
+        </p:style>
+      </p:cxnSp>
+      <p:cxnSp>
+        <p:nvCxnSpPr>
+          <p:cNvPr id="116" name="Connector: Elbow 115">
+            <a:extLst>
+              <a:ext uri="{FF2B5EF4-FFF2-40B4-BE49-F238E27FC236}">
+                <a16:creationId xmlns:a16="http://schemas.microsoft.com/office/drawing/2014/main" id="{F95CF967-A45B-6A7A-F36D-6E11777A73D5}"/>
+              </a:ext>
+            </a:extLst>
+          </p:cNvPr>
+          <p:cNvCxnSpPr>
+            <a:cxnSpLocks/>
+            <a:stCxn id="98" idx="3"/>
+            <a:endCxn id="120" idx="1"/>
+          </p:cNvCxnSpPr>
+          <p:nvPr/>
+        </p:nvCxnSpPr>
+        <p:spPr>
+          <a:xfrm flipV="1">
+            <a:off x="7661407" y="808074"/>
+            <a:ext cx="1120760" cy="1106281"/>
+          </a:xfrm>
+          <a:prstGeom prst="bentConnector3">
+            <a:avLst>
+              <a:gd name="adj1" fmla="val 50000"/>
+            </a:avLst>
+          </a:prstGeom>
+          <a:ln w="12700">
+            <a:solidFill>
+              <a:srgbClr val="C00000"/>
+            </a:solidFill>
+            <a:prstDash val="sysDash"/>
+            <a:tailEnd type="triangle"/>
+          </a:ln>
+        </p:spPr>
+        <p:style>
+          <a:lnRef idx="2">
+            <a:schemeClr val="accent1"/>
+          </a:lnRef>
+          <a:fillRef idx="0">
+            <a:schemeClr val="accent1"/>
+          </a:fillRef>
+          <a:effectRef idx="1">
+            <a:schemeClr val="accent1"/>
+          </a:effectRef>
+          <a:fontRef idx="minor">
+            <a:schemeClr val="tx1"/>
+          </a:fontRef>
+        </p:style>
+      </p:cxnSp>
+      <p:pic>
+        <p:nvPicPr>
+          <p:cNvPr id="120" name="Picture 119">
+            <a:extLst>
+              <a:ext uri="{FF2B5EF4-FFF2-40B4-BE49-F238E27FC236}">
+                <a16:creationId xmlns:a16="http://schemas.microsoft.com/office/drawing/2014/main" id="{97CEEC63-BE27-66BC-DBD4-A3F338AA9331}"/>
+              </a:ext>
+            </a:extLst>
+          </p:cNvPr>
+          <p:cNvPicPr>
+            <a:picLocks noChangeAspect="1"/>
+          </p:cNvPicPr>
+          <p:nvPr/>
+        </p:nvPicPr>
+        <p:blipFill rotWithShape="1">
+          <a:blip r:embed="rId11"/>
+          <a:srcRect l="5536"/>
+          <a:stretch/>
+        </p:blipFill>
+        <p:spPr>
+          <a:xfrm>
+            <a:off x="8782167" y="620469"/>
+            <a:ext cx="388318" cy="375209"/>
+          </a:xfrm>
+          <a:prstGeom prst="rect">
+            <a:avLst/>
+          </a:prstGeom>
+        </p:spPr>
+      </p:pic>
+      <p:sp>
+        <p:nvSpPr>
+          <p:cNvPr id="121" name="TextBox 120">
+            <a:extLst>
+              <a:ext uri="{FF2B5EF4-FFF2-40B4-BE49-F238E27FC236}">
+                <a16:creationId xmlns:a16="http://schemas.microsoft.com/office/drawing/2014/main" id="{A476B66B-6026-902E-92C9-D0E3910678F6}"/>
+              </a:ext>
+            </a:extLst>
+          </p:cNvPr>
+          <p:cNvSpPr txBox="1"/>
+          <p:nvPr/>
+        </p:nvSpPr>
+        <p:spPr>
+          <a:xfrm>
+            <a:off x="8221787" y="362110"/>
+            <a:ext cx="1936951" cy="276999"/>
+          </a:xfrm>
+          <a:prstGeom prst="rect">
+            <a:avLst/>
+          </a:prstGeom>
+          <a:noFill/>
+        </p:spPr>
+        <p:txBody>
+          <a:bodyPr wrap="square" rtlCol="0">
+            <a:spAutoFit/>
+          </a:bodyPr>
+          <a:lstStyle/>
+          <a:p>
+            <a:r>
+              <a:rPr lang="en-SG" sz="1200" b="1" dirty="0">
+                <a:solidFill>
+                  <a:srgbClr val="C00000"/>
+                </a:solidFill>
+              </a:rPr>
+              <a:t>ARP spoofing malware</a:t>
+            </a:r>
+          </a:p>
+        </p:txBody>
+      </p:sp>
+      <p:pic>
+        <p:nvPicPr>
+          <p:cNvPr id="122" name="Picture 121" descr="A red horse on wheels&#10;&#10;Description automatically generated">
+            <a:extLst>
+              <a:ext uri="{FF2B5EF4-FFF2-40B4-BE49-F238E27FC236}">
+                <a16:creationId xmlns:a16="http://schemas.microsoft.com/office/drawing/2014/main" id="{46451B29-0657-85EA-99FB-D19E5D6B83C7}"/>
+              </a:ext>
+            </a:extLst>
+          </p:cNvPr>
+          <p:cNvPicPr>
+            <a:picLocks noChangeAspect="1"/>
+          </p:cNvPicPr>
+          <p:nvPr/>
+        </p:nvPicPr>
+        <p:blipFill>
+          <a:blip r:embed="rId5">
+            <a:extLst>
+              <a:ext uri="{28A0092B-C50C-407E-A947-70E740481C1C}">
+                <a14:useLocalDpi xmlns:a14="http://schemas.microsoft.com/office/drawing/2010/main" val="0"/>
+              </a:ext>
+            </a:extLst>
+          </a:blip>
+          <a:stretch>
+            <a:fillRect/>
+          </a:stretch>
+        </p:blipFill>
+        <p:spPr>
+          <a:xfrm flipH="1">
+            <a:off x="8782167" y="1190812"/>
+            <a:ext cx="376652" cy="297632"/>
+          </a:xfrm>
+          <a:prstGeom prst="rect">
+            <a:avLst/>
+          </a:prstGeom>
+          <a:ln w="19050">
+            <a:solidFill>
+              <a:srgbClr val="FF0000"/>
+            </a:solidFill>
+          </a:ln>
+        </p:spPr>
+      </p:pic>
+      <p:sp>
+        <p:nvSpPr>
+          <p:cNvPr id="124" name="TextBox 123">
+            <a:extLst>
+              <a:ext uri="{FF2B5EF4-FFF2-40B4-BE49-F238E27FC236}">
+                <a16:creationId xmlns:a16="http://schemas.microsoft.com/office/drawing/2014/main" id="{BF977BF3-A5B3-DD7F-780D-B4249893C4D5}"/>
+              </a:ext>
+            </a:extLst>
+          </p:cNvPr>
+          <p:cNvSpPr txBox="1"/>
+          <p:nvPr/>
+        </p:nvSpPr>
+        <p:spPr>
+          <a:xfrm>
+            <a:off x="8318537" y="955642"/>
+            <a:ext cx="1936951" cy="276999"/>
+          </a:xfrm>
+          <a:prstGeom prst="rect">
+            <a:avLst/>
+          </a:prstGeom>
+          <a:noFill/>
+        </p:spPr>
+        <p:txBody>
+          <a:bodyPr wrap="square" rtlCol="0">
+            <a:spAutoFit/>
+          </a:bodyPr>
+          <a:lstStyle/>
+          <a:p>
+            <a:r>
+              <a:rPr lang="en-US" sz="1200" b="1" dirty="0">
+                <a:solidFill>
+                  <a:srgbClr val="C00000"/>
+                </a:solidFill>
+              </a:rPr>
+              <a:t>Backdoor trojan</a:t>
+            </a:r>
+            <a:endParaRPr lang="en-SG" sz="1200" b="1" dirty="0">
+              <a:solidFill>
+                <a:srgbClr val="C00000"/>
+              </a:solidFill>
+            </a:endParaRPr>
+          </a:p>
+        </p:txBody>
+      </p:sp>
+      <p:cxnSp>
+        <p:nvCxnSpPr>
+          <p:cNvPr id="125" name="Connector: Elbow 124">
+            <a:extLst>
+              <a:ext uri="{FF2B5EF4-FFF2-40B4-BE49-F238E27FC236}">
+                <a16:creationId xmlns:a16="http://schemas.microsoft.com/office/drawing/2014/main" id="{BC0277AB-40BE-89E0-F2F8-328353D56870}"/>
+              </a:ext>
+            </a:extLst>
+          </p:cNvPr>
+          <p:cNvCxnSpPr>
+            <a:cxnSpLocks/>
+            <a:stCxn id="98" idx="3"/>
+            <a:endCxn id="122" idx="3"/>
+          </p:cNvCxnSpPr>
+          <p:nvPr/>
+        </p:nvCxnSpPr>
+        <p:spPr>
+          <a:xfrm flipV="1">
+            <a:off x="7661407" y="1339628"/>
+            <a:ext cx="1120760" cy="574727"/>
+          </a:xfrm>
+          <a:prstGeom prst="bentConnector3">
+            <a:avLst>
+              <a:gd name="adj1" fmla="val 50000"/>
+            </a:avLst>
+          </a:prstGeom>
+          <a:ln w="12700">
+            <a:solidFill>
+              <a:srgbClr val="C00000"/>
+            </a:solidFill>
+            <a:prstDash val="sysDash"/>
+            <a:tailEnd type="triangle"/>
+          </a:ln>
+        </p:spPr>
+        <p:style>
+          <a:lnRef idx="2">
+            <a:schemeClr val="accent1"/>
+          </a:lnRef>
+          <a:fillRef idx="0">
+            <a:schemeClr val="accent1"/>
+          </a:fillRef>
+          <a:effectRef idx="1">
+            <a:schemeClr val="accent1"/>
+          </a:effectRef>
+          <a:fontRef idx="minor">
+            <a:schemeClr val="tx1"/>
+          </a:fontRef>
+        </p:style>
+      </p:cxnSp>
+      <p:pic>
+        <p:nvPicPr>
+          <p:cNvPr id="128" name="Picture 127" descr="DDoS protection - iIT Distribution">
+            <a:extLst>
+              <a:ext uri="{FF2B5EF4-FFF2-40B4-BE49-F238E27FC236}">
+                <a16:creationId xmlns:a16="http://schemas.microsoft.com/office/drawing/2014/main" id="{77E9FE0E-5827-FB72-41F2-614C9091F1AE}"/>
+              </a:ext>
+            </a:extLst>
+          </p:cNvPr>
+          <p:cNvPicPr>
+            <a:picLocks noChangeAspect="1"/>
+          </p:cNvPicPr>
+          <p:nvPr/>
+        </p:nvPicPr>
+        <p:blipFill rotWithShape="1">
+          <a:blip r:embed="rId12"/>
+          <a:srcRect l="6437" t="1122" r="7000" b="-1677"/>
+          <a:stretch/>
+        </p:blipFill>
+        <p:spPr>
+          <a:xfrm>
+            <a:off x="8776754" y="1716679"/>
+            <a:ext cx="414399" cy="323527"/>
+          </a:xfrm>
+          <a:prstGeom prst="rect">
+            <a:avLst/>
+          </a:prstGeom>
+          <a:ln w="19050">
+            <a:solidFill>
+              <a:srgbClr val="C00000"/>
+            </a:solidFill>
+          </a:ln>
+        </p:spPr>
+      </p:pic>
+      <p:sp>
+        <p:nvSpPr>
+          <p:cNvPr id="129" name="TextBox 128">
+            <a:extLst>
+              <a:ext uri="{FF2B5EF4-FFF2-40B4-BE49-F238E27FC236}">
+                <a16:creationId xmlns:a16="http://schemas.microsoft.com/office/drawing/2014/main" id="{40A736F9-90FF-5E25-6D14-D8B4115BBAC6}"/>
+              </a:ext>
+            </a:extLst>
+          </p:cNvPr>
+          <p:cNvSpPr txBox="1"/>
+          <p:nvPr/>
+        </p:nvSpPr>
+        <p:spPr>
+          <a:xfrm>
+            <a:off x="8293946" y="1479403"/>
+            <a:ext cx="1936951" cy="276999"/>
+          </a:xfrm>
+          <a:prstGeom prst="rect">
+            <a:avLst/>
+          </a:prstGeom>
+          <a:noFill/>
+        </p:spPr>
+        <p:txBody>
+          <a:bodyPr wrap="square" rtlCol="0">
+            <a:spAutoFit/>
+          </a:bodyPr>
+          <a:lstStyle/>
+          <a:p>
+            <a:r>
+              <a:rPr lang="en-US" sz="1200" b="1" dirty="0">
+                <a:solidFill>
+                  <a:srgbClr val="C00000"/>
+                </a:solidFill>
+              </a:rPr>
+              <a:t>DDoS attack malware</a:t>
+            </a:r>
+            <a:endParaRPr lang="en-SG" sz="1200" b="1" dirty="0">
+              <a:solidFill>
+                <a:srgbClr val="C00000"/>
+              </a:solidFill>
+            </a:endParaRPr>
+          </a:p>
+        </p:txBody>
+      </p:sp>
+      <p:pic>
+        <p:nvPicPr>
+          <p:cNvPr id="130" name="Picture 129" descr="1,451 Keylogger Images, Stock Photos, 3D objects, &amp; Vectors | Shutterstock">
+            <a:extLst>
+              <a:ext uri="{FF2B5EF4-FFF2-40B4-BE49-F238E27FC236}">
+                <a16:creationId xmlns:a16="http://schemas.microsoft.com/office/drawing/2014/main" id="{6A4E84EB-E21F-B0F2-4826-DC8EF313CEFB}"/>
+              </a:ext>
+            </a:extLst>
+          </p:cNvPr>
+          <p:cNvPicPr>
+            <a:picLocks noChangeAspect="1"/>
+          </p:cNvPicPr>
+          <p:nvPr/>
+        </p:nvPicPr>
+        <p:blipFill rotWithShape="1">
+          <a:blip r:embed="rId13"/>
+          <a:srcRect l="25208" t="25614" r="26720" b="47193"/>
+          <a:stretch/>
+        </p:blipFill>
+        <p:spPr>
+          <a:xfrm>
+            <a:off x="8776410" y="2287237"/>
+            <a:ext cx="413852" cy="315858"/>
+          </a:xfrm>
+          <a:prstGeom prst="rect">
+            <a:avLst/>
+          </a:prstGeom>
+          <a:ln w="19050">
+            <a:solidFill>
+              <a:srgbClr val="C00000"/>
+            </a:solidFill>
+          </a:ln>
+        </p:spPr>
+      </p:pic>
+      <p:sp>
+        <p:nvSpPr>
+          <p:cNvPr id="131" name="TextBox 130">
+            <a:extLst>
+              <a:ext uri="{FF2B5EF4-FFF2-40B4-BE49-F238E27FC236}">
+                <a16:creationId xmlns:a16="http://schemas.microsoft.com/office/drawing/2014/main" id="{D6B21535-7229-1562-37CD-D562DC1D5AE6}"/>
+              </a:ext>
+            </a:extLst>
+          </p:cNvPr>
+          <p:cNvSpPr txBox="1"/>
+          <p:nvPr/>
+        </p:nvSpPr>
+        <p:spPr>
+          <a:xfrm>
+            <a:off x="8375841" y="2058589"/>
+            <a:ext cx="1671926" cy="276999"/>
+          </a:xfrm>
+          <a:prstGeom prst="rect">
+            <a:avLst/>
+          </a:prstGeom>
+          <a:noFill/>
+        </p:spPr>
+        <p:txBody>
+          <a:bodyPr wrap="square" rtlCol="0">
+            <a:spAutoFit/>
+          </a:bodyPr>
+          <a:lstStyle/>
+          <a:p>
+            <a:r>
+              <a:rPr lang="en-SG" sz="1200" b="1" dirty="0">
+                <a:solidFill>
+                  <a:srgbClr val="C00000"/>
+                </a:solidFill>
+              </a:rPr>
+              <a:t>Eavesdrop malware</a:t>
+            </a:r>
+          </a:p>
+        </p:txBody>
+      </p:sp>
+      <p:cxnSp>
+        <p:nvCxnSpPr>
+          <p:cNvPr id="132" name="Connector: Elbow 131">
+            <a:extLst>
+              <a:ext uri="{FF2B5EF4-FFF2-40B4-BE49-F238E27FC236}">
+                <a16:creationId xmlns:a16="http://schemas.microsoft.com/office/drawing/2014/main" id="{C963BEFB-9806-F499-467B-0B96DF162F58}"/>
+              </a:ext>
+            </a:extLst>
+          </p:cNvPr>
+          <p:cNvCxnSpPr>
+            <a:cxnSpLocks/>
+            <a:stCxn id="98" idx="3"/>
+            <a:endCxn id="128" idx="1"/>
+          </p:cNvCxnSpPr>
+          <p:nvPr/>
+        </p:nvCxnSpPr>
+        <p:spPr>
+          <a:xfrm flipV="1">
+            <a:off x="7661407" y="1878443"/>
+            <a:ext cx="1115347" cy="35912"/>
+          </a:xfrm>
+          <a:prstGeom prst="bentConnector3">
+            <a:avLst>
+              <a:gd name="adj1" fmla="val 50000"/>
+            </a:avLst>
+          </a:prstGeom>
+          <a:ln w="12700">
+            <a:solidFill>
+              <a:srgbClr val="C00000"/>
+            </a:solidFill>
+            <a:prstDash val="sysDash"/>
+            <a:tailEnd type="triangle"/>
+          </a:ln>
+        </p:spPr>
+        <p:style>
+          <a:lnRef idx="2">
+            <a:schemeClr val="accent1"/>
+          </a:lnRef>
+          <a:fillRef idx="0">
+            <a:schemeClr val="accent1"/>
+          </a:fillRef>
+          <a:effectRef idx="1">
+            <a:schemeClr val="accent1"/>
+          </a:effectRef>
+          <a:fontRef idx="minor">
+            <a:schemeClr val="tx1"/>
+          </a:fontRef>
+        </p:style>
+      </p:cxnSp>
+      <p:cxnSp>
+        <p:nvCxnSpPr>
+          <p:cNvPr id="135" name="Connector: Elbow 134">
+            <a:extLst>
+              <a:ext uri="{FF2B5EF4-FFF2-40B4-BE49-F238E27FC236}">
+                <a16:creationId xmlns:a16="http://schemas.microsoft.com/office/drawing/2014/main" id="{DE462969-5C3D-2DF7-0B80-94DEBB9F61A1}"/>
+              </a:ext>
+            </a:extLst>
+          </p:cNvPr>
+          <p:cNvCxnSpPr>
+            <a:cxnSpLocks/>
+            <a:stCxn id="98" idx="3"/>
+            <a:endCxn id="130" idx="1"/>
+          </p:cNvCxnSpPr>
+          <p:nvPr/>
+        </p:nvCxnSpPr>
+        <p:spPr>
+          <a:xfrm>
+            <a:off x="7661407" y="1914355"/>
+            <a:ext cx="1115003" cy="530811"/>
+          </a:xfrm>
+          <a:prstGeom prst="bentConnector3">
+            <a:avLst>
+              <a:gd name="adj1" fmla="val 50000"/>
+            </a:avLst>
+          </a:prstGeom>
+          <a:ln w="12700">
+            <a:solidFill>
+              <a:srgbClr val="C00000"/>
+            </a:solidFill>
+            <a:prstDash val="sysDash"/>
+            <a:tailEnd type="triangle"/>
+          </a:ln>
+        </p:spPr>
+        <p:style>
+          <a:lnRef idx="2">
+            <a:schemeClr val="accent1"/>
+          </a:lnRef>
+          <a:fillRef idx="0">
+            <a:schemeClr val="accent1"/>
+          </a:fillRef>
+          <a:effectRef idx="1">
+            <a:schemeClr val="accent1"/>
+          </a:effectRef>
+          <a:fontRef idx="minor">
+            <a:schemeClr val="tx1"/>
+          </a:fontRef>
+        </p:style>
+      </p:cxnSp>
+      <p:pic>
+        <p:nvPicPr>
+          <p:cNvPr id="138" name="Picture 137">
+            <a:extLst>
+              <a:ext uri="{FF2B5EF4-FFF2-40B4-BE49-F238E27FC236}">
+                <a16:creationId xmlns:a16="http://schemas.microsoft.com/office/drawing/2014/main" id="{DDA86CCE-68E1-E8A2-206D-64F51B0CCE11}"/>
+              </a:ext>
+            </a:extLst>
+          </p:cNvPr>
+          <p:cNvPicPr>
+            <a:picLocks noChangeAspect="1"/>
+          </p:cNvPicPr>
+          <p:nvPr/>
+        </p:nvPicPr>
+        <p:blipFill>
+          <a:blip r:embed="rId4"/>
+          <a:stretch>
+            <a:fillRect/>
+          </a:stretch>
+        </p:blipFill>
+        <p:spPr>
+          <a:xfrm>
+            <a:off x="10492729" y="1090215"/>
+            <a:ext cx="741414" cy="418680"/>
+          </a:xfrm>
+          <a:prstGeom prst="rect">
+            <a:avLst/>
+          </a:prstGeom>
+          <a:ln>
+            <a:solidFill>
+              <a:srgbClr val="FF0000"/>
+            </a:solidFill>
+          </a:ln>
+        </p:spPr>
+      </p:pic>
+      <p:sp>
+        <p:nvSpPr>
+          <p:cNvPr id="139" name="TextBox 138">
+            <a:extLst>
+              <a:ext uri="{FF2B5EF4-FFF2-40B4-BE49-F238E27FC236}">
+                <a16:creationId xmlns:a16="http://schemas.microsoft.com/office/drawing/2014/main" id="{C511BB54-DAD0-CFE7-215A-F54C704C6CD7}"/>
+              </a:ext>
+            </a:extLst>
+          </p:cNvPr>
+          <p:cNvSpPr txBox="1"/>
+          <p:nvPr/>
+        </p:nvSpPr>
+        <p:spPr>
+          <a:xfrm>
+            <a:off x="10255488" y="812633"/>
+            <a:ext cx="1320542" cy="276999"/>
+          </a:xfrm>
+          <a:prstGeom prst="rect">
+            <a:avLst/>
+          </a:prstGeom>
+          <a:noFill/>
+        </p:spPr>
+        <p:txBody>
+          <a:bodyPr wrap="square" rtlCol="0">
+            <a:spAutoFit/>
+          </a:bodyPr>
+          <a:lstStyle/>
+          <a:p>
+            <a:r>
+              <a:rPr lang="en-US" sz="1200" b="1" dirty="0"/>
+              <a:t>Victim Targets</a:t>
+            </a:r>
+            <a:endParaRPr lang="en-SG" sz="1200" b="1" dirty="0"/>
+          </a:p>
+        </p:txBody>
+      </p:sp>
+      <p:pic>
+        <p:nvPicPr>
+          <p:cNvPr id="142" name="Picture 141">
+            <a:extLst>
+              <a:ext uri="{FF2B5EF4-FFF2-40B4-BE49-F238E27FC236}">
+                <a16:creationId xmlns:a16="http://schemas.microsoft.com/office/drawing/2014/main" id="{40483DC2-6BE5-C2C3-8446-0F721A7A4685}"/>
+              </a:ext>
+            </a:extLst>
+          </p:cNvPr>
+          <p:cNvPicPr>
+            <a:picLocks noChangeAspect="1"/>
+          </p:cNvPicPr>
+          <p:nvPr/>
+        </p:nvPicPr>
+        <p:blipFill>
+          <a:blip r:embed="rId4"/>
+          <a:stretch>
+            <a:fillRect/>
+          </a:stretch>
+        </p:blipFill>
+        <p:spPr>
+          <a:xfrm>
+            <a:off x="10472222" y="1624641"/>
+            <a:ext cx="741414" cy="418680"/>
+          </a:xfrm>
+          <a:prstGeom prst="rect">
+            <a:avLst/>
+          </a:prstGeom>
+          <a:ln>
+            <a:solidFill>
+              <a:srgbClr val="FF0000"/>
+            </a:solidFill>
+          </a:ln>
+        </p:spPr>
+      </p:pic>
+      <p:cxnSp>
+        <p:nvCxnSpPr>
+          <p:cNvPr id="143" name="Straight Arrow Connector 142">
+            <a:extLst>
+              <a:ext uri="{FF2B5EF4-FFF2-40B4-BE49-F238E27FC236}">
+                <a16:creationId xmlns:a16="http://schemas.microsoft.com/office/drawing/2014/main" id="{829EB68B-08BB-A6AD-0BEC-426E42473BA4}"/>
+              </a:ext>
+            </a:extLst>
+          </p:cNvPr>
+          <p:cNvCxnSpPr>
+            <a:cxnSpLocks/>
+            <a:stCxn id="122" idx="1"/>
+          </p:cNvCxnSpPr>
+          <p:nvPr/>
+        </p:nvCxnSpPr>
+        <p:spPr>
+          <a:xfrm>
+            <a:off x="9158819" y="1339628"/>
+            <a:ext cx="1281069" cy="0"/>
+          </a:xfrm>
+          <a:prstGeom prst="straightConnector1">
+            <a:avLst/>
+          </a:prstGeom>
+          <a:ln>
+            <a:solidFill>
+              <a:srgbClr val="C00000"/>
+            </a:solidFill>
+            <a:prstDash val="solid"/>
+            <a:tailEnd type="triangle"/>
+          </a:ln>
+        </p:spPr>
+        <p:style>
+          <a:lnRef idx="2">
+            <a:schemeClr val="accent1"/>
+          </a:lnRef>
+          <a:fillRef idx="0">
+            <a:schemeClr val="accent1"/>
+          </a:fillRef>
+          <a:effectRef idx="1">
+            <a:schemeClr val="accent1"/>
+          </a:effectRef>
+          <a:fontRef idx="minor">
+            <a:schemeClr val="tx1"/>
+          </a:fontRef>
+        </p:style>
+      </p:cxnSp>
+      <p:cxnSp>
+        <p:nvCxnSpPr>
+          <p:cNvPr id="147" name="Straight Arrow Connector 146">
+            <a:extLst>
+              <a:ext uri="{FF2B5EF4-FFF2-40B4-BE49-F238E27FC236}">
+                <a16:creationId xmlns:a16="http://schemas.microsoft.com/office/drawing/2014/main" id="{2C877B46-81B6-3A24-467F-407E1D0AE11E}"/>
+              </a:ext>
+            </a:extLst>
+          </p:cNvPr>
+          <p:cNvCxnSpPr>
+            <a:cxnSpLocks/>
+            <a:stCxn id="120" idx="3"/>
+          </p:cNvCxnSpPr>
+          <p:nvPr/>
+        </p:nvCxnSpPr>
+        <p:spPr>
+          <a:xfrm>
+            <a:off x="9170485" y="808074"/>
+            <a:ext cx="1269403" cy="426555"/>
+          </a:xfrm>
+          <a:prstGeom prst="straightConnector1">
+            <a:avLst/>
+          </a:prstGeom>
+          <a:ln>
+            <a:solidFill>
+              <a:srgbClr val="C00000"/>
+            </a:solidFill>
+            <a:prstDash val="solid"/>
+            <a:tailEnd type="triangle"/>
+          </a:ln>
+        </p:spPr>
+        <p:style>
+          <a:lnRef idx="2">
+            <a:schemeClr val="accent1"/>
+          </a:lnRef>
+          <a:fillRef idx="0">
+            <a:schemeClr val="accent1"/>
+          </a:fillRef>
+          <a:effectRef idx="1">
+            <a:schemeClr val="accent1"/>
+          </a:effectRef>
+          <a:fontRef idx="minor">
+            <a:schemeClr val="tx1"/>
+          </a:fontRef>
+        </p:style>
+      </p:cxnSp>
+      <p:cxnSp>
+        <p:nvCxnSpPr>
+          <p:cNvPr id="150" name="Straight Arrow Connector 149">
+            <a:extLst>
+              <a:ext uri="{FF2B5EF4-FFF2-40B4-BE49-F238E27FC236}">
+                <a16:creationId xmlns:a16="http://schemas.microsoft.com/office/drawing/2014/main" id="{2F377652-E947-229C-8E32-630A19AC0902}"/>
+              </a:ext>
+            </a:extLst>
+          </p:cNvPr>
+          <p:cNvCxnSpPr>
+            <a:cxnSpLocks/>
+            <a:stCxn id="128" idx="3"/>
+          </p:cNvCxnSpPr>
+          <p:nvPr/>
+        </p:nvCxnSpPr>
+        <p:spPr>
+          <a:xfrm flipV="1">
+            <a:off x="9191153" y="1468752"/>
+            <a:ext cx="1248735" cy="409691"/>
+          </a:xfrm>
+          <a:prstGeom prst="straightConnector1">
+            <a:avLst/>
+          </a:prstGeom>
+          <a:ln>
+            <a:solidFill>
+              <a:srgbClr val="C00000"/>
+            </a:solidFill>
+            <a:prstDash val="solid"/>
+            <a:tailEnd type="triangle"/>
+          </a:ln>
+        </p:spPr>
+        <p:style>
+          <a:lnRef idx="2">
+            <a:schemeClr val="accent1"/>
+          </a:lnRef>
+          <a:fillRef idx="0">
+            <a:schemeClr val="accent1"/>
+          </a:fillRef>
+          <a:effectRef idx="1">
+            <a:schemeClr val="accent1"/>
+          </a:effectRef>
+          <a:fontRef idx="minor">
+            <a:schemeClr val="tx1"/>
+          </a:fontRef>
+        </p:style>
+      </p:cxnSp>
+      <p:cxnSp>
+        <p:nvCxnSpPr>
+          <p:cNvPr id="154" name="Straight Arrow Connector 153">
+            <a:extLst>
+              <a:ext uri="{FF2B5EF4-FFF2-40B4-BE49-F238E27FC236}">
+                <a16:creationId xmlns:a16="http://schemas.microsoft.com/office/drawing/2014/main" id="{77425755-9F9A-9001-BDE0-466BD87D0EDF}"/>
+              </a:ext>
+            </a:extLst>
+          </p:cNvPr>
+          <p:cNvCxnSpPr>
+            <a:cxnSpLocks/>
+            <a:stCxn id="128" idx="3"/>
+            <a:endCxn id="142" idx="1"/>
+          </p:cNvCxnSpPr>
+          <p:nvPr/>
+        </p:nvCxnSpPr>
+        <p:spPr>
+          <a:xfrm flipV="1">
+            <a:off x="9191153" y="1833981"/>
+            <a:ext cx="1281069" cy="44462"/>
+          </a:xfrm>
+          <a:prstGeom prst="straightConnector1">
+            <a:avLst/>
+          </a:prstGeom>
+          <a:ln>
+            <a:solidFill>
+              <a:srgbClr val="C00000"/>
+            </a:solidFill>
+            <a:prstDash val="solid"/>
+            <a:tailEnd type="triangle"/>
+          </a:ln>
+        </p:spPr>
+        <p:style>
+          <a:lnRef idx="2">
+            <a:schemeClr val="accent1"/>
+          </a:lnRef>
+          <a:fillRef idx="0">
+            <a:schemeClr val="accent1"/>
+          </a:fillRef>
+          <a:effectRef idx="1">
+            <a:schemeClr val="accent1"/>
+          </a:effectRef>
+          <a:fontRef idx="minor">
+            <a:schemeClr val="tx1"/>
+          </a:fontRef>
+        </p:style>
+      </p:cxnSp>
+      <p:pic>
+        <p:nvPicPr>
+          <p:cNvPr id="158" name="Picture 157">
+            <a:extLst>
+              <a:ext uri="{FF2B5EF4-FFF2-40B4-BE49-F238E27FC236}">
+                <a16:creationId xmlns:a16="http://schemas.microsoft.com/office/drawing/2014/main" id="{D2DAD496-07C2-D3C2-8880-53090B9433A7}"/>
+              </a:ext>
+            </a:extLst>
+          </p:cNvPr>
+          <p:cNvPicPr>
+            <a:picLocks noChangeAspect="1"/>
+          </p:cNvPicPr>
+          <p:nvPr/>
+        </p:nvPicPr>
+        <p:blipFill>
+          <a:blip r:embed="rId4"/>
+          <a:stretch>
+            <a:fillRect/>
+          </a:stretch>
+        </p:blipFill>
+        <p:spPr>
+          <a:xfrm>
+            <a:off x="10465863" y="2203713"/>
+            <a:ext cx="741414" cy="418680"/>
+          </a:xfrm>
+          <a:prstGeom prst="rect">
+            <a:avLst/>
+          </a:prstGeom>
+          <a:ln>
+            <a:solidFill>
+              <a:srgbClr val="FF0000"/>
+            </a:solidFill>
+          </a:ln>
+        </p:spPr>
+      </p:pic>
+      <p:cxnSp>
+        <p:nvCxnSpPr>
+          <p:cNvPr id="159" name="Straight Arrow Connector 158">
+            <a:extLst>
+              <a:ext uri="{FF2B5EF4-FFF2-40B4-BE49-F238E27FC236}">
+                <a16:creationId xmlns:a16="http://schemas.microsoft.com/office/drawing/2014/main" id="{8CCD169B-DA7C-1D19-5B19-9342368BFAC4}"/>
+              </a:ext>
+            </a:extLst>
+          </p:cNvPr>
+          <p:cNvCxnSpPr>
+            <a:cxnSpLocks/>
+            <a:endCxn id="158" idx="1"/>
+          </p:cNvCxnSpPr>
+          <p:nvPr/>
+        </p:nvCxnSpPr>
+        <p:spPr>
+          <a:xfrm flipV="1">
+            <a:off x="9206945" y="2413053"/>
+            <a:ext cx="1258918" cy="21335"/>
+          </a:xfrm>
+          <a:prstGeom prst="straightConnector1">
+            <a:avLst/>
+          </a:prstGeom>
+          <a:ln>
+            <a:solidFill>
+              <a:srgbClr val="C00000"/>
+            </a:solidFill>
+            <a:prstDash val="solid"/>
+            <a:tailEnd type="triangle"/>
+          </a:ln>
+        </p:spPr>
+        <p:style>
+          <a:lnRef idx="2">
+            <a:schemeClr val="accent1"/>
+          </a:lnRef>
+          <a:fillRef idx="0">
+            <a:schemeClr val="accent1"/>
+          </a:fillRef>
+          <a:effectRef idx="1">
+            <a:schemeClr val="accent1"/>
+          </a:effectRef>
+          <a:fontRef idx="minor">
+            <a:schemeClr val="tx1"/>
+          </a:fontRef>
+        </p:style>
+      </p:cxnSp>
+      <p:pic>
+        <p:nvPicPr>
+          <p:cNvPr id="161" name="Picture 160">
+            <a:extLst>
+              <a:ext uri="{FF2B5EF4-FFF2-40B4-BE49-F238E27FC236}">
+                <a16:creationId xmlns:a16="http://schemas.microsoft.com/office/drawing/2014/main" id="{1570D5A7-41BF-8C0A-5E51-2D2855DFF101}"/>
+              </a:ext>
+            </a:extLst>
+          </p:cNvPr>
+          <p:cNvPicPr>
+            <a:picLocks noChangeAspect="1"/>
+          </p:cNvPicPr>
+          <p:nvPr/>
+        </p:nvPicPr>
+        <p:blipFill>
+          <a:blip r:embed="rId10"/>
+          <a:stretch>
+            <a:fillRect/>
+          </a:stretch>
+        </p:blipFill>
+        <p:spPr>
+          <a:xfrm>
+            <a:off x="8133390" y="3670949"/>
+            <a:ext cx="356212" cy="249348"/>
+          </a:xfrm>
+          <a:prstGeom prst="rect">
+            <a:avLst/>
+          </a:prstGeom>
+        </p:spPr>
+      </p:pic>
+      <p:pic>
+        <p:nvPicPr>
+          <p:cNvPr id="162" name="Picture 161">
+            <a:extLst>
+              <a:ext uri="{FF2B5EF4-FFF2-40B4-BE49-F238E27FC236}">
+                <a16:creationId xmlns:a16="http://schemas.microsoft.com/office/drawing/2014/main" id="{AF42E6E8-43E7-8FB4-E1D8-2E240EC5A84E}"/>
+              </a:ext>
+            </a:extLst>
+          </p:cNvPr>
+          <p:cNvPicPr>
+            <a:picLocks noChangeAspect="1"/>
+          </p:cNvPicPr>
+          <p:nvPr/>
+        </p:nvPicPr>
+        <p:blipFill>
+          <a:blip r:embed="rId2"/>
+          <a:stretch>
+            <a:fillRect/>
+          </a:stretch>
+        </p:blipFill>
+        <p:spPr>
+          <a:xfrm>
+            <a:off x="6311945" y="920394"/>
+            <a:ext cx="376689" cy="417634"/>
+          </a:xfrm>
+          <a:prstGeom prst="rect">
+            <a:avLst/>
+          </a:prstGeom>
+          <a:ln w="9525">
+            <a:solidFill>
+              <a:schemeClr val="tx1"/>
+            </a:solidFill>
+          </a:ln>
+        </p:spPr>
+      </p:pic>
+      <p:sp>
+        <p:nvSpPr>
+          <p:cNvPr id="163" name="TextBox 162">
+            <a:extLst>
+              <a:ext uri="{FF2B5EF4-FFF2-40B4-BE49-F238E27FC236}">
+                <a16:creationId xmlns:a16="http://schemas.microsoft.com/office/drawing/2014/main" id="{3212E860-7EE3-B0C9-BF25-D1C220FD87B6}"/>
+              </a:ext>
+            </a:extLst>
+          </p:cNvPr>
+          <p:cNvSpPr txBox="1"/>
+          <p:nvPr/>
+        </p:nvSpPr>
+        <p:spPr>
+          <a:xfrm>
+            <a:off x="6018726" y="427525"/>
+            <a:ext cx="1565407" cy="461665"/>
+          </a:xfrm>
+          <a:prstGeom prst="rect">
+            <a:avLst/>
+          </a:prstGeom>
+          <a:noFill/>
+        </p:spPr>
+        <p:txBody>
+          <a:bodyPr wrap="square" rtlCol="0">
+            <a:spAutoFit/>
+          </a:bodyPr>
+          <a:lstStyle/>
+          <a:p>
+            <a:r>
+              <a:rPr lang="en-US" sz="1200" b="1" dirty="0">
+                <a:solidFill>
+                  <a:srgbClr val="C00000"/>
+                </a:solidFill>
+              </a:rPr>
+              <a:t>Red team malware developers</a:t>
+            </a:r>
+            <a:endParaRPr lang="en-SG" sz="1200" b="1" dirty="0">
+              <a:solidFill>
+                <a:srgbClr val="C00000"/>
+              </a:solidFill>
+            </a:endParaRPr>
+          </a:p>
+        </p:txBody>
+      </p:sp>
+      <p:cxnSp>
+        <p:nvCxnSpPr>
+          <p:cNvPr id="164" name="Straight Arrow Connector 163">
+            <a:extLst>
+              <a:ext uri="{FF2B5EF4-FFF2-40B4-BE49-F238E27FC236}">
+                <a16:creationId xmlns:a16="http://schemas.microsoft.com/office/drawing/2014/main" id="{7543A252-5785-A949-21F3-122671A65DA0}"/>
+              </a:ext>
+            </a:extLst>
+          </p:cNvPr>
+          <p:cNvCxnSpPr>
+            <a:cxnSpLocks/>
+          </p:cNvCxnSpPr>
+          <p:nvPr/>
+        </p:nvCxnSpPr>
+        <p:spPr>
+          <a:xfrm flipH="1">
+            <a:off x="6500289" y="1343529"/>
+            <a:ext cx="0" cy="285006"/>
+          </a:xfrm>
+          <a:prstGeom prst="straightConnector1">
+            <a:avLst/>
+          </a:prstGeom>
+          <a:ln>
+            <a:solidFill>
+              <a:schemeClr val="tx1"/>
+            </a:solidFill>
+            <a:prstDash val="sysDash"/>
+            <a:tailEnd type="triangle"/>
+          </a:ln>
+        </p:spPr>
+        <p:style>
+          <a:lnRef idx="2">
+            <a:schemeClr val="accent1"/>
+          </a:lnRef>
+          <a:fillRef idx="0">
+            <a:schemeClr val="accent1"/>
+          </a:fillRef>
+          <a:effectRef idx="1">
+            <a:schemeClr val="accent1"/>
+          </a:effectRef>
+          <a:fontRef idx="minor">
+            <a:schemeClr val="tx1"/>
+          </a:fontRef>
+        </p:style>
+      </p:cxnSp>
+      <p:pic>
+        <p:nvPicPr>
+          <p:cNvPr id="168" name="Picture 167">
+            <a:extLst>
+              <a:ext uri="{FF2B5EF4-FFF2-40B4-BE49-F238E27FC236}">
+                <a16:creationId xmlns:a16="http://schemas.microsoft.com/office/drawing/2014/main" id="{52FCCCAF-116D-FE59-D0CE-CEE1076B4370}"/>
+              </a:ext>
+            </a:extLst>
+          </p:cNvPr>
+          <p:cNvPicPr>
+            <a:picLocks noChangeAspect="1"/>
+          </p:cNvPicPr>
+          <p:nvPr/>
+        </p:nvPicPr>
+        <p:blipFill>
+          <a:blip r:embed="rId14"/>
+          <a:stretch>
+            <a:fillRect/>
+          </a:stretch>
+        </p:blipFill>
+        <p:spPr>
+          <a:xfrm>
+            <a:off x="605697" y="2904397"/>
+            <a:ext cx="1728523" cy="1189938"/>
+          </a:xfrm>
+          <a:prstGeom prst="rect">
+            <a:avLst/>
+          </a:prstGeom>
+          <a:ln w="6350">
+            <a:solidFill>
+              <a:schemeClr val="tx1"/>
+            </a:solidFill>
+          </a:ln>
+        </p:spPr>
+      </p:pic>
+      <p:sp>
+        <p:nvSpPr>
+          <p:cNvPr id="169" name="Rectangle 168">
+            <a:extLst>
+              <a:ext uri="{FF2B5EF4-FFF2-40B4-BE49-F238E27FC236}">
+                <a16:creationId xmlns:a16="http://schemas.microsoft.com/office/drawing/2014/main" id="{38B30267-F6DE-1A17-887B-FEE5CEAE2C52}"/>
+              </a:ext>
+            </a:extLst>
+          </p:cNvPr>
+          <p:cNvSpPr/>
+          <p:nvPr/>
+        </p:nvSpPr>
+        <p:spPr>
+          <a:xfrm>
+            <a:off x="591040" y="3631833"/>
+            <a:ext cx="1627045" cy="396081"/>
+          </a:xfrm>
+          <a:prstGeom prst="rect">
+            <a:avLst/>
+          </a:prstGeom>
+          <a:noFill/>
+          <a:ln>
+            <a:noFill/>
+            <a:prstDash val="sysDash"/>
+          </a:ln>
+        </p:spPr>
+        <p:style>
+          <a:lnRef idx="2">
+            <a:schemeClr val="accent1">
+              <a:shade val="15000"/>
+            </a:schemeClr>
+          </a:lnRef>
+          <a:fillRef idx="1">
+            <a:schemeClr val="accent1"/>
+          </a:fillRef>
+          <a:effectRef idx="0">
+            <a:schemeClr val="accent1"/>
+          </a:effectRef>
+          <a:fontRef idx="minor">
+            <a:schemeClr val="lt1"/>
+          </a:fontRef>
+        </p:style>
+        <p:txBody>
+          <a:bodyPr rtlCol="0" anchor="ctr"/>
+          <a:lstStyle/>
+          <a:p>
+            <a:r>
+              <a:rPr lang="en-SG" sz="1200" b="1" dirty="0">
+                <a:solidFill>
+                  <a:schemeClr val="bg1"/>
+                </a:solidFill>
+              </a:rPr>
+              <a:t>Malwares management board</a:t>
+            </a:r>
+          </a:p>
+        </p:txBody>
+      </p:sp>
+      <p:pic>
+        <p:nvPicPr>
+          <p:cNvPr id="172" name="Picture 171">
+            <a:extLst>
+              <a:ext uri="{FF2B5EF4-FFF2-40B4-BE49-F238E27FC236}">
+                <a16:creationId xmlns:a16="http://schemas.microsoft.com/office/drawing/2014/main" id="{BA2C0AFA-CBFD-369A-54AA-3FBB89EA2F37}"/>
+              </a:ext>
+            </a:extLst>
+          </p:cNvPr>
+          <p:cNvPicPr>
+            <a:picLocks noChangeAspect="1"/>
+          </p:cNvPicPr>
+          <p:nvPr/>
+        </p:nvPicPr>
+        <p:blipFill>
+          <a:blip r:embed="rId15"/>
+          <a:stretch>
+            <a:fillRect/>
+          </a:stretch>
+        </p:blipFill>
+        <p:spPr>
+          <a:xfrm>
+            <a:off x="6601077" y="2413053"/>
+            <a:ext cx="1498855" cy="1144126"/>
+          </a:xfrm>
+          <a:prstGeom prst="roundRect">
+            <a:avLst>
+              <a:gd name="adj" fmla="val 16667"/>
+            </a:avLst>
+          </a:prstGeom>
+          <a:ln>
+            <a:noFill/>
+          </a:ln>
+          <a:effectLst>
+            <a:outerShdw blurRad="76200" dist="38100" dir="7800000" algn="tl" rotWithShape="0">
+              <a:srgbClr val="000000">
+                <a:alpha val="40000"/>
+              </a:srgbClr>
+            </a:outerShdw>
+          </a:effectLst>
+          <a:scene3d>
+            <a:camera prst="orthographicFront"/>
+            <a:lightRig rig="contrasting" dir="t">
+              <a:rot lat="0" lon="0" rev="4200000"/>
+            </a:lightRig>
+          </a:scene3d>
+          <a:sp3d prstMaterial="plastic">
+            <a:bevelT w="381000" h="114300" prst="relaxedInset"/>
+            <a:contourClr>
+              <a:srgbClr val="969696"/>
+            </a:contourClr>
+          </a:sp3d>
+        </p:spPr>
+      </p:pic>
+      <p:sp>
+        <p:nvSpPr>
+          <p:cNvPr id="173" name="TextBox 172">
+            <a:extLst>
+              <a:ext uri="{FF2B5EF4-FFF2-40B4-BE49-F238E27FC236}">
+                <a16:creationId xmlns:a16="http://schemas.microsoft.com/office/drawing/2014/main" id="{E1275C0A-C715-93AF-68E6-5B4DBE43A20C}"/>
+              </a:ext>
+            </a:extLst>
+          </p:cNvPr>
+          <p:cNvSpPr txBox="1"/>
+          <p:nvPr/>
+        </p:nvSpPr>
+        <p:spPr>
+          <a:xfrm>
+            <a:off x="1216077" y="1983632"/>
+            <a:ext cx="1302042" cy="461665"/>
+          </a:xfrm>
+          <a:prstGeom prst="rect">
+            <a:avLst/>
+          </a:prstGeom>
+          <a:noFill/>
+        </p:spPr>
+        <p:txBody>
+          <a:bodyPr wrap="square" rtlCol="0">
+            <a:spAutoFit/>
+          </a:bodyPr>
+          <a:lstStyle/>
+          <a:p>
+            <a:r>
+              <a:rPr lang="en-US" sz="1200" b="1" dirty="0">
+                <a:solidFill>
+                  <a:srgbClr val="C00000"/>
+                </a:solidFill>
+              </a:rPr>
+              <a:t>Red Team Attack Manager </a:t>
+            </a:r>
+            <a:endParaRPr lang="en-SG" sz="1200" b="1" dirty="0">
+              <a:solidFill>
+                <a:srgbClr val="C00000"/>
+              </a:solidFill>
+            </a:endParaRPr>
+          </a:p>
+        </p:txBody>
+      </p:sp>
+      <p:cxnSp>
+        <p:nvCxnSpPr>
+          <p:cNvPr id="174" name="Straight Arrow Connector 173">
+            <a:extLst>
+              <a:ext uri="{FF2B5EF4-FFF2-40B4-BE49-F238E27FC236}">
+                <a16:creationId xmlns:a16="http://schemas.microsoft.com/office/drawing/2014/main" id="{833D95BD-2ED1-EE4A-0CF8-A219AB4BF67C}"/>
+              </a:ext>
+            </a:extLst>
+          </p:cNvPr>
+          <p:cNvCxnSpPr>
+            <a:cxnSpLocks/>
+          </p:cNvCxnSpPr>
+          <p:nvPr/>
+        </p:nvCxnSpPr>
+        <p:spPr>
+          <a:xfrm>
+            <a:off x="943222" y="2545086"/>
+            <a:ext cx="0" cy="338556"/>
+          </a:xfrm>
+          <a:prstGeom prst="straightConnector1">
+            <a:avLst/>
+          </a:prstGeom>
+          <a:ln>
+            <a:solidFill>
+              <a:schemeClr val="tx1"/>
+            </a:solidFill>
+            <a:prstDash val="sysDash"/>
+            <a:tailEnd type="triangle"/>
+          </a:ln>
+        </p:spPr>
+        <p:style>
+          <a:lnRef idx="2">
+            <a:schemeClr val="accent1"/>
+          </a:lnRef>
+          <a:fillRef idx="0">
+            <a:schemeClr val="accent1"/>
+          </a:fillRef>
+          <a:effectRef idx="1">
+            <a:schemeClr val="accent1"/>
+          </a:effectRef>
+          <a:fontRef idx="minor">
+            <a:schemeClr val="tx1"/>
+          </a:fontRef>
+        </p:style>
+      </p:cxnSp>
+      <p:cxnSp>
+        <p:nvCxnSpPr>
+          <p:cNvPr id="178" name="Straight Arrow Connector 177">
+            <a:extLst>
+              <a:ext uri="{FF2B5EF4-FFF2-40B4-BE49-F238E27FC236}">
+                <a16:creationId xmlns:a16="http://schemas.microsoft.com/office/drawing/2014/main" id="{8D327B09-5E6F-8890-EB07-66F7BE12447A}"/>
+              </a:ext>
+            </a:extLst>
+          </p:cNvPr>
+          <p:cNvCxnSpPr>
+            <a:cxnSpLocks/>
+          </p:cNvCxnSpPr>
+          <p:nvPr/>
+        </p:nvCxnSpPr>
+        <p:spPr>
+          <a:xfrm flipV="1">
+            <a:off x="2329064" y="3803750"/>
+            <a:ext cx="485349" cy="0"/>
+          </a:xfrm>
+          <a:prstGeom prst="straightConnector1">
+            <a:avLst/>
+          </a:prstGeom>
+          <a:ln>
+            <a:prstDash val="sysDash"/>
+            <a:headEnd type="triangle"/>
+            <a:tailEnd type="triangle"/>
+          </a:ln>
+        </p:spPr>
+        <p:style>
+          <a:lnRef idx="2">
+            <a:schemeClr val="dk1"/>
+          </a:lnRef>
+          <a:fillRef idx="0">
+            <a:schemeClr val="dk1"/>
+          </a:fillRef>
+          <a:effectRef idx="1">
+            <a:schemeClr val="dk1"/>
+          </a:effectRef>
+          <a:fontRef idx="minor">
+            <a:schemeClr val="tx1"/>
+          </a:fontRef>
+        </p:style>
+      </p:cxnSp>
+      <p:pic>
+        <p:nvPicPr>
+          <p:cNvPr id="181" name="Picture 180">
+            <a:extLst>
+              <a:ext uri="{FF2B5EF4-FFF2-40B4-BE49-F238E27FC236}">
+                <a16:creationId xmlns:a16="http://schemas.microsoft.com/office/drawing/2014/main" id="{8302E4C3-10B1-00D1-C3BD-229F2DE0F61A}"/>
+              </a:ext>
+            </a:extLst>
+          </p:cNvPr>
+          <p:cNvPicPr>
+            <a:picLocks noChangeAspect="1"/>
+          </p:cNvPicPr>
+          <p:nvPr/>
+        </p:nvPicPr>
+        <p:blipFill>
+          <a:blip r:embed="rId16"/>
+          <a:stretch>
+            <a:fillRect/>
+          </a:stretch>
+        </p:blipFill>
+        <p:spPr>
+          <a:xfrm>
+            <a:off x="2634795" y="4806385"/>
+            <a:ext cx="1627045" cy="1155202"/>
+          </a:xfrm>
+          <a:prstGeom prst="rect">
+            <a:avLst/>
+          </a:prstGeom>
+          <a:ln w="9525">
+            <a:solidFill>
+              <a:schemeClr val="tx1"/>
+            </a:solidFill>
+          </a:ln>
+        </p:spPr>
+      </p:pic>
+      <p:sp>
+        <p:nvSpPr>
+          <p:cNvPr id="182" name="Rectangle 181">
+            <a:extLst>
+              <a:ext uri="{FF2B5EF4-FFF2-40B4-BE49-F238E27FC236}">
+                <a16:creationId xmlns:a16="http://schemas.microsoft.com/office/drawing/2014/main" id="{8314B61A-4ADA-51F0-592A-13B02705A5F4}"/>
+              </a:ext>
+            </a:extLst>
+          </p:cNvPr>
+          <p:cNvSpPr/>
+          <p:nvPr/>
+        </p:nvSpPr>
+        <p:spPr>
+          <a:xfrm>
+            <a:off x="2675281" y="5551410"/>
+            <a:ext cx="1627045" cy="446330"/>
+          </a:xfrm>
+          <a:prstGeom prst="rect">
+            <a:avLst/>
+          </a:prstGeom>
+          <a:noFill/>
+          <a:ln>
+            <a:noFill/>
+            <a:prstDash val="sysDash"/>
+          </a:ln>
+        </p:spPr>
+        <p:style>
+          <a:lnRef idx="2">
+            <a:schemeClr val="accent1">
+              <a:shade val="15000"/>
+            </a:schemeClr>
+          </a:lnRef>
+          <a:fillRef idx="1">
+            <a:schemeClr val="accent1"/>
+          </a:fillRef>
+          <a:effectRef idx="0">
+            <a:schemeClr val="accent1"/>
+          </a:effectRef>
+          <a:fontRef idx="minor">
+            <a:schemeClr val="lt1"/>
+          </a:fontRef>
+        </p:style>
+        <p:txBody>
+          <a:bodyPr rtlCol="0" anchor="ctr"/>
+          <a:lstStyle/>
+          <a:p>
+            <a:r>
+              <a:rPr lang="en-SG" sz="1200" b="1" dirty="0">
+                <a:solidFill>
+                  <a:schemeClr val="bg1"/>
+                </a:solidFill>
+              </a:rPr>
+              <a:t>Attack tasks assign  bulletin board</a:t>
+            </a:r>
+          </a:p>
+        </p:txBody>
+      </p:sp>
+      <p:cxnSp>
+        <p:nvCxnSpPr>
+          <p:cNvPr id="183" name="Straight Arrow Connector 182">
+            <a:extLst>
+              <a:ext uri="{FF2B5EF4-FFF2-40B4-BE49-F238E27FC236}">
+                <a16:creationId xmlns:a16="http://schemas.microsoft.com/office/drawing/2014/main" id="{902527AA-63A6-46DC-35FC-BD268E1DA0C5}"/>
+              </a:ext>
+            </a:extLst>
+          </p:cNvPr>
+          <p:cNvCxnSpPr>
+            <a:cxnSpLocks/>
+          </p:cNvCxnSpPr>
+          <p:nvPr/>
+        </p:nvCxnSpPr>
+        <p:spPr>
+          <a:xfrm>
+            <a:off x="3096201" y="4288417"/>
+            <a:ext cx="0" cy="499225"/>
+          </a:xfrm>
+          <a:prstGeom prst="straightConnector1">
+            <a:avLst/>
+          </a:prstGeom>
+          <a:ln>
+            <a:prstDash val="sysDash"/>
+            <a:headEnd type="triangle"/>
+            <a:tailEnd type="triangle"/>
+          </a:ln>
+        </p:spPr>
+        <p:style>
+          <a:lnRef idx="2">
+            <a:schemeClr val="dk1"/>
+          </a:lnRef>
+          <a:fillRef idx="0">
+            <a:schemeClr val="dk1"/>
+          </a:fillRef>
+          <a:effectRef idx="1">
+            <a:schemeClr val="dk1"/>
+          </a:effectRef>
+          <a:fontRef idx="minor">
+            <a:schemeClr val="tx1"/>
+          </a:fontRef>
+        </p:style>
+      </p:cxnSp>
+      <p:cxnSp>
+        <p:nvCxnSpPr>
+          <p:cNvPr id="186" name="Straight Arrow Connector 185">
+            <a:extLst>
+              <a:ext uri="{FF2B5EF4-FFF2-40B4-BE49-F238E27FC236}">
+                <a16:creationId xmlns:a16="http://schemas.microsoft.com/office/drawing/2014/main" id="{11378700-E885-EC44-4955-DADA14BC72E6}"/>
+              </a:ext>
+            </a:extLst>
+          </p:cNvPr>
+          <p:cNvCxnSpPr>
+            <a:cxnSpLocks/>
+          </p:cNvCxnSpPr>
+          <p:nvPr/>
+        </p:nvCxnSpPr>
+        <p:spPr>
+          <a:xfrm>
+            <a:off x="3400825" y="4288417"/>
+            <a:ext cx="0" cy="499225"/>
+          </a:xfrm>
+          <a:prstGeom prst="straightConnector1">
+            <a:avLst/>
+          </a:prstGeom>
+          <a:ln>
+            <a:prstDash val="sysDash"/>
+            <a:headEnd type="triangle"/>
+            <a:tailEnd type="triangle"/>
+          </a:ln>
+        </p:spPr>
+        <p:style>
+          <a:lnRef idx="2">
+            <a:schemeClr val="dk1"/>
+          </a:lnRef>
+          <a:fillRef idx="0">
+            <a:schemeClr val="dk1"/>
+          </a:fillRef>
+          <a:effectRef idx="1">
+            <a:schemeClr val="dk1"/>
+          </a:effectRef>
+          <a:fontRef idx="minor">
+            <a:schemeClr val="tx1"/>
+          </a:fontRef>
+        </p:style>
+      </p:cxnSp>
+      <p:cxnSp>
+        <p:nvCxnSpPr>
+          <p:cNvPr id="187" name="Straight Arrow Connector 186">
+            <a:extLst>
+              <a:ext uri="{FF2B5EF4-FFF2-40B4-BE49-F238E27FC236}">
+                <a16:creationId xmlns:a16="http://schemas.microsoft.com/office/drawing/2014/main" id="{F6E672DC-4BAB-C913-647A-49E870A05A2B}"/>
+              </a:ext>
+            </a:extLst>
+          </p:cNvPr>
+          <p:cNvCxnSpPr>
+            <a:cxnSpLocks/>
+          </p:cNvCxnSpPr>
+          <p:nvPr/>
+        </p:nvCxnSpPr>
+        <p:spPr>
+          <a:xfrm>
+            <a:off x="3789109" y="4280294"/>
+            <a:ext cx="0" cy="499225"/>
+          </a:xfrm>
+          <a:prstGeom prst="straightConnector1">
+            <a:avLst/>
+          </a:prstGeom>
+          <a:ln>
+            <a:prstDash val="sysDash"/>
+            <a:headEnd type="triangle"/>
+            <a:tailEnd type="triangle"/>
+          </a:ln>
+        </p:spPr>
+        <p:style>
+          <a:lnRef idx="2">
+            <a:schemeClr val="dk1"/>
+          </a:lnRef>
+          <a:fillRef idx="0">
+            <a:schemeClr val="dk1"/>
+          </a:fillRef>
+          <a:effectRef idx="1">
+            <a:schemeClr val="dk1"/>
+          </a:effectRef>
+          <a:fontRef idx="minor">
+            <a:schemeClr val="tx1"/>
+          </a:fontRef>
+        </p:style>
+      </p:cxnSp>
+      <p:pic>
+        <p:nvPicPr>
+          <p:cNvPr id="188" name="Picture 187">
+            <a:extLst>
+              <a:ext uri="{FF2B5EF4-FFF2-40B4-BE49-F238E27FC236}">
+                <a16:creationId xmlns:a16="http://schemas.microsoft.com/office/drawing/2014/main" id="{D396EC8F-CAF8-7ED0-176C-8753F5465CDC}"/>
+              </a:ext>
+            </a:extLst>
+          </p:cNvPr>
+          <p:cNvPicPr>
+            <a:picLocks noChangeAspect="1"/>
+          </p:cNvPicPr>
+          <p:nvPr/>
+        </p:nvPicPr>
+        <p:blipFill>
+          <a:blip r:embed="rId2"/>
+          <a:stretch>
+            <a:fillRect/>
+          </a:stretch>
+        </p:blipFill>
+        <p:spPr>
+          <a:xfrm>
+            <a:off x="756084" y="4649846"/>
+            <a:ext cx="491801" cy="545259"/>
+          </a:xfrm>
+          <a:prstGeom prst="rect">
+            <a:avLst/>
+          </a:prstGeom>
+          <a:ln w="9525">
+            <a:solidFill>
+              <a:schemeClr val="tx1"/>
+            </a:solidFill>
+          </a:ln>
+        </p:spPr>
+      </p:pic>
+      <p:pic>
+        <p:nvPicPr>
+          <p:cNvPr id="189" name="Picture 188">
+            <a:extLst>
+              <a:ext uri="{FF2B5EF4-FFF2-40B4-BE49-F238E27FC236}">
+                <a16:creationId xmlns:a16="http://schemas.microsoft.com/office/drawing/2014/main" id="{BCBCBA68-D30F-27B0-ECD2-881F52DB4CF4}"/>
+              </a:ext>
+            </a:extLst>
+          </p:cNvPr>
+          <p:cNvPicPr>
+            <a:picLocks noChangeAspect="1"/>
+          </p:cNvPicPr>
+          <p:nvPr/>
+        </p:nvPicPr>
+        <p:blipFill>
+          <a:blip r:embed="rId2"/>
+          <a:stretch>
+            <a:fillRect/>
+          </a:stretch>
+        </p:blipFill>
+        <p:spPr>
+          <a:xfrm>
+            <a:off x="1487606" y="4645297"/>
+            <a:ext cx="491801" cy="545259"/>
+          </a:xfrm>
+          <a:prstGeom prst="rect">
+            <a:avLst/>
+          </a:prstGeom>
+          <a:ln w="9525">
+            <a:solidFill>
+              <a:schemeClr val="tx1"/>
+            </a:solidFill>
+          </a:ln>
+        </p:spPr>
+      </p:pic>
+      <p:pic>
+        <p:nvPicPr>
+          <p:cNvPr id="190" name="Picture 189">
+            <a:extLst>
+              <a:ext uri="{FF2B5EF4-FFF2-40B4-BE49-F238E27FC236}">
+                <a16:creationId xmlns:a16="http://schemas.microsoft.com/office/drawing/2014/main" id="{B3141014-B885-22FE-616C-C663B199583F}"/>
+              </a:ext>
+            </a:extLst>
+          </p:cNvPr>
+          <p:cNvPicPr>
+            <a:picLocks noChangeAspect="1"/>
+          </p:cNvPicPr>
+          <p:nvPr/>
+        </p:nvPicPr>
+        <p:blipFill>
+          <a:blip r:embed="rId2"/>
+          <a:stretch>
+            <a:fillRect/>
+          </a:stretch>
+        </p:blipFill>
+        <p:spPr>
+          <a:xfrm>
+            <a:off x="743873" y="5318134"/>
+            <a:ext cx="491801" cy="545259"/>
+          </a:xfrm>
+          <a:prstGeom prst="rect">
+            <a:avLst/>
+          </a:prstGeom>
+          <a:ln w="9525">
+            <a:solidFill>
+              <a:schemeClr val="tx1"/>
+            </a:solidFill>
+          </a:ln>
+        </p:spPr>
+      </p:pic>
+      <p:pic>
+        <p:nvPicPr>
+          <p:cNvPr id="191" name="Picture 190">
+            <a:extLst>
+              <a:ext uri="{FF2B5EF4-FFF2-40B4-BE49-F238E27FC236}">
+                <a16:creationId xmlns:a16="http://schemas.microsoft.com/office/drawing/2014/main" id="{D6D9830D-9995-73DA-9233-6B891DF9F64F}"/>
+              </a:ext>
+            </a:extLst>
+          </p:cNvPr>
+          <p:cNvPicPr>
+            <a:picLocks noChangeAspect="1"/>
+          </p:cNvPicPr>
+          <p:nvPr/>
+        </p:nvPicPr>
+        <p:blipFill>
+          <a:blip r:embed="rId2"/>
+          <a:stretch>
+            <a:fillRect/>
+          </a:stretch>
+        </p:blipFill>
+        <p:spPr>
+          <a:xfrm>
+            <a:off x="1490726" y="5307498"/>
+            <a:ext cx="491801" cy="545259"/>
+          </a:xfrm>
+          <a:prstGeom prst="rect">
+            <a:avLst/>
+          </a:prstGeom>
+          <a:ln w="9525">
+            <a:solidFill>
+              <a:schemeClr val="tx1"/>
+            </a:solidFill>
+          </a:ln>
+        </p:spPr>
+      </p:pic>
+      <p:cxnSp>
+        <p:nvCxnSpPr>
+          <p:cNvPr id="193" name="Straight Arrow Connector 192">
+            <a:extLst>
+              <a:ext uri="{FF2B5EF4-FFF2-40B4-BE49-F238E27FC236}">
+                <a16:creationId xmlns:a16="http://schemas.microsoft.com/office/drawing/2014/main" id="{A92B3321-9EB9-2091-B7F4-46880E60B33C}"/>
+              </a:ext>
+            </a:extLst>
+          </p:cNvPr>
+          <p:cNvCxnSpPr>
+            <a:cxnSpLocks/>
+          </p:cNvCxnSpPr>
+          <p:nvPr/>
+        </p:nvCxnSpPr>
+        <p:spPr>
+          <a:xfrm>
+            <a:off x="1995710" y="5006210"/>
+            <a:ext cx="639085" cy="0"/>
+          </a:xfrm>
+          <a:prstGeom prst="straightConnector1">
+            <a:avLst/>
+          </a:prstGeom>
+          <a:ln>
+            <a:prstDash val="sysDash"/>
+            <a:headEnd type="triangle"/>
+            <a:tailEnd type="triangle"/>
+          </a:ln>
+        </p:spPr>
+        <p:style>
+          <a:lnRef idx="2">
+            <a:schemeClr val="dk1"/>
+          </a:lnRef>
+          <a:fillRef idx="0">
+            <a:schemeClr val="dk1"/>
+          </a:fillRef>
+          <a:effectRef idx="1">
+            <a:schemeClr val="dk1"/>
+          </a:effectRef>
+          <a:fontRef idx="minor">
+            <a:schemeClr val="tx1"/>
+          </a:fontRef>
+        </p:style>
+      </p:cxnSp>
+      <p:cxnSp>
+        <p:nvCxnSpPr>
+          <p:cNvPr id="195" name="Straight Arrow Connector 194">
+            <a:extLst>
+              <a:ext uri="{FF2B5EF4-FFF2-40B4-BE49-F238E27FC236}">
+                <a16:creationId xmlns:a16="http://schemas.microsoft.com/office/drawing/2014/main" id="{53EE1B71-BFC2-B121-E06F-D805CA5E94BE}"/>
+              </a:ext>
+            </a:extLst>
+          </p:cNvPr>
+          <p:cNvCxnSpPr>
+            <a:cxnSpLocks/>
+          </p:cNvCxnSpPr>
+          <p:nvPr/>
+        </p:nvCxnSpPr>
+        <p:spPr>
+          <a:xfrm>
+            <a:off x="1979407" y="5383986"/>
+            <a:ext cx="639085" cy="0"/>
+          </a:xfrm>
+          <a:prstGeom prst="straightConnector1">
+            <a:avLst/>
+          </a:prstGeom>
+          <a:ln>
+            <a:prstDash val="sysDash"/>
+            <a:headEnd type="triangle"/>
+            <a:tailEnd type="triangle"/>
+          </a:ln>
+        </p:spPr>
+        <p:style>
+          <a:lnRef idx="2">
+            <a:schemeClr val="dk1"/>
+          </a:lnRef>
+          <a:fillRef idx="0">
+            <a:schemeClr val="dk1"/>
+          </a:fillRef>
+          <a:effectRef idx="1">
+            <a:schemeClr val="dk1"/>
+          </a:effectRef>
+          <a:fontRef idx="minor">
+            <a:schemeClr val="tx1"/>
+          </a:fontRef>
+        </p:style>
+      </p:cxnSp>
+      <p:sp>
+        <p:nvSpPr>
+          <p:cNvPr id="196" name="TextBox 195">
+            <a:extLst>
+              <a:ext uri="{FF2B5EF4-FFF2-40B4-BE49-F238E27FC236}">
+                <a16:creationId xmlns:a16="http://schemas.microsoft.com/office/drawing/2014/main" id="{7DAF5FAB-3802-CE5B-B4E0-1FC9BDE5A7F4}"/>
+              </a:ext>
+            </a:extLst>
+          </p:cNvPr>
+          <p:cNvSpPr txBox="1"/>
+          <p:nvPr/>
+        </p:nvSpPr>
+        <p:spPr>
+          <a:xfrm>
+            <a:off x="606454" y="4226794"/>
+            <a:ext cx="1912758" cy="276999"/>
+          </a:xfrm>
+          <a:prstGeom prst="rect">
+            <a:avLst/>
+          </a:prstGeom>
+          <a:noFill/>
+        </p:spPr>
+        <p:txBody>
+          <a:bodyPr wrap="square" rtlCol="0">
+            <a:spAutoFit/>
+          </a:bodyPr>
+          <a:lstStyle/>
+          <a:p>
+            <a:r>
+              <a:rPr lang="en-US" sz="1200" b="1" dirty="0">
+                <a:solidFill>
+                  <a:srgbClr val="C00000"/>
+                </a:solidFill>
+              </a:rPr>
+              <a:t>Red Team Hacker Group</a:t>
+            </a:r>
+            <a:endParaRPr lang="en-SG" sz="1200" b="1" dirty="0">
+              <a:solidFill>
+                <a:srgbClr val="C00000"/>
+              </a:solidFill>
+            </a:endParaRPr>
+          </a:p>
+        </p:txBody>
+      </p:sp>
+      <p:pic>
+        <p:nvPicPr>
+          <p:cNvPr id="197" name="Picture 196">
+            <a:extLst>
+              <a:ext uri="{FF2B5EF4-FFF2-40B4-BE49-F238E27FC236}">
+                <a16:creationId xmlns:a16="http://schemas.microsoft.com/office/drawing/2014/main" id="{2B6F177E-B570-4D0D-9CB4-FA46B83D07AE}"/>
+              </a:ext>
+            </a:extLst>
+          </p:cNvPr>
+          <p:cNvPicPr>
+            <a:picLocks noChangeAspect="1"/>
+          </p:cNvPicPr>
+          <p:nvPr/>
+        </p:nvPicPr>
+        <p:blipFill>
+          <a:blip r:embed="rId17"/>
+          <a:stretch>
+            <a:fillRect/>
+          </a:stretch>
+        </p:blipFill>
+        <p:spPr>
+          <a:xfrm>
+            <a:off x="7924309" y="5326196"/>
+            <a:ext cx="1024299" cy="650682"/>
+          </a:xfrm>
+          <a:prstGeom prst="rect">
+            <a:avLst/>
+          </a:prstGeom>
+          <a:ln w="9525">
+            <a:solidFill>
+              <a:schemeClr val="tx1"/>
+            </a:solidFill>
+          </a:ln>
+        </p:spPr>
+      </p:pic>
+      <p:sp>
+        <p:nvSpPr>
+          <p:cNvPr id="198" name="TextBox 197">
+            <a:extLst>
+              <a:ext uri="{FF2B5EF4-FFF2-40B4-BE49-F238E27FC236}">
+                <a16:creationId xmlns:a16="http://schemas.microsoft.com/office/drawing/2014/main" id="{D0F0D87B-65E8-A554-A550-E36D7FE95354}"/>
+              </a:ext>
+            </a:extLst>
+          </p:cNvPr>
+          <p:cNvSpPr txBox="1"/>
+          <p:nvPr/>
+        </p:nvSpPr>
+        <p:spPr>
+          <a:xfrm>
+            <a:off x="7880527" y="4879260"/>
+            <a:ext cx="936726" cy="461665"/>
+          </a:xfrm>
+          <a:prstGeom prst="rect">
+            <a:avLst/>
+          </a:prstGeom>
+          <a:noFill/>
+        </p:spPr>
+        <p:txBody>
+          <a:bodyPr wrap="square" rtlCol="0">
+            <a:spAutoFit/>
+          </a:bodyPr>
+          <a:lstStyle/>
+          <a:p>
+            <a:r>
+              <a:rPr lang="en-US" sz="1200" b="1" dirty="0">
+                <a:solidFill>
+                  <a:schemeClr val="tx2">
+                    <a:lumMod val="75000"/>
+                    <a:lumOff val="25000"/>
+                  </a:schemeClr>
+                </a:solidFill>
+              </a:rPr>
+              <a:t>Blue Team Defenders</a:t>
+            </a:r>
+            <a:endParaRPr lang="en-SG" sz="1200" b="1" dirty="0">
+              <a:solidFill>
+                <a:schemeClr val="tx2">
+                  <a:lumMod val="75000"/>
+                  <a:lumOff val="25000"/>
+                </a:schemeClr>
+              </a:solidFill>
+            </a:endParaRPr>
+          </a:p>
+        </p:txBody>
+      </p:sp>
+      <p:pic>
+        <p:nvPicPr>
+          <p:cNvPr id="199" name="Picture 198">
+            <a:extLst>
+              <a:ext uri="{FF2B5EF4-FFF2-40B4-BE49-F238E27FC236}">
+                <a16:creationId xmlns:a16="http://schemas.microsoft.com/office/drawing/2014/main" id="{75094901-A8BD-096E-3732-1C736607632A}"/>
+              </a:ext>
+            </a:extLst>
+          </p:cNvPr>
+          <p:cNvPicPr>
+            <a:picLocks noChangeAspect="1"/>
+          </p:cNvPicPr>
+          <p:nvPr/>
+        </p:nvPicPr>
+        <p:blipFill>
+          <a:blip r:embed="rId10"/>
+          <a:stretch>
+            <a:fillRect/>
+          </a:stretch>
+        </p:blipFill>
+        <p:spPr>
+          <a:xfrm>
+            <a:off x="5690616" y="1534073"/>
+            <a:ext cx="356212" cy="249348"/>
+          </a:xfrm>
+          <a:prstGeom prst="rect">
+            <a:avLst/>
+          </a:prstGeom>
+        </p:spPr>
+      </p:pic>
+      <p:cxnSp>
+        <p:nvCxnSpPr>
+          <p:cNvPr id="200" name="Straight Arrow Connector 199">
+            <a:extLst>
+              <a:ext uri="{FF2B5EF4-FFF2-40B4-BE49-F238E27FC236}">
+                <a16:creationId xmlns:a16="http://schemas.microsoft.com/office/drawing/2014/main" id="{1FEB193D-C2E7-D1B6-BEDD-4280B8509828}"/>
+              </a:ext>
+            </a:extLst>
+          </p:cNvPr>
+          <p:cNvCxnSpPr>
+            <a:cxnSpLocks/>
+          </p:cNvCxnSpPr>
+          <p:nvPr/>
+        </p:nvCxnSpPr>
+        <p:spPr>
+          <a:xfrm>
+            <a:off x="2123514" y="5614526"/>
+            <a:ext cx="494978" cy="0"/>
+          </a:xfrm>
+          <a:prstGeom prst="straightConnector1">
+            <a:avLst/>
+          </a:prstGeom>
+          <a:ln>
+            <a:solidFill>
+              <a:schemeClr val="accent6">
+                <a:lumMod val="75000"/>
+              </a:schemeClr>
+            </a:solidFill>
+            <a:prstDash val="sysDash"/>
+            <a:tailEnd type="triangle"/>
+          </a:ln>
+        </p:spPr>
+        <p:style>
+          <a:lnRef idx="2">
+            <a:schemeClr val="accent1"/>
+          </a:lnRef>
+          <a:fillRef idx="0">
+            <a:schemeClr val="accent1"/>
+          </a:fillRef>
+          <a:effectRef idx="1">
+            <a:schemeClr val="accent1"/>
+          </a:effectRef>
+          <a:fontRef idx="minor">
+            <a:schemeClr val="tx1"/>
+          </a:fontRef>
+        </p:style>
+      </p:cxnSp>
+      <p:cxnSp>
+        <p:nvCxnSpPr>
+          <p:cNvPr id="205" name="Straight Arrow Connector 204">
+            <a:extLst>
+              <a:ext uri="{FF2B5EF4-FFF2-40B4-BE49-F238E27FC236}">
+                <a16:creationId xmlns:a16="http://schemas.microsoft.com/office/drawing/2014/main" id="{CA5DF638-CBB3-A6A0-9721-09EEA226B563}"/>
+              </a:ext>
+            </a:extLst>
+          </p:cNvPr>
+          <p:cNvCxnSpPr>
+            <a:cxnSpLocks/>
+          </p:cNvCxnSpPr>
+          <p:nvPr/>
+        </p:nvCxnSpPr>
+        <p:spPr>
+          <a:xfrm flipV="1">
+            <a:off x="4022068" y="4365293"/>
+            <a:ext cx="226520" cy="331512"/>
+          </a:xfrm>
+          <a:prstGeom prst="straightConnector1">
+            <a:avLst/>
+          </a:prstGeom>
+          <a:ln>
+            <a:solidFill>
+              <a:schemeClr val="accent6">
+                <a:lumMod val="75000"/>
+              </a:schemeClr>
+            </a:solidFill>
+            <a:prstDash val="sysDash"/>
+            <a:tailEnd type="triangle"/>
+          </a:ln>
+        </p:spPr>
+        <p:style>
+          <a:lnRef idx="2">
+            <a:schemeClr val="accent1"/>
+          </a:lnRef>
+          <a:fillRef idx="0">
+            <a:schemeClr val="accent1"/>
+          </a:fillRef>
+          <a:effectRef idx="1">
+            <a:schemeClr val="accent1"/>
+          </a:effectRef>
+          <a:fontRef idx="minor">
+            <a:schemeClr val="tx1"/>
+          </a:fontRef>
+        </p:style>
+      </p:cxnSp>
+      <p:cxnSp>
+        <p:nvCxnSpPr>
+          <p:cNvPr id="209" name="Straight Arrow Connector 208">
+            <a:extLst>
+              <a:ext uri="{FF2B5EF4-FFF2-40B4-BE49-F238E27FC236}">
+                <a16:creationId xmlns:a16="http://schemas.microsoft.com/office/drawing/2014/main" id="{74B47F15-C5E4-250C-1BCC-DCE94DA95321}"/>
+              </a:ext>
+            </a:extLst>
+          </p:cNvPr>
+          <p:cNvCxnSpPr>
+            <a:cxnSpLocks/>
+          </p:cNvCxnSpPr>
+          <p:nvPr/>
+        </p:nvCxnSpPr>
+        <p:spPr>
+          <a:xfrm>
+            <a:off x="6096000" y="4363871"/>
+            <a:ext cx="584096" cy="0"/>
+          </a:xfrm>
+          <a:prstGeom prst="straightConnector1">
+            <a:avLst/>
+          </a:prstGeom>
+          <a:ln>
+            <a:solidFill>
+              <a:schemeClr val="accent6">
+                <a:lumMod val="75000"/>
+              </a:schemeClr>
+            </a:solidFill>
+            <a:prstDash val="sysDash"/>
+            <a:tailEnd type="triangle"/>
+          </a:ln>
+        </p:spPr>
+        <p:style>
+          <a:lnRef idx="2">
+            <a:schemeClr val="accent1"/>
+          </a:lnRef>
+          <a:fillRef idx="0">
+            <a:schemeClr val="accent1"/>
+          </a:fillRef>
+          <a:effectRef idx="1">
+            <a:schemeClr val="accent1"/>
+          </a:effectRef>
+          <a:fontRef idx="minor">
+            <a:schemeClr val="tx1"/>
+          </a:fontRef>
+        </p:style>
+      </p:cxnSp>
+      <p:cxnSp>
+        <p:nvCxnSpPr>
+          <p:cNvPr id="215" name="Straight Arrow Connector 214">
+            <a:extLst>
+              <a:ext uri="{FF2B5EF4-FFF2-40B4-BE49-F238E27FC236}">
+                <a16:creationId xmlns:a16="http://schemas.microsoft.com/office/drawing/2014/main" id="{6B01CAD4-34D5-9C51-00CB-CE760023CDC6}"/>
+              </a:ext>
+            </a:extLst>
+          </p:cNvPr>
+          <p:cNvCxnSpPr>
+            <a:cxnSpLocks/>
+          </p:cNvCxnSpPr>
+          <p:nvPr/>
+        </p:nvCxnSpPr>
+        <p:spPr>
+          <a:xfrm>
+            <a:off x="7888784" y="4363871"/>
+            <a:ext cx="487057" cy="0"/>
+          </a:xfrm>
+          <a:prstGeom prst="straightConnector1">
+            <a:avLst/>
+          </a:prstGeom>
+          <a:ln>
+            <a:solidFill>
+              <a:schemeClr val="accent6">
+                <a:lumMod val="75000"/>
+              </a:schemeClr>
+            </a:solidFill>
+            <a:prstDash val="sysDash"/>
+            <a:tailEnd type="triangle"/>
+          </a:ln>
+        </p:spPr>
+        <p:style>
+          <a:lnRef idx="2">
+            <a:schemeClr val="accent1"/>
+          </a:lnRef>
+          <a:fillRef idx="0">
+            <a:schemeClr val="accent1"/>
+          </a:fillRef>
+          <a:effectRef idx="1">
+            <a:schemeClr val="accent1"/>
+          </a:effectRef>
+          <a:fontRef idx="minor">
+            <a:schemeClr val="tx1"/>
+          </a:fontRef>
+        </p:style>
+      </p:cxnSp>
+      <p:cxnSp>
+        <p:nvCxnSpPr>
+          <p:cNvPr id="217" name="Straight Arrow Connector 216">
+            <a:extLst>
+              <a:ext uri="{FF2B5EF4-FFF2-40B4-BE49-F238E27FC236}">
+                <a16:creationId xmlns:a16="http://schemas.microsoft.com/office/drawing/2014/main" id="{D6C96FD1-F3E0-3A53-30FA-1CEEAB04A4B2}"/>
+              </a:ext>
+            </a:extLst>
+          </p:cNvPr>
+          <p:cNvCxnSpPr>
+            <a:cxnSpLocks/>
+            <a:stCxn id="29" idx="0"/>
+            <a:endCxn id="22" idx="1"/>
+          </p:cNvCxnSpPr>
+          <p:nvPr/>
+        </p:nvCxnSpPr>
+        <p:spPr>
+          <a:xfrm flipV="1">
+            <a:off x="8677256" y="3552057"/>
+            <a:ext cx="692179" cy="456437"/>
+          </a:xfrm>
+          <a:prstGeom prst="straightConnector1">
+            <a:avLst/>
+          </a:prstGeom>
+          <a:ln>
+            <a:solidFill>
+              <a:schemeClr val="accent6">
+                <a:lumMod val="75000"/>
+              </a:schemeClr>
+            </a:solidFill>
+            <a:prstDash val="sysDash"/>
+            <a:tailEnd type="triangle"/>
+          </a:ln>
+        </p:spPr>
+        <p:style>
+          <a:lnRef idx="2">
+            <a:schemeClr val="accent1"/>
+          </a:lnRef>
+          <a:fillRef idx="0">
+            <a:schemeClr val="accent1"/>
+          </a:fillRef>
+          <a:effectRef idx="1">
+            <a:schemeClr val="accent1"/>
+          </a:effectRef>
+          <a:fontRef idx="minor">
+            <a:schemeClr val="tx1"/>
+          </a:fontRef>
+        </p:style>
+      </p:cxnSp>
+      <p:cxnSp>
+        <p:nvCxnSpPr>
+          <p:cNvPr id="220" name="Straight Arrow Connector 219">
+            <a:extLst>
+              <a:ext uri="{FF2B5EF4-FFF2-40B4-BE49-F238E27FC236}">
+                <a16:creationId xmlns:a16="http://schemas.microsoft.com/office/drawing/2014/main" id="{0FF53B9E-B847-FAF6-7683-B284DE11EAC8}"/>
+              </a:ext>
+            </a:extLst>
+          </p:cNvPr>
+          <p:cNvCxnSpPr>
+            <a:cxnSpLocks/>
+            <a:stCxn id="29" idx="2"/>
+          </p:cNvCxnSpPr>
+          <p:nvPr/>
+        </p:nvCxnSpPr>
+        <p:spPr>
+          <a:xfrm>
+            <a:off x="8677256" y="4399064"/>
+            <a:ext cx="757836" cy="1134025"/>
+          </a:xfrm>
+          <a:prstGeom prst="straightConnector1">
+            <a:avLst/>
+          </a:prstGeom>
+          <a:ln>
+            <a:solidFill>
+              <a:schemeClr val="accent6">
+                <a:lumMod val="75000"/>
+              </a:schemeClr>
+            </a:solidFill>
+            <a:prstDash val="sysDash"/>
+            <a:tailEnd type="triangle"/>
+          </a:ln>
+        </p:spPr>
+        <p:style>
+          <a:lnRef idx="2">
+            <a:schemeClr val="accent1"/>
+          </a:lnRef>
+          <a:fillRef idx="0">
+            <a:schemeClr val="accent1"/>
+          </a:fillRef>
+          <a:effectRef idx="1">
+            <a:schemeClr val="accent1"/>
+          </a:effectRef>
+          <a:fontRef idx="minor">
+            <a:schemeClr val="tx1"/>
+          </a:fontRef>
+        </p:style>
+      </p:cxnSp>
+      <p:pic>
+        <p:nvPicPr>
+          <p:cNvPr id="223" name="Picture 222">
+            <a:extLst>
+              <a:ext uri="{FF2B5EF4-FFF2-40B4-BE49-F238E27FC236}">
+                <a16:creationId xmlns:a16="http://schemas.microsoft.com/office/drawing/2014/main" id="{6F2AC4D1-A915-D104-1C43-53E5D3F89B05}"/>
+              </a:ext>
+            </a:extLst>
+          </p:cNvPr>
+          <p:cNvPicPr>
+            <a:picLocks noChangeAspect="1"/>
+          </p:cNvPicPr>
+          <p:nvPr/>
+        </p:nvPicPr>
+        <p:blipFill>
+          <a:blip r:embed="rId2"/>
+          <a:stretch>
+            <a:fillRect/>
+          </a:stretch>
+        </p:blipFill>
+        <p:spPr>
+          <a:xfrm>
+            <a:off x="6909941" y="934736"/>
+            <a:ext cx="376689" cy="417634"/>
+          </a:xfrm>
+          <a:prstGeom prst="rect">
+            <a:avLst/>
+          </a:prstGeom>
+          <a:ln w="9525">
+            <a:solidFill>
+              <a:schemeClr val="tx1"/>
+            </a:solidFill>
+          </a:ln>
+        </p:spPr>
+      </p:pic>
+      <p:cxnSp>
+        <p:nvCxnSpPr>
+          <p:cNvPr id="224" name="Straight Arrow Connector 223">
+            <a:extLst>
+              <a:ext uri="{FF2B5EF4-FFF2-40B4-BE49-F238E27FC236}">
+                <a16:creationId xmlns:a16="http://schemas.microsoft.com/office/drawing/2014/main" id="{0FBEF660-C938-437F-03A8-F5FF7C3B24FA}"/>
+              </a:ext>
+            </a:extLst>
+          </p:cNvPr>
+          <p:cNvCxnSpPr>
+            <a:cxnSpLocks/>
+          </p:cNvCxnSpPr>
+          <p:nvPr/>
+        </p:nvCxnSpPr>
+        <p:spPr>
+          <a:xfrm flipH="1">
+            <a:off x="7094993" y="1345941"/>
+            <a:ext cx="0" cy="285006"/>
+          </a:xfrm>
+          <a:prstGeom prst="straightConnector1">
+            <a:avLst/>
+          </a:prstGeom>
+          <a:ln>
+            <a:solidFill>
+              <a:schemeClr val="tx1"/>
+            </a:solidFill>
+            <a:prstDash val="sysDash"/>
+            <a:tailEnd type="triangle"/>
+          </a:ln>
+        </p:spPr>
+        <p:style>
+          <a:lnRef idx="2">
+            <a:schemeClr val="accent1"/>
+          </a:lnRef>
+          <a:fillRef idx="0">
+            <a:schemeClr val="accent1"/>
+          </a:fillRef>
+          <a:effectRef idx="1">
+            <a:schemeClr val="accent1"/>
+          </a:effectRef>
+          <a:fontRef idx="minor">
+            <a:schemeClr val="tx1"/>
+          </a:fontRef>
+        </p:style>
+      </p:cxnSp>
+      <p:cxnSp>
+        <p:nvCxnSpPr>
+          <p:cNvPr id="227" name="Straight Arrow Connector 226">
+            <a:extLst>
+              <a:ext uri="{FF2B5EF4-FFF2-40B4-BE49-F238E27FC236}">
+                <a16:creationId xmlns:a16="http://schemas.microsoft.com/office/drawing/2014/main" id="{3A03C0C4-A158-29B4-9108-5E7953112F77}"/>
+              </a:ext>
+            </a:extLst>
+          </p:cNvPr>
+          <p:cNvCxnSpPr>
+            <a:cxnSpLocks/>
+          </p:cNvCxnSpPr>
+          <p:nvPr/>
+        </p:nvCxnSpPr>
+        <p:spPr>
+          <a:xfrm flipH="1">
+            <a:off x="4898292" y="4854499"/>
+            <a:ext cx="391729" cy="0"/>
+          </a:xfrm>
+          <a:prstGeom prst="straightConnector1">
+            <a:avLst/>
+          </a:prstGeom>
+          <a:ln>
+            <a:tailEnd type="triangle"/>
+          </a:ln>
+        </p:spPr>
+        <p:style>
+          <a:lnRef idx="2">
+            <a:schemeClr val="accent1"/>
+          </a:lnRef>
+          <a:fillRef idx="0">
+            <a:schemeClr val="accent1"/>
+          </a:fillRef>
+          <a:effectRef idx="1">
+            <a:schemeClr val="accent1"/>
+          </a:effectRef>
+          <a:fontRef idx="minor">
+            <a:schemeClr val="tx1"/>
+          </a:fontRef>
+        </p:style>
+      </p:cxnSp>
+      <p:sp>
+        <p:nvSpPr>
+          <p:cNvPr id="229" name="TextBox 228">
+            <a:extLst>
+              <a:ext uri="{FF2B5EF4-FFF2-40B4-BE49-F238E27FC236}">
+                <a16:creationId xmlns:a16="http://schemas.microsoft.com/office/drawing/2014/main" id="{F7E24443-C297-BC25-B4BE-0CE78B260445}"/>
+              </a:ext>
+            </a:extLst>
+          </p:cNvPr>
+          <p:cNvSpPr txBox="1"/>
+          <p:nvPr/>
+        </p:nvSpPr>
+        <p:spPr>
+          <a:xfrm>
+            <a:off x="5354377" y="4703987"/>
+            <a:ext cx="1918037" cy="276999"/>
+          </a:xfrm>
+          <a:prstGeom prst="rect">
+            <a:avLst/>
+          </a:prstGeom>
+          <a:noFill/>
+        </p:spPr>
+        <p:txBody>
+          <a:bodyPr wrap="square" rtlCol="0">
+            <a:spAutoFit/>
+          </a:bodyPr>
+          <a:lstStyle/>
+          <a:p>
+            <a:r>
+              <a:rPr lang="en-US" sz="1200" b="1" dirty="0">
+                <a:solidFill>
+                  <a:schemeClr val="tx2">
+                    <a:lumMod val="75000"/>
+                    <a:lumOff val="25000"/>
+                  </a:schemeClr>
+                </a:solidFill>
+              </a:rPr>
+              <a:t>Ninja agent report flow </a:t>
+            </a:r>
+            <a:endParaRPr lang="en-SG" sz="1200" b="1" dirty="0">
+              <a:solidFill>
+                <a:schemeClr val="tx2">
+                  <a:lumMod val="75000"/>
+                  <a:lumOff val="25000"/>
+                </a:schemeClr>
+              </a:solidFill>
+            </a:endParaRPr>
+          </a:p>
+        </p:txBody>
+      </p:sp>
+      <p:cxnSp>
+        <p:nvCxnSpPr>
+          <p:cNvPr id="230" name="Straight Arrow Connector 229">
+            <a:extLst>
+              <a:ext uri="{FF2B5EF4-FFF2-40B4-BE49-F238E27FC236}">
+                <a16:creationId xmlns:a16="http://schemas.microsoft.com/office/drawing/2014/main" id="{0E11BFCD-3825-6D8C-4613-BF49E79F83C5}"/>
+              </a:ext>
+            </a:extLst>
+          </p:cNvPr>
+          <p:cNvCxnSpPr>
+            <a:cxnSpLocks/>
+          </p:cNvCxnSpPr>
+          <p:nvPr/>
+        </p:nvCxnSpPr>
+        <p:spPr>
+          <a:xfrm flipH="1">
+            <a:off x="4920976" y="5103358"/>
+            <a:ext cx="369045" cy="0"/>
+          </a:xfrm>
+          <a:prstGeom prst="straightConnector1">
+            <a:avLst/>
+          </a:prstGeom>
+          <a:ln>
+            <a:solidFill>
+              <a:srgbClr val="C00000"/>
+            </a:solidFill>
+            <a:prstDash val="sysDash"/>
+            <a:tailEnd type="triangle"/>
+          </a:ln>
+        </p:spPr>
+        <p:style>
+          <a:lnRef idx="2">
+            <a:schemeClr val="accent1"/>
+          </a:lnRef>
+          <a:fillRef idx="0">
+            <a:schemeClr val="accent1"/>
+          </a:fillRef>
+          <a:effectRef idx="1">
+            <a:schemeClr val="accent1"/>
+          </a:effectRef>
+          <a:fontRef idx="minor">
+            <a:schemeClr val="tx1"/>
+          </a:fontRef>
+        </p:style>
+      </p:cxnSp>
+      <p:sp>
+        <p:nvSpPr>
+          <p:cNvPr id="232" name="TextBox 231">
+            <a:extLst>
+              <a:ext uri="{FF2B5EF4-FFF2-40B4-BE49-F238E27FC236}">
+                <a16:creationId xmlns:a16="http://schemas.microsoft.com/office/drawing/2014/main" id="{19A207B1-8B7C-E331-4424-55C36C133867}"/>
+              </a:ext>
+            </a:extLst>
+          </p:cNvPr>
+          <p:cNvSpPr txBox="1"/>
+          <p:nvPr/>
+        </p:nvSpPr>
+        <p:spPr>
+          <a:xfrm>
+            <a:off x="5328450" y="4964859"/>
+            <a:ext cx="2332957" cy="276999"/>
+          </a:xfrm>
+          <a:prstGeom prst="rect">
+            <a:avLst/>
+          </a:prstGeom>
+          <a:noFill/>
+        </p:spPr>
+        <p:txBody>
+          <a:bodyPr wrap="square" rtlCol="0">
+            <a:spAutoFit/>
+          </a:bodyPr>
+          <a:lstStyle/>
+          <a:p>
+            <a:r>
+              <a:rPr lang="en-US" sz="1200" b="1" dirty="0">
+                <a:solidFill>
+                  <a:srgbClr val="C00000"/>
+                </a:solidFill>
+              </a:rPr>
+              <a:t>Attack module download flow </a:t>
+            </a:r>
+            <a:endParaRPr lang="en-SG" sz="1200" b="1" dirty="0">
+              <a:solidFill>
+                <a:srgbClr val="C00000"/>
+              </a:solidFill>
+            </a:endParaRPr>
+          </a:p>
+        </p:txBody>
+      </p:sp>
+      <p:cxnSp>
+        <p:nvCxnSpPr>
+          <p:cNvPr id="233" name="Straight Arrow Connector 232">
+            <a:extLst>
+              <a:ext uri="{FF2B5EF4-FFF2-40B4-BE49-F238E27FC236}">
+                <a16:creationId xmlns:a16="http://schemas.microsoft.com/office/drawing/2014/main" id="{5C41053C-838E-D471-5C7B-8680CD71AFB5}"/>
+              </a:ext>
+            </a:extLst>
+          </p:cNvPr>
+          <p:cNvCxnSpPr>
+            <a:cxnSpLocks/>
+          </p:cNvCxnSpPr>
+          <p:nvPr/>
+        </p:nvCxnSpPr>
+        <p:spPr>
+          <a:xfrm>
+            <a:off x="4918698" y="5387309"/>
+            <a:ext cx="371323" cy="0"/>
+          </a:xfrm>
+          <a:prstGeom prst="straightConnector1">
+            <a:avLst/>
+          </a:prstGeom>
+          <a:ln>
+            <a:prstDash val="sysDash"/>
+            <a:headEnd type="triangle"/>
+            <a:tailEnd type="triangle"/>
+          </a:ln>
+        </p:spPr>
+        <p:style>
+          <a:lnRef idx="2">
+            <a:schemeClr val="dk1"/>
+          </a:lnRef>
+          <a:fillRef idx="0">
+            <a:schemeClr val="dk1"/>
+          </a:fillRef>
+          <a:effectRef idx="1">
+            <a:schemeClr val="dk1"/>
+          </a:effectRef>
+          <a:fontRef idx="minor">
+            <a:schemeClr val="tx1"/>
+          </a:fontRef>
+        </p:style>
+      </p:cxnSp>
+      <p:sp>
+        <p:nvSpPr>
+          <p:cNvPr id="235" name="TextBox 234">
+            <a:extLst>
+              <a:ext uri="{FF2B5EF4-FFF2-40B4-BE49-F238E27FC236}">
+                <a16:creationId xmlns:a16="http://schemas.microsoft.com/office/drawing/2014/main" id="{AFDB83B8-B838-C413-0541-835801D9F600}"/>
+              </a:ext>
+            </a:extLst>
+          </p:cNvPr>
+          <p:cNvSpPr txBox="1"/>
+          <p:nvPr/>
+        </p:nvSpPr>
+        <p:spPr>
+          <a:xfrm>
+            <a:off x="5321913" y="5231529"/>
+            <a:ext cx="2655038" cy="276999"/>
+          </a:xfrm>
+          <a:prstGeom prst="rect">
+            <a:avLst/>
+          </a:prstGeom>
+          <a:noFill/>
+        </p:spPr>
+        <p:txBody>
+          <a:bodyPr wrap="square" rtlCol="0">
+            <a:spAutoFit/>
+          </a:bodyPr>
+          <a:lstStyle/>
+          <a:p>
+            <a:r>
+              <a:rPr lang="en-US" sz="1200" b="1" dirty="0"/>
+              <a:t>Red team attacker control flow </a:t>
+            </a:r>
+            <a:endParaRPr lang="en-SG" sz="1200" b="1" dirty="0"/>
+          </a:p>
+        </p:txBody>
+      </p:sp>
+      <p:cxnSp>
+        <p:nvCxnSpPr>
+          <p:cNvPr id="236" name="Straight Arrow Connector 235">
+            <a:extLst>
+              <a:ext uri="{FF2B5EF4-FFF2-40B4-BE49-F238E27FC236}">
+                <a16:creationId xmlns:a16="http://schemas.microsoft.com/office/drawing/2014/main" id="{50F35DD7-FB76-A768-207E-696D2AFD6607}"/>
+              </a:ext>
+            </a:extLst>
+          </p:cNvPr>
+          <p:cNvCxnSpPr>
+            <a:cxnSpLocks/>
+          </p:cNvCxnSpPr>
+          <p:nvPr/>
+        </p:nvCxnSpPr>
+        <p:spPr>
+          <a:xfrm>
+            <a:off x="4929860" y="5664208"/>
+            <a:ext cx="359197" cy="0"/>
+          </a:xfrm>
+          <a:prstGeom prst="straightConnector1">
+            <a:avLst/>
+          </a:prstGeom>
+          <a:ln>
+            <a:solidFill>
+              <a:schemeClr val="accent6">
+                <a:lumMod val="75000"/>
+              </a:schemeClr>
+            </a:solidFill>
+            <a:prstDash val="sysDash"/>
+            <a:tailEnd type="triangle"/>
+          </a:ln>
+        </p:spPr>
+        <p:style>
+          <a:lnRef idx="2">
+            <a:schemeClr val="accent1"/>
+          </a:lnRef>
+          <a:fillRef idx="0">
+            <a:schemeClr val="accent1"/>
+          </a:fillRef>
+          <a:effectRef idx="1">
+            <a:schemeClr val="accent1"/>
+          </a:effectRef>
+          <a:fontRef idx="minor">
+            <a:schemeClr val="tx1"/>
+          </a:fontRef>
+        </p:style>
+      </p:cxnSp>
+      <p:sp>
+        <p:nvSpPr>
+          <p:cNvPr id="239" name="TextBox 238">
+            <a:extLst>
+              <a:ext uri="{FF2B5EF4-FFF2-40B4-BE49-F238E27FC236}">
+                <a16:creationId xmlns:a16="http://schemas.microsoft.com/office/drawing/2014/main" id="{58E34A5B-0C48-F9C9-691E-4E876437158F}"/>
+              </a:ext>
+            </a:extLst>
+          </p:cNvPr>
+          <p:cNvSpPr txBox="1"/>
+          <p:nvPr/>
+        </p:nvSpPr>
+        <p:spPr>
+          <a:xfrm>
+            <a:off x="5298142" y="5512625"/>
+            <a:ext cx="2197254" cy="276999"/>
+          </a:xfrm>
+          <a:prstGeom prst="rect">
+            <a:avLst/>
+          </a:prstGeom>
+          <a:noFill/>
+        </p:spPr>
+        <p:txBody>
+          <a:bodyPr wrap="square" rtlCol="0">
+            <a:spAutoFit/>
+          </a:bodyPr>
+          <a:lstStyle/>
+          <a:p>
+            <a:r>
+              <a:rPr lang="en-US" sz="1200" b="1" dirty="0"/>
+              <a:t>Attack task schedule flow </a:t>
+            </a:r>
+            <a:endParaRPr lang="en-SG" sz="1200" b="1" dirty="0"/>
+          </a:p>
+        </p:txBody>
+      </p:sp>
+      <p:cxnSp>
+        <p:nvCxnSpPr>
+          <p:cNvPr id="240" name="Straight Arrow Connector 239">
+            <a:extLst>
+              <a:ext uri="{FF2B5EF4-FFF2-40B4-BE49-F238E27FC236}">
+                <a16:creationId xmlns:a16="http://schemas.microsoft.com/office/drawing/2014/main" id="{39ADCD0A-EED6-4FE2-0CCE-919FB24D9FDC}"/>
+              </a:ext>
+            </a:extLst>
+          </p:cNvPr>
+          <p:cNvCxnSpPr>
+            <a:cxnSpLocks/>
+          </p:cNvCxnSpPr>
+          <p:nvPr/>
+        </p:nvCxnSpPr>
+        <p:spPr>
+          <a:xfrm flipH="1">
+            <a:off x="4892732" y="5939236"/>
+            <a:ext cx="369045" cy="0"/>
+          </a:xfrm>
+          <a:prstGeom prst="straightConnector1">
+            <a:avLst/>
+          </a:prstGeom>
+          <a:ln>
+            <a:solidFill>
+              <a:srgbClr val="C00000"/>
+            </a:solidFill>
+            <a:prstDash val="solid"/>
+            <a:tailEnd type="triangle"/>
+          </a:ln>
+        </p:spPr>
+        <p:style>
+          <a:lnRef idx="2">
+            <a:schemeClr val="accent1"/>
+          </a:lnRef>
+          <a:fillRef idx="0">
+            <a:schemeClr val="accent1"/>
+          </a:fillRef>
+          <a:effectRef idx="1">
+            <a:schemeClr val="accent1"/>
+          </a:effectRef>
+          <a:fontRef idx="minor">
+            <a:schemeClr val="tx1"/>
+          </a:fontRef>
+        </p:style>
+      </p:cxnSp>
+      <p:sp>
+        <p:nvSpPr>
+          <p:cNvPr id="241" name="TextBox 240">
+            <a:extLst>
+              <a:ext uri="{FF2B5EF4-FFF2-40B4-BE49-F238E27FC236}">
+                <a16:creationId xmlns:a16="http://schemas.microsoft.com/office/drawing/2014/main" id="{4464698A-93D5-867A-CCF7-E19EB1CA2073}"/>
+              </a:ext>
+            </a:extLst>
+          </p:cNvPr>
+          <p:cNvSpPr txBox="1"/>
+          <p:nvPr/>
+        </p:nvSpPr>
+        <p:spPr>
+          <a:xfrm>
+            <a:off x="5321913" y="5774575"/>
+            <a:ext cx="2235135" cy="276999"/>
+          </a:xfrm>
+          <a:prstGeom prst="rect">
+            <a:avLst/>
+          </a:prstGeom>
+          <a:noFill/>
+        </p:spPr>
+        <p:txBody>
+          <a:bodyPr wrap="square" rtlCol="0">
+            <a:spAutoFit/>
+          </a:bodyPr>
+          <a:lstStyle/>
+          <a:p>
+            <a:r>
+              <a:rPr lang="en-US" sz="1200" b="1" dirty="0">
+                <a:solidFill>
+                  <a:srgbClr val="C00000"/>
+                </a:solidFill>
+              </a:rPr>
+              <a:t>Malware attack flow </a:t>
+            </a:r>
+            <a:endParaRPr lang="en-SG" sz="1200" b="1" dirty="0">
+              <a:solidFill>
+                <a:srgbClr val="C00000"/>
+              </a:solidFill>
+            </a:endParaRPr>
+          </a:p>
+        </p:txBody>
+      </p:sp>
+      <p:sp>
+        <p:nvSpPr>
+          <p:cNvPr id="242" name="TextBox 241">
+            <a:extLst>
+              <a:ext uri="{FF2B5EF4-FFF2-40B4-BE49-F238E27FC236}">
+                <a16:creationId xmlns:a16="http://schemas.microsoft.com/office/drawing/2014/main" id="{BEF79A68-536D-99AD-C428-37DF0AD3C44E}"/>
+              </a:ext>
+            </a:extLst>
+          </p:cNvPr>
+          <p:cNvSpPr txBox="1"/>
+          <p:nvPr/>
+        </p:nvSpPr>
+        <p:spPr>
+          <a:xfrm>
+            <a:off x="520529" y="447314"/>
+            <a:ext cx="2023850" cy="1354217"/>
+          </a:xfrm>
+          <a:prstGeom prst="rect">
+            <a:avLst/>
+          </a:prstGeom>
+          <a:noFill/>
+          <a:ln w="19050">
+            <a:solidFill>
+              <a:schemeClr val="tx1"/>
+            </a:solidFill>
+            <a:prstDash val="sysDash"/>
+          </a:ln>
+        </p:spPr>
+        <p:txBody>
+          <a:bodyPr wrap="square">
+            <a:spAutoFit/>
+          </a:bodyPr>
+          <a:lstStyle/>
+          <a:p>
+            <a:r>
+              <a:rPr lang="en-US" b="1" dirty="0"/>
+              <a:t>Project Ninja</a:t>
+            </a:r>
+          </a:p>
+          <a:p>
+            <a:endParaRPr lang="en-US" sz="1600" b="1" dirty="0"/>
+          </a:p>
+          <a:p>
+            <a:r>
+              <a:rPr lang="en-US" sz="1600" b="1" dirty="0"/>
+              <a:t>RTC2 and Malware Agent Cyber-Attack Simulation System</a:t>
+            </a:r>
+            <a:endParaRPr lang="en-SG" sz="1600" b="1" dirty="0"/>
+          </a:p>
+        </p:txBody>
+      </p:sp>
+      <p:sp>
+        <p:nvSpPr>
+          <p:cNvPr id="243" name="TextBox 242">
+            <a:extLst>
+              <a:ext uri="{FF2B5EF4-FFF2-40B4-BE49-F238E27FC236}">
+                <a16:creationId xmlns:a16="http://schemas.microsoft.com/office/drawing/2014/main" id="{A63CB92C-A952-6BB3-DF38-ABEDC87D6C2A}"/>
+              </a:ext>
+            </a:extLst>
+          </p:cNvPr>
+          <p:cNvSpPr txBox="1"/>
+          <p:nvPr/>
+        </p:nvSpPr>
+        <p:spPr>
+          <a:xfrm>
+            <a:off x="5541302" y="1938992"/>
+            <a:ext cx="797920" cy="276999"/>
+          </a:xfrm>
+          <a:prstGeom prst="rect">
+            <a:avLst/>
+          </a:prstGeom>
+          <a:noFill/>
+        </p:spPr>
+        <p:txBody>
+          <a:bodyPr wrap="square" rtlCol="0">
+            <a:spAutoFit/>
+          </a:bodyPr>
+          <a:lstStyle/>
+          <a:p>
+            <a:r>
+              <a:rPr lang="en-US" sz="1200" b="1" dirty="0">
+                <a:solidFill>
+                  <a:srgbClr val="C00000"/>
+                </a:solidFill>
+              </a:rPr>
+              <a:t>Import </a:t>
+            </a:r>
+            <a:endParaRPr lang="en-SG" sz="1200" b="1" dirty="0">
+              <a:solidFill>
+                <a:srgbClr val="C00000"/>
+              </a:solidFill>
+            </a:endParaRPr>
+          </a:p>
+        </p:txBody>
+      </p:sp>
+      <p:sp>
+        <p:nvSpPr>
+          <p:cNvPr id="244" name="TextBox 243">
+            <a:extLst>
+              <a:ext uri="{FF2B5EF4-FFF2-40B4-BE49-F238E27FC236}">
+                <a16:creationId xmlns:a16="http://schemas.microsoft.com/office/drawing/2014/main" id="{2C77D1E1-8BE4-CADD-18F1-33D1BC0B10B4}"/>
+              </a:ext>
+            </a:extLst>
+          </p:cNvPr>
+          <p:cNvSpPr txBox="1"/>
+          <p:nvPr/>
+        </p:nvSpPr>
+        <p:spPr>
+          <a:xfrm>
+            <a:off x="7647338" y="1581732"/>
+            <a:ext cx="797920" cy="276999"/>
+          </a:xfrm>
+          <a:prstGeom prst="rect">
+            <a:avLst/>
+          </a:prstGeom>
+          <a:noFill/>
+        </p:spPr>
+        <p:txBody>
+          <a:bodyPr wrap="square" rtlCol="0">
+            <a:spAutoFit/>
+          </a:bodyPr>
+          <a:lstStyle/>
+          <a:p>
+            <a:r>
+              <a:rPr lang="en-US" sz="1200" b="1" dirty="0">
+                <a:solidFill>
+                  <a:srgbClr val="C00000"/>
+                </a:solidFill>
+              </a:rPr>
+              <a:t>build </a:t>
+            </a:r>
+            <a:endParaRPr lang="en-SG" sz="1200" b="1" dirty="0">
+              <a:solidFill>
+                <a:srgbClr val="C00000"/>
+              </a:solidFill>
+            </a:endParaRPr>
+          </a:p>
+        </p:txBody>
+      </p:sp>
+    </p:spTree>
+    <p:extLst>
+      <p:ext uri="{BB962C8B-B14F-4D97-AF65-F5344CB8AC3E}">
+        <p14:creationId xmlns:p14="http://schemas.microsoft.com/office/powerpoint/2010/main" val="1255133754"/>
       </p:ext>
     </p:extLst>
   </p:cSld>

--- a/doc/designDoc.pptx
+++ b/doc/designDoc.pptx
@@ -9,6 +9,7 @@
     <p:sldId id="257" r:id="rId3"/>
     <p:sldId id="258" r:id="rId4"/>
     <p:sldId id="259" r:id="rId5"/>
+    <p:sldId id="260" r:id="rId6"/>
   </p:sldIdLst>
   <p:sldSz cx="12192000" cy="6858000"/>
   <p:notesSz cx="6858000" cy="9144000"/>
@@ -264,7 +265,7 @@
           <a:p>
             <a:fld id="{9FCA313A-65B0-404C-ABF6-BBAAB537D5DB}" type="datetimeFigureOut">
               <a:rPr lang="en-SG" smtClean="0"/>
-              <a:t>18/5/2024</a:t>
+              <a:t>19/5/2024</a:t>
             </a:fld>
             <a:endParaRPr lang="en-SG"/>
           </a:p>
@@ -464,7 +465,7 @@
           <a:p>
             <a:fld id="{9FCA313A-65B0-404C-ABF6-BBAAB537D5DB}" type="datetimeFigureOut">
               <a:rPr lang="en-SG" smtClean="0"/>
-              <a:t>18/5/2024</a:t>
+              <a:t>19/5/2024</a:t>
             </a:fld>
             <a:endParaRPr lang="en-SG"/>
           </a:p>
@@ -674,7 +675,7 @@
           <a:p>
             <a:fld id="{9FCA313A-65B0-404C-ABF6-BBAAB537D5DB}" type="datetimeFigureOut">
               <a:rPr lang="en-SG" smtClean="0"/>
-              <a:t>18/5/2024</a:t>
+              <a:t>19/5/2024</a:t>
             </a:fld>
             <a:endParaRPr lang="en-SG"/>
           </a:p>
@@ -874,7 +875,7 @@
           <a:p>
             <a:fld id="{9FCA313A-65B0-404C-ABF6-BBAAB537D5DB}" type="datetimeFigureOut">
               <a:rPr lang="en-SG" smtClean="0"/>
-              <a:t>18/5/2024</a:t>
+              <a:t>19/5/2024</a:t>
             </a:fld>
             <a:endParaRPr lang="en-SG"/>
           </a:p>
@@ -1150,7 +1151,7 @@
           <a:p>
             <a:fld id="{9FCA313A-65B0-404C-ABF6-BBAAB537D5DB}" type="datetimeFigureOut">
               <a:rPr lang="en-SG" smtClean="0"/>
-              <a:t>18/5/2024</a:t>
+              <a:t>19/5/2024</a:t>
             </a:fld>
             <a:endParaRPr lang="en-SG"/>
           </a:p>
@@ -1418,7 +1419,7 @@
           <a:p>
             <a:fld id="{9FCA313A-65B0-404C-ABF6-BBAAB537D5DB}" type="datetimeFigureOut">
               <a:rPr lang="en-SG" smtClean="0"/>
-              <a:t>18/5/2024</a:t>
+              <a:t>19/5/2024</a:t>
             </a:fld>
             <a:endParaRPr lang="en-SG"/>
           </a:p>
@@ -1833,7 +1834,7 @@
           <a:p>
             <a:fld id="{9FCA313A-65B0-404C-ABF6-BBAAB537D5DB}" type="datetimeFigureOut">
               <a:rPr lang="en-SG" smtClean="0"/>
-              <a:t>18/5/2024</a:t>
+              <a:t>19/5/2024</a:t>
             </a:fld>
             <a:endParaRPr lang="en-SG"/>
           </a:p>
@@ -1975,7 +1976,7 @@
           <a:p>
             <a:fld id="{9FCA313A-65B0-404C-ABF6-BBAAB537D5DB}" type="datetimeFigureOut">
               <a:rPr lang="en-SG" smtClean="0"/>
-              <a:t>18/5/2024</a:t>
+              <a:t>19/5/2024</a:t>
             </a:fld>
             <a:endParaRPr lang="en-SG"/>
           </a:p>
@@ -2088,7 +2089,7 @@
           <a:p>
             <a:fld id="{9FCA313A-65B0-404C-ABF6-BBAAB537D5DB}" type="datetimeFigureOut">
               <a:rPr lang="en-SG" smtClean="0"/>
-              <a:t>18/5/2024</a:t>
+              <a:t>19/5/2024</a:t>
             </a:fld>
             <a:endParaRPr lang="en-SG"/>
           </a:p>
@@ -2401,7 +2402,7 @@
           <a:p>
             <a:fld id="{9FCA313A-65B0-404C-ABF6-BBAAB537D5DB}" type="datetimeFigureOut">
               <a:rPr lang="en-SG" smtClean="0"/>
-              <a:t>18/5/2024</a:t>
+              <a:t>19/5/2024</a:t>
             </a:fld>
             <a:endParaRPr lang="en-SG"/>
           </a:p>
@@ -2690,7 +2691,7 @@
           <a:p>
             <a:fld id="{9FCA313A-65B0-404C-ABF6-BBAAB537D5DB}" type="datetimeFigureOut">
               <a:rPr lang="en-SG" smtClean="0"/>
-              <a:t>18/5/2024</a:t>
+              <a:t>19/5/2024</a:t>
             </a:fld>
             <a:endParaRPr lang="en-SG"/>
           </a:p>
@@ -2933,7 +2934,7 @@
           <a:p>
             <a:fld id="{9FCA313A-65B0-404C-ABF6-BBAAB537D5DB}" type="datetimeFigureOut">
               <a:rPr lang="en-SG" smtClean="0"/>
-              <a:t>18/5/2024</a:t>
+              <a:t>19/5/2024</a:t>
             </a:fld>
             <a:endParaRPr lang="en-SG"/>
           </a:p>
@@ -10275,6 +10276,231 @@
 </p:sld>
 </file>
 
+<file path=ppt/slides/slide5.xml><?xml version="1.0" encoding="utf-8"?>
+<p:sld xmlns:a="http://schemas.openxmlformats.org/drawingml/2006/main" xmlns:r="http://schemas.openxmlformats.org/officeDocument/2006/relationships" xmlns:p="http://schemas.openxmlformats.org/presentationml/2006/main">
+  <p:cSld>
+    <p:spTree>
+      <p:nvGrpSpPr>
+        <p:cNvPr id="1" name=""/>
+        <p:cNvGrpSpPr/>
+        <p:nvPr/>
+      </p:nvGrpSpPr>
+      <p:grpSpPr>
+        <a:xfrm>
+          <a:off x="0" y="0"/>
+          <a:ext cx="0" cy="0"/>
+          <a:chOff x="0" y="0"/>
+          <a:chExt cx="0" cy="0"/>
+        </a:xfrm>
+      </p:grpSpPr>
+      <p:pic>
+        <p:nvPicPr>
+          <p:cNvPr id="7" name="Picture 6" descr="A screenshot of a computer&#10;&#10;Description automatically generated">
+            <a:extLst>
+              <a:ext uri="{FF2B5EF4-FFF2-40B4-BE49-F238E27FC236}">
+                <a16:creationId xmlns:a16="http://schemas.microsoft.com/office/drawing/2014/main" id="{E678B7FE-4EBB-F8EC-8015-58779BD89274}"/>
+              </a:ext>
+            </a:extLst>
+          </p:cNvPr>
+          <p:cNvPicPr>
+            <a:picLocks noChangeAspect="1"/>
+          </p:cNvPicPr>
+          <p:nvPr/>
+        </p:nvPicPr>
+        <p:blipFill rotWithShape="1">
+          <a:blip r:embed="rId2">
+            <a:extLst>
+              <a:ext uri="{28A0092B-C50C-407E-A947-70E740481C1C}">
+                <a14:useLocalDpi xmlns:a14="http://schemas.microsoft.com/office/drawing/2010/main" val="0"/>
+              </a:ext>
+            </a:extLst>
+          </a:blip>
+          <a:srcRect b="3834"/>
+          <a:stretch/>
+        </p:blipFill>
+        <p:spPr>
+          <a:xfrm>
+            <a:off x="113328" y="2115879"/>
+            <a:ext cx="5608280" cy="3200400"/>
+          </a:xfrm>
+          <a:prstGeom prst="rect">
+            <a:avLst/>
+          </a:prstGeom>
+          <a:ln w="12700">
+            <a:solidFill>
+              <a:schemeClr val="tx1"/>
+            </a:solidFill>
+          </a:ln>
+        </p:spPr>
+      </p:pic>
+      <p:sp>
+        <p:nvSpPr>
+          <p:cNvPr id="10" name="Rectangle 9">
+            <a:extLst>
+              <a:ext uri="{FF2B5EF4-FFF2-40B4-BE49-F238E27FC236}">
+                <a16:creationId xmlns:a16="http://schemas.microsoft.com/office/drawing/2014/main" id="{4BCE5A96-6717-EBC2-058B-97625355B7D7}"/>
+              </a:ext>
+            </a:extLst>
+          </p:cNvPr>
+          <p:cNvSpPr/>
+          <p:nvPr/>
+        </p:nvSpPr>
+        <p:spPr>
+          <a:xfrm>
+            <a:off x="281356" y="4792663"/>
+            <a:ext cx="3431108" cy="446330"/>
+          </a:xfrm>
+          <a:prstGeom prst="rect">
+            <a:avLst/>
+          </a:prstGeom>
+          <a:noFill/>
+          <a:ln>
+            <a:noFill/>
+            <a:prstDash val="sysDash"/>
+          </a:ln>
+        </p:spPr>
+        <p:style>
+          <a:lnRef idx="2">
+            <a:schemeClr val="accent1">
+              <a:shade val="15000"/>
+            </a:schemeClr>
+          </a:lnRef>
+          <a:fillRef idx="1">
+            <a:schemeClr val="accent1"/>
+          </a:fillRef>
+          <a:effectRef idx="0">
+            <a:schemeClr val="accent1"/>
+          </a:effectRef>
+          <a:fontRef idx="minor">
+            <a:schemeClr val="lt1"/>
+          </a:fontRef>
+        </p:style>
+        <p:txBody>
+          <a:bodyPr rtlCol="0" anchor="ctr"/>
+          <a:lstStyle/>
+          <a:p>
+            <a:r>
+              <a:rPr lang="en-SG" b="1" dirty="0">
+                <a:solidFill>
+                  <a:schemeClr val="bg1"/>
+                </a:solidFill>
+              </a:rPr>
+              <a:t>Malwares management board</a:t>
+            </a:r>
+          </a:p>
+        </p:txBody>
+      </p:sp>
+      <p:pic>
+        <p:nvPicPr>
+          <p:cNvPr id="12" name="Picture 11" descr="A screenshot of a computer&#10;&#10;Description automatically generated">
+            <a:extLst>
+              <a:ext uri="{FF2B5EF4-FFF2-40B4-BE49-F238E27FC236}">
+                <a16:creationId xmlns:a16="http://schemas.microsoft.com/office/drawing/2014/main" id="{0C3C5D28-621F-E076-5252-7FEF52A34C98}"/>
+              </a:ext>
+            </a:extLst>
+          </p:cNvPr>
+          <p:cNvPicPr>
+            <a:picLocks noChangeAspect="1"/>
+          </p:cNvPicPr>
+          <p:nvPr/>
+        </p:nvPicPr>
+        <p:blipFill>
+          <a:blip r:embed="rId3">
+            <a:extLst>
+              <a:ext uri="{28A0092B-C50C-407E-A947-70E740481C1C}">
+                <a14:useLocalDpi xmlns:a14="http://schemas.microsoft.com/office/drawing/2010/main" val="0"/>
+              </a:ext>
+            </a:extLst>
+          </a:blip>
+          <a:stretch>
+            <a:fillRect/>
+          </a:stretch>
+        </p:blipFill>
+        <p:spPr>
+          <a:xfrm>
+            <a:off x="5819454" y="2115879"/>
+            <a:ext cx="6259218" cy="3200400"/>
+          </a:xfrm>
+          <a:prstGeom prst="rect">
+            <a:avLst/>
+          </a:prstGeom>
+          <a:ln w="12700">
+            <a:solidFill>
+              <a:schemeClr val="tx1"/>
+            </a:solidFill>
+          </a:ln>
+        </p:spPr>
+      </p:pic>
+      <p:sp>
+        <p:nvSpPr>
+          <p:cNvPr id="13" name="Rectangle 12">
+            <a:extLst>
+              <a:ext uri="{FF2B5EF4-FFF2-40B4-BE49-F238E27FC236}">
+                <a16:creationId xmlns:a16="http://schemas.microsoft.com/office/drawing/2014/main" id="{7A61BC8D-38B0-6B7A-CD20-804B793D235F}"/>
+              </a:ext>
+            </a:extLst>
+          </p:cNvPr>
+          <p:cNvSpPr/>
+          <p:nvPr/>
+        </p:nvSpPr>
+        <p:spPr>
+          <a:xfrm>
+            <a:off x="6580518" y="4846063"/>
+            <a:ext cx="3945715" cy="446330"/>
+          </a:xfrm>
+          <a:prstGeom prst="rect">
+            <a:avLst/>
+          </a:prstGeom>
+          <a:noFill/>
+          <a:ln>
+            <a:noFill/>
+            <a:prstDash val="sysDash"/>
+          </a:ln>
+        </p:spPr>
+        <p:style>
+          <a:lnRef idx="2">
+            <a:schemeClr val="accent1">
+              <a:shade val="15000"/>
+            </a:schemeClr>
+          </a:lnRef>
+          <a:fillRef idx="1">
+            <a:schemeClr val="accent1"/>
+          </a:fillRef>
+          <a:effectRef idx="0">
+            <a:schemeClr val="accent1"/>
+          </a:effectRef>
+          <a:fontRef idx="minor">
+            <a:schemeClr val="lt1"/>
+          </a:fontRef>
+        </p:style>
+        <p:txBody>
+          <a:bodyPr rtlCol="0" anchor="ctr"/>
+          <a:lstStyle/>
+          <a:p>
+            <a:r>
+              <a:rPr lang="en-SG" b="1" dirty="0">
+                <a:solidFill>
+                  <a:schemeClr val="bg1"/>
+                </a:solidFill>
+              </a:rPr>
+              <a:t>Attack tasks assign  bulletin board</a:t>
+            </a:r>
+          </a:p>
+        </p:txBody>
+      </p:sp>
+    </p:spTree>
+    <p:extLst>
+      <p:ext uri="{BB962C8B-B14F-4D97-AF65-F5344CB8AC3E}">
+        <p14:creationId xmlns:p14="http://schemas.microsoft.com/office/powerpoint/2010/main" val="1342970475"/>
+      </p:ext>
+    </p:extLst>
+  </p:cSld>
+  <p:clrMapOvr>
+    <a:masterClrMapping/>
+  </p:clrMapOvr>
+</p:sld>
+</file>
+
 <file path=ppt/theme/theme1.xml><?xml version="1.0" encoding="utf-8"?>
 <a:theme xmlns:a="http://schemas.openxmlformats.org/drawingml/2006/main" name="Office Theme">
   <a:themeElements>

--- a/doc/designDoc.pptx
+++ b/doc/designDoc.pptx
@@ -10,6 +10,8 @@
     <p:sldId id="258" r:id="rId4"/>
     <p:sldId id="259" r:id="rId5"/>
     <p:sldId id="260" r:id="rId6"/>
+    <p:sldId id="261" r:id="rId7"/>
+    <p:sldId id="303" r:id="rId8"/>
   </p:sldIdLst>
   <p:sldSz cx="12192000" cy="6858000"/>
   <p:notesSz cx="6858000" cy="9144000"/>
@@ -265,7 +267,7 @@
           <a:p>
             <a:fld id="{9FCA313A-65B0-404C-ABF6-BBAAB537D5DB}" type="datetimeFigureOut">
               <a:rPr lang="en-SG" smtClean="0"/>
-              <a:t>19/5/2024</a:t>
+              <a:t>20/5/2024</a:t>
             </a:fld>
             <a:endParaRPr lang="en-SG"/>
           </a:p>
@@ -465,7 +467,7 @@
           <a:p>
             <a:fld id="{9FCA313A-65B0-404C-ABF6-BBAAB537D5DB}" type="datetimeFigureOut">
               <a:rPr lang="en-SG" smtClean="0"/>
-              <a:t>19/5/2024</a:t>
+              <a:t>20/5/2024</a:t>
             </a:fld>
             <a:endParaRPr lang="en-SG"/>
           </a:p>
@@ -675,7 +677,7 @@
           <a:p>
             <a:fld id="{9FCA313A-65B0-404C-ABF6-BBAAB537D5DB}" type="datetimeFigureOut">
               <a:rPr lang="en-SG" smtClean="0"/>
-              <a:t>19/5/2024</a:t>
+              <a:t>20/5/2024</a:t>
             </a:fld>
             <a:endParaRPr lang="en-SG"/>
           </a:p>
@@ -875,7 +877,7 @@
           <a:p>
             <a:fld id="{9FCA313A-65B0-404C-ABF6-BBAAB537D5DB}" type="datetimeFigureOut">
               <a:rPr lang="en-SG" smtClean="0"/>
-              <a:t>19/5/2024</a:t>
+              <a:t>20/5/2024</a:t>
             </a:fld>
             <a:endParaRPr lang="en-SG"/>
           </a:p>
@@ -1151,7 +1153,7 @@
           <a:p>
             <a:fld id="{9FCA313A-65B0-404C-ABF6-BBAAB537D5DB}" type="datetimeFigureOut">
               <a:rPr lang="en-SG" smtClean="0"/>
-              <a:t>19/5/2024</a:t>
+              <a:t>20/5/2024</a:t>
             </a:fld>
             <a:endParaRPr lang="en-SG"/>
           </a:p>
@@ -1419,7 +1421,7 @@
           <a:p>
             <a:fld id="{9FCA313A-65B0-404C-ABF6-BBAAB537D5DB}" type="datetimeFigureOut">
               <a:rPr lang="en-SG" smtClean="0"/>
-              <a:t>19/5/2024</a:t>
+              <a:t>20/5/2024</a:t>
             </a:fld>
             <a:endParaRPr lang="en-SG"/>
           </a:p>
@@ -1834,7 +1836,7 @@
           <a:p>
             <a:fld id="{9FCA313A-65B0-404C-ABF6-BBAAB537D5DB}" type="datetimeFigureOut">
               <a:rPr lang="en-SG" smtClean="0"/>
-              <a:t>19/5/2024</a:t>
+              <a:t>20/5/2024</a:t>
             </a:fld>
             <a:endParaRPr lang="en-SG"/>
           </a:p>
@@ -1976,7 +1978,7 @@
           <a:p>
             <a:fld id="{9FCA313A-65B0-404C-ABF6-BBAAB537D5DB}" type="datetimeFigureOut">
               <a:rPr lang="en-SG" smtClean="0"/>
-              <a:t>19/5/2024</a:t>
+              <a:t>20/5/2024</a:t>
             </a:fld>
             <a:endParaRPr lang="en-SG"/>
           </a:p>
@@ -2089,7 +2091,7 @@
           <a:p>
             <a:fld id="{9FCA313A-65B0-404C-ABF6-BBAAB537D5DB}" type="datetimeFigureOut">
               <a:rPr lang="en-SG" smtClean="0"/>
-              <a:t>19/5/2024</a:t>
+              <a:t>20/5/2024</a:t>
             </a:fld>
             <a:endParaRPr lang="en-SG"/>
           </a:p>
@@ -2402,7 +2404,7 @@
           <a:p>
             <a:fld id="{9FCA313A-65B0-404C-ABF6-BBAAB537D5DB}" type="datetimeFigureOut">
               <a:rPr lang="en-SG" smtClean="0"/>
-              <a:t>19/5/2024</a:t>
+              <a:t>20/5/2024</a:t>
             </a:fld>
             <a:endParaRPr lang="en-SG"/>
           </a:p>
@@ -2691,7 +2693,7 @@
           <a:p>
             <a:fld id="{9FCA313A-65B0-404C-ABF6-BBAAB537D5DB}" type="datetimeFigureOut">
               <a:rPr lang="en-SG" smtClean="0"/>
-              <a:t>19/5/2024</a:t>
+              <a:t>20/5/2024</a:t>
             </a:fld>
             <a:endParaRPr lang="en-SG"/>
           </a:p>
@@ -2934,7 +2936,7 @@
           <a:p>
             <a:fld id="{9FCA313A-65B0-404C-ABF6-BBAAB537D5DB}" type="datetimeFigureOut">
               <a:rPr lang="en-SG" smtClean="0"/>
-              <a:t>19/5/2024</a:t>
+              <a:t>20/5/2024</a:t>
             </a:fld>
             <a:endParaRPr lang="en-SG"/>
           </a:p>
@@ -3811,7 +3813,7 @@
           <a:p>
             <a:r>
               <a:rPr lang="en-SG" sz="1600" b="1" dirty="0"/>
-              <a:t>Malicious Activities Plugin Repository </a:t>
+              <a:t>Malicious Activities Plug-in Modules Repository </a:t>
             </a:r>
           </a:p>
         </p:txBody>
@@ -4492,12 +4494,17 @@
         </p:blipFill>
         <p:spPr>
           <a:xfrm>
-            <a:off x="6569995" y="917799"/>
-            <a:ext cx="984211" cy="757842"/>
-          </a:xfrm>
-          <a:prstGeom prst="rect">
-            <a:avLst/>
-          </a:prstGeom>
+            <a:off x="6537996" y="865887"/>
+            <a:ext cx="1052822" cy="810672"/>
+          </a:xfrm>
+          <a:prstGeom prst="rect">
+            <a:avLst/>
+          </a:prstGeom>
+          <a:ln w="9525">
+            <a:solidFill>
+              <a:schemeClr val="bg1"/>
+            </a:solidFill>
+          </a:ln>
         </p:spPr>
       </p:pic>
       <p:sp>
@@ -4748,7 +4755,7 @@
                   <a:schemeClr val="tx1"/>
                 </a:solidFill>
               </a:rPr>
-              <a:t>Malicious action module/plug-in assemble function </a:t>
+              <a:t>Malicious activities module/plug-in assemble function </a:t>
             </a:r>
           </a:p>
         </p:txBody>
@@ -10492,6 +10499,8810 @@
     <p:extLst>
       <p:ext uri="{BB962C8B-B14F-4D97-AF65-F5344CB8AC3E}">
         <p14:creationId xmlns:p14="http://schemas.microsoft.com/office/powerpoint/2010/main" val="1342970475"/>
+      </p:ext>
+    </p:extLst>
+  </p:cSld>
+  <p:clrMapOvr>
+    <a:masterClrMapping/>
+  </p:clrMapOvr>
+</p:sld>
+</file>
+
+<file path=ppt/slides/slide6.xml><?xml version="1.0" encoding="utf-8"?>
+<p:sld xmlns:a="http://schemas.openxmlformats.org/drawingml/2006/main" xmlns:r="http://schemas.openxmlformats.org/officeDocument/2006/relationships" xmlns:p="http://schemas.openxmlformats.org/presentationml/2006/main">
+  <p:cSld>
+    <p:spTree>
+      <p:nvGrpSpPr>
+        <p:cNvPr id="1" name=""/>
+        <p:cNvGrpSpPr/>
+        <p:nvPr/>
+      </p:nvGrpSpPr>
+      <p:grpSpPr>
+        <a:xfrm>
+          <a:off x="0" y="0"/>
+          <a:ext cx="0" cy="0"/>
+          <a:chOff x="0" y="0"/>
+          <a:chExt cx="0" cy="0"/>
+        </a:xfrm>
+      </p:grpSpPr>
+      <p:cxnSp>
+        <p:nvCxnSpPr>
+          <p:cNvPr id="247" name="Straight Connector 246">
+            <a:extLst>
+              <a:ext uri="{FF2B5EF4-FFF2-40B4-BE49-F238E27FC236}">
+                <a16:creationId xmlns:a16="http://schemas.microsoft.com/office/drawing/2014/main" id="{EE0DDC23-5BF5-66DD-CC9C-79CE70F306F4}"/>
+              </a:ext>
+            </a:extLst>
+          </p:cNvPr>
+          <p:cNvCxnSpPr>
+            <a:cxnSpLocks/>
+          </p:cNvCxnSpPr>
+          <p:nvPr/>
+        </p:nvCxnSpPr>
+        <p:spPr>
+          <a:xfrm>
+            <a:off x="8790303" y="1733971"/>
+            <a:ext cx="6331" cy="4692578"/>
+          </a:xfrm>
+          <a:prstGeom prst="line">
+            <a:avLst/>
+          </a:prstGeom>
+          <a:ln>
+            <a:solidFill>
+              <a:schemeClr val="tx1"/>
+            </a:solidFill>
+            <a:prstDash val="sysDash"/>
+          </a:ln>
+        </p:spPr>
+        <p:style>
+          <a:lnRef idx="2">
+            <a:schemeClr val="accent1"/>
+          </a:lnRef>
+          <a:fillRef idx="0">
+            <a:schemeClr val="accent1"/>
+          </a:fillRef>
+          <a:effectRef idx="1">
+            <a:schemeClr val="accent1"/>
+          </a:effectRef>
+          <a:fontRef idx="minor">
+            <a:schemeClr val="tx1"/>
+          </a:fontRef>
+        </p:style>
+      </p:cxnSp>
+      <p:sp>
+        <p:nvSpPr>
+          <p:cNvPr id="117" name="Rectangle 116">
+            <a:extLst>
+              <a:ext uri="{FF2B5EF4-FFF2-40B4-BE49-F238E27FC236}">
+                <a16:creationId xmlns:a16="http://schemas.microsoft.com/office/drawing/2014/main" id="{BC49DD01-D234-432E-334D-34F8039958A9}"/>
+              </a:ext>
+            </a:extLst>
+          </p:cNvPr>
+          <p:cNvSpPr/>
+          <p:nvPr/>
+        </p:nvSpPr>
+        <p:spPr>
+          <a:xfrm>
+            <a:off x="4732323" y="2824226"/>
+            <a:ext cx="2921232" cy="2180540"/>
+          </a:xfrm>
+          <a:prstGeom prst="rect">
+            <a:avLst/>
+          </a:prstGeom>
+          <a:solidFill>
+            <a:schemeClr val="tx2">
+              <a:lumMod val="10000"/>
+              <a:lumOff val="90000"/>
+            </a:schemeClr>
+          </a:solidFill>
+        </p:spPr>
+        <p:style>
+          <a:lnRef idx="2">
+            <a:schemeClr val="accent1">
+              <a:shade val="15000"/>
+            </a:schemeClr>
+          </a:lnRef>
+          <a:fillRef idx="1">
+            <a:schemeClr val="accent1"/>
+          </a:fillRef>
+          <a:effectRef idx="0">
+            <a:schemeClr val="accent1"/>
+          </a:effectRef>
+          <a:fontRef idx="minor">
+            <a:schemeClr val="lt1"/>
+          </a:fontRef>
+        </p:style>
+        <p:txBody>
+          <a:bodyPr rtlCol="0" anchor="ctr"/>
+          <a:lstStyle/>
+          <a:p>
+            <a:pPr algn="ctr"/>
+            <a:endParaRPr lang="en-SG" dirty="0"/>
+          </a:p>
+        </p:txBody>
+      </p:sp>
+      <p:sp>
+        <p:nvSpPr>
+          <p:cNvPr id="2" name="Rectangle 1">
+            <a:extLst>
+              <a:ext uri="{FF2B5EF4-FFF2-40B4-BE49-F238E27FC236}">
+                <a16:creationId xmlns:a16="http://schemas.microsoft.com/office/drawing/2014/main" id="{45D31549-6985-4EBD-437D-47FF87C2864D}"/>
+              </a:ext>
+            </a:extLst>
+          </p:cNvPr>
+          <p:cNvSpPr/>
+          <p:nvPr/>
+        </p:nvSpPr>
+        <p:spPr>
+          <a:xfrm>
+            <a:off x="686005" y="1197166"/>
+            <a:ext cx="2751121" cy="858673"/>
+          </a:xfrm>
+          <a:prstGeom prst="rect">
+            <a:avLst/>
+          </a:prstGeom>
+          <a:solidFill>
+            <a:schemeClr val="accent2">
+              <a:lumMod val="20000"/>
+              <a:lumOff val="80000"/>
+            </a:schemeClr>
+          </a:solidFill>
+          <a:ln>
+            <a:solidFill>
+              <a:srgbClr val="C00000"/>
+            </a:solidFill>
+          </a:ln>
+        </p:spPr>
+        <p:style>
+          <a:lnRef idx="2">
+            <a:schemeClr val="accent1">
+              <a:shade val="15000"/>
+            </a:schemeClr>
+          </a:lnRef>
+          <a:fillRef idx="1">
+            <a:schemeClr val="accent1"/>
+          </a:fillRef>
+          <a:effectRef idx="0">
+            <a:schemeClr val="accent1"/>
+          </a:effectRef>
+          <a:fontRef idx="minor">
+            <a:schemeClr val="lt1"/>
+          </a:fontRef>
+        </p:style>
+        <p:txBody>
+          <a:bodyPr rtlCol="0" anchor="ctr"/>
+          <a:lstStyle/>
+          <a:p>
+            <a:pPr algn="ctr"/>
+            <a:endParaRPr lang="en-SG" dirty="0"/>
+          </a:p>
+        </p:txBody>
+      </p:sp>
+      <p:sp>
+        <p:nvSpPr>
+          <p:cNvPr id="3" name="Rectangle 2">
+            <a:extLst>
+              <a:ext uri="{FF2B5EF4-FFF2-40B4-BE49-F238E27FC236}">
+                <a16:creationId xmlns:a16="http://schemas.microsoft.com/office/drawing/2014/main" id="{469548FF-5F81-1D93-14BB-F185A5F492EE}"/>
+              </a:ext>
+            </a:extLst>
+          </p:cNvPr>
+          <p:cNvSpPr/>
+          <p:nvPr/>
+        </p:nvSpPr>
+        <p:spPr>
+          <a:xfrm>
+            <a:off x="552860" y="922931"/>
+            <a:ext cx="3049875" cy="5699937"/>
+          </a:xfrm>
+          <a:prstGeom prst="rect">
+            <a:avLst/>
+          </a:prstGeom>
+          <a:noFill/>
+          <a:ln w="19050">
+            <a:solidFill>
+              <a:srgbClr val="C00000"/>
+            </a:solidFill>
+            <a:prstDash val="sysDash"/>
+          </a:ln>
+        </p:spPr>
+        <p:style>
+          <a:lnRef idx="2">
+            <a:schemeClr val="accent1">
+              <a:shade val="15000"/>
+            </a:schemeClr>
+          </a:lnRef>
+          <a:fillRef idx="1">
+            <a:schemeClr val="accent1"/>
+          </a:fillRef>
+          <a:effectRef idx="0">
+            <a:schemeClr val="accent1"/>
+          </a:effectRef>
+          <a:fontRef idx="minor">
+            <a:schemeClr val="lt1"/>
+          </a:fontRef>
+        </p:style>
+        <p:txBody>
+          <a:bodyPr rtlCol="0" anchor="ctr"/>
+          <a:lstStyle/>
+          <a:p>
+            <a:pPr algn="ctr"/>
+            <a:endParaRPr lang="en-SG" dirty="0">
+              <a:ln>
+                <a:solidFill>
+                  <a:schemeClr val="tx1"/>
+                </a:solidFill>
+                <a:prstDash val="sysDash"/>
+              </a:ln>
+            </a:endParaRPr>
+          </a:p>
+        </p:txBody>
+      </p:sp>
+      <p:sp>
+        <p:nvSpPr>
+          <p:cNvPr id="4" name="TextBox 3">
+            <a:extLst>
+              <a:ext uri="{FF2B5EF4-FFF2-40B4-BE49-F238E27FC236}">
+                <a16:creationId xmlns:a16="http://schemas.microsoft.com/office/drawing/2014/main" id="{DE32C799-1E37-216F-0415-19FDE62471CB}"/>
+              </a:ext>
+            </a:extLst>
+          </p:cNvPr>
+          <p:cNvSpPr txBox="1"/>
+          <p:nvPr/>
+        </p:nvSpPr>
+        <p:spPr>
+          <a:xfrm>
+            <a:off x="593199" y="920167"/>
+            <a:ext cx="2494844" cy="276999"/>
+          </a:xfrm>
+          <a:prstGeom prst="rect">
+            <a:avLst/>
+          </a:prstGeom>
+          <a:noFill/>
+        </p:spPr>
+        <p:txBody>
+          <a:bodyPr wrap="square" rtlCol="0">
+            <a:spAutoFit/>
+          </a:bodyPr>
+          <a:lstStyle/>
+          <a:p>
+            <a:r>
+              <a:rPr lang="en-SG" sz="1200" b="1" dirty="0"/>
+              <a:t>Credentials Compromise Module  </a:t>
+            </a:r>
+          </a:p>
+        </p:txBody>
+      </p:sp>
+      <p:pic>
+        <p:nvPicPr>
+          <p:cNvPr id="5" name="Picture 4" descr="Hand stealing e-mail icon simple style Royalty Free Vector">
+            <a:extLst>
+              <a:ext uri="{FF2B5EF4-FFF2-40B4-BE49-F238E27FC236}">
+                <a16:creationId xmlns:a16="http://schemas.microsoft.com/office/drawing/2014/main" id="{02E8EB4E-1447-388C-76C7-58D5195F43B4}"/>
+              </a:ext>
+            </a:extLst>
+          </p:cNvPr>
+          <p:cNvPicPr>
+            <a:picLocks noChangeAspect="1"/>
+          </p:cNvPicPr>
+          <p:nvPr/>
+        </p:nvPicPr>
+        <p:blipFill rotWithShape="1">
+          <a:blip r:embed="rId2"/>
+          <a:srcRect l="22316" t="18297" r="21295" b="26843"/>
+          <a:stretch/>
+        </p:blipFill>
+        <p:spPr>
+          <a:xfrm>
+            <a:off x="800707" y="1280710"/>
+            <a:ext cx="392204" cy="414586"/>
+          </a:xfrm>
+          <a:prstGeom prst="rect">
+            <a:avLst/>
+          </a:prstGeom>
+          <a:ln w="6350">
+            <a:solidFill>
+              <a:schemeClr val="tx1"/>
+            </a:solidFill>
+          </a:ln>
+        </p:spPr>
+      </p:pic>
+      <p:pic>
+        <p:nvPicPr>
+          <p:cNvPr id="6" name="Picture 5">
+            <a:extLst>
+              <a:ext uri="{FF2B5EF4-FFF2-40B4-BE49-F238E27FC236}">
+                <a16:creationId xmlns:a16="http://schemas.microsoft.com/office/drawing/2014/main" id="{A5A4A853-D781-EC4B-3599-5E217354FA0A}"/>
+              </a:ext>
+            </a:extLst>
+          </p:cNvPr>
+          <p:cNvPicPr>
+            <a:picLocks noChangeAspect="1"/>
+          </p:cNvPicPr>
+          <p:nvPr/>
+        </p:nvPicPr>
+        <p:blipFill>
+          <a:blip r:embed="rId3"/>
+          <a:stretch>
+            <a:fillRect/>
+          </a:stretch>
+        </p:blipFill>
+        <p:spPr>
+          <a:xfrm>
+            <a:off x="1364928" y="1271445"/>
+            <a:ext cx="464622" cy="414586"/>
+          </a:xfrm>
+          <a:prstGeom prst="rect">
+            <a:avLst/>
+          </a:prstGeom>
+          <a:ln w="6350">
+            <a:solidFill>
+              <a:schemeClr val="tx1"/>
+            </a:solidFill>
+          </a:ln>
+        </p:spPr>
+      </p:pic>
+      <p:pic>
+        <p:nvPicPr>
+          <p:cNvPr id="7" name="Picture 6" descr="Brute force attack icon from banned internet Vector Image">
+            <a:extLst>
+              <a:ext uri="{FF2B5EF4-FFF2-40B4-BE49-F238E27FC236}">
+                <a16:creationId xmlns:a16="http://schemas.microsoft.com/office/drawing/2014/main" id="{6B47C4E3-9EA3-DF93-9864-A1E5CCBDB508}"/>
+              </a:ext>
+            </a:extLst>
+          </p:cNvPr>
+          <p:cNvPicPr>
+            <a:picLocks noChangeAspect="1"/>
+          </p:cNvPicPr>
+          <p:nvPr/>
+        </p:nvPicPr>
+        <p:blipFill rotWithShape="1">
+          <a:blip r:embed="rId4"/>
+          <a:srcRect l="23169" t="13032" r="22459" b="34695"/>
+          <a:stretch/>
+        </p:blipFill>
+        <p:spPr>
+          <a:xfrm>
+            <a:off x="1987758" y="1253151"/>
+            <a:ext cx="408619" cy="423733"/>
+          </a:xfrm>
+          <a:prstGeom prst="rect">
+            <a:avLst/>
+          </a:prstGeom>
+          <a:ln w="6350">
+            <a:solidFill>
+              <a:schemeClr val="tx1"/>
+            </a:solidFill>
+          </a:ln>
+        </p:spPr>
+      </p:pic>
+      <p:pic>
+        <p:nvPicPr>
+          <p:cNvPr id="8" name="Picture 7">
+            <a:extLst>
+              <a:ext uri="{FF2B5EF4-FFF2-40B4-BE49-F238E27FC236}">
+                <a16:creationId xmlns:a16="http://schemas.microsoft.com/office/drawing/2014/main" id="{84B8E599-8E41-1229-6F91-9FEE3EC793EB}"/>
+              </a:ext>
+            </a:extLst>
+          </p:cNvPr>
+          <p:cNvPicPr>
+            <a:picLocks noChangeAspect="1"/>
+          </p:cNvPicPr>
+          <p:nvPr/>
+        </p:nvPicPr>
+        <p:blipFill>
+          <a:blip r:embed="rId5"/>
+          <a:stretch>
+            <a:fillRect/>
+          </a:stretch>
+        </p:blipFill>
+        <p:spPr>
+          <a:xfrm>
+            <a:off x="2599723" y="1247936"/>
+            <a:ext cx="411309" cy="438095"/>
+          </a:xfrm>
+          <a:prstGeom prst="rect">
+            <a:avLst/>
+          </a:prstGeom>
+          <a:ln w="3175">
+            <a:solidFill>
+              <a:schemeClr val="tx1"/>
+            </a:solidFill>
+          </a:ln>
+        </p:spPr>
+      </p:pic>
+      <p:sp>
+        <p:nvSpPr>
+          <p:cNvPr id="9" name="TextBox 8">
+            <a:extLst>
+              <a:ext uri="{FF2B5EF4-FFF2-40B4-BE49-F238E27FC236}">
+                <a16:creationId xmlns:a16="http://schemas.microsoft.com/office/drawing/2014/main" id="{64386637-A24A-1949-BBFB-9A2771DA6CF4}"/>
+              </a:ext>
+            </a:extLst>
+          </p:cNvPr>
+          <p:cNvSpPr txBox="1"/>
+          <p:nvPr/>
+        </p:nvSpPr>
+        <p:spPr>
+          <a:xfrm>
+            <a:off x="666956" y="1655729"/>
+            <a:ext cx="716455" cy="400110"/>
+          </a:xfrm>
+          <a:prstGeom prst="rect">
+            <a:avLst/>
+          </a:prstGeom>
+          <a:noFill/>
+        </p:spPr>
+        <p:txBody>
+          <a:bodyPr wrap="square" rtlCol="0">
+            <a:spAutoFit/>
+          </a:bodyPr>
+          <a:lstStyle/>
+          <a:p>
+            <a:r>
+              <a:rPr lang="en-SG" sz="1000" b="1" dirty="0">
+                <a:solidFill>
+                  <a:srgbClr val="C00000"/>
+                </a:solidFill>
+              </a:rPr>
+              <a:t>File/data stolen</a:t>
+            </a:r>
+          </a:p>
+        </p:txBody>
+      </p:sp>
+      <p:sp>
+        <p:nvSpPr>
+          <p:cNvPr id="10" name="TextBox 9">
+            <a:extLst>
+              <a:ext uri="{FF2B5EF4-FFF2-40B4-BE49-F238E27FC236}">
+                <a16:creationId xmlns:a16="http://schemas.microsoft.com/office/drawing/2014/main" id="{B4808B7B-1FB6-039F-1932-785D742C2FE8}"/>
+              </a:ext>
+            </a:extLst>
+          </p:cNvPr>
+          <p:cNvSpPr txBox="1"/>
+          <p:nvPr/>
+        </p:nvSpPr>
+        <p:spPr>
+          <a:xfrm>
+            <a:off x="1290638" y="1655729"/>
+            <a:ext cx="611680" cy="400110"/>
+          </a:xfrm>
+          <a:prstGeom prst="rect">
+            <a:avLst/>
+          </a:prstGeom>
+          <a:noFill/>
+        </p:spPr>
+        <p:txBody>
+          <a:bodyPr wrap="square" rtlCol="0">
+            <a:spAutoFit/>
+          </a:bodyPr>
+          <a:lstStyle/>
+          <a:p>
+            <a:r>
+              <a:rPr lang="en-SG" sz="1000" b="1" dirty="0">
+                <a:solidFill>
+                  <a:srgbClr val="C00000"/>
+                </a:solidFill>
+              </a:rPr>
+              <a:t>History scan</a:t>
+            </a:r>
+          </a:p>
+        </p:txBody>
+      </p:sp>
+      <p:sp>
+        <p:nvSpPr>
+          <p:cNvPr id="11" name="TextBox 10">
+            <a:extLst>
+              <a:ext uri="{FF2B5EF4-FFF2-40B4-BE49-F238E27FC236}">
+                <a16:creationId xmlns:a16="http://schemas.microsoft.com/office/drawing/2014/main" id="{B9E87DEB-E05A-E31E-D99F-1D66F680B1CD}"/>
+              </a:ext>
+            </a:extLst>
+          </p:cNvPr>
+          <p:cNvSpPr txBox="1"/>
+          <p:nvPr/>
+        </p:nvSpPr>
+        <p:spPr>
+          <a:xfrm>
+            <a:off x="1829550" y="1655729"/>
+            <a:ext cx="759523" cy="400110"/>
+          </a:xfrm>
+          <a:prstGeom prst="rect">
+            <a:avLst/>
+          </a:prstGeom>
+          <a:noFill/>
+        </p:spPr>
+        <p:txBody>
+          <a:bodyPr wrap="square" rtlCol="0">
+            <a:spAutoFit/>
+          </a:bodyPr>
+          <a:lstStyle/>
+          <a:p>
+            <a:r>
+              <a:rPr lang="en-SG" sz="1000" b="1" dirty="0">
+                <a:solidFill>
+                  <a:srgbClr val="C00000"/>
+                </a:solidFill>
+              </a:rPr>
+              <a:t>Password crack</a:t>
+            </a:r>
+          </a:p>
+        </p:txBody>
+      </p:sp>
+      <p:sp>
+        <p:nvSpPr>
+          <p:cNvPr id="12" name="TextBox 11">
+            <a:extLst>
+              <a:ext uri="{FF2B5EF4-FFF2-40B4-BE49-F238E27FC236}">
+                <a16:creationId xmlns:a16="http://schemas.microsoft.com/office/drawing/2014/main" id="{0C260C75-AE3C-1FA6-A471-31EBE52209DC}"/>
+              </a:ext>
+            </a:extLst>
+          </p:cNvPr>
+          <p:cNvSpPr txBox="1"/>
+          <p:nvPr/>
+        </p:nvSpPr>
+        <p:spPr>
+          <a:xfrm>
+            <a:off x="2536261" y="1668501"/>
+            <a:ext cx="759523" cy="400110"/>
+          </a:xfrm>
+          <a:prstGeom prst="rect">
+            <a:avLst/>
+          </a:prstGeom>
+          <a:noFill/>
+        </p:spPr>
+        <p:txBody>
+          <a:bodyPr wrap="square" rtlCol="0">
+            <a:spAutoFit/>
+          </a:bodyPr>
+          <a:lstStyle/>
+          <a:p>
+            <a:r>
+              <a:rPr lang="en-SG" sz="1000" b="1" dirty="0">
+                <a:solidFill>
+                  <a:srgbClr val="C00000"/>
+                </a:solidFill>
+              </a:rPr>
+              <a:t>Cookie hijacking</a:t>
+            </a:r>
+          </a:p>
+        </p:txBody>
+      </p:sp>
+      <p:sp>
+        <p:nvSpPr>
+          <p:cNvPr id="13" name="TextBox 12">
+            <a:extLst>
+              <a:ext uri="{FF2B5EF4-FFF2-40B4-BE49-F238E27FC236}">
+                <a16:creationId xmlns:a16="http://schemas.microsoft.com/office/drawing/2014/main" id="{AABB14C1-A60E-820E-5D66-77E2FD7F5203}"/>
+              </a:ext>
+            </a:extLst>
+          </p:cNvPr>
+          <p:cNvSpPr txBox="1"/>
+          <p:nvPr/>
+        </p:nvSpPr>
+        <p:spPr>
+          <a:xfrm>
+            <a:off x="2984720" y="1316327"/>
+            <a:ext cx="377190" cy="461665"/>
+          </a:xfrm>
+          <a:prstGeom prst="rect">
+            <a:avLst/>
+          </a:prstGeom>
+          <a:noFill/>
+        </p:spPr>
+        <p:txBody>
+          <a:bodyPr wrap="square" rtlCol="0">
+            <a:spAutoFit/>
+          </a:bodyPr>
+          <a:lstStyle/>
+          <a:p>
+            <a:r>
+              <a:rPr lang="en-US" sz="2400" b="1" dirty="0">
+                <a:solidFill>
+                  <a:srgbClr val="C00000"/>
+                </a:solidFill>
+              </a:rPr>
+              <a:t>…</a:t>
+            </a:r>
+            <a:endParaRPr lang="en-SG" sz="2400" b="1" dirty="0">
+              <a:solidFill>
+                <a:srgbClr val="C00000"/>
+              </a:solidFill>
+            </a:endParaRPr>
+          </a:p>
+        </p:txBody>
+      </p:sp>
+      <p:sp>
+        <p:nvSpPr>
+          <p:cNvPr id="14" name="TextBox 13">
+            <a:extLst>
+              <a:ext uri="{FF2B5EF4-FFF2-40B4-BE49-F238E27FC236}">
+                <a16:creationId xmlns:a16="http://schemas.microsoft.com/office/drawing/2014/main" id="{DACAA94C-D393-A65D-6AEF-F42A26126F50}"/>
+              </a:ext>
+            </a:extLst>
+          </p:cNvPr>
+          <p:cNvSpPr txBox="1"/>
+          <p:nvPr/>
+        </p:nvSpPr>
+        <p:spPr>
+          <a:xfrm>
+            <a:off x="654896" y="2052886"/>
+            <a:ext cx="2494844" cy="276999"/>
+          </a:xfrm>
+          <a:prstGeom prst="rect">
+            <a:avLst/>
+          </a:prstGeom>
+          <a:noFill/>
+        </p:spPr>
+        <p:txBody>
+          <a:bodyPr wrap="square" rtlCol="0">
+            <a:spAutoFit/>
+          </a:bodyPr>
+          <a:lstStyle/>
+          <a:p>
+            <a:r>
+              <a:rPr lang="en-SG" sz="1200" b="1" dirty="0"/>
+              <a:t>Phishing and Scam Module</a:t>
+            </a:r>
+          </a:p>
+        </p:txBody>
+      </p:sp>
+      <p:sp>
+        <p:nvSpPr>
+          <p:cNvPr id="15" name="Rectangle 14">
+            <a:extLst>
+              <a:ext uri="{FF2B5EF4-FFF2-40B4-BE49-F238E27FC236}">
+                <a16:creationId xmlns:a16="http://schemas.microsoft.com/office/drawing/2014/main" id="{45683771-C39F-4B86-6F67-694D574BD2E4}"/>
+              </a:ext>
+            </a:extLst>
+          </p:cNvPr>
+          <p:cNvSpPr/>
+          <p:nvPr/>
+        </p:nvSpPr>
+        <p:spPr>
+          <a:xfrm>
+            <a:off x="696755" y="2339674"/>
+            <a:ext cx="2751122" cy="795780"/>
+          </a:xfrm>
+          <a:prstGeom prst="rect">
+            <a:avLst/>
+          </a:prstGeom>
+          <a:solidFill>
+            <a:schemeClr val="accent2">
+              <a:lumMod val="20000"/>
+              <a:lumOff val="80000"/>
+            </a:schemeClr>
+          </a:solidFill>
+          <a:ln>
+            <a:solidFill>
+              <a:srgbClr val="C00000"/>
+            </a:solidFill>
+          </a:ln>
+        </p:spPr>
+        <p:style>
+          <a:lnRef idx="2">
+            <a:schemeClr val="accent1">
+              <a:shade val="15000"/>
+            </a:schemeClr>
+          </a:lnRef>
+          <a:fillRef idx="1">
+            <a:schemeClr val="accent1"/>
+          </a:fillRef>
+          <a:effectRef idx="0">
+            <a:schemeClr val="accent1"/>
+          </a:effectRef>
+          <a:fontRef idx="minor">
+            <a:schemeClr val="lt1"/>
+          </a:fontRef>
+        </p:style>
+        <p:txBody>
+          <a:bodyPr rtlCol="0" anchor="ctr"/>
+          <a:lstStyle/>
+          <a:p>
+            <a:pPr algn="ctr"/>
+            <a:endParaRPr lang="en-SG" dirty="0"/>
+          </a:p>
+        </p:txBody>
+      </p:sp>
+      <p:pic>
+        <p:nvPicPr>
+          <p:cNvPr id="16" name="Picture 15">
+            <a:extLst>
+              <a:ext uri="{FF2B5EF4-FFF2-40B4-BE49-F238E27FC236}">
+                <a16:creationId xmlns:a16="http://schemas.microsoft.com/office/drawing/2014/main" id="{C0EA0ED9-AA86-F6CB-B602-F5CA4FCF3244}"/>
+              </a:ext>
+            </a:extLst>
+          </p:cNvPr>
+          <p:cNvPicPr>
+            <a:picLocks noChangeAspect="1"/>
+          </p:cNvPicPr>
+          <p:nvPr/>
+        </p:nvPicPr>
+        <p:blipFill>
+          <a:blip r:embed="rId6"/>
+          <a:stretch>
+            <a:fillRect/>
+          </a:stretch>
+        </p:blipFill>
+        <p:spPr>
+          <a:xfrm>
+            <a:off x="810472" y="2417929"/>
+            <a:ext cx="328485" cy="351080"/>
+          </a:xfrm>
+          <a:prstGeom prst="rect">
+            <a:avLst/>
+          </a:prstGeom>
+          <a:ln w="6350">
+            <a:solidFill>
+              <a:schemeClr val="tx1"/>
+            </a:solidFill>
+          </a:ln>
+        </p:spPr>
+      </p:pic>
+      <p:sp>
+        <p:nvSpPr>
+          <p:cNvPr id="17" name="TextBox 16">
+            <a:extLst>
+              <a:ext uri="{FF2B5EF4-FFF2-40B4-BE49-F238E27FC236}">
+                <a16:creationId xmlns:a16="http://schemas.microsoft.com/office/drawing/2014/main" id="{B9851E5A-B386-BE39-B52E-5251A0E7E47F}"/>
+              </a:ext>
+            </a:extLst>
+          </p:cNvPr>
+          <p:cNvSpPr txBox="1"/>
+          <p:nvPr/>
+        </p:nvSpPr>
+        <p:spPr>
+          <a:xfrm>
+            <a:off x="699089" y="2735343"/>
+            <a:ext cx="694087" cy="400110"/>
+          </a:xfrm>
+          <a:prstGeom prst="rect">
+            <a:avLst/>
+          </a:prstGeom>
+          <a:noFill/>
+        </p:spPr>
+        <p:txBody>
+          <a:bodyPr wrap="square" rtlCol="0">
+            <a:spAutoFit/>
+          </a:bodyPr>
+          <a:lstStyle/>
+          <a:p>
+            <a:r>
+              <a:rPr lang="en-SG" sz="1000" b="1" dirty="0">
+                <a:solidFill>
+                  <a:srgbClr val="C00000"/>
+                </a:solidFill>
+              </a:rPr>
+              <a:t>Phishing email</a:t>
+            </a:r>
+          </a:p>
+        </p:txBody>
+      </p:sp>
+      <p:pic>
+        <p:nvPicPr>
+          <p:cNvPr id="18" name="Picture 17">
+            <a:extLst>
+              <a:ext uri="{FF2B5EF4-FFF2-40B4-BE49-F238E27FC236}">
+                <a16:creationId xmlns:a16="http://schemas.microsoft.com/office/drawing/2014/main" id="{0F4F504D-719B-5E8E-7CF7-97ED54318B59}"/>
+              </a:ext>
+            </a:extLst>
+          </p:cNvPr>
+          <p:cNvPicPr>
+            <a:picLocks noChangeAspect="1"/>
+          </p:cNvPicPr>
+          <p:nvPr/>
+        </p:nvPicPr>
+        <p:blipFill>
+          <a:blip r:embed="rId7"/>
+          <a:stretch>
+            <a:fillRect/>
+          </a:stretch>
+        </p:blipFill>
+        <p:spPr>
+          <a:xfrm>
+            <a:off x="1393176" y="2397543"/>
+            <a:ext cx="386944" cy="371466"/>
+          </a:xfrm>
+          <a:prstGeom prst="rect">
+            <a:avLst/>
+          </a:prstGeom>
+          <a:ln w="6350">
+            <a:solidFill>
+              <a:schemeClr val="tx1"/>
+            </a:solidFill>
+          </a:ln>
+        </p:spPr>
+      </p:pic>
+      <p:sp>
+        <p:nvSpPr>
+          <p:cNvPr id="19" name="TextBox 18">
+            <a:extLst>
+              <a:ext uri="{FF2B5EF4-FFF2-40B4-BE49-F238E27FC236}">
+                <a16:creationId xmlns:a16="http://schemas.microsoft.com/office/drawing/2014/main" id="{A9FD4187-1467-5046-6B13-9E7BE6064583}"/>
+              </a:ext>
+            </a:extLst>
+          </p:cNvPr>
+          <p:cNvSpPr txBox="1"/>
+          <p:nvPr/>
+        </p:nvSpPr>
+        <p:spPr>
+          <a:xfrm>
+            <a:off x="1272868" y="2740925"/>
+            <a:ext cx="759523" cy="400110"/>
+          </a:xfrm>
+          <a:prstGeom prst="rect">
+            <a:avLst/>
+          </a:prstGeom>
+          <a:noFill/>
+        </p:spPr>
+        <p:txBody>
+          <a:bodyPr wrap="square" rtlCol="0">
+            <a:spAutoFit/>
+          </a:bodyPr>
+          <a:lstStyle/>
+          <a:p>
+            <a:r>
+              <a:rPr lang="en-SG" sz="1000" b="1" dirty="0">
+                <a:solidFill>
+                  <a:srgbClr val="C00000"/>
+                </a:solidFill>
+              </a:rPr>
+              <a:t>Scam TG message </a:t>
+            </a:r>
+          </a:p>
+        </p:txBody>
+      </p:sp>
+      <p:pic>
+        <p:nvPicPr>
+          <p:cNvPr id="20" name="Picture 19">
+            <a:extLst>
+              <a:ext uri="{FF2B5EF4-FFF2-40B4-BE49-F238E27FC236}">
+                <a16:creationId xmlns:a16="http://schemas.microsoft.com/office/drawing/2014/main" id="{BD6D5DFA-D467-B500-19E2-E9C636B44B82}"/>
+              </a:ext>
+            </a:extLst>
+          </p:cNvPr>
+          <p:cNvPicPr>
+            <a:picLocks noChangeAspect="1"/>
+          </p:cNvPicPr>
+          <p:nvPr/>
+        </p:nvPicPr>
+        <p:blipFill>
+          <a:blip r:embed="rId8"/>
+          <a:stretch>
+            <a:fillRect/>
+          </a:stretch>
+        </p:blipFill>
+        <p:spPr>
+          <a:xfrm>
+            <a:off x="2550023" y="2388287"/>
+            <a:ext cx="444150" cy="399735"/>
+          </a:xfrm>
+          <a:prstGeom prst="rect">
+            <a:avLst/>
+          </a:prstGeom>
+          <a:ln w="6350">
+            <a:solidFill>
+              <a:schemeClr val="tx1"/>
+            </a:solidFill>
+          </a:ln>
+        </p:spPr>
+      </p:pic>
+      <p:sp>
+        <p:nvSpPr>
+          <p:cNvPr id="21" name="TextBox 20">
+            <a:extLst>
+              <a:ext uri="{FF2B5EF4-FFF2-40B4-BE49-F238E27FC236}">
+                <a16:creationId xmlns:a16="http://schemas.microsoft.com/office/drawing/2014/main" id="{B702F76D-F74C-FACF-07A5-E87717C87EEC}"/>
+              </a:ext>
+            </a:extLst>
+          </p:cNvPr>
+          <p:cNvSpPr txBox="1"/>
+          <p:nvPr/>
+        </p:nvSpPr>
+        <p:spPr>
+          <a:xfrm>
+            <a:off x="2428202" y="2759391"/>
+            <a:ext cx="1073730" cy="400110"/>
+          </a:xfrm>
+          <a:prstGeom prst="rect">
+            <a:avLst/>
+          </a:prstGeom>
+          <a:noFill/>
+        </p:spPr>
+        <p:txBody>
+          <a:bodyPr wrap="square" rtlCol="0">
+            <a:spAutoFit/>
+          </a:bodyPr>
+          <a:lstStyle/>
+          <a:p>
+            <a:r>
+              <a:rPr lang="en-SG" sz="1000" b="1" dirty="0">
+                <a:solidFill>
+                  <a:srgbClr val="C00000"/>
+                </a:solidFill>
+              </a:rPr>
+              <a:t>Scam popup advertisement</a:t>
+            </a:r>
+          </a:p>
+        </p:txBody>
+      </p:sp>
+      <p:sp>
+        <p:nvSpPr>
+          <p:cNvPr id="22" name="TextBox 21">
+            <a:extLst>
+              <a:ext uri="{FF2B5EF4-FFF2-40B4-BE49-F238E27FC236}">
+                <a16:creationId xmlns:a16="http://schemas.microsoft.com/office/drawing/2014/main" id="{FD33D2EE-5399-2312-03C6-39ABD3B8E28E}"/>
+              </a:ext>
+            </a:extLst>
+          </p:cNvPr>
+          <p:cNvSpPr txBox="1"/>
+          <p:nvPr/>
+        </p:nvSpPr>
+        <p:spPr>
+          <a:xfrm>
+            <a:off x="1906848" y="2760550"/>
+            <a:ext cx="759523" cy="246221"/>
+          </a:xfrm>
+          <a:prstGeom prst="rect">
+            <a:avLst/>
+          </a:prstGeom>
+          <a:noFill/>
+        </p:spPr>
+        <p:txBody>
+          <a:bodyPr wrap="square" rtlCol="0">
+            <a:spAutoFit/>
+          </a:bodyPr>
+          <a:lstStyle/>
+          <a:p>
+            <a:r>
+              <a:rPr lang="en-SG" sz="1000" b="1" dirty="0">
+                <a:solidFill>
+                  <a:srgbClr val="C00000"/>
+                </a:solidFill>
+              </a:rPr>
+              <a:t>Trojan</a:t>
+            </a:r>
+          </a:p>
+        </p:txBody>
+      </p:sp>
+      <p:sp>
+        <p:nvSpPr>
+          <p:cNvPr id="23" name="TextBox 22">
+            <a:extLst>
+              <a:ext uri="{FF2B5EF4-FFF2-40B4-BE49-F238E27FC236}">
+                <a16:creationId xmlns:a16="http://schemas.microsoft.com/office/drawing/2014/main" id="{DF894B88-D7AC-3D6F-3FD2-25CE475AE42B}"/>
+              </a:ext>
+            </a:extLst>
+          </p:cNvPr>
+          <p:cNvSpPr txBox="1"/>
+          <p:nvPr/>
+        </p:nvSpPr>
+        <p:spPr>
+          <a:xfrm>
+            <a:off x="2992225" y="2384917"/>
+            <a:ext cx="377190" cy="461665"/>
+          </a:xfrm>
+          <a:prstGeom prst="rect">
+            <a:avLst/>
+          </a:prstGeom>
+          <a:noFill/>
+        </p:spPr>
+        <p:txBody>
+          <a:bodyPr wrap="square" rtlCol="0">
+            <a:spAutoFit/>
+          </a:bodyPr>
+          <a:lstStyle/>
+          <a:p>
+            <a:r>
+              <a:rPr lang="en-US" sz="2400" b="1" dirty="0"/>
+              <a:t>…</a:t>
+            </a:r>
+            <a:endParaRPr lang="en-SG" sz="2400" b="1" dirty="0"/>
+          </a:p>
+        </p:txBody>
+      </p:sp>
+      <p:sp>
+        <p:nvSpPr>
+          <p:cNvPr id="24" name="TextBox 23">
+            <a:extLst>
+              <a:ext uri="{FF2B5EF4-FFF2-40B4-BE49-F238E27FC236}">
+                <a16:creationId xmlns:a16="http://schemas.microsoft.com/office/drawing/2014/main" id="{BA615254-9413-A40C-48FE-6AA7B1BA1C4C}"/>
+              </a:ext>
+            </a:extLst>
+          </p:cNvPr>
+          <p:cNvSpPr txBox="1"/>
+          <p:nvPr/>
+        </p:nvSpPr>
+        <p:spPr>
+          <a:xfrm>
+            <a:off x="653006" y="3171698"/>
+            <a:ext cx="2494844" cy="276999"/>
+          </a:xfrm>
+          <a:prstGeom prst="rect">
+            <a:avLst/>
+          </a:prstGeom>
+          <a:noFill/>
+        </p:spPr>
+        <p:txBody>
+          <a:bodyPr wrap="square" rtlCol="0">
+            <a:spAutoFit/>
+          </a:bodyPr>
+          <a:lstStyle/>
+          <a:p>
+            <a:r>
+              <a:rPr lang="en-SG" sz="1200" b="1" dirty="0"/>
+              <a:t>Scan and Record Module</a:t>
+            </a:r>
+          </a:p>
+        </p:txBody>
+      </p:sp>
+      <p:sp>
+        <p:nvSpPr>
+          <p:cNvPr id="25" name="Rectangle 24">
+            <a:extLst>
+              <a:ext uri="{FF2B5EF4-FFF2-40B4-BE49-F238E27FC236}">
+                <a16:creationId xmlns:a16="http://schemas.microsoft.com/office/drawing/2014/main" id="{A5D31B6A-D480-7341-D436-77DFF26DCDD4}"/>
+              </a:ext>
+            </a:extLst>
+          </p:cNvPr>
+          <p:cNvSpPr/>
+          <p:nvPr/>
+        </p:nvSpPr>
+        <p:spPr>
+          <a:xfrm>
+            <a:off x="695770" y="3473253"/>
+            <a:ext cx="2752107" cy="795780"/>
+          </a:xfrm>
+          <a:prstGeom prst="rect">
+            <a:avLst/>
+          </a:prstGeom>
+          <a:solidFill>
+            <a:schemeClr val="accent2">
+              <a:lumMod val="20000"/>
+              <a:lumOff val="80000"/>
+            </a:schemeClr>
+          </a:solidFill>
+          <a:ln>
+            <a:solidFill>
+              <a:srgbClr val="C00000"/>
+            </a:solidFill>
+          </a:ln>
+        </p:spPr>
+        <p:style>
+          <a:lnRef idx="2">
+            <a:schemeClr val="accent1">
+              <a:shade val="15000"/>
+            </a:schemeClr>
+          </a:lnRef>
+          <a:fillRef idx="1">
+            <a:schemeClr val="accent1"/>
+          </a:fillRef>
+          <a:effectRef idx="0">
+            <a:schemeClr val="accent1"/>
+          </a:effectRef>
+          <a:fontRef idx="minor">
+            <a:schemeClr val="lt1"/>
+          </a:fontRef>
+        </p:style>
+        <p:txBody>
+          <a:bodyPr rtlCol="0" anchor="ctr"/>
+          <a:lstStyle/>
+          <a:p>
+            <a:pPr algn="ctr"/>
+            <a:endParaRPr lang="en-SG" dirty="0"/>
+          </a:p>
+        </p:txBody>
+      </p:sp>
+      <p:pic>
+        <p:nvPicPr>
+          <p:cNvPr id="26" name="Picture 25">
+            <a:extLst>
+              <a:ext uri="{FF2B5EF4-FFF2-40B4-BE49-F238E27FC236}">
+                <a16:creationId xmlns:a16="http://schemas.microsoft.com/office/drawing/2014/main" id="{17C64FF3-B18D-1CDA-65D8-EC0F436E48DA}"/>
+              </a:ext>
+            </a:extLst>
+          </p:cNvPr>
+          <p:cNvPicPr>
+            <a:picLocks noChangeAspect="1"/>
+          </p:cNvPicPr>
+          <p:nvPr/>
+        </p:nvPicPr>
+        <p:blipFill>
+          <a:blip r:embed="rId9">
+            <a:duotone>
+              <a:schemeClr val="accent2">
+                <a:shade val="45000"/>
+                <a:satMod val="135000"/>
+              </a:schemeClr>
+              <a:prstClr val="white"/>
+            </a:duotone>
+          </a:blip>
+          <a:stretch>
+            <a:fillRect/>
+          </a:stretch>
+        </p:blipFill>
+        <p:spPr>
+          <a:xfrm>
+            <a:off x="780555" y="3555868"/>
+            <a:ext cx="388318" cy="387556"/>
+          </a:xfrm>
+          <a:prstGeom prst="rect">
+            <a:avLst/>
+          </a:prstGeom>
+          <a:ln w="6350">
+            <a:solidFill>
+              <a:schemeClr val="tx1"/>
+            </a:solidFill>
+          </a:ln>
+        </p:spPr>
+      </p:pic>
+      <p:sp>
+        <p:nvSpPr>
+          <p:cNvPr id="27" name="TextBox 26">
+            <a:extLst>
+              <a:ext uri="{FF2B5EF4-FFF2-40B4-BE49-F238E27FC236}">
+                <a16:creationId xmlns:a16="http://schemas.microsoft.com/office/drawing/2014/main" id="{D20B9DB8-D03A-A8E1-F18A-AB4F130A1B00}"/>
+              </a:ext>
+            </a:extLst>
+          </p:cNvPr>
+          <p:cNvSpPr txBox="1"/>
+          <p:nvPr/>
+        </p:nvSpPr>
+        <p:spPr>
+          <a:xfrm>
+            <a:off x="650495" y="3918025"/>
+            <a:ext cx="693847" cy="400110"/>
+          </a:xfrm>
+          <a:prstGeom prst="rect">
+            <a:avLst/>
+          </a:prstGeom>
+          <a:noFill/>
+        </p:spPr>
+        <p:txBody>
+          <a:bodyPr wrap="square" rtlCol="0">
+            <a:spAutoFit/>
+          </a:bodyPr>
+          <a:lstStyle/>
+          <a:p>
+            <a:r>
+              <a:rPr lang="en-SG" sz="1000" b="1" dirty="0">
+                <a:solidFill>
+                  <a:srgbClr val="C00000"/>
+                </a:solidFill>
+              </a:rPr>
+              <a:t>Network scan</a:t>
+            </a:r>
+          </a:p>
+        </p:txBody>
+      </p:sp>
+      <p:pic>
+        <p:nvPicPr>
+          <p:cNvPr id="28" name="Picture 27">
+            <a:extLst>
+              <a:ext uri="{FF2B5EF4-FFF2-40B4-BE49-F238E27FC236}">
+                <a16:creationId xmlns:a16="http://schemas.microsoft.com/office/drawing/2014/main" id="{78D4E9F6-CB2E-2BEE-442D-0459BF983F1B}"/>
+              </a:ext>
+            </a:extLst>
+          </p:cNvPr>
+          <p:cNvPicPr>
+            <a:picLocks noChangeAspect="1"/>
+          </p:cNvPicPr>
+          <p:nvPr/>
+        </p:nvPicPr>
+        <p:blipFill>
+          <a:blip r:embed="rId10"/>
+          <a:stretch>
+            <a:fillRect/>
+          </a:stretch>
+        </p:blipFill>
+        <p:spPr>
+          <a:xfrm>
+            <a:off x="1338370" y="3547720"/>
+            <a:ext cx="388318" cy="403851"/>
+          </a:xfrm>
+          <a:prstGeom prst="rect">
+            <a:avLst/>
+          </a:prstGeom>
+          <a:ln w="6350">
+            <a:solidFill>
+              <a:schemeClr val="tx1"/>
+            </a:solidFill>
+          </a:ln>
+        </p:spPr>
+      </p:pic>
+      <p:sp>
+        <p:nvSpPr>
+          <p:cNvPr id="29" name="TextBox 28">
+            <a:extLst>
+              <a:ext uri="{FF2B5EF4-FFF2-40B4-BE49-F238E27FC236}">
+                <a16:creationId xmlns:a16="http://schemas.microsoft.com/office/drawing/2014/main" id="{1725C31D-6495-C4C6-F3A5-C9E25D5756AA}"/>
+              </a:ext>
+            </a:extLst>
+          </p:cNvPr>
+          <p:cNvSpPr txBox="1"/>
+          <p:nvPr/>
+        </p:nvSpPr>
+        <p:spPr>
+          <a:xfrm>
+            <a:off x="1217063" y="3913027"/>
+            <a:ext cx="693847" cy="400110"/>
+          </a:xfrm>
+          <a:prstGeom prst="rect">
+            <a:avLst/>
+          </a:prstGeom>
+          <a:noFill/>
+        </p:spPr>
+        <p:txBody>
+          <a:bodyPr wrap="square" rtlCol="0">
+            <a:spAutoFit/>
+          </a:bodyPr>
+          <a:lstStyle/>
+          <a:p>
+            <a:r>
+              <a:rPr lang="en-SG" sz="1000" b="1" dirty="0">
+                <a:solidFill>
+                  <a:srgbClr val="C00000"/>
+                </a:solidFill>
+              </a:rPr>
+              <a:t>Service probe</a:t>
+            </a:r>
+          </a:p>
+        </p:txBody>
+      </p:sp>
+      <p:pic>
+        <p:nvPicPr>
+          <p:cNvPr id="30" name="Picture 29" descr="Screenshot icon - Free download on Iconfinder">
+            <a:extLst>
+              <a:ext uri="{FF2B5EF4-FFF2-40B4-BE49-F238E27FC236}">
+                <a16:creationId xmlns:a16="http://schemas.microsoft.com/office/drawing/2014/main" id="{C5AC4FD3-A27B-7473-3029-5404D499D320}"/>
+              </a:ext>
+            </a:extLst>
+          </p:cNvPr>
+          <p:cNvPicPr>
+            <a:picLocks noChangeAspect="1"/>
+          </p:cNvPicPr>
+          <p:nvPr/>
+        </p:nvPicPr>
+        <p:blipFill>
+          <a:blip r:embed="rId11"/>
+          <a:stretch>
+            <a:fillRect/>
+          </a:stretch>
+        </p:blipFill>
+        <p:spPr>
+          <a:xfrm>
+            <a:off x="2405838" y="3539825"/>
+            <a:ext cx="406716" cy="396536"/>
+          </a:xfrm>
+          <a:prstGeom prst="rect">
+            <a:avLst/>
+          </a:prstGeom>
+          <a:ln w="6350">
+            <a:solidFill>
+              <a:schemeClr val="tx1"/>
+            </a:solidFill>
+          </a:ln>
+        </p:spPr>
+      </p:pic>
+      <p:sp>
+        <p:nvSpPr>
+          <p:cNvPr id="31" name="TextBox 30">
+            <a:extLst>
+              <a:ext uri="{FF2B5EF4-FFF2-40B4-BE49-F238E27FC236}">
+                <a16:creationId xmlns:a16="http://schemas.microsoft.com/office/drawing/2014/main" id="{EAB74AD5-9BDD-CDE9-E683-BF06E1F4CB26}"/>
+              </a:ext>
+            </a:extLst>
+          </p:cNvPr>
+          <p:cNvSpPr txBox="1"/>
+          <p:nvPr/>
+        </p:nvSpPr>
+        <p:spPr>
+          <a:xfrm>
+            <a:off x="2309216" y="3904307"/>
+            <a:ext cx="693847" cy="400110"/>
+          </a:xfrm>
+          <a:prstGeom prst="rect">
+            <a:avLst/>
+          </a:prstGeom>
+          <a:noFill/>
+        </p:spPr>
+        <p:txBody>
+          <a:bodyPr wrap="square" rtlCol="0">
+            <a:spAutoFit/>
+          </a:bodyPr>
+          <a:lstStyle/>
+          <a:p>
+            <a:r>
+              <a:rPr lang="en-SG" sz="1000" b="1" dirty="0">
+                <a:solidFill>
+                  <a:srgbClr val="C00000"/>
+                </a:solidFill>
+              </a:rPr>
+              <a:t>Screen record </a:t>
+            </a:r>
+          </a:p>
+        </p:txBody>
+      </p:sp>
+      <p:pic>
+        <p:nvPicPr>
+          <p:cNvPr id="32" name="Picture 31">
+            <a:extLst>
+              <a:ext uri="{FF2B5EF4-FFF2-40B4-BE49-F238E27FC236}">
+                <a16:creationId xmlns:a16="http://schemas.microsoft.com/office/drawing/2014/main" id="{953500D6-3BF0-9411-97E2-EE69E3F61BD7}"/>
+              </a:ext>
+            </a:extLst>
+          </p:cNvPr>
+          <p:cNvPicPr>
+            <a:picLocks noChangeAspect="1"/>
+          </p:cNvPicPr>
+          <p:nvPr/>
+        </p:nvPicPr>
+        <p:blipFill>
+          <a:blip r:embed="rId12"/>
+          <a:stretch>
+            <a:fillRect/>
+          </a:stretch>
+        </p:blipFill>
+        <p:spPr>
+          <a:xfrm>
+            <a:off x="1825357" y="3536708"/>
+            <a:ext cx="406716" cy="406716"/>
+          </a:xfrm>
+          <a:prstGeom prst="rect">
+            <a:avLst/>
+          </a:prstGeom>
+        </p:spPr>
+      </p:pic>
+      <p:sp>
+        <p:nvSpPr>
+          <p:cNvPr id="33" name="TextBox 32">
+            <a:extLst>
+              <a:ext uri="{FF2B5EF4-FFF2-40B4-BE49-F238E27FC236}">
+                <a16:creationId xmlns:a16="http://schemas.microsoft.com/office/drawing/2014/main" id="{ECDBE78C-528B-42C9-6E11-26705DEAD0F7}"/>
+              </a:ext>
+            </a:extLst>
+          </p:cNvPr>
+          <p:cNvSpPr txBox="1"/>
+          <p:nvPr/>
+        </p:nvSpPr>
+        <p:spPr>
+          <a:xfrm>
+            <a:off x="1732811" y="3904307"/>
+            <a:ext cx="759523" cy="400110"/>
+          </a:xfrm>
+          <a:prstGeom prst="rect">
+            <a:avLst/>
+          </a:prstGeom>
+          <a:noFill/>
+        </p:spPr>
+        <p:txBody>
+          <a:bodyPr wrap="square" rtlCol="0">
+            <a:spAutoFit/>
+          </a:bodyPr>
+          <a:lstStyle/>
+          <a:p>
+            <a:r>
+              <a:rPr lang="en-SG" sz="1000" b="1" dirty="0">
+                <a:solidFill>
+                  <a:srgbClr val="C00000"/>
+                </a:solidFill>
+              </a:rPr>
+              <a:t>Traffic mirroring</a:t>
+            </a:r>
+          </a:p>
+        </p:txBody>
+      </p:sp>
+      <p:pic>
+        <p:nvPicPr>
+          <p:cNvPr id="34" name="Picture 33" descr="1,451 Keylogger Images, Stock Photos, 3D objects, &amp; Vectors | Shutterstock">
+            <a:extLst>
+              <a:ext uri="{FF2B5EF4-FFF2-40B4-BE49-F238E27FC236}">
+                <a16:creationId xmlns:a16="http://schemas.microsoft.com/office/drawing/2014/main" id="{B1C6F341-42E8-E4E3-6F4D-61CFF22F8F8E}"/>
+              </a:ext>
+            </a:extLst>
+          </p:cNvPr>
+          <p:cNvPicPr>
+            <a:picLocks noChangeAspect="1"/>
+          </p:cNvPicPr>
+          <p:nvPr/>
+        </p:nvPicPr>
+        <p:blipFill rotWithShape="1">
+          <a:blip r:embed="rId13"/>
+          <a:srcRect l="25208" t="25614" r="26720" b="47193"/>
+          <a:stretch/>
+        </p:blipFill>
+        <p:spPr>
+          <a:xfrm>
+            <a:off x="2923289" y="3552404"/>
+            <a:ext cx="413852" cy="383957"/>
+          </a:xfrm>
+          <a:prstGeom prst="rect">
+            <a:avLst/>
+          </a:prstGeom>
+          <a:ln w="6350">
+            <a:solidFill>
+              <a:schemeClr val="tx1"/>
+            </a:solidFill>
+          </a:ln>
+        </p:spPr>
+      </p:pic>
+      <p:sp>
+        <p:nvSpPr>
+          <p:cNvPr id="35" name="TextBox 34">
+            <a:extLst>
+              <a:ext uri="{FF2B5EF4-FFF2-40B4-BE49-F238E27FC236}">
+                <a16:creationId xmlns:a16="http://schemas.microsoft.com/office/drawing/2014/main" id="{AEA85081-8966-05FB-769C-F935ECBFA27E}"/>
+              </a:ext>
+            </a:extLst>
+          </p:cNvPr>
+          <p:cNvSpPr txBox="1"/>
+          <p:nvPr/>
+        </p:nvSpPr>
+        <p:spPr>
+          <a:xfrm>
+            <a:off x="2790341" y="3904307"/>
+            <a:ext cx="759523" cy="400110"/>
+          </a:xfrm>
+          <a:prstGeom prst="rect">
+            <a:avLst/>
+          </a:prstGeom>
+          <a:noFill/>
+        </p:spPr>
+        <p:txBody>
+          <a:bodyPr wrap="square" rtlCol="0">
+            <a:spAutoFit/>
+          </a:bodyPr>
+          <a:lstStyle/>
+          <a:p>
+            <a:r>
+              <a:rPr lang="en-SG" sz="1000" b="1" dirty="0">
+                <a:solidFill>
+                  <a:srgbClr val="C00000"/>
+                </a:solidFill>
+              </a:rPr>
+              <a:t>Keyboard logging</a:t>
+            </a:r>
+          </a:p>
+        </p:txBody>
+      </p:sp>
+      <p:sp>
+        <p:nvSpPr>
+          <p:cNvPr id="36" name="Rectangle 35">
+            <a:extLst>
+              <a:ext uri="{FF2B5EF4-FFF2-40B4-BE49-F238E27FC236}">
+                <a16:creationId xmlns:a16="http://schemas.microsoft.com/office/drawing/2014/main" id="{643A20BA-FDC6-2857-B9BF-E5B6234C4EEE}"/>
+              </a:ext>
+            </a:extLst>
+          </p:cNvPr>
+          <p:cNvSpPr/>
+          <p:nvPr/>
+        </p:nvSpPr>
+        <p:spPr>
+          <a:xfrm>
+            <a:off x="703020" y="4595878"/>
+            <a:ext cx="2752107" cy="795780"/>
+          </a:xfrm>
+          <a:prstGeom prst="rect">
+            <a:avLst/>
+          </a:prstGeom>
+          <a:solidFill>
+            <a:schemeClr val="accent2">
+              <a:lumMod val="20000"/>
+              <a:lumOff val="80000"/>
+            </a:schemeClr>
+          </a:solidFill>
+          <a:ln>
+            <a:solidFill>
+              <a:srgbClr val="C00000"/>
+            </a:solidFill>
+          </a:ln>
+        </p:spPr>
+        <p:style>
+          <a:lnRef idx="2">
+            <a:schemeClr val="accent1">
+              <a:shade val="15000"/>
+            </a:schemeClr>
+          </a:lnRef>
+          <a:fillRef idx="1">
+            <a:schemeClr val="accent1"/>
+          </a:fillRef>
+          <a:effectRef idx="0">
+            <a:schemeClr val="accent1"/>
+          </a:effectRef>
+          <a:fontRef idx="minor">
+            <a:schemeClr val="lt1"/>
+          </a:fontRef>
+        </p:style>
+        <p:txBody>
+          <a:bodyPr rtlCol="0" anchor="ctr"/>
+          <a:lstStyle/>
+          <a:p>
+            <a:pPr algn="ctr"/>
+            <a:endParaRPr lang="en-SG" dirty="0"/>
+          </a:p>
+        </p:txBody>
+      </p:sp>
+      <p:sp>
+        <p:nvSpPr>
+          <p:cNvPr id="37" name="TextBox 36">
+            <a:extLst>
+              <a:ext uri="{FF2B5EF4-FFF2-40B4-BE49-F238E27FC236}">
+                <a16:creationId xmlns:a16="http://schemas.microsoft.com/office/drawing/2014/main" id="{06AF9D99-DC24-FA3B-B02C-6067070D732B}"/>
+              </a:ext>
+            </a:extLst>
+          </p:cNvPr>
+          <p:cNvSpPr txBox="1"/>
+          <p:nvPr/>
+        </p:nvSpPr>
+        <p:spPr>
+          <a:xfrm>
+            <a:off x="603441" y="4312200"/>
+            <a:ext cx="2494844" cy="276999"/>
+          </a:xfrm>
+          <a:prstGeom prst="rect">
+            <a:avLst/>
+          </a:prstGeom>
+          <a:noFill/>
+        </p:spPr>
+        <p:txBody>
+          <a:bodyPr wrap="square" rtlCol="0">
+            <a:spAutoFit/>
+          </a:bodyPr>
+          <a:lstStyle/>
+          <a:p>
+            <a:r>
+              <a:rPr lang="en-SG" sz="1200" b="1" dirty="0"/>
+              <a:t>Denial of Service Module</a:t>
+            </a:r>
+          </a:p>
+        </p:txBody>
+      </p:sp>
+      <p:pic>
+        <p:nvPicPr>
+          <p:cNvPr id="38" name="Picture 37">
+            <a:extLst>
+              <a:ext uri="{FF2B5EF4-FFF2-40B4-BE49-F238E27FC236}">
+                <a16:creationId xmlns:a16="http://schemas.microsoft.com/office/drawing/2014/main" id="{84637AA3-9E2F-9787-7C62-7633FD77510B}"/>
+              </a:ext>
+            </a:extLst>
+          </p:cNvPr>
+          <p:cNvPicPr>
+            <a:picLocks noChangeAspect="1"/>
+          </p:cNvPicPr>
+          <p:nvPr/>
+        </p:nvPicPr>
+        <p:blipFill rotWithShape="1">
+          <a:blip r:embed="rId14"/>
+          <a:srcRect l="5536"/>
+          <a:stretch/>
+        </p:blipFill>
+        <p:spPr>
+          <a:xfrm>
+            <a:off x="780555" y="4692304"/>
+            <a:ext cx="388318" cy="375209"/>
+          </a:xfrm>
+          <a:prstGeom prst="rect">
+            <a:avLst/>
+          </a:prstGeom>
+        </p:spPr>
+      </p:pic>
+      <p:sp>
+        <p:nvSpPr>
+          <p:cNvPr id="39" name="TextBox 38">
+            <a:extLst>
+              <a:ext uri="{FF2B5EF4-FFF2-40B4-BE49-F238E27FC236}">
+                <a16:creationId xmlns:a16="http://schemas.microsoft.com/office/drawing/2014/main" id="{63EE1F63-C43E-73BA-91EE-CE326B44B8D7}"/>
+              </a:ext>
+            </a:extLst>
+          </p:cNvPr>
+          <p:cNvSpPr txBox="1"/>
+          <p:nvPr/>
+        </p:nvSpPr>
+        <p:spPr>
+          <a:xfrm>
+            <a:off x="678259" y="5004797"/>
+            <a:ext cx="693847" cy="400110"/>
+          </a:xfrm>
+          <a:prstGeom prst="rect">
+            <a:avLst/>
+          </a:prstGeom>
+          <a:noFill/>
+        </p:spPr>
+        <p:txBody>
+          <a:bodyPr wrap="square" rtlCol="0">
+            <a:spAutoFit/>
+          </a:bodyPr>
+          <a:lstStyle/>
+          <a:p>
+            <a:r>
+              <a:rPr lang="en-SG" sz="1000" b="1" dirty="0">
+                <a:solidFill>
+                  <a:srgbClr val="C00000"/>
+                </a:solidFill>
+              </a:rPr>
+              <a:t>ARP spoofing</a:t>
+            </a:r>
+          </a:p>
+        </p:txBody>
+      </p:sp>
+      <p:pic>
+        <p:nvPicPr>
+          <p:cNvPr id="40" name="Picture 39">
+            <a:extLst>
+              <a:ext uri="{FF2B5EF4-FFF2-40B4-BE49-F238E27FC236}">
+                <a16:creationId xmlns:a16="http://schemas.microsoft.com/office/drawing/2014/main" id="{6385DC04-B6F3-D6C7-644B-2A14DD570BAB}"/>
+              </a:ext>
+            </a:extLst>
+          </p:cNvPr>
+          <p:cNvPicPr>
+            <a:picLocks noChangeAspect="1"/>
+          </p:cNvPicPr>
+          <p:nvPr/>
+        </p:nvPicPr>
+        <p:blipFill>
+          <a:blip r:embed="rId15"/>
+          <a:stretch>
+            <a:fillRect/>
+          </a:stretch>
+        </p:blipFill>
+        <p:spPr>
+          <a:xfrm>
+            <a:off x="1328107" y="4685162"/>
+            <a:ext cx="388318" cy="375209"/>
+          </a:xfrm>
+          <a:prstGeom prst="rect">
+            <a:avLst/>
+          </a:prstGeom>
+          <a:ln w="9525">
+            <a:solidFill>
+              <a:schemeClr val="tx1"/>
+            </a:solidFill>
+          </a:ln>
+        </p:spPr>
+      </p:pic>
+      <p:sp>
+        <p:nvSpPr>
+          <p:cNvPr id="41" name="TextBox 40">
+            <a:extLst>
+              <a:ext uri="{FF2B5EF4-FFF2-40B4-BE49-F238E27FC236}">
+                <a16:creationId xmlns:a16="http://schemas.microsoft.com/office/drawing/2014/main" id="{B93F4560-3030-0146-2809-5CBBA566FCF0}"/>
+              </a:ext>
+            </a:extLst>
+          </p:cNvPr>
+          <p:cNvSpPr txBox="1"/>
+          <p:nvPr/>
+        </p:nvSpPr>
+        <p:spPr>
+          <a:xfrm>
+            <a:off x="1272868" y="5047541"/>
+            <a:ext cx="693847" cy="246221"/>
+          </a:xfrm>
+          <a:prstGeom prst="rect">
+            <a:avLst/>
+          </a:prstGeom>
+          <a:noFill/>
+        </p:spPr>
+        <p:txBody>
+          <a:bodyPr wrap="square" rtlCol="0">
+            <a:spAutoFit/>
+          </a:bodyPr>
+          <a:lstStyle/>
+          <a:p>
+            <a:r>
+              <a:rPr lang="en-SG" sz="1000" b="1" dirty="0">
+                <a:solidFill>
+                  <a:srgbClr val="C00000"/>
+                </a:solidFill>
+              </a:rPr>
+              <a:t>MITM</a:t>
+            </a:r>
+          </a:p>
+        </p:txBody>
+      </p:sp>
+      <p:pic>
+        <p:nvPicPr>
+          <p:cNvPr id="42" name="Picture 41" descr="DDoS protection - iIT Distribution">
+            <a:extLst>
+              <a:ext uri="{FF2B5EF4-FFF2-40B4-BE49-F238E27FC236}">
+                <a16:creationId xmlns:a16="http://schemas.microsoft.com/office/drawing/2014/main" id="{97DC5FCB-0235-C7DA-4F5C-B4E85CA214E3}"/>
+              </a:ext>
+            </a:extLst>
+          </p:cNvPr>
+          <p:cNvPicPr>
+            <a:picLocks noChangeAspect="1"/>
+          </p:cNvPicPr>
+          <p:nvPr/>
+        </p:nvPicPr>
+        <p:blipFill rotWithShape="1">
+          <a:blip r:embed="rId16"/>
+          <a:srcRect l="6437" t="1122" r="7000" b="-1677"/>
+          <a:stretch/>
+        </p:blipFill>
+        <p:spPr>
+          <a:xfrm>
+            <a:off x="1854938" y="4677293"/>
+            <a:ext cx="366571" cy="399605"/>
+          </a:xfrm>
+          <a:prstGeom prst="rect">
+            <a:avLst/>
+          </a:prstGeom>
+          <a:ln w="6350">
+            <a:solidFill>
+              <a:schemeClr val="tx1"/>
+            </a:solidFill>
+          </a:ln>
+        </p:spPr>
+      </p:pic>
+      <p:sp>
+        <p:nvSpPr>
+          <p:cNvPr id="43" name="TextBox 42">
+            <a:extLst>
+              <a:ext uri="{FF2B5EF4-FFF2-40B4-BE49-F238E27FC236}">
+                <a16:creationId xmlns:a16="http://schemas.microsoft.com/office/drawing/2014/main" id="{48FC7895-9BFB-80D9-764A-ECFCFEE80532}"/>
+              </a:ext>
+            </a:extLst>
+          </p:cNvPr>
+          <p:cNvSpPr txBox="1"/>
+          <p:nvPr/>
+        </p:nvSpPr>
+        <p:spPr>
+          <a:xfrm>
+            <a:off x="1765649" y="5050760"/>
+            <a:ext cx="543568" cy="246221"/>
+          </a:xfrm>
+          <a:prstGeom prst="rect">
+            <a:avLst/>
+          </a:prstGeom>
+          <a:noFill/>
+        </p:spPr>
+        <p:txBody>
+          <a:bodyPr wrap="square" rtlCol="0">
+            <a:spAutoFit/>
+          </a:bodyPr>
+          <a:lstStyle/>
+          <a:p>
+            <a:r>
+              <a:rPr lang="en-SG" sz="1000" b="1" dirty="0">
+                <a:solidFill>
+                  <a:srgbClr val="C00000"/>
+                </a:solidFill>
+              </a:rPr>
+              <a:t>DDoS</a:t>
+            </a:r>
+          </a:p>
+        </p:txBody>
+      </p:sp>
+      <p:pic>
+        <p:nvPicPr>
+          <p:cNvPr id="44" name="Picture 43" descr="Trojan horse malware virus computer sign isolated on white background.  Vector illustration cyber crime online security concept. Stock Vector |  Adobe Stock">
+            <a:extLst>
+              <a:ext uri="{FF2B5EF4-FFF2-40B4-BE49-F238E27FC236}">
+                <a16:creationId xmlns:a16="http://schemas.microsoft.com/office/drawing/2014/main" id="{AE9CAE2E-2AAD-FB4C-2203-2D0A147E05BA}"/>
+              </a:ext>
+            </a:extLst>
+          </p:cNvPr>
+          <p:cNvPicPr>
+            <a:picLocks noChangeAspect="1"/>
+          </p:cNvPicPr>
+          <p:nvPr/>
+        </p:nvPicPr>
+        <p:blipFill rotWithShape="1">
+          <a:blip r:embed="rId17"/>
+          <a:srcRect l="4301" t="4301" r="4227" b="4301"/>
+          <a:stretch/>
+        </p:blipFill>
+        <p:spPr>
+          <a:xfrm>
+            <a:off x="1974372" y="2408097"/>
+            <a:ext cx="369719" cy="371466"/>
+          </a:xfrm>
+          <a:prstGeom prst="rect">
+            <a:avLst/>
+          </a:prstGeom>
+          <a:ln w="6350">
+            <a:solidFill>
+              <a:schemeClr val="tx1"/>
+            </a:solidFill>
+          </a:ln>
+        </p:spPr>
+      </p:pic>
+      <p:pic>
+        <p:nvPicPr>
+          <p:cNvPr id="45" name="Picture 44">
+            <a:extLst>
+              <a:ext uri="{FF2B5EF4-FFF2-40B4-BE49-F238E27FC236}">
+                <a16:creationId xmlns:a16="http://schemas.microsoft.com/office/drawing/2014/main" id="{D9F2CF80-4A2C-5EAE-76A2-34F779E93F36}"/>
+              </a:ext>
+            </a:extLst>
+          </p:cNvPr>
+          <p:cNvPicPr>
+            <a:picLocks noChangeAspect="1"/>
+          </p:cNvPicPr>
+          <p:nvPr/>
+        </p:nvPicPr>
+        <p:blipFill>
+          <a:blip r:embed="rId18">
+            <a:alphaModFix amt="70000"/>
+          </a:blip>
+          <a:stretch>
+            <a:fillRect/>
+          </a:stretch>
+        </p:blipFill>
+        <p:spPr>
+          <a:xfrm>
+            <a:off x="2384626" y="4692304"/>
+            <a:ext cx="375209" cy="375209"/>
+          </a:xfrm>
+          <a:prstGeom prst="rect">
+            <a:avLst/>
+          </a:prstGeom>
+          <a:ln w="12700">
+            <a:solidFill>
+              <a:schemeClr val="tx1"/>
+            </a:solidFill>
+          </a:ln>
+        </p:spPr>
+      </p:pic>
+      <p:sp>
+        <p:nvSpPr>
+          <p:cNvPr id="46" name="Multiplication Sign 45">
+            <a:extLst>
+              <a:ext uri="{FF2B5EF4-FFF2-40B4-BE49-F238E27FC236}">
+                <a16:creationId xmlns:a16="http://schemas.microsoft.com/office/drawing/2014/main" id="{6612E8C9-67DE-462C-840E-A9110EF97C53}"/>
+              </a:ext>
+            </a:extLst>
+          </p:cNvPr>
+          <p:cNvSpPr/>
+          <p:nvPr/>
+        </p:nvSpPr>
+        <p:spPr>
+          <a:xfrm>
+            <a:off x="2428202" y="4735471"/>
+            <a:ext cx="265471" cy="284996"/>
+          </a:xfrm>
+          <a:prstGeom prst="mathMultiply">
+            <a:avLst/>
+          </a:prstGeom>
+          <a:noFill/>
+          <a:ln>
+            <a:solidFill>
+              <a:srgbClr val="C00000"/>
+            </a:solidFill>
+          </a:ln>
+        </p:spPr>
+        <p:style>
+          <a:lnRef idx="2">
+            <a:schemeClr val="accent1">
+              <a:shade val="15000"/>
+            </a:schemeClr>
+          </a:lnRef>
+          <a:fillRef idx="1">
+            <a:schemeClr val="accent1"/>
+          </a:fillRef>
+          <a:effectRef idx="0">
+            <a:schemeClr val="accent1"/>
+          </a:effectRef>
+          <a:fontRef idx="minor">
+            <a:schemeClr val="lt1"/>
+          </a:fontRef>
+        </p:style>
+        <p:txBody>
+          <a:bodyPr rtlCol="0" anchor="ctr"/>
+          <a:lstStyle/>
+          <a:p>
+            <a:pPr algn="ctr"/>
+            <a:endParaRPr lang="en-SG"/>
+          </a:p>
+        </p:txBody>
+      </p:sp>
+      <p:sp>
+        <p:nvSpPr>
+          <p:cNvPr id="47" name="TextBox 46">
+            <a:extLst>
+              <a:ext uri="{FF2B5EF4-FFF2-40B4-BE49-F238E27FC236}">
+                <a16:creationId xmlns:a16="http://schemas.microsoft.com/office/drawing/2014/main" id="{0E5F325C-A623-1510-AB15-FBFD6BDC2E32}"/>
+              </a:ext>
+            </a:extLst>
+          </p:cNvPr>
+          <p:cNvSpPr txBox="1"/>
+          <p:nvPr/>
+        </p:nvSpPr>
+        <p:spPr>
+          <a:xfrm>
+            <a:off x="2232073" y="5037386"/>
+            <a:ext cx="814533" cy="400110"/>
+          </a:xfrm>
+          <a:prstGeom prst="rect">
+            <a:avLst/>
+          </a:prstGeom>
+          <a:noFill/>
+        </p:spPr>
+        <p:txBody>
+          <a:bodyPr wrap="square" rtlCol="0">
+            <a:spAutoFit/>
+          </a:bodyPr>
+          <a:lstStyle/>
+          <a:p>
+            <a:r>
+              <a:rPr lang="en-SG" sz="1000" b="1" dirty="0">
+                <a:solidFill>
+                  <a:srgbClr val="C00000"/>
+                </a:solidFill>
+              </a:rPr>
+              <a:t>Hardware freeze</a:t>
+            </a:r>
+          </a:p>
+        </p:txBody>
+      </p:sp>
+      <p:sp>
+        <p:nvSpPr>
+          <p:cNvPr id="48" name="Rectangle 47">
+            <a:extLst>
+              <a:ext uri="{FF2B5EF4-FFF2-40B4-BE49-F238E27FC236}">
+                <a16:creationId xmlns:a16="http://schemas.microsoft.com/office/drawing/2014/main" id="{FC1CAD7A-36D4-7893-5F91-0DE01C8551D3}"/>
+              </a:ext>
+            </a:extLst>
+          </p:cNvPr>
+          <p:cNvSpPr/>
+          <p:nvPr/>
+        </p:nvSpPr>
+        <p:spPr>
+          <a:xfrm>
+            <a:off x="685880" y="5722623"/>
+            <a:ext cx="2752107" cy="795780"/>
+          </a:xfrm>
+          <a:prstGeom prst="rect">
+            <a:avLst/>
+          </a:prstGeom>
+          <a:solidFill>
+            <a:schemeClr val="accent2">
+              <a:lumMod val="20000"/>
+              <a:lumOff val="80000"/>
+            </a:schemeClr>
+          </a:solidFill>
+          <a:ln>
+            <a:solidFill>
+              <a:srgbClr val="C00000"/>
+            </a:solidFill>
+          </a:ln>
+        </p:spPr>
+        <p:style>
+          <a:lnRef idx="2">
+            <a:schemeClr val="accent1">
+              <a:shade val="15000"/>
+            </a:schemeClr>
+          </a:lnRef>
+          <a:fillRef idx="1">
+            <a:schemeClr val="accent1"/>
+          </a:fillRef>
+          <a:effectRef idx="0">
+            <a:schemeClr val="accent1"/>
+          </a:effectRef>
+          <a:fontRef idx="minor">
+            <a:schemeClr val="lt1"/>
+          </a:fontRef>
+        </p:style>
+        <p:txBody>
+          <a:bodyPr rtlCol="0" anchor="ctr"/>
+          <a:lstStyle/>
+          <a:p>
+            <a:pPr algn="ctr"/>
+            <a:endParaRPr lang="en-SG" dirty="0"/>
+          </a:p>
+        </p:txBody>
+      </p:sp>
+      <p:pic>
+        <p:nvPicPr>
+          <p:cNvPr id="49" name="Picture 48">
+            <a:extLst>
+              <a:ext uri="{FF2B5EF4-FFF2-40B4-BE49-F238E27FC236}">
+                <a16:creationId xmlns:a16="http://schemas.microsoft.com/office/drawing/2014/main" id="{4E4ED213-1B92-4DD3-8D1D-3A87557AA510}"/>
+              </a:ext>
+            </a:extLst>
+          </p:cNvPr>
+          <p:cNvPicPr>
+            <a:picLocks noChangeAspect="1"/>
+          </p:cNvPicPr>
+          <p:nvPr/>
+        </p:nvPicPr>
+        <p:blipFill>
+          <a:blip r:embed="rId19"/>
+          <a:stretch>
+            <a:fillRect/>
+          </a:stretch>
+        </p:blipFill>
+        <p:spPr>
+          <a:xfrm>
+            <a:off x="2924560" y="4670512"/>
+            <a:ext cx="421453" cy="384440"/>
+          </a:xfrm>
+          <a:prstGeom prst="rect">
+            <a:avLst/>
+          </a:prstGeom>
+        </p:spPr>
+      </p:pic>
+      <p:sp>
+        <p:nvSpPr>
+          <p:cNvPr id="50" name="TextBox 49">
+            <a:extLst>
+              <a:ext uri="{FF2B5EF4-FFF2-40B4-BE49-F238E27FC236}">
+                <a16:creationId xmlns:a16="http://schemas.microsoft.com/office/drawing/2014/main" id="{A874E311-1F9D-7043-EF1F-7B259FBF722A}"/>
+              </a:ext>
+            </a:extLst>
+          </p:cNvPr>
+          <p:cNvSpPr txBox="1"/>
+          <p:nvPr/>
+        </p:nvSpPr>
+        <p:spPr>
+          <a:xfrm>
+            <a:off x="2888517" y="5027074"/>
+            <a:ext cx="814533" cy="400110"/>
+          </a:xfrm>
+          <a:prstGeom prst="rect">
+            <a:avLst/>
+          </a:prstGeom>
+          <a:noFill/>
+        </p:spPr>
+        <p:txBody>
+          <a:bodyPr wrap="square" rtlCol="0">
+            <a:spAutoFit/>
+          </a:bodyPr>
+          <a:lstStyle/>
+          <a:p>
+            <a:r>
+              <a:rPr lang="en-SG" sz="1000" b="1" dirty="0">
+                <a:solidFill>
+                  <a:srgbClr val="C00000"/>
+                </a:solidFill>
+              </a:rPr>
+              <a:t>Packet block </a:t>
+            </a:r>
+          </a:p>
+        </p:txBody>
+      </p:sp>
+      <p:sp>
+        <p:nvSpPr>
+          <p:cNvPr id="51" name="TextBox 50">
+            <a:extLst>
+              <a:ext uri="{FF2B5EF4-FFF2-40B4-BE49-F238E27FC236}">
+                <a16:creationId xmlns:a16="http://schemas.microsoft.com/office/drawing/2014/main" id="{C26D6AE3-F89F-0F20-FF06-878838B80BFF}"/>
+              </a:ext>
+            </a:extLst>
+          </p:cNvPr>
+          <p:cNvSpPr txBox="1"/>
+          <p:nvPr/>
+        </p:nvSpPr>
+        <p:spPr>
+          <a:xfrm>
+            <a:off x="624034" y="5450701"/>
+            <a:ext cx="1912227" cy="276999"/>
+          </a:xfrm>
+          <a:prstGeom prst="rect">
+            <a:avLst/>
+          </a:prstGeom>
+          <a:noFill/>
+        </p:spPr>
+        <p:txBody>
+          <a:bodyPr wrap="square" rtlCol="0">
+            <a:spAutoFit/>
+          </a:bodyPr>
+          <a:lstStyle/>
+          <a:p>
+            <a:r>
+              <a:rPr lang="en-SG" sz="1200" b="1" dirty="0"/>
+              <a:t>Destruction Module </a:t>
+            </a:r>
+          </a:p>
+        </p:txBody>
+      </p:sp>
+      <p:pic>
+        <p:nvPicPr>
+          <p:cNvPr id="52" name="Picture 51">
+            <a:extLst>
+              <a:ext uri="{FF2B5EF4-FFF2-40B4-BE49-F238E27FC236}">
+                <a16:creationId xmlns:a16="http://schemas.microsoft.com/office/drawing/2014/main" id="{0BE077DD-64CE-0932-492D-3997CE5816C3}"/>
+              </a:ext>
+            </a:extLst>
+          </p:cNvPr>
+          <p:cNvPicPr>
+            <a:picLocks noChangeAspect="1"/>
+          </p:cNvPicPr>
+          <p:nvPr/>
+        </p:nvPicPr>
+        <p:blipFill>
+          <a:blip r:embed="rId20"/>
+          <a:stretch>
+            <a:fillRect/>
+          </a:stretch>
+        </p:blipFill>
+        <p:spPr>
+          <a:xfrm>
+            <a:off x="796282" y="5796594"/>
+            <a:ext cx="356863" cy="372962"/>
+          </a:xfrm>
+          <a:prstGeom prst="rect">
+            <a:avLst/>
+          </a:prstGeom>
+          <a:ln w="6350">
+            <a:solidFill>
+              <a:schemeClr val="tx1"/>
+            </a:solidFill>
+          </a:ln>
+        </p:spPr>
+      </p:pic>
+      <p:sp>
+        <p:nvSpPr>
+          <p:cNvPr id="53" name="TextBox 52">
+            <a:extLst>
+              <a:ext uri="{FF2B5EF4-FFF2-40B4-BE49-F238E27FC236}">
+                <a16:creationId xmlns:a16="http://schemas.microsoft.com/office/drawing/2014/main" id="{CD91BC69-533F-96DC-0222-050F9E0771A0}"/>
+              </a:ext>
+            </a:extLst>
+          </p:cNvPr>
+          <p:cNvSpPr txBox="1"/>
+          <p:nvPr/>
+        </p:nvSpPr>
+        <p:spPr>
+          <a:xfrm>
+            <a:off x="624035" y="6169556"/>
+            <a:ext cx="704072" cy="400110"/>
+          </a:xfrm>
+          <a:prstGeom prst="rect">
+            <a:avLst/>
+          </a:prstGeom>
+          <a:noFill/>
+        </p:spPr>
+        <p:txBody>
+          <a:bodyPr wrap="square" rtlCol="0">
+            <a:spAutoFit/>
+          </a:bodyPr>
+          <a:lstStyle/>
+          <a:p>
+            <a:r>
+              <a:rPr lang="en-SG" sz="1000" b="1" dirty="0">
+                <a:solidFill>
+                  <a:srgbClr val="C00000"/>
+                </a:solidFill>
+              </a:rPr>
+              <a:t>File-sys destruct</a:t>
+            </a:r>
+          </a:p>
+        </p:txBody>
+      </p:sp>
+      <p:pic>
+        <p:nvPicPr>
+          <p:cNvPr id="54" name="Picture 53">
+            <a:extLst>
+              <a:ext uri="{FF2B5EF4-FFF2-40B4-BE49-F238E27FC236}">
+                <a16:creationId xmlns:a16="http://schemas.microsoft.com/office/drawing/2014/main" id="{A1196D76-AF43-0D5B-F9A8-6B7EFBEA2D5C}"/>
+              </a:ext>
+            </a:extLst>
+          </p:cNvPr>
+          <p:cNvPicPr>
+            <a:picLocks noChangeAspect="1"/>
+          </p:cNvPicPr>
+          <p:nvPr/>
+        </p:nvPicPr>
+        <p:blipFill>
+          <a:blip r:embed="rId21"/>
+          <a:stretch>
+            <a:fillRect/>
+          </a:stretch>
+        </p:blipFill>
+        <p:spPr>
+          <a:xfrm>
+            <a:off x="1310975" y="5795477"/>
+            <a:ext cx="377056" cy="364626"/>
+          </a:xfrm>
+          <a:prstGeom prst="rect">
+            <a:avLst/>
+          </a:prstGeom>
+          <a:ln w="6350">
+            <a:solidFill>
+              <a:schemeClr val="tx1"/>
+            </a:solidFill>
+          </a:ln>
+        </p:spPr>
+      </p:pic>
+      <p:sp>
+        <p:nvSpPr>
+          <p:cNvPr id="55" name="TextBox 54">
+            <a:extLst>
+              <a:ext uri="{FF2B5EF4-FFF2-40B4-BE49-F238E27FC236}">
+                <a16:creationId xmlns:a16="http://schemas.microsoft.com/office/drawing/2014/main" id="{4CCA7EFC-D74D-3BAF-1AEF-9B947900D11A}"/>
+              </a:ext>
+            </a:extLst>
+          </p:cNvPr>
+          <p:cNvSpPr txBox="1"/>
+          <p:nvPr/>
+        </p:nvSpPr>
+        <p:spPr>
+          <a:xfrm>
+            <a:off x="1190538" y="6149550"/>
+            <a:ext cx="726900" cy="400110"/>
+          </a:xfrm>
+          <a:prstGeom prst="rect">
+            <a:avLst/>
+          </a:prstGeom>
+          <a:noFill/>
+        </p:spPr>
+        <p:txBody>
+          <a:bodyPr wrap="square" rtlCol="0">
+            <a:spAutoFit/>
+          </a:bodyPr>
+          <a:lstStyle/>
+          <a:p>
+            <a:r>
+              <a:rPr lang="en-SG" sz="1000" b="1" dirty="0">
+                <a:solidFill>
+                  <a:srgbClr val="C00000"/>
+                </a:solidFill>
+              </a:rPr>
+              <a:t>Malware</a:t>
+            </a:r>
+          </a:p>
+          <a:p>
+            <a:r>
+              <a:rPr lang="en-SG" sz="1000" b="1" dirty="0">
+                <a:solidFill>
+                  <a:srgbClr val="C00000"/>
+                </a:solidFill>
+              </a:rPr>
+              <a:t>injection </a:t>
+            </a:r>
+          </a:p>
+        </p:txBody>
+      </p:sp>
+      <p:pic>
+        <p:nvPicPr>
+          <p:cNvPr id="56" name="Picture 55">
+            <a:extLst>
+              <a:ext uri="{FF2B5EF4-FFF2-40B4-BE49-F238E27FC236}">
+                <a16:creationId xmlns:a16="http://schemas.microsoft.com/office/drawing/2014/main" id="{64B3CFF8-B9BB-6DBF-D91C-98BE4677F1B6}"/>
+              </a:ext>
+            </a:extLst>
+          </p:cNvPr>
+          <p:cNvPicPr>
+            <a:picLocks noChangeAspect="1"/>
+          </p:cNvPicPr>
+          <p:nvPr/>
+        </p:nvPicPr>
+        <p:blipFill>
+          <a:blip r:embed="rId22"/>
+          <a:stretch>
+            <a:fillRect/>
+          </a:stretch>
+        </p:blipFill>
+        <p:spPr>
+          <a:xfrm>
+            <a:off x="1835553" y="5794127"/>
+            <a:ext cx="421600" cy="384038"/>
+          </a:xfrm>
+          <a:prstGeom prst="rect">
+            <a:avLst/>
+          </a:prstGeom>
+          <a:ln w="9525">
+            <a:solidFill>
+              <a:schemeClr val="tx1"/>
+            </a:solidFill>
+          </a:ln>
+        </p:spPr>
+      </p:pic>
+      <p:sp>
+        <p:nvSpPr>
+          <p:cNvPr id="57" name="TextBox 56">
+            <a:extLst>
+              <a:ext uri="{FF2B5EF4-FFF2-40B4-BE49-F238E27FC236}">
+                <a16:creationId xmlns:a16="http://schemas.microsoft.com/office/drawing/2014/main" id="{C504CB83-7CA3-A5CB-B5DA-F0079FBB04AE}"/>
+              </a:ext>
+            </a:extLst>
+          </p:cNvPr>
+          <p:cNvSpPr txBox="1"/>
+          <p:nvPr/>
+        </p:nvSpPr>
+        <p:spPr>
+          <a:xfrm>
+            <a:off x="1845861" y="6158235"/>
+            <a:ext cx="538765" cy="400110"/>
+          </a:xfrm>
+          <a:prstGeom prst="rect">
+            <a:avLst/>
+          </a:prstGeom>
+          <a:noFill/>
+        </p:spPr>
+        <p:txBody>
+          <a:bodyPr wrap="square" rtlCol="0">
+            <a:spAutoFit/>
+          </a:bodyPr>
+          <a:lstStyle/>
+          <a:p>
+            <a:r>
+              <a:rPr lang="en-SG" sz="1000" b="1" dirty="0">
+                <a:solidFill>
+                  <a:srgbClr val="C00000"/>
+                </a:solidFill>
+              </a:rPr>
+              <a:t>FDI FCI</a:t>
+            </a:r>
+          </a:p>
+        </p:txBody>
+      </p:sp>
+      <p:pic>
+        <p:nvPicPr>
+          <p:cNvPr id="58" name="Picture 57">
+            <a:extLst>
+              <a:ext uri="{FF2B5EF4-FFF2-40B4-BE49-F238E27FC236}">
+                <a16:creationId xmlns:a16="http://schemas.microsoft.com/office/drawing/2014/main" id="{4048076A-154B-A786-73BE-2D8676101E0D}"/>
+              </a:ext>
+            </a:extLst>
+          </p:cNvPr>
+          <p:cNvPicPr>
+            <a:picLocks noChangeAspect="1"/>
+          </p:cNvPicPr>
+          <p:nvPr/>
+        </p:nvPicPr>
+        <p:blipFill>
+          <a:blip r:embed="rId23"/>
+          <a:stretch>
+            <a:fillRect/>
+          </a:stretch>
+        </p:blipFill>
+        <p:spPr>
+          <a:xfrm>
+            <a:off x="2353542" y="5776126"/>
+            <a:ext cx="391831" cy="400110"/>
+          </a:xfrm>
+          <a:prstGeom prst="rect">
+            <a:avLst/>
+          </a:prstGeom>
+          <a:ln w="9525">
+            <a:solidFill>
+              <a:schemeClr val="tx1"/>
+            </a:solidFill>
+          </a:ln>
+        </p:spPr>
+      </p:pic>
+      <p:sp>
+        <p:nvSpPr>
+          <p:cNvPr id="59" name="TextBox 58">
+            <a:extLst>
+              <a:ext uri="{FF2B5EF4-FFF2-40B4-BE49-F238E27FC236}">
+                <a16:creationId xmlns:a16="http://schemas.microsoft.com/office/drawing/2014/main" id="{37B05E3A-DB67-C4BA-89A3-D2537A4D5F2E}"/>
+              </a:ext>
+            </a:extLst>
+          </p:cNvPr>
+          <p:cNvSpPr txBox="1"/>
+          <p:nvPr/>
+        </p:nvSpPr>
+        <p:spPr>
+          <a:xfrm>
+            <a:off x="2163265" y="6161132"/>
+            <a:ext cx="779617" cy="400110"/>
+          </a:xfrm>
+          <a:prstGeom prst="rect">
+            <a:avLst/>
+          </a:prstGeom>
+          <a:noFill/>
+        </p:spPr>
+        <p:txBody>
+          <a:bodyPr wrap="square" rtlCol="0">
+            <a:spAutoFit/>
+          </a:bodyPr>
+          <a:lstStyle/>
+          <a:p>
+            <a:r>
+              <a:rPr lang="en-SG" sz="1000" b="1" dirty="0">
+                <a:solidFill>
+                  <a:srgbClr val="C00000"/>
+                </a:solidFill>
+              </a:rPr>
+              <a:t>Malware watchdog</a:t>
+            </a:r>
+          </a:p>
+        </p:txBody>
+      </p:sp>
+      <p:pic>
+        <p:nvPicPr>
+          <p:cNvPr id="60" name="Picture 59">
+            <a:extLst>
+              <a:ext uri="{FF2B5EF4-FFF2-40B4-BE49-F238E27FC236}">
+                <a16:creationId xmlns:a16="http://schemas.microsoft.com/office/drawing/2014/main" id="{21851D15-7734-7A97-F5E5-22C3FAA5B6A9}"/>
+              </a:ext>
+            </a:extLst>
+          </p:cNvPr>
+          <p:cNvPicPr>
+            <a:picLocks noChangeAspect="1"/>
+          </p:cNvPicPr>
+          <p:nvPr/>
+        </p:nvPicPr>
+        <p:blipFill>
+          <a:blip r:embed="rId24"/>
+          <a:stretch>
+            <a:fillRect/>
+          </a:stretch>
+        </p:blipFill>
+        <p:spPr>
+          <a:xfrm>
+            <a:off x="2902264" y="5781283"/>
+            <a:ext cx="392041" cy="376360"/>
+          </a:xfrm>
+          <a:prstGeom prst="rect">
+            <a:avLst/>
+          </a:prstGeom>
+          <a:ln w="9525">
+            <a:solidFill>
+              <a:schemeClr val="tx1"/>
+            </a:solidFill>
+          </a:ln>
+        </p:spPr>
+      </p:pic>
+      <p:pic>
+        <p:nvPicPr>
+          <p:cNvPr id="61" name="Picture 60">
+            <a:extLst>
+              <a:ext uri="{FF2B5EF4-FFF2-40B4-BE49-F238E27FC236}">
+                <a16:creationId xmlns:a16="http://schemas.microsoft.com/office/drawing/2014/main" id="{667FBA20-772C-5D70-ED8F-EBFE45D7E580}"/>
+              </a:ext>
+            </a:extLst>
+          </p:cNvPr>
+          <p:cNvPicPr>
+            <a:picLocks noChangeAspect="1"/>
+          </p:cNvPicPr>
+          <p:nvPr/>
+        </p:nvPicPr>
+        <p:blipFill>
+          <a:blip r:embed="rId25"/>
+          <a:stretch>
+            <a:fillRect/>
+          </a:stretch>
+        </p:blipFill>
+        <p:spPr>
+          <a:xfrm>
+            <a:off x="2943176" y="5805619"/>
+            <a:ext cx="222855" cy="155998"/>
+          </a:xfrm>
+          <a:prstGeom prst="rect">
+            <a:avLst/>
+          </a:prstGeom>
+          <a:ln w="12700">
+            <a:solidFill>
+              <a:schemeClr val="tx1"/>
+            </a:solidFill>
+          </a:ln>
+        </p:spPr>
+      </p:pic>
+      <p:sp>
+        <p:nvSpPr>
+          <p:cNvPr id="62" name="TextBox 61">
+            <a:extLst>
+              <a:ext uri="{FF2B5EF4-FFF2-40B4-BE49-F238E27FC236}">
+                <a16:creationId xmlns:a16="http://schemas.microsoft.com/office/drawing/2014/main" id="{8FD9799F-594E-12ED-4E6F-929867DEFA48}"/>
+              </a:ext>
+            </a:extLst>
+          </p:cNvPr>
+          <p:cNvSpPr txBox="1"/>
+          <p:nvPr/>
+        </p:nvSpPr>
+        <p:spPr>
+          <a:xfrm>
+            <a:off x="2752596" y="6157176"/>
+            <a:ext cx="779617" cy="400110"/>
+          </a:xfrm>
+          <a:prstGeom prst="rect">
+            <a:avLst/>
+          </a:prstGeom>
+          <a:noFill/>
+        </p:spPr>
+        <p:txBody>
+          <a:bodyPr wrap="square" rtlCol="0">
+            <a:spAutoFit/>
+          </a:bodyPr>
+          <a:lstStyle/>
+          <a:p>
+            <a:r>
+              <a:rPr lang="en-SG" sz="1000" b="1" dirty="0">
+                <a:solidFill>
+                  <a:srgbClr val="C00000"/>
+                </a:solidFill>
+              </a:rPr>
+              <a:t>Python-lib</a:t>
+            </a:r>
+          </a:p>
+          <a:p>
+            <a:r>
+              <a:rPr lang="en-SG" sz="1000" b="1" dirty="0">
+                <a:solidFill>
+                  <a:srgbClr val="C00000"/>
+                </a:solidFill>
+              </a:rPr>
+              <a:t>hijack</a:t>
+            </a:r>
+          </a:p>
+        </p:txBody>
+      </p:sp>
+      <p:sp>
+        <p:nvSpPr>
+          <p:cNvPr id="63" name="TextBox 62">
+            <a:extLst>
+              <a:ext uri="{FF2B5EF4-FFF2-40B4-BE49-F238E27FC236}">
+                <a16:creationId xmlns:a16="http://schemas.microsoft.com/office/drawing/2014/main" id="{1E6292D1-E610-7BCE-0B51-2658D125C4AB}"/>
+              </a:ext>
+            </a:extLst>
+          </p:cNvPr>
+          <p:cNvSpPr txBox="1"/>
+          <p:nvPr/>
+        </p:nvSpPr>
+        <p:spPr>
+          <a:xfrm>
+            <a:off x="457532" y="541818"/>
+            <a:ext cx="3403398" cy="307777"/>
+          </a:xfrm>
+          <a:prstGeom prst="rect">
+            <a:avLst/>
+          </a:prstGeom>
+          <a:noFill/>
+        </p:spPr>
+        <p:txBody>
+          <a:bodyPr wrap="square" rtlCol="0">
+            <a:spAutoFit/>
+          </a:bodyPr>
+          <a:lstStyle/>
+          <a:p>
+            <a:r>
+              <a:rPr lang="en-SG" sz="1400" b="1" dirty="0"/>
+              <a:t>Malicious Activities Plugin Repository </a:t>
+            </a:r>
+          </a:p>
+        </p:txBody>
+      </p:sp>
+      <p:sp>
+        <p:nvSpPr>
+          <p:cNvPr id="65" name="Rectangle 64">
+            <a:extLst>
+              <a:ext uri="{FF2B5EF4-FFF2-40B4-BE49-F238E27FC236}">
+                <a16:creationId xmlns:a16="http://schemas.microsoft.com/office/drawing/2014/main" id="{452A530C-6F9F-83F5-45E8-A6BA06ED6398}"/>
+              </a:ext>
+            </a:extLst>
+          </p:cNvPr>
+          <p:cNvSpPr/>
+          <p:nvPr/>
+        </p:nvSpPr>
+        <p:spPr>
+          <a:xfrm>
+            <a:off x="4871040" y="4589082"/>
+            <a:ext cx="2597707" cy="307778"/>
+          </a:xfrm>
+          <a:prstGeom prst="rect">
+            <a:avLst/>
+          </a:prstGeom>
+          <a:solidFill>
+            <a:schemeClr val="bg2"/>
+          </a:solidFill>
+        </p:spPr>
+        <p:style>
+          <a:lnRef idx="2">
+            <a:schemeClr val="accent1">
+              <a:shade val="15000"/>
+            </a:schemeClr>
+          </a:lnRef>
+          <a:fillRef idx="1">
+            <a:schemeClr val="accent1"/>
+          </a:fillRef>
+          <a:effectRef idx="0">
+            <a:schemeClr val="accent1"/>
+          </a:effectRef>
+          <a:fontRef idx="minor">
+            <a:schemeClr val="lt1"/>
+          </a:fontRef>
+        </p:style>
+        <p:txBody>
+          <a:bodyPr rtlCol="0" anchor="ctr"/>
+          <a:lstStyle/>
+          <a:p>
+            <a:pPr algn="ctr"/>
+            <a:endParaRPr lang="en-SG" dirty="0"/>
+          </a:p>
+        </p:txBody>
+      </p:sp>
+      <p:sp>
+        <p:nvSpPr>
+          <p:cNvPr id="66" name="TextBox 65">
+            <a:extLst>
+              <a:ext uri="{FF2B5EF4-FFF2-40B4-BE49-F238E27FC236}">
+                <a16:creationId xmlns:a16="http://schemas.microsoft.com/office/drawing/2014/main" id="{FC8FA379-BC98-FE7F-4CCB-2FC1122A6318}"/>
+              </a:ext>
+            </a:extLst>
+          </p:cNvPr>
+          <p:cNvSpPr txBox="1"/>
+          <p:nvPr/>
+        </p:nvSpPr>
+        <p:spPr>
+          <a:xfrm>
+            <a:off x="4831711" y="4572586"/>
+            <a:ext cx="2676363" cy="307777"/>
+          </a:xfrm>
+          <a:prstGeom prst="rect">
+            <a:avLst/>
+          </a:prstGeom>
+          <a:noFill/>
+        </p:spPr>
+        <p:txBody>
+          <a:bodyPr wrap="square" rtlCol="0">
+            <a:spAutoFit/>
+          </a:bodyPr>
+          <a:lstStyle/>
+          <a:p>
+            <a:r>
+              <a:rPr lang="en-SG" sz="1400" b="1" dirty="0"/>
+              <a:t>Ninja Malware Agent Interface </a:t>
+            </a:r>
+          </a:p>
+        </p:txBody>
+      </p:sp>
+      <p:pic>
+        <p:nvPicPr>
+          <p:cNvPr id="67" name="Picture 66">
+            <a:extLst>
+              <a:ext uri="{FF2B5EF4-FFF2-40B4-BE49-F238E27FC236}">
+                <a16:creationId xmlns:a16="http://schemas.microsoft.com/office/drawing/2014/main" id="{0D9659F5-E68E-27BB-8787-86D14550B7FC}"/>
+              </a:ext>
+            </a:extLst>
+          </p:cNvPr>
+          <p:cNvPicPr>
+            <a:picLocks noChangeAspect="1"/>
+          </p:cNvPicPr>
+          <p:nvPr/>
+        </p:nvPicPr>
+        <p:blipFill>
+          <a:blip r:embed="rId26"/>
+          <a:stretch>
+            <a:fillRect/>
+          </a:stretch>
+        </p:blipFill>
+        <p:spPr>
+          <a:xfrm>
+            <a:off x="6869671" y="2080343"/>
+            <a:ext cx="376689" cy="417634"/>
+          </a:xfrm>
+          <a:prstGeom prst="rect">
+            <a:avLst/>
+          </a:prstGeom>
+          <a:ln w="9525">
+            <a:solidFill>
+              <a:schemeClr val="tx1"/>
+            </a:solidFill>
+          </a:ln>
+        </p:spPr>
+      </p:pic>
+      <p:cxnSp>
+        <p:nvCxnSpPr>
+          <p:cNvPr id="69" name="Straight Arrow Connector 68">
+            <a:extLst>
+              <a:ext uri="{FF2B5EF4-FFF2-40B4-BE49-F238E27FC236}">
+                <a16:creationId xmlns:a16="http://schemas.microsoft.com/office/drawing/2014/main" id="{4A5C1AB6-BC57-2E3E-F2D8-AB17DDDEE4EB}"/>
+              </a:ext>
+            </a:extLst>
+          </p:cNvPr>
+          <p:cNvCxnSpPr>
+            <a:cxnSpLocks/>
+          </p:cNvCxnSpPr>
+          <p:nvPr/>
+        </p:nvCxnSpPr>
+        <p:spPr>
+          <a:xfrm>
+            <a:off x="7037274" y="2498947"/>
+            <a:ext cx="0" cy="1353337"/>
+          </a:xfrm>
+          <a:prstGeom prst="straightConnector1">
+            <a:avLst/>
+          </a:prstGeom>
+          <a:ln>
+            <a:solidFill>
+              <a:schemeClr val="tx1"/>
+            </a:solidFill>
+            <a:prstDash val="sysDash"/>
+            <a:tailEnd type="triangle"/>
+          </a:ln>
+        </p:spPr>
+        <p:style>
+          <a:lnRef idx="2">
+            <a:schemeClr val="accent1"/>
+          </a:lnRef>
+          <a:fillRef idx="0">
+            <a:schemeClr val="accent1"/>
+          </a:fillRef>
+          <a:effectRef idx="1">
+            <a:schemeClr val="accent1"/>
+          </a:effectRef>
+          <a:fontRef idx="minor">
+            <a:schemeClr val="tx1"/>
+          </a:fontRef>
+        </p:style>
+      </p:cxnSp>
+      <p:pic>
+        <p:nvPicPr>
+          <p:cNvPr id="70" name="Picture 69">
+            <a:extLst>
+              <a:ext uri="{FF2B5EF4-FFF2-40B4-BE49-F238E27FC236}">
+                <a16:creationId xmlns:a16="http://schemas.microsoft.com/office/drawing/2014/main" id="{B1D4469F-AAD4-DB53-228F-6626C629169D}"/>
+              </a:ext>
+            </a:extLst>
+          </p:cNvPr>
+          <p:cNvPicPr>
+            <a:picLocks noChangeAspect="1"/>
+          </p:cNvPicPr>
+          <p:nvPr/>
+        </p:nvPicPr>
+        <p:blipFill>
+          <a:blip r:embed="rId26"/>
+          <a:stretch>
+            <a:fillRect/>
+          </a:stretch>
+        </p:blipFill>
+        <p:spPr>
+          <a:xfrm>
+            <a:off x="6004594" y="1595224"/>
+            <a:ext cx="376689" cy="417634"/>
+          </a:xfrm>
+          <a:prstGeom prst="rect">
+            <a:avLst/>
+          </a:prstGeom>
+          <a:ln w="9525">
+            <a:solidFill>
+              <a:schemeClr val="tx1"/>
+            </a:solidFill>
+          </a:ln>
+        </p:spPr>
+      </p:pic>
+      <p:cxnSp>
+        <p:nvCxnSpPr>
+          <p:cNvPr id="73" name="Straight Arrow Connector 72">
+            <a:extLst>
+              <a:ext uri="{FF2B5EF4-FFF2-40B4-BE49-F238E27FC236}">
+                <a16:creationId xmlns:a16="http://schemas.microsoft.com/office/drawing/2014/main" id="{AD355245-D54E-1511-E1EA-D08B0459A301}"/>
+              </a:ext>
+            </a:extLst>
+          </p:cNvPr>
+          <p:cNvCxnSpPr>
+            <a:cxnSpLocks/>
+            <a:stCxn id="105" idx="3"/>
+            <a:endCxn id="78" idx="1"/>
+          </p:cNvCxnSpPr>
+          <p:nvPr/>
+        </p:nvCxnSpPr>
+        <p:spPr>
+          <a:xfrm>
+            <a:off x="3742140" y="1559108"/>
+            <a:ext cx="1209687" cy="2448269"/>
+          </a:xfrm>
+          <a:prstGeom prst="straightConnector1">
+            <a:avLst/>
+          </a:prstGeom>
+          <a:ln>
+            <a:tailEnd type="triangle"/>
+          </a:ln>
+        </p:spPr>
+        <p:style>
+          <a:lnRef idx="2">
+            <a:schemeClr val="accent1"/>
+          </a:lnRef>
+          <a:fillRef idx="0">
+            <a:schemeClr val="accent1"/>
+          </a:fillRef>
+          <a:effectRef idx="1">
+            <a:schemeClr val="accent1"/>
+          </a:effectRef>
+          <a:fontRef idx="minor">
+            <a:schemeClr val="tx1"/>
+          </a:fontRef>
+        </p:style>
+      </p:cxnSp>
+      <p:cxnSp>
+        <p:nvCxnSpPr>
+          <p:cNvPr id="75" name="Straight Arrow Connector 74">
+            <a:extLst>
+              <a:ext uri="{FF2B5EF4-FFF2-40B4-BE49-F238E27FC236}">
+                <a16:creationId xmlns:a16="http://schemas.microsoft.com/office/drawing/2014/main" id="{3E1570B4-D2B2-EE52-5517-89BE2D4EB686}"/>
+              </a:ext>
+            </a:extLst>
+          </p:cNvPr>
+          <p:cNvCxnSpPr>
+            <a:cxnSpLocks/>
+            <a:stCxn id="103" idx="3"/>
+            <a:endCxn id="78" idx="1"/>
+          </p:cNvCxnSpPr>
+          <p:nvPr/>
+        </p:nvCxnSpPr>
+        <p:spPr>
+          <a:xfrm>
+            <a:off x="3707618" y="2682150"/>
+            <a:ext cx="1244209" cy="1325227"/>
+          </a:xfrm>
+          <a:prstGeom prst="straightConnector1">
+            <a:avLst/>
+          </a:prstGeom>
+          <a:ln>
+            <a:tailEnd type="triangle"/>
+          </a:ln>
+        </p:spPr>
+        <p:style>
+          <a:lnRef idx="2">
+            <a:schemeClr val="accent1"/>
+          </a:lnRef>
+          <a:fillRef idx="0">
+            <a:schemeClr val="accent1"/>
+          </a:fillRef>
+          <a:effectRef idx="1">
+            <a:schemeClr val="accent1"/>
+          </a:effectRef>
+          <a:fontRef idx="minor">
+            <a:schemeClr val="tx1"/>
+          </a:fontRef>
+        </p:style>
+      </p:cxnSp>
+      <p:sp>
+        <p:nvSpPr>
+          <p:cNvPr id="78" name="Rectangle 77">
+            <a:extLst>
+              <a:ext uri="{FF2B5EF4-FFF2-40B4-BE49-F238E27FC236}">
+                <a16:creationId xmlns:a16="http://schemas.microsoft.com/office/drawing/2014/main" id="{0DAAD1DE-84B0-A7FA-05EE-C759EFFC9675}"/>
+              </a:ext>
+            </a:extLst>
+          </p:cNvPr>
+          <p:cNvSpPr/>
+          <p:nvPr/>
+        </p:nvSpPr>
+        <p:spPr>
+          <a:xfrm>
+            <a:off x="4951827" y="3776544"/>
+            <a:ext cx="1792351" cy="461665"/>
+          </a:xfrm>
+          <a:prstGeom prst="rect">
+            <a:avLst/>
+          </a:prstGeom>
+          <a:noFill/>
+          <a:ln w="19050">
+            <a:prstDash val="sysDash"/>
+          </a:ln>
+        </p:spPr>
+        <p:style>
+          <a:lnRef idx="2">
+            <a:schemeClr val="accent1">
+              <a:shade val="15000"/>
+            </a:schemeClr>
+          </a:lnRef>
+          <a:fillRef idx="1">
+            <a:schemeClr val="accent1"/>
+          </a:fillRef>
+          <a:effectRef idx="0">
+            <a:schemeClr val="accent1"/>
+          </a:effectRef>
+          <a:fontRef idx="minor">
+            <a:schemeClr val="lt1"/>
+          </a:fontRef>
+        </p:style>
+        <p:txBody>
+          <a:bodyPr rtlCol="0" anchor="ctr"/>
+          <a:lstStyle/>
+          <a:p>
+            <a:pPr algn="ctr"/>
+            <a:endParaRPr lang="en-SG" dirty="0"/>
+          </a:p>
+        </p:txBody>
+      </p:sp>
+      <p:cxnSp>
+        <p:nvCxnSpPr>
+          <p:cNvPr id="83" name="Straight Arrow Connector 82">
+            <a:extLst>
+              <a:ext uri="{FF2B5EF4-FFF2-40B4-BE49-F238E27FC236}">
+                <a16:creationId xmlns:a16="http://schemas.microsoft.com/office/drawing/2014/main" id="{C2D6993C-54FF-8C56-1BBF-3C368D4DB346}"/>
+              </a:ext>
+            </a:extLst>
+          </p:cNvPr>
+          <p:cNvCxnSpPr>
+            <a:cxnSpLocks/>
+            <a:stCxn id="101" idx="3"/>
+            <a:endCxn id="78" idx="1"/>
+          </p:cNvCxnSpPr>
+          <p:nvPr/>
+        </p:nvCxnSpPr>
+        <p:spPr>
+          <a:xfrm>
+            <a:off x="3759529" y="3885330"/>
+            <a:ext cx="1192298" cy="122047"/>
+          </a:xfrm>
+          <a:prstGeom prst="straightConnector1">
+            <a:avLst/>
+          </a:prstGeom>
+          <a:ln>
+            <a:tailEnd type="triangle"/>
+          </a:ln>
+        </p:spPr>
+        <p:style>
+          <a:lnRef idx="2">
+            <a:schemeClr val="accent1"/>
+          </a:lnRef>
+          <a:fillRef idx="0">
+            <a:schemeClr val="accent1"/>
+          </a:fillRef>
+          <a:effectRef idx="1">
+            <a:schemeClr val="accent1"/>
+          </a:effectRef>
+          <a:fontRef idx="minor">
+            <a:schemeClr val="tx1"/>
+          </a:fontRef>
+        </p:style>
+      </p:cxnSp>
+      <p:cxnSp>
+        <p:nvCxnSpPr>
+          <p:cNvPr id="86" name="Straight Arrow Connector 85">
+            <a:extLst>
+              <a:ext uri="{FF2B5EF4-FFF2-40B4-BE49-F238E27FC236}">
+                <a16:creationId xmlns:a16="http://schemas.microsoft.com/office/drawing/2014/main" id="{6F061419-06C5-1C43-884B-E82162AB1323}"/>
+              </a:ext>
+            </a:extLst>
+          </p:cNvPr>
+          <p:cNvCxnSpPr>
+            <a:cxnSpLocks/>
+            <a:stCxn id="97" idx="3"/>
+            <a:endCxn id="78" idx="1"/>
+          </p:cNvCxnSpPr>
+          <p:nvPr/>
+        </p:nvCxnSpPr>
+        <p:spPr>
+          <a:xfrm flipV="1">
+            <a:off x="3765703" y="4007377"/>
+            <a:ext cx="1186124" cy="921922"/>
+          </a:xfrm>
+          <a:prstGeom prst="straightConnector1">
+            <a:avLst/>
+          </a:prstGeom>
+          <a:ln>
+            <a:tailEnd type="triangle"/>
+          </a:ln>
+        </p:spPr>
+        <p:style>
+          <a:lnRef idx="2">
+            <a:schemeClr val="accent1"/>
+          </a:lnRef>
+          <a:fillRef idx="0">
+            <a:schemeClr val="accent1"/>
+          </a:fillRef>
+          <a:effectRef idx="1">
+            <a:schemeClr val="accent1"/>
+          </a:effectRef>
+          <a:fontRef idx="minor">
+            <a:schemeClr val="tx1"/>
+          </a:fontRef>
+        </p:style>
+      </p:cxnSp>
+      <p:cxnSp>
+        <p:nvCxnSpPr>
+          <p:cNvPr id="89" name="Straight Arrow Connector 88">
+            <a:extLst>
+              <a:ext uri="{FF2B5EF4-FFF2-40B4-BE49-F238E27FC236}">
+                <a16:creationId xmlns:a16="http://schemas.microsoft.com/office/drawing/2014/main" id="{3D431DF6-9630-BBDA-A083-81C19D5496E0}"/>
+              </a:ext>
+            </a:extLst>
+          </p:cNvPr>
+          <p:cNvCxnSpPr>
+            <a:cxnSpLocks/>
+            <a:stCxn id="99" idx="3"/>
+            <a:endCxn id="78" idx="1"/>
+          </p:cNvCxnSpPr>
+          <p:nvPr/>
+        </p:nvCxnSpPr>
+        <p:spPr>
+          <a:xfrm flipV="1">
+            <a:off x="3769856" y="4007377"/>
+            <a:ext cx="1181971" cy="2052020"/>
+          </a:xfrm>
+          <a:prstGeom prst="straightConnector1">
+            <a:avLst/>
+          </a:prstGeom>
+          <a:ln>
+            <a:tailEnd type="triangle"/>
+          </a:ln>
+        </p:spPr>
+        <p:style>
+          <a:lnRef idx="2">
+            <a:schemeClr val="accent1"/>
+          </a:lnRef>
+          <a:fillRef idx="0">
+            <a:schemeClr val="accent1"/>
+          </a:fillRef>
+          <a:effectRef idx="1">
+            <a:schemeClr val="accent1"/>
+          </a:effectRef>
+          <a:fontRef idx="minor">
+            <a:schemeClr val="tx1"/>
+          </a:fontRef>
+        </p:style>
+      </p:cxnSp>
+      <p:pic>
+        <p:nvPicPr>
+          <p:cNvPr id="92" name="Picture 91">
+            <a:extLst>
+              <a:ext uri="{FF2B5EF4-FFF2-40B4-BE49-F238E27FC236}">
+                <a16:creationId xmlns:a16="http://schemas.microsoft.com/office/drawing/2014/main" id="{58EA07E7-EA9D-BFF5-FA5F-D5212AEDCBBD}"/>
+              </a:ext>
+            </a:extLst>
+          </p:cNvPr>
+          <p:cNvPicPr>
+            <a:picLocks noChangeAspect="1"/>
+          </p:cNvPicPr>
+          <p:nvPr/>
+        </p:nvPicPr>
+        <p:blipFill rotWithShape="1">
+          <a:blip r:embed="rId14"/>
+          <a:srcRect l="5536"/>
+          <a:stretch/>
+        </p:blipFill>
+        <p:spPr>
+          <a:xfrm>
+            <a:off x="5018633" y="3827699"/>
+            <a:ext cx="357468" cy="345400"/>
+          </a:xfrm>
+          <a:prstGeom prst="rect">
+            <a:avLst/>
+          </a:prstGeom>
+        </p:spPr>
+      </p:pic>
+      <p:pic>
+        <p:nvPicPr>
+          <p:cNvPr id="93" name="Picture 92">
+            <a:extLst>
+              <a:ext uri="{FF2B5EF4-FFF2-40B4-BE49-F238E27FC236}">
+                <a16:creationId xmlns:a16="http://schemas.microsoft.com/office/drawing/2014/main" id="{0F0F2983-4EC0-3C98-7354-D3E6906FC8F4}"/>
+              </a:ext>
+            </a:extLst>
+          </p:cNvPr>
+          <p:cNvPicPr>
+            <a:picLocks noChangeAspect="1"/>
+          </p:cNvPicPr>
+          <p:nvPr/>
+        </p:nvPicPr>
+        <p:blipFill>
+          <a:blip r:embed="rId22"/>
+          <a:stretch>
+            <a:fillRect/>
+          </a:stretch>
+        </p:blipFill>
+        <p:spPr>
+          <a:xfrm>
+            <a:off x="5477333" y="3835697"/>
+            <a:ext cx="357468" cy="325620"/>
+          </a:xfrm>
+          <a:prstGeom prst="rect">
+            <a:avLst/>
+          </a:prstGeom>
+          <a:ln w="9525">
+            <a:solidFill>
+              <a:schemeClr val="tx1"/>
+            </a:solidFill>
+          </a:ln>
+        </p:spPr>
+      </p:pic>
+      <p:pic>
+        <p:nvPicPr>
+          <p:cNvPr id="94" name="Picture 93" descr="Brute force attack icon from banned internet Vector Image">
+            <a:extLst>
+              <a:ext uri="{FF2B5EF4-FFF2-40B4-BE49-F238E27FC236}">
+                <a16:creationId xmlns:a16="http://schemas.microsoft.com/office/drawing/2014/main" id="{12066FA0-73A6-48D1-EE81-48DABD486846}"/>
+              </a:ext>
+            </a:extLst>
+          </p:cNvPr>
+          <p:cNvPicPr>
+            <a:picLocks noChangeAspect="1"/>
+          </p:cNvPicPr>
+          <p:nvPr/>
+        </p:nvPicPr>
+        <p:blipFill rotWithShape="1">
+          <a:blip r:embed="rId4"/>
+          <a:srcRect l="23169" t="13032" r="22459" b="34695"/>
+          <a:stretch/>
+        </p:blipFill>
+        <p:spPr>
+          <a:xfrm>
+            <a:off x="5928753" y="3852284"/>
+            <a:ext cx="322839" cy="334780"/>
+          </a:xfrm>
+          <a:prstGeom prst="rect">
+            <a:avLst/>
+          </a:prstGeom>
+          <a:ln w="6350">
+            <a:solidFill>
+              <a:schemeClr val="tx1"/>
+            </a:solidFill>
+          </a:ln>
+        </p:spPr>
+      </p:pic>
+      <p:sp>
+        <p:nvSpPr>
+          <p:cNvPr id="95" name="TextBox 94">
+            <a:extLst>
+              <a:ext uri="{FF2B5EF4-FFF2-40B4-BE49-F238E27FC236}">
+                <a16:creationId xmlns:a16="http://schemas.microsoft.com/office/drawing/2014/main" id="{9F57C8E0-DAF7-E87D-2320-A6B6DC2F5B4D}"/>
+              </a:ext>
+            </a:extLst>
+          </p:cNvPr>
+          <p:cNvSpPr txBox="1"/>
+          <p:nvPr/>
+        </p:nvSpPr>
+        <p:spPr>
+          <a:xfrm>
+            <a:off x="6304463" y="3798334"/>
+            <a:ext cx="377190" cy="461665"/>
+          </a:xfrm>
+          <a:prstGeom prst="rect">
+            <a:avLst/>
+          </a:prstGeom>
+          <a:noFill/>
+        </p:spPr>
+        <p:txBody>
+          <a:bodyPr wrap="square" rtlCol="0">
+            <a:spAutoFit/>
+          </a:bodyPr>
+          <a:lstStyle/>
+          <a:p>
+            <a:r>
+              <a:rPr lang="en-US" sz="2400" b="1" dirty="0">
+                <a:solidFill>
+                  <a:srgbClr val="C00000"/>
+                </a:solidFill>
+              </a:rPr>
+              <a:t>…</a:t>
+            </a:r>
+            <a:endParaRPr lang="en-SG" sz="2400" b="1" dirty="0">
+              <a:solidFill>
+                <a:srgbClr val="C00000"/>
+              </a:solidFill>
+            </a:endParaRPr>
+          </a:p>
+        </p:txBody>
+      </p:sp>
+      <p:pic>
+        <p:nvPicPr>
+          <p:cNvPr id="97" name="Picture 96">
+            <a:extLst>
+              <a:ext uri="{FF2B5EF4-FFF2-40B4-BE49-F238E27FC236}">
+                <a16:creationId xmlns:a16="http://schemas.microsoft.com/office/drawing/2014/main" id="{A51BA48E-AEBA-0069-CEA1-76B928E6E17E}"/>
+              </a:ext>
+            </a:extLst>
+          </p:cNvPr>
+          <p:cNvPicPr>
+            <a:picLocks noChangeAspect="1"/>
+          </p:cNvPicPr>
+          <p:nvPr/>
+        </p:nvPicPr>
+        <p:blipFill>
+          <a:blip r:embed="rId27"/>
+          <a:stretch>
+            <a:fillRect/>
+          </a:stretch>
+        </p:blipFill>
+        <p:spPr>
+          <a:xfrm>
+            <a:off x="3459231" y="4803645"/>
+            <a:ext cx="306472" cy="251307"/>
+          </a:xfrm>
+          <a:prstGeom prst="rect">
+            <a:avLst/>
+          </a:prstGeom>
+          <a:ln w="12700">
+            <a:solidFill>
+              <a:schemeClr val="tx1"/>
+            </a:solidFill>
+          </a:ln>
+        </p:spPr>
+      </p:pic>
+      <p:pic>
+        <p:nvPicPr>
+          <p:cNvPr id="99" name="Picture 98">
+            <a:extLst>
+              <a:ext uri="{FF2B5EF4-FFF2-40B4-BE49-F238E27FC236}">
+                <a16:creationId xmlns:a16="http://schemas.microsoft.com/office/drawing/2014/main" id="{07C1723C-E6B2-0483-30F1-5A648BC6E3D4}"/>
+              </a:ext>
+            </a:extLst>
+          </p:cNvPr>
+          <p:cNvPicPr>
+            <a:picLocks noChangeAspect="1"/>
+          </p:cNvPicPr>
+          <p:nvPr/>
+        </p:nvPicPr>
+        <p:blipFill>
+          <a:blip r:embed="rId27"/>
+          <a:stretch>
+            <a:fillRect/>
+          </a:stretch>
+        </p:blipFill>
+        <p:spPr>
+          <a:xfrm>
+            <a:off x="3463384" y="5933743"/>
+            <a:ext cx="306472" cy="251307"/>
+          </a:xfrm>
+          <a:prstGeom prst="rect">
+            <a:avLst/>
+          </a:prstGeom>
+          <a:ln w="12700">
+            <a:solidFill>
+              <a:schemeClr val="tx1"/>
+            </a:solidFill>
+          </a:ln>
+        </p:spPr>
+      </p:pic>
+      <p:pic>
+        <p:nvPicPr>
+          <p:cNvPr id="101" name="Picture 100">
+            <a:extLst>
+              <a:ext uri="{FF2B5EF4-FFF2-40B4-BE49-F238E27FC236}">
+                <a16:creationId xmlns:a16="http://schemas.microsoft.com/office/drawing/2014/main" id="{A9F81BFC-00F7-6336-59E2-99CAAF7B9EC5}"/>
+              </a:ext>
+            </a:extLst>
+          </p:cNvPr>
+          <p:cNvPicPr>
+            <a:picLocks noChangeAspect="1"/>
+          </p:cNvPicPr>
+          <p:nvPr/>
+        </p:nvPicPr>
+        <p:blipFill>
+          <a:blip r:embed="rId27"/>
+          <a:stretch>
+            <a:fillRect/>
+          </a:stretch>
+        </p:blipFill>
+        <p:spPr>
+          <a:xfrm>
+            <a:off x="3453057" y="3759676"/>
+            <a:ext cx="306472" cy="251307"/>
+          </a:xfrm>
+          <a:prstGeom prst="rect">
+            <a:avLst/>
+          </a:prstGeom>
+          <a:ln w="12700">
+            <a:solidFill>
+              <a:schemeClr val="tx1"/>
+            </a:solidFill>
+          </a:ln>
+        </p:spPr>
+      </p:pic>
+      <p:pic>
+        <p:nvPicPr>
+          <p:cNvPr id="103" name="Picture 102">
+            <a:extLst>
+              <a:ext uri="{FF2B5EF4-FFF2-40B4-BE49-F238E27FC236}">
+                <a16:creationId xmlns:a16="http://schemas.microsoft.com/office/drawing/2014/main" id="{A410CA67-4CCF-D082-DF43-A2784E4648EF}"/>
+              </a:ext>
+            </a:extLst>
+          </p:cNvPr>
+          <p:cNvPicPr>
+            <a:picLocks noChangeAspect="1"/>
+          </p:cNvPicPr>
+          <p:nvPr/>
+        </p:nvPicPr>
+        <p:blipFill>
+          <a:blip r:embed="rId27"/>
+          <a:stretch>
+            <a:fillRect/>
+          </a:stretch>
+        </p:blipFill>
+        <p:spPr>
+          <a:xfrm>
+            <a:off x="3401146" y="2556496"/>
+            <a:ext cx="306472" cy="251307"/>
+          </a:xfrm>
+          <a:prstGeom prst="rect">
+            <a:avLst/>
+          </a:prstGeom>
+          <a:ln w="12700">
+            <a:solidFill>
+              <a:schemeClr val="tx1"/>
+            </a:solidFill>
+          </a:ln>
+        </p:spPr>
+      </p:pic>
+      <p:pic>
+        <p:nvPicPr>
+          <p:cNvPr id="105" name="Picture 104">
+            <a:extLst>
+              <a:ext uri="{FF2B5EF4-FFF2-40B4-BE49-F238E27FC236}">
+                <a16:creationId xmlns:a16="http://schemas.microsoft.com/office/drawing/2014/main" id="{E482E4FC-BA78-EF68-0282-093B17424F09}"/>
+              </a:ext>
+            </a:extLst>
+          </p:cNvPr>
+          <p:cNvPicPr>
+            <a:picLocks noChangeAspect="1"/>
+          </p:cNvPicPr>
+          <p:nvPr/>
+        </p:nvPicPr>
+        <p:blipFill>
+          <a:blip r:embed="rId27"/>
+          <a:stretch>
+            <a:fillRect/>
+          </a:stretch>
+        </p:blipFill>
+        <p:spPr>
+          <a:xfrm>
+            <a:off x="3435668" y="1433454"/>
+            <a:ext cx="306472" cy="251307"/>
+          </a:xfrm>
+          <a:prstGeom prst="rect">
+            <a:avLst/>
+          </a:prstGeom>
+          <a:ln w="12700">
+            <a:solidFill>
+              <a:schemeClr val="tx1"/>
+            </a:solidFill>
+          </a:ln>
+        </p:spPr>
+      </p:pic>
+      <p:pic>
+        <p:nvPicPr>
+          <p:cNvPr id="107" name="Picture 106">
+            <a:extLst>
+              <a:ext uri="{FF2B5EF4-FFF2-40B4-BE49-F238E27FC236}">
+                <a16:creationId xmlns:a16="http://schemas.microsoft.com/office/drawing/2014/main" id="{D7520D08-7DE9-28EC-B792-CD8E960C97AB}"/>
+              </a:ext>
+            </a:extLst>
+          </p:cNvPr>
+          <p:cNvPicPr>
+            <a:picLocks noChangeAspect="1"/>
+          </p:cNvPicPr>
+          <p:nvPr/>
+        </p:nvPicPr>
+        <p:blipFill>
+          <a:blip r:embed="rId27"/>
+          <a:stretch>
+            <a:fillRect/>
+          </a:stretch>
+        </p:blipFill>
+        <p:spPr>
+          <a:xfrm>
+            <a:off x="6963682" y="3903512"/>
+            <a:ext cx="306472" cy="251307"/>
+          </a:xfrm>
+          <a:prstGeom prst="rect">
+            <a:avLst/>
+          </a:prstGeom>
+          <a:ln w="12700">
+            <a:solidFill>
+              <a:schemeClr val="tx1"/>
+            </a:solidFill>
+          </a:ln>
+        </p:spPr>
+      </p:pic>
+      <p:sp>
+        <p:nvSpPr>
+          <p:cNvPr id="115" name="Rectangle 114">
+            <a:extLst>
+              <a:ext uri="{FF2B5EF4-FFF2-40B4-BE49-F238E27FC236}">
+                <a16:creationId xmlns:a16="http://schemas.microsoft.com/office/drawing/2014/main" id="{694F6CCA-8414-5C66-7AC4-EAFEDF625417}"/>
+              </a:ext>
+            </a:extLst>
+          </p:cNvPr>
+          <p:cNvSpPr/>
+          <p:nvPr/>
+        </p:nvSpPr>
+        <p:spPr>
+          <a:xfrm>
+            <a:off x="6868997" y="3783133"/>
+            <a:ext cx="648796" cy="461665"/>
+          </a:xfrm>
+          <a:prstGeom prst="rect">
+            <a:avLst/>
+          </a:prstGeom>
+          <a:noFill/>
+          <a:ln w="19050">
+            <a:prstDash val="sysDash"/>
+          </a:ln>
+        </p:spPr>
+        <p:style>
+          <a:lnRef idx="2">
+            <a:schemeClr val="accent1">
+              <a:shade val="15000"/>
+            </a:schemeClr>
+          </a:lnRef>
+          <a:fillRef idx="1">
+            <a:schemeClr val="accent1"/>
+          </a:fillRef>
+          <a:effectRef idx="0">
+            <a:schemeClr val="accent1"/>
+          </a:effectRef>
+          <a:fontRef idx="minor">
+            <a:schemeClr val="lt1"/>
+          </a:fontRef>
+        </p:style>
+        <p:txBody>
+          <a:bodyPr rtlCol="0" anchor="ctr"/>
+          <a:lstStyle/>
+          <a:p>
+            <a:pPr algn="ctr"/>
+            <a:endParaRPr lang="en-SG" dirty="0"/>
+          </a:p>
+        </p:txBody>
+      </p:sp>
+      <p:sp>
+        <p:nvSpPr>
+          <p:cNvPr id="116" name="TextBox 115">
+            <a:extLst>
+              <a:ext uri="{FF2B5EF4-FFF2-40B4-BE49-F238E27FC236}">
+                <a16:creationId xmlns:a16="http://schemas.microsoft.com/office/drawing/2014/main" id="{F1AF86D5-9538-ADDA-9040-77F61798ACA6}"/>
+              </a:ext>
+            </a:extLst>
+          </p:cNvPr>
+          <p:cNvSpPr txBox="1"/>
+          <p:nvPr/>
+        </p:nvSpPr>
+        <p:spPr>
+          <a:xfrm>
+            <a:off x="3625805" y="3224814"/>
+            <a:ext cx="1205906" cy="461665"/>
+          </a:xfrm>
+          <a:prstGeom prst="rect">
+            <a:avLst/>
+          </a:prstGeom>
+          <a:noFill/>
+        </p:spPr>
+        <p:txBody>
+          <a:bodyPr wrap="square" rtlCol="0">
+            <a:spAutoFit/>
+          </a:bodyPr>
+          <a:lstStyle/>
+          <a:p>
+            <a:r>
+              <a:rPr lang="en-SG" sz="1200" b="1" dirty="0">
+                <a:solidFill>
+                  <a:schemeClr val="tx2">
+                    <a:lumMod val="75000"/>
+                    <a:lumOff val="25000"/>
+                  </a:schemeClr>
+                </a:solidFill>
+              </a:rPr>
+              <a:t>Import source code</a:t>
+            </a:r>
+          </a:p>
+        </p:txBody>
+      </p:sp>
+      <p:sp>
+        <p:nvSpPr>
+          <p:cNvPr id="118" name="TextBox 117">
+            <a:extLst>
+              <a:ext uri="{FF2B5EF4-FFF2-40B4-BE49-F238E27FC236}">
+                <a16:creationId xmlns:a16="http://schemas.microsoft.com/office/drawing/2014/main" id="{6C4A0BE5-7FBD-43CB-4552-DB1AB7695F03}"/>
+              </a:ext>
+            </a:extLst>
+          </p:cNvPr>
+          <p:cNvSpPr txBox="1"/>
+          <p:nvPr/>
+        </p:nvSpPr>
+        <p:spPr>
+          <a:xfrm>
+            <a:off x="7226310" y="2102003"/>
+            <a:ext cx="1149594" cy="553998"/>
+          </a:xfrm>
+          <a:prstGeom prst="rect">
+            <a:avLst/>
+          </a:prstGeom>
+          <a:noFill/>
+        </p:spPr>
+        <p:txBody>
+          <a:bodyPr wrap="square" rtlCol="0">
+            <a:spAutoFit/>
+          </a:bodyPr>
+          <a:lstStyle/>
+          <a:p>
+            <a:r>
+              <a:rPr lang="en-SG" sz="1000" b="1" dirty="0"/>
+              <a:t>Add customized attack module code </a:t>
+            </a:r>
+          </a:p>
+        </p:txBody>
+      </p:sp>
+      <p:sp>
+        <p:nvSpPr>
+          <p:cNvPr id="121" name="TextBox 120">
+            <a:extLst>
+              <a:ext uri="{FF2B5EF4-FFF2-40B4-BE49-F238E27FC236}">
+                <a16:creationId xmlns:a16="http://schemas.microsoft.com/office/drawing/2014/main" id="{FA1C36C5-62AF-2A61-02CF-EC41D07FE994}"/>
+              </a:ext>
+            </a:extLst>
+          </p:cNvPr>
+          <p:cNvSpPr txBox="1"/>
+          <p:nvPr/>
+        </p:nvSpPr>
+        <p:spPr>
+          <a:xfrm>
+            <a:off x="6107428" y="2002445"/>
+            <a:ext cx="1004148" cy="707886"/>
+          </a:xfrm>
+          <a:prstGeom prst="rect">
+            <a:avLst/>
+          </a:prstGeom>
+          <a:noFill/>
+        </p:spPr>
+        <p:txBody>
+          <a:bodyPr wrap="square" rtlCol="0">
+            <a:spAutoFit/>
+          </a:bodyPr>
+          <a:lstStyle/>
+          <a:p>
+            <a:r>
+              <a:rPr lang="en-SG" sz="1000" b="1" dirty="0"/>
+              <a:t>Add attack control / config parameters</a:t>
+            </a:r>
+          </a:p>
+        </p:txBody>
+      </p:sp>
+      <p:cxnSp>
+        <p:nvCxnSpPr>
+          <p:cNvPr id="122" name="Connector: Elbow 121">
+            <a:extLst>
+              <a:ext uri="{FF2B5EF4-FFF2-40B4-BE49-F238E27FC236}">
+                <a16:creationId xmlns:a16="http://schemas.microsoft.com/office/drawing/2014/main" id="{4DF3BA75-994F-34A0-9C5F-775FA1F37408}"/>
+              </a:ext>
+            </a:extLst>
+          </p:cNvPr>
+          <p:cNvCxnSpPr>
+            <a:cxnSpLocks/>
+            <a:stCxn id="152" idx="3"/>
+            <a:endCxn id="123" idx="1"/>
+          </p:cNvCxnSpPr>
+          <p:nvPr/>
+        </p:nvCxnSpPr>
+        <p:spPr>
+          <a:xfrm flipV="1">
+            <a:off x="7031026" y="2788022"/>
+            <a:ext cx="1989931" cy="3178564"/>
+          </a:xfrm>
+          <a:prstGeom prst="bentConnector3">
+            <a:avLst>
+              <a:gd name="adj1" fmla="val 50000"/>
+            </a:avLst>
+          </a:prstGeom>
+          <a:ln w="12700">
+            <a:solidFill>
+              <a:srgbClr val="C00000"/>
+            </a:solidFill>
+            <a:prstDash val="sysDash"/>
+            <a:tailEnd type="triangle"/>
+          </a:ln>
+        </p:spPr>
+        <p:style>
+          <a:lnRef idx="2">
+            <a:schemeClr val="accent1"/>
+          </a:lnRef>
+          <a:fillRef idx="0">
+            <a:schemeClr val="accent1"/>
+          </a:fillRef>
+          <a:effectRef idx="1">
+            <a:schemeClr val="accent1"/>
+          </a:effectRef>
+          <a:fontRef idx="minor">
+            <a:schemeClr val="tx1"/>
+          </a:fontRef>
+        </p:style>
+      </p:cxnSp>
+      <p:pic>
+        <p:nvPicPr>
+          <p:cNvPr id="123" name="Picture 122">
+            <a:extLst>
+              <a:ext uri="{FF2B5EF4-FFF2-40B4-BE49-F238E27FC236}">
+                <a16:creationId xmlns:a16="http://schemas.microsoft.com/office/drawing/2014/main" id="{0580F1B3-70D4-26DC-7688-04CF31B78CCB}"/>
+              </a:ext>
+            </a:extLst>
+          </p:cNvPr>
+          <p:cNvPicPr>
+            <a:picLocks noChangeAspect="1"/>
+          </p:cNvPicPr>
+          <p:nvPr/>
+        </p:nvPicPr>
+        <p:blipFill rotWithShape="1">
+          <a:blip r:embed="rId14"/>
+          <a:srcRect l="5536"/>
+          <a:stretch/>
+        </p:blipFill>
+        <p:spPr>
+          <a:xfrm>
+            <a:off x="9020957" y="2600417"/>
+            <a:ext cx="388318" cy="375209"/>
+          </a:xfrm>
+          <a:prstGeom prst="rect">
+            <a:avLst/>
+          </a:prstGeom>
+        </p:spPr>
+      </p:pic>
+      <p:sp>
+        <p:nvSpPr>
+          <p:cNvPr id="124" name="TextBox 123">
+            <a:extLst>
+              <a:ext uri="{FF2B5EF4-FFF2-40B4-BE49-F238E27FC236}">
+                <a16:creationId xmlns:a16="http://schemas.microsoft.com/office/drawing/2014/main" id="{EAFF5B38-675A-9E53-6275-8D1EEDD1C6B5}"/>
+              </a:ext>
+            </a:extLst>
+          </p:cNvPr>
+          <p:cNvSpPr txBox="1"/>
+          <p:nvPr/>
+        </p:nvSpPr>
+        <p:spPr>
+          <a:xfrm>
+            <a:off x="8950430" y="2180820"/>
+            <a:ext cx="1284548" cy="461665"/>
+          </a:xfrm>
+          <a:prstGeom prst="rect">
+            <a:avLst/>
+          </a:prstGeom>
+          <a:noFill/>
+        </p:spPr>
+        <p:txBody>
+          <a:bodyPr wrap="square" rtlCol="0">
+            <a:spAutoFit/>
+          </a:bodyPr>
+          <a:lstStyle/>
+          <a:p>
+            <a:r>
+              <a:rPr lang="en-SG" sz="1200" b="1" dirty="0">
+                <a:solidFill>
+                  <a:srgbClr val="C00000"/>
+                </a:solidFill>
+              </a:rPr>
+              <a:t>ARP spoofing malware</a:t>
+            </a:r>
+          </a:p>
+        </p:txBody>
+      </p:sp>
+      <p:pic>
+        <p:nvPicPr>
+          <p:cNvPr id="125" name="Picture 124" descr="A red horse on wheels&#10;&#10;Description automatically generated">
+            <a:extLst>
+              <a:ext uri="{FF2B5EF4-FFF2-40B4-BE49-F238E27FC236}">
+                <a16:creationId xmlns:a16="http://schemas.microsoft.com/office/drawing/2014/main" id="{9AAB12B7-0C15-470C-B07A-214569928C4F}"/>
+              </a:ext>
+            </a:extLst>
+          </p:cNvPr>
+          <p:cNvPicPr>
+            <a:picLocks noChangeAspect="1"/>
+          </p:cNvPicPr>
+          <p:nvPr/>
+        </p:nvPicPr>
+        <p:blipFill>
+          <a:blip r:embed="rId28">
+            <a:extLst>
+              <a:ext uri="{28A0092B-C50C-407E-A947-70E740481C1C}">
+                <a14:useLocalDpi xmlns:a14="http://schemas.microsoft.com/office/drawing/2010/main" val="0"/>
+              </a:ext>
+            </a:extLst>
+          </a:blip>
+          <a:stretch>
+            <a:fillRect/>
+          </a:stretch>
+        </p:blipFill>
+        <p:spPr>
+          <a:xfrm flipH="1">
+            <a:off x="9055774" y="3779978"/>
+            <a:ext cx="376652" cy="297632"/>
+          </a:xfrm>
+          <a:prstGeom prst="rect">
+            <a:avLst/>
+          </a:prstGeom>
+          <a:ln w="19050">
+            <a:solidFill>
+              <a:srgbClr val="FF0000"/>
+            </a:solidFill>
+          </a:ln>
+        </p:spPr>
+      </p:pic>
+      <p:sp>
+        <p:nvSpPr>
+          <p:cNvPr id="126" name="TextBox 125">
+            <a:extLst>
+              <a:ext uri="{FF2B5EF4-FFF2-40B4-BE49-F238E27FC236}">
+                <a16:creationId xmlns:a16="http://schemas.microsoft.com/office/drawing/2014/main" id="{54A880EE-71F9-B354-6796-98547DF64CE7}"/>
+              </a:ext>
+            </a:extLst>
+          </p:cNvPr>
+          <p:cNvSpPr txBox="1"/>
+          <p:nvPr/>
+        </p:nvSpPr>
+        <p:spPr>
+          <a:xfrm>
+            <a:off x="8949373" y="3327651"/>
+            <a:ext cx="1208331" cy="461665"/>
+          </a:xfrm>
+          <a:prstGeom prst="rect">
+            <a:avLst/>
+          </a:prstGeom>
+          <a:noFill/>
+        </p:spPr>
+        <p:txBody>
+          <a:bodyPr wrap="square" rtlCol="0">
+            <a:spAutoFit/>
+          </a:bodyPr>
+          <a:lstStyle/>
+          <a:p>
+            <a:r>
+              <a:rPr lang="en-US" sz="1200" b="1" dirty="0">
+                <a:solidFill>
+                  <a:srgbClr val="C00000"/>
+                </a:solidFill>
+              </a:rPr>
+              <a:t>Backdoor trojan</a:t>
+            </a:r>
+            <a:endParaRPr lang="en-SG" sz="1200" b="1" dirty="0">
+              <a:solidFill>
+                <a:srgbClr val="C00000"/>
+              </a:solidFill>
+            </a:endParaRPr>
+          </a:p>
+        </p:txBody>
+      </p:sp>
+      <p:cxnSp>
+        <p:nvCxnSpPr>
+          <p:cNvPr id="127" name="Connector: Elbow 126">
+            <a:extLst>
+              <a:ext uri="{FF2B5EF4-FFF2-40B4-BE49-F238E27FC236}">
+                <a16:creationId xmlns:a16="http://schemas.microsoft.com/office/drawing/2014/main" id="{A056E4D8-60C7-07B0-4ACF-08E4F63751D9}"/>
+              </a:ext>
+            </a:extLst>
+          </p:cNvPr>
+          <p:cNvCxnSpPr>
+            <a:cxnSpLocks/>
+            <a:stCxn id="152" idx="3"/>
+            <a:endCxn id="125" idx="3"/>
+          </p:cNvCxnSpPr>
+          <p:nvPr/>
+        </p:nvCxnSpPr>
+        <p:spPr>
+          <a:xfrm flipV="1">
+            <a:off x="7031026" y="3928794"/>
+            <a:ext cx="2024748" cy="2037792"/>
+          </a:xfrm>
+          <a:prstGeom prst="bentConnector3">
+            <a:avLst>
+              <a:gd name="adj1" fmla="val 50000"/>
+            </a:avLst>
+          </a:prstGeom>
+          <a:ln w="12700">
+            <a:solidFill>
+              <a:srgbClr val="C00000"/>
+            </a:solidFill>
+            <a:prstDash val="sysDash"/>
+            <a:tailEnd type="triangle"/>
+          </a:ln>
+        </p:spPr>
+        <p:style>
+          <a:lnRef idx="2">
+            <a:schemeClr val="accent1"/>
+          </a:lnRef>
+          <a:fillRef idx="0">
+            <a:schemeClr val="accent1"/>
+          </a:fillRef>
+          <a:effectRef idx="1">
+            <a:schemeClr val="accent1"/>
+          </a:effectRef>
+          <a:fontRef idx="minor">
+            <a:schemeClr val="tx1"/>
+          </a:fontRef>
+        </p:style>
+      </p:cxnSp>
+      <p:pic>
+        <p:nvPicPr>
+          <p:cNvPr id="128" name="Picture 127" descr="DDoS protection - iIT Distribution">
+            <a:extLst>
+              <a:ext uri="{FF2B5EF4-FFF2-40B4-BE49-F238E27FC236}">
+                <a16:creationId xmlns:a16="http://schemas.microsoft.com/office/drawing/2014/main" id="{A5951176-1F2E-B85E-63C3-3BB58ACD0B9E}"/>
+              </a:ext>
+            </a:extLst>
+          </p:cNvPr>
+          <p:cNvPicPr>
+            <a:picLocks noChangeAspect="1"/>
+          </p:cNvPicPr>
+          <p:nvPr/>
+        </p:nvPicPr>
+        <p:blipFill rotWithShape="1">
+          <a:blip r:embed="rId16"/>
+          <a:srcRect l="6437" t="1122" r="7000" b="-1677"/>
+          <a:stretch/>
+        </p:blipFill>
+        <p:spPr>
+          <a:xfrm>
+            <a:off x="9078081" y="4920142"/>
+            <a:ext cx="414399" cy="323527"/>
+          </a:xfrm>
+          <a:prstGeom prst="rect">
+            <a:avLst/>
+          </a:prstGeom>
+          <a:ln w="19050">
+            <a:solidFill>
+              <a:srgbClr val="C00000"/>
+            </a:solidFill>
+          </a:ln>
+        </p:spPr>
+      </p:pic>
+      <p:sp>
+        <p:nvSpPr>
+          <p:cNvPr id="129" name="TextBox 128">
+            <a:extLst>
+              <a:ext uri="{FF2B5EF4-FFF2-40B4-BE49-F238E27FC236}">
+                <a16:creationId xmlns:a16="http://schemas.microsoft.com/office/drawing/2014/main" id="{155CF357-603F-A5F5-1790-FEC670A7CE86}"/>
+              </a:ext>
+            </a:extLst>
+          </p:cNvPr>
+          <p:cNvSpPr txBox="1"/>
+          <p:nvPr/>
+        </p:nvSpPr>
+        <p:spPr>
+          <a:xfrm>
+            <a:off x="8993330" y="4467387"/>
+            <a:ext cx="1402252" cy="461665"/>
+          </a:xfrm>
+          <a:prstGeom prst="rect">
+            <a:avLst/>
+          </a:prstGeom>
+          <a:noFill/>
+        </p:spPr>
+        <p:txBody>
+          <a:bodyPr wrap="square" rtlCol="0">
+            <a:spAutoFit/>
+          </a:bodyPr>
+          <a:lstStyle/>
+          <a:p>
+            <a:r>
+              <a:rPr lang="en-US" sz="1200" b="1" dirty="0">
+                <a:solidFill>
+                  <a:srgbClr val="C00000"/>
+                </a:solidFill>
+              </a:rPr>
+              <a:t>DDoS attack malware</a:t>
+            </a:r>
+            <a:endParaRPr lang="en-SG" sz="1200" b="1" dirty="0">
+              <a:solidFill>
+                <a:srgbClr val="C00000"/>
+              </a:solidFill>
+            </a:endParaRPr>
+          </a:p>
+        </p:txBody>
+      </p:sp>
+      <p:pic>
+        <p:nvPicPr>
+          <p:cNvPr id="130" name="Picture 129" descr="1,451 Keylogger Images, Stock Photos, 3D objects, &amp; Vectors | Shutterstock">
+            <a:extLst>
+              <a:ext uri="{FF2B5EF4-FFF2-40B4-BE49-F238E27FC236}">
+                <a16:creationId xmlns:a16="http://schemas.microsoft.com/office/drawing/2014/main" id="{331A8E04-9E26-4B59-1770-7D517A05A095}"/>
+              </a:ext>
+            </a:extLst>
+          </p:cNvPr>
+          <p:cNvPicPr>
+            <a:picLocks noChangeAspect="1"/>
+          </p:cNvPicPr>
+          <p:nvPr/>
+        </p:nvPicPr>
+        <p:blipFill rotWithShape="1">
+          <a:blip r:embed="rId13"/>
+          <a:srcRect l="25208" t="25614" r="26720" b="47193"/>
+          <a:stretch/>
+        </p:blipFill>
+        <p:spPr>
+          <a:xfrm>
+            <a:off x="9049870" y="6053313"/>
+            <a:ext cx="413852" cy="315858"/>
+          </a:xfrm>
+          <a:prstGeom prst="rect">
+            <a:avLst/>
+          </a:prstGeom>
+          <a:ln w="19050">
+            <a:solidFill>
+              <a:srgbClr val="C00000"/>
+            </a:solidFill>
+          </a:ln>
+        </p:spPr>
+      </p:pic>
+      <p:sp>
+        <p:nvSpPr>
+          <p:cNvPr id="131" name="TextBox 130">
+            <a:extLst>
+              <a:ext uri="{FF2B5EF4-FFF2-40B4-BE49-F238E27FC236}">
+                <a16:creationId xmlns:a16="http://schemas.microsoft.com/office/drawing/2014/main" id="{424615CA-5BAE-B008-3301-31AD6CCE1F85}"/>
+              </a:ext>
+            </a:extLst>
+          </p:cNvPr>
+          <p:cNvSpPr txBox="1"/>
+          <p:nvPr/>
+        </p:nvSpPr>
+        <p:spPr>
+          <a:xfrm>
+            <a:off x="8949373" y="5635456"/>
+            <a:ext cx="1082854" cy="461665"/>
+          </a:xfrm>
+          <a:prstGeom prst="rect">
+            <a:avLst/>
+          </a:prstGeom>
+          <a:noFill/>
+        </p:spPr>
+        <p:txBody>
+          <a:bodyPr wrap="square" rtlCol="0">
+            <a:spAutoFit/>
+          </a:bodyPr>
+          <a:lstStyle/>
+          <a:p>
+            <a:r>
+              <a:rPr lang="en-SG" sz="1200" b="1" dirty="0">
+                <a:solidFill>
+                  <a:srgbClr val="C00000"/>
+                </a:solidFill>
+              </a:rPr>
+              <a:t>Eavesdrop malware</a:t>
+            </a:r>
+          </a:p>
+        </p:txBody>
+      </p:sp>
+      <p:cxnSp>
+        <p:nvCxnSpPr>
+          <p:cNvPr id="132" name="Connector: Elbow 131">
+            <a:extLst>
+              <a:ext uri="{FF2B5EF4-FFF2-40B4-BE49-F238E27FC236}">
+                <a16:creationId xmlns:a16="http://schemas.microsoft.com/office/drawing/2014/main" id="{FEAED9CE-34A8-3D38-AF64-29A9310CB6BF}"/>
+              </a:ext>
+            </a:extLst>
+          </p:cNvPr>
+          <p:cNvCxnSpPr>
+            <a:cxnSpLocks/>
+            <a:stCxn id="152" idx="3"/>
+            <a:endCxn id="128" idx="1"/>
+          </p:cNvCxnSpPr>
+          <p:nvPr/>
+        </p:nvCxnSpPr>
+        <p:spPr>
+          <a:xfrm flipV="1">
+            <a:off x="7031026" y="5081906"/>
+            <a:ext cx="2047055" cy="884680"/>
+          </a:xfrm>
+          <a:prstGeom prst="bentConnector3">
+            <a:avLst>
+              <a:gd name="adj1" fmla="val 50000"/>
+            </a:avLst>
+          </a:prstGeom>
+          <a:ln w="12700">
+            <a:solidFill>
+              <a:srgbClr val="C00000"/>
+            </a:solidFill>
+            <a:prstDash val="sysDash"/>
+            <a:tailEnd type="triangle"/>
+          </a:ln>
+        </p:spPr>
+        <p:style>
+          <a:lnRef idx="2">
+            <a:schemeClr val="accent1"/>
+          </a:lnRef>
+          <a:fillRef idx="0">
+            <a:schemeClr val="accent1"/>
+          </a:fillRef>
+          <a:effectRef idx="1">
+            <a:schemeClr val="accent1"/>
+          </a:effectRef>
+          <a:fontRef idx="minor">
+            <a:schemeClr val="tx1"/>
+          </a:fontRef>
+        </p:style>
+      </p:cxnSp>
+      <p:cxnSp>
+        <p:nvCxnSpPr>
+          <p:cNvPr id="133" name="Connector: Elbow 132">
+            <a:extLst>
+              <a:ext uri="{FF2B5EF4-FFF2-40B4-BE49-F238E27FC236}">
+                <a16:creationId xmlns:a16="http://schemas.microsoft.com/office/drawing/2014/main" id="{612C516C-7FB3-C557-C4A0-59E492098FF6}"/>
+              </a:ext>
+            </a:extLst>
+          </p:cNvPr>
+          <p:cNvCxnSpPr>
+            <a:cxnSpLocks/>
+            <a:stCxn id="152" idx="3"/>
+            <a:endCxn id="130" idx="1"/>
+          </p:cNvCxnSpPr>
+          <p:nvPr/>
+        </p:nvCxnSpPr>
+        <p:spPr>
+          <a:xfrm>
+            <a:off x="7031026" y="5966586"/>
+            <a:ext cx="2018844" cy="244656"/>
+          </a:xfrm>
+          <a:prstGeom prst="bentConnector3">
+            <a:avLst>
+              <a:gd name="adj1" fmla="val 50000"/>
+            </a:avLst>
+          </a:prstGeom>
+          <a:ln w="12700">
+            <a:solidFill>
+              <a:srgbClr val="C00000"/>
+            </a:solidFill>
+            <a:prstDash val="sysDash"/>
+            <a:tailEnd type="triangle"/>
+          </a:ln>
+        </p:spPr>
+        <p:style>
+          <a:lnRef idx="2">
+            <a:schemeClr val="accent1"/>
+          </a:lnRef>
+          <a:fillRef idx="0">
+            <a:schemeClr val="accent1"/>
+          </a:fillRef>
+          <a:effectRef idx="1">
+            <a:schemeClr val="accent1"/>
+          </a:effectRef>
+          <a:fontRef idx="minor">
+            <a:schemeClr val="tx1"/>
+          </a:fontRef>
+        </p:style>
+      </p:cxnSp>
+      <p:sp>
+        <p:nvSpPr>
+          <p:cNvPr id="148" name="TextBox 147">
+            <a:extLst>
+              <a:ext uri="{FF2B5EF4-FFF2-40B4-BE49-F238E27FC236}">
+                <a16:creationId xmlns:a16="http://schemas.microsoft.com/office/drawing/2014/main" id="{B8CF1E05-5875-CDFD-746E-E559C9BE28FE}"/>
+              </a:ext>
+            </a:extLst>
+          </p:cNvPr>
+          <p:cNvSpPr txBox="1"/>
+          <p:nvPr/>
+        </p:nvSpPr>
+        <p:spPr>
+          <a:xfrm>
+            <a:off x="7066843" y="6032325"/>
+            <a:ext cx="797920" cy="276999"/>
+          </a:xfrm>
+          <a:prstGeom prst="rect">
+            <a:avLst/>
+          </a:prstGeom>
+          <a:noFill/>
+        </p:spPr>
+        <p:txBody>
+          <a:bodyPr wrap="square" rtlCol="0">
+            <a:spAutoFit/>
+          </a:bodyPr>
+          <a:lstStyle/>
+          <a:p>
+            <a:r>
+              <a:rPr lang="en-US" sz="1200" b="1" dirty="0">
+                <a:solidFill>
+                  <a:srgbClr val="C00000"/>
+                </a:solidFill>
+              </a:rPr>
+              <a:t>build </a:t>
+            </a:r>
+            <a:endParaRPr lang="en-SG" sz="1200" b="1" dirty="0">
+              <a:solidFill>
+                <a:srgbClr val="C00000"/>
+              </a:solidFill>
+            </a:endParaRPr>
+          </a:p>
+        </p:txBody>
+      </p:sp>
+      <p:pic>
+        <p:nvPicPr>
+          <p:cNvPr id="152" name="Picture 151" descr="A green rectangular sign with text and images&#10;&#10;Description automatically generated">
+            <a:extLst>
+              <a:ext uri="{FF2B5EF4-FFF2-40B4-BE49-F238E27FC236}">
+                <a16:creationId xmlns:a16="http://schemas.microsoft.com/office/drawing/2014/main" id="{728AF4CA-056C-38E6-4878-70873366EB05}"/>
+              </a:ext>
+            </a:extLst>
+          </p:cNvPr>
+          <p:cNvPicPr>
+            <a:picLocks noChangeAspect="1"/>
+          </p:cNvPicPr>
+          <p:nvPr/>
+        </p:nvPicPr>
+        <p:blipFill>
+          <a:blip r:embed="rId29">
+            <a:extLst>
+              <a:ext uri="{28A0092B-C50C-407E-A947-70E740481C1C}">
+                <a14:useLocalDpi xmlns:a14="http://schemas.microsoft.com/office/drawing/2010/main" val="0"/>
+              </a:ext>
+            </a:extLst>
+          </a:blip>
+          <a:stretch>
+            <a:fillRect/>
+          </a:stretch>
+        </p:blipFill>
+        <p:spPr>
+          <a:xfrm>
+            <a:off x="5765261" y="5437496"/>
+            <a:ext cx="1265765" cy="1058180"/>
+          </a:xfrm>
+          <a:prstGeom prst="rect">
+            <a:avLst/>
+          </a:prstGeom>
+        </p:spPr>
+      </p:pic>
+      <p:sp>
+        <p:nvSpPr>
+          <p:cNvPr id="156" name="TextBox 155">
+            <a:extLst>
+              <a:ext uri="{FF2B5EF4-FFF2-40B4-BE49-F238E27FC236}">
+                <a16:creationId xmlns:a16="http://schemas.microsoft.com/office/drawing/2014/main" id="{FE111995-AC03-7E75-1FAB-5BCCDB6B01F7}"/>
+              </a:ext>
+            </a:extLst>
+          </p:cNvPr>
+          <p:cNvSpPr txBox="1"/>
+          <p:nvPr/>
+        </p:nvSpPr>
+        <p:spPr>
+          <a:xfrm>
+            <a:off x="6287173" y="5065170"/>
+            <a:ext cx="1440375" cy="400110"/>
+          </a:xfrm>
+          <a:prstGeom prst="rect">
+            <a:avLst/>
+          </a:prstGeom>
+          <a:noFill/>
+        </p:spPr>
+        <p:txBody>
+          <a:bodyPr wrap="square" rtlCol="0">
+            <a:spAutoFit/>
+          </a:bodyPr>
+          <a:lstStyle/>
+          <a:p>
+            <a:r>
+              <a:rPr lang="en-SG" sz="1000" b="1" dirty="0"/>
+              <a:t>Source Code obfuscation  </a:t>
+            </a:r>
+          </a:p>
+        </p:txBody>
+      </p:sp>
+      <p:cxnSp>
+        <p:nvCxnSpPr>
+          <p:cNvPr id="157" name="Straight Arrow Connector 156">
+            <a:extLst>
+              <a:ext uri="{FF2B5EF4-FFF2-40B4-BE49-F238E27FC236}">
+                <a16:creationId xmlns:a16="http://schemas.microsoft.com/office/drawing/2014/main" id="{AE7EFB19-007E-33E5-F874-B440E70971AB}"/>
+              </a:ext>
+            </a:extLst>
+          </p:cNvPr>
+          <p:cNvCxnSpPr>
+            <a:cxnSpLocks/>
+          </p:cNvCxnSpPr>
+          <p:nvPr/>
+        </p:nvCxnSpPr>
+        <p:spPr>
+          <a:xfrm>
+            <a:off x="9409275" y="2783681"/>
+            <a:ext cx="685359" cy="0"/>
+          </a:xfrm>
+          <a:prstGeom prst="straightConnector1">
+            <a:avLst/>
+          </a:prstGeom>
+          <a:ln>
+            <a:solidFill>
+              <a:srgbClr val="C00000"/>
+            </a:solidFill>
+            <a:prstDash val="solid"/>
+            <a:tailEnd type="triangle"/>
+          </a:ln>
+        </p:spPr>
+        <p:style>
+          <a:lnRef idx="2">
+            <a:schemeClr val="accent1"/>
+          </a:lnRef>
+          <a:fillRef idx="0">
+            <a:schemeClr val="accent1"/>
+          </a:fillRef>
+          <a:effectRef idx="1">
+            <a:schemeClr val="accent1"/>
+          </a:effectRef>
+          <a:fontRef idx="minor">
+            <a:schemeClr val="tx1"/>
+          </a:fontRef>
+        </p:style>
+      </p:cxnSp>
+      <p:cxnSp>
+        <p:nvCxnSpPr>
+          <p:cNvPr id="188" name="Straight Connector 187">
+            <a:extLst>
+              <a:ext uri="{FF2B5EF4-FFF2-40B4-BE49-F238E27FC236}">
+                <a16:creationId xmlns:a16="http://schemas.microsoft.com/office/drawing/2014/main" id="{BA2F5B41-6ED7-55C3-9D1B-0129B8830AED}"/>
+              </a:ext>
+            </a:extLst>
+          </p:cNvPr>
+          <p:cNvCxnSpPr/>
+          <p:nvPr/>
+        </p:nvCxnSpPr>
+        <p:spPr>
+          <a:xfrm>
+            <a:off x="4732323" y="4350115"/>
+            <a:ext cx="2921232" cy="0"/>
+          </a:xfrm>
+          <a:prstGeom prst="line">
+            <a:avLst/>
+          </a:prstGeom>
+        </p:spPr>
+        <p:style>
+          <a:lnRef idx="2">
+            <a:schemeClr val="dk1"/>
+          </a:lnRef>
+          <a:fillRef idx="0">
+            <a:schemeClr val="dk1"/>
+          </a:fillRef>
+          <a:effectRef idx="1">
+            <a:schemeClr val="dk1"/>
+          </a:effectRef>
+          <a:fontRef idx="minor">
+            <a:schemeClr val="tx1"/>
+          </a:fontRef>
+        </p:style>
+      </p:cxnSp>
+      <p:sp>
+        <p:nvSpPr>
+          <p:cNvPr id="191" name="TextBox 190">
+            <a:extLst>
+              <a:ext uri="{FF2B5EF4-FFF2-40B4-BE49-F238E27FC236}">
+                <a16:creationId xmlns:a16="http://schemas.microsoft.com/office/drawing/2014/main" id="{0BD0C3D2-B186-89E2-7510-909EAFAFA0A7}"/>
+              </a:ext>
+            </a:extLst>
+          </p:cNvPr>
+          <p:cNvSpPr txBox="1"/>
+          <p:nvPr/>
+        </p:nvSpPr>
+        <p:spPr>
+          <a:xfrm>
+            <a:off x="4741332" y="4320403"/>
+            <a:ext cx="2038310" cy="246221"/>
+          </a:xfrm>
+          <a:prstGeom prst="rect">
+            <a:avLst/>
+          </a:prstGeom>
+          <a:noFill/>
+        </p:spPr>
+        <p:txBody>
+          <a:bodyPr wrap="square" rtlCol="0">
+            <a:spAutoFit/>
+          </a:bodyPr>
+          <a:lstStyle/>
+          <a:p>
+            <a:r>
+              <a:rPr lang="en-SG" sz="1000" b="1" dirty="0"/>
+              <a:t>Level 0 :  malware code base</a:t>
+            </a:r>
+          </a:p>
+        </p:txBody>
+      </p:sp>
+      <p:cxnSp>
+        <p:nvCxnSpPr>
+          <p:cNvPr id="192" name="Straight Connector 191">
+            <a:extLst>
+              <a:ext uri="{FF2B5EF4-FFF2-40B4-BE49-F238E27FC236}">
+                <a16:creationId xmlns:a16="http://schemas.microsoft.com/office/drawing/2014/main" id="{E7CCF3B0-96C3-59BB-F936-88167E9C1E63}"/>
+              </a:ext>
+            </a:extLst>
+          </p:cNvPr>
+          <p:cNvCxnSpPr/>
+          <p:nvPr/>
+        </p:nvCxnSpPr>
+        <p:spPr>
+          <a:xfrm>
+            <a:off x="4741332" y="3486745"/>
+            <a:ext cx="2921232" cy="0"/>
+          </a:xfrm>
+          <a:prstGeom prst="line">
+            <a:avLst/>
+          </a:prstGeom>
+        </p:spPr>
+        <p:style>
+          <a:lnRef idx="2">
+            <a:schemeClr val="dk1"/>
+          </a:lnRef>
+          <a:fillRef idx="0">
+            <a:schemeClr val="dk1"/>
+          </a:fillRef>
+          <a:effectRef idx="1">
+            <a:schemeClr val="dk1"/>
+          </a:effectRef>
+          <a:fontRef idx="minor">
+            <a:schemeClr val="tx1"/>
+          </a:fontRef>
+        </p:style>
+      </p:cxnSp>
+      <p:sp>
+        <p:nvSpPr>
+          <p:cNvPr id="193" name="TextBox 192">
+            <a:extLst>
+              <a:ext uri="{FF2B5EF4-FFF2-40B4-BE49-F238E27FC236}">
+                <a16:creationId xmlns:a16="http://schemas.microsoft.com/office/drawing/2014/main" id="{9C554559-1FBC-EF71-87C3-FEC1DE558218}"/>
+              </a:ext>
+            </a:extLst>
+          </p:cNvPr>
+          <p:cNvSpPr txBox="1"/>
+          <p:nvPr/>
+        </p:nvSpPr>
+        <p:spPr>
+          <a:xfrm>
+            <a:off x="4740647" y="3482593"/>
+            <a:ext cx="2246302" cy="246221"/>
+          </a:xfrm>
+          <a:prstGeom prst="rect">
+            <a:avLst/>
+          </a:prstGeom>
+          <a:noFill/>
+        </p:spPr>
+        <p:txBody>
+          <a:bodyPr wrap="square" rtlCol="0">
+            <a:spAutoFit/>
+          </a:bodyPr>
+          <a:lstStyle/>
+          <a:p>
+            <a:r>
+              <a:rPr lang="en-SG" sz="1000" b="1" dirty="0"/>
+              <a:t>Level 1 :  malware attack modules </a:t>
+            </a:r>
+          </a:p>
+        </p:txBody>
+      </p:sp>
+      <p:sp>
+        <p:nvSpPr>
+          <p:cNvPr id="196" name="TextBox 195">
+            <a:extLst>
+              <a:ext uri="{FF2B5EF4-FFF2-40B4-BE49-F238E27FC236}">
+                <a16:creationId xmlns:a16="http://schemas.microsoft.com/office/drawing/2014/main" id="{49616CDC-11D4-D51D-73CA-3028AC4D014D}"/>
+              </a:ext>
+            </a:extLst>
+          </p:cNvPr>
+          <p:cNvSpPr txBox="1"/>
+          <p:nvPr/>
+        </p:nvSpPr>
+        <p:spPr>
+          <a:xfrm>
+            <a:off x="4714540" y="2814226"/>
+            <a:ext cx="2751263" cy="246221"/>
+          </a:xfrm>
+          <a:prstGeom prst="rect">
+            <a:avLst/>
+          </a:prstGeom>
+          <a:noFill/>
+        </p:spPr>
+        <p:txBody>
+          <a:bodyPr wrap="square" rtlCol="0">
+            <a:spAutoFit/>
+          </a:bodyPr>
+          <a:lstStyle/>
+          <a:p>
+            <a:r>
+              <a:rPr lang="en-SG" sz="1000" b="1" dirty="0"/>
+              <a:t>Level 2 : Attack config and schedule timeline </a:t>
+            </a:r>
+          </a:p>
+        </p:txBody>
+      </p:sp>
+      <p:pic>
+        <p:nvPicPr>
+          <p:cNvPr id="199" name="Picture 198">
+            <a:extLst>
+              <a:ext uri="{FF2B5EF4-FFF2-40B4-BE49-F238E27FC236}">
+                <a16:creationId xmlns:a16="http://schemas.microsoft.com/office/drawing/2014/main" id="{3DFE0399-38FA-B39A-2799-2A28A0C857FE}"/>
+              </a:ext>
+            </a:extLst>
+          </p:cNvPr>
+          <p:cNvPicPr>
+            <a:picLocks noChangeAspect="1"/>
+          </p:cNvPicPr>
+          <p:nvPr/>
+        </p:nvPicPr>
+        <p:blipFill>
+          <a:blip r:embed="rId30">
+            <a:biLevel thresh="75000"/>
+          </a:blip>
+          <a:stretch>
+            <a:fillRect/>
+          </a:stretch>
+        </p:blipFill>
+        <p:spPr>
+          <a:xfrm>
+            <a:off x="6041870" y="3133745"/>
+            <a:ext cx="262593" cy="269549"/>
+          </a:xfrm>
+          <a:prstGeom prst="rect">
+            <a:avLst/>
+          </a:prstGeom>
+          <a:ln w="9525">
+            <a:solidFill>
+              <a:schemeClr val="tx1"/>
+            </a:solidFill>
+          </a:ln>
+        </p:spPr>
+      </p:pic>
+      <p:cxnSp>
+        <p:nvCxnSpPr>
+          <p:cNvPr id="71" name="Straight Arrow Connector 70">
+            <a:extLst>
+              <a:ext uri="{FF2B5EF4-FFF2-40B4-BE49-F238E27FC236}">
+                <a16:creationId xmlns:a16="http://schemas.microsoft.com/office/drawing/2014/main" id="{D032758E-1992-DFA4-DF35-033A133E7BD2}"/>
+              </a:ext>
+            </a:extLst>
+          </p:cNvPr>
+          <p:cNvCxnSpPr>
+            <a:cxnSpLocks/>
+            <a:stCxn id="70" idx="2"/>
+            <a:endCxn id="199" idx="0"/>
+          </p:cNvCxnSpPr>
+          <p:nvPr/>
+        </p:nvCxnSpPr>
+        <p:spPr>
+          <a:xfrm flipH="1">
+            <a:off x="6173167" y="2012858"/>
+            <a:ext cx="0" cy="1120887"/>
+          </a:xfrm>
+          <a:prstGeom prst="straightConnector1">
+            <a:avLst/>
+          </a:prstGeom>
+          <a:ln>
+            <a:solidFill>
+              <a:schemeClr val="tx1"/>
+            </a:solidFill>
+            <a:prstDash val="sysDash"/>
+            <a:tailEnd type="triangle"/>
+          </a:ln>
+        </p:spPr>
+        <p:style>
+          <a:lnRef idx="2">
+            <a:schemeClr val="accent1"/>
+          </a:lnRef>
+          <a:fillRef idx="0">
+            <a:schemeClr val="accent1"/>
+          </a:fillRef>
+          <a:effectRef idx="1">
+            <a:schemeClr val="accent1"/>
+          </a:effectRef>
+          <a:fontRef idx="minor">
+            <a:schemeClr val="tx1"/>
+          </a:fontRef>
+        </p:style>
+      </p:cxnSp>
+      <p:pic>
+        <p:nvPicPr>
+          <p:cNvPr id="203" name="Picture 202">
+            <a:extLst>
+              <a:ext uri="{FF2B5EF4-FFF2-40B4-BE49-F238E27FC236}">
+                <a16:creationId xmlns:a16="http://schemas.microsoft.com/office/drawing/2014/main" id="{40FF7469-C35B-8768-4597-7B1AD91B85FC}"/>
+              </a:ext>
+            </a:extLst>
+          </p:cNvPr>
+          <p:cNvPicPr>
+            <a:picLocks noChangeAspect="1"/>
+          </p:cNvPicPr>
+          <p:nvPr/>
+        </p:nvPicPr>
+        <p:blipFill>
+          <a:blip r:embed="rId30">
+            <a:biLevel thresh="75000"/>
+          </a:blip>
+          <a:stretch>
+            <a:fillRect/>
+          </a:stretch>
+        </p:blipFill>
+        <p:spPr>
+          <a:xfrm>
+            <a:off x="5317422" y="3141035"/>
+            <a:ext cx="262593" cy="269549"/>
+          </a:xfrm>
+          <a:prstGeom prst="rect">
+            <a:avLst/>
+          </a:prstGeom>
+          <a:ln w="9525">
+            <a:solidFill>
+              <a:schemeClr val="tx1"/>
+            </a:solidFill>
+          </a:ln>
+        </p:spPr>
+      </p:pic>
+      <p:pic>
+        <p:nvPicPr>
+          <p:cNvPr id="204" name="Picture 203">
+            <a:extLst>
+              <a:ext uri="{FF2B5EF4-FFF2-40B4-BE49-F238E27FC236}">
+                <a16:creationId xmlns:a16="http://schemas.microsoft.com/office/drawing/2014/main" id="{423195A6-E602-AACC-4EDD-6A8F145BC5FC}"/>
+              </a:ext>
+            </a:extLst>
+          </p:cNvPr>
+          <p:cNvPicPr>
+            <a:picLocks noChangeAspect="1"/>
+          </p:cNvPicPr>
+          <p:nvPr/>
+        </p:nvPicPr>
+        <p:blipFill>
+          <a:blip r:embed="rId26"/>
+          <a:stretch>
+            <a:fillRect/>
+          </a:stretch>
+        </p:blipFill>
+        <p:spPr>
+          <a:xfrm>
+            <a:off x="5296837" y="1015820"/>
+            <a:ext cx="376689" cy="417634"/>
+          </a:xfrm>
+          <a:prstGeom prst="rect">
+            <a:avLst/>
+          </a:prstGeom>
+          <a:ln w="9525">
+            <a:solidFill>
+              <a:schemeClr val="tx1"/>
+            </a:solidFill>
+          </a:ln>
+        </p:spPr>
+      </p:pic>
+      <p:cxnSp>
+        <p:nvCxnSpPr>
+          <p:cNvPr id="205" name="Straight Arrow Connector 204">
+            <a:extLst>
+              <a:ext uri="{FF2B5EF4-FFF2-40B4-BE49-F238E27FC236}">
+                <a16:creationId xmlns:a16="http://schemas.microsoft.com/office/drawing/2014/main" id="{0692DB2A-9032-3E97-5E01-2E20D36B874E}"/>
+              </a:ext>
+            </a:extLst>
+          </p:cNvPr>
+          <p:cNvCxnSpPr>
+            <a:cxnSpLocks/>
+            <a:stCxn id="204" idx="2"/>
+            <a:endCxn id="203" idx="0"/>
+          </p:cNvCxnSpPr>
+          <p:nvPr/>
+        </p:nvCxnSpPr>
+        <p:spPr>
+          <a:xfrm flipH="1">
+            <a:off x="5448719" y="1433454"/>
+            <a:ext cx="0" cy="1707581"/>
+          </a:xfrm>
+          <a:prstGeom prst="straightConnector1">
+            <a:avLst/>
+          </a:prstGeom>
+          <a:ln>
+            <a:solidFill>
+              <a:schemeClr val="tx1"/>
+            </a:solidFill>
+            <a:prstDash val="sysDash"/>
+            <a:tailEnd type="triangle"/>
+          </a:ln>
+        </p:spPr>
+        <p:style>
+          <a:lnRef idx="2">
+            <a:schemeClr val="accent1"/>
+          </a:lnRef>
+          <a:fillRef idx="0">
+            <a:schemeClr val="accent1"/>
+          </a:fillRef>
+          <a:effectRef idx="1">
+            <a:schemeClr val="accent1"/>
+          </a:effectRef>
+          <a:fontRef idx="minor">
+            <a:schemeClr val="tx1"/>
+          </a:fontRef>
+        </p:style>
+      </p:cxnSp>
+      <p:sp>
+        <p:nvSpPr>
+          <p:cNvPr id="209" name="TextBox 208">
+            <a:extLst>
+              <a:ext uri="{FF2B5EF4-FFF2-40B4-BE49-F238E27FC236}">
+                <a16:creationId xmlns:a16="http://schemas.microsoft.com/office/drawing/2014/main" id="{59CEFF0D-47A2-0EFB-FF6C-D500893BF5A1}"/>
+              </a:ext>
+            </a:extLst>
+          </p:cNvPr>
+          <p:cNvSpPr txBox="1"/>
+          <p:nvPr/>
+        </p:nvSpPr>
+        <p:spPr>
+          <a:xfrm>
+            <a:off x="5374818" y="1429652"/>
+            <a:ext cx="924259" cy="553998"/>
+          </a:xfrm>
+          <a:prstGeom prst="rect">
+            <a:avLst/>
+          </a:prstGeom>
+          <a:noFill/>
+        </p:spPr>
+        <p:txBody>
+          <a:bodyPr wrap="square" rtlCol="0">
+            <a:spAutoFit/>
+          </a:bodyPr>
+          <a:lstStyle/>
+          <a:p>
+            <a:r>
+              <a:rPr lang="en-SG" sz="1000" b="1" dirty="0"/>
+              <a:t>Add attack schedule timeline</a:t>
+            </a:r>
+          </a:p>
+        </p:txBody>
+      </p:sp>
+      <p:sp>
+        <p:nvSpPr>
+          <p:cNvPr id="211" name="Arrow: Down 210">
+            <a:extLst>
+              <a:ext uri="{FF2B5EF4-FFF2-40B4-BE49-F238E27FC236}">
+                <a16:creationId xmlns:a16="http://schemas.microsoft.com/office/drawing/2014/main" id="{3A20F0AF-9265-FCF0-862C-88B808E3913B}"/>
+              </a:ext>
+            </a:extLst>
+          </p:cNvPr>
+          <p:cNvSpPr/>
+          <p:nvPr/>
+        </p:nvSpPr>
+        <p:spPr>
+          <a:xfrm>
+            <a:off x="6159170" y="5090531"/>
+            <a:ext cx="102768" cy="293820"/>
+          </a:xfrm>
+          <a:prstGeom prst="downArrow">
+            <a:avLst/>
+          </a:prstGeom>
+        </p:spPr>
+        <p:style>
+          <a:lnRef idx="2">
+            <a:schemeClr val="accent1">
+              <a:shade val="15000"/>
+            </a:schemeClr>
+          </a:lnRef>
+          <a:fillRef idx="1">
+            <a:schemeClr val="accent1"/>
+          </a:fillRef>
+          <a:effectRef idx="0">
+            <a:schemeClr val="accent1"/>
+          </a:effectRef>
+          <a:fontRef idx="minor">
+            <a:schemeClr val="lt1"/>
+          </a:fontRef>
+        </p:style>
+        <p:txBody>
+          <a:bodyPr rtlCol="0" anchor="ctr"/>
+          <a:lstStyle/>
+          <a:p>
+            <a:pPr algn="ctr"/>
+            <a:endParaRPr lang="en-SG"/>
+          </a:p>
+        </p:txBody>
+      </p:sp>
+      <p:sp>
+        <p:nvSpPr>
+          <p:cNvPr id="225" name="TextBox 224">
+            <a:extLst>
+              <a:ext uri="{FF2B5EF4-FFF2-40B4-BE49-F238E27FC236}">
+                <a16:creationId xmlns:a16="http://schemas.microsoft.com/office/drawing/2014/main" id="{F6EF3E6C-9E9C-D66A-5365-FE420311AF08}"/>
+              </a:ext>
+            </a:extLst>
+          </p:cNvPr>
+          <p:cNvSpPr txBox="1"/>
+          <p:nvPr/>
+        </p:nvSpPr>
+        <p:spPr>
+          <a:xfrm>
+            <a:off x="9460084" y="2820228"/>
+            <a:ext cx="797920" cy="276999"/>
+          </a:xfrm>
+          <a:prstGeom prst="rect">
+            <a:avLst/>
+          </a:prstGeom>
+          <a:noFill/>
+        </p:spPr>
+        <p:txBody>
+          <a:bodyPr wrap="square" rtlCol="0">
+            <a:spAutoFit/>
+          </a:bodyPr>
+          <a:lstStyle/>
+          <a:p>
+            <a:r>
+              <a:rPr lang="en-US" sz="1200" b="1" dirty="0">
+                <a:solidFill>
+                  <a:srgbClr val="C00000"/>
+                </a:solidFill>
+              </a:rPr>
+              <a:t>Attack</a:t>
+            </a:r>
+            <a:endParaRPr lang="en-SG" sz="1200" b="1" dirty="0">
+              <a:solidFill>
+                <a:srgbClr val="C00000"/>
+              </a:solidFill>
+            </a:endParaRPr>
+          </a:p>
+        </p:txBody>
+      </p:sp>
+      <p:pic>
+        <p:nvPicPr>
+          <p:cNvPr id="227" name="Graphic 226" descr="Server with solid fill">
+            <a:extLst>
+              <a:ext uri="{FF2B5EF4-FFF2-40B4-BE49-F238E27FC236}">
+                <a16:creationId xmlns:a16="http://schemas.microsoft.com/office/drawing/2014/main" id="{52436C43-F277-5E60-85BC-0C3603E5E5F7}"/>
+              </a:ext>
+            </a:extLst>
+          </p:cNvPr>
+          <p:cNvPicPr>
+            <a:picLocks noChangeAspect="1"/>
+          </p:cNvPicPr>
+          <p:nvPr/>
+        </p:nvPicPr>
+        <p:blipFill>
+          <a:blip r:embed="rId31">
+            <a:extLst>
+              <a:ext uri="{28A0092B-C50C-407E-A947-70E740481C1C}">
+                <a14:useLocalDpi xmlns:a14="http://schemas.microsoft.com/office/drawing/2010/main" val="0"/>
+              </a:ext>
+              <a:ext uri="{96DAC541-7B7A-43D3-8B79-37D633B846F1}">
+                <asvg:svgBlip xmlns:asvg="http://schemas.microsoft.com/office/drawing/2016/SVG/main" r:embed="rId32"/>
+              </a:ext>
+            </a:extLst>
+          </a:blip>
+          <a:stretch>
+            <a:fillRect/>
+          </a:stretch>
+        </p:blipFill>
+        <p:spPr>
+          <a:xfrm>
+            <a:off x="10166905" y="4813185"/>
+            <a:ext cx="550981" cy="550981"/>
+          </a:xfrm>
+          <a:prstGeom prst="rect">
+            <a:avLst/>
+          </a:prstGeom>
+        </p:spPr>
+      </p:pic>
+      <p:pic>
+        <p:nvPicPr>
+          <p:cNvPr id="229" name="Graphic 228" descr="Wireless router with solid fill">
+            <a:extLst>
+              <a:ext uri="{FF2B5EF4-FFF2-40B4-BE49-F238E27FC236}">
+                <a16:creationId xmlns:a16="http://schemas.microsoft.com/office/drawing/2014/main" id="{B998ACEB-F983-5113-5F5F-409D4B57C085}"/>
+              </a:ext>
+            </a:extLst>
+          </p:cNvPr>
+          <p:cNvPicPr>
+            <a:picLocks noChangeAspect="1"/>
+          </p:cNvPicPr>
+          <p:nvPr/>
+        </p:nvPicPr>
+        <p:blipFill>
+          <a:blip r:embed="rId33">
+            <a:extLst>
+              <a:ext uri="{28A0092B-C50C-407E-A947-70E740481C1C}">
+                <a14:useLocalDpi xmlns:a14="http://schemas.microsoft.com/office/drawing/2010/main" val="0"/>
+              </a:ext>
+              <a:ext uri="{96DAC541-7B7A-43D3-8B79-37D633B846F1}">
+                <asvg:svgBlip xmlns:asvg="http://schemas.microsoft.com/office/drawing/2016/SVG/main" r:embed="rId34"/>
+              </a:ext>
+            </a:extLst>
+          </a:blip>
+          <a:stretch>
+            <a:fillRect/>
+          </a:stretch>
+        </p:blipFill>
+        <p:spPr>
+          <a:xfrm>
+            <a:off x="10102230" y="2559796"/>
+            <a:ext cx="618548" cy="618548"/>
+          </a:xfrm>
+          <a:prstGeom prst="rect">
+            <a:avLst/>
+          </a:prstGeom>
+        </p:spPr>
+      </p:pic>
+      <p:sp>
+        <p:nvSpPr>
+          <p:cNvPr id="230" name="TextBox 229">
+            <a:extLst>
+              <a:ext uri="{FF2B5EF4-FFF2-40B4-BE49-F238E27FC236}">
+                <a16:creationId xmlns:a16="http://schemas.microsoft.com/office/drawing/2014/main" id="{EE03196D-E87A-7317-EBE8-ADEB417326D8}"/>
+              </a:ext>
+            </a:extLst>
+          </p:cNvPr>
+          <p:cNvSpPr txBox="1"/>
+          <p:nvPr/>
+        </p:nvSpPr>
+        <p:spPr>
+          <a:xfrm>
+            <a:off x="10011841" y="3072897"/>
+            <a:ext cx="1276492" cy="400110"/>
+          </a:xfrm>
+          <a:prstGeom prst="rect">
+            <a:avLst/>
+          </a:prstGeom>
+          <a:noFill/>
+        </p:spPr>
+        <p:txBody>
+          <a:bodyPr wrap="square" rtlCol="0">
+            <a:spAutoFit/>
+          </a:bodyPr>
+          <a:lstStyle/>
+          <a:p>
+            <a:r>
+              <a:rPr lang="en-SG" sz="1000" b="1" dirty="0"/>
+              <a:t>Targeted network device </a:t>
+            </a:r>
+          </a:p>
+        </p:txBody>
+      </p:sp>
+      <p:cxnSp>
+        <p:nvCxnSpPr>
+          <p:cNvPr id="231" name="Straight Arrow Connector 230">
+            <a:extLst>
+              <a:ext uri="{FF2B5EF4-FFF2-40B4-BE49-F238E27FC236}">
+                <a16:creationId xmlns:a16="http://schemas.microsoft.com/office/drawing/2014/main" id="{DE2E7415-30C6-B317-A1FC-42C9BB9CFD67}"/>
+              </a:ext>
+            </a:extLst>
+          </p:cNvPr>
+          <p:cNvCxnSpPr>
+            <a:cxnSpLocks/>
+          </p:cNvCxnSpPr>
+          <p:nvPr/>
+        </p:nvCxnSpPr>
+        <p:spPr>
+          <a:xfrm>
+            <a:off x="9460084" y="3920507"/>
+            <a:ext cx="634550" cy="0"/>
+          </a:xfrm>
+          <a:prstGeom prst="straightConnector1">
+            <a:avLst/>
+          </a:prstGeom>
+          <a:ln>
+            <a:solidFill>
+              <a:srgbClr val="C00000"/>
+            </a:solidFill>
+            <a:prstDash val="solid"/>
+            <a:tailEnd type="triangle"/>
+          </a:ln>
+        </p:spPr>
+        <p:style>
+          <a:lnRef idx="2">
+            <a:schemeClr val="accent1"/>
+          </a:lnRef>
+          <a:fillRef idx="0">
+            <a:schemeClr val="accent1"/>
+          </a:fillRef>
+          <a:effectRef idx="1">
+            <a:schemeClr val="accent1"/>
+          </a:effectRef>
+          <a:fontRef idx="minor">
+            <a:schemeClr val="tx1"/>
+          </a:fontRef>
+        </p:style>
+      </p:cxnSp>
+      <p:sp>
+        <p:nvSpPr>
+          <p:cNvPr id="233" name="TextBox 232">
+            <a:extLst>
+              <a:ext uri="{FF2B5EF4-FFF2-40B4-BE49-F238E27FC236}">
+                <a16:creationId xmlns:a16="http://schemas.microsoft.com/office/drawing/2014/main" id="{89BE7BE6-F6A2-9F4D-0373-669DAC1B501F}"/>
+              </a:ext>
+            </a:extLst>
+          </p:cNvPr>
+          <p:cNvSpPr txBox="1"/>
+          <p:nvPr/>
+        </p:nvSpPr>
+        <p:spPr>
+          <a:xfrm>
+            <a:off x="9959927" y="4155518"/>
+            <a:ext cx="1328406" cy="400110"/>
+          </a:xfrm>
+          <a:prstGeom prst="rect">
+            <a:avLst/>
+          </a:prstGeom>
+          <a:noFill/>
+        </p:spPr>
+        <p:txBody>
+          <a:bodyPr wrap="square" rtlCol="0">
+            <a:spAutoFit/>
+          </a:bodyPr>
+          <a:lstStyle/>
+          <a:p>
+            <a:r>
+              <a:rPr lang="en-SG" sz="1000" b="1" dirty="0"/>
+              <a:t>Targeted data server cluster</a:t>
+            </a:r>
+          </a:p>
+        </p:txBody>
+      </p:sp>
+      <p:pic>
+        <p:nvPicPr>
+          <p:cNvPr id="235" name="Graphic 234" descr="Database with solid fill">
+            <a:extLst>
+              <a:ext uri="{FF2B5EF4-FFF2-40B4-BE49-F238E27FC236}">
+                <a16:creationId xmlns:a16="http://schemas.microsoft.com/office/drawing/2014/main" id="{944C12DC-3F9F-1255-C788-9115C80DD71D}"/>
+              </a:ext>
+            </a:extLst>
+          </p:cNvPr>
+          <p:cNvPicPr>
+            <a:picLocks noChangeAspect="1"/>
+          </p:cNvPicPr>
+          <p:nvPr/>
+        </p:nvPicPr>
+        <p:blipFill>
+          <a:blip r:embed="rId35">
+            <a:extLst>
+              <a:ext uri="{28A0092B-C50C-407E-A947-70E740481C1C}">
+                <a14:useLocalDpi xmlns:a14="http://schemas.microsoft.com/office/drawing/2010/main" val="0"/>
+              </a:ext>
+              <a:ext uri="{96DAC541-7B7A-43D3-8B79-37D633B846F1}">
+                <asvg:svgBlip xmlns:asvg="http://schemas.microsoft.com/office/drawing/2016/SVG/main" r:embed="rId36"/>
+              </a:ext>
+            </a:extLst>
+          </a:blip>
+          <a:stretch>
+            <a:fillRect/>
+          </a:stretch>
+        </p:blipFill>
+        <p:spPr>
+          <a:xfrm>
+            <a:off x="10137259" y="3589227"/>
+            <a:ext cx="558577" cy="558577"/>
+          </a:xfrm>
+          <a:prstGeom prst="rect">
+            <a:avLst/>
+          </a:prstGeom>
+        </p:spPr>
+      </p:pic>
+      <p:cxnSp>
+        <p:nvCxnSpPr>
+          <p:cNvPr id="236" name="Straight Arrow Connector 235">
+            <a:extLst>
+              <a:ext uri="{FF2B5EF4-FFF2-40B4-BE49-F238E27FC236}">
+                <a16:creationId xmlns:a16="http://schemas.microsoft.com/office/drawing/2014/main" id="{4BE38009-FE7A-A547-821C-6F59900B467C}"/>
+              </a:ext>
+            </a:extLst>
+          </p:cNvPr>
+          <p:cNvCxnSpPr>
+            <a:cxnSpLocks/>
+          </p:cNvCxnSpPr>
+          <p:nvPr/>
+        </p:nvCxnSpPr>
+        <p:spPr>
+          <a:xfrm>
+            <a:off x="9497538" y="5088675"/>
+            <a:ext cx="634550" cy="0"/>
+          </a:xfrm>
+          <a:prstGeom prst="straightConnector1">
+            <a:avLst/>
+          </a:prstGeom>
+          <a:ln>
+            <a:solidFill>
+              <a:srgbClr val="C00000"/>
+            </a:solidFill>
+            <a:prstDash val="solid"/>
+            <a:tailEnd type="triangle"/>
+          </a:ln>
+        </p:spPr>
+        <p:style>
+          <a:lnRef idx="2">
+            <a:schemeClr val="accent1"/>
+          </a:lnRef>
+          <a:fillRef idx="0">
+            <a:schemeClr val="accent1"/>
+          </a:fillRef>
+          <a:effectRef idx="1">
+            <a:schemeClr val="accent1"/>
+          </a:effectRef>
+          <a:fontRef idx="minor">
+            <a:schemeClr val="tx1"/>
+          </a:fontRef>
+        </p:style>
+      </p:cxnSp>
+      <p:sp>
+        <p:nvSpPr>
+          <p:cNvPr id="237" name="TextBox 236">
+            <a:extLst>
+              <a:ext uri="{FF2B5EF4-FFF2-40B4-BE49-F238E27FC236}">
+                <a16:creationId xmlns:a16="http://schemas.microsoft.com/office/drawing/2014/main" id="{36112CF3-2E05-3D53-61A9-FFCC76707D17}"/>
+              </a:ext>
+            </a:extLst>
+          </p:cNvPr>
+          <p:cNvSpPr txBox="1"/>
+          <p:nvPr/>
+        </p:nvSpPr>
+        <p:spPr>
+          <a:xfrm>
+            <a:off x="9443610" y="3939419"/>
+            <a:ext cx="797920" cy="276999"/>
+          </a:xfrm>
+          <a:prstGeom prst="rect">
+            <a:avLst/>
+          </a:prstGeom>
+          <a:noFill/>
+        </p:spPr>
+        <p:txBody>
+          <a:bodyPr wrap="square" rtlCol="0">
+            <a:spAutoFit/>
+          </a:bodyPr>
+          <a:lstStyle/>
+          <a:p>
+            <a:r>
+              <a:rPr lang="en-US" sz="1200" b="1" dirty="0">
+                <a:solidFill>
+                  <a:srgbClr val="C00000"/>
+                </a:solidFill>
+              </a:rPr>
+              <a:t>Attack</a:t>
+            </a:r>
+            <a:endParaRPr lang="en-SG" sz="1200" b="1" dirty="0">
+              <a:solidFill>
+                <a:srgbClr val="C00000"/>
+              </a:solidFill>
+            </a:endParaRPr>
+          </a:p>
+        </p:txBody>
+      </p:sp>
+      <p:sp>
+        <p:nvSpPr>
+          <p:cNvPr id="238" name="TextBox 237">
+            <a:extLst>
+              <a:ext uri="{FF2B5EF4-FFF2-40B4-BE49-F238E27FC236}">
+                <a16:creationId xmlns:a16="http://schemas.microsoft.com/office/drawing/2014/main" id="{77228532-0B8A-152B-C881-A7DA3B351869}"/>
+              </a:ext>
+            </a:extLst>
+          </p:cNvPr>
+          <p:cNvSpPr txBox="1"/>
+          <p:nvPr/>
+        </p:nvSpPr>
+        <p:spPr>
+          <a:xfrm>
+            <a:off x="9492480" y="5092337"/>
+            <a:ext cx="797920" cy="276999"/>
+          </a:xfrm>
+          <a:prstGeom prst="rect">
+            <a:avLst/>
+          </a:prstGeom>
+          <a:noFill/>
+        </p:spPr>
+        <p:txBody>
+          <a:bodyPr wrap="square" rtlCol="0">
+            <a:spAutoFit/>
+          </a:bodyPr>
+          <a:lstStyle/>
+          <a:p>
+            <a:r>
+              <a:rPr lang="en-US" sz="1200" b="1" dirty="0">
+                <a:solidFill>
+                  <a:srgbClr val="C00000"/>
+                </a:solidFill>
+              </a:rPr>
+              <a:t>Attack</a:t>
+            </a:r>
+            <a:endParaRPr lang="en-SG" sz="1200" b="1" dirty="0">
+              <a:solidFill>
+                <a:srgbClr val="C00000"/>
+              </a:solidFill>
+            </a:endParaRPr>
+          </a:p>
+        </p:txBody>
+      </p:sp>
+      <p:sp>
+        <p:nvSpPr>
+          <p:cNvPr id="239" name="TextBox 238">
+            <a:extLst>
+              <a:ext uri="{FF2B5EF4-FFF2-40B4-BE49-F238E27FC236}">
+                <a16:creationId xmlns:a16="http://schemas.microsoft.com/office/drawing/2014/main" id="{60EDD1B5-E597-14F9-0B6F-393C32815239}"/>
+              </a:ext>
+            </a:extLst>
+          </p:cNvPr>
+          <p:cNvSpPr txBox="1"/>
+          <p:nvPr/>
+        </p:nvSpPr>
+        <p:spPr>
+          <a:xfrm>
+            <a:off x="9459742" y="6149550"/>
+            <a:ext cx="797920" cy="276999"/>
+          </a:xfrm>
+          <a:prstGeom prst="rect">
+            <a:avLst/>
+          </a:prstGeom>
+          <a:noFill/>
+        </p:spPr>
+        <p:txBody>
+          <a:bodyPr wrap="square" rtlCol="0">
+            <a:spAutoFit/>
+          </a:bodyPr>
+          <a:lstStyle/>
+          <a:p>
+            <a:r>
+              <a:rPr lang="en-US" sz="1200" b="1" dirty="0">
+                <a:solidFill>
+                  <a:srgbClr val="C00000"/>
+                </a:solidFill>
+              </a:rPr>
+              <a:t>Attack</a:t>
+            </a:r>
+            <a:endParaRPr lang="en-SG" sz="1200" b="1" dirty="0">
+              <a:solidFill>
+                <a:srgbClr val="C00000"/>
+              </a:solidFill>
+            </a:endParaRPr>
+          </a:p>
+        </p:txBody>
+      </p:sp>
+      <p:cxnSp>
+        <p:nvCxnSpPr>
+          <p:cNvPr id="240" name="Straight Arrow Connector 239">
+            <a:extLst>
+              <a:ext uri="{FF2B5EF4-FFF2-40B4-BE49-F238E27FC236}">
+                <a16:creationId xmlns:a16="http://schemas.microsoft.com/office/drawing/2014/main" id="{2AF0028C-1C44-3150-C431-0105F7FF6867}"/>
+              </a:ext>
+            </a:extLst>
+          </p:cNvPr>
+          <p:cNvCxnSpPr>
+            <a:cxnSpLocks/>
+          </p:cNvCxnSpPr>
+          <p:nvPr/>
+        </p:nvCxnSpPr>
+        <p:spPr>
+          <a:xfrm>
+            <a:off x="9497538" y="6123801"/>
+            <a:ext cx="634550" cy="0"/>
+          </a:xfrm>
+          <a:prstGeom prst="straightConnector1">
+            <a:avLst/>
+          </a:prstGeom>
+          <a:ln>
+            <a:solidFill>
+              <a:srgbClr val="C00000"/>
+            </a:solidFill>
+            <a:prstDash val="solid"/>
+            <a:tailEnd type="triangle"/>
+          </a:ln>
+        </p:spPr>
+        <p:style>
+          <a:lnRef idx="2">
+            <a:schemeClr val="accent1"/>
+          </a:lnRef>
+          <a:fillRef idx="0">
+            <a:schemeClr val="accent1"/>
+          </a:fillRef>
+          <a:effectRef idx="1">
+            <a:schemeClr val="accent1"/>
+          </a:effectRef>
+          <a:fontRef idx="minor">
+            <a:schemeClr val="tx1"/>
+          </a:fontRef>
+        </p:style>
+      </p:cxnSp>
+      <p:pic>
+        <p:nvPicPr>
+          <p:cNvPr id="241" name="Picture 240">
+            <a:extLst>
+              <a:ext uri="{FF2B5EF4-FFF2-40B4-BE49-F238E27FC236}">
+                <a16:creationId xmlns:a16="http://schemas.microsoft.com/office/drawing/2014/main" id="{BB804AC6-3D06-5018-A615-4701D0C97B95}"/>
+              </a:ext>
+            </a:extLst>
+          </p:cNvPr>
+          <p:cNvPicPr>
+            <a:picLocks noChangeAspect="1"/>
+          </p:cNvPicPr>
+          <p:nvPr/>
+        </p:nvPicPr>
+        <p:blipFill>
+          <a:blip r:embed="rId37"/>
+          <a:stretch>
+            <a:fillRect/>
+          </a:stretch>
+        </p:blipFill>
+        <p:spPr>
+          <a:xfrm>
+            <a:off x="10173834" y="5955650"/>
+            <a:ext cx="536529" cy="302980"/>
+          </a:xfrm>
+          <a:prstGeom prst="rect">
+            <a:avLst/>
+          </a:prstGeom>
+          <a:ln>
+            <a:noFill/>
+          </a:ln>
+        </p:spPr>
+      </p:pic>
+      <p:sp>
+        <p:nvSpPr>
+          <p:cNvPr id="242" name="TextBox 241">
+            <a:extLst>
+              <a:ext uri="{FF2B5EF4-FFF2-40B4-BE49-F238E27FC236}">
+                <a16:creationId xmlns:a16="http://schemas.microsoft.com/office/drawing/2014/main" id="{1004B6FC-055B-81C2-843F-1C79E3D2610C}"/>
+              </a:ext>
+            </a:extLst>
+          </p:cNvPr>
+          <p:cNvSpPr txBox="1"/>
+          <p:nvPr/>
+        </p:nvSpPr>
+        <p:spPr>
+          <a:xfrm>
+            <a:off x="9981314" y="5329271"/>
+            <a:ext cx="1314892" cy="400110"/>
+          </a:xfrm>
+          <a:prstGeom prst="rect">
+            <a:avLst/>
+          </a:prstGeom>
+          <a:noFill/>
+        </p:spPr>
+        <p:txBody>
+          <a:bodyPr wrap="square" rtlCol="0">
+            <a:spAutoFit/>
+          </a:bodyPr>
+          <a:lstStyle/>
+          <a:p>
+            <a:r>
+              <a:rPr lang="en-SG" sz="1000" b="1" dirty="0"/>
+              <a:t>Targeted web service host </a:t>
+            </a:r>
+          </a:p>
+        </p:txBody>
+      </p:sp>
+      <p:sp>
+        <p:nvSpPr>
+          <p:cNvPr id="244" name="TextBox 243">
+            <a:extLst>
+              <a:ext uri="{FF2B5EF4-FFF2-40B4-BE49-F238E27FC236}">
+                <a16:creationId xmlns:a16="http://schemas.microsoft.com/office/drawing/2014/main" id="{718C6C89-CAB9-708B-D09C-B6CE19B16C11}"/>
+              </a:ext>
+            </a:extLst>
+          </p:cNvPr>
+          <p:cNvSpPr txBox="1"/>
+          <p:nvPr/>
+        </p:nvSpPr>
+        <p:spPr>
+          <a:xfrm>
+            <a:off x="10082703" y="6258630"/>
+            <a:ext cx="1112113" cy="400110"/>
+          </a:xfrm>
+          <a:prstGeom prst="rect">
+            <a:avLst/>
+          </a:prstGeom>
+          <a:noFill/>
+        </p:spPr>
+        <p:txBody>
+          <a:bodyPr wrap="square" rtlCol="0">
+            <a:spAutoFit/>
+          </a:bodyPr>
+          <a:lstStyle/>
+          <a:p>
+            <a:r>
+              <a:rPr lang="en-SG" sz="1000" b="1" dirty="0"/>
+              <a:t>Targeted computer</a:t>
+            </a:r>
+          </a:p>
+        </p:txBody>
+      </p:sp>
+      <p:pic>
+        <p:nvPicPr>
+          <p:cNvPr id="245" name="Picture 244">
+            <a:extLst>
+              <a:ext uri="{FF2B5EF4-FFF2-40B4-BE49-F238E27FC236}">
+                <a16:creationId xmlns:a16="http://schemas.microsoft.com/office/drawing/2014/main" id="{DC802D64-080B-9A62-F279-E41FDD62EFD1}"/>
+              </a:ext>
+            </a:extLst>
+          </p:cNvPr>
+          <p:cNvPicPr>
+            <a:picLocks noChangeAspect="1"/>
+          </p:cNvPicPr>
+          <p:nvPr/>
+        </p:nvPicPr>
+        <p:blipFill>
+          <a:blip r:embed="rId38"/>
+          <a:stretch>
+            <a:fillRect/>
+          </a:stretch>
+        </p:blipFill>
+        <p:spPr>
+          <a:xfrm>
+            <a:off x="8088063" y="1126320"/>
+            <a:ext cx="1269629" cy="584213"/>
+          </a:xfrm>
+          <a:prstGeom prst="rect">
+            <a:avLst/>
+          </a:prstGeom>
+          <a:ln w="19050">
+            <a:solidFill>
+              <a:srgbClr val="FF0000"/>
+            </a:solidFill>
+            <a:prstDash val="sysDash"/>
+          </a:ln>
+        </p:spPr>
+      </p:pic>
+      <p:cxnSp>
+        <p:nvCxnSpPr>
+          <p:cNvPr id="248" name="Straight Arrow Connector 247">
+            <a:extLst>
+              <a:ext uri="{FF2B5EF4-FFF2-40B4-BE49-F238E27FC236}">
+                <a16:creationId xmlns:a16="http://schemas.microsoft.com/office/drawing/2014/main" id="{372CE645-C120-DE06-DA0D-09B7C5E6D07E}"/>
+              </a:ext>
+            </a:extLst>
+          </p:cNvPr>
+          <p:cNvCxnSpPr>
+            <a:cxnSpLocks/>
+          </p:cNvCxnSpPr>
+          <p:nvPr/>
+        </p:nvCxnSpPr>
+        <p:spPr>
+          <a:xfrm>
+            <a:off x="5709726" y="1280710"/>
+            <a:ext cx="2344827" cy="0"/>
+          </a:xfrm>
+          <a:prstGeom prst="straightConnector1">
+            <a:avLst/>
+          </a:prstGeom>
+          <a:ln>
+            <a:solidFill>
+              <a:schemeClr val="tx1"/>
+            </a:solidFill>
+            <a:prstDash val="sysDash"/>
+            <a:tailEnd type="triangle"/>
+          </a:ln>
+        </p:spPr>
+        <p:style>
+          <a:lnRef idx="2">
+            <a:schemeClr val="accent1"/>
+          </a:lnRef>
+          <a:fillRef idx="0">
+            <a:schemeClr val="accent1"/>
+          </a:fillRef>
+          <a:effectRef idx="1">
+            <a:schemeClr val="accent1"/>
+          </a:effectRef>
+          <a:fontRef idx="minor">
+            <a:schemeClr val="tx1"/>
+          </a:fontRef>
+        </p:style>
+      </p:cxnSp>
+      <p:cxnSp>
+        <p:nvCxnSpPr>
+          <p:cNvPr id="252" name="Connector: Elbow 251">
+            <a:extLst>
+              <a:ext uri="{FF2B5EF4-FFF2-40B4-BE49-F238E27FC236}">
+                <a16:creationId xmlns:a16="http://schemas.microsoft.com/office/drawing/2014/main" id="{3C2F3FCF-4B43-62B5-EF92-0CE13DAEE441}"/>
+              </a:ext>
+            </a:extLst>
+          </p:cNvPr>
+          <p:cNvCxnSpPr>
+            <a:stCxn id="123" idx="2"/>
+          </p:cNvCxnSpPr>
+          <p:nvPr/>
+        </p:nvCxnSpPr>
+        <p:spPr>
+          <a:xfrm rot="5400000">
+            <a:off x="8904673" y="2861255"/>
+            <a:ext cx="196072" cy="424814"/>
+          </a:xfrm>
+          <a:prstGeom prst="bentConnector2">
+            <a:avLst/>
+          </a:prstGeom>
+        </p:spPr>
+        <p:style>
+          <a:lnRef idx="2">
+            <a:schemeClr val="dk1"/>
+          </a:lnRef>
+          <a:fillRef idx="0">
+            <a:schemeClr val="dk1"/>
+          </a:fillRef>
+          <a:effectRef idx="1">
+            <a:schemeClr val="dk1"/>
+          </a:effectRef>
+          <a:fontRef idx="minor">
+            <a:schemeClr val="tx1"/>
+          </a:fontRef>
+        </p:style>
+      </p:cxnSp>
+      <p:cxnSp>
+        <p:nvCxnSpPr>
+          <p:cNvPr id="253" name="Connector: Elbow 252">
+            <a:extLst>
+              <a:ext uri="{FF2B5EF4-FFF2-40B4-BE49-F238E27FC236}">
+                <a16:creationId xmlns:a16="http://schemas.microsoft.com/office/drawing/2014/main" id="{EAD4D654-21F4-DA29-1562-66FFA4C0DDE8}"/>
+              </a:ext>
+            </a:extLst>
+          </p:cNvPr>
+          <p:cNvCxnSpPr>
+            <a:cxnSpLocks/>
+            <a:stCxn id="125" idx="2"/>
+          </p:cNvCxnSpPr>
+          <p:nvPr/>
+        </p:nvCxnSpPr>
+        <p:spPr>
+          <a:xfrm rot="5400000">
+            <a:off x="8886028" y="3961440"/>
+            <a:ext cx="241902" cy="474243"/>
+          </a:xfrm>
+          <a:prstGeom prst="bentConnector2">
+            <a:avLst/>
+          </a:prstGeom>
+        </p:spPr>
+        <p:style>
+          <a:lnRef idx="2">
+            <a:schemeClr val="dk1"/>
+          </a:lnRef>
+          <a:fillRef idx="0">
+            <a:schemeClr val="dk1"/>
+          </a:fillRef>
+          <a:effectRef idx="1">
+            <a:schemeClr val="dk1"/>
+          </a:effectRef>
+          <a:fontRef idx="minor">
+            <a:schemeClr val="tx1"/>
+          </a:fontRef>
+        </p:style>
+      </p:cxnSp>
+      <p:cxnSp>
+        <p:nvCxnSpPr>
+          <p:cNvPr id="256" name="Connector: Elbow 255">
+            <a:extLst>
+              <a:ext uri="{FF2B5EF4-FFF2-40B4-BE49-F238E27FC236}">
+                <a16:creationId xmlns:a16="http://schemas.microsoft.com/office/drawing/2014/main" id="{F94BA354-5BE0-C0D9-79A6-6E26D2CFB845}"/>
+              </a:ext>
+            </a:extLst>
+          </p:cNvPr>
+          <p:cNvCxnSpPr>
+            <a:cxnSpLocks/>
+            <a:stCxn id="128" idx="2"/>
+          </p:cNvCxnSpPr>
+          <p:nvPr/>
+        </p:nvCxnSpPr>
+        <p:spPr>
+          <a:xfrm rot="5400000">
+            <a:off x="8932752" y="5129858"/>
+            <a:ext cx="238718" cy="466340"/>
+          </a:xfrm>
+          <a:prstGeom prst="bentConnector2">
+            <a:avLst/>
+          </a:prstGeom>
+        </p:spPr>
+        <p:style>
+          <a:lnRef idx="2">
+            <a:schemeClr val="dk1"/>
+          </a:lnRef>
+          <a:fillRef idx="0">
+            <a:schemeClr val="dk1"/>
+          </a:fillRef>
+          <a:effectRef idx="1">
+            <a:schemeClr val="dk1"/>
+          </a:effectRef>
+          <a:fontRef idx="minor">
+            <a:schemeClr val="tx1"/>
+          </a:fontRef>
+        </p:style>
+      </p:cxnSp>
+      <p:cxnSp>
+        <p:nvCxnSpPr>
+          <p:cNvPr id="258" name="Connector: Elbow 257">
+            <a:extLst>
+              <a:ext uri="{FF2B5EF4-FFF2-40B4-BE49-F238E27FC236}">
+                <a16:creationId xmlns:a16="http://schemas.microsoft.com/office/drawing/2014/main" id="{ADA7A50D-DEB3-627E-C310-34AE97F4B642}"/>
+              </a:ext>
+            </a:extLst>
+          </p:cNvPr>
+          <p:cNvCxnSpPr>
+            <a:cxnSpLocks/>
+            <a:stCxn id="130" idx="2"/>
+          </p:cNvCxnSpPr>
+          <p:nvPr/>
+        </p:nvCxnSpPr>
+        <p:spPr>
+          <a:xfrm rot="5400000">
+            <a:off x="8991737" y="6161488"/>
+            <a:ext cx="57376" cy="472742"/>
+          </a:xfrm>
+          <a:prstGeom prst="bentConnector2">
+            <a:avLst/>
+          </a:prstGeom>
+        </p:spPr>
+        <p:style>
+          <a:lnRef idx="2">
+            <a:schemeClr val="dk1"/>
+          </a:lnRef>
+          <a:fillRef idx="0">
+            <a:schemeClr val="dk1"/>
+          </a:fillRef>
+          <a:effectRef idx="1">
+            <a:schemeClr val="dk1"/>
+          </a:effectRef>
+          <a:fontRef idx="minor">
+            <a:schemeClr val="tx1"/>
+          </a:fontRef>
+        </p:style>
+      </p:cxnSp>
+      <p:sp>
+        <p:nvSpPr>
+          <p:cNvPr id="263" name="TextBox 262">
+            <a:extLst>
+              <a:ext uri="{FF2B5EF4-FFF2-40B4-BE49-F238E27FC236}">
+                <a16:creationId xmlns:a16="http://schemas.microsoft.com/office/drawing/2014/main" id="{B03D288B-2A24-C724-3FDB-892F033609AD}"/>
+              </a:ext>
+            </a:extLst>
+          </p:cNvPr>
+          <p:cNvSpPr txBox="1"/>
+          <p:nvPr/>
+        </p:nvSpPr>
+        <p:spPr>
+          <a:xfrm>
+            <a:off x="6038038" y="1014820"/>
+            <a:ext cx="1661917" cy="246221"/>
+          </a:xfrm>
+          <a:prstGeom prst="rect">
+            <a:avLst/>
+          </a:prstGeom>
+          <a:noFill/>
+        </p:spPr>
+        <p:txBody>
+          <a:bodyPr wrap="square" rtlCol="0">
+            <a:spAutoFit/>
+          </a:bodyPr>
+          <a:lstStyle/>
+          <a:p>
+            <a:r>
+              <a:rPr lang="en-SG" sz="1000" b="1" dirty="0"/>
+              <a:t>Dynamic attack  control</a:t>
+            </a:r>
+          </a:p>
+        </p:txBody>
+      </p:sp>
+    </p:spTree>
+    <p:extLst>
+      <p:ext uri="{BB962C8B-B14F-4D97-AF65-F5344CB8AC3E}">
+        <p14:creationId xmlns:p14="http://schemas.microsoft.com/office/powerpoint/2010/main" val="2802847754"/>
+      </p:ext>
+    </p:extLst>
+  </p:cSld>
+  <p:clrMapOvr>
+    <a:masterClrMapping/>
+  </p:clrMapOvr>
+</p:sld>
+</file>
+
+<file path=ppt/slides/slide7.xml><?xml version="1.0" encoding="utf-8"?>
+<p:sld xmlns:a="http://schemas.openxmlformats.org/drawingml/2006/main" xmlns:r="http://schemas.openxmlformats.org/officeDocument/2006/relationships" xmlns:p="http://schemas.openxmlformats.org/presentationml/2006/main">
+  <p:cSld>
+    <p:spTree>
+      <p:nvGrpSpPr>
+        <p:cNvPr id="1" name=""/>
+        <p:cNvGrpSpPr/>
+        <p:nvPr/>
+      </p:nvGrpSpPr>
+      <p:grpSpPr>
+        <a:xfrm>
+          <a:off x="0" y="0"/>
+          <a:ext cx="0" cy="0"/>
+          <a:chOff x="0" y="0"/>
+          <a:chExt cx="0" cy="0"/>
+        </a:xfrm>
+      </p:grpSpPr>
+      <p:sp>
+        <p:nvSpPr>
+          <p:cNvPr id="18" name="Rectangle 17">
+            <a:extLst>
+              <a:ext uri="{FF2B5EF4-FFF2-40B4-BE49-F238E27FC236}">
+                <a16:creationId xmlns:a16="http://schemas.microsoft.com/office/drawing/2014/main" id="{2223056D-70BE-633D-1152-66EDF9030A31}"/>
+              </a:ext>
+            </a:extLst>
+          </p:cNvPr>
+          <p:cNvSpPr/>
+          <p:nvPr/>
+        </p:nvSpPr>
+        <p:spPr>
+          <a:xfrm>
+            <a:off x="510363" y="148849"/>
+            <a:ext cx="10502671" cy="6321268"/>
+          </a:xfrm>
+          <a:prstGeom prst="rect">
+            <a:avLst/>
+          </a:prstGeom>
+          <a:noFill/>
+          <a:ln>
+            <a:prstDash val="sysDash"/>
+          </a:ln>
+        </p:spPr>
+        <p:style>
+          <a:lnRef idx="2">
+            <a:schemeClr val="accent1">
+              <a:shade val="15000"/>
+            </a:schemeClr>
+          </a:lnRef>
+          <a:fillRef idx="1">
+            <a:schemeClr val="accent1"/>
+          </a:fillRef>
+          <a:effectRef idx="0">
+            <a:schemeClr val="accent1"/>
+          </a:effectRef>
+          <a:fontRef idx="minor">
+            <a:schemeClr val="lt1"/>
+          </a:fontRef>
+        </p:style>
+        <p:txBody>
+          <a:bodyPr rtlCol="0" anchor="ctr"/>
+          <a:lstStyle/>
+          <a:p>
+            <a:pPr algn="ctr"/>
+            <a:endParaRPr lang="en-SG"/>
+          </a:p>
+        </p:txBody>
+      </p:sp>
+      <p:sp>
+        <p:nvSpPr>
+          <p:cNvPr id="5" name="Rectangle 4">
+            <a:extLst>
+              <a:ext uri="{FF2B5EF4-FFF2-40B4-BE49-F238E27FC236}">
+                <a16:creationId xmlns:a16="http://schemas.microsoft.com/office/drawing/2014/main" id="{27087989-F382-9F38-22B8-092F91C25030}"/>
+              </a:ext>
+            </a:extLst>
+          </p:cNvPr>
+          <p:cNvSpPr/>
+          <p:nvPr/>
+        </p:nvSpPr>
+        <p:spPr>
+          <a:xfrm>
+            <a:off x="2132451" y="1877717"/>
+            <a:ext cx="1140823" cy="397285"/>
+          </a:xfrm>
+          <a:prstGeom prst="rect">
+            <a:avLst/>
+          </a:prstGeom>
+          <a:solidFill>
+            <a:schemeClr val="accent6">
+              <a:lumMod val="75000"/>
+            </a:schemeClr>
+          </a:solidFill>
+        </p:spPr>
+        <p:style>
+          <a:lnRef idx="2">
+            <a:schemeClr val="accent1">
+              <a:shade val="50000"/>
+            </a:schemeClr>
+          </a:lnRef>
+          <a:fillRef idx="1">
+            <a:schemeClr val="accent1"/>
+          </a:fillRef>
+          <a:effectRef idx="0">
+            <a:schemeClr val="accent1"/>
+          </a:effectRef>
+          <a:fontRef idx="minor">
+            <a:schemeClr val="lt1"/>
+          </a:fontRef>
+        </p:style>
+        <p:txBody>
+          <a:bodyPr rtlCol="0" anchor="ctr"/>
+          <a:lstStyle/>
+          <a:p>
+            <a:r>
+              <a:rPr lang="en-US" sz="1100" dirty="0"/>
+              <a:t>Init the process watchdog</a:t>
+            </a:r>
+            <a:endParaRPr lang="en-SG" sz="1100" dirty="0"/>
+          </a:p>
+        </p:txBody>
+      </p:sp>
+      <p:cxnSp>
+        <p:nvCxnSpPr>
+          <p:cNvPr id="6" name="Straight Connector 5">
+            <a:extLst>
+              <a:ext uri="{FF2B5EF4-FFF2-40B4-BE49-F238E27FC236}">
+                <a16:creationId xmlns:a16="http://schemas.microsoft.com/office/drawing/2014/main" id="{D3F58877-8E0C-1971-FEDD-4DDF15443474}"/>
+              </a:ext>
+            </a:extLst>
+          </p:cNvPr>
+          <p:cNvCxnSpPr>
+            <a:cxnSpLocks/>
+          </p:cNvCxnSpPr>
+          <p:nvPr/>
+        </p:nvCxnSpPr>
+        <p:spPr>
+          <a:xfrm>
+            <a:off x="5006833" y="254677"/>
+            <a:ext cx="0" cy="6049501"/>
+          </a:xfrm>
+          <a:prstGeom prst="line">
+            <a:avLst/>
+          </a:prstGeom>
+          <a:ln w="19050">
+            <a:prstDash val="sysDash"/>
+          </a:ln>
+        </p:spPr>
+        <p:style>
+          <a:lnRef idx="1">
+            <a:schemeClr val="accent1"/>
+          </a:lnRef>
+          <a:fillRef idx="0">
+            <a:schemeClr val="accent1"/>
+          </a:fillRef>
+          <a:effectRef idx="0">
+            <a:schemeClr val="accent1"/>
+          </a:effectRef>
+          <a:fontRef idx="minor">
+            <a:schemeClr val="tx1"/>
+          </a:fontRef>
+        </p:style>
+      </p:cxnSp>
+      <p:sp>
+        <p:nvSpPr>
+          <p:cNvPr id="7" name="TextBox 6">
+            <a:extLst>
+              <a:ext uri="{FF2B5EF4-FFF2-40B4-BE49-F238E27FC236}">
+                <a16:creationId xmlns:a16="http://schemas.microsoft.com/office/drawing/2014/main" id="{8A5599A1-CB7C-DC04-7B8C-238539A1B2F1}"/>
+              </a:ext>
+            </a:extLst>
+          </p:cNvPr>
+          <p:cNvSpPr txBox="1"/>
+          <p:nvPr/>
+        </p:nvSpPr>
+        <p:spPr>
+          <a:xfrm>
+            <a:off x="857043" y="289675"/>
+            <a:ext cx="3274953" cy="307777"/>
+          </a:xfrm>
+          <a:prstGeom prst="rect">
+            <a:avLst/>
+          </a:prstGeom>
+          <a:noFill/>
+        </p:spPr>
+        <p:txBody>
+          <a:bodyPr wrap="square" rtlCol="0">
+            <a:spAutoFit/>
+          </a:bodyPr>
+          <a:lstStyle/>
+          <a:p>
+            <a:r>
+              <a:rPr lang="en-SG" sz="1400" b="1" dirty="0"/>
+              <a:t>Program hook with the watch dog</a:t>
+            </a:r>
+          </a:p>
+        </p:txBody>
+      </p:sp>
+      <p:pic>
+        <p:nvPicPr>
+          <p:cNvPr id="1026" name="Picture 2" descr="Document, file, record, recording icon - Download on Iconfinder">
+            <a:extLst>
+              <a:ext uri="{FF2B5EF4-FFF2-40B4-BE49-F238E27FC236}">
+                <a16:creationId xmlns:a16="http://schemas.microsoft.com/office/drawing/2014/main" id="{D57B9730-446A-070F-339A-8C1D8EB742F1}"/>
+              </a:ext>
+            </a:extLst>
+          </p:cNvPr>
+          <p:cNvPicPr>
+            <a:picLocks noChangeAspect="1" noChangeArrowheads="1"/>
+          </p:cNvPicPr>
+          <p:nvPr/>
+        </p:nvPicPr>
+        <p:blipFill>
+          <a:blip r:embed="rId2">
+            <a:extLst>
+              <a:ext uri="{28A0092B-C50C-407E-A947-70E740481C1C}">
+                <a14:useLocalDpi xmlns:a14="http://schemas.microsoft.com/office/drawing/2010/main" val="0"/>
+              </a:ext>
+            </a:extLst>
+          </a:blip>
+          <a:srcRect/>
+          <a:stretch>
+            <a:fillRect/>
+          </a:stretch>
+        </p:blipFill>
+        <p:spPr bwMode="auto">
+          <a:xfrm>
+            <a:off x="4204688" y="2053756"/>
+            <a:ext cx="564759" cy="564759"/>
+          </a:xfrm>
+          <a:prstGeom prst="rect">
+            <a:avLst/>
+          </a:prstGeom>
+          <a:noFill/>
+          <a:extLst>
+            <a:ext uri="{909E8E84-426E-40DD-AFC4-6F175D3DCCD1}">
+              <a14:hiddenFill xmlns:a14="http://schemas.microsoft.com/office/drawing/2010/main">
+                <a:solidFill>
+                  <a:srgbClr val="FFFFFF"/>
+                </a:solidFill>
+              </a14:hiddenFill>
+            </a:ext>
+          </a:extLst>
+        </p:spPr>
+      </p:pic>
+      <p:sp>
+        <p:nvSpPr>
+          <p:cNvPr id="11" name="TextBox 10">
+            <a:extLst>
+              <a:ext uri="{FF2B5EF4-FFF2-40B4-BE49-F238E27FC236}">
+                <a16:creationId xmlns:a16="http://schemas.microsoft.com/office/drawing/2014/main" id="{C4334108-55FB-C250-33D6-4DA42ECCBF6C}"/>
+              </a:ext>
+            </a:extLst>
+          </p:cNvPr>
+          <p:cNvSpPr txBox="1"/>
+          <p:nvPr/>
+        </p:nvSpPr>
+        <p:spPr>
+          <a:xfrm>
+            <a:off x="3833636" y="1488391"/>
+            <a:ext cx="1111526" cy="646331"/>
+          </a:xfrm>
+          <a:prstGeom prst="rect">
+            <a:avLst/>
+          </a:prstGeom>
+          <a:noFill/>
+        </p:spPr>
+        <p:txBody>
+          <a:bodyPr wrap="square" rtlCol="0">
+            <a:spAutoFit/>
+          </a:bodyPr>
+          <a:lstStyle/>
+          <a:p>
+            <a:r>
+              <a:rPr lang="en-US" sz="1200" b="1" dirty="0"/>
+              <a:t>Load/create the process ID record file</a:t>
+            </a:r>
+            <a:endParaRPr lang="en-SG" sz="1200" b="1" dirty="0"/>
+          </a:p>
+        </p:txBody>
+      </p:sp>
+      <p:cxnSp>
+        <p:nvCxnSpPr>
+          <p:cNvPr id="15" name="Straight Arrow Connector 14">
+            <a:extLst>
+              <a:ext uri="{FF2B5EF4-FFF2-40B4-BE49-F238E27FC236}">
+                <a16:creationId xmlns:a16="http://schemas.microsoft.com/office/drawing/2014/main" id="{24F2294A-3CB4-97D1-2E5D-6DC17DFC82AC}"/>
+              </a:ext>
+            </a:extLst>
+          </p:cNvPr>
+          <p:cNvCxnSpPr>
+            <a:cxnSpLocks/>
+          </p:cNvCxnSpPr>
+          <p:nvPr/>
+        </p:nvCxnSpPr>
+        <p:spPr>
+          <a:xfrm>
+            <a:off x="2636879" y="2290936"/>
+            <a:ext cx="0" cy="521366"/>
+          </a:xfrm>
+          <a:prstGeom prst="straightConnector1">
+            <a:avLst/>
+          </a:prstGeom>
+          <a:ln>
+            <a:tailEnd type="triangle"/>
+          </a:ln>
+        </p:spPr>
+        <p:style>
+          <a:lnRef idx="1">
+            <a:schemeClr val="dk1"/>
+          </a:lnRef>
+          <a:fillRef idx="0">
+            <a:schemeClr val="dk1"/>
+          </a:fillRef>
+          <a:effectRef idx="0">
+            <a:schemeClr val="dk1"/>
+          </a:effectRef>
+          <a:fontRef idx="minor">
+            <a:schemeClr val="tx1"/>
+          </a:fontRef>
+        </p:style>
+      </p:cxnSp>
+      <p:sp>
+        <p:nvSpPr>
+          <p:cNvPr id="17" name="Rectangle 16">
+            <a:extLst>
+              <a:ext uri="{FF2B5EF4-FFF2-40B4-BE49-F238E27FC236}">
+                <a16:creationId xmlns:a16="http://schemas.microsoft.com/office/drawing/2014/main" id="{F9A3E3FA-6DCC-3A70-9A14-8B3AC16AD5C2}"/>
+              </a:ext>
+            </a:extLst>
+          </p:cNvPr>
+          <p:cNvSpPr/>
+          <p:nvPr/>
+        </p:nvSpPr>
+        <p:spPr>
+          <a:xfrm>
+            <a:off x="2136343" y="2823980"/>
+            <a:ext cx="1209946" cy="397285"/>
+          </a:xfrm>
+          <a:prstGeom prst="rect">
+            <a:avLst/>
+          </a:prstGeom>
+          <a:solidFill>
+            <a:schemeClr val="accent6">
+              <a:lumMod val="75000"/>
+            </a:schemeClr>
+          </a:solidFill>
+        </p:spPr>
+        <p:style>
+          <a:lnRef idx="2">
+            <a:schemeClr val="accent1">
+              <a:shade val="50000"/>
+            </a:schemeClr>
+          </a:lnRef>
+          <a:fillRef idx="1">
+            <a:schemeClr val="accent1"/>
+          </a:fillRef>
+          <a:effectRef idx="0">
+            <a:schemeClr val="accent1"/>
+          </a:effectRef>
+          <a:fontRef idx="minor">
+            <a:schemeClr val="lt1"/>
+          </a:fontRef>
+        </p:style>
+        <p:txBody>
+          <a:bodyPr rtlCol="0" anchor="ctr"/>
+          <a:lstStyle/>
+          <a:p>
+            <a:r>
+              <a:rPr lang="en-SG" sz="1100" dirty="0"/>
+              <a:t>Target execution monitor loop</a:t>
+            </a:r>
+          </a:p>
+        </p:txBody>
+      </p:sp>
+      <p:sp>
+        <p:nvSpPr>
+          <p:cNvPr id="26" name="Rectangle 25">
+            <a:extLst>
+              <a:ext uri="{FF2B5EF4-FFF2-40B4-BE49-F238E27FC236}">
+                <a16:creationId xmlns:a16="http://schemas.microsoft.com/office/drawing/2014/main" id="{E1EDD87A-3B2B-7549-88E4-919214B62F28}"/>
+              </a:ext>
+            </a:extLst>
+          </p:cNvPr>
+          <p:cNvSpPr/>
+          <p:nvPr/>
+        </p:nvSpPr>
+        <p:spPr>
+          <a:xfrm>
+            <a:off x="6372837" y="1611258"/>
+            <a:ext cx="1676961" cy="374298"/>
+          </a:xfrm>
+          <a:prstGeom prst="rect">
+            <a:avLst/>
+          </a:prstGeom>
+          <a:solidFill>
+            <a:srgbClr val="7030A0"/>
+          </a:solidFill>
+          <a:ln>
+            <a:solidFill>
+              <a:schemeClr val="accent2">
+                <a:lumMod val="60000"/>
+                <a:lumOff val="40000"/>
+              </a:schemeClr>
+            </a:solidFill>
+          </a:ln>
+        </p:spPr>
+        <p:style>
+          <a:lnRef idx="2">
+            <a:schemeClr val="accent1">
+              <a:shade val="50000"/>
+            </a:schemeClr>
+          </a:lnRef>
+          <a:fillRef idx="1">
+            <a:schemeClr val="accent1"/>
+          </a:fillRef>
+          <a:effectRef idx="0">
+            <a:schemeClr val="accent1"/>
+          </a:effectRef>
+          <a:fontRef idx="minor">
+            <a:schemeClr val="lt1"/>
+          </a:fontRef>
+        </p:style>
+        <p:txBody>
+          <a:bodyPr rtlCol="0" anchor="ctr"/>
+          <a:lstStyle/>
+          <a:p>
+            <a:r>
+              <a:rPr lang="en-SG" sz="1100" dirty="0"/>
+              <a:t>Watchdog start in new background process</a:t>
+            </a:r>
+          </a:p>
+        </p:txBody>
+      </p:sp>
+      <p:sp>
+        <p:nvSpPr>
+          <p:cNvPr id="27" name="Rectangle 26">
+            <a:extLst>
+              <a:ext uri="{FF2B5EF4-FFF2-40B4-BE49-F238E27FC236}">
+                <a16:creationId xmlns:a16="http://schemas.microsoft.com/office/drawing/2014/main" id="{CC654722-8B04-C0DD-A34F-69842F3B6DFB}"/>
+              </a:ext>
+            </a:extLst>
+          </p:cNvPr>
+          <p:cNvSpPr/>
+          <p:nvPr/>
+        </p:nvSpPr>
+        <p:spPr>
+          <a:xfrm>
+            <a:off x="6370647" y="2285717"/>
+            <a:ext cx="1890811" cy="236255"/>
+          </a:xfrm>
+          <a:prstGeom prst="rect">
+            <a:avLst/>
+          </a:prstGeom>
+          <a:solidFill>
+            <a:srgbClr val="7030A0"/>
+          </a:solidFill>
+        </p:spPr>
+        <p:style>
+          <a:lnRef idx="2">
+            <a:schemeClr val="accent1">
+              <a:shade val="50000"/>
+            </a:schemeClr>
+          </a:lnRef>
+          <a:fillRef idx="1">
+            <a:schemeClr val="accent1"/>
+          </a:fillRef>
+          <a:effectRef idx="0">
+            <a:schemeClr val="accent1"/>
+          </a:effectRef>
+          <a:fontRef idx="minor">
+            <a:schemeClr val="lt1"/>
+          </a:fontRef>
+        </p:style>
+        <p:txBody>
+          <a:bodyPr rtlCol="0" anchor="ctr"/>
+          <a:lstStyle/>
+          <a:p>
+            <a:r>
+              <a:rPr lang="en-US" sz="1200" dirty="0"/>
+              <a:t>Init the process watchdog</a:t>
+            </a:r>
+            <a:endParaRPr lang="en-SG" sz="1200" dirty="0"/>
+          </a:p>
+        </p:txBody>
+      </p:sp>
+      <p:sp>
+        <p:nvSpPr>
+          <p:cNvPr id="30" name="Rectangle 29">
+            <a:extLst>
+              <a:ext uri="{FF2B5EF4-FFF2-40B4-BE49-F238E27FC236}">
+                <a16:creationId xmlns:a16="http://schemas.microsoft.com/office/drawing/2014/main" id="{F3364A23-188E-7C7A-91E8-E2193F0F9663}"/>
+              </a:ext>
+            </a:extLst>
+          </p:cNvPr>
+          <p:cNvSpPr/>
+          <p:nvPr/>
+        </p:nvSpPr>
+        <p:spPr>
+          <a:xfrm>
+            <a:off x="2600333" y="3502547"/>
+            <a:ext cx="1189694" cy="410084"/>
+          </a:xfrm>
+          <a:prstGeom prst="rect">
+            <a:avLst/>
+          </a:prstGeom>
+          <a:noFill/>
+          <a:ln w="19050">
+            <a:solidFill>
+              <a:schemeClr val="accent6">
+                <a:lumMod val="50000"/>
+              </a:schemeClr>
+            </a:solidFill>
+            <a:prstDash val="sysDash"/>
+          </a:ln>
+        </p:spPr>
+        <p:style>
+          <a:lnRef idx="2">
+            <a:schemeClr val="accent1">
+              <a:shade val="50000"/>
+            </a:schemeClr>
+          </a:lnRef>
+          <a:fillRef idx="1">
+            <a:schemeClr val="accent1"/>
+          </a:fillRef>
+          <a:effectRef idx="0">
+            <a:schemeClr val="accent1"/>
+          </a:effectRef>
+          <a:fontRef idx="minor">
+            <a:schemeClr val="lt1"/>
+          </a:fontRef>
+        </p:style>
+        <p:txBody>
+          <a:bodyPr rtlCol="0" anchor="ctr"/>
+          <a:lstStyle/>
+          <a:p>
+            <a:r>
+              <a:rPr lang="en-SG" sz="1200" dirty="0">
+                <a:solidFill>
+                  <a:schemeClr val="accent6">
+                    <a:lumMod val="50000"/>
+                  </a:schemeClr>
+                </a:solidFill>
+              </a:rPr>
+              <a:t>Target execute normal </a:t>
+            </a:r>
+          </a:p>
+        </p:txBody>
+      </p:sp>
+      <p:sp>
+        <p:nvSpPr>
+          <p:cNvPr id="31" name="TextBox 30">
+            <a:extLst>
+              <a:ext uri="{FF2B5EF4-FFF2-40B4-BE49-F238E27FC236}">
+                <a16:creationId xmlns:a16="http://schemas.microsoft.com/office/drawing/2014/main" id="{59A47A9D-347A-935B-E32B-BA431A459DF5}"/>
+              </a:ext>
+            </a:extLst>
+          </p:cNvPr>
+          <p:cNvSpPr txBox="1"/>
+          <p:nvPr/>
+        </p:nvSpPr>
+        <p:spPr>
+          <a:xfrm>
+            <a:off x="823464" y="2044425"/>
+            <a:ext cx="1023748" cy="276999"/>
+          </a:xfrm>
+          <a:prstGeom prst="rect">
+            <a:avLst/>
+          </a:prstGeom>
+          <a:noFill/>
+        </p:spPr>
+        <p:txBody>
+          <a:bodyPr wrap="square" rtlCol="0">
+            <a:spAutoFit/>
+          </a:bodyPr>
+          <a:lstStyle/>
+          <a:p>
+            <a:r>
+              <a:rPr lang="en-SG" sz="1200" b="1" dirty="0">
+                <a:solidFill>
+                  <a:schemeClr val="accent6">
+                    <a:lumMod val="75000"/>
+                  </a:schemeClr>
+                </a:solidFill>
+              </a:rPr>
+              <a:t>Main thread</a:t>
+            </a:r>
+          </a:p>
+        </p:txBody>
+      </p:sp>
+      <p:sp>
+        <p:nvSpPr>
+          <p:cNvPr id="32" name="TextBox 31">
+            <a:extLst>
+              <a:ext uri="{FF2B5EF4-FFF2-40B4-BE49-F238E27FC236}">
+                <a16:creationId xmlns:a16="http://schemas.microsoft.com/office/drawing/2014/main" id="{84339462-56F7-E00E-7FA4-0BFF19914700}"/>
+              </a:ext>
+            </a:extLst>
+          </p:cNvPr>
+          <p:cNvSpPr txBox="1"/>
+          <p:nvPr/>
+        </p:nvSpPr>
+        <p:spPr>
+          <a:xfrm>
+            <a:off x="1531814" y="1397203"/>
+            <a:ext cx="1106048" cy="461665"/>
+          </a:xfrm>
+          <a:prstGeom prst="rect">
+            <a:avLst/>
+          </a:prstGeom>
+          <a:noFill/>
+        </p:spPr>
+        <p:txBody>
+          <a:bodyPr wrap="square" rtlCol="0">
+            <a:spAutoFit/>
+          </a:bodyPr>
+          <a:lstStyle/>
+          <a:p>
+            <a:r>
+              <a:rPr lang="en-SG" sz="1200" b="1" dirty="0">
+                <a:solidFill>
+                  <a:schemeClr val="accent6">
+                    <a:lumMod val="75000"/>
+                  </a:schemeClr>
+                </a:solidFill>
+              </a:rPr>
+              <a:t>Watchdog sub-thread</a:t>
+            </a:r>
+          </a:p>
+        </p:txBody>
+      </p:sp>
+      <p:cxnSp>
+        <p:nvCxnSpPr>
+          <p:cNvPr id="41" name="Connector: Elbow 40">
+            <a:extLst>
+              <a:ext uri="{FF2B5EF4-FFF2-40B4-BE49-F238E27FC236}">
+                <a16:creationId xmlns:a16="http://schemas.microsoft.com/office/drawing/2014/main" id="{059D0D2A-6C8C-E1B7-F44D-868F1658ECFA}"/>
+              </a:ext>
+            </a:extLst>
+          </p:cNvPr>
+          <p:cNvCxnSpPr>
+            <a:cxnSpLocks/>
+            <a:stCxn id="63" idx="0"/>
+          </p:cNvCxnSpPr>
+          <p:nvPr/>
+        </p:nvCxnSpPr>
+        <p:spPr>
+          <a:xfrm rot="5400000" flipH="1" flipV="1">
+            <a:off x="2793871" y="2980019"/>
+            <a:ext cx="2063751" cy="1340745"/>
+          </a:xfrm>
+          <a:prstGeom prst="bentConnector3">
+            <a:avLst>
+              <a:gd name="adj1" fmla="val 9139"/>
+            </a:avLst>
+          </a:prstGeom>
+          <a:ln>
+            <a:tailEnd type="triangle"/>
+          </a:ln>
+        </p:spPr>
+        <p:style>
+          <a:lnRef idx="1">
+            <a:schemeClr val="accent1"/>
+          </a:lnRef>
+          <a:fillRef idx="0">
+            <a:schemeClr val="accent1"/>
+          </a:fillRef>
+          <a:effectRef idx="0">
+            <a:schemeClr val="accent1"/>
+          </a:effectRef>
+          <a:fontRef idx="minor">
+            <a:schemeClr val="tx1"/>
+          </a:fontRef>
+        </p:style>
+      </p:cxnSp>
+      <p:sp>
+        <p:nvSpPr>
+          <p:cNvPr id="42" name="TextBox 41">
+            <a:extLst>
+              <a:ext uri="{FF2B5EF4-FFF2-40B4-BE49-F238E27FC236}">
+                <a16:creationId xmlns:a16="http://schemas.microsoft.com/office/drawing/2014/main" id="{2FEC2979-E69D-6343-85D1-ACA0AA20F1DA}"/>
+              </a:ext>
+            </a:extLst>
+          </p:cNvPr>
+          <p:cNvSpPr txBox="1"/>
+          <p:nvPr/>
+        </p:nvSpPr>
+        <p:spPr>
+          <a:xfrm>
+            <a:off x="3806334" y="2856162"/>
+            <a:ext cx="1038365" cy="600164"/>
+          </a:xfrm>
+          <a:prstGeom prst="rect">
+            <a:avLst/>
+          </a:prstGeom>
+          <a:noFill/>
+        </p:spPr>
+        <p:txBody>
+          <a:bodyPr wrap="square" rtlCol="0">
+            <a:spAutoFit/>
+          </a:bodyPr>
+          <a:lstStyle/>
+          <a:p>
+            <a:r>
+              <a:rPr lang="en-US" sz="1100" dirty="0"/>
+              <a:t>Update new target’s </a:t>
+            </a:r>
+            <a:r>
+              <a:rPr lang="en-US" sz="1100" dirty="0" err="1"/>
+              <a:t>Pid</a:t>
+            </a:r>
+            <a:r>
+              <a:rPr lang="en-US" sz="1100" dirty="0"/>
+              <a:t> in record file</a:t>
+            </a:r>
+            <a:endParaRPr lang="en-SG" sz="1100" dirty="0"/>
+          </a:p>
+        </p:txBody>
+      </p:sp>
+      <p:cxnSp>
+        <p:nvCxnSpPr>
+          <p:cNvPr id="48" name="Straight Arrow Connector 47">
+            <a:extLst>
+              <a:ext uri="{FF2B5EF4-FFF2-40B4-BE49-F238E27FC236}">
+                <a16:creationId xmlns:a16="http://schemas.microsoft.com/office/drawing/2014/main" id="{13F59141-1A70-2776-4FEB-903F5E7C3AAF}"/>
+              </a:ext>
+            </a:extLst>
+          </p:cNvPr>
+          <p:cNvCxnSpPr>
+            <a:cxnSpLocks/>
+          </p:cNvCxnSpPr>
+          <p:nvPr/>
+        </p:nvCxnSpPr>
+        <p:spPr>
+          <a:xfrm>
+            <a:off x="7107634" y="1963778"/>
+            <a:ext cx="0" cy="327158"/>
+          </a:xfrm>
+          <a:prstGeom prst="straightConnector1">
+            <a:avLst/>
+          </a:prstGeom>
+          <a:ln>
+            <a:tailEnd type="triangle"/>
+          </a:ln>
+        </p:spPr>
+        <p:style>
+          <a:lnRef idx="1">
+            <a:schemeClr val="dk1"/>
+          </a:lnRef>
+          <a:fillRef idx="0">
+            <a:schemeClr val="dk1"/>
+          </a:fillRef>
+          <a:effectRef idx="0">
+            <a:schemeClr val="dk1"/>
+          </a:effectRef>
+          <a:fontRef idx="minor">
+            <a:schemeClr val="tx1"/>
+          </a:fontRef>
+        </p:style>
+      </p:cxnSp>
+      <p:cxnSp>
+        <p:nvCxnSpPr>
+          <p:cNvPr id="60" name="Connector: Elbow 59">
+            <a:extLst>
+              <a:ext uri="{FF2B5EF4-FFF2-40B4-BE49-F238E27FC236}">
+                <a16:creationId xmlns:a16="http://schemas.microsoft.com/office/drawing/2014/main" id="{9968E2E1-5607-54A3-8682-428CBB5C4C91}"/>
+              </a:ext>
+            </a:extLst>
+          </p:cNvPr>
+          <p:cNvCxnSpPr>
+            <a:cxnSpLocks/>
+            <a:stCxn id="1079" idx="3"/>
+            <a:endCxn id="2" idx="0"/>
+          </p:cNvCxnSpPr>
+          <p:nvPr/>
+        </p:nvCxnSpPr>
+        <p:spPr>
+          <a:xfrm flipH="1" flipV="1">
+            <a:off x="1252698" y="946233"/>
+            <a:ext cx="6735433" cy="3957079"/>
+          </a:xfrm>
+          <a:prstGeom prst="bentConnector4">
+            <a:avLst>
+              <a:gd name="adj1" fmla="val -7919"/>
+              <a:gd name="adj2" fmla="val 105777"/>
+            </a:avLst>
+          </a:prstGeom>
+          <a:ln w="28575">
+            <a:solidFill>
+              <a:schemeClr val="tx1">
+                <a:lumMod val="50000"/>
+                <a:lumOff val="50000"/>
+              </a:schemeClr>
+            </a:solidFill>
+            <a:tailEnd type="triangle"/>
+          </a:ln>
+        </p:spPr>
+        <p:style>
+          <a:lnRef idx="1">
+            <a:schemeClr val="accent1"/>
+          </a:lnRef>
+          <a:fillRef idx="0">
+            <a:schemeClr val="accent1"/>
+          </a:fillRef>
+          <a:effectRef idx="0">
+            <a:schemeClr val="accent1"/>
+          </a:effectRef>
+          <a:fontRef idx="minor">
+            <a:schemeClr val="tx1"/>
+          </a:fontRef>
+        </p:style>
+      </p:cxnSp>
+      <p:sp>
+        <p:nvSpPr>
+          <p:cNvPr id="1039" name="TextBox 1038">
+            <a:extLst>
+              <a:ext uri="{FF2B5EF4-FFF2-40B4-BE49-F238E27FC236}">
+                <a16:creationId xmlns:a16="http://schemas.microsoft.com/office/drawing/2014/main" id="{34DEE419-205D-3712-152F-2A141B4091C5}"/>
+              </a:ext>
+            </a:extLst>
+          </p:cNvPr>
+          <p:cNvSpPr txBox="1"/>
+          <p:nvPr/>
+        </p:nvSpPr>
+        <p:spPr>
+          <a:xfrm>
+            <a:off x="4584842" y="-165023"/>
+            <a:ext cx="893136" cy="1200329"/>
+          </a:xfrm>
+          <a:prstGeom prst="rect">
+            <a:avLst/>
+          </a:prstGeom>
+          <a:noFill/>
+        </p:spPr>
+        <p:txBody>
+          <a:bodyPr wrap="square">
+            <a:spAutoFit/>
+          </a:bodyPr>
+          <a:lstStyle/>
+          <a:p>
+            <a:r>
+              <a:rPr lang="en-SG" sz="7200" b="0" i="0" dirty="0">
+                <a:solidFill>
+                  <a:schemeClr val="bg1">
+                    <a:lumMod val="65000"/>
+                  </a:schemeClr>
+                </a:solidFill>
+                <a:effectLst/>
+                <a:latin typeface="Arial" panose="020B0604020202020204" pitchFamily="34" charset="0"/>
+              </a:rPr>
+              <a:t>∞</a:t>
+            </a:r>
+            <a:endParaRPr lang="en-SG" sz="7200" dirty="0">
+              <a:solidFill>
+                <a:schemeClr val="bg1">
+                  <a:lumMod val="65000"/>
+                </a:schemeClr>
+              </a:solidFill>
+            </a:endParaRPr>
+          </a:p>
+        </p:txBody>
+      </p:sp>
+      <p:sp>
+        <p:nvSpPr>
+          <p:cNvPr id="2" name="Rectangle 1">
+            <a:extLst>
+              <a:ext uri="{FF2B5EF4-FFF2-40B4-BE49-F238E27FC236}">
+                <a16:creationId xmlns:a16="http://schemas.microsoft.com/office/drawing/2014/main" id="{7DCD135F-B3CC-CAA6-FD57-25AEBBE24564}"/>
+              </a:ext>
+            </a:extLst>
+          </p:cNvPr>
+          <p:cNvSpPr/>
+          <p:nvPr/>
+        </p:nvSpPr>
+        <p:spPr>
+          <a:xfrm>
+            <a:off x="740824" y="946233"/>
+            <a:ext cx="1023748" cy="376534"/>
+          </a:xfrm>
+          <a:prstGeom prst="rect">
+            <a:avLst/>
+          </a:prstGeom>
+          <a:noFill/>
+          <a:ln w="19050">
+            <a:solidFill>
+              <a:schemeClr val="tx1"/>
+            </a:solidFill>
+            <a:prstDash val="sysDash"/>
+          </a:ln>
+        </p:spPr>
+        <p:style>
+          <a:lnRef idx="2">
+            <a:schemeClr val="accent1">
+              <a:shade val="50000"/>
+            </a:schemeClr>
+          </a:lnRef>
+          <a:fillRef idx="1">
+            <a:schemeClr val="accent1"/>
+          </a:fillRef>
+          <a:effectRef idx="0">
+            <a:schemeClr val="accent1"/>
+          </a:effectRef>
+          <a:fontRef idx="minor">
+            <a:schemeClr val="lt1"/>
+          </a:fontRef>
+        </p:style>
+        <p:txBody>
+          <a:bodyPr rtlCol="0" anchor="ctr"/>
+          <a:lstStyle/>
+          <a:p>
+            <a:r>
+              <a:rPr lang="en-SG" sz="1200" b="1" dirty="0">
+                <a:solidFill>
+                  <a:schemeClr val="tx1"/>
+                </a:solidFill>
+              </a:rPr>
+              <a:t>Program Init</a:t>
+            </a:r>
+          </a:p>
+        </p:txBody>
+      </p:sp>
+      <p:cxnSp>
+        <p:nvCxnSpPr>
+          <p:cNvPr id="3" name="Straight Arrow Connector 2">
+            <a:extLst>
+              <a:ext uri="{FF2B5EF4-FFF2-40B4-BE49-F238E27FC236}">
+                <a16:creationId xmlns:a16="http://schemas.microsoft.com/office/drawing/2014/main" id="{74F1F195-50ED-7C17-2B99-9A1C7C80E345}"/>
+              </a:ext>
+            </a:extLst>
+          </p:cNvPr>
+          <p:cNvCxnSpPr>
+            <a:cxnSpLocks/>
+          </p:cNvCxnSpPr>
+          <p:nvPr/>
+        </p:nvCxnSpPr>
+        <p:spPr>
+          <a:xfrm>
+            <a:off x="1242905" y="1341431"/>
+            <a:ext cx="0" cy="2627994"/>
+          </a:xfrm>
+          <a:prstGeom prst="straightConnector1">
+            <a:avLst/>
+          </a:prstGeom>
+          <a:ln w="19050">
+            <a:prstDash val="dash"/>
+            <a:tailEnd type="triangle"/>
+          </a:ln>
+        </p:spPr>
+        <p:style>
+          <a:lnRef idx="1">
+            <a:schemeClr val="dk1"/>
+          </a:lnRef>
+          <a:fillRef idx="0">
+            <a:schemeClr val="dk1"/>
+          </a:fillRef>
+          <a:effectRef idx="0">
+            <a:schemeClr val="dk1"/>
+          </a:effectRef>
+          <a:fontRef idx="minor">
+            <a:schemeClr val="tx1"/>
+          </a:fontRef>
+        </p:style>
+      </p:cxnSp>
+      <p:sp>
+        <p:nvSpPr>
+          <p:cNvPr id="14" name="Rectangle 13">
+            <a:extLst>
+              <a:ext uri="{FF2B5EF4-FFF2-40B4-BE49-F238E27FC236}">
+                <a16:creationId xmlns:a16="http://schemas.microsoft.com/office/drawing/2014/main" id="{9DFB3A8B-875E-1FCD-26B3-801BF53A174C}"/>
+              </a:ext>
+            </a:extLst>
+          </p:cNvPr>
+          <p:cNvSpPr/>
+          <p:nvPr/>
+        </p:nvSpPr>
+        <p:spPr>
+          <a:xfrm>
+            <a:off x="719714" y="4007122"/>
+            <a:ext cx="1260827" cy="376534"/>
+          </a:xfrm>
+          <a:prstGeom prst="rect">
+            <a:avLst/>
+          </a:prstGeom>
+          <a:noFill/>
+          <a:ln w="19050">
+            <a:solidFill>
+              <a:schemeClr val="tx1"/>
+            </a:solidFill>
+            <a:prstDash val="sysDash"/>
+          </a:ln>
+        </p:spPr>
+        <p:style>
+          <a:lnRef idx="2">
+            <a:schemeClr val="accent1">
+              <a:shade val="50000"/>
+            </a:schemeClr>
+          </a:lnRef>
+          <a:fillRef idx="1">
+            <a:schemeClr val="accent1"/>
+          </a:fillRef>
+          <a:effectRef idx="0">
+            <a:schemeClr val="accent1"/>
+          </a:effectRef>
+          <a:fontRef idx="minor">
+            <a:schemeClr val="lt1"/>
+          </a:fontRef>
+        </p:style>
+        <p:txBody>
+          <a:bodyPr rtlCol="0" anchor="ctr"/>
+          <a:lstStyle/>
+          <a:p>
+            <a:r>
+              <a:rPr lang="en-SG" sz="1200" b="1" dirty="0">
+                <a:solidFill>
+                  <a:schemeClr val="tx1"/>
+                </a:solidFill>
+              </a:rPr>
+              <a:t>Program main function</a:t>
+            </a:r>
+          </a:p>
+        </p:txBody>
+      </p:sp>
+      <p:cxnSp>
+        <p:nvCxnSpPr>
+          <p:cNvPr id="16" name="Connector: Elbow 15">
+            <a:extLst>
+              <a:ext uri="{FF2B5EF4-FFF2-40B4-BE49-F238E27FC236}">
+                <a16:creationId xmlns:a16="http://schemas.microsoft.com/office/drawing/2014/main" id="{F6B6061B-7519-61A2-7FAC-B6863D52B6CB}"/>
+              </a:ext>
+            </a:extLst>
+          </p:cNvPr>
+          <p:cNvCxnSpPr>
+            <a:cxnSpLocks/>
+            <a:stCxn id="2" idx="3"/>
+            <a:endCxn id="5" idx="1"/>
+          </p:cNvCxnSpPr>
+          <p:nvPr/>
+        </p:nvCxnSpPr>
+        <p:spPr>
+          <a:xfrm>
+            <a:off x="1764572" y="1134500"/>
+            <a:ext cx="367879" cy="941860"/>
+          </a:xfrm>
+          <a:prstGeom prst="bentConnector3">
+            <a:avLst>
+              <a:gd name="adj1" fmla="val 50000"/>
+            </a:avLst>
+          </a:prstGeom>
+          <a:ln>
+            <a:tailEnd type="triangle"/>
+          </a:ln>
+        </p:spPr>
+        <p:style>
+          <a:lnRef idx="1">
+            <a:schemeClr val="dk1"/>
+          </a:lnRef>
+          <a:fillRef idx="0">
+            <a:schemeClr val="dk1"/>
+          </a:fillRef>
+          <a:effectRef idx="0">
+            <a:schemeClr val="dk1"/>
+          </a:effectRef>
+          <a:fontRef idx="minor">
+            <a:schemeClr val="tx1"/>
+          </a:fontRef>
+        </p:style>
+      </p:cxnSp>
+      <p:cxnSp>
+        <p:nvCxnSpPr>
+          <p:cNvPr id="38" name="Straight Arrow Connector 37">
+            <a:extLst>
+              <a:ext uri="{FF2B5EF4-FFF2-40B4-BE49-F238E27FC236}">
+                <a16:creationId xmlns:a16="http://schemas.microsoft.com/office/drawing/2014/main" id="{01BBBD14-71B6-8D8E-93E6-299AB639F9F0}"/>
+              </a:ext>
+            </a:extLst>
+          </p:cNvPr>
+          <p:cNvCxnSpPr>
+            <a:cxnSpLocks/>
+          </p:cNvCxnSpPr>
+          <p:nvPr/>
+        </p:nvCxnSpPr>
+        <p:spPr>
+          <a:xfrm flipH="1">
+            <a:off x="2741316" y="3225834"/>
+            <a:ext cx="0" cy="256393"/>
+          </a:xfrm>
+          <a:prstGeom prst="straightConnector1">
+            <a:avLst/>
+          </a:prstGeom>
+          <a:ln>
+            <a:tailEnd type="triangle"/>
+          </a:ln>
+        </p:spPr>
+        <p:style>
+          <a:lnRef idx="1">
+            <a:schemeClr val="dk1"/>
+          </a:lnRef>
+          <a:fillRef idx="0">
+            <a:schemeClr val="dk1"/>
+          </a:fillRef>
+          <a:effectRef idx="0">
+            <a:schemeClr val="dk1"/>
+          </a:effectRef>
+          <a:fontRef idx="minor">
+            <a:schemeClr val="tx1"/>
+          </a:fontRef>
+        </p:style>
+      </p:cxnSp>
+      <p:cxnSp>
+        <p:nvCxnSpPr>
+          <p:cNvPr id="44" name="Connector: Elbow 43">
+            <a:extLst>
+              <a:ext uri="{FF2B5EF4-FFF2-40B4-BE49-F238E27FC236}">
+                <a16:creationId xmlns:a16="http://schemas.microsoft.com/office/drawing/2014/main" id="{EC8BCA53-8EDF-E00F-B4E9-18EB5307EAF6}"/>
+              </a:ext>
+            </a:extLst>
+          </p:cNvPr>
+          <p:cNvCxnSpPr>
+            <a:cxnSpLocks/>
+            <a:endCxn id="17" idx="3"/>
+          </p:cNvCxnSpPr>
+          <p:nvPr/>
+        </p:nvCxnSpPr>
+        <p:spPr>
+          <a:xfrm rot="16200000" flipV="1">
+            <a:off x="3229038" y="3139875"/>
+            <a:ext cx="455035" cy="220532"/>
+          </a:xfrm>
+          <a:prstGeom prst="bentConnector2">
+            <a:avLst/>
+          </a:prstGeom>
+          <a:ln>
+            <a:tailEnd type="triangle"/>
+          </a:ln>
+        </p:spPr>
+        <p:style>
+          <a:lnRef idx="1">
+            <a:schemeClr val="dk1"/>
+          </a:lnRef>
+          <a:fillRef idx="0">
+            <a:schemeClr val="dk1"/>
+          </a:fillRef>
+          <a:effectRef idx="0">
+            <a:schemeClr val="dk1"/>
+          </a:effectRef>
+          <a:fontRef idx="minor">
+            <a:schemeClr val="tx1"/>
+          </a:fontRef>
+        </p:style>
+      </p:cxnSp>
+      <p:sp>
+        <p:nvSpPr>
+          <p:cNvPr id="52" name="Rectangle 51">
+            <a:extLst>
+              <a:ext uri="{FF2B5EF4-FFF2-40B4-BE49-F238E27FC236}">
+                <a16:creationId xmlns:a16="http://schemas.microsoft.com/office/drawing/2014/main" id="{AE30316D-540D-B9A6-A662-542E3D065957}"/>
+              </a:ext>
+            </a:extLst>
+          </p:cNvPr>
+          <p:cNvSpPr/>
+          <p:nvPr/>
+        </p:nvSpPr>
+        <p:spPr>
+          <a:xfrm>
+            <a:off x="2378666" y="4089365"/>
+            <a:ext cx="1631892" cy="258949"/>
+          </a:xfrm>
+          <a:prstGeom prst="rect">
+            <a:avLst/>
+          </a:prstGeom>
+          <a:noFill/>
+          <a:ln w="19050">
+            <a:solidFill>
+              <a:schemeClr val="accent6">
+                <a:lumMod val="50000"/>
+              </a:schemeClr>
+            </a:solidFill>
+            <a:prstDash val="sysDash"/>
+          </a:ln>
+        </p:spPr>
+        <p:style>
+          <a:lnRef idx="2">
+            <a:schemeClr val="accent1">
+              <a:shade val="50000"/>
+            </a:schemeClr>
+          </a:lnRef>
+          <a:fillRef idx="1">
+            <a:schemeClr val="accent1"/>
+          </a:fillRef>
+          <a:effectRef idx="0">
+            <a:schemeClr val="accent1"/>
+          </a:effectRef>
+          <a:fontRef idx="minor">
+            <a:schemeClr val="lt1"/>
+          </a:fontRef>
+        </p:style>
+        <p:txBody>
+          <a:bodyPr rtlCol="0" anchor="ctr"/>
+          <a:lstStyle/>
+          <a:p>
+            <a:r>
+              <a:rPr lang="en-SG" sz="1200" dirty="0">
+                <a:solidFill>
+                  <a:schemeClr val="accent6">
+                    <a:lumMod val="50000"/>
+                  </a:schemeClr>
+                </a:solidFill>
+              </a:rPr>
+              <a:t>Target process killed</a:t>
+            </a:r>
+          </a:p>
+        </p:txBody>
+      </p:sp>
+      <p:cxnSp>
+        <p:nvCxnSpPr>
+          <p:cNvPr id="58" name="Straight Arrow Connector 57">
+            <a:extLst>
+              <a:ext uri="{FF2B5EF4-FFF2-40B4-BE49-F238E27FC236}">
+                <a16:creationId xmlns:a16="http://schemas.microsoft.com/office/drawing/2014/main" id="{AEE191E4-3CC6-D679-C985-395D3A1B9165}"/>
+              </a:ext>
+            </a:extLst>
+          </p:cNvPr>
+          <p:cNvCxnSpPr>
+            <a:cxnSpLocks/>
+          </p:cNvCxnSpPr>
+          <p:nvPr/>
+        </p:nvCxnSpPr>
+        <p:spPr>
+          <a:xfrm>
+            <a:off x="2491256" y="3250141"/>
+            <a:ext cx="0" cy="817416"/>
+          </a:xfrm>
+          <a:prstGeom prst="straightConnector1">
+            <a:avLst/>
+          </a:prstGeom>
+          <a:ln>
+            <a:tailEnd type="triangle"/>
+          </a:ln>
+        </p:spPr>
+        <p:style>
+          <a:lnRef idx="1">
+            <a:schemeClr val="dk1"/>
+          </a:lnRef>
+          <a:fillRef idx="0">
+            <a:schemeClr val="dk1"/>
+          </a:fillRef>
+          <a:effectRef idx="0">
+            <a:schemeClr val="dk1"/>
+          </a:effectRef>
+          <a:fontRef idx="minor">
+            <a:schemeClr val="tx1"/>
+          </a:fontRef>
+        </p:style>
+      </p:cxnSp>
+      <p:cxnSp>
+        <p:nvCxnSpPr>
+          <p:cNvPr id="61" name="Straight Arrow Connector 60">
+            <a:extLst>
+              <a:ext uri="{FF2B5EF4-FFF2-40B4-BE49-F238E27FC236}">
+                <a16:creationId xmlns:a16="http://schemas.microsoft.com/office/drawing/2014/main" id="{BAADD718-6EF5-56F4-C763-FB9C9DEC8A92}"/>
+              </a:ext>
+            </a:extLst>
+          </p:cNvPr>
+          <p:cNvCxnSpPr>
+            <a:cxnSpLocks/>
+          </p:cNvCxnSpPr>
+          <p:nvPr/>
+        </p:nvCxnSpPr>
+        <p:spPr>
+          <a:xfrm>
+            <a:off x="3042769" y="4361627"/>
+            <a:ext cx="0" cy="307326"/>
+          </a:xfrm>
+          <a:prstGeom prst="straightConnector1">
+            <a:avLst/>
+          </a:prstGeom>
+          <a:ln>
+            <a:tailEnd type="triangle"/>
+          </a:ln>
+        </p:spPr>
+        <p:style>
+          <a:lnRef idx="1">
+            <a:schemeClr val="dk1"/>
+          </a:lnRef>
+          <a:fillRef idx="0">
+            <a:schemeClr val="dk1"/>
+          </a:fillRef>
+          <a:effectRef idx="0">
+            <a:schemeClr val="dk1"/>
+          </a:effectRef>
+          <a:fontRef idx="minor">
+            <a:schemeClr val="tx1"/>
+          </a:fontRef>
+        </p:style>
+      </p:cxnSp>
+      <p:sp>
+        <p:nvSpPr>
+          <p:cNvPr id="63" name="Rectangle 62">
+            <a:extLst>
+              <a:ext uri="{FF2B5EF4-FFF2-40B4-BE49-F238E27FC236}">
+                <a16:creationId xmlns:a16="http://schemas.microsoft.com/office/drawing/2014/main" id="{B2690A60-D365-3846-0741-924ACCFC6621}"/>
+              </a:ext>
+            </a:extLst>
+          </p:cNvPr>
+          <p:cNvSpPr/>
+          <p:nvPr/>
+        </p:nvSpPr>
+        <p:spPr>
+          <a:xfrm>
+            <a:off x="2363094" y="4682266"/>
+            <a:ext cx="1584560" cy="397285"/>
+          </a:xfrm>
+          <a:prstGeom prst="rect">
+            <a:avLst/>
+          </a:prstGeom>
+          <a:solidFill>
+            <a:schemeClr val="accent6">
+              <a:lumMod val="75000"/>
+            </a:schemeClr>
+          </a:solidFill>
+        </p:spPr>
+        <p:style>
+          <a:lnRef idx="2">
+            <a:schemeClr val="accent1">
+              <a:shade val="50000"/>
+            </a:schemeClr>
+          </a:lnRef>
+          <a:fillRef idx="1">
+            <a:schemeClr val="accent1"/>
+          </a:fillRef>
+          <a:effectRef idx="0">
+            <a:schemeClr val="accent1"/>
+          </a:effectRef>
+          <a:fontRef idx="minor">
+            <a:schemeClr val="lt1"/>
+          </a:fontRef>
+        </p:style>
+        <p:txBody>
+          <a:bodyPr rtlCol="0" anchor="ctr"/>
+          <a:lstStyle/>
+          <a:p>
+            <a:r>
+              <a:rPr lang="en-SG" sz="1100" dirty="0"/>
+              <a:t>Re-run target in new independent process</a:t>
+            </a:r>
+          </a:p>
+        </p:txBody>
+      </p:sp>
+      <p:cxnSp>
+        <p:nvCxnSpPr>
+          <p:cNvPr id="1025" name="Connector: Elbow 1024">
+            <a:extLst>
+              <a:ext uri="{FF2B5EF4-FFF2-40B4-BE49-F238E27FC236}">
+                <a16:creationId xmlns:a16="http://schemas.microsoft.com/office/drawing/2014/main" id="{7CB106B2-D43E-161C-EC1A-3122B4DBC366}"/>
+              </a:ext>
+            </a:extLst>
+          </p:cNvPr>
+          <p:cNvCxnSpPr>
+            <a:cxnSpLocks/>
+            <a:stCxn id="63" idx="3"/>
+            <a:endCxn id="26" idx="1"/>
+          </p:cNvCxnSpPr>
+          <p:nvPr/>
+        </p:nvCxnSpPr>
+        <p:spPr>
+          <a:xfrm flipV="1">
+            <a:off x="3947654" y="1798407"/>
+            <a:ext cx="2425183" cy="3082502"/>
+          </a:xfrm>
+          <a:prstGeom prst="bentConnector3">
+            <a:avLst>
+              <a:gd name="adj1" fmla="val 50000"/>
+            </a:avLst>
+          </a:prstGeom>
+          <a:ln w="28575">
+            <a:solidFill>
+              <a:schemeClr val="tx1">
+                <a:lumMod val="50000"/>
+                <a:lumOff val="50000"/>
+              </a:schemeClr>
+            </a:solidFill>
+            <a:tailEnd type="triangle"/>
+          </a:ln>
+        </p:spPr>
+        <p:style>
+          <a:lnRef idx="1">
+            <a:schemeClr val="dk1"/>
+          </a:lnRef>
+          <a:fillRef idx="0">
+            <a:schemeClr val="dk1"/>
+          </a:fillRef>
+          <a:effectRef idx="0">
+            <a:schemeClr val="dk1"/>
+          </a:effectRef>
+          <a:fontRef idx="minor">
+            <a:schemeClr val="tx1"/>
+          </a:fontRef>
+        </p:style>
+      </p:cxnSp>
+      <p:cxnSp>
+        <p:nvCxnSpPr>
+          <p:cNvPr id="1031" name="Straight Arrow Connector 1030">
+            <a:extLst>
+              <a:ext uri="{FF2B5EF4-FFF2-40B4-BE49-F238E27FC236}">
+                <a16:creationId xmlns:a16="http://schemas.microsoft.com/office/drawing/2014/main" id="{7D3DACAF-34CA-E0F9-E478-FE47A1912622}"/>
+              </a:ext>
+            </a:extLst>
+          </p:cNvPr>
+          <p:cNvCxnSpPr>
+            <a:cxnSpLocks/>
+          </p:cNvCxnSpPr>
+          <p:nvPr/>
+        </p:nvCxnSpPr>
+        <p:spPr>
+          <a:xfrm>
+            <a:off x="3042769" y="5079551"/>
+            <a:ext cx="0" cy="307326"/>
+          </a:xfrm>
+          <a:prstGeom prst="straightConnector1">
+            <a:avLst/>
+          </a:prstGeom>
+          <a:ln>
+            <a:tailEnd type="triangle"/>
+          </a:ln>
+        </p:spPr>
+        <p:style>
+          <a:lnRef idx="1">
+            <a:schemeClr val="dk1"/>
+          </a:lnRef>
+          <a:fillRef idx="0">
+            <a:schemeClr val="dk1"/>
+          </a:fillRef>
+          <a:effectRef idx="0">
+            <a:schemeClr val="dk1"/>
+          </a:effectRef>
+          <a:fontRef idx="minor">
+            <a:schemeClr val="tx1"/>
+          </a:fontRef>
+        </p:style>
+      </p:cxnSp>
+      <p:sp>
+        <p:nvSpPr>
+          <p:cNvPr id="1032" name="Rectangle 1031">
+            <a:extLst>
+              <a:ext uri="{FF2B5EF4-FFF2-40B4-BE49-F238E27FC236}">
+                <a16:creationId xmlns:a16="http://schemas.microsoft.com/office/drawing/2014/main" id="{03520E5E-C8B3-94FE-AA2B-3F93205AFA91}"/>
+              </a:ext>
+            </a:extLst>
+          </p:cNvPr>
+          <p:cNvSpPr/>
+          <p:nvPr/>
+        </p:nvSpPr>
+        <p:spPr>
+          <a:xfrm>
+            <a:off x="2277688" y="5392695"/>
+            <a:ext cx="1427797" cy="258949"/>
+          </a:xfrm>
+          <a:prstGeom prst="rect">
+            <a:avLst/>
+          </a:prstGeom>
+          <a:noFill/>
+          <a:ln w="19050">
+            <a:solidFill>
+              <a:schemeClr val="accent6">
+                <a:lumMod val="50000"/>
+              </a:schemeClr>
+            </a:solidFill>
+            <a:prstDash val="sysDash"/>
+          </a:ln>
+        </p:spPr>
+        <p:style>
+          <a:lnRef idx="2">
+            <a:schemeClr val="accent1">
+              <a:shade val="50000"/>
+            </a:schemeClr>
+          </a:lnRef>
+          <a:fillRef idx="1">
+            <a:schemeClr val="accent1"/>
+          </a:fillRef>
+          <a:effectRef idx="0">
+            <a:schemeClr val="accent1"/>
+          </a:effectRef>
+          <a:fontRef idx="minor">
+            <a:schemeClr val="lt1"/>
+          </a:fontRef>
+        </p:style>
+        <p:txBody>
+          <a:bodyPr rtlCol="0" anchor="ctr"/>
+          <a:lstStyle/>
+          <a:p>
+            <a:r>
+              <a:rPr lang="en-SG" sz="1200" dirty="0">
+                <a:solidFill>
+                  <a:schemeClr val="accent6">
+                    <a:lumMod val="50000"/>
+                  </a:schemeClr>
+                </a:solidFill>
+              </a:rPr>
+              <a:t>Target file deleted </a:t>
+            </a:r>
+          </a:p>
+        </p:txBody>
+      </p:sp>
+      <p:sp>
+        <p:nvSpPr>
+          <p:cNvPr id="1033" name="Rectangle 1032">
+            <a:extLst>
+              <a:ext uri="{FF2B5EF4-FFF2-40B4-BE49-F238E27FC236}">
+                <a16:creationId xmlns:a16="http://schemas.microsoft.com/office/drawing/2014/main" id="{D50DC2D7-414C-1CC1-931B-4F3830DCB2A2}"/>
+              </a:ext>
+            </a:extLst>
+          </p:cNvPr>
+          <p:cNvSpPr/>
+          <p:nvPr/>
+        </p:nvSpPr>
+        <p:spPr>
+          <a:xfrm>
+            <a:off x="2363094" y="5884850"/>
+            <a:ext cx="1203725" cy="397285"/>
+          </a:xfrm>
+          <a:prstGeom prst="rect">
+            <a:avLst/>
+          </a:prstGeom>
+          <a:solidFill>
+            <a:schemeClr val="accent6">
+              <a:lumMod val="75000"/>
+            </a:schemeClr>
+          </a:solidFill>
+        </p:spPr>
+        <p:style>
+          <a:lnRef idx="2">
+            <a:schemeClr val="accent1">
+              <a:shade val="50000"/>
+            </a:schemeClr>
+          </a:lnRef>
+          <a:fillRef idx="1">
+            <a:schemeClr val="accent1"/>
+          </a:fillRef>
+          <a:effectRef idx="0">
+            <a:schemeClr val="accent1"/>
+          </a:effectRef>
+          <a:fontRef idx="minor">
+            <a:schemeClr val="lt1"/>
+          </a:fontRef>
+        </p:style>
+        <p:txBody>
+          <a:bodyPr rtlCol="0" anchor="ctr"/>
+          <a:lstStyle/>
+          <a:p>
+            <a:r>
+              <a:rPr lang="en-SG" sz="1100" dirty="0"/>
+              <a:t>Recover file from backup zip</a:t>
+            </a:r>
+          </a:p>
+        </p:txBody>
+      </p:sp>
+      <p:cxnSp>
+        <p:nvCxnSpPr>
+          <p:cNvPr id="1036" name="Straight Arrow Connector 1035">
+            <a:extLst>
+              <a:ext uri="{FF2B5EF4-FFF2-40B4-BE49-F238E27FC236}">
+                <a16:creationId xmlns:a16="http://schemas.microsoft.com/office/drawing/2014/main" id="{71309A42-EFC7-7A0F-092E-2FC2AD6C820F}"/>
+              </a:ext>
+            </a:extLst>
+          </p:cNvPr>
+          <p:cNvCxnSpPr>
+            <a:cxnSpLocks/>
+          </p:cNvCxnSpPr>
+          <p:nvPr/>
+        </p:nvCxnSpPr>
+        <p:spPr>
+          <a:xfrm>
+            <a:off x="3042769" y="5651644"/>
+            <a:ext cx="0" cy="233206"/>
+          </a:xfrm>
+          <a:prstGeom prst="straightConnector1">
+            <a:avLst/>
+          </a:prstGeom>
+          <a:ln>
+            <a:tailEnd type="triangle"/>
+          </a:ln>
+        </p:spPr>
+        <p:style>
+          <a:lnRef idx="1">
+            <a:schemeClr val="dk1"/>
+          </a:lnRef>
+          <a:fillRef idx="0">
+            <a:schemeClr val="dk1"/>
+          </a:fillRef>
+          <a:effectRef idx="0">
+            <a:schemeClr val="dk1"/>
+          </a:effectRef>
+          <a:fontRef idx="minor">
+            <a:schemeClr val="tx1"/>
+          </a:fontRef>
+        </p:style>
+      </p:cxnSp>
+      <p:pic>
+        <p:nvPicPr>
+          <p:cNvPr id="1040" name="Picture 1039">
+            <a:extLst>
+              <a:ext uri="{FF2B5EF4-FFF2-40B4-BE49-F238E27FC236}">
+                <a16:creationId xmlns:a16="http://schemas.microsoft.com/office/drawing/2014/main" id="{7F39E944-81A1-85C6-9FD5-CBBBF96D6F89}"/>
+              </a:ext>
+            </a:extLst>
+          </p:cNvPr>
+          <p:cNvPicPr>
+            <a:picLocks noChangeAspect="1"/>
+          </p:cNvPicPr>
+          <p:nvPr/>
+        </p:nvPicPr>
+        <p:blipFill>
+          <a:blip r:embed="rId3"/>
+          <a:stretch>
+            <a:fillRect/>
+          </a:stretch>
+        </p:blipFill>
+        <p:spPr>
+          <a:xfrm>
+            <a:off x="1779855" y="5905240"/>
+            <a:ext cx="342305" cy="376535"/>
+          </a:xfrm>
+          <a:prstGeom prst="rect">
+            <a:avLst/>
+          </a:prstGeom>
+        </p:spPr>
+      </p:pic>
+      <p:cxnSp>
+        <p:nvCxnSpPr>
+          <p:cNvPr id="1045" name="Straight Arrow Connector 1044">
+            <a:extLst>
+              <a:ext uri="{FF2B5EF4-FFF2-40B4-BE49-F238E27FC236}">
+                <a16:creationId xmlns:a16="http://schemas.microsoft.com/office/drawing/2014/main" id="{E112B80E-175C-CEDF-7720-12AC6A551F42}"/>
+              </a:ext>
+            </a:extLst>
+          </p:cNvPr>
+          <p:cNvCxnSpPr>
+            <a:stCxn id="1040" idx="3"/>
+            <a:endCxn id="1033" idx="1"/>
+          </p:cNvCxnSpPr>
+          <p:nvPr/>
+        </p:nvCxnSpPr>
+        <p:spPr>
+          <a:xfrm flipV="1">
+            <a:off x="2122160" y="6083493"/>
+            <a:ext cx="240934" cy="0"/>
+          </a:xfrm>
+          <a:prstGeom prst="straightConnector1">
+            <a:avLst/>
+          </a:prstGeom>
+          <a:ln>
+            <a:tailEnd type="triangle"/>
+          </a:ln>
+        </p:spPr>
+        <p:style>
+          <a:lnRef idx="1">
+            <a:schemeClr val="accent1"/>
+          </a:lnRef>
+          <a:fillRef idx="0">
+            <a:schemeClr val="accent1"/>
+          </a:fillRef>
+          <a:effectRef idx="0">
+            <a:schemeClr val="accent1"/>
+          </a:effectRef>
+          <a:fontRef idx="minor">
+            <a:schemeClr val="tx1"/>
+          </a:fontRef>
+        </p:style>
+      </p:cxnSp>
+      <p:cxnSp>
+        <p:nvCxnSpPr>
+          <p:cNvPr id="1047" name="Connector: Elbow 1046">
+            <a:extLst>
+              <a:ext uri="{FF2B5EF4-FFF2-40B4-BE49-F238E27FC236}">
+                <a16:creationId xmlns:a16="http://schemas.microsoft.com/office/drawing/2014/main" id="{EEE05296-8DB5-6755-4911-032A4DE53D9A}"/>
+              </a:ext>
+            </a:extLst>
+          </p:cNvPr>
+          <p:cNvCxnSpPr>
+            <a:cxnSpLocks/>
+            <a:stCxn id="1033" idx="3"/>
+          </p:cNvCxnSpPr>
+          <p:nvPr/>
+        </p:nvCxnSpPr>
+        <p:spPr>
+          <a:xfrm flipV="1">
+            <a:off x="3566819" y="5079551"/>
+            <a:ext cx="290184" cy="1003942"/>
+          </a:xfrm>
+          <a:prstGeom prst="bentConnector2">
+            <a:avLst/>
+          </a:prstGeom>
+          <a:ln>
+            <a:tailEnd type="triangle"/>
+          </a:ln>
+        </p:spPr>
+        <p:style>
+          <a:lnRef idx="1">
+            <a:schemeClr val="dk1"/>
+          </a:lnRef>
+          <a:fillRef idx="0">
+            <a:schemeClr val="dk1"/>
+          </a:fillRef>
+          <a:effectRef idx="0">
+            <a:schemeClr val="dk1"/>
+          </a:effectRef>
+          <a:fontRef idx="minor">
+            <a:schemeClr val="tx1"/>
+          </a:fontRef>
+        </p:style>
+      </p:cxnSp>
+      <p:sp>
+        <p:nvSpPr>
+          <p:cNvPr id="1050" name="TextBox 1049">
+            <a:extLst>
+              <a:ext uri="{FF2B5EF4-FFF2-40B4-BE49-F238E27FC236}">
+                <a16:creationId xmlns:a16="http://schemas.microsoft.com/office/drawing/2014/main" id="{BE665B94-3CA4-F21E-0491-F8A6F8F5181C}"/>
+              </a:ext>
+            </a:extLst>
+          </p:cNvPr>
+          <p:cNvSpPr txBox="1"/>
+          <p:nvPr/>
+        </p:nvSpPr>
+        <p:spPr>
+          <a:xfrm>
+            <a:off x="3833636" y="5463330"/>
+            <a:ext cx="968496" cy="430887"/>
+          </a:xfrm>
+          <a:prstGeom prst="rect">
+            <a:avLst/>
+          </a:prstGeom>
+          <a:noFill/>
+        </p:spPr>
+        <p:txBody>
+          <a:bodyPr wrap="square" rtlCol="0">
+            <a:spAutoFit/>
+          </a:bodyPr>
+          <a:lstStyle/>
+          <a:p>
+            <a:r>
+              <a:rPr lang="en-SG" sz="1100" dirty="0"/>
+              <a:t>Target recovered </a:t>
+            </a:r>
+          </a:p>
+        </p:txBody>
+      </p:sp>
+      <p:sp>
+        <p:nvSpPr>
+          <p:cNvPr id="1051" name="TextBox 1050">
+            <a:extLst>
+              <a:ext uri="{FF2B5EF4-FFF2-40B4-BE49-F238E27FC236}">
+                <a16:creationId xmlns:a16="http://schemas.microsoft.com/office/drawing/2014/main" id="{E18C8A1F-897E-9322-0500-9D1A001649F2}"/>
+              </a:ext>
+            </a:extLst>
+          </p:cNvPr>
+          <p:cNvSpPr txBox="1"/>
+          <p:nvPr/>
+        </p:nvSpPr>
+        <p:spPr>
+          <a:xfrm>
+            <a:off x="5731182" y="254677"/>
+            <a:ext cx="2825499" cy="307777"/>
+          </a:xfrm>
+          <a:prstGeom prst="rect">
+            <a:avLst/>
+          </a:prstGeom>
+          <a:noFill/>
+        </p:spPr>
+        <p:txBody>
+          <a:bodyPr wrap="square" rtlCol="0">
+            <a:spAutoFit/>
+          </a:bodyPr>
+          <a:lstStyle/>
+          <a:p>
+            <a:r>
+              <a:rPr lang="en-SG" sz="1400" b="1" dirty="0"/>
+              <a:t>New started watch dog</a:t>
+            </a:r>
+          </a:p>
+        </p:txBody>
+      </p:sp>
+      <p:sp>
+        <p:nvSpPr>
+          <p:cNvPr id="1058" name="Rectangle 1057">
+            <a:extLst>
+              <a:ext uri="{FF2B5EF4-FFF2-40B4-BE49-F238E27FC236}">
+                <a16:creationId xmlns:a16="http://schemas.microsoft.com/office/drawing/2014/main" id="{89966265-F136-6D75-A891-88CFE5EDD0A3}"/>
+              </a:ext>
+            </a:extLst>
+          </p:cNvPr>
+          <p:cNvSpPr/>
+          <p:nvPr/>
+        </p:nvSpPr>
+        <p:spPr>
+          <a:xfrm>
+            <a:off x="6380844" y="2849233"/>
+            <a:ext cx="1189694" cy="410084"/>
+          </a:xfrm>
+          <a:prstGeom prst="rect">
+            <a:avLst/>
+          </a:prstGeom>
+          <a:noFill/>
+          <a:ln w="19050">
+            <a:solidFill>
+              <a:srgbClr val="7030A0"/>
+            </a:solidFill>
+            <a:prstDash val="sysDash"/>
+          </a:ln>
+        </p:spPr>
+        <p:style>
+          <a:lnRef idx="2">
+            <a:schemeClr val="accent1">
+              <a:shade val="50000"/>
+            </a:schemeClr>
+          </a:lnRef>
+          <a:fillRef idx="1">
+            <a:schemeClr val="accent1"/>
+          </a:fillRef>
+          <a:effectRef idx="0">
+            <a:schemeClr val="accent1"/>
+          </a:effectRef>
+          <a:fontRef idx="minor">
+            <a:schemeClr val="lt1"/>
+          </a:fontRef>
+        </p:style>
+        <p:txBody>
+          <a:bodyPr rtlCol="0" anchor="ctr"/>
+          <a:lstStyle/>
+          <a:p>
+            <a:r>
+              <a:rPr lang="en-SG" sz="1200" dirty="0">
+                <a:solidFill>
+                  <a:srgbClr val="7030A0"/>
+                </a:solidFill>
+              </a:rPr>
+              <a:t>Target execute normal </a:t>
+            </a:r>
+          </a:p>
+        </p:txBody>
+      </p:sp>
+      <p:cxnSp>
+        <p:nvCxnSpPr>
+          <p:cNvPr id="1059" name="Straight Arrow Connector 1058">
+            <a:extLst>
+              <a:ext uri="{FF2B5EF4-FFF2-40B4-BE49-F238E27FC236}">
+                <a16:creationId xmlns:a16="http://schemas.microsoft.com/office/drawing/2014/main" id="{E8D30EE9-4578-EE7F-4D8C-1867ACFD24F6}"/>
+              </a:ext>
+            </a:extLst>
+          </p:cNvPr>
+          <p:cNvCxnSpPr>
+            <a:cxnSpLocks/>
+          </p:cNvCxnSpPr>
+          <p:nvPr/>
+        </p:nvCxnSpPr>
+        <p:spPr>
+          <a:xfrm flipH="1">
+            <a:off x="6618230" y="2551619"/>
+            <a:ext cx="0" cy="256393"/>
+          </a:xfrm>
+          <a:prstGeom prst="straightConnector1">
+            <a:avLst/>
+          </a:prstGeom>
+          <a:ln>
+            <a:tailEnd type="triangle"/>
+          </a:ln>
+        </p:spPr>
+        <p:style>
+          <a:lnRef idx="1">
+            <a:schemeClr val="dk1"/>
+          </a:lnRef>
+          <a:fillRef idx="0">
+            <a:schemeClr val="dk1"/>
+          </a:fillRef>
+          <a:effectRef idx="0">
+            <a:schemeClr val="dk1"/>
+          </a:effectRef>
+          <a:fontRef idx="minor">
+            <a:schemeClr val="tx1"/>
+          </a:fontRef>
+        </p:style>
+      </p:cxnSp>
+      <p:cxnSp>
+        <p:nvCxnSpPr>
+          <p:cNvPr id="1060" name="Connector: Elbow 1059">
+            <a:extLst>
+              <a:ext uri="{FF2B5EF4-FFF2-40B4-BE49-F238E27FC236}">
+                <a16:creationId xmlns:a16="http://schemas.microsoft.com/office/drawing/2014/main" id="{162AECB3-A120-8E73-B09A-D60AC6DFB249}"/>
+              </a:ext>
+            </a:extLst>
+          </p:cNvPr>
+          <p:cNvCxnSpPr>
+            <a:cxnSpLocks/>
+            <a:stCxn id="1058" idx="1"/>
+            <a:endCxn id="27" idx="1"/>
+          </p:cNvCxnSpPr>
+          <p:nvPr/>
+        </p:nvCxnSpPr>
+        <p:spPr>
+          <a:xfrm rot="10800000">
+            <a:off x="6370648" y="2403845"/>
+            <a:ext cx="10197" cy="650430"/>
+          </a:xfrm>
+          <a:prstGeom prst="bentConnector3">
+            <a:avLst>
+              <a:gd name="adj1" fmla="val 2341836"/>
+            </a:avLst>
+          </a:prstGeom>
+          <a:ln>
+            <a:tailEnd type="triangle"/>
+          </a:ln>
+        </p:spPr>
+        <p:style>
+          <a:lnRef idx="1">
+            <a:schemeClr val="dk1"/>
+          </a:lnRef>
+          <a:fillRef idx="0">
+            <a:schemeClr val="dk1"/>
+          </a:fillRef>
+          <a:effectRef idx="0">
+            <a:schemeClr val="dk1"/>
+          </a:effectRef>
+          <a:fontRef idx="minor">
+            <a:schemeClr val="tx1"/>
+          </a:fontRef>
+        </p:style>
+      </p:cxnSp>
+      <p:sp>
+        <p:nvSpPr>
+          <p:cNvPr id="1063" name="Rectangle 1062">
+            <a:extLst>
+              <a:ext uri="{FF2B5EF4-FFF2-40B4-BE49-F238E27FC236}">
+                <a16:creationId xmlns:a16="http://schemas.microsoft.com/office/drawing/2014/main" id="{A60D3388-1329-1B4C-0532-E9AC36B15920}"/>
+              </a:ext>
+            </a:extLst>
+          </p:cNvPr>
+          <p:cNvSpPr/>
+          <p:nvPr/>
+        </p:nvSpPr>
+        <p:spPr>
+          <a:xfrm>
+            <a:off x="6370648" y="3409540"/>
+            <a:ext cx="1631892" cy="258949"/>
+          </a:xfrm>
+          <a:prstGeom prst="rect">
+            <a:avLst/>
+          </a:prstGeom>
+          <a:noFill/>
+          <a:ln w="19050">
+            <a:solidFill>
+              <a:srgbClr val="7030A0"/>
+            </a:solidFill>
+            <a:prstDash val="sysDash"/>
+          </a:ln>
+        </p:spPr>
+        <p:style>
+          <a:lnRef idx="2">
+            <a:schemeClr val="accent1">
+              <a:shade val="50000"/>
+            </a:schemeClr>
+          </a:lnRef>
+          <a:fillRef idx="1">
+            <a:schemeClr val="accent1"/>
+          </a:fillRef>
+          <a:effectRef idx="0">
+            <a:schemeClr val="accent1"/>
+          </a:effectRef>
+          <a:fontRef idx="minor">
+            <a:schemeClr val="lt1"/>
+          </a:fontRef>
+        </p:style>
+        <p:txBody>
+          <a:bodyPr rtlCol="0" anchor="ctr"/>
+          <a:lstStyle/>
+          <a:p>
+            <a:r>
+              <a:rPr lang="en-SG" sz="1200" dirty="0">
+                <a:solidFill>
+                  <a:srgbClr val="7030A0"/>
+                </a:solidFill>
+              </a:rPr>
+              <a:t>Target process killed</a:t>
+            </a:r>
+          </a:p>
+        </p:txBody>
+      </p:sp>
+      <p:cxnSp>
+        <p:nvCxnSpPr>
+          <p:cNvPr id="1064" name="Straight Arrow Connector 1063">
+            <a:extLst>
+              <a:ext uri="{FF2B5EF4-FFF2-40B4-BE49-F238E27FC236}">
+                <a16:creationId xmlns:a16="http://schemas.microsoft.com/office/drawing/2014/main" id="{B24A3199-2C61-C0C4-CAC2-04720E8504EB}"/>
+              </a:ext>
+            </a:extLst>
+          </p:cNvPr>
+          <p:cNvCxnSpPr>
+            <a:cxnSpLocks/>
+          </p:cNvCxnSpPr>
+          <p:nvPr/>
+        </p:nvCxnSpPr>
+        <p:spPr>
+          <a:xfrm>
+            <a:off x="7739986" y="2562477"/>
+            <a:ext cx="0" cy="817416"/>
+          </a:xfrm>
+          <a:prstGeom prst="straightConnector1">
+            <a:avLst/>
+          </a:prstGeom>
+          <a:ln>
+            <a:tailEnd type="triangle"/>
+          </a:ln>
+        </p:spPr>
+        <p:style>
+          <a:lnRef idx="1">
+            <a:schemeClr val="dk1"/>
+          </a:lnRef>
+          <a:fillRef idx="0">
+            <a:schemeClr val="dk1"/>
+          </a:fillRef>
+          <a:effectRef idx="0">
+            <a:schemeClr val="dk1"/>
+          </a:effectRef>
+          <a:fontRef idx="minor">
+            <a:schemeClr val="tx1"/>
+          </a:fontRef>
+        </p:style>
+      </p:cxnSp>
+      <p:cxnSp>
+        <p:nvCxnSpPr>
+          <p:cNvPr id="1065" name="Connector: Elbow 1064">
+            <a:extLst>
+              <a:ext uri="{FF2B5EF4-FFF2-40B4-BE49-F238E27FC236}">
+                <a16:creationId xmlns:a16="http://schemas.microsoft.com/office/drawing/2014/main" id="{86469C1E-AB34-6822-D6BE-401A866F92DB}"/>
+              </a:ext>
+            </a:extLst>
+          </p:cNvPr>
+          <p:cNvCxnSpPr>
+            <a:cxnSpLocks/>
+            <a:stCxn id="1074" idx="1"/>
+            <a:endCxn id="1026" idx="3"/>
+          </p:cNvCxnSpPr>
+          <p:nvPr/>
+        </p:nvCxnSpPr>
+        <p:spPr>
+          <a:xfrm rot="10800000">
+            <a:off x="4769448" y="2336136"/>
+            <a:ext cx="1526517" cy="1874038"/>
+          </a:xfrm>
+          <a:prstGeom prst="bentConnector3">
+            <a:avLst>
+              <a:gd name="adj1" fmla="val 50000"/>
+            </a:avLst>
+          </a:prstGeom>
+          <a:ln>
+            <a:tailEnd type="triangle"/>
+          </a:ln>
+        </p:spPr>
+        <p:style>
+          <a:lnRef idx="1">
+            <a:schemeClr val="accent1"/>
+          </a:lnRef>
+          <a:fillRef idx="0">
+            <a:schemeClr val="accent1"/>
+          </a:fillRef>
+          <a:effectRef idx="0">
+            <a:schemeClr val="accent1"/>
+          </a:effectRef>
+          <a:fontRef idx="minor">
+            <a:schemeClr val="tx1"/>
+          </a:fontRef>
+        </p:style>
+      </p:cxnSp>
+      <p:cxnSp>
+        <p:nvCxnSpPr>
+          <p:cNvPr id="1073" name="Straight Arrow Connector 1072">
+            <a:extLst>
+              <a:ext uri="{FF2B5EF4-FFF2-40B4-BE49-F238E27FC236}">
+                <a16:creationId xmlns:a16="http://schemas.microsoft.com/office/drawing/2014/main" id="{F2AC2EF2-FA2C-81BC-4492-592B40EDCE5B}"/>
+              </a:ext>
+            </a:extLst>
+          </p:cNvPr>
+          <p:cNvCxnSpPr>
+            <a:cxnSpLocks/>
+          </p:cNvCxnSpPr>
+          <p:nvPr/>
+        </p:nvCxnSpPr>
+        <p:spPr>
+          <a:xfrm>
+            <a:off x="6975639" y="3690892"/>
+            <a:ext cx="0" cy="307326"/>
+          </a:xfrm>
+          <a:prstGeom prst="straightConnector1">
+            <a:avLst/>
+          </a:prstGeom>
+          <a:ln>
+            <a:tailEnd type="triangle"/>
+          </a:ln>
+        </p:spPr>
+        <p:style>
+          <a:lnRef idx="1">
+            <a:schemeClr val="dk1"/>
+          </a:lnRef>
+          <a:fillRef idx="0">
+            <a:schemeClr val="dk1"/>
+          </a:fillRef>
+          <a:effectRef idx="0">
+            <a:schemeClr val="dk1"/>
+          </a:effectRef>
+          <a:fontRef idx="minor">
+            <a:schemeClr val="tx1"/>
+          </a:fontRef>
+        </p:style>
+      </p:cxnSp>
+      <p:sp>
+        <p:nvSpPr>
+          <p:cNvPr id="1074" name="Rectangle 1073">
+            <a:extLst>
+              <a:ext uri="{FF2B5EF4-FFF2-40B4-BE49-F238E27FC236}">
+                <a16:creationId xmlns:a16="http://schemas.microsoft.com/office/drawing/2014/main" id="{084293DA-EE61-1B5C-96E8-EE1D39F1BFAE}"/>
+              </a:ext>
+            </a:extLst>
+          </p:cNvPr>
+          <p:cNvSpPr/>
+          <p:nvPr/>
+        </p:nvSpPr>
+        <p:spPr>
+          <a:xfrm>
+            <a:off x="6295964" y="4011531"/>
+            <a:ext cx="1584560" cy="397285"/>
+          </a:xfrm>
+          <a:prstGeom prst="rect">
+            <a:avLst/>
+          </a:prstGeom>
+          <a:solidFill>
+            <a:srgbClr val="7030A0"/>
+          </a:solidFill>
+        </p:spPr>
+        <p:style>
+          <a:lnRef idx="2">
+            <a:schemeClr val="accent1">
+              <a:shade val="50000"/>
+            </a:schemeClr>
+          </a:lnRef>
+          <a:fillRef idx="1">
+            <a:schemeClr val="accent1"/>
+          </a:fillRef>
+          <a:effectRef idx="0">
+            <a:schemeClr val="accent1"/>
+          </a:effectRef>
+          <a:fontRef idx="minor">
+            <a:schemeClr val="lt1"/>
+          </a:fontRef>
+        </p:style>
+        <p:txBody>
+          <a:bodyPr rtlCol="0" anchor="ctr"/>
+          <a:lstStyle/>
+          <a:p>
+            <a:r>
+              <a:rPr lang="en-SG" sz="1100" dirty="0"/>
+              <a:t>Re-run target in new independent process</a:t>
+            </a:r>
+          </a:p>
+        </p:txBody>
+      </p:sp>
+      <p:sp>
+        <p:nvSpPr>
+          <p:cNvPr id="1076" name="TextBox 1075">
+            <a:extLst>
+              <a:ext uri="{FF2B5EF4-FFF2-40B4-BE49-F238E27FC236}">
+                <a16:creationId xmlns:a16="http://schemas.microsoft.com/office/drawing/2014/main" id="{40473AE7-27B9-F6A0-EF60-E80FD1C7A7FE}"/>
+              </a:ext>
+            </a:extLst>
+          </p:cNvPr>
+          <p:cNvSpPr txBox="1"/>
+          <p:nvPr/>
+        </p:nvSpPr>
+        <p:spPr>
+          <a:xfrm>
+            <a:off x="5499834" y="3557574"/>
+            <a:ext cx="1038365" cy="600164"/>
+          </a:xfrm>
+          <a:prstGeom prst="rect">
+            <a:avLst/>
+          </a:prstGeom>
+          <a:noFill/>
+        </p:spPr>
+        <p:txBody>
+          <a:bodyPr wrap="square" rtlCol="0">
+            <a:spAutoFit/>
+          </a:bodyPr>
+          <a:lstStyle/>
+          <a:p>
+            <a:r>
+              <a:rPr lang="en-US" sz="1100" dirty="0"/>
+              <a:t>Update new target’s </a:t>
+            </a:r>
+            <a:r>
+              <a:rPr lang="en-US" sz="1100" dirty="0" err="1"/>
+              <a:t>Pid</a:t>
+            </a:r>
+            <a:r>
+              <a:rPr lang="en-US" sz="1100" dirty="0"/>
+              <a:t> in record file</a:t>
+            </a:r>
+            <a:endParaRPr lang="en-SG" sz="1100" dirty="0"/>
+          </a:p>
+        </p:txBody>
+      </p:sp>
+      <p:cxnSp>
+        <p:nvCxnSpPr>
+          <p:cNvPr id="1078" name="Straight Arrow Connector 1077">
+            <a:extLst>
+              <a:ext uri="{FF2B5EF4-FFF2-40B4-BE49-F238E27FC236}">
+                <a16:creationId xmlns:a16="http://schemas.microsoft.com/office/drawing/2014/main" id="{DFEC02DF-BEEE-57D7-1ADC-E7F6BCC976D7}"/>
+              </a:ext>
+            </a:extLst>
+          </p:cNvPr>
+          <p:cNvCxnSpPr>
+            <a:cxnSpLocks/>
+          </p:cNvCxnSpPr>
+          <p:nvPr/>
+        </p:nvCxnSpPr>
+        <p:spPr>
+          <a:xfrm>
+            <a:off x="7083246" y="4384030"/>
+            <a:ext cx="0" cy="307326"/>
+          </a:xfrm>
+          <a:prstGeom prst="straightConnector1">
+            <a:avLst/>
+          </a:prstGeom>
+          <a:ln>
+            <a:tailEnd type="triangle"/>
+          </a:ln>
+        </p:spPr>
+        <p:style>
+          <a:lnRef idx="1">
+            <a:schemeClr val="dk1"/>
+          </a:lnRef>
+          <a:fillRef idx="0">
+            <a:schemeClr val="dk1"/>
+          </a:fillRef>
+          <a:effectRef idx="0">
+            <a:schemeClr val="dk1"/>
+          </a:effectRef>
+          <a:fontRef idx="minor">
+            <a:schemeClr val="tx1"/>
+          </a:fontRef>
+        </p:style>
+      </p:cxnSp>
+      <p:sp>
+        <p:nvSpPr>
+          <p:cNvPr id="1079" name="Rectangle 1078">
+            <a:extLst>
+              <a:ext uri="{FF2B5EF4-FFF2-40B4-BE49-F238E27FC236}">
+                <a16:creationId xmlns:a16="http://schemas.microsoft.com/office/drawing/2014/main" id="{649AC6FB-8311-2866-7689-8F86549F521D}"/>
+              </a:ext>
+            </a:extLst>
+          </p:cNvPr>
+          <p:cNvSpPr/>
+          <p:nvPr/>
+        </p:nvSpPr>
+        <p:spPr>
+          <a:xfrm>
+            <a:off x="6403571" y="4704669"/>
+            <a:ext cx="1584560" cy="397285"/>
+          </a:xfrm>
+          <a:prstGeom prst="rect">
+            <a:avLst/>
+          </a:prstGeom>
+          <a:solidFill>
+            <a:srgbClr val="7030A0"/>
+          </a:solidFill>
+        </p:spPr>
+        <p:style>
+          <a:lnRef idx="2">
+            <a:schemeClr val="accent1">
+              <a:shade val="50000"/>
+            </a:schemeClr>
+          </a:lnRef>
+          <a:fillRef idx="1">
+            <a:schemeClr val="accent1"/>
+          </a:fillRef>
+          <a:effectRef idx="0">
+            <a:schemeClr val="accent1"/>
+          </a:effectRef>
+          <a:fontRef idx="minor">
+            <a:schemeClr val="lt1"/>
+          </a:fontRef>
+        </p:style>
+        <p:txBody>
+          <a:bodyPr rtlCol="0" anchor="ctr"/>
+          <a:lstStyle/>
+          <a:p>
+            <a:r>
+              <a:rPr lang="en-SG" sz="1100" dirty="0"/>
+              <a:t>Re-run target in new independent process</a:t>
+            </a:r>
+          </a:p>
+        </p:txBody>
+      </p:sp>
+      <p:cxnSp>
+        <p:nvCxnSpPr>
+          <p:cNvPr id="1080" name="Straight Arrow Connector 1079">
+            <a:extLst>
+              <a:ext uri="{FF2B5EF4-FFF2-40B4-BE49-F238E27FC236}">
+                <a16:creationId xmlns:a16="http://schemas.microsoft.com/office/drawing/2014/main" id="{A31A4FB0-E386-37C1-CC9F-7CB40EEF8272}"/>
+              </a:ext>
+            </a:extLst>
+          </p:cNvPr>
+          <p:cNvCxnSpPr>
+            <a:cxnSpLocks/>
+          </p:cNvCxnSpPr>
+          <p:nvPr/>
+        </p:nvCxnSpPr>
+        <p:spPr>
+          <a:xfrm>
+            <a:off x="7083246" y="5101954"/>
+            <a:ext cx="0" cy="307326"/>
+          </a:xfrm>
+          <a:prstGeom prst="straightConnector1">
+            <a:avLst/>
+          </a:prstGeom>
+          <a:ln>
+            <a:tailEnd type="triangle"/>
+          </a:ln>
+        </p:spPr>
+        <p:style>
+          <a:lnRef idx="1">
+            <a:schemeClr val="dk1"/>
+          </a:lnRef>
+          <a:fillRef idx="0">
+            <a:schemeClr val="dk1"/>
+          </a:fillRef>
+          <a:effectRef idx="0">
+            <a:schemeClr val="dk1"/>
+          </a:effectRef>
+          <a:fontRef idx="minor">
+            <a:schemeClr val="tx1"/>
+          </a:fontRef>
+        </p:style>
+      </p:cxnSp>
+      <p:sp>
+        <p:nvSpPr>
+          <p:cNvPr id="1081" name="Rectangle 1080">
+            <a:extLst>
+              <a:ext uri="{FF2B5EF4-FFF2-40B4-BE49-F238E27FC236}">
+                <a16:creationId xmlns:a16="http://schemas.microsoft.com/office/drawing/2014/main" id="{3AC974C0-8580-1458-EB72-09318E25032A}"/>
+              </a:ext>
+            </a:extLst>
+          </p:cNvPr>
+          <p:cNvSpPr/>
+          <p:nvPr/>
+        </p:nvSpPr>
+        <p:spPr>
+          <a:xfrm>
+            <a:off x="6305947" y="5415098"/>
+            <a:ext cx="1440015" cy="258949"/>
+          </a:xfrm>
+          <a:prstGeom prst="rect">
+            <a:avLst/>
+          </a:prstGeom>
+          <a:noFill/>
+          <a:ln w="19050">
+            <a:solidFill>
+              <a:srgbClr val="7030A0"/>
+            </a:solidFill>
+            <a:prstDash val="sysDash"/>
+          </a:ln>
+        </p:spPr>
+        <p:style>
+          <a:lnRef idx="2">
+            <a:schemeClr val="accent1">
+              <a:shade val="50000"/>
+            </a:schemeClr>
+          </a:lnRef>
+          <a:fillRef idx="1">
+            <a:schemeClr val="accent1"/>
+          </a:fillRef>
+          <a:effectRef idx="0">
+            <a:schemeClr val="accent1"/>
+          </a:effectRef>
+          <a:fontRef idx="minor">
+            <a:schemeClr val="lt1"/>
+          </a:fontRef>
+        </p:style>
+        <p:txBody>
+          <a:bodyPr rtlCol="0" anchor="ctr"/>
+          <a:lstStyle/>
+          <a:p>
+            <a:r>
+              <a:rPr lang="en-SG" sz="1200" dirty="0">
+                <a:solidFill>
+                  <a:schemeClr val="accent6">
+                    <a:lumMod val="50000"/>
+                  </a:schemeClr>
+                </a:solidFill>
+              </a:rPr>
+              <a:t>Target file deleted </a:t>
+            </a:r>
+          </a:p>
+        </p:txBody>
+      </p:sp>
+      <p:sp>
+        <p:nvSpPr>
+          <p:cNvPr id="1082" name="Rectangle 1081">
+            <a:extLst>
+              <a:ext uri="{FF2B5EF4-FFF2-40B4-BE49-F238E27FC236}">
+                <a16:creationId xmlns:a16="http://schemas.microsoft.com/office/drawing/2014/main" id="{4052B177-2422-86C7-A4BB-8C387DCE56C4}"/>
+              </a:ext>
+            </a:extLst>
+          </p:cNvPr>
+          <p:cNvSpPr/>
+          <p:nvPr/>
+        </p:nvSpPr>
+        <p:spPr>
+          <a:xfrm>
+            <a:off x="6403571" y="5907253"/>
+            <a:ext cx="1203725" cy="397285"/>
+          </a:xfrm>
+          <a:prstGeom prst="rect">
+            <a:avLst/>
+          </a:prstGeom>
+          <a:solidFill>
+            <a:srgbClr val="7030A0"/>
+          </a:solidFill>
+        </p:spPr>
+        <p:style>
+          <a:lnRef idx="2">
+            <a:schemeClr val="accent1">
+              <a:shade val="50000"/>
+            </a:schemeClr>
+          </a:lnRef>
+          <a:fillRef idx="1">
+            <a:schemeClr val="accent1"/>
+          </a:fillRef>
+          <a:effectRef idx="0">
+            <a:schemeClr val="accent1"/>
+          </a:effectRef>
+          <a:fontRef idx="minor">
+            <a:schemeClr val="lt1"/>
+          </a:fontRef>
+        </p:style>
+        <p:txBody>
+          <a:bodyPr rtlCol="0" anchor="ctr"/>
+          <a:lstStyle/>
+          <a:p>
+            <a:r>
+              <a:rPr lang="en-SG" sz="1100" dirty="0"/>
+              <a:t>Recover file from backup zip</a:t>
+            </a:r>
+          </a:p>
+        </p:txBody>
+      </p:sp>
+      <p:cxnSp>
+        <p:nvCxnSpPr>
+          <p:cNvPr id="1083" name="Straight Arrow Connector 1082">
+            <a:extLst>
+              <a:ext uri="{FF2B5EF4-FFF2-40B4-BE49-F238E27FC236}">
+                <a16:creationId xmlns:a16="http://schemas.microsoft.com/office/drawing/2014/main" id="{41CC6579-82CE-A1CA-0B0A-1D4CCFFDD440}"/>
+              </a:ext>
+            </a:extLst>
+          </p:cNvPr>
+          <p:cNvCxnSpPr>
+            <a:cxnSpLocks/>
+          </p:cNvCxnSpPr>
+          <p:nvPr/>
+        </p:nvCxnSpPr>
+        <p:spPr>
+          <a:xfrm>
+            <a:off x="7083246" y="5674047"/>
+            <a:ext cx="0" cy="233206"/>
+          </a:xfrm>
+          <a:prstGeom prst="straightConnector1">
+            <a:avLst/>
+          </a:prstGeom>
+          <a:ln>
+            <a:tailEnd type="triangle"/>
+          </a:ln>
+        </p:spPr>
+        <p:style>
+          <a:lnRef idx="1">
+            <a:schemeClr val="dk1"/>
+          </a:lnRef>
+          <a:fillRef idx="0">
+            <a:schemeClr val="dk1"/>
+          </a:fillRef>
+          <a:effectRef idx="0">
+            <a:schemeClr val="dk1"/>
+          </a:effectRef>
+          <a:fontRef idx="minor">
+            <a:schemeClr val="tx1"/>
+          </a:fontRef>
+        </p:style>
+      </p:cxnSp>
+      <p:pic>
+        <p:nvPicPr>
+          <p:cNvPr id="1084" name="Picture 1083">
+            <a:extLst>
+              <a:ext uri="{FF2B5EF4-FFF2-40B4-BE49-F238E27FC236}">
+                <a16:creationId xmlns:a16="http://schemas.microsoft.com/office/drawing/2014/main" id="{A365E9E3-2B6B-03E9-7653-E309291D12E6}"/>
+              </a:ext>
+            </a:extLst>
+          </p:cNvPr>
+          <p:cNvPicPr>
+            <a:picLocks noChangeAspect="1"/>
+          </p:cNvPicPr>
+          <p:nvPr/>
+        </p:nvPicPr>
+        <p:blipFill>
+          <a:blip r:embed="rId3"/>
+          <a:stretch>
+            <a:fillRect/>
+          </a:stretch>
+        </p:blipFill>
+        <p:spPr>
+          <a:xfrm>
+            <a:off x="5820332" y="5927643"/>
+            <a:ext cx="342305" cy="376535"/>
+          </a:xfrm>
+          <a:prstGeom prst="rect">
+            <a:avLst/>
+          </a:prstGeom>
+        </p:spPr>
+      </p:pic>
+      <p:cxnSp>
+        <p:nvCxnSpPr>
+          <p:cNvPr id="1085" name="Straight Arrow Connector 1084">
+            <a:extLst>
+              <a:ext uri="{FF2B5EF4-FFF2-40B4-BE49-F238E27FC236}">
+                <a16:creationId xmlns:a16="http://schemas.microsoft.com/office/drawing/2014/main" id="{210B7F69-0642-879E-16EF-12733387E221}"/>
+              </a:ext>
+            </a:extLst>
+          </p:cNvPr>
+          <p:cNvCxnSpPr>
+            <a:stCxn id="1084" idx="3"/>
+            <a:endCxn id="1082" idx="1"/>
+          </p:cNvCxnSpPr>
+          <p:nvPr/>
+        </p:nvCxnSpPr>
+        <p:spPr>
+          <a:xfrm flipV="1">
+            <a:off x="6162637" y="6105896"/>
+            <a:ext cx="240934" cy="0"/>
+          </a:xfrm>
+          <a:prstGeom prst="straightConnector1">
+            <a:avLst/>
+          </a:prstGeom>
+          <a:ln>
+            <a:tailEnd type="triangle"/>
+          </a:ln>
+        </p:spPr>
+        <p:style>
+          <a:lnRef idx="1">
+            <a:schemeClr val="accent1"/>
+          </a:lnRef>
+          <a:fillRef idx="0">
+            <a:schemeClr val="accent1"/>
+          </a:fillRef>
+          <a:effectRef idx="0">
+            <a:schemeClr val="accent1"/>
+          </a:effectRef>
+          <a:fontRef idx="minor">
+            <a:schemeClr val="tx1"/>
+          </a:fontRef>
+        </p:style>
+      </p:cxnSp>
+      <p:cxnSp>
+        <p:nvCxnSpPr>
+          <p:cNvPr id="1086" name="Connector: Elbow 1085">
+            <a:extLst>
+              <a:ext uri="{FF2B5EF4-FFF2-40B4-BE49-F238E27FC236}">
+                <a16:creationId xmlns:a16="http://schemas.microsoft.com/office/drawing/2014/main" id="{C7F88064-66FC-C8E5-246A-C4CA30CA56DB}"/>
+              </a:ext>
+            </a:extLst>
+          </p:cNvPr>
+          <p:cNvCxnSpPr>
+            <a:cxnSpLocks/>
+            <a:stCxn id="1082" idx="3"/>
+          </p:cNvCxnSpPr>
+          <p:nvPr/>
+        </p:nvCxnSpPr>
+        <p:spPr>
+          <a:xfrm flipV="1">
+            <a:off x="7607296" y="5101954"/>
+            <a:ext cx="290184" cy="1003942"/>
+          </a:xfrm>
+          <a:prstGeom prst="bentConnector2">
+            <a:avLst/>
+          </a:prstGeom>
+          <a:ln>
+            <a:tailEnd type="triangle"/>
+          </a:ln>
+        </p:spPr>
+        <p:style>
+          <a:lnRef idx="1">
+            <a:schemeClr val="dk1"/>
+          </a:lnRef>
+          <a:fillRef idx="0">
+            <a:schemeClr val="dk1"/>
+          </a:fillRef>
+          <a:effectRef idx="0">
+            <a:schemeClr val="dk1"/>
+          </a:effectRef>
+          <a:fontRef idx="minor">
+            <a:schemeClr val="tx1"/>
+          </a:fontRef>
+        </p:style>
+      </p:cxnSp>
+      <p:sp>
+        <p:nvSpPr>
+          <p:cNvPr id="1087" name="TextBox 1086">
+            <a:extLst>
+              <a:ext uri="{FF2B5EF4-FFF2-40B4-BE49-F238E27FC236}">
+                <a16:creationId xmlns:a16="http://schemas.microsoft.com/office/drawing/2014/main" id="{ED514F94-03DA-371A-402A-385BE308489C}"/>
+              </a:ext>
+            </a:extLst>
+          </p:cNvPr>
+          <p:cNvSpPr txBox="1"/>
+          <p:nvPr/>
+        </p:nvSpPr>
+        <p:spPr>
+          <a:xfrm>
+            <a:off x="7874113" y="5485733"/>
+            <a:ext cx="968496" cy="430887"/>
+          </a:xfrm>
+          <a:prstGeom prst="rect">
+            <a:avLst/>
+          </a:prstGeom>
+          <a:noFill/>
+        </p:spPr>
+        <p:txBody>
+          <a:bodyPr wrap="square" rtlCol="0">
+            <a:spAutoFit/>
+          </a:bodyPr>
+          <a:lstStyle/>
+          <a:p>
+            <a:r>
+              <a:rPr lang="en-SG" sz="1100" dirty="0"/>
+              <a:t>Target recovered </a:t>
+            </a:r>
+          </a:p>
+        </p:txBody>
+      </p:sp>
+      <p:sp>
+        <p:nvSpPr>
+          <p:cNvPr id="1091" name="TextBox 1090">
+            <a:extLst>
+              <a:ext uri="{FF2B5EF4-FFF2-40B4-BE49-F238E27FC236}">
+                <a16:creationId xmlns:a16="http://schemas.microsoft.com/office/drawing/2014/main" id="{F4148B91-2259-0FF0-3352-03E67D15D6AA}"/>
+              </a:ext>
+            </a:extLst>
+          </p:cNvPr>
+          <p:cNvSpPr txBox="1"/>
+          <p:nvPr/>
+        </p:nvSpPr>
+        <p:spPr>
+          <a:xfrm>
+            <a:off x="4236062" y="4510464"/>
+            <a:ext cx="1190717" cy="600164"/>
+          </a:xfrm>
+          <a:prstGeom prst="rect">
+            <a:avLst/>
+          </a:prstGeom>
+          <a:noFill/>
+        </p:spPr>
+        <p:txBody>
+          <a:bodyPr wrap="square" rtlCol="0">
+            <a:spAutoFit/>
+          </a:bodyPr>
+          <a:lstStyle/>
+          <a:p>
+            <a:r>
+              <a:rPr lang="en-SG" sz="1100" dirty="0"/>
+              <a:t>New process program execution call</a:t>
+            </a:r>
+          </a:p>
+        </p:txBody>
+      </p:sp>
+      <p:sp>
+        <p:nvSpPr>
+          <p:cNvPr id="1092" name="TextBox 1091">
+            <a:extLst>
+              <a:ext uri="{FF2B5EF4-FFF2-40B4-BE49-F238E27FC236}">
+                <a16:creationId xmlns:a16="http://schemas.microsoft.com/office/drawing/2014/main" id="{CB1004F8-B363-5D57-F346-DAED8CC235ED}"/>
+              </a:ext>
+            </a:extLst>
+          </p:cNvPr>
+          <p:cNvSpPr txBox="1"/>
+          <p:nvPr/>
+        </p:nvSpPr>
+        <p:spPr>
+          <a:xfrm>
+            <a:off x="7402564" y="849520"/>
+            <a:ext cx="1190717" cy="600164"/>
+          </a:xfrm>
+          <a:prstGeom prst="rect">
+            <a:avLst/>
+          </a:prstGeom>
+          <a:noFill/>
+        </p:spPr>
+        <p:txBody>
+          <a:bodyPr wrap="square" rtlCol="0">
+            <a:spAutoFit/>
+          </a:bodyPr>
+          <a:lstStyle/>
+          <a:p>
+            <a:r>
+              <a:rPr lang="en-SG" sz="1100" dirty="0"/>
+              <a:t>New process program execution call</a:t>
+            </a:r>
+          </a:p>
+        </p:txBody>
+      </p:sp>
+      <p:pic>
+        <p:nvPicPr>
+          <p:cNvPr id="1093" name="Picture 2" descr="Document, file, record, recording icon - Download on Iconfinder">
+            <a:extLst>
+              <a:ext uri="{FF2B5EF4-FFF2-40B4-BE49-F238E27FC236}">
+                <a16:creationId xmlns:a16="http://schemas.microsoft.com/office/drawing/2014/main" id="{434BDA4D-DF9D-7CF8-5809-91143FD30931}"/>
+              </a:ext>
+            </a:extLst>
+          </p:cNvPr>
+          <p:cNvPicPr>
+            <a:picLocks noChangeAspect="1" noChangeArrowheads="1"/>
+          </p:cNvPicPr>
+          <p:nvPr/>
+        </p:nvPicPr>
+        <p:blipFill>
+          <a:blip r:embed="rId2">
+            <a:extLst>
+              <a:ext uri="{28A0092B-C50C-407E-A947-70E740481C1C}">
+                <a14:useLocalDpi xmlns:a14="http://schemas.microsoft.com/office/drawing/2010/main" val="0"/>
+              </a:ext>
+            </a:extLst>
+          </a:blip>
+          <a:srcRect/>
+          <a:stretch>
+            <a:fillRect/>
+          </a:stretch>
+        </p:blipFill>
+        <p:spPr bwMode="auto">
+          <a:xfrm>
+            <a:off x="8912308" y="1992623"/>
+            <a:ext cx="564759" cy="564759"/>
+          </a:xfrm>
+          <a:prstGeom prst="rect">
+            <a:avLst/>
+          </a:prstGeom>
+          <a:noFill/>
+          <a:extLst>
+            <a:ext uri="{909E8E84-426E-40DD-AFC4-6F175D3DCCD1}">
+              <a14:hiddenFill xmlns:a14="http://schemas.microsoft.com/office/drawing/2010/main">
+                <a:solidFill>
+                  <a:srgbClr val="FFFFFF"/>
+                </a:solidFill>
+              </a14:hiddenFill>
+            </a:ext>
+          </a:extLst>
+        </p:spPr>
+      </p:pic>
+      <p:sp>
+        <p:nvSpPr>
+          <p:cNvPr id="1094" name="TextBox 1093">
+            <a:extLst>
+              <a:ext uri="{FF2B5EF4-FFF2-40B4-BE49-F238E27FC236}">
+                <a16:creationId xmlns:a16="http://schemas.microsoft.com/office/drawing/2014/main" id="{D45FF0B8-4DBC-C22E-69C1-FDCE52F4F393}"/>
+              </a:ext>
+            </a:extLst>
+          </p:cNvPr>
+          <p:cNvSpPr txBox="1"/>
+          <p:nvPr/>
+        </p:nvSpPr>
+        <p:spPr>
+          <a:xfrm>
+            <a:off x="9477067" y="2044169"/>
+            <a:ext cx="1111526" cy="461665"/>
+          </a:xfrm>
+          <a:prstGeom prst="rect">
+            <a:avLst/>
+          </a:prstGeom>
+          <a:noFill/>
+        </p:spPr>
+        <p:txBody>
+          <a:bodyPr wrap="square" rtlCol="0">
+            <a:spAutoFit/>
+          </a:bodyPr>
+          <a:lstStyle/>
+          <a:p>
+            <a:r>
+              <a:rPr lang="en-SG" sz="1200" b="1" dirty="0"/>
+              <a:t>Progress ID record file</a:t>
+            </a:r>
+          </a:p>
+        </p:txBody>
+      </p:sp>
+      <p:pic>
+        <p:nvPicPr>
+          <p:cNvPr id="1095" name="Picture 1094">
+            <a:extLst>
+              <a:ext uri="{FF2B5EF4-FFF2-40B4-BE49-F238E27FC236}">
+                <a16:creationId xmlns:a16="http://schemas.microsoft.com/office/drawing/2014/main" id="{D3AAF61A-2EF0-2F27-1FE9-FC849DC73FBF}"/>
+              </a:ext>
+            </a:extLst>
+          </p:cNvPr>
+          <p:cNvPicPr>
+            <a:picLocks noChangeAspect="1"/>
+          </p:cNvPicPr>
+          <p:nvPr/>
+        </p:nvPicPr>
+        <p:blipFill>
+          <a:blip r:embed="rId3"/>
+          <a:stretch>
+            <a:fillRect/>
+          </a:stretch>
+        </p:blipFill>
+        <p:spPr>
+          <a:xfrm>
+            <a:off x="9005404" y="2669161"/>
+            <a:ext cx="445106" cy="489616"/>
+          </a:xfrm>
+          <a:prstGeom prst="rect">
+            <a:avLst/>
+          </a:prstGeom>
+        </p:spPr>
+      </p:pic>
+      <p:sp>
+        <p:nvSpPr>
+          <p:cNvPr id="1096" name="TextBox 1095">
+            <a:extLst>
+              <a:ext uri="{FF2B5EF4-FFF2-40B4-BE49-F238E27FC236}">
+                <a16:creationId xmlns:a16="http://schemas.microsoft.com/office/drawing/2014/main" id="{D33154F9-7480-879C-69E1-9BE373D5162A}"/>
+              </a:ext>
+            </a:extLst>
+          </p:cNvPr>
+          <p:cNvSpPr txBox="1"/>
+          <p:nvPr/>
+        </p:nvSpPr>
+        <p:spPr>
+          <a:xfrm>
+            <a:off x="9516343" y="2683136"/>
+            <a:ext cx="1111526" cy="461665"/>
+          </a:xfrm>
+          <a:prstGeom prst="rect">
+            <a:avLst/>
+          </a:prstGeom>
+          <a:noFill/>
+        </p:spPr>
+        <p:txBody>
+          <a:bodyPr wrap="square" rtlCol="0">
+            <a:spAutoFit/>
+          </a:bodyPr>
+          <a:lstStyle/>
+          <a:p>
+            <a:r>
+              <a:rPr lang="en-SG" sz="1200" b="1" dirty="0"/>
+              <a:t>Target backup zip file</a:t>
+            </a:r>
+          </a:p>
+        </p:txBody>
+      </p:sp>
+      <p:cxnSp>
+        <p:nvCxnSpPr>
+          <p:cNvPr id="1097" name="Straight Arrow Connector 1096">
+            <a:extLst>
+              <a:ext uri="{FF2B5EF4-FFF2-40B4-BE49-F238E27FC236}">
+                <a16:creationId xmlns:a16="http://schemas.microsoft.com/office/drawing/2014/main" id="{68743D9C-E64E-3E9F-EA1B-D869A2C39378}"/>
+              </a:ext>
+            </a:extLst>
+          </p:cNvPr>
+          <p:cNvCxnSpPr>
+            <a:cxnSpLocks/>
+          </p:cNvCxnSpPr>
+          <p:nvPr/>
+        </p:nvCxnSpPr>
+        <p:spPr>
+          <a:xfrm>
+            <a:off x="9029629" y="3594624"/>
+            <a:ext cx="420881" cy="0"/>
+          </a:xfrm>
+          <a:prstGeom prst="straightConnector1">
+            <a:avLst/>
+          </a:prstGeom>
+          <a:ln w="19050">
+            <a:prstDash val="dash"/>
+            <a:tailEnd type="triangle"/>
+          </a:ln>
+        </p:spPr>
+        <p:style>
+          <a:lnRef idx="1">
+            <a:schemeClr val="dk1"/>
+          </a:lnRef>
+          <a:fillRef idx="0">
+            <a:schemeClr val="dk1"/>
+          </a:fillRef>
+          <a:effectRef idx="0">
+            <a:schemeClr val="dk1"/>
+          </a:effectRef>
+          <a:fontRef idx="minor">
+            <a:schemeClr val="tx1"/>
+          </a:fontRef>
+        </p:style>
+      </p:cxnSp>
+      <p:cxnSp>
+        <p:nvCxnSpPr>
+          <p:cNvPr id="1100" name="Straight Arrow Connector 1099">
+            <a:extLst>
+              <a:ext uri="{FF2B5EF4-FFF2-40B4-BE49-F238E27FC236}">
+                <a16:creationId xmlns:a16="http://schemas.microsoft.com/office/drawing/2014/main" id="{50BF3489-21B7-7C34-A496-5989ED3C5ED0}"/>
+              </a:ext>
+            </a:extLst>
+          </p:cNvPr>
+          <p:cNvCxnSpPr>
+            <a:cxnSpLocks/>
+          </p:cNvCxnSpPr>
+          <p:nvPr/>
+        </p:nvCxnSpPr>
+        <p:spPr>
+          <a:xfrm>
+            <a:off x="9007425" y="3840887"/>
+            <a:ext cx="469642" cy="0"/>
+          </a:xfrm>
+          <a:prstGeom prst="straightConnector1">
+            <a:avLst/>
+          </a:prstGeom>
+          <a:ln>
+            <a:tailEnd type="triangle"/>
+          </a:ln>
+        </p:spPr>
+        <p:style>
+          <a:lnRef idx="1">
+            <a:schemeClr val="dk1"/>
+          </a:lnRef>
+          <a:fillRef idx="0">
+            <a:schemeClr val="dk1"/>
+          </a:fillRef>
+          <a:effectRef idx="0">
+            <a:schemeClr val="dk1"/>
+          </a:effectRef>
+          <a:fontRef idx="minor">
+            <a:schemeClr val="tx1"/>
+          </a:fontRef>
+        </p:style>
+      </p:cxnSp>
+      <p:sp>
+        <p:nvSpPr>
+          <p:cNvPr id="1102" name="TextBox 1101">
+            <a:extLst>
+              <a:ext uri="{FF2B5EF4-FFF2-40B4-BE49-F238E27FC236}">
+                <a16:creationId xmlns:a16="http://schemas.microsoft.com/office/drawing/2014/main" id="{FDD6B726-4C46-2738-BF45-6CA72370EF4F}"/>
+              </a:ext>
+            </a:extLst>
+          </p:cNvPr>
+          <p:cNvSpPr txBox="1"/>
+          <p:nvPr/>
+        </p:nvSpPr>
+        <p:spPr>
+          <a:xfrm>
+            <a:off x="9592419" y="3482795"/>
+            <a:ext cx="1111526" cy="461665"/>
+          </a:xfrm>
+          <a:prstGeom prst="rect">
+            <a:avLst/>
+          </a:prstGeom>
+          <a:noFill/>
+        </p:spPr>
+        <p:txBody>
+          <a:bodyPr wrap="square" rtlCol="0">
+            <a:spAutoFit/>
+          </a:bodyPr>
+          <a:lstStyle/>
+          <a:p>
+            <a:r>
+              <a:rPr lang="en-SG" sz="1200" b="1" dirty="0"/>
+              <a:t>Program internal flow</a:t>
+            </a:r>
+          </a:p>
+        </p:txBody>
+      </p:sp>
+      <p:sp>
+        <p:nvSpPr>
+          <p:cNvPr id="1103" name="Rectangle 1102">
+            <a:extLst>
+              <a:ext uri="{FF2B5EF4-FFF2-40B4-BE49-F238E27FC236}">
+                <a16:creationId xmlns:a16="http://schemas.microsoft.com/office/drawing/2014/main" id="{B124A157-3DFA-ACE9-6B35-EA70D1E4315C}"/>
+              </a:ext>
+            </a:extLst>
+          </p:cNvPr>
+          <p:cNvSpPr/>
+          <p:nvPr/>
+        </p:nvSpPr>
+        <p:spPr>
+          <a:xfrm>
+            <a:off x="8995020" y="4280117"/>
+            <a:ext cx="597399" cy="258946"/>
+          </a:xfrm>
+          <a:prstGeom prst="rect">
+            <a:avLst/>
+          </a:prstGeom>
+          <a:noFill/>
+          <a:ln w="19050">
+            <a:solidFill>
+              <a:schemeClr val="accent6">
+                <a:lumMod val="50000"/>
+              </a:schemeClr>
+            </a:solidFill>
+            <a:prstDash val="sysDash"/>
+          </a:ln>
+        </p:spPr>
+        <p:style>
+          <a:lnRef idx="2">
+            <a:schemeClr val="accent1">
+              <a:shade val="50000"/>
+            </a:schemeClr>
+          </a:lnRef>
+          <a:fillRef idx="1">
+            <a:schemeClr val="accent1"/>
+          </a:fillRef>
+          <a:effectRef idx="0">
+            <a:schemeClr val="accent1"/>
+          </a:effectRef>
+          <a:fontRef idx="minor">
+            <a:schemeClr val="lt1"/>
+          </a:fontRef>
+        </p:style>
+        <p:txBody>
+          <a:bodyPr rtlCol="0" anchor="ctr"/>
+          <a:lstStyle/>
+          <a:p>
+            <a:endParaRPr lang="en-SG" sz="1200" dirty="0">
+              <a:solidFill>
+                <a:schemeClr val="accent6">
+                  <a:lumMod val="50000"/>
+                </a:schemeClr>
+              </a:solidFill>
+            </a:endParaRPr>
+          </a:p>
+        </p:txBody>
+      </p:sp>
+      <p:sp>
+        <p:nvSpPr>
+          <p:cNvPr id="1104" name="TextBox 1103">
+            <a:extLst>
+              <a:ext uri="{FF2B5EF4-FFF2-40B4-BE49-F238E27FC236}">
+                <a16:creationId xmlns:a16="http://schemas.microsoft.com/office/drawing/2014/main" id="{79B6FFDE-D286-0BDF-59DB-228B5B5212A2}"/>
+              </a:ext>
+            </a:extLst>
+          </p:cNvPr>
+          <p:cNvSpPr txBox="1"/>
+          <p:nvPr/>
+        </p:nvSpPr>
+        <p:spPr>
+          <a:xfrm>
+            <a:off x="9592419" y="4289159"/>
+            <a:ext cx="1304535" cy="276999"/>
+          </a:xfrm>
+          <a:prstGeom prst="rect">
+            <a:avLst/>
+          </a:prstGeom>
+          <a:noFill/>
+        </p:spPr>
+        <p:txBody>
+          <a:bodyPr wrap="square" rtlCol="0">
+            <a:spAutoFit/>
+          </a:bodyPr>
+          <a:lstStyle/>
+          <a:p>
+            <a:r>
+              <a:rPr lang="en-SG" sz="1200" b="1" dirty="0"/>
+              <a:t>Condition station</a:t>
+            </a:r>
+          </a:p>
+        </p:txBody>
+      </p:sp>
+      <p:cxnSp>
+        <p:nvCxnSpPr>
+          <p:cNvPr id="1106" name="Straight Arrow Connector 1105">
+            <a:extLst>
+              <a:ext uri="{FF2B5EF4-FFF2-40B4-BE49-F238E27FC236}">
+                <a16:creationId xmlns:a16="http://schemas.microsoft.com/office/drawing/2014/main" id="{545F23AC-A13C-D739-82F0-00CD21E10FBE}"/>
+              </a:ext>
+            </a:extLst>
+          </p:cNvPr>
+          <p:cNvCxnSpPr>
+            <a:cxnSpLocks/>
+          </p:cNvCxnSpPr>
+          <p:nvPr/>
+        </p:nvCxnSpPr>
+        <p:spPr>
+          <a:xfrm>
+            <a:off x="9029629" y="4973269"/>
+            <a:ext cx="463558" cy="0"/>
+          </a:xfrm>
+          <a:prstGeom prst="straightConnector1">
+            <a:avLst/>
+          </a:prstGeom>
+          <a:ln>
+            <a:tailEnd type="triangle"/>
+          </a:ln>
+        </p:spPr>
+        <p:style>
+          <a:lnRef idx="1">
+            <a:schemeClr val="accent1"/>
+          </a:lnRef>
+          <a:fillRef idx="0">
+            <a:schemeClr val="accent1"/>
+          </a:fillRef>
+          <a:effectRef idx="0">
+            <a:schemeClr val="accent1"/>
+          </a:effectRef>
+          <a:fontRef idx="minor">
+            <a:schemeClr val="tx1"/>
+          </a:fontRef>
+        </p:style>
+      </p:cxnSp>
+      <p:sp>
+        <p:nvSpPr>
+          <p:cNvPr id="1108" name="TextBox 1107">
+            <a:extLst>
+              <a:ext uri="{FF2B5EF4-FFF2-40B4-BE49-F238E27FC236}">
+                <a16:creationId xmlns:a16="http://schemas.microsoft.com/office/drawing/2014/main" id="{C07234B7-5787-1456-210C-AAEEB520BB9F}"/>
+              </a:ext>
+            </a:extLst>
+          </p:cNvPr>
+          <p:cNvSpPr txBox="1"/>
+          <p:nvPr/>
+        </p:nvSpPr>
+        <p:spPr>
+          <a:xfrm>
+            <a:off x="9602055" y="4813052"/>
+            <a:ext cx="1111526" cy="461665"/>
+          </a:xfrm>
+          <a:prstGeom prst="rect">
+            <a:avLst/>
+          </a:prstGeom>
+          <a:noFill/>
+        </p:spPr>
+        <p:txBody>
+          <a:bodyPr wrap="square" rtlCol="0">
+            <a:spAutoFit/>
+          </a:bodyPr>
+          <a:lstStyle/>
+          <a:p>
+            <a:r>
+              <a:rPr lang="en-SG" sz="1200" b="1" dirty="0"/>
+              <a:t>File I/O ( load or wite )</a:t>
+            </a:r>
+          </a:p>
+        </p:txBody>
+      </p:sp>
+      <p:cxnSp>
+        <p:nvCxnSpPr>
+          <p:cNvPr id="1109" name="Connector: Elbow 1108">
+            <a:extLst>
+              <a:ext uri="{FF2B5EF4-FFF2-40B4-BE49-F238E27FC236}">
+                <a16:creationId xmlns:a16="http://schemas.microsoft.com/office/drawing/2014/main" id="{827FE6B8-6416-FEF5-A3E0-A9F8A7DDEFCA}"/>
+              </a:ext>
+            </a:extLst>
+          </p:cNvPr>
+          <p:cNvCxnSpPr>
+            <a:cxnSpLocks/>
+          </p:cNvCxnSpPr>
+          <p:nvPr/>
+        </p:nvCxnSpPr>
+        <p:spPr>
+          <a:xfrm flipV="1">
+            <a:off x="8972616" y="5683067"/>
+            <a:ext cx="604096" cy="281247"/>
+          </a:xfrm>
+          <a:prstGeom prst="bentConnector3">
+            <a:avLst>
+              <a:gd name="adj1" fmla="val 50000"/>
+            </a:avLst>
+          </a:prstGeom>
+          <a:ln w="28575">
+            <a:solidFill>
+              <a:schemeClr val="tx1">
+                <a:lumMod val="50000"/>
+                <a:lumOff val="50000"/>
+              </a:schemeClr>
+            </a:solidFill>
+            <a:tailEnd type="triangle"/>
+          </a:ln>
+        </p:spPr>
+        <p:style>
+          <a:lnRef idx="1">
+            <a:schemeClr val="dk1"/>
+          </a:lnRef>
+          <a:fillRef idx="0">
+            <a:schemeClr val="dk1"/>
+          </a:fillRef>
+          <a:effectRef idx="0">
+            <a:schemeClr val="dk1"/>
+          </a:effectRef>
+          <a:fontRef idx="minor">
+            <a:schemeClr val="tx1"/>
+          </a:fontRef>
+        </p:style>
+      </p:cxnSp>
+      <p:sp>
+        <p:nvSpPr>
+          <p:cNvPr id="1112" name="TextBox 1111">
+            <a:extLst>
+              <a:ext uri="{FF2B5EF4-FFF2-40B4-BE49-F238E27FC236}">
+                <a16:creationId xmlns:a16="http://schemas.microsoft.com/office/drawing/2014/main" id="{15FBA8ED-7E09-2637-5CC1-98445AF6E570}"/>
+              </a:ext>
+            </a:extLst>
+          </p:cNvPr>
+          <p:cNvSpPr txBox="1"/>
+          <p:nvPr/>
+        </p:nvSpPr>
+        <p:spPr>
+          <a:xfrm>
+            <a:off x="9602055" y="5408191"/>
+            <a:ext cx="1190717" cy="830997"/>
+          </a:xfrm>
+          <a:prstGeom prst="rect">
+            <a:avLst/>
+          </a:prstGeom>
+          <a:noFill/>
+        </p:spPr>
+        <p:txBody>
+          <a:bodyPr wrap="square" rtlCol="0">
+            <a:spAutoFit/>
+          </a:bodyPr>
+          <a:lstStyle/>
+          <a:p>
+            <a:r>
+              <a:rPr lang="en-SG" sz="1200" b="1" dirty="0"/>
+              <a:t>Run program in a new start independent process </a:t>
+            </a:r>
+          </a:p>
+        </p:txBody>
+      </p:sp>
+      <p:pic>
+        <p:nvPicPr>
+          <p:cNvPr id="8" name="Picture 7">
+            <a:extLst>
+              <a:ext uri="{FF2B5EF4-FFF2-40B4-BE49-F238E27FC236}">
+                <a16:creationId xmlns:a16="http://schemas.microsoft.com/office/drawing/2014/main" id="{896BFBB6-0AC6-ECB7-DC20-E83D6BFB9A62}"/>
+              </a:ext>
+            </a:extLst>
+          </p:cNvPr>
+          <p:cNvPicPr>
+            <a:picLocks noChangeAspect="1"/>
+          </p:cNvPicPr>
+          <p:nvPr/>
+        </p:nvPicPr>
+        <p:blipFill>
+          <a:blip r:embed="rId4"/>
+          <a:stretch>
+            <a:fillRect/>
+          </a:stretch>
+        </p:blipFill>
+        <p:spPr>
+          <a:xfrm>
+            <a:off x="8680425" y="427763"/>
+            <a:ext cx="2172075" cy="1369512"/>
+          </a:xfrm>
+          <a:prstGeom prst="rect">
+            <a:avLst/>
+          </a:prstGeom>
+        </p:spPr>
+      </p:pic>
+    </p:spTree>
+    <p:extLst>
+      <p:ext uri="{BB962C8B-B14F-4D97-AF65-F5344CB8AC3E}">
+        <p14:creationId xmlns:p14="http://schemas.microsoft.com/office/powerpoint/2010/main" val="1257517475"/>
       </p:ext>
     </p:extLst>
   </p:cSld>

--- a/doc/designDoc.pptx
+++ b/doc/designDoc.pptx
@@ -267,7 +267,7 @@
           <a:p>
             <a:fld id="{9FCA313A-65B0-404C-ABF6-BBAAB537D5DB}" type="datetimeFigureOut">
               <a:rPr lang="en-SG" smtClean="0"/>
-              <a:t>20/5/2024</a:t>
+              <a:t>24/5/2024</a:t>
             </a:fld>
             <a:endParaRPr lang="en-SG"/>
           </a:p>
@@ -467,7 +467,7 @@
           <a:p>
             <a:fld id="{9FCA313A-65B0-404C-ABF6-BBAAB537D5DB}" type="datetimeFigureOut">
               <a:rPr lang="en-SG" smtClean="0"/>
-              <a:t>20/5/2024</a:t>
+              <a:t>24/5/2024</a:t>
             </a:fld>
             <a:endParaRPr lang="en-SG"/>
           </a:p>
@@ -677,7 +677,7 @@
           <a:p>
             <a:fld id="{9FCA313A-65B0-404C-ABF6-BBAAB537D5DB}" type="datetimeFigureOut">
               <a:rPr lang="en-SG" smtClean="0"/>
-              <a:t>20/5/2024</a:t>
+              <a:t>24/5/2024</a:t>
             </a:fld>
             <a:endParaRPr lang="en-SG"/>
           </a:p>
@@ -877,7 +877,7 @@
           <a:p>
             <a:fld id="{9FCA313A-65B0-404C-ABF6-BBAAB537D5DB}" type="datetimeFigureOut">
               <a:rPr lang="en-SG" smtClean="0"/>
-              <a:t>20/5/2024</a:t>
+              <a:t>24/5/2024</a:t>
             </a:fld>
             <a:endParaRPr lang="en-SG"/>
           </a:p>
@@ -1153,7 +1153,7 @@
           <a:p>
             <a:fld id="{9FCA313A-65B0-404C-ABF6-BBAAB537D5DB}" type="datetimeFigureOut">
               <a:rPr lang="en-SG" smtClean="0"/>
-              <a:t>20/5/2024</a:t>
+              <a:t>24/5/2024</a:t>
             </a:fld>
             <a:endParaRPr lang="en-SG"/>
           </a:p>
@@ -1421,7 +1421,7 @@
           <a:p>
             <a:fld id="{9FCA313A-65B0-404C-ABF6-BBAAB537D5DB}" type="datetimeFigureOut">
               <a:rPr lang="en-SG" smtClean="0"/>
-              <a:t>20/5/2024</a:t>
+              <a:t>24/5/2024</a:t>
             </a:fld>
             <a:endParaRPr lang="en-SG"/>
           </a:p>
@@ -1836,7 +1836,7 @@
           <a:p>
             <a:fld id="{9FCA313A-65B0-404C-ABF6-BBAAB537D5DB}" type="datetimeFigureOut">
               <a:rPr lang="en-SG" smtClean="0"/>
-              <a:t>20/5/2024</a:t>
+              <a:t>24/5/2024</a:t>
             </a:fld>
             <a:endParaRPr lang="en-SG"/>
           </a:p>
@@ -1978,7 +1978,7 @@
           <a:p>
             <a:fld id="{9FCA313A-65B0-404C-ABF6-BBAAB537D5DB}" type="datetimeFigureOut">
               <a:rPr lang="en-SG" smtClean="0"/>
-              <a:t>20/5/2024</a:t>
+              <a:t>24/5/2024</a:t>
             </a:fld>
             <a:endParaRPr lang="en-SG"/>
           </a:p>
@@ -2091,7 +2091,7 @@
           <a:p>
             <a:fld id="{9FCA313A-65B0-404C-ABF6-BBAAB537D5DB}" type="datetimeFigureOut">
               <a:rPr lang="en-SG" smtClean="0"/>
-              <a:t>20/5/2024</a:t>
+              <a:t>24/5/2024</a:t>
             </a:fld>
             <a:endParaRPr lang="en-SG"/>
           </a:p>
@@ -2404,7 +2404,7 @@
           <a:p>
             <a:fld id="{9FCA313A-65B0-404C-ABF6-BBAAB537D5DB}" type="datetimeFigureOut">
               <a:rPr lang="en-SG" smtClean="0"/>
-              <a:t>20/5/2024</a:t>
+              <a:t>24/5/2024</a:t>
             </a:fld>
             <a:endParaRPr lang="en-SG"/>
           </a:p>
@@ -2693,7 +2693,7 @@
           <a:p>
             <a:fld id="{9FCA313A-65B0-404C-ABF6-BBAAB537D5DB}" type="datetimeFigureOut">
               <a:rPr lang="en-SG" smtClean="0"/>
-              <a:t>20/5/2024</a:t>
+              <a:t>24/5/2024</a:t>
             </a:fld>
             <a:endParaRPr lang="en-SG"/>
           </a:p>
@@ -2936,7 +2936,7 @@
           <a:p>
             <a:fld id="{9FCA313A-65B0-404C-ABF6-BBAAB537D5DB}" type="datetimeFigureOut">
               <a:rPr lang="en-SG" smtClean="0"/>
-              <a:t>20/5/2024</a:t>
+              <a:t>24/5/2024</a:t>
             </a:fld>
             <a:endParaRPr lang="en-SG"/>
           </a:p>
@@ -3523,7 +3523,7 @@
         <p:spPr>
           <a:xfrm>
             <a:off x="838572" y="386437"/>
-            <a:ext cx="5499618" cy="4345051"/>
+            <a:ext cx="4199772" cy="3318089"/>
           </a:xfrm>
           <a:prstGeom prst="roundRect">
             <a:avLst>
@@ -3554,6 +3554,685 @@
           </a:sp3d>
         </p:spPr>
       </p:pic>
+      <p:sp>
+        <p:nvSpPr>
+          <p:cNvPr id="15" name="Rectangle 14">
+            <a:extLst>
+              <a:ext uri="{FF2B5EF4-FFF2-40B4-BE49-F238E27FC236}">
+                <a16:creationId xmlns:a16="http://schemas.microsoft.com/office/drawing/2014/main" id="{785824B8-5DA3-E5FA-F29D-F20CDFF4D8A0}"/>
+              </a:ext>
+            </a:extLst>
+          </p:cNvPr>
+          <p:cNvSpPr/>
+          <p:nvPr/>
+        </p:nvSpPr>
+        <p:spPr>
+          <a:xfrm>
+            <a:off x="5606570" y="3200400"/>
+            <a:ext cx="4470118" cy="2697821"/>
+          </a:xfrm>
+          <a:prstGeom prst="rect">
+            <a:avLst/>
+          </a:prstGeom>
+          <a:solidFill>
+            <a:schemeClr val="accent6">
+              <a:lumMod val="20000"/>
+              <a:lumOff val="80000"/>
+            </a:schemeClr>
+          </a:solidFill>
+        </p:spPr>
+        <p:style>
+          <a:lnRef idx="2">
+            <a:schemeClr val="accent1">
+              <a:shade val="15000"/>
+            </a:schemeClr>
+          </a:lnRef>
+          <a:fillRef idx="1">
+            <a:schemeClr val="accent1"/>
+          </a:fillRef>
+          <a:effectRef idx="0">
+            <a:schemeClr val="accent1"/>
+          </a:effectRef>
+          <a:fontRef idx="minor">
+            <a:schemeClr val="lt1"/>
+          </a:fontRef>
+        </p:style>
+        <p:txBody>
+          <a:bodyPr rtlCol="0" anchor="ctr"/>
+          <a:lstStyle/>
+          <a:p>
+            <a:pPr algn="ctr"/>
+            <a:endParaRPr lang="en-SG" dirty="0"/>
+          </a:p>
+        </p:txBody>
+      </p:sp>
+      <p:sp>
+        <p:nvSpPr>
+          <p:cNvPr id="16" name="TextBox 15">
+            <a:extLst>
+              <a:ext uri="{FF2B5EF4-FFF2-40B4-BE49-F238E27FC236}">
+                <a16:creationId xmlns:a16="http://schemas.microsoft.com/office/drawing/2014/main" id="{C0F3EEA6-5525-69FD-7819-6CCF7EDAC3E6}"/>
+              </a:ext>
+            </a:extLst>
+          </p:cNvPr>
+          <p:cNvSpPr txBox="1"/>
+          <p:nvPr/>
+        </p:nvSpPr>
+        <p:spPr>
+          <a:xfrm>
+            <a:off x="5703559" y="3200400"/>
+            <a:ext cx="3079728" cy="584775"/>
+          </a:xfrm>
+          <a:prstGeom prst="rect">
+            <a:avLst/>
+          </a:prstGeom>
+          <a:noFill/>
+        </p:spPr>
+        <p:txBody>
+          <a:bodyPr wrap="square" rtlCol="0">
+            <a:spAutoFit/>
+          </a:bodyPr>
+          <a:lstStyle/>
+          <a:p>
+            <a:r>
+              <a:rPr lang="en-SG" sz="1600" b="1" dirty="0">
+                <a:solidFill>
+                  <a:schemeClr val="tx1"/>
+                </a:solidFill>
+              </a:rPr>
+              <a:t>Command and Control (C2)</a:t>
+            </a:r>
+            <a:r>
+              <a:rPr lang="en-US" sz="1600" b="1" dirty="0">
+                <a:solidFill>
+                  <a:schemeClr val="tx1"/>
+                </a:solidFill>
+              </a:rPr>
+              <a:t> Orchestrator </a:t>
+            </a:r>
+            <a:r>
+              <a:rPr lang="en-SG" sz="1600" b="1" dirty="0"/>
+              <a:t> </a:t>
+            </a:r>
+          </a:p>
+        </p:txBody>
+      </p:sp>
+      <p:pic>
+        <p:nvPicPr>
+          <p:cNvPr id="17" name="Picture 16">
+            <a:extLst>
+              <a:ext uri="{FF2B5EF4-FFF2-40B4-BE49-F238E27FC236}">
+                <a16:creationId xmlns:a16="http://schemas.microsoft.com/office/drawing/2014/main" id="{3B14BD12-6047-B8B7-BED1-A2766141AFEA}"/>
+              </a:ext>
+            </a:extLst>
+          </p:cNvPr>
+          <p:cNvPicPr>
+            <a:picLocks noChangeAspect="1"/>
+          </p:cNvPicPr>
+          <p:nvPr/>
+        </p:nvPicPr>
+        <p:blipFill>
+          <a:blip r:embed="rId3"/>
+          <a:stretch>
+            <a:fillRect/>
+          </a:stretch>
+        </p:blipFill>
+        <p:spPr>
+          <a:xfrm>
+            <a:off x="7303848" y="3801507"/>
+            <a:ext cx="1527011" cy="1084178"/>
+          </a:xfrm>
+          <a:prstGeom prst="rect">
+            <a:avLst/>
+          </a:prstGeom>
+          <a:ln w="9525">
+            <a:solidFill>
+              <a:schemeClr val="tx1"/>
+            </a:solidFill>
+          </a:ln>
+        </p:spPr>
+      </p:pic>
+      <p:sp>
+        <p:nvSpPr>
+          <p:cNvPr id="18" name="Rectangle 17">
+            <a:extLst>
+              <a:ext uri="{FF2B5EF4-FFF2-40B4-BE49-F238E27FC236}">
+                <a16:creationId xmlns:a16="http://schemas.microsoft.com/office/drawing/2014/main" id="{C9FE4010-40BA-7EBB-A154-71AAF943FC56}"/>
+              </a:ext>
+            </a:extLst>
+          </p:cNvPr>
+          <p:cNvSpPr/>
+          <p:nvPr/>
+        </p:nvSpPr>
+        <p:spPr>
+          <a:xfrm>
+            <a:off x="7316717" y="4453930"/>
+            <a:ext cx="1627045" cy="446330"/>
+          </a:xfrm>
+          <a:prstGeom prst="rect">
+            <a:avLst/>
+          </a:prstGeom>
+          <a:noFill/>
+          <a:ln>
+            <a:noFill/>
+            <a:prstDash val="sysDash"/>
+          </a:ln>
+        </p:spPr>
+        <p:style>
+          <a:lnRef idx="2">
+            <a:schemeClr val="accent1">
+              <a:shade val="15000"/>
+            </a:schemeClr>
+          </a:lnRef>
+          <a:fillRef idx="1">
+            <a:schemeClr val="accent1"/>
+          </a:fillRef>
+          <a:effectRef idx="0">
+            <a:schemeClr val="accent1"/>
+          </a:effectRef>
+          <a:fontRef idx="minor">
+            <a:schemeClr val="lt1"/>
+          </a:fontRef>
+        </p:style>
+        <p:txBody>
+          <a:bodyPr rtlCol="0" anchor="ctr"/>
+          <a:lstStyle/>
+          <a:p>
+            <a:r>
+              <a:rPr lang="en-SG" sz="1200" b="1" dirty="0">
+                <a:solidFill>
+                  <a:schemeClr val="bg1"/>
+                </a:solidFill>
+              </a:rPr>
+              <a:t>Attack tasks assign  bulletin board</a:t>
+            </a:r>
+          </a:p>
+        </p:txBody>
+      </p:sp>
+      <p:pic>
+        <p:nvPicPr>
+          <p:cNvPr id="19" name="Picture 18">
+            <a:extLst>
+              <a:ext uri="{FF2B5EF4-FFF2-40B4-BE49-F238E27FC236}">
+                <a16:creationId xmlns:a16="http://schemas.microsoft.com/office/drawing/2014/main" id="{AB537351-E085-9A5C-95B0-587BE6AD745C}"/>
+              </a:ext>
+            </a:extLst>
+          </p:cNvPr>
+          <p:cNvPicPr>
+            <a:picLocks noChangeAspect="1"/>
+          </p:cNvPicPr>
+          <p:nvPr/>
+        </p:nvPicPr>
+        <p:blipFill>
+          <a:blip r:embed="rId4"/>
+          <a:stretch>
+            <a:fillRect/>
+          </a:stretch>
+        </p:blipFill>
+        <p:spPr>
+          <a:xfrm>
+            <a:off x="5694386" y="3808526"/>
+            <a:ext cx="1440709" cy="1082957"/>
+          </a:xfrm>
+          <a:prstGeom prst="rect">
+            <a:avLst/>
+          </a:prstGeom>
+          <a:ln w="6350">
+            <a:solidFill>
+              <a:schemeClr val="tx1"/>
+            </a:solidFill>
+          </a:ln>
+        </p:spPr>
+      </p:pic>
+      <p:sp>
+        <p:nvSpPr>
+          <p:cNvPr id="20" name="Rectangle 19">
+            <a:extLst>
+              <a:ext uri="{FF2B5EF4-FFF2-40B4-BE49-F238E27FC236}">
+                <a16:creationId xmlns:a16="http://schemas.microsoft.com/office/drawing/2014/main" id="{F0B7F992-1982-C01F-7F97-BE6A29266260}"/>
+              </a:ext>
+            </a:extLst>
+          </p:cNvPr>
+          <p:cNvSpPr/>
+          <p:nvPr/>
+        </p:nvSpPr>
+        <p:spPr>
+          <a:xfrm>
+            <a:off x="5676316" y="4468504"/>
+            <a:ext cx="1627045" cy="446330"/>
+          </a:xfrm>
+          <a:prstGeom prst="rect">
+            <a:avLst/>
+          </a:prstGeom>
+          <a:noFill/>
+          <a:ln>
+            <a:noFill/>
+            <a:prstDash val="sysDash"/>
+          </a:ln>
+        </p:spPr>
+        <p:style>
+          <a:lnRef idx="2">
+            <a:schemeClr val="accent1">
+              <a:shade val="15000"/>
+            </a:schemeClr>
+          </a:lnRef>
+          <a:fillRef idx="1">
+            <a:schemeClr val="accent1"/>
+          </a:fillRef>
+          <a:effectRef idx="0">
+            <a:schemeClr val="accent1"/>
+          </a:effectRef>
+          <a:fontRef idx="minor">
+            <a:schemeClr val="lt1"/>
+          </a:fontRef>
+        </p:style>
+        <p:txBody>
+          <a:bodyPr rtlCol="0" anchor="ctr"/>
+          <a:lstStyle/>
+          <a:p>
+            <a:r>
+              <a:rPr lang="en-SG" sz="1200" b="1" dirty="0">
+                <a:solidFill>
+                  <a:schemeClr val="bg1"/>
+                </a:solidFill>
+              </a:rPr>
+              <a:t>Malwares management board</a:t>
+            </a:r>
+          </a:p>
+        </p:txBody>
+      </p:sp>
+      <p:sp>
+        <p:nvSpPr>
+          <p:cNvPr id="21" name="Rectangle 20">
+            <a:extLst>
+              <a:ext uri="{FF2B5EF4-FFF2-40B4-BE49-F238E27FC236}">
+                <a16:creationId xmlns:a16="http://schemas.microsoft.com/office/drawing/2014/main" id="{A1C30D7E-F05D-178C-E3CC-C0606915526E}"/>
+              </a:ext>
+            </a:extLst>
+          </p:cNvPr>
+          <p:cNvSpPr/>
+          <p:nvPr/>
+        </p:nvSpPr>
+        <p:spPr>
+          <a:xfrm>
+            <a:off x="5715147" y="5032571"/>
+            <a:ext cx="2962509" cy="281563"/>
+          </a:xfrm>
+          <a:prstGeom prst="rect">
+            <a:avLst/>
+          </a:prstGeom>
+          <a:solidFill>
+            <a:schemeClr val="accent6">
+              <a:lumMod val="60000"/>
+              <a:lumOff val="40000"/>
+            </a:schemeClr>
+          </a:solidFill>
+          <a:ln>
+            <a:prstDash val="sysDash"/>
+          </a:ln>
+        </p:spPr>
+        <p:style>
+          <a:lnRef idx="2">
+            <a:schemeClr val="accent1">
+              <a:shade val="15000"/>
+            </a:schemeClr>
+          </a:lnRef>
+          <a:fillRef idx="1">
+            <a:schemeClr val="accent1"/>
+          </a:fillRef>
+          <a:effectRef idx="0">
+            <a:schemeClr val="accent1"/>
+          </a:effectRef>
+          <a:fontRef idx="minor">
+            <a:schemeClr val="lt1"/>
+          </a:fontRef>
+        </p:style>
+        <p:txBody>
+          <a:bodyPr rtlCol="0" anchor="ctr"/>
+          <a:lstStyle/>
+          <a:p>
+            <a:r>
+              <a:rPr lang="en-SG" sz="1200" b="1" dirty="0">
+                <a:solidFill>
+                  <a:schemeClr val="tx1"/>
+                </a:solidFill>
+              </a:rPr>
+              <a:t>Malware tasks management module</a:t>
+            </a:r>
+          </a:p>
+        </p:txBody>
+      </p:sp>
+      <p:sp>
+        <p:nvSpPr>
+          <p:cNvPr id="22" name="Rectangle 21">
+            <a:extLst>
+              <a:ext uri="{FF2B5EF4-FFF2-40B4-BE49-F238E27FC236}">
+                <a16:creationId xmlns:a16="http://schemas.microsoft.com/office/drawing/2014/main" id="{91C3C4DD-016F-9F3E-6842-48DFC02EDC1C}"/>
+              </a:ext>
+            </a:extLst>
+          </p:cNvPr>
+          <p:cNvSpPr/>
+          <p:nvPr/>
+        </p:nvSpPr>
+        <p:spPr>
+          <a:xfrm>
+            <a:off x="5715147" y="5444988"/>
+            <a:ext cx="2962509" cy="281563"/>
+          </a:xfrm>
+          <a:prstGeom prst="rect">
+            <a:avLst/>
+          </a:prstGeom>
+          <a:solidFill>
+            <a:schemeClr val="accent6">
+              <a:lumMod val="60000"/>
+              <a:lumOff val="40000"/>
+            </a:schemeClr>
+          </a:solidFill>
+          <a:ln>
+            <a:prstDash val="sysDash"/>
+          </a:ln>
+        </p:spPr>
+        <p:style>
+          <a:lnRef idx="2">
+            <a:schemeClr val="accent1">
+              <a:shade val="15000"/>
+            </a:schemeClr>
+          </a:lnRef>
+          <a:fillRef idx="1">
+            <a:schemeClr val="accent1"/>
+          </a:fillRef>
+          <a:effectRef idx="0">
+            <a:schemeClr val="accent1"/>
+          </a:effectRef>
+          <a:fontRef idx="minor">
+            <a:schemeClr val="lt1"/>
+          </a:fontRef>
+        </p:style>
+        <p:txBody>
+          <a:bodyPr rtlCol="0" anchor="ctr"/>
+          <a:lstStyle/>
+          <a:p>
+            <a:r>
+              <a:rPr lang="en-SG" sz="1200" b="1" dirty="0">
+                <a:solidFill>
+                  <a:schemeClr val="tx1"/>
+                </a:solidFill>
+              </a:rPr>
+              <a:t>Attack result archive database</a:t>
+            </a:r>
+          </a:p>
+        </p:txBody>
+      </p:sp>
+      <p:pic>
+        <p:nvPicPr>
+          <p:cNvPr id="23" name="Picture 22">
+            <a:extLst>
+              <a:ext uri="{FF2B5EF4-FFF2-40B4-BE49-F238E27FC236}">
+                <a16:creationId xmlns:a16="http://schemas.microsoft.com/office/drawing/2014/main" id="{10701B00-2B59-7F31-9B62-DF90874BBCF3}"/>
+              </a:ext>
+            </a:extLst>
+          </p:cNvPr>
+          <p:cNvPicPr>
+            <a:picLocks noChangeAspect="1"/>
+          </p:cNvPicPr>
+          <p:nvPr/>
+        </p:nvPicPr>
+        <p:blipFill>
+          <a:blip r:embed="rId5"/>
+          <a:stretch>
+            <a:fillRect/>
+          </a:stretch>
+        </p:blipFill>
+        <p:spPr>
+          <a:xfrm>
+            <a:off x="8881535" y="5026991"/>
+            <a:ext cx="1499691" cy="690075"/>
+          </a:xfrm>
+          <a:prstGeom prst="rect">
+            <a:avLst/>
+          </a:prstGeom>
+          <a:ln w="19050">
+            <a:solidFill>
+              <a:srgbClr val="FF0000"/>
+            </a:solidFill>
+            <a:prstDash val="sysDash"/>
+          </a:ln>
+        </p:spPr>
+      </p:pic>
+      <p:pic>
+        <p:nvPicPr>
+          <p:cNvPr id="24" name="Picture 23">
+            <a:extLst>
+              <a:ext uri="{FF2B5EF4-FFF2-40B4-BE49-F238E27FC236}">
+                <a16:creationId xmlns:a16="http://schemas.microsoft.com/office/drawing/2014/main" id="{4FD86D50-02DA-6E03-2D6A-1FC298FD5DB4}"/>
+              </a:ext>
+            </a:extLst>
+          </p:cNvPr>
+          <p:cNvPicPr>
+            <a:picLocks noChangeAspect="1"/>
+          </p:cNvPicPr>
+          <p:nvPr/>
+        </p:nvPicPr>
+        <p:blipFill>
+          <a:blip r:embed="rId6"/>
+          <a:stretch>
+            <a:fillRect/>
+          </a:stretch>
+        </p:blipFill>
+        <p:spPr>
+          <a:xfrm>
+            <a:off x="9120273" y="3254251"/>
+            <a:ext cx="837543" cy="644907"/>
+          </a:xfrm>
+          <a:prstGeom prst="rect">
+            <a:avLst/>
+          </a:prstGeom>
+          <a:ln w="9525">
+            <a:solidFill>
+              <a:schemeClr val="bg1"/>
+            </a:solidFill>
+          </a:ln>
+        </p:spPr>
+      </p:pic>
+      <p:sp>
+        <p:nvSpPr>
+          <p:cNvPr id="25" name="Rectangle 24">
+            <a:extLst>
+              <a:ext uri="{FF2B5EF4-FFF2-40B4-BE49-F238E27FC236}">
+                <a16:creationId xmlns:a16="http://schemas.microsoft.com/office/drawing/2014/main" id="{7EA81E9A-028C-F0EC-E0B5-4D5E5BA3B0D0}"/>
+              </a:ext>
+            </a:extLst>
+          </p:cNvPr>
+          <p:cNvSpPr/>
+          <p:nvPr/>
+        </p:nvSpPr>
+        <p:spPr>
+          <a:xfrm>
+            <a:off x="8984623" y="4080313"/>
+            <a:ext cx="1396603" cy="199018"/>
+          </a:xfrm>
+          <a:prstGeom prst="rect">
+            <a:avLst/>
+          </a:prstGeom>
+          <a:solidFill>
+            <a:schemeClr val="accent6">
+              <a:lumMod val="60000"/>
+              <a:lumOff val="40000"/>
+            </a:schemeClr>
+          </a:solidFill>
+          <a:ln>
+            <a:prstDash val="sysDash"/>
+          </a:ln>
+        </p:spPr>
+        <p:style>
+          <a:lnRef idx="2">
+            <a:schemeClr val="accent1">
+              <a:shade val="15000"/>
+            </a:schemeClr>
+          </a:lnRef>
+          <a:fillRef idx="1">
+            <a:schemeClr val="accent1"/>
+          </a:fillRef>
+          <a:effectRef idx="0">
+            <a:schemeClr val="accent1"/>
+          </a:effectRef>
+          <a:fontRef idx="minor">
+            <a:schemeClr val="lt1"/>
+          </a:fontRef>
+        </p:style>
+        <p:txBody>
+          <a:bodyPr rtlCol="0" anchor="ctr"/>
+          <a:lstStyle/>
+          <a:p>
+            <a:r>
+              <a:rPr lang="en-SG" sz="1200" b="1" dirty="0">
+                <a:solidFill>
+                  <a:schemeClr val="tx1"/>
+                </a:solidFill>
+              </a:rPr>
+              <a:t>c2Client-API</a:t>
+            </a:r>
+          </a:p>
+        </p:txBody>
+      </p:sp>
+      <p:sp>
+        <p:nvSpPr>
+          <p:cNvPr id="26" name="Rectangle 25">
+            <a:extLst>
+              <a:ext uri="{FF2B5EF4-FFF2-40B4-BE49-F238E27FC236}">
+                <a16:creationId xmlns:a16="http://schemas.microsoft.com/office/drawing/2014/main" id="{4124DCC0-4CCA-73B7-2C0B-DCD0663EEFBB}"/>
+              </a:ext>
+            </a:extLst>
+          </p:cNvPr>
+          <p:cNvSpPr/>
+          <p:nvPr/>
+        </p:nvSpPr>
+        <p:spPr>
+          <a:xfrm>
+            <a:off x="8991495" y="4390777"/>
+            <a:ext cx="1389731" cy="199018"/>
+          </a:xfrm>
+          <a:prstGeom prst="rect">
+            <a:avLst/>
+          </a:prstGeom>
+          <a:solidFill>
+            <a:schemeClr val="accent6">
+              <a:lumMod val="60000"/>
+              <a:lumOff val="40000"/>
+            </a:schemeClr>
+          </a:solidFill>
+          <a:ln>
+            <a:prstDash val="sysDash"/>
+          </a:ln>
+        </p:spPr>
+        <p:style>
+          <a:lnRef idx="2">
+            <a:schemeClr val="accent1">
+              <a:shade val="15000"/>
+            </a:schemeClr>
+          </a:lnRef>
+          <a:fillRef idx="1">
+            <a:schemeClr val="accent1"/>
+          </a:fillRef>
+          <a:effectRef idx="0">
+            <a:schemeClr val="accent1"/>
+          </a:effectRef>
+          <a:fontRef idx="minor">
+            <a:schemeClr val="lt1"/>
+          </a:fontRef>
+        </p:style>
+        <p:txBody>
+          <a:bodyPr rtlCol="0" anchor="ctr"/>
+          <a:lstStyle/>
+          <a:p>
+            <a:r>
+              <a:rPr lang="en-SG" sz="1200" b="1" dirty="0" err="1">
+                <a:solidFill>
+                  <a:schemeClr val="tx1"/>
+                </a:solidFill>
+              </a:rPr>
+              <a:t>HttpRequest</a:t>
+            </a:r>
+            <a:r>
+              <a:rPr lang="en-SG" sz="1200" b="1" dirty="0">
+                <a:solidFill>
+                  <a:schemeClr val="tx1"/>
+                </a:solidFill>
+              </a:rPr>
+              <a:t>-API</a:t>
+            </a:r>
+          </a:p>
+        </p:txBody>
+      </p:sp>
+      <p:sp>
+        <p:nvSpPr>
+          <p:cNvPr id="27" name="Rectangle 26">
+            <a:extLst>
+              <a:ext uri="{FF2B5EF4-FFF2-40B4-BE49-F238E27FC236}">
+                <a16:creationId xmlns:a16="http://schemas.microsoft.com/office/drawing/2014/main" id="{58817D2C-63DC-9E2A-DE23-CC71DF126CF5}"/>
+              </a:ext>
+            </a:extLst>
+          </p:cNvPr>
+          <p:cNvSpPr/>
+          <p:nvPr/>
+        </p:nvSpPr>
+        <p:spPr>
+          <a:xfrm>
+            <a:off x="8999612" y="4724501"/>
+            <a:ext cx="1381614" cy="199018"/>
+          </a:xfrm>
+          <a:prstGeom prst="rect">
+            <a:avLst/>
+          </a:prstGeom>
+          <a:solidFill>
+            <a:schemeClr val="accent6">
+              <a:lumMod val="60000"/>
+              <a:lumOff val="40000"/>
+            </a:schemeClr>
+          </a:solidFill>
+          <a:ln>
+            <a:prstDash val="sysDash"/>
+          </a:ln>
+        </p:spPr>
+        <p:style>
+          <a:lnRef idx="2">
+            <a:schemeClr val="accent1">
+              <a:shade val="15000"/>
+            </a:schemeClr>
+          </a:lnRef>
+          <a:fillRef idx="1">
+            <a:schemeClr val="accent1"/>
+          </a:fillRef>
+          <a:effectRef idx="0">
+            <a:schemeClr val="accent1"/>
+          </a:effectRef>
+          <a:fontRef idx="minor">
+            <a:schemeClr val="lt1"/>
+          </a:fontRef>
+        </p:style>
+        <p:txBody>
+          <a:bodyPr rtlCol="0" anchor="ctr"/>
+          <a:lstStyle/>
+          <a:p>
+            <a:r>
+              <a:rPr lang="en-SG" sz="1200" b="1" dirty="0" err="1">
+                <a:solidFill>
+                  <a:schemeClr val="tx1"/>
+                </a:solidFill>
+              </a:rPr>
+              <a:t>WebPage</a:t>
+            </a:r>
+            <a:r>
+              <a:rPr lang="en-SG" sz="1200" b="1" dirty="0">
+                <a:solidFill>
+                  <a:schemeClr val="tx1"/>
+                </a:solidFill>
+              </a:rPr>
+              <a:t>-API</a:t>
+            </a:r>
+          </a:p>
+        </p:txBody>
+      </p:sp>
     </p:spTree>
     <p:extLst>
       <p:ext uri="{BB962C8B-B14F-4D97-AF65-F5344CB8AC3E}">

--- a/doc/designDoc.pptx
+++ b/doc/designDoc.pptx
@@ -11006,7 +11006,7 @@
         </p:blipFill>
         <p:spPr>
           <a:xfrm>
-            <a:off x="113328" y="2115879"/>
+            <a:off x="113328" y="259647"/>
             <a:ext cx="5608280" cy="3200400"/>
           </a:xfrm>
           <a:prstGeom prst="rect">
@@ -11104,7 +11104,7 @@
         </p:blipFill>
         <p:spPr>
           <a:xfrm>
-            <a:off x="5819454" y="2115879"/>
+            <a:off x="5819454" y="259647"/>
             <a:ext cx="6259218" cy="3200400"/>
           </a:xfrm>
           <a:prstGeom prst="rect">
@@ -11174,6 +11174,1535 @@
           </a:p>
         </p:txBody>
       </p:sp>
+      <p:cxnSp>
+        <p:nvCxnSpPr>
+          <p:cNvPr id="2" name="Connector: Elbow 1">
+            <a:extLst>
+              <a:ext uri="{FF2B5EF4-FFF2-40B4-BE49-F238E27FC236}">
+                <a16:creationId xmlns:a16="http://schemas.microsoft.com/office/drawing/2014/main" id="{87F2E8F2-25CC-2EFB-C795-12A40B0EB0C6}"/>
+              </a:ext>
+            </a:extLst>
+          </p:cNvPr>
+          <p:cNvCxnSpPr>
+            <a:cxnSpLocks/>
+            <a:stCxn id="18" idx="0"/>
+            <a:endCxn id="23" idx="3"/>
+          </p:cNvCxnSpPr>
+          <p:nvPr/>
+        </p:nvCxnSpPr>
+        <p:spPr>
+          <a:xfrm flipV="1">
+            <a:off x="5699692" y="4754490"/>
+            <a:ext cx="1104048" cy="844623"/>
+          </a:xfrm>
+          <a:prstGeom prst="bentConnector3">
+            <a:avLst>
+              <a:gd name="adj1" fmla="val 50000"/>
+            </a:avLst>
+          </a:prstGeom>
+          <a:ln w="19050">
+            <a:solidFill>
+              <a:srgbClr val="FF0000"/>
+            </a:solidFill>
+            <a:prstDash val="sysDash"/>
+            <a:tailEnd type="triangle"/>
+          </a:ln>
+        </p:spPr>
+        <p:style>
+          <a:lnRef idx="1">
+            <a:schemeClr val="accent1"/>
+          </a:lnRef>
+          <a:fillRef idx="0">
+            <a:schemeClr val="accent1"/>
+          </a:fillRef>
+          <a:effectRef idx="0">
+            <a:schemeClr val="accent1"/>
+          </a:effectRef>
+          <a:fontRef idx="minor">
+            <a:schemeClr val="tx1"/>
+          </a:fontRef>
+        </p:style>
+      </p:cxnSp>
+      <p:pic>
+        <p:nvPicPr>
+          <p:cNvPr id="3" name="Picture 2">
+            <a:extLst>
+              <a:ext uri="{FF2B5EF4-FFF2-40B4-BE49-F238E27FC236}">
+                <a16:creationId xmlns:a16="http://schemas.microsoft.com/office/drawing/2014/main" id="{2516D276-F7B9-9654-EE4A-FC8E9FCDD949}"/>
+              </a:ext>
+            </a:extLst>
+          </p:cNvPr>
+          <p:cNvPicPr>
+            <a:picLocks noChangeAspect="1"/>
+          </p:cNvPicPr>
+          <p:nvPr/>
+        </p:nvPicPr>
+        <p:blipFill>
+          <a:blip r:embed="rId4"/>
+          <a:stretch>
+            <a:fillRect/>
+          </a:stretch>
+        </p:blipFill>
+        <p:spPr>
+          <a:xfrm>
+            <a:off x="4257577" y="4143660"/>
+            <a:ext cx="1529824" cy="703941"/>
+          </a:xfrm>
+          <a:prstGeom prst="rect">
+            <a:avLst/>
+          </a:prstGeom>
+          <a:ln w="28575">
+            <a:solidFill>
+              <a:srgbClr val="FF0000"/>
+            </a:solidFill>
+            <a:prstDash val="sysDash"/>
+          </a:ln>
+        </p:spPr>
+      </p:pic>
+      <p:pic>
+        <p:nvPicPr>
+          <p:cNvPr id="4" name="Picture 3">
+            <a:extLst>
+              <a:ext uri="{FF2B5EF4-FFF2-40B4-BE49-F238E27FC236}">
+                <a16:creationId xmlns:a16="http://schemas.microsoft.com/office/drawing/2014/main" id="{299BEB6D-8B07-DF4C-CD76-65F2D3C2D2C2}"/>
+              </a:ext>
+            </a:extLst>
+          </p:cNvPr>
+          <p:cNvPicPr>
+            <a:picLocks noChangeAspect="1"/>
+          </p:cNvPicPr>
+          <p:nvPr/>
+        </p:nvPicPr>
+        <p:blipFill>
+          <a:blip r:embed="rId5"/>
+          <a:stretch>
+            <a:fillRect/>
+          </a:stretch>
+        </p:blipFill>
+        <p:spPr>
+          <a:xfrm>
+            <a:off x="794009" y="4495891"/>
+            <a:ext cx="489507" cy="542715"/>
+          </a:xfrm>
+          <a:prstGeom prst="rect">
+            <a:avLst/>
+          </a:prstGeom>
+          <a:ln w="9525">
+            <a:solidFill>
+              <a:schemeClr val="tx1"/>
+            </a:solidFill>
+          </a:ln>
+        </p:spPr>
+      </p:pic>
+      <p:sp>
+        <p:nvSpPr>
+          <p:cNvPr id="5" name="Arrow: Left-Right 4">
+            <a:extLst>
+              <a:ext uri="{FF2B5EF4-FFF2-40B4-BE49-F238E27FC236}">
+                <a16:creationId xmlns:a16="http://schemas.microsoft.com/office/drawing/2014/main" id="{DAF68733-7964-D81C-C351-93DCAC5B8C1B}"/>
+              </a:ext>
+            </a:extLst>
+          </p:cNvPr>
+          <p:cNvSpPr/>
+          <p:nvPr/>
+        </p:nvSpPr>
+        <p:spPr>
+          <a:xfrm>
+            <a:off x="1393875" y="4679834"/>
+            <a:ext cx="303192" cy="111327"/>
+          </a:xfrm>
+          <a:prstGeom prst="leftRightArrow">
+            <a:avLst/>
+          </a:prstGeom>
+          <a:noFill/>
+          <a:ln>
+            <a:solidFill>
+              <a:srgbClr val="FF0000"/>
+            </a:solidFill>
+          </a:ln>
+        </p:spPr>
+        <p:style>
+          <a:lnRef idx="2">
+            <a:schemeClr val="accent1">
+              <a:shade val="15000"/>
+            </a:schemeClr>
+          </a:lnRef>
+          <a:fillRef idx="1">
+            <a:schemeClr val="accent1"/>
+          </a:fillRef>
+          <a:effectRef idx="0">
+            <a:schemeClr val="accent1"/>
+          </a:effectRef>
+          <a:fontRef idx="minor">
+            <a:schemeClr val="lt1"/>
+          </a:fontRef>
+        </p:style>
+        <p:txBody>
+          <a:bodyPr rtlCol="0" anchor="ctr"/>
+          <a:lstStyle/>
+          <a:p>
+            <a:pPr algn="ctr"/>
+            <a:endParaRPr lang="en-SG"/>
+          </a:p>
+        </p:txBody>
+      </p:sp>
+      <p:pic>
+        <p:nvPicPr>
+          <p:cNvPr id="6" name="Picture 5">
+            <a:extLst>
+              <a:ext uri="{FF2B5EF4-FFF2-40B4-BE49-F238E27FC236}">
+                <a16:creationId xmlns:a16="http://schemas.microsoft.com/office/drawing/2014/main" id="{5B2D581A-F6E5-FC6E-3777-C8A7010FAB77}"/>
+              </a:ext>
+            </a:extLst>
+          </p:cNvPr>
+          <p:cNvPicPr>
+            <a:picLocks noChangeAspect="1"/>
+          </p:cNvPicPr>
+          <p:nvPr/>
+        </p:nvPicPr>
+        <p:blipFill>
+          <a:blip r:embed="rId6"/>
+          <a:stretch>
+            <a:fillRect/>
+          </a:stretch>
+        </p:blipFill>
+        <p:spPr>
+          <a:xfrm>
+            <a:off x="1807426" y="4421854"/>
+            <a:ext cx="1356669" cy="728079"/>
+          </a:xfrm>
+          <a:prstGeom prst="rect">
+            <a:avLst/>
+          </a:prstGeom>
+          <a:ln w="6350">
+            <a:solidFill>
+              <a:schemeClr val="tx1"/>
+            </a:solidFill>
+          </a:ln>
+        </p:spPr>
+      </p:pic>
+      <p:pic>
+        <p:nvPicPr>
+          <p:cNvPr id="8" name="Picture 7">
+            <a:extLst>
+              <a:ext uri="{FF2B5EF4-FFF2-40B4-BE49-F238E27FC236}">
+                <a16:creationId xmlns:a16="http://schemas.microsoft.com/office/drawing/2014/main" id="{21648364-2090-7D8D-6F77-2838BDBC905D}"/>
+              </a:ext>
+            </a:extLst>
+          </p:cNvPr>
+          <p:cNvPicPr>
+            <a:picLocks noChangeAspect="1"/>
+          </p:cNvPicPr>
+          <p:nvPr/>
+        </p:nvPicPr>
+        <p:blipFill>
+          <a:blip r:embed="rId5"/>
+          <a:stretch>
+            <a:fillRect/>
+          </a:stretch>
+        </p:blipFill>
+        <p:spPr>
+          <a:xfrm>
+            <a:off x="755977" y="5749488"/>
+            <a:ext cx="489507" cy="542715"/>
+          </a:xfrm>
+          <a:prstGeom prst="rect">
+            <a:avLst/>
+          </a:prstGeom>
+          <a:ln w="9525">
+            <a:solidFill>
+              <a:schemeClr val="tx1"/>
+            </a:solidFill>
+          </a:ln>
+        </p:spPr>
+      </p:pic>
+      <p:sp>
+        <p:nvSpPr>
+          <p:cNvPr id="9" name="Arrow: Left-Right 8">
+            <a:extLst>
+              <a:ext uri="{FF2B5EF4-FFF2-40B4-BE49-F238E27FC236}">
+                <a16:creationId xmlns:a16="http://schemas.microsoft.com/office/drawing/2014/main" id="{53D5A2FD-6B26-E96D-332D-B57699337D80}"/>
+              </a:ext>
+            </a:extLst>
+          </p:cNvPr>
+          <p:cNvSpPr/>
+          <p:nvPr/>
+        </p:nvSpPr>
+        <p:spPr>
+          <a:xfrm>
+            <a:off x="1353784" y="5951219"/>
+            <a:ext cx="303192" cy="111327"/>
+          </a:xfrm>
+          <a:prstGeom prst="leftRightArrow">
+            <a:avLst/>
+          </a:prstGeom>
+          <a:noFill/>
+          <a:ln>
+            <a:solidFill>
+              <a:srgbClr val="FF0000"/>
+            </a:solidFill>
+          </a:ln>
+        </p:spPr>
+        <p:style>
+          <a:lnRef idx="2">
+            <a:schemeClr val="accent1">
+              <a:shade val="15000"/>
+            </a:schemeClr>
+          </a:lnRef>
+          <a:fillRef idx="1">
+            <a:schemeClr val="accent1"/>
+          </a:fillRef>
+          <a:effectRef idx="0">
+            <a:schemeClr val="accent1"/>
+          </a:effectRef>
+          <a:fontRef idx="minor">
+            <a:schemeClr val="lt1"/>
+          </a:fontRef>
+        </p:style>
+        <p:txBody>
+          <a:bodyPr rtlCol="0" anchor="ctr"/>
+          <a:lstStyle/>
+          <a:p>
+            <a:pPr algn="ctr"/>
+            <a:endParaRPr lang="en-SG"/>
+          </a:p>
+        </p:txBody>
+      </p:sp>
+      <p:pic>
+        <p:nvPicPr>
+          <p:cNvPr id="11" name="Picture 10">
+            <a:extLst>
+              <a:ext uri="{FF2B5EF4-FFF2-40B4-BE49-F238E27FC236}">
+                <a16:creationId xmlns:a16="http://schemas.microsoft.com/office/drawing/2014/main" id="{37B4F229-1C15-24DF-F737-846788B7C317}"/>
+              </a:ext>
+            </a:extLst>
+          </p:cNvPr>
+          <p:cNvPicPr>
+            <a:picLocks noChangeAspect="1"/>
+          </p:cNvPicPr>
+          <p:nvPr/>
+        </p:nvPicPr>
+        <p:blipFill>
+          <a:blip r:embed="rId6"/>
+          <a:stretch>
+            <a:fillRect/>
+          </a:stretch>
+        </p:blipFill>
+        <p:spPr>
+          <a:xfrm>
+            <a:off x="1769393" y="5642845"/>
+            <a:ext cx="1356669" cy="728079"/>
+          </a:xfrm>
+          <a:prstGeom prst="rect">
+            <a:avLst/>
+          </a:prstGeom>
+          <a:ln w="6350">
+            <a:solidFill>
+              <a:schemeClr val="tx1"/>
+            </a:solidFill>
+          </a:ln>
+        </p:spPr>
+      </p:pic>
+      <p:sp>
+        <p:nvSpPr>
+          <p:cNvPr id="14" name="TextBox 13">
+            <a:extLst>
+              <a:ext uri="{FF2B5EF4-FFF2-40B4-BE49-F238E27FC236}">
+                <a16:creationId xmlns:a16="http://schemas.microsoft.com/office/drawing/2014/main" id="{B89D1164-7855-A10B-A8BF-584E7B31B0FD}"/>
+              </a:ext>
+            </a:extLst>
+          </p:cNvPr>
+          <p:cNvSpPr txBox="1"/>
+          <p:nvPr/>
+        </p:nvSpPr>
+        <p:spPr>
+          <a:xfrm>
+            <a:off x="665844" y="4089028"/>
+            <a:ext cx="1209039" cy="461665"/>
+          </a:xfrm>
+          <a:prstGeom prst="rect">
+            <a:avLst/>
+          </a:prstGeom>
+          <a:noFill/>
+        </p:spPr>
+        <p:txBody>
+          <a:bodyPr wrap="square" rtlCol="0">
+            <a:spAutoFit/>
+          </a:bodyPr>
+          <a:lstStyle/>
+          <a:p>
+            <a:r>
+              <a:rPr lang="en-US" sz="1200" b="1" dirty="0"/>
+              <a:t>Red team member </a:t>
+            </a:r>
+            <a:endParaRPr lang="en-SG" sz="1200" b="1" dirty="0"/>
+          </a:p>
+        </p:txBody>
+      </p:sp>
+      <p:sp>
+        <p:nvSpPr>
+          <p:cNvPr id="15" name="TextBox 14">
+            <a:extLst>
+              <a:ext uri="{FF2B5EF4-FFF2-40B4-BE49-F238E27FC236}">
+                <a16:creationId xmlns:a16="http://schemas.microsoft.com/office/drawing/2014/main" id="{E9255FCB-884D-A816-130B-FA244C0459AF}"/>
+              </a:ext>
+            </a:extLst>
+          </p:cNvPr>
+          <p:cNvSpPr txBox="1"/>
+          <p:nvPr/>
+        </p:nvSpPr>
+        <p:spPr>
+          <a:xfrm>
+            <a:off x="645376" y="5329762"/>
+            <a:ext cx="1209039" cy="461665"/>
+          </a:xfrm>
+          <a:prstGeom prst="rect">
+            <a:avLst/>
+          </a:prstGeom>
+          <a:noFill/>
+        </p:spPr>
+        <p:txBody>
+          <a:bodyPr wrap="square" rtlCol="0">
+            <a:spAutoFit/>
+          </a:bodyPr>
+          <a:lstStyle/>
+          <a:p>
+            <a:r>
+              <a:rPr lang="en-US" sz="1200" b="1" dirty="0"/>
+              <a:t>Red team member </a:t>
+            </a:r>
+            <a:endParaRPr lang="en-SG" sz="1200" b="1" dirty="0"/>
+          </a:p>
+        </p:txBody>
+      </p:sp>
+      <p:sp>
+        <p:nvSpPr>
+          <p:cNvPr id="16" name="TextBox 15">
+            <a:extLst>
+              <a:ext uri="{FF2B5EF4-FFF2-40B4-BE49-F238E27FC236}">
+                <a16:creationId xmlns:a16="http://schemas.microsoft.com/office/drawing/2014/main" id="{417273D8-B4DB-C734-0A87-516A8B862FC0}"/>
+              </a:ext>
+            </a:extLst>
+          </p:cNvPr>
+          <p:cNvSpPr txBox="1"/>
+          <p:nvPr/>
+        </p:nvSpPr>
+        <p:spPr>
+          <a:xfrm>
+            <a:off x="1764631" y="4144855"/>
+            <a:ext cx="1356669" cy="276999"/>
+          </a:xfrm>
+          <a:prstGeom prst="rect">
+            <a:avLst/>
+          </a:prstGeom>
+          <a:noFill/>
+        </p:spPr>
+        <p:txBody>
+          <a:bodyPr wrap="square" rtlCol="0">
+            <a:spAutoFit/>
+          </a:bodyPr>
+          <a:lstStyle/>
+          <a:p>
+            <a:r>
+              <a:rPr lang="en-US" sz="1200" b="1" dirty="0"/>
+              <a:t>RTC2 Web-UI</a:t>
+            </a:r>
+            <a:endParaRPr lang="en-SG" sz="1200" b="1" dirty="0"/>
+          </a:p>
+        </p:txBody>
+      </p:sp>
+      <p:sp>
+        <p:nvSpPr>
+          <p:cNvPr id="17" name="TextBox 16">
+            <a:extLst>
+              <a:ext uri="{FF2B5EF4-FFF2-40B4-BE49-F238E27FC236}">
+                <a16:creationId xmlns:a16="http://schemas.microsoft.com/office/drawing/2014/main" id="{B9565925-C402-298B-86DC-BC03583BC6F7}"/>
+              </a:ext>
+            </a:extLst>
+          </p:cNvPr>
+          <p:cNvSpPr txBox="1"/>
+          <p:nvPr/>
+        </p:nvSpPr>
+        <p:spPr>
+          <a:xfrm>
+            <a:off x="1707405" y="5396242"/>
+            <a:ext cx="1249927" cy="276999"/>
+          </a:xfrm>
+          <a:prstGeom prst="rect">
+            <a:avLst/>
+          </a:prstGeom>
+          <a:noFill/>
+        </p:spPr>
+        <p:txBody>
+          <a:bodyPr wrap="square" rtlCol="0">
+            <a:spAutoFit/>
+          </a:bodyPr>
+          <a:lstStyle/>
+          <a:p>
+            <a:r>
+              <a:rPr lang="en-US" sz="1200" b="1" dirty="0"/>
+              <a:t>RTC2 Web-UI</a:t>
+            </a:r>
+            <a:endParaRPr lang="en-SG" sz="1200" b="1" dirty="0"/>
+          </a:p>
+        </p:txBody>
+      </p:sp>
+      <p:sp>
+        <p:nvSpPr>
+          <p:cNvPr id="18" name="Cloud 17">
+            <a:extLst>
+              <a:ext uri="{FF2B5EF4-FFF2-40B4-BE49-F238E27FC236}">
+                <a16:creationId xmlns:a16="http://schemas.microsoft.com/office/drawing/2014/main" id="{33820101-555C-C8D7-9D82-40C1EE81CE1B}"/>
+              </a:ext>
+            </a:extLst>
+          </p:cNvPr>
+          <p:cNvSpPr/>
+          <p:nvPr/>
+        </p:nvSpPr>
+        <p:spPr>
+          <a:xfrm>
+            <a:off x="4344155" y="5247142"/>
+            <a:ext cx="1356668" cy="703941"/>
+          </a:xfrm>
+          <a:prstGeom prst="cloud">
+            <a:avLst/>
+          </a:prstGeom>
+          <a:noFill/>
+        </p:spPr>
+        <p:style>
+          <a:lnRef idx="2">
+            <a:schemeClr val="accent1">
+              <a:shade val="15000"/>
+            </a:schemeClr>
+          </a:lnRef>
+          <a:fillRef idx="1">
+            <a:schemeClr val="accent1"/>
+          </a:fillRef>
+          <a:effectRef idx="0">
+            <a:schemeClr val="accent1"/>
+          </a:effectRef>
+          <a:fontRef idx="minor">
+            <a:schemeClr val="lt1"/>
+          </a:fontRef>
+        </p:style>
+        <p:txBody>
+          <a:bodyPr rtlCol="0" anchor="ctr"/>
+          <a:lstStyle/>
+          <a:p>
+            <a:pPr algn="ctr"/>
+            <a:r>
+              <a:rPr lang="en-SG" sz="1400" b="1" dirty="0">
+                <a:solidFill>
+                  <a:schemeClr val="tx1"/>
+                </a:solidFill>
+              </a:rPr>
+              <a:t>Internet</a:t>
+            </a:r>
+            <a:r>
+              <a:rPr lang="en-SG" dirty="0">
+                <a:solidFill>
+                  <a:schemeClr val="tx1"/>
+                </a:solidFill>
+              </a:rPr>
+              <a:t> </a:t>
+            </a:r>
+          </a:p>
+        </p:txBody>
+      </p:sp>
+      <p:cxnSp>
+        <p:nvCxnSpPr>
+          <p:cNvPr id="19" name="Connector: Elbow 18">
+            <a:extLst>
+              <a:ext uri="{FF2B5EF4-FFF2-40B4-BE49-F238E27FC236}">
+                <a16:creationId xmlns:a16="http://schemas.microsoft.com/office/drawing/2014/main" id="{2DAAB1B5-F1E9-D0EA-ECCF-CC9CF0E160B8}"/>
+              </a:ext>
+            </a:extLst>
+          </p:cNvPr>
+          <p:cNvCxnSpPr>
+            <a:cxnSpLocks/>
+            <a:stCxn id="6" idx="3"/>
+            <a:endCxn id="3" idx="1"/>
+          </p:cNvCxnSpPr>
+          <p:nvPr/>
+        </p:nvCxnSpPr>
+        <p:spPr>
+          <a:xfrm flipV="1">
+            <a:off x="3164095" y="4495631"/>
+            <a:ext cx="1093482" cy="290263"/>
+          </a:xfrm>
+          <a:prstGeom prst="bentConnector3">
+            <a:avLst>
+              <a:gd name="adj1" fmla="val 50000"/>
+            </a:avLst>
+          </a:prstGeom>
+          <a:ln w="19050">
+            <a:solidFill>
+              <a:srgbClr val="FF0000"/>
+            </a:solidFill>
+            <a:headEnd type="triangle"/>
+            <a:tailEnd type="triangle"/>
+          </a:ln>
+        </p:spPr>
+        <p:style>
+          <a:lnRef idx="1">
+            <a:schemeClr val="accent1"/>
+          </a:lnRef>
+          <a:fillRef idx="0">
+            <a:schemeClr val="accent1"/>
+          </a:fillRef>
+          <a:effectRef idx="0">
+            <a:schemeClr val="accent1"/>
+          </a:effectRef>
+          <a:fontRef idx="minor">
+            <a:schemeClr val="tx1"/>
+          </a:fontRef>
+        </p:style>
+      </p:cxnSp>
+      <p:cxnSp>
+        <p:nvCxnSpPr>
+          <p:cNvPr id="20" name="Connector: Elbow 19">
+            <a:extLst>
+              <a:ext uri="{FF2B5EF4-FFF2-40B4-BE49-F238E27FC236}">
+                <a16:creationId xmlns:a16="http://schemas.microsoft.com/office/drawing/2014/main" id="{AA9E00E8-4E11-36E5-17F5-173889156994}"/>
+              </a:ext>
+            </a:extLst>
+          </p:cNvPr>
+          <p:cNvCxnSpPr>
+            <a:cxnSpLocks/>
+            <a:stCxn id="11" idx="3"/>
+            <a:endCxn id="18" idx="2"/>
+          </p:cNvCxnSpPr>
+          <p:nvPr/>
+        </p:nvCxnSpPr>
+        <p:spPr>
+          <a:xfrm flipV="1">
+            <a:off x="3126062" y="5599113"/>
+            <a:ext cx="1222301" cy="407772"/>
+          </a:xfrm>
+          <a:prstGeom prst="bentConnector3">
+            <a:avLst>
+              <a:gd name="adj1" fmla="val 50000"/>
+            </a:avLst>
+          </a:prstGeom>
+          <a:ln w="19050">
+            <a:solidFill>
+              <a:srgbClr val="FF0000"/>
+            </a:solidFill>
+            <a:headEnd type="triangle"/>
+            <a:tailEnd type="triangle"/>
+          </a:ln>
+        </p:spPr>
+        <p:style>
+          <a:lnRef idx="1">
+            <a:schemeClr val="accent1"/>
+          </a:lnRef>
+          <a:fillRef idx="0">
+            <a:schemeClr val="accent1"/>
+          </a:fillRef>
+          <a:effectRef idx="0">
+            <a:schemeClr val="accent1"/>
+          </a:effectRef>
+          <a:fontRef idx="minor">
+            <a:schemeClr val="tx1"/>
+          </a:fontRef>
+        </p:style>
+      </p:cxnSp>
+      <p:cxnSp>
+        <p:nvCxnSpPr>
+          <p:cNvPr id="21" name="Straight Arrow Connector 20">
+            <a:extLst>
+              <a:ext uri="{FF2B5EF4-FFF2-40B4-BE49-F238E27FC236}">
+                <a16:creationId xmlns:a16="http://schemas.microsoft.com/office/drawing/2014/main" id="{2F1A28B8-E20E-BA2E-D184-ED395959AA09}"/>
+              </a:ext>
+            </a:extLst>
+          </p:cNvPr>
+          <p:cNvCxnSpPr>
+            <a:cxnSpLocks/>
+          </p:cNvCxnSpPr>
+          <p:nvPr/>
+        </p:nvCxnSpPr>
+        <p:spPr>
+          <a:xfrm flipV="1">
+            <a:off x="4829391" y="4847601"/>
+            <a:ext cx="0" cy="439789"/>
+          </a:xfrm>
+          <a:prstGeom prst="straightConnector1">
+            <a:avLst/>
+          </a:prstGeom>
+          <a:ln w="19050">
+            <a:solidFill>
+              <a:srgbClr val="FF0000"/>
+            </a:solidFill>
+            <a:headEnd type="triangle"/>
+            <a:tailEnd type="triangle"/>
+          </a:ln>
+        </p:spPr>
+        <p:style>
+          <a:lnRef idx="1">
+            <a:schemeClr val="accent1"/>
+          </a:lnRef>
+          <a:fillRef idx="0">
+            <a:schemeClr val="accent1"/>
+          </a:fillRef>
+          <a:effectRef idx="0">
+            <a:schemeClr val="accent1"/>
+          </a:effectRef>
+          <a:fontRef idx="minor">
+            <a:schemeClr val="tx1"/>
+          </a:fontRef>
+        </p:style>
+      </p:cxnSp>
+      <p:pic>
+        <p:nvPicPr>
+          <p:cNvPr id="22" name="Picture 21">
+            <a:extLst>
+              <a:ext uri="{FF2B5EF4-FFF2-40B4-BE49-F238E27FC236}">
+                <a16:creationId xmlns:a16="http://schemas.microsoft.com/office/drawing/2014/main" id="{D8E5B916-8073-A03B-CDB2-7BD51E880044}"/>
+              </a:ext>
+            </a:extLst>
+          </p:cNvPr>
+          <p:cNvPicPr>
+            <a:picLocks noChangeAspect="1"/>
+          </p:cNvPicPr>
+          <p:nvPr/>
+        </p:nvPicPr>
+        <p:blipFill>
+          <a:blip r:embed="rId7"/>
+          <a:stretch>
+            <a:fillRect/>
+          </a:stretch>
+        </p:blipFill>
+        <p:spPr>
+          <a:xfrm>
+            <a:off x="6868433" y="4356423"/>
+            <a:ext cx="891414" cy="503386"/>
+          </a:xfrm>
+          <a:prstGeom prst="rect">
+            <a:avLst/>
+          </a:prstGeom>
+        </p:spPr>
+      </p:pic>
+      <p:pic>
+        <p:nvPicPr>
+          <p:cNvPr id="23" name="Picture 22" descr="A red horse on wheels&#10;&#10;Description automatically generated">
+            <a:extLst>
+              <a:ext uri="{FF2B5EF4-FFF2-40B4-BE49-F238E27FC236}">
+                <a16:creationId xmlns:a16="http://schemas.microsoft.com/office/drawing/2014/main" id="{5FBC2D3E-ED4A-7D83-3C93-3F6D36604AC9}"/>
+              </a:ext>
+            </a:extLst>
+          </p:cNvPr>
+          <p:cNvPicPr>
+            <a:picLocks noChangeAspect="1"/>
+          </p:cNvPicPr>
+          <p:nvPr/>
+        </p:nvPicPr>
+        <p:blipFill>
+          <a:blip r:embed="rId8">
+            <a:extLst>
+              <a:ext uri="{28A0092B-C50C-407E-A947-70E740481C1C}">
+                <a14:useLocalDpi xmlns:a14="http://schemas.microsoft.com/office/drawing/2010/main" val="0"/>
+              </a:ext>
+            </a:extLst>
+          </a:blip>
+          <a:stretch>
+            <a:fillRect/>
+          </a:stretch>
+        </p:blipFill>
+        <p:spPr>
+          <a:xfrm flipH="1">
+            <a:off x="6803740" y="4556831"/>
+            <a:ext cx="395317" cy="395317"/>
+          </a:xfrm>
+          <a:prstGeom prst="rect">
+            <a:avLst/>
+          </a:prstGeom>
+          <a:ln w="19050">
+            <a:solidFill>
+              <a:srgbClr val="FF0000"/>
+            </a:solidFill>
+          </a:ln>
+        </p:spPr>
+      </p:pic>
+      <p:pic>
+        <p:nvPicPr>
+          <p:cNvPr id="24" name="Picture 23">
+            <a:extLst>
+              <a:ext uri="{FF2B5EF4-FFF2-40B4-BE49-F238E27FC236}">
+                <a16:creationId xmlns:a16="http://schemas.microsoft.com/office/drawing/2014/main" id="{CE5661F3-F6EB-915B-107C-9C6DE4B51EC5}"/>
+              </a:ext>
+            </a:extLst>
+          </p:cNvPr>
+          <p:cNvPicPr>
+            <a:picLocks noChangeAspect="1"/>
+          </p:cNvPicPr>
+          <p:nvPr/>
+        </p:nvPicPr>
+        <p:blipFill>
+          <a:blip r:embed="rId7"/>
+          <a:stretch>
+            <a:fillRect/>
+          </a:stretch>
+        </p:blipFill>
+        <p:spPr>
+          <a:xfrm>
+            <a:off x="8272149" y="4728352"/>
+            <a:ext cx="891414" cy="503386"/>
+          </a:xfrm>
+          <a:prstGeom prst="rect">
+            <a:avLst/>
+          </a:prstGeom>
+        </p:spPr>
+      </p:pic>
+      <p:pic>
+        <p:nvPicPr>
+          <p:cNvPr id="25" name="Picture 24">
+            <a:extLst>
+              <a:ext uri="{FF2B5EF4-FFF2-40B4-BE49-F238E27FC236}">
+                <a16:creationId xmlns:a16="http://schemas.microsoft.com/office/drawing/2014/main" id="{4C6FDDD9-D47A-1D90-938E-5A91876086B0}"/>
+              </a:ext>
+            </a:extLst>
+          </p:cNvPr>
+          <p:cNvPicPr>
+            <a:picLocks noChangeAspect="1"/>
+          </p:cNvPicPr>
+          <p:nvPr/>
+        </p:nvPicPr>
+        <p:blipFill>
+          <a:blip r:embed="rId9"/>
+          <a:stretch>
+            <a:fillRect/>
+          </a:stretch>
+        </p:blipFill>
+        <p:spPr>
+          <a:xfrm>
+            <a:off x="8213813" y="4890972"/>
+            <a:ext cx="414371" cy="340765"/>
+          </a:xfrm>
+          <a:prstGeom prst="rect">
+            <a:avLst/>
+          </a:prstGeom>
+          <a:ln w="19050">
+            <a:solidFill>
+              <a:srgbClr val="FF0000"/>
+            </a:solidFill>
+          </a:ln>
+        </p:spPr>
+      </p:pic>
+      <p:pic>
+        <p:nvPicPr>
+          <p:cNvPr id="26" name="Picture 25">
+            <a:extLst>
+              <a:ext uri="{FF2B5EF4-FFF2-40B4-BE49-F238E27FC236}">
+                <a16:creationId xmlns:a16="http://schemas.microsoft.com/office/drawing/2014/main" id="{39A9AEC0-C933-3680-B3F0-E463CCFD0018}"/>
+              </a:ext>
+            </a:extLst>
+          </p:cNvPr>
+          <p:cNvPicPr>
+            <a:picLocks noChangeAspect="1"/>
+          </p:cNvPicPr>
+          <p:nvPr/>
+        </p:nvPicPr>
+        <p:blipFill>
+          <a:blip r:embed="rId7"/>
+          <a:stretch>
+            <a:fillRect/>
+          </a:stretch>
+        </p:blipFill>
+        <p:spPr>
+          <a:xfrm>
+            <a:off x="6920412" y="5292745"/>
+            <a:ext cx="891414" cy="503386"/>
+          </a:xfrm>
+          <a:prstGeom prst="rect">
+            <a:avLst/>
+          </a:prstGeom>
+        </p:spPr>
+      </p:pic>
+      <p:pic>
+        <p:nvPicPr>
+          <p:cNvPr id="27" name="Picture 26">
+            <a:extLst>
+              <a:ext uri="{FF2B5EF4-FFF2-40B4-BE49-F238E27FC236}">
+                <a16:creationId xmlns:a16="http://schemas.microsoft.com/office/drawing/2014/main" id="{45D5D804-3CAA-2310-11C3-01C3BB879D4A}"/>
+              </a:ext>
+            </a:extLst>
+          </p:cNvPr>
+          <p:cNvPicPr>
+            <a:picLocks noChangeAspect="1"/>
+          </p:cNvPicPr>
+          <p:nvPr/>
+        </p:nvPicPr>
+        <p:blipFill>
+          <a:blip r:embed="rId10"/>
+          <a:stretch>
+            <a:fillRect/>
+          </a:stretch>
+        </p:blipFill>
+        <p:spPr>
+          <a:xfrm>
+            <a:off x="6803740" y="5420997"/>
+            <a:ext cx="414371" cy="368124"/>
+          </a:xfrm>
+          <a:prstGeom prst="rect">
+            <a:avLst/>
+          </a:prstGeom>
+          <a:ln w="19050">
+            <a:solidFill>
+              <a:srgbClr val="FF0000"/>
+            </a:solidFill>
+          </a:ln>
+        </p:spPr>
+      </p:pic>
+      <p:pic>
+        <p:nvPicPr>
+          <p:cNvPr id="28" name="Picture 27">
+            <a:extLst>
+              <a:ext uri="{FF2B5EF4-FFF2-40B4-BE49-F238E27FC236}">
+                <a16:creationId xmlns:a16="http://schemas.microsoft.com/office/drawing/2014/main" id="{8BE6A433-EF1F-5F98-EDA6-A13210EEA482}"/>
+              </a:ext>
+            </a:extLst>
+          </p:cNvPr>
+          <p:cNvPicPr>
+            <a:picLocks noChangeAspect="1"/>
+          </p:cNvPicPr>
+          <p:nvPr/>
+        </p:nvPicPr>
+        <p:blipFill>
+          <a:blip r:embed="rId7"/>
+          <a:stretch>
+            <a:fillRect/>
+          </a:stretch>
+        </p:blipFill>
+        <p:spPr>
+          <a:xfrm>
+            <a:off x="8244201" y="5501431"/>
+            <a:ext cx="891414" cy="503386"/>
+          </a:xfrm>
+          <a:prstGeom prst="rect">
+            <a:avLst/>
+          </a:prstGeom>
+        </p:spPr>
+      </p:pic>
+      <p:pic>
+        <p:nvPicPr>
+          <p:cNvPr id="29" name="Picture 28">
+            <a:extLst>
+              <a:ext uri="{FF2B5EF4-FFF2-40B4-BE49-F238E27FC236}">
+                <a16:creationId xmlns:a16="http://schemas.microsoft.com/office/drawing/2014/main" id="{559BDBBB-5D65-37D5-61A1-2FACAEA4D20A}"/>
+              </a:ext>
+            </a:extLst>
+          </p:cNvPr>
+          <p:cNvPicPr>
+            <a:picLocks noChangeAspect="1"/>
+          </p:cNvPicPr>
+          <p:nvPr/>
+        </p:nvPicPr>
+        <p:blipFill>
+          <a:blip r:embed="rId11"/>
+          <a:stretch>
+            <a:fillRect/>
+          </a:stretch>
+        </p:blipFill>
+        <p:spPr>
+          <a:xfrm>
+            <a:off x="8172811" y="5673241"/>
+            <a:ext cx="413817" cy="460539"/>
+          </a:xfrm>
+          <a:prstGeom prst="rect">
+            <a:avLst/>
+          </a:prstGeom>
+          <a:ln w="19050">
+            <a:solidFill>
+              <a:srgbClr val="FF0000"/>
+            </a:solidFill>
+          </a:ln>
+        </p:spPr>
+      </p:pic>
+      <p:cxnSp>
+        <p:nvCxnSpPr>
+          <p:cNvPr id="30" name="Connector: Elbow 29">
+            <a:extLst>
+              <a:ext uri="{FF2B5EF4-FFF2-40B4-BE49-F238E27FC236}">
+                <a16:creationId xmlns:a16="http://schemas.microsoft.com/office/drawing/2014/main" id="{6090E6E5-78CF-46D3-A048-EBA763B6A4B0}"/>
+              </a:ext>
+            </a:extLst>
+          </p:cNvPr>
+          <p:cNvCxnSpPr>
+            <a:cxnSpLocks/>
+            <a:stCxn id="18" idx="0"/>
+            <a:endCxn id="25" idx="1"/>
+          </p:cNvCxnSpPr>
+          <p:nvPr/>
+        </p:nvCxnSpPr>
+        <p:spPr>
+          <a:xfrm flipV="1">
+            <a:off x="5699692" y="5061355"/>
+            <a:ext cx="2514121" cy="537758"/>
+          </a:xfrm>
+          <a:prstGeom prst="bentConnector3">
+            <a:avLst>
+              <a:gd name="adj1" fmla="val 33835"/>
+            </a:avLst>
+          </a:prstGeom>
+          <a:ln w="19050">
+            <a:solidFill>
+              <a:srgbClr val="FF0000"/>
+            </a:solidFill>
+            <a:prstDash val="sysDash"/>
+            <a:tailEnd type="triangle"/>
+          </a:ln>
+        </p:spPr>
+        <p:style>
+          <a:lnRef idx="1">
+            <a:schemeClr val="accent1"/>
+          </a:lnRef>
+          <a:fillRef idx="0">
+            <a:schemeClr val="accent1"/>
+          </a:fillRef>
+          <a:effectRef idx="0">
+            <a:schemeClr val="accent1"/>
+          </a:effectRef>
+          <a:fontRef idx="minor">
+            <a:schemeClr val="tx1"/>
+          </a:fontRef>
+        </p:style>
+      </p:cxnSp>
+      <p:cxnSp>
+        <p:nvCxnSpPr>
+          <p:cNvPr id="31" name="Connector: Elbow 30">
+            <a:extLst>
+              <a:ext uri="{FF2B5EF4-FFF2-40B4-BE49-F238E27FC236}">
+                <a16:creationId xmlns:a16="http://schemas.microsoft.com/office/drawing/2014/main" id="{FCF8F3EA-8B0A-3D84-4E0C-355E8687AEFB}"/>
+              </a:ext>
+            </a:extLst>
+          </p:cNvPr>
+          <p:cNvCxnSpPr>
+            <a:cxnSpLocks/>
+            <a:stCxn id="18" idx="0"/>
+            <a:endCxn id="27" idx="2"/>
+          </p:cNvCxnSpPr>
+          <p:nvPr/>
+        </p:nvCxnSpPr>
+        <p:spPr>
+          <a:xfrm>
+            <a:off x="5699692" y="5599113"/>
+            <a:ext cx="1311234" cy="190008"/>
+          </a:xfrm>
+          <a:prstGeom prst="bentConnector4">
+            <a:avLst>
+              <a:gd name="adj1" fmla="val 42056"/>
+              <a:gd name="adj2" fmla="val 220311"/>
+            </a:avLst>
+          </a:prstGeom>
+          <a:ln w="19050">
+            <a:solidFill>
+              <a:srgbClr val="FF0000"/>
+            </a:solidFill>
+            <a:prstDash val="sysDash"/>
+            <a:tailEnd type="triangle"/>
+          </a:ln>
+        </p:spPr>
+        <p:style>
+          <a:lnRef idx="1">
+            <a:schemeClr val="accent1"/>
+          </a:lnRef>
+          <a:fillRef idx="0">
+            <a:schemeClr val="accent1"/>
+          </a:fillRef>
+          <a:effectRef idx="0">
+            <a:schemeClr val="accent1"/>
+          </a:effectRef>
+          <a:fontRef idx="minor">
+            <a:schemeClr val="tx1"/>
+          </a:fontRef>
+        </p:style>
+      </p:cxnSp>
+      <p:cxnSp>
+        <p:nvCxnSpPr>
+          <p:cNvPr id="32" name="Connector: Elbow 31">
+            <a:extLst>
+              <a:ext uri="{FF2B5EF4-FFF2-40B4-BE49-F238E27FC236}">
+                <a16:creationId xmlns:a16="http://schemas.microsoft.com/office/drawing/2014/main" id="{8924E96F-EAEF-572C-7AF5-7E3D5D41D04B}"/>
+              </a:ext>
+            </a:extLst>
+          </p:cNvPr>
+          <p:cNvCxnSpPr>
+            <a:cxnSpLocks/>
+            <a:endCxn id="29" idx="2"/>
+          </p:cNvCxnSpPr>
+          <p:nvPr/>
+        </p:nvCxnSpPr>
+        <p:spPr>
+          <a:xfrm>
+            <a:off x="5049036" y="5952092"/>
+            <a:ext cx="3330684" cy="181688"/>
+          </a:xfrm>
+          <a:prstGeom prst="bentConnector4">
+            <a:avLst>
+              <a:gd name="adj1" fmla="val -998"/>
+              <a:gd name="adj2" fmla="val 158716"/>
+            </a:avLst>
+          </a:prstGeom>
+          <a:ln w="19050">
+            <a:solidFill>
+              <a:srgbClr val="FF0000"/>
+            </a:solidFill>
+            <a:prstDash val="sysDash"/>
+            <a:tailEnd type="triangle"/>
+          </a:ln>
+        </p:spPr>
+        <p:style>
+          <a:lnRef idx="1">
+            <a:schemeClr val="accent1"/>
+          </a:lnRef>
+          <a:fillRef idx="0">
+            <a:schemeClr val="accent1"/>
+          </a:fillRef>
+          <a:effectRef idx="0">
+            <a:schemeClr val="accent1"/>
+          </a:effectRef>
+          <a:fontRef idx="minor">
+            <a:schemeClr val="tx1"/>
+          </a:fontRef>
+        </p:style>
+      </p:cxnSp>
+      <p:sp>
+        <p:nvSpPr>
+          <p:cNvPr id="33" name="TextBox 32">
+            <a:extLst>
+              <a:ext uri="{FF2B5EF4-FFF2-40B4-BE49-F238E27FC236}">
+                <a16:creationId xmlns:a16="http://schemas.microsoft.com/office/drawing/2014/main" id="{6F13562D-F7DF-5C76-7363-E4314B7E1F74}"/>
+              </a:ext>
+            </a:extLst>
+          </p:cNvPr>
+          <p:cNvSpPr txBox="1"/>
+          <p:nvPr/>
+        </p:nvSpPr>
+        <p:spPr>
+          <a:xfrm>
+            <a:off x="6197684" y="4122920"/>
+            <a:ext cx="1562164" cy="430887"/>
+          </a:xfrm>
+          <a:prstGeom prst="rect">
+            <a:avLst/>
+          </a:prstGeom>
+          <a:noFill/>
+        </p:spPr>
+        <p:txBody>
+          <a:bodyPr wrap="square" rtlCol="0">
+            <a:spAutoFit/>
+          </a:bodyPr>
+          <a:lstStyle/>
+          <a:p>
+            <a:r>
+              <a:rPr lang="en-US" sz="1100" b="1" dirty="0">
+                <a:solidFill>
+                  <a:srgbClr val="FF0000"/>
+                </a:solidFill>
+              </a:rPr>
+              <a:t>Backdoor trojan emulator </a:t>
+            </a:r>
+            <a:endParaRPr lang="en-SG" sz="1100" b="1" dirty="0">
+              <a:solidFill>
+                <a:srgbClr val="FF0000"/>
+              </a:solidFill>
+            </a:endParaRPr>
+          </a:p>
+        </p:txBody>
+      </p:sp>
+      <p:sp>
+        <p:nvSpPr>
+          <p:cNvPr id="34" name="TextBox 33">
+            <a:extLst>
+              <a:ext uri="{FF2B5EF4-FFF2-40B4-BE49-F238E27FC236}">
+                <a16:creationId xmlns:a16="http://schemas.microsoft.com/office/drawing/2014/main" id="{146221D4-B63C-398F-514C-5FC49A802674}"/>
+              </a:ext>
+            </a:extLst>
+          </p:cNvPr>
+          <p:cNvSpPr txBox="1"/>
+          <p:nvPr/>
+        </p:nvSpPr>
+        <p:spPr>
+          <a:xfrm>
+            <a:off x="8079149" y="5245005"/>
+            <a:ext cx="1695787" cy="261610"/>
+          </a:xfrm>
+          <a:prstGeom prst="rect">
+            <a:avLst/>
+          </a:prstGeom>
+          <a:noFill/>
+        </p:spPr>
+        <p:txBody>
+          <a:bodyPr wrap="square" rtlCol="0">
+            <a:spAutoFit/>
+          </a:bodyPr>
+          <a:lstStyle/>
+          <a:p>
+            <a:r>
+              <a:rPr lang="en-US" sz="1100" b="1" dirty="0">
+                <a:solidFill>
+                  <a:srgbClr val="FF0000"/>
+                </a:solidFill>
+              </a:rPr>
+              <a:t>DDoS attack emulator </a:t>
+            </a:r>
+            <a:endParaRPr lang="en-SG" sz="1100" b="1" dirty="0">
+              <a:solidFill>
+                <a:srgbClr val="FF0000"/>
+              </a:solidFill>
+            </a:endParaRPr>
+          </a:p>
+        </p:txBody>
+      </p:sp>
+      <p:sp>
+        <p:nvSpPr>
+          <p:cNvPr id="35" name="TextBox 34">
+            <a:extLst>
+              <a:ext uri="{FF2B5EF4-FFF2-40B4-BE49-F238E27FC236}">
+                <a16:creationId xmlns:a16="http://schemas.microsoft.com/office/drawing/2014/main" id="{F9A2840C-8B2A-3C5E-EE9C-36E428D076ED}"/>
+              </a:ext>
+            </a:extLst>
+          </p:cNvPr>
+          <p:cNvSpPr txBox="1"/>
+          <p:nvPr/>
+        </p:nvSpPr>
+        <p:spPr>
+          <a:xfrm>
+            <a:off x="8617016" y="5958566"/>
+            <a:ext cx="1014615" cy="600164"/>
+          </a:xfrm>
+          <a:prstGeom prst="rect">
+            <a:avLst/>
+          </a:prstGeom>
+          <a:noFill/>
+        </p:spPr>
+        <p:txBody>
+          <a:bodyPr wrap="square" rtlCol="0">
+            <a:spAutoFit/>
+          </a:bodyPr>
+          <a:lstStyle/>
+          <a:p>
+            <a:r>
+              <a:rPr lang="en-US" sz="1100" b="1" dirty="0">
+                <a:solidFill>
+                  <a:srgbClr val="FF0000"/>
+                </a:solidFill>
+              </a:rPr>
+              <a:t>False data injection emulator </a:t>
+            </a:r>
+            <a:endParaRPr lang="en-SG" sz="1100" b="1" dirty="0">
+              <a:solidFill>
+                <a:srgbClr val="FF0000"/>
+              </a:solidFill>
+            </a:endParaRPr>
+          </a:p>
+        </p:txBody>
+      </p:sp>
+      <p:sp>
+        <p:nvSpPr>
+          <p:cNvPr id="36" name="TextBox 35">
+            <a:extLst>
+              <a:ext uri="{FF2B5EF4-FFF2-40B4-BE49-F238E27FC236}">
+                <a16:creationId xmlns:a16="http://schemas.microsoft.com/office/drawing/2014/main" id="{F3460363-9F2D-1D4F-87B3-7E019129A5CF}"/>
+              </a:ext>
+            </a:extLst>
+          </p:cNvPr>
+          <p:cNvSpPr txBox="1"/>
+          <p:nvPr/>
+        </p:nvSpPr>
+        <p:spPr>
+          <a:xfrm>
+            <a:off x="6568885" y="5091199"/>
+            <a:ext cx="1810835" cy="261610"/>
+          </a:xfrm>
+          <a:prstGeom prst="rect">
+            <a:avLst/>
+          </a:prstGeom>
+          <a:noFill/>
+        </p:spPr>
+        <p:txBody>
+          <a:bodyPr wrap="square" rtlCol="0">
+            <a:spAutoFit/>
+          </a:bodyPr>
+          <a:lstStyle/>
+          <a:p>
+            <a:r>
+              <a:rPr lang="en-US" sz="1100" b="1" dirty="0">
+                <a:solidFill>
+                  <a:srgbClr val="FF0000"/>
+                </a:solidFill>
+              </a:rPr>
+              <a:t>Phishing email sender</a:t>
+            </a:r>
+            <a:endParaRPr lang="en-SG" sz="1100" b="1" dirty="0">
+              <a:solidFill>
+                <a:srgbClr val="FF0000"/>
+              </a:solidFill>
+            </a:endParaRPr>
+          </a:p>
+        </p:txBody>
+      </p:sp>
+      <p:cxnSp>
+        <p:nvCxnSpPr>
+          <p:cNvPr id="37" name="Straight Arrow Connector 36">
+            <a:extLst>
+              <a:ext uri="{FF2B5EF4-FFF2-40B4-BE49-F238E27FC236}">
+                <a16:creationId xmlns:a16="http://schemas.microsoft.com/office/drawing/2014/main" id="{2CE72BE4-B251-63B1-5486-ACC5A98198A9}"/>
+              </a:ext>
+            </a:extLst>
+          </p:cNvPr>
+          <p:cNvCxnSpPr>
+            <a:cxnSpLocks/>
+          </p:cNvCxnSpPr>
+          <p:nvPr/>
+        </p:nvCxnSpPr>
+        <p:spPr>
+          <a:xfrm>
+            <a:off x="5225870" y="4847601"/>
+            <a:ext cx="0" cy="399541"/>
+          </a:xfrm>
+          <a:prstGeom prst="straightConnector1">
+            <a:avLst/>
+          </a:prstGeom>
+          <a:ln w="19050">
+            <a:solidFill>
+              <a:srgbClr val="FF0000"/>
+            </a:solidFill>
+            <a:prstDash val="sysDash"/>
+            <a:headEnd type="triangle"/>
+            <a:tailEnd type="triangle"/>
+          </a:ln>
+        </p:spPr>
+        <p:style>
+          <a:lnRef idx="1">
+            <a:schemeClr val="accent1"/>
+          </a:lnRef>
+          <a:fillRef idx="0">
+            <a:schemeClr val="accent1"/>
+          </a:fillRef>
+          <a:effectRef idx="0">
+            <a:schemeClr val="accent1"/>
+          </a:effectRef>
+          <a:fontRef idx="minor">
+            <a:schemeClr val="tx1"/>
+          </a:fontRef>
+        </p:style>
+      </p:cxnSp>
+      <p:sp>
+        <p:nvSpPr>
+          <p:cNvPr id="38" name="TextBox 37">
+            <a:extLst>
+              <a:ext uri="{FF2B5EF4-FFF2-40B4-BE49-F238E27FC236}">
+                <a16:creationId xmlns:a16="http://schemas.microsoft.com/office/drawing/2014/main" id="{5F11AF5E-6334-B087-C483-2172DD7F106E}"/>
+              </a:ext>
+            </a:extLst>
+          </p:cNvPr>
+          <p:cNvSpPr txBox="1"/>
+          <p:nvPr/>
+        </p:nvSpPr>
+        <p:spPr>
+          <a:xfrm>
+            <a:off x="4149650" y="3841288"/>
+            <a:ext cx="1946349" cy="276999"/>
+          </a:xfrm>
+          <a:prstGeom prst="rect">
+            <a:avLst/>
+          </a:prstGeom>
+          <a:noFill/>
+        </p:spPr>
+        <p:txBody>
+          <a:bodyPr wrap="square" rtlCol="0">
+            <a:spAutoFit/>
+          </a:bodyPr>
+          <a:lstStyle/>
+          <a:p>
+            <a:r>
+              <a:rPr lang="en-US" sz="1200" b="1" dirty="0"/>
+              <a:t>Red Team C2 Hub Server </a:t>
+            </a:r>
+            <a:endParaRPr lang="en-SG" sz="1200" b="1" dirty="0"/>
+          </a:p>
+        </p:txBody>
+      </p:sp>
+      <p:sp>
+        <p:nvSpPr>
+          <p:cNvPr id="39" name="TextBox 38">
+            <a:extLst>
+              <a:ext uri="{FF2B5EF4-FFF2-40B4-BE49-F238E27FC236}">
+                <a16:creationId xmlns:a16="http://schemas.microsoft.com/office/drawing/2014/main" id="{73B51268-974E-5E1D-6035-0616DAD5CC03}"/>
+              </a:ext>
+            </a:extLst>
+          </p:cNvPr>
+          <p:cNvSpPr txBox="1"/>
+          <p:nvPr/>
+        </p:nvSpPr>
+        <p:spPr>
+          <a:xfrm>
+            <a:off x="3207363" y="4567435"/>
+            <a:ext cx="1266137" cy="707886"/>
+          </a:xfrm>
+          <a:prstGeom prst="rect">
+            <a:avLst/>
+          </a:prstGeom>
+          <a:noFill/>
+        </p:spPr>
+        <p:txBody>
+          <a:bodyPr wrap="square" rtlCol="0">
+            <a:spAutoFit/>
+          </a:bodyPr>
+          <a:lstStyle/>
+          <a:p>
+            <a:r>
+              <a:rPr lang="en-US" sz="1000" dirty="0"/>
+              <a:t>User control request and malware state info [subnet comm]</a:t>
+            </a:r>
+            <a:endParaRPr lang="en-SG" sz="1000" dirty="0"/>
+          </a:p>
+        </p:txBody>
+      </p:sp>
+      <p:sp>
+        <p:nvSpPr>
+          <p:cNvPr id="40" name="TextBox 39">
+            <a:extLst>
+              <a:ext uri="{FF2B5EF4-FFF2-40B4-BE49-F238E27FC236}">
+                <a16:creationId xmlns:a16="http://schemas.microsoft.com/office/drawing/2014/main" id="{665139AB-F280-D34D-E295-B463DF516CBA}"/>
+              </a:ext>
+            </a:extLst>
+          </p:cNvPr>
+          <p:cNvSpPr txBox="1"/>
+          <p:nvPr/>
+        </p:nvSpPr>
+        <p:spPr>
+          <a:xfrm>
+            <a:off x="3232120" y="5821478"/>
+            <a:ext cx="1412079" cy="553998"/>
+          </a:xfrm>
+          <a:prstGeom prst="rect">
+            <a:avLst/>
+          </a:prstGeom>
+          <a:noFill/>
+        </p:spPr>
+        <p:txBody>
+          <a:bodyPr wrap="square" rtlCol="0">
+            <a:spAutoFit/>
+          </a:bodyPr>
+          <a:lstStyle/>
+          <a:p>
+            <a:r>
+              <a:rPr lang="en-US" sz="1000" dirty="0"/>
+              <a:t>User control request and malware state info [internet comm]</a:t>
+            </a:r>
+            <a:endParaRPr lang="en-SG" sz="1000" dirty="0"/>
+          </a:p>
+        </p:txBody>
+      </p:sp>
+      <p:sp>
+        <p:nvSpPr>
+          <p:cNvPr id="41" name="TextBox 40">
+            <a:extLst>
+              <a:ext uri="{FF2B5EF4-FFF2-40B4-BE49-F238E27FC236}">
+                <a16:creationId xmlns:a16="http://schemas.microsoft.com/office/drawing/2014/main" id="{15685E58-15FB-07D7-AE99-9C2EE5E7147C}"/>
+              </a:ext>
+            </a:extLst>
+          </p:cNvPr>
+          <p:cNvSpPr txBox="1"/>
+          <p:nvPr/>
+        </p:nvSpPr>
+        <p:spPr>
+          <a:xfrm>
+            <a:off x="5192358" y="4864877"/>
+            <a:ext cx="1176232" cy="400110"/>
+          </a:xfrm>
+          <a:prstGeom prst="rect">
+            <a:avLst/>
+          </a:prstGeom>
+          <a:noFill/>
+        </p:spPr>
+        <p:txBody>
+          <a:bodyPr wrap="square" rtlCol="0">
+            <a:spAutoFit/>
+          </a:bodyPr>
+          <a:lstStyle/>
+          <a:p>
+            <a:r>
+              <a:rPr lang="en-US" sz="1000" dirty="0"/>
+              <a:t>Malware control request</a:t>
+            </a:r>
+            <a:endParaRPr lang="en-SG" sz="1000" dirty="0"/>
+          </a:p>
+        </p:txBody>
+      </p:sp>
+      <p:sp>
+        <p:nvSpPr>
+          <p:cNvPr id="42" name="TextBox 41">
+            <a:extLst>
+              <a:ext uri="{FF2B5EF4-FFF2-40B4-BE49-F238E27FC236}">
+                <a16:creationId xmlns:a16="http://schemas.microsoft.com/office/drawing/2014/main" id="{7FA14902-C47A-57FF-7370-F71DFA718604}"/>
+              </a:ext>
+            </a:extLst>
+          </p:cNvPr>
+          <p:cNvSpPr txBox="1"/>
+          <p:nvPr/>
+        </p:nvSpPr>
+        <p:spPr>
+          <a:xfrm>
+            <a:off x="5456413" y="5797277"/>
+            <a:ext cx="1176232" cy="400110"/>
+          </a:xfrm>
+          <a:prstGeom prst="rect">
+            <a:avLst/>
+          </a:prstGeom>
+          <a:noFill/>
+        </p:spPr>
+        <p:txBody>
+          <a:bodyPr wrap="square" rtlCol="0">
+            <a:spAutoFit/>
+          </a:bodyPr>
+          <a:lstStyle/>
+          <a:p>
+            <a:r>
+              <a:rPr lang="en-US" sz="1000" dirty="0"/>
+              <a:t>Malware control request</a:t>
+            </a:r>
+            <a:endParaRPr lang="en-SG" sz="1000" dirty="0"/>
+          </a:p>
+        </p:txBody>
+      </p:sp>
+      <p:pic>
+        <p:nvPicPr>
+          <p:cNvPr id="44" name="Picture 43">
+            <a:extLst>
+              <a:ext uri="{FF2B5EF4-FFF2-40B4-BE49-F238E27FC236}">
+                <a16:creationId xmlns:a16="http://schemas.microsoft.com/office/drawing/2014/main" id="{03CC81F8-FE3A-0CD0-FDF2-DF54479F552B}"/>
+              </a:ext>
+            </a:extLst>
+          </p:cNvPr>
+          <p:cNvPicPr>
+            <a:picLocks noChangeAspect="1"/>
+          </p:cNvPicPr>
+          <p:nvPr/>
+        </p:nvPicPr>
+        <p:blipFill>
+          <a:blip r:embed="rId12"/>
+          <a:stretch>
+            <a:fillRect/>
+          </a:stretch>
+        </p:blipFill>
+        <p:spPr>
+          <a:xfrm>
+            <a:off x="8136407" y="3877050"/>
+            <a:ext cx="961217" cy="740136"/>
+          </a:xfrm>
+          <a:prstGeom prst="rect">
+            <a:avLst/>
+          </a:prstGeom>
+          <a:ln w="9525">
+            <a:solidFill>
+              <a:schemeClr val="bg1"/>
+            </a:solidFill>
+          </a:ln>
+        </p:spPr>
+      </p:pic>
     </p:spTree>
     <p:extLst>
       <p:ext uri="{BB962C8B-B14F-4D97-AF65-F5344CB8AC3E}">

--- a/doc/designDoc.pptx
+++ b/doc/designDoc.pptx
@@ -11,7 +11,8 @@
     <p:sldId id="259" r:id="rId5"/>
     <p:sldId id="260" r:id="rId6"/>
     <p:sldId id="261" r:id="rId7"/>
-    <p:sldId id="303" r:id="rId8"/>
+    <p:sldId id="304" r:id="rId8"/>
+    <p:sldId id="303" r:id="rId9"/>
   </p:sldIdLst>
   <p:sldSz cx="12192000" cy="6858000"/>
   <p:notesSz cx="6858000" cy="9144000"/>
@@ -267,7 +268,7 @@
           <a:p>
             <a:fld id="{9FCA313A-65B0-404C-ABF6-BBAAB537D5DB}" type="datetimeFigureOut">
               <a:rPr lang="en-SG" smtClean="0"/>
-              <a:t>24/5/2024</a:t>
+              <a:t>25/5/2024</a:t>
             </a:fld>
             <a:endParaRPr lang="en-SG"/>
           </a:p>
@@ -467,7 +468,7 @@
           <a:p>
             <a:fld id="{9FCA313A-65B0-404C-ABF6-BBAAB537D5DB}" type="datetimeFigureOut">
               <a:rPr lang="en-SG" smtClean="0"/>
-              <a:t>24/5/2024</a:t>
+              <a:t>25/5/2024</a:t>
             </a:fld>
             <a:endParaRPr lang="en-SG"/>
           </a:p>
@@ -677,7 +678,7 @@
           <a:p>
             <a:fld id="{9FCA313A-65B0-404C-ABF6-BBAAB537D5DB}" type="datetimeFigureOut">
               <a:rPr lang="en-SG" smtClean="0"/>
-              <a:t>24/5/2024</a:t>
+              <a:t>25/5/2024</a:t>
             </a:fld>
             <a:endParaRPr lang="en-SG"/>
           </a:p>
@@ -877,7 +878,7 @@
           <a:p>
             <a:fld id="{9FCA313A-65B0-404C-ABF6-BBAAB537D5DB}" type="datetimeFigureOut">
               <a:rPr lang="en-SG" smtClean="0"/>
-              <a:t>24/5/2024</a:t>
+              <a:t>25/5/2024</a:t>
             </a:fld>
             <a:endParaRPr lang="en-SG"/>
           </a:p>
@@ -1153,7 +1154,7 @@
           <a:p>
             <a:fld id="{9FCA313A-65B0-404C-ABF6-BBAAB537D5DB}" type="datetimeFigureOut">
               <a:rPr lang="en-SG" smtClean="0"/>
-              <a:t>24/5/2024</a:t>
+              <a:t>25/5/2024</a:t>
             </a:fld>
             <a:endParaRPr lang="en-SG"/>
           </a:p>
@@ -1421,7 +1422,7 @@
           <a:p>
             <a:fld id="{9FCA313A-65B0-404C-ABF6-BBAAB537D5DB}" type="datetimeFigureOut">
               <a:rPr lang="en-SG" smtClean="0"/>
-              <a:t>24/5/2024</a:t>
+              <a:t>25/5/2024</a:t>
             </a:fld>
             <a:endParaRPr lang="en-SG"/>
           </a:p>
@@ -1836,7 +1837,7 @@
           <a:p>
             <a:fld id="{9FCA313A-65B0-404C-ABF6-BBAAB537D5DB}" type="datetimeFigureOut">
               <a:rPr lang="en-SG" smtClean="0"/>
-              <a:t>24/5/2024</a:t>
+              <a:t>25/5/2024</a:t>
             </a:fld>
             <a:endParaRPr lang="en-SG"/>
           </a:p>
@@ -1978,7 +1979,7 @@
           <a:p>
             <a:fld id="{9FCA313A-65B0-404C-ABF6-BBAAB537D5DB}" type="datetimeFigureOut">
               <a:rPr lang="en-SG" smtClean="0"/>
-              <a:t>24/5/2024</a:t>
+              <a:t>25/5/2024</a:t>
             </a:fld>
             <a:endParaRPr lang="en-SG"/>
           </a:p>
@@ -2091,7 +2092,7 @@
           <a:p>
             <a:fld id="{9FCA313A-65B0-404C-ABF6-BBAAB537D5DB}" type="datetimeFigureOut">
               <a:rPr lang="en-SG" smtClean="0"/>
-              <a:t>24/5/2024</a:t>
+              <a:t>25/5/2024</a:t>
             </a:fld>
             <a:endParaRPr lang="en-SG"/>
           </a:p>
@@ -2404,7 +2405,7 @@
           <a:p>
             <a:fld id="{9FCA313A-65B0-404C-ABF6-BBAAB537D5DB}" type="datetimeFigureOut">
               <a:rPr lang="en-SG" smtClean="0"/>
-              <a:t>24/5/2024</a:t>
+              <a:t>25/5/2024</a:t>
             </a:fld>
             <a:endParaRPr lang="en-SG"/>
           </a:p>
@@ -2693,7 +2694,7 @@
           <a:p>
             <a:fld id="{9FCA313A-65B0-404C-ABF6-BBAAB537D5DB}" type="datetimeFigureOut">
               <a:rPr lang="en-SG" smtClean="0"/>
-              <a:t>24/5/2024</a:t>
+              <a:t>25/5/2024</a:t>
             </a:fld>
             <a:endParaRPr lang="en-SG"/>
           </a:p>
@@ -2936,7 +2937,7 @@
           <a:p>
             <a:fld id="{9FCA313A-65B0-404C-ABF6-BBAAB537D5DB}" type="datetimeFigureOut">
               <a:rPr lang="en-SG" smtClean="0"/>
-              <a:t>24/5/2024</a:t>
+              <a:t>25/5/2024</a:t>
             </a:fld>
             <a:endParaRPr lang="en-SG"/>
           </a:p>
@@ -3494,6 +3495,55 @@
           <a:chExt cx="0" cy="0"/>
         </a:xfrm>
       </p:grpSpPr>
+      <p:sp>
+        <p:nvSpPr>
+          <p:cNvPr id="2" name="Rectangle 1">
+            <a:extLst>
+              <a:ext uri="{FF2B5EF4-FFF2-40B4-BE49-F238E27FC236}">
+                <a16:creationId xmlns:a16="http://schemas.microsoft.com/office/drawing/2014/main" id="{F11F174C-7BCC-88F2-5F23-A1DFCC723ACA}"/>
+              </a:ext>
+            </a:extLst>
+          </p:cNvPr>
+          <p:cNvSpPr/>
+          <p:nvPr/>
+        </p:nvSpPr>
+        <p:spPr>
+          <a:xfrm>
+            <a:off x="9677215" y="3395001"/>
+            <a:ext cx="1103561" cy="2717009"/>
+          </a:xfrm>
+          <a:prstGeom prst="rect">
+            <a:avLst/>
+          </a:prstGeom>
+          <a:solidFill>
+            <a:schemeClr val="bg2"/>
+          </a:solidFill>
+        </p:spPr>
+        <p:style>
+          <a:lnRef idx="2">
+            <a:schemeClr val="accent1">
+              <a:shade val="15000"/>
+            </a:schemeClr>
+          </a:lnRef>
+          <a:fillRef idx="1">
+            <a:schemeClr val="accent1"/>
+          </a:fillRef>
+          <a:effectRef idx="0">
+            <a:schemeClr val="accent1"/>
+          </a:effectRef>
+          <a:fontRef idx="minor">
+            <a:schemeClr val="lt1"/>
+          </a:fontRef>
+        </p:style>
+        <p:txBody>
+          <a:bodyPr rtlCol="0" anchor="ctr"/>
+          <a:lstStyle/>
+          <a:p>
+            <a:pPr algn="ctr"/>
+            <a:endParaRPr lang="en-SG" dirty="0"/>
+          </a:p>
+        </p:txBody>
+      </p:sp>
       <p:pic>
         <p:nvPicPr>
           <p:cNvPr id="5" name="Picture 4" descr="A computer screen with text and words&#10;&#10;Description automatically generated">
@@ -3522,7 +3572,7 @@
         </p:blipFill>
         <p:spPr>
           <a:xfrm>
-            <a:off x="838572" y="386437"/>
+            <a:off x="344796" y="212701"/>
             <a:ext cx="4199772" cy="3318089"/>
           </a:xfrm>
           <a:prstGeom prst="roundRect">
@@ -3568,7 +3618,7 @@
         </p:nvSpPr>
         <p:spPr>
           <a:xfrm>
-            <a:off x="5606570" y="3200400"/>
+            <a:off x="5038344" y="3412138"/>
             <a:ext cx="4470118" cy="2697821"/>
           </a:xfrm>
           <a:prstGeom prst="rect">
@@ -3620,7 +3670,7 @@
         </p:nvSpPr>
         <p:spPr>
           <a:xfrm>
-            <a:off x="5703559" y="3200400"/>
+            <a:off x="5135333" y="3412138"/>
             <a:ext cx="3079728" cy="584775"/>
           </a:xfrm>
           <a:prstGeom prst="rect">
@@ -3679,7 +3729,7 @@
         </p:blipFill>
         <p:spPr>
           <a:xfrm>
-            <a:off x="7303848" y="3801507"/>
+            <a:off x="6735622" y="4013245"/>
             <a:ext cx="1527011" cy="1084178"/>
           </a:xfrm>
           <a:prstGeom prst="rect">
@@ -3706,7 +3756,7 @@
         </p:nvSpPr>
         <p:spPr>
           <a:xfrm>
-            <a:off x="7316717" y="4453930"/>
+            <a:off x="6748491" y="4665668"/>
             <a:ext cx="1627045" cy="446330"/>
           </a:xfrm>
           <a:prstGeom prst="rect">
@@ -3771,7 +3821,7 @@
         </p:blipFill>
         <p:spPr>
           <a:xfrm>
-            <a:off x="5694386" y="3808526"/>
+            <a:off x="5126160" y="4020264"/>
             <a:ext cx="1440709" cy="1082957"/>
           </a:xfrm>
           <a:prstGeom prst="rect">
@@ -3798,7 +3848,7 @@
         </p:nvSpPr>
         <p:spPr>
           <a:xfrm>
-            <a:off x="5676316" y="4468504"/>
+            <a:off x="5108090" y="4680242"/>
             <a:ext cx="1627045" cy="446330"/>
           </a:xfrm>
           <a:prstGeom prst="rect">
@@ -3855,7 +3905,7 @@
         </p:nvSpPr>
         <p:spPr>
           <a:xfrm>
-            <a:off x="5715147" y="5032571"/>
+            <a:off x="5146921" y="5244309"/>
             <a:ext cx="2962509" cy="281563"/>
           </a:xfrm>
           <a:prstGeom prst="rect">
@@ -3916,7 +3966,7 @@
         </p:nvSpPr>
         <p:spPr>
           <a:xfrm>
-            <a:off x="5715147" y="5444988"/>
+            <a:off x="5146921" y="5656726"/>
             <a:ext cx="2962509" cy="281563"/>
           </a:xfrm>
           <a:prstGeom prst="rect">
@@ -3985,7 +4035,7 @@
         </p:blipFill>
         <p:spPr>
           <a:xfrm>
-            <a:off x="8881535" y="5026991"/>
+            <a:off x="8313309" y="5238729"/>
             <a:ext cx="1499691" cy="690075"/>
           </a:xfrm>
           <a:prstGeom prst="rect">
@@ -4021,7 +4071,7 @@
         </p:blipFill>
         <p:spPr>
           <a:xfrm>
-            <a:off x="9120273" y="3254251"/>
+            <a:off x="8552047" y="3465989"/>
             <a:ext cx="837543" cy="644907"/>
           </a:xfrm>
           <a:prstGeom prst="rect">
@@ -4048,7 +4098,7 @@
         </p:nvSpPr>
         <p:spPr>
           <a:xfrm>
-            <a:off x="8984623" y="4080313"/>
+            <a:off x="8416397" y="4292051"/>
             <a:ext cx="1396603" cy="199018"/>
           </a:xfrm>
           <a:prstGeom prst="rect">
@@ -4109,7 +4159,7 @@
         </p:nvSpPr>
         <p:spPr>
           <a:xfrm>
-            <a:off x="8991495" y="4390777"/>
+            <a:off x="8423269" y="4602515"/>
             <a:ext cx="1389731" cy="199018"/>
           </a:xfrm>
           <a:prstGeom prst="rect">
@@ -4178,7 +4228,7 @@
         </p:nvSpPr>
         <p:spPr>
           <a:xfrm>
-            <a:off x="8999612" y="4724501"/>
+            <a:off x="8431386" y="4936239"/>
             <a:ext cx="1381614" cy="199018"/>
           </a:xfrm>
           <a:prstGeom prst="rect">
@@ -4233,6 +4283,455 @@
           </a:p>
         </p:txBody>
       </p:sp>
+      <p:sp>
+        <p:nvSpPr>
+          <p:cNvPr id="3" name="TextBox 2">
+            <a:extLst>
+              <a:ext uri="{FF2B5EF4-FFF2-40B4-BE49-F238E27FC236}">
+                <a16:creationId xmlns:a16="http://schemas.microsoft.com/office/drawing/2014/main" id="{02009E7D-A6CB-A503-2455-44B09E2A47D4}"/>
+              </a:ext>
+            </a:extLst>
+          </p:cNvPr>
+          <p:cNvSpPr txBox="1"/>
+          <p:nvPr/>
+        </p:nvSpPr>
+        <p:spPr>
+          <a:xfrm>
+            <a:off x="9677215" y="3395001"/>
+            <a:ext cx="1251152" cy="523220"/>
+          </a:xfrm>
+          <a:prstGeom prst="rect">
+            <a:avLst/>
+          </a:prstGeom>
+          <a:noFill/>
+        </p:spPr>
+        <p:txBody>
+          <a:bodyPr wrap="square" rtlCol="0">
+            <a:spAutoFit/>
+          </a:bodyPr>
+          <a:lstStyle/>
+          <a:p>
+            <a:r>
+              <a:rPr lang="en-US" sz="1400" b="1" dirty="0"/>
+              <a:t>Cyber Exercise</a:t>
+            </a:r>
+            <a:endParaRPr lang="en-SG" sz="1400" b="1" dirty="0"/>
+          </a:p>
+        </p:txBody>
+      </p:sp>
+      <p:pic>
+        <p:nvPicPr>
+          <p:cNvPr id="4" name="Picture 3">
+            <a:extLst>
+              <a:ext uri="{FF2B5EF4-FFF2-40B4-BE49-F238E27FC236}">
+                <a16:creationId xmlns:a16="http://schemas.microsoft.com/office/drawing/2014/main" id="{7718010C-16F4-275C-4126-CF846B6CD350}"/>
+              </a:ext>
+            </a:extLst>
+          </p:cNvPr>
+          <p:cNvPicPr>
+            <a:picLocks noChangeAspect="1"/>
+          </p:cNvPicPr>
+          <p:nvPr/>
+        </p:nvPicPr>
+        <p:blipFill>
+          <a:blip r:embed="rId7"/>
+          <a:stretch>
+            <a:fillRect/>
+          </a:stretch>
+        </p:blipFill>
+        <p:spPr>
+          <a:xfrm>
+            <a:off x="10177777" y="4130499"/>
+            <a:ext cx="399874" cy="419161"/>
+          </a:xfrm>
+          <a:prstGeom prst="rect">
+            <a:avLst/>
+          </a:prstGeom>
+          <a:ln w="9525">
+            <a:solidFill>
+              <a:schemeClr val="tx1"/>
+            </a:solidFill>
+          </a:ln>
+        </p:spPr>
+      </p:pic>
+      <p:pic>
+        <p:nvPicPr>
+          <p:cNvPr id="6" name="Picture 5" descr="A red horse on wheels&#10;&#10;Description automatically generated">
+            <a:extLst>
+              <a:ext uri="{FF2B5EF4-FFF2-40B4-BE49-F238E27FC236}">
+                <a16:creationId xmlns:a16="http://schemas.microsoft.com/office/drawing/2014/main" id="{092FCCC9-F396-5294-4532-305A7FBC7C23}"/>
+              </a:ext>
+            </a:extLst>
+          </p:cNvPr>
+          <p:cNvPicPr>
+            <a:picLocks noChangeAspect="1"/>
+          </p:cNvPicPr>
+          <p:nvPr/>
+        </p:nvPicPr>
+        <p:blipFill>
+          <a:blip r:embed="rId8">
+            <a:extLst>
+              <a:ext uri="{28A0092B-C50C-407E-A947-70E740481C1C}">
+                <a14:useLocalDpi xmlns:a14="http://schemas.microsoft.com/office/drawing/2010/main" val="0"/>
+              </a:ext>
+            </a:extLst>
+          </a:blip>
+          <a:stretch>
+            <a:fillRect/>
+          </a:stretch>
+        </p:blipFill>
+        <p:spPr>
+          <a:xfrm flipH="1">
+            <a:off x="10188680" y="5289559"/>
+            <a:ext cx="378065" cy="298749"/>
+          </a:xfrm>
+          <a:prstGeom prst="rect">
+            <a:avLst/>
+          </a:prstGeom>
+          <a:ln w="19050">
+            <a:solidFill>
+              <a:srgbClr val="FF0000"/>
+            </a:solidFill>
+          </a:ln>
+        </p:spPr>
+      </p:pic>
+      <p:pic>
+        <p:nvPicPr>
+          <p:cNvPr id="7" name="Picture 6">
+            <a:extLst>
+              <a:ext uri="{FF2B5EF4-FFF2-40B4-BE49-F238E27FC236}">
+                <a16:creationId xmlns:a16="http://schemas.microsoft.com/office/drawing/2014/main" id="{D6FBC0E6-DE34-AF3A-8CAF-5FA0A07B965B}"/>
+              </a:ext>
+            </a:extLst>
+          </p:cNvPr>
+          <p:cNvPicPr>
+            <a:picLocks noChangeAspect="1"/>
+          </p:cNvPicPr>
+          <p:nvPr/>
+        </p:nvPicPr>
+        <p:blipFill>
+          <a:blip r:embed="rId9"/>
+          <a:stretch>
+            <a:fillRect/>
+          </a:stretch>
+        </p:blipFill>
+        <p:spPr>
+          <a:xfrm>
+            <a:off x="10177775" y="5700925"/>
+            <a:ext cx="399876" cy="261610"/>
+          </a:xfrm>
+          <a:prstGeom prst="rect">
+            <a:avLst/>
+          </a:prstGeom>
+          <a:ln w="19050">
+            <a:solidFill>
+              <a:srgbClr val="FF0000"/>
+            </a:solidFill>
+          </a:ln>
+        </p:spPr>
+      </p:pic>
+      <p:pic>
+        <p:nvPicPr>
+          <p:cNvPr id="8" name="Picture 7">
+            <a:extLst>
+              <a:ext uri="{FF2B5EF4-FFF2-40B4-BE49-F238E27FC236}">
+                <a16:creationId xmlns:a16="http://schemas.microsoft.com/office/drawing/2014/main" id="{A51BA1E8-6559-365E-14B2-47750CB065D8}"/>
+              </a:ext>
+            </a:extLst>
+          </p:cNvPr>
+          <p:cNvPicPr>
+            <a:picLocks noChangeAspect="1"/>
+          </p:cNvPicPr>
+          <p:nvPr/>
+        </p:nvPicPr>
+        <p:blipFill>
+          <a:blip r:embed="rId10"/>
+          <a:stretch>
+            <a:fillRect/>
+          </a:stretch>
+        </p:blipFill>
+        <p:spPr>
+          <a:xfrm>
+            <a:off x="10188680" y="4750265"/>
+            <a:ext cx="399875" cy="377957"/>
+          </a:xfrm>
+          <a:prstGeom prst="rect">
+            <a:avLst/>
+          </a:prstGeom>
+          <a:ln w="19050">
+            <a:solidFill>
+              <a:srgbClr val="FF0000"/>
+            </a:solidFill>
+          </a:ln>
+        </p:spPr>
+      </p:pic>
+      <p:cxnSp>
+        <p:nvCxnSpPr>
+          <p:cNvPr id="30" name="Straight Connector 29">
+            <a:extLst>
+              <a:ext uri="{FF2B5EF4-FFF2-40B4-BE49-F238E27FC236}">
+                <a16:creationId xmlns:a16="http://schemas.microsoft.com/office/drawing/2014/main" id="{20142706-3659-D8D8-24BA-EDF19BF4DFB6}"/>
+              </a:ext>
+            </a:extLst>
+          </p:cNvPr>
+          <p:cNvCxnSpPr>
+            <a:cxnSpLocks/>
+            <a:stCxn id="23" idx="3"/>
+            <a:endCxn id="8" idx="1"/>
+          </p:cNvCxnSpPr>
+          <p:nvPr/>
+        </p:nvCxnSpPr>
+        <p:spPr>
+          <a:xfrm flipV="1">
+            <a:off x="9813000" y="4939244"/>
+            <a:ext cx="375680" cy="644523"/>
+          </a:xfrm>
+          <a:prstGeom prst="line">
+            <a:avLst/>
+          </a:prstGeom>
+          <a:ln>
+            <a:solidFill>
+              <a:srgbClr val="C00000"/>
+            </a:solidFill>
+            <a:prstDash val="sysDash"/>
+          </a:ln>
+        </p:spPr>
+        <p:style>
+          <a:lnRef idx="2">
+            <a:schemeClr val="accent1"/>
+          </a:lnRef>
+          <a:fillRef idx="0">
+            <a:schemeClr val="accent1"/>
+          </a:fillRef>
+          <a:effectRef idx="1">
+            <a:schemeClr val="accent1"/>
+          </a:effectRef>
+          <a:fontRef idx="minor">
+            <a:schemeClr val="tx1"/>
+          </a:fontRef>
+        </p:style>
+      </p:cxnSp>
+      <p:cxnSp>
+        <p:nvCxnSpPr>
+          <p:cNvPr id="31" name="Straight Connector 30">
+            <a:extLst>
+              <a:ext uri="{FF2B5EF4-FFF2-40B4-BE49-F238E27FC236}">
+                <a16:creationId xmlns:a16="http://schemas.microsoft.com/office/drawing/2014/main" id="{A215B306-BF9E-015E-81BD-DBE94C330772}"/>
+              </a:ext>
+            </a:extLst>
+          </p:cNvPr>
+          <p:cNvCxnSpPr>
+            <a:cxnSpLocks/>
+            <a:stCxn id="23" idx="3"/>
+            <a:endCxn id="6" idx="3"/>
+          </p:cNvCxnSpPr>
+          <p:nvPr/>
+        </p:nvCxnSpPr>
+        <p:spPr>
+          <a:xfrm flipV="1">
+            <a:off x="9813000" y="5438934"/>
+            <a:ext cx="375680" cy="144833"/>
+          </a:xfrm>
+          <a:prstGeom prst="line">
+            <a:avLst/>
+          </a:prstGeom>
+          <a:ln>
+            <a:solidFill>
+              <a:srgbClr val="C00000"/>
+            </a:solidFill>
+            <a:prstDash val="sysDash"/>
+          </a:ln>
+        </p:spPr>
+        <p:style>
+          <a:lnRef idx="2">
+            <a:schemeClr val="accent1"/>
+          </a:lnRef>
+          <a:fillRef idx="0">
+            <a:schemeClr val="accent1"/>
+          </a:fillRef>
+          <a:effectRef idx="1">
+            <a:schemeClr val="accent1"/>
+          </a:effectRef>
+          <a:fontRef idx="minor">
+            <a:schemeClr val="tx1"/>
+          </a:fontRef>
+        </p:style>
+      </p:cxnSp>
+      <p:cxnSp>
+        <p:nvCxnSpPr>
+          <p:cNvPr id="37" name="Straight Connector 36">
+            <a:extLst>
+              <a:ext uri="{FF2B5EF4-FFF2-40B4-BE49-F238E27FC236}">
+                <a16:creationId xmlns:a16="http://schemas.microsoft.com/office/drawing/2014/main" id="{B2566686-DF08-E905-B4F4-5CA9758339B8}"/>
+              </a:ext>
+            </a:extLst>
+          </p:cNvPr>
+          <p:cNvCxnSpPr>
+            <a:cxnSpLocks/>
+            <a:stCxn id="23" idx="3"/>
+            <a:endCxn id="7" idx="1"/>
+          </p:cNvCxnSpPr>
+          <p:nvPr/>
+        </p:nvCxnSpPr>
+        <p:spPr>
+          <a:xfrm>
+            <a:off x="9813000" y="5583767"/>
+            <a:ext cx="364775" cy="247963"/>
+          </a:xfrm>
+          <a:prstGeom prst="line">
+            <a:avLst/>
+          </a:prstGeom>
+          <a:ln>
+            <a:solidFill>
+              <a:srgbClr val="C00000"/>
+            </a:solidFill>
+            <a:prstDash val="sysDash"/>
+          </a:ln>
+        </p:spPr>
+        <p:style>
+          <a:lnRef idx="2">
+            <a:schemeClr val="accent1"/>
+          </a:lnRef>
+          <a:fillRef idx="0">
+            <a:schemeClr val="accent1"/>
+          </a:fillRef>
+          <a:effectRef idx="1">
+            <a:schemeClr val="accent1"/>
+          </a:effectRef>
+          <a:fontRef idx="minor">
+            <a:schemeClr val="tx1"/>
+          </a:fontRef>
+        </p:style>
+      </p:cxnSp>
+      <p:cxnSp>
+        <p:nvCxnSpPr>
+          <p:cNvPr id="40" name="Straight Connector 39">
+            <a:extLst>
+              <a:ext uri="{FF2B5EF4-FFF2-40B4-BE49-F238E27FC236}">
+                <a16:creationId xmlns:a16="http://schemas.microsoft.com/office/drawing/2014/main" id="{1395996C-FB4F-0039-D044-0E92FD7C699C}"/>
+              </a:ext>
+            </a:extLst>
+          </p:cNvPr>
+          <p:cNvCxnSpPr>
+            <a:cxnSpLocks/>
+            <a:stCxn id="25" idx="3"/>
+            <a:endCxn id="4" idx="1"/>
+          </p:cNvCxnSpPr>
+          <p:nvPr/>
+        </p:nvCxnSpPr>
+        <p:spPr>
+          <a:xfrm flipV="1">
+            <a:off x="9813000" y="4340080"/>
+            <a:ext cx="364777" cy="51480"/>
+          </a:xfrm>
+          <a:prstGeom prst="line">
+            <a:avLst/>
+          </a:prstGeom>
+          <a:ln>
+            <a:prstDash val="sysDash"/>
+          </a:ln>
+        </p:spPr>
+        <p:style>
+          <a:lnRef idx="2">
+            <a:schemeClr val="accent1"/>
+          </a:lnRef>
+          <a:fillRef idx="0">
+            <a:schemeClr val="accent1"/>
+          </a:fillRef>
+          <a:effectRef idx="1">
+            <a:schemeClr val="accent1"/>
+          </a:effectRef>
+          <a:fontRef idx="minor">
+            <a:schemeClr val="tx1"/>
+          </a:fontRef>
+        </p:style>
+      </p:cxnSp>
+      <p:cxnSp>
+        <p:nvCxnSpPr>
+          <p:cNvPr id="43" name="Straight Connector 42">
+            <a:extLst>
+              <a:ext uri="{FF2B5EF4-FFF2-40B4-BE49-F238E27FC236}">
+                <a16:creationId xmlns:a16="http://schemas.microsoft.com/office/drawing/2014/main" id="{D72112BA-7471-1380-1748-95F41307B6C7}"/>
+              </a:ext>
+            </a:extLst>
+          </p:cNvPr>
+          <p:cNvCxnSpPr>
+            <a:cxnSpLocks/>
+            <a:stCxn id="26" idx="3"/>
+            <a:endCxn id="4" idx="1"/>
+          </p:cNvCxnSpPr>
+          <p:nvPr/>
+        </p:nvCxnSpPr>
+        <p:spPr>
+          <a:xfrm flipV="1">
+            <a:off x="9813000" y="4340080"/>
+            <a:ext cx="364777" cy="361944"/>
+          </a:xfrm>
+          <a:prstGeom prst="line">
+            <a:avLst/>
+          </a:prstGeom>
+          <a:ln>
+            <a:prstDash val="sysDash"/>
+          </a:ln>
+        </p:spPr>
+        <p:style>
+          <a:lnRef idx="2">
+            <a:schemeClr val="accent1"/>
+          </a:lnRef>
+          <a:fillRef idx="0">
+            <a:schemeClr val="accent1"/>
+          </a:fillRef>
+          <a:effectRef idx="1">
+            <a:schemeClr val="accent1"/>
+          </a:effectRef>
+          <a:fontRef idx="minor">
+            <a:schemeClr val="tx1"/>
+          </a:fontRef>
+        </p:style>
+      </p:cxnSp>
+      <p:cxnSp>
+        <p:nvCxnSpPr>
+          <p:cNvPr id="46" name="Straight Connector 45">
+            <a:extLst>
+              <a:ext uri="{FF2B5EF4-FFF2-40B4-BE49-F238E27FC236}">
+                <a16:creationId xmlns:a16="http://schemas.microsoft.com/office/drawing/2014/main" id="{264593A3-B0C1-D01F-1E40-A6B919DFA84D}"/>
+              </a:ext>
+            </a:extLst>
+          </p:cNvPr>
+          <p:cNvCxnSpPr>
+            <a:cxnSpLocks/>
+            <a:stCxn id="27" idx="3"/>
+            <a:endCxn id="4" idx="1"/>
+          </p:cNvCxnSpPr>
+          <p:nvPr/>
+        </p:nvCxnSpPr>
+        <p:spPr>
+          <a:xfrm flipV="1">
+            <a:off x="9813000" y="4340080"/>
+            <a:ext cx="364777" cy="695668"/>
+          </a:xfrm>
+          <a:prstGeom prst="line">
+            <a:avLst/>
+          </a:prstGeom>
+          <a:ln>
+            <a:prstDash val="sysDash"/>
+          </a:ln>
+        </p:spPr>
+        <p:style>
+          <a:lnRef idx="2">
+            <a:schemeClr val="accent1"/>
+          </a:lnRef>
+          <a:fillRef idx="0">
+            <a:schemeClr val="accent1"/>
+          </a:fillRef>
+          <a:effectRef idx="1">
+            <a:schemeClr val="accent1"/>
+          </a:effectRef>
+          <a:fontRef idx="minor">
+            <a:schemeClr val="tx1"/>
+          </a:fontRef>
+        </p:style>
+      </p:cxnSp>
     </p:spTree>
     <p:extLst>
       <p:ext uri="{BB962C8B-B14F-4D97-AF65-F5344CB8AC3E}">
@@ -18247,6 +18746,5929 @@
 </file>
 
 <file path=ppt/slides/slide7.xml><?xml version="1.0" encoding="utf-8"?>
+<p:sld xmlns:a="http://schemas.openxmlformats.org/drawingml/2006/main" xmlns:r="http://schemas.openxmlformats.org/officeDocument/2006/relationships" xmlns:p="http://schemas.openxmlformats.org/presentationml/2006/main">
+  <p:cSld>
+    <p:spTree>
+      <p:nvGrpSpPr>
+        <p:cNvPr id="1" name=""/>
+        <p:cNvGrpSpPr/>
+        <p:nvPr/>
+      </p:nvGrpSpPr>
+      <p:grpSpPr>
+        <a:xfrm>
+          <a:off x="0" y="0"/>
+          <a:ext cx="0" cy="0"/>
+          <a:chOff x="0" y="0"/>
+          <a:chExt cx="0" cy="0"/>
+        </a:xfrm>
+      </p:grpSpPr>
+      <p:sp>
+        <p:nvSpPr>
+          <p:cNvPr id="151" name="Rectangle 150">
+            <a:extLst>
+              <a:ext uri="{FF2B5EF4-FFF2-40B4-BE49-F238E27FC236}">
+                <a16:creationId xmlns:a16="http://schemas.microsoft.com/office/drawing/2014/main" id="{AE64E0C0-8723-DAF4-2334-E2FC7AE79706}"/>
+              </a:ext>
+            </a:extLst>
+          </p:cNvPr>
+          <p:cNvSpPr/>
+          <p:nvPr/>
+        </p:nvSpPr>
+        <p:spPr>
+          <a:xfrm>
+            <a:off x="8876594" y="2997535"/>
+            <a:ext cx="249052" cy="2950562"/>
+          </a:xfrm>
+          <a:prstGeom prst="rect">
+            <a:avLst/>
+          </a:prstGeom>
+          <a:solidFill>
+            <a:schemeClr val="bg2"/>
+          </a:solidFill>
+          <a:ln w="12700">
+            <a:prstDash val="sysDash"/>
+          </a:ln>
+        </p:spPr>
+        <p:style>
+          <a:lnRef idx="2">
+            <a:schemeClr val="accent1">
+              <a:shade val="15000"/>
+            </a:schemeClr>
+          </a:lnRef>
+          <a:fillRef idx="1">
+            <a:schemeClr val="accent1"/>
+          </a:fillRef>
+          <a:effectRef idx="0">
+            <a:schemeClr val="accent1"/>
+          </a:effectRef>
+          <a:fontRef idx="minor">
+            <a:schemeClr val="lt1"/>
+          </a:fontRef>
+        </p:style>
+        <p:txBody>
+          <a:bodyPr rtlCol="0" anchor="ctr"/>
+          <a:lstStyle/>
+          <a:p>
+            <a:pPr algn="ctr"/>
+            <a:endParaRPr lang="en-SG" dirty="0"/>
+          </a:p>
+        </p:txBody>
+      </p:sp>
+      <p:sp>
+        <p:nvSpPr>
+          <p:cNvPr id="4" name="Rectangle 3">
+            <a:extLst>
+              <a:ext uri="{FF2B5EF4-FFF2-40B4-BE49-F238E27FC236}">
+                <a16:creationId xmlns:a16="http://schemas.microsoft.com/office/drawing/2014/main" id="{5C07F663-1B07-BEBD-E60A-381936644959}"/>
+              </a:ext>
+            </a:extLst>
+          </p:cNvPr>
+          <p:cNvSpPr/>
+          <p:nvPr/>
+        </p:nvSpPr>
+        <p:spPr>
+          <a:xfrm>
+            <a:off x="686005" y="977710"/>
+            <a:ext cx="2751121" cy="858673"/>
+          </a:xfrm>
+          <a:prstGeom prst="rect">
+            <a:avLst/>
+          </a:prstGeom>
+          <a:solidFill>
+            <a:schemeClr val="accent2">
+              <a:lumMod val="20000"/>
+              <a:lumOff val="80000"/>
+            </a:schemeClr>
+          </a:solidFill>
+          <a:ln>
+            <a:solidFill>
+              <a:srgbClr val="C00000"/>
+            </a:solidFill>
+          </a:ln>
+        </p:spPr>
+        <p:style>
+          <a:lnRef idx="2">
+            <a:schemeClr val="accent1">
+              <a:shade val="15000"/>
+            </a:schemeClr>
+          </a:lnRef>
+          <a:fillRef idx="1">
+            <a:schemeClr val="accent1"/>
+          </a:fillRef>
+          <a:effectRef idx="0">
+            <a:schemeClr val="accent1"/>
+          </a:effectRef>
+          <a:fontRef idx="minor">
+            <a:schemeClr val="lt1"/>
+          </a:fontRef>
+        </p:style>
+        <p:txBody>
+          <a:bodyPr rtlCol="0" anchor="ctr"/>
+          <a:lstStyle/>
+          <a:p>
+            <a:pPr algn="ctr"/>
+            <a:endParaRPr lang="en-SG" dirty="0"/>
+          </a:p>
+        </p:txBody>
+      </p:sp>
+      <p:sp>
+        <p:nvSpPr>
+          <p:cNvPr id="5" name="Rectangle 4">
+            <a:extLst>
+              <a:ext uri="{FF2B5EF4-FFF2-40B4-BE49-F238E27FC236}">
+                <a16:creationId xmlns:a16="http://schemas.microsoft.com/office/drawing/2014/main" id="{CC17220C-14C1-34D6-0D2A-FEEEA8E32A00}"/>
+              </a:ext>
+            </a:extLst>
+          </p:cNvPr>
+          <p:cNvSpPr/>
+          <p:nvPr/>
+        </p:nvSpPr>
+        <p:spPr>
+          <a:xfrm>
+            <a:off x="552860" y="703475"/>
+            <a:ext cx="3049875" cy="5699937"/>
+          </a:xfrm>
+          <a:prstGeom prst="rect">
+            <a:avLst/>
+          </a:prstGeom>
+          <a:noFill/>
+          <a:ln w="19050">
+            <a:solidFill>
+              <a:srgbClr val="C00000"/>
+            </a:solidFill>
+            <a:prstDash val="sysDash"/>
+          </a:ln>
+        </p:spPr>
+        <p:style>
+          <a:lnRef idx="2">
+            <a:schemeClr val="accent1">
+              <a:shade val="15000"/>
+            </a:schemeClr>
+          </a:lnRef>
+          <a:fillRef idx="1">
+            <a:schemeClr val="accent1"/>
+          </a:fillRef>
+          <a:effectRef idx="0">
+            <a:schemeClr val="accent1"/>
+          </a:effectRef>
+          <a:fontRef idx="minor">
+            <a:schemeClr val="lt1"/>
+          </a:fontRef>
+        </p:style>
+        <p:txBody>
+          <a:bodyPr rtlCol="0" anchor="ctr"/>
+          <a:lstStyle/>
+          <a:p>
+            <a:pPr algn="ctr"/>
+            <a:endParaRPr lang="en-SG" dirty="0">
+              <a:ln>
+                <a:solidFill>
+                  <a:schemeClr val="tx1"/>
+                </a:solidFill>
+                <a:prstDash val="sysDash"/>
+              </a:ln>
+            </a:endParaRPr>
+          </a:p>
+        </p:txBody>
+      </p:sp>
+      <p:sp>
+        <p:nvSpPr>
+          <p:cNvPr id="6" name="TextBox 5">
+            <a:extLst>
+              <a:ext uri="{FF2B5EF4-FFF2-40B4-BE49-F238E27FC236}">
+                <a16:creationId xmlns:a16="http://schemas.microsoft.com/office/drawing/2014/main" id="{782F69FE-91BD-629F-F34A-DFF67858DA93}"/>
+              </a:ext>
+            </a:extLst>
+          </p:cNvPr>
+          <p:cNvSpPr txBox="1"/>
+          <p:nvPr/>
+        </p:nvSpPr>
+        <p:spPr>
+          <a:xfrm>
+            <a:off x="593199" y="700711"/>
+            <a:ext cx="2494844" cy="276999"/>
+          </a:xfrm>
+          <a:prstGeom prst="rect">
+            <a:avLst/>
+          </a:prstGeom>
+          <a:noFill/>
+        </p:spPr>
+        <p:txBody>
+          <a:bodyPr wrap="square" rtlCol="0">
+            <a:spAutoFit/>
+          </a:bodyPr>
+          <a:lstStyle/>
+          <a:p>
+            <a:r>
+              <a:rPr lang="en-SG" sz="1200" b="1" dirty="0"/>
+              <a:t>Credentials Compromise Module  </a:t>
+            </a:r>
+          </a:p>
+        </p:txBody>
+      </p:sp>
+      <p:pic>
+        <p:nvPicPr>
+          <p:cNvPr id="7" name="Picture 6" descr="Hand stealing e-mail icon simple style Royalty Free Vector">
+            <a:extLst>
+              <a:ext uri="{FF2B5EF4-FFF2-40B4-BE49-F238E27FC236}">
+                <a16:creationId xmlns:a16="http://schemas.microsoft.com/office/drawing/2014/main" id="{D38DFDB9-9467-6E08-6D11-78BC97AE34FF}"/>
+              </a:ext>
+            </a:extLst>
+          </p:cNvPr>
+          <p:cNvPicPr>
+            <a:picLocks noChangeAspect="1"/>
+          </p:cNvPicPr>
+          <p:nvPr/>
+        </p:nvPicPr>
+        <p:blipFill rotWithShape="1">
+          <a:blip r:embed="rId2"/>
+          <a:srcRect l="22316" t="18297" r="21295" b="26843"/>
+          <a:stretch/>
+        </p:blipFill>
+        <p:spPr>
+          <a:xfrm>
+            <a:off x="800707" y="1061254"/>
+            <a:ext cx="392204" cy="414586"/>
+          </a:xfrm>
+          <a:prstGeom prst="rect">
+            <a:avLst/>
+          </a:prstGeom>
+          <a:ln w="6350">
+            <a:solidFill>
+              <a:schemeClr val="tx1"/>
+            </a:solidFill>
+          </a:ln>
+        </p:spPr>
+      </p:pic>
+      <p:pic>
+        <p:nvPicPr>
+          <p:cNvPr id="8" name="Picture 7">
+            <a:extLst>
+              <a:ext uri="{FF2B5EF4-FFF2-40B4-BE49-F238E27FC236}">
+                <a16:creationId xmlns:a16="http://schemas.microsoft.com/office/drawing/2014/main" id="{C3323D0C-6029-1CEF-0A79-805DE008DE03}"/>
+              </a:ext>
+            </a:extLst>
+          </p:cNvPr>
+          <p:cNvPicPr>
+            <a:picLocks noChangeAspect="1"/>
+          </p:cNvPicPr>
+          <p:nvPr/>
+        </p:nvPicPr>
+        <p:blipFill>
+          <a:blip r:embed="rId3"/>
+          <a:stretch>
+            <a:fillRect/>
+          </a:stretch>
+        </p:blipFill>
+        <p:spPr>
+          <a:xfrm>
+            <a:off x="1364928" y="1051989"/>
+            <a:ext cx="464622" cy="414586"/>
+          </a:xfrm>
+          <a:prstGeom prst="rect">
+            <a:avLst/>
+          </a:prstGeom>
+          <a:ln w="6350">
+            <a:solidFill>
+              <a:schemeClr val="tx1"/>
+            </a:solidFill>
+          </a:ln>
+        </p:spPr>
+      </p:pic>
+      <p:pic>
+        <p:nvPicPr>
+          <p:cNvPr id="9" name="Picture 8" descr="Brute force attack icon from banned internet Vector Image">
+            <a:extLst>
+              <a:ext uri="{FF2B5EF4-FFF2-40B4-BE49-F238E27FC236}">
+                <a16:creationId xmlns:a16="http://schemas.microsoft.com/office/drawing/2014/main" id="{8CBD0A96-D212-5687-8E45-1174106A0809}"/>
+              </a:ext>
+            </a:extLst>
+          </p:cNvPr>
+          <p:cNvPicPr>
+            <a:picLocks noChangeAspect="1"/>
+          </p:cNvPicPr>
+          <p:nvPr/>
+        </p:nvPicPr>
+        <p:blipFill rotWithShape="1">
+          <a:blip r:embed="rId4"/>
+          <a:srcRect l="23169" t="13032" r="22459" b="34695"/>
+          <a:stretch/>
+        </p:blipFill>
+        <p:spPr>
+          <a:xfrm>
+            <a:off x="1987758" y="1033695"/>
+            <a:ext cx="408619" cy="423733"/>
+          </a:xfrm>
+          <a:prstGeom prst="rect">
+            <a:avLst/>
+          </a:prstGeom>
+          <a:ln w="6350">
+            <a:solidFill>
+              <a:schemeClr val="tx1"/>
+            </a:solidFill>
+          </a:ln>
+        </p:spPr>
+      </p:pic>
+      <p:pic>
+        <p:nvPicPr>
+          <p:cNvPr id="10" name="Picture 9">
+            <a:extLst>
+              <a:ext uri="{FF2B5EF4-FFF2-40B4-BE49-F238E27FC236}">
+                <a16:creationId xmlns:a16="http://schemas.microsoft.com/office/drawing/2014/main" id="{108949AE-DDC7-550D-561E-C25B950FF29B}"/>
+              </a:ext>
+            </a:extLst>
+          </p:cNvPr>
+          <p:cNvPicPr>
+            <a:picLocks noChangeAspect="1"/>
+          </p:cNvPicPr>
+          <p:nvPr/>
+        </p:nvPicPr>
+        <p:blipFill>
+          <a:blip r:embed="rId5"/>
+          <a:stretch>
+            <a:fillRect/>
+          </a:stretch>
+        </p:blipFill>
+        <p:spPr>
+          <a:xfrm>
+            <a:off x="2599723" y="1028480"/>
+            <a:ext cx="411309" cy="438095"/>
+          </a:xfrm>
+          <a:prstGeom prst="rect">
+            <a:avLst/>
+          </a:prstGeom>
+          <a:ln w="3175">
+            <a:solidFill>
+              <a:schemeClr val="tx1"/>
+            </a:solidFill>
+          </a:ln>
+        </p:spPr>
+      </p:pic>
+      <p:sp>
+        <p:nvSpPr>
+          <p:cNvPr id="11" name="TextBox 10">
+            <a:extLst>
+              <a:ext uri="{FF2B5EF4-FFF2-40B4-BE49-F238E27FC236}">
+                <a16:creationId xmlns:a16="http://schemas.microsoft.com/office/drawing/2014/main" id="{35846379-A975-72DB-AD9A-C702968865F1}"/>
+              </a:ext>
+            </a:extLst>
+          </p:cNvPr>
+          <p:cNvSpPr txBox="1"/>
+          <p:nvPr/>
+        </p:nvSpPr>
+        <p:spPr>
+          <a:xfrm>
+            <a:off x="666956" y="1436273"/>
+            <a:ext cx="716455" cy="400110"/>
+          </a:xfrm>
+          <a:prstGeom prst="rect">
+            <a:avLst/>
+          </a:prstGeom>
+          <a:noFill/>
+        </p:spPr>
+        <p:txBody>
+          <a:bodyPr wrap="square" rtlCol="0">
+            <a:spAutoFit/>
+          </a:bodyPr>
+          <a:lstStyle/>
+          <a:p>
+            <a:r>
+              <a:rPr lang="en-SG" sz="1000" b="1" dirty="0">
+                <a:solidFill>
+                  <a:srgbClr val="C00000"/>
+                </a:solidFill>
+              </a:rPr>
+              <a:t>File/data stolen</a:t>
+            </a:r>
+          </a:p>
+        </p:txBody>
+      </p:sp>
+      <p:sp>
+        <p:nvSpPr>
+          <p:cNvPr id="12" name="TextBox 11">
+            <a:extLst>
+              <a:ext uri="{FF2B5EF4-FFF2-40B4-BE49-F238E27FC236}">
+                <a16:creationId xmlns:a16="http://schemas.microsoft.com/office/drawing/2014/main" id="{10DEAD00-03EC-1307-0494-17A26406E5FA}"/>
+              </a:ext>
+            </a:extLst>
+          </p:cNvPr>
+          <p:cNvSpPr txBox="1"/>
+          <p:nvPr/>
+        </p:nvSpPr>
+        <p:spPr>
+          <a:xfrm>
+            <a:off x="1290638" y="1436273"/>
+            <a:ext cx="611680" cy="400110"/>
+          </a:xfrm>
+          <a:prstGeom prst="rect">
+            <a:avLst/>
+          </a:prstGeom>
+          <a:noFill/>
+        </p:spPr>
+        <p:txBody>
+          <a:bodyPr wrap="square" rtlCol="0">
+            <a:spAutoFit/>
+          </a:bodyPr>
+          <a:lstStyle/>
+          <a:p>
+            <a:r>
+              <a:rPr lang="en-SG" sz="1000" b="1" dirty="0">
+                <a:solidFill>
+                  <a:srgbClr val="C00000"/>
+                </a:solidFill>
+              </a:rPr>
+              <a:t>History scan</a:t>
+            </a:r>
+          </a:p>
+        </p:txBody>
+      </p:sp>
+      <p:sp>
+        <p:nvSpPr>
+          <p:cNvPr id="13" name="TextBox 12">
+            <a:extLst>
+              <a:ext uri="{FF2B5EF4-FFF2-40B4-BE49-F238E27FC236}">
+                <a16:creationId xmlns:a16="http://schemas.microsoft.com/office/drawing/2014/main" id="{7302BE2B-3BC0-C3DD-F306-DC04571606CA}"/>
+              </a:ext>
+            </a:extLst>
+          </p:cNvPr>
+          <p:cNvSpPr txBox="1"/>
+          <p:nvPr/>
+        </p:nvSpPr>
+        <p:spPr>
+          <a:xfrm>
+            <a:off x="1829550" y="1436273"/>
+            <a:ext cx="759523" cy="400110"/>
+          </a:xfrm>
+          <a:prstGeom prst="rect">
+            <a:avLst/>
+          </a:prstGeom>
+          <a:noFill/>
+        </p:spPr>
+        <p:txBody>
+          <a:bodyPr wrap="square" rtlCol="0">
+            <a:spAutoFit/>
+          </a:bodyPr>
+          <a:lstStyle/>
+          <a:p>
+            <a:r>
+              <a:rPr lang="en-SG" sz="1000" b="1" dirty="0">
+                <a:solidFill>
+                  <a:srgbClr val="C00000"/>
+                </a:solidFill>
+              </a:rPr>
+              <a:t>Password crack</a:t>
+            </a:r>
+          </a:p>
+        </p:txBody>
+      </p:sp>
+      <p:sp>
+        <p:nvSpPr>
+          <p:cNvPr id="14" name="TextBox 13">
+            <a:extLst>
+              <a:ext uri="{FF2B5EF4-FFF2-40B4-BE49-F238E27FC236}">
+                <a16:creationId xmlns:a16="http://schemas.microsoft.com/office/drawing/2014/main" id="{95B021CD-0590-F39E-BDE6-4F7AFA32F8BB}"/>
+              </a:ext>
+            </a:extLst>
+          </p:cNvPr>
+          <p:cNvSpPr txBox="1"/>
+          <p:nvPr/>
+        </p:nvSpPr>
+        <p:spPr>
+          <a:xfrm>
+            <a:off x="2536261" y="1449045"/>
+            <a:ext cx="759523" cy="400110"/>
+          </a:xfrm>
+          <a:prstGeom prst="rect">
+            <a:avLst/>
+          </a:prstGeom>
+          <a:noFill/>
+        </p:spPr>
+        <p:txBody>
+          <a:bodyPr wrap="square" rtlCol="0">
+            <a:spAutoFit/>
+          </a:bodyPr>
+          <a:lstStyle/>
+          <a:p>
+            <a:r>
+              <a:rPr lang="en-SG" sz="1000" b="1" dirty="0">
+                <a:solidFill>
+                  <a:srgbClr val="C00000"/>
+                </a:solidFill>
+              </a:rPr>
+              <a:t>Cookie hijacking</a:t>
+            </a:r>
+          </a:p>
+        </p:txBody>
+      </p:sp>
+      <p:sp>
+        <p:nvSpPr>
+          <p:cNvPr id="15" name="TextBox 14">
+            <a:extLst>
+              <a:ext uri="{FF2B5EF4-FFF2-40B4-BE49-F238E27FC236}">
+                <a16:creationId xmlns:a16="http://schemas.microsoft.com/office/drawing/2014/main" id="{544999DE-B013-4E64-D5D3-38F6F25CCA82}"/>
+              </a:ext>
+            </a:extLst>
+          </p:cNvPr>
+          <p:cNvSpPr txBox="1"/>
+          <p:nvPr/>
+        </p:nvSpPr>
+        <p:spPr>
+          <a:xfrm>
+            <a:off x="2984720" y="1096871"/>
+            <a:ext cx="377190" cy="461665"/>
+          </a:xfrm>
+          <a:prstGeom prst="rect">
+            <a:avLst/>
+          </a:prstGeom>
+          <a:noFill/>
+        </p:spPr>
+        <p:txBody>
+          <a:bodyPr wrap="square" rtlCol="0">
+            <a:spAutoFit/>
+          </a:bodyPr>
+          <a:lstStyle/>
+          <a:p>
+            <a:r>
+              <a:rPr lang="en-US" sz="2400" b="1" dirty="0">
+                <a:solidFill>
+                  <a:srgbClr val="C00000"/>
+                </a:solidFill>
+              </a:rPr>
+              <a:t>…</a:t>
+            </a:r>
+            <a:endParaRPr lang="en-SG" sz="2400" b="1" dirty="0">
+              <a:solidFill>
+                <a:srgbClr val="C00000"/>
+              </a:solidFill>
+            </a:endParaRPr>
+          </a:p>
+        </p:txBody>
+      </p:sp>
+      <p:sp>
+        <p:nvSpPr>
+          <p:cNvPr id="16" name="TextBox 15">
+            <a:extLst>
+              <a:ext uri="{FF2B5EF4-FFF2-40B4-BE49-F238E27FC236}">
+                <a16:creationId xmlns:a16="http://schemas.microsoft.com/office/drawing/2014/main" id="{B9CD7296-C358-C313-FDAB-51E369529240}"/>
+              </a:ext>
+            </a:extLst>
+          </p:cNvPr>
+          <p:cNvSpPr txBox="1"/>
+          <p:nvPr/>
+        </p:nvSpPr>
+        <p:spPr>
+          <a:xfrm>
+            <a:off x="654896" y="1833430"/>
+            <a:ext cx="2494844" cy="276999"/>
+          </a:xfrm>
+          <a:prstGeom prst="rect">
+            <a:avLst/>
+          </a:prstGeom>
+          <a:noFill/>
+        </p:spPr>
+        <p:txBody>
+          <a:bodyPr wrap="square" rtlCol="0">
+            <a:spAutoFit/>
+          </a:bodyPr>
+          <a:lstStyle/>
+          <a:p>
+            <a:r>
+              <a:rPr lang="en-SG" sz="1200" b="1" dirty="0"/>
+              <a:t>Phishing and Scam Module</a:t>
+            </a:r>
+          </a:p>
+        </p:txBody>
+      </p:sp>
+      <p:sp>
+        <p:nvSpPr>
+          <p:cNvPr id="17" name="Rectangle 16">
+            <a:extLst>
+              <a:ext uri="{FF2B5EF4-FFF2-40B4-BE49-F238E27FC236}">
+                <a16:creationId xmlns:a16="http://schemas.microsoft.com/office/drawing/2014/main" id="{4B0FDDB8-FBAF-EC4E-7E94-1FC2972544C9}"/>
+              </a:ext>
+            </a:extLst>
+          </p:cNvPr>
+          <p:cNvSpPr/>
+          <p:nvPr/>
+        </p:nvSpPr>
+        <p:spPr>
+          <a:xfrm>
+            <a:off x="696755" y="2120218"/>
+            <a:ext cx="2751122" cy="795780"/>
+          </a:xfrm>
+          <a:prstGeom prst="rect">
+            <a:avLst/>
+          </a:prstGeom>
+          <a:solidFill>
+            <a:schemeClr val="accent2">
+              <a:lumMod val="20000"/>
+              <a:lumOff val="80000"/>
+            </a:schemeClr>
+          </a:solidFill>
+          <a:ln>
+            <a:solidFill>
+              <a:srgbClr val="C00000"/>
+            </a:solidFill>
+          </a:ln>
+        </p:spPr>
+        <p:style>
+          <a:lnRef idx="2">
+            <a:schemeClr val="accent1">
+              <a:shade val="15000"/>
+            </a:schemeClr>
+          </a:lnRef>
+          <a:fillRef idx="1">
+            <a:schemeClr val="accent1"/>
+          </a:fillRef>
+          <a:effectRef idx="0">
+            <a:schemeClr val="accent1"/>
+          </a:effectRef>
+          <a:fontRef idx="minor">
+            <a:schemeClr val="lt1"/>
+          </a:fontRef>
+        </p:style>
+        <p:txBody>
+          <a:bodyPr rtlCol="0" anchor="ctr"/>
+          <a:lstStyle/>
+          <a:p>
+            <a:pPr algn="ctr"/>
+            <a:endParaRPr lang="en-SG" dirty="0"/>
+          </a:p>
+        </p:txBody>
+      </p:sp>
+      <p:pic>
+        <p:nvPicPr>
+          <p:cNvPr id="18" name="Picture 17">
+            <a:extLst>
+              <a:ext uri="{FF2B5EF4-FFF2-40B4-BE49-F238E27FC236}">
+                <a16:creationId xmlns:a16="http://schemas.microsoft.com/office/drawing/2014/main" id="{5EBC4033-952E-EF67-D512-D5B4111E087A}"/>
+              </a:ext>
+            </a:extLst>
+          </p:cNvPr>
+          <p:cNvPicPr>
+            <a:picLocks noChangeAspect="1"/>
+          </p:cNvPicPr>
+          <p:nvPr/>
+        </p:nvPicPr>
+        <p:blipFill>
+          <a:blip r:embed="rId6"/>
+          <a:stretch>
+            <a:fillRect/>
+          </a:stretch>
+        </p:blipFill>
+        <p:spPr>
+          <a:xfrm>
+            <a:off x="810472" y="2198473"/>
+            <a:ext cx="328485" cy="351080"/>
+          </a:xfrm>
+          <a:prstGeom prst="rect">
+            <a:avLst/>
+          </a:prstGeom>
+          <a:ln w="6350">
+            <a:solidFill>
+              <a:schemeClr val="tx1"/>
+            </a:solidFill>
+          </a:ln>
+        </p:spPr>
+      </p:pic>
+      <p:sp>
+        <p:nvSpPr>
+          <p:cNvPr id="19" name="TextBox 18">
+            <a:extLst>
+              <a:ext uri="{FF2B5EF4-FFF2-40B4-BE49-F238E27FC236}">
+                <a16:creationId xmlns:a16="http://schemas.microsoft.com/office/drawing/2014/main" id="{A8C20614-E0F8-4C5A-834E-A9A441D70E15}"/>
+              </a:ext>
+            </a:extLst>
+          </p:cNvPr>
+          <p:cNvSpPr txBox="1"/>
+          <p:nvPr/>
+        </p:nvSpPr>
+        <p:spPr>
+          <a:xfrm>
+            <a:off x="699089" y="2515887"/>
+            <a:ext cx="694087" cy="400110"/>
+          </a:xfrm>
+          <a:prstGeom prst="rect">
+            <a:avLst/>
+          </a:prstGeom>
+          <a:noFill/>
+        </p:spPr>
+        <p:txBody>
+          <a:bodyPr wrap="square" rtlCol="0">
+            <a:spAutoFit/>
+          </a:bodyPr>
+          <a:lstStyle/>
+          <a:p>
+            <a:r>
+              <a:rPr lang="en-SG" sz="1000" b="1" dirty="0">
+                <a:solidFill>
+                  <a:srgbClr val="C00000"/>
+                </a:solidFill>
+              </a:rPr>
+              <a:t>Phishing email</a:t>
+            </a:r>
+          </a:p>
+        </p:txBody>
+      </p:sp>
+      <p:pic>
+        <p:nvPicPr>
+          <p:cNvPr id="20" name="Picture 19">
+            <a:extLst>
+              <a:ext uri="{FF2B5EF4-FFF2-40B4-BE49-F238E27FC236}">
+                <a16:creationId xmlns:a16="http://schemas.microsoft.com/office/drawing/2014/main" id="{47E1E516-4338-1A30-2DD6-870BCB50C472}"/>
+              </a:ext>
+            </a:extLst>
+          </p:cNvPr>
+          <p:cNvPicPr>
+            <a:picLocks noChangeAspect="1"/>
+          </p:cNvPicPr>
+          <p:nvPr/>
+        </p:nvPicPr>
+        <p:blipFill>
+          <a:blip r:embed="rId7"/>
+          <a:stretch>
+            <a:fillRect/>
+          </a:stretch>
+        </p:blipFill>
+        <p:spPr>
+          <a:xfrm>
+            <a:off x="1393176" y="2178087"/>
+            <a:ext cx="386944" cy="371466"/>
+          </a:xfrm>
+          <a:prstGeom prst="rect">
+            <a:avLst/>
+          </a:prstGeom>
+          <a:ln w="6350">
+            <a:solidFill>
+              <a:schemeClr val="tx1"/>
+            </a:solidFill>
+          </a:ln>
+        </p:spPr>
+      </p:pic>
+      <p:sp>
+        <p:nvSpPr>
+          <p:cNvPr id="21" name="TextBox 20">
+            <a:extLst>
+              <a:ext uri="{FF2B5EF4-FFF2-40B4-BE49-F238E27FC236}">
+                <a16:creationId xmlns:a16="http://schemas.microsoft.com/office/drawing/2014/main" id="{E8384E44-3C46-F7DA-2427-48A5B8931B52}"/>
+              </a:ext>
+            </a:extLst>
+          </p:cNvPr>
+          <p:cNvSpPr txBox="1"/>
+          <p:nvPr/>
+        </p:nvSpPr>
+        <p:spPr>
+          <a:xfrm>
+            <a:off x="1272868" y="2521469"/>
+            <a:ext cx="759523" cy="400110"/>
+          </a:xfrm>
+          <a:prstGeom prst="rect">
+            <a:avLst/>
+          </a:prstGeom>
+          <a:noFill/>
+        </p:spPr>
+        <p:txBody>
+          <a:bodyPr wrap="square" rtlCol="0">
+            <a:spAutoFit/>
+          </a:bodyPr>
+          <a:lstStyle/>
+          <a:p>
+            <a:r>
+              <a:rPr lang="en-SG" sz="1000" b="1" dirty="0">
+                <a:solidFill>
+                  <a:srgbClr val="C00000"/>
+                </a:solidFill>
+              </a:rPr>
+              <a:t>Scam TG message </a:t>
+            </a:r>
+          </a:p>
+        </p:txBody>
+      </p:sp>
+      <p:pic>
+        <p:nvPicPr>
+          <p:cNvPr id="22" name="Picture 21">
+            <a:extLst>
+              <a:ext uri="{FF2B5EF4-FFF2-40B4-BE49-F238E27FC236}">
+                <a16:creationId xmlns:a16="http://schemas.microsoft.com/office/drawing/2014/main" id="{931922FA-B872-97A5-BBF3-1803567A452B}"/>
+              </a:ext>
+            </a:extLst>
+          </p:cNvPr>
+          <p:cNvPicPr>
+            <a:picLocks noChangeAspect="1"/>
+          </p:cNvPicPr>
+          <p:nvPr/>
+        </p:nvPicPr>
+        <p:blipFill>
+          <a:blip r:embed="rId8"/>
+          <a:stretch>
+            <a:fillRect/>
+          </a:stretch>
+        </p:blipFill>
+        <p:spPr>
+          <a:xfrm>
+            <a:off x="2550023" y="2168831"/>
+            <a:ext cx="444150" cy="399735"/>
+          </a:xfrm>
+          <a:prstGeom prst="rect">
+            <a:avLst/>
+          </a:prstGeom>
+          <a:ln w="6350">
+            <a:solidFill>
+              <a:schemeClr val="tx1"/>
+            </a:solidFill>
+          </a:ln>
+        </p:spPr>
+      </p:pic>
+      <p:sp>
+        <p:nvSpPr>
+          <p:cNvPr id="23" name="TextBox 22">
+            <a:extLst>
+              <a:ext uri="{FF2B5EF4-FFF2-40B4-BE49-F238E27FC236}">
+                <a16:creationId xmlns:a16="http://schemas.microsoft.com/office/drawing/2014/main" id="{76FBE8E1-2718-EB01-8E79-9FECDE6771A9}"/>
+              </a:ext>
+            </a:extLst>
+          </p:cNvPr>
+          <p:cNvSpPr txBox="1"/>
+          <p:nvPr/>
+        </p:nvSpPr>
+        <p:spPr>
+          <a:xfrm>
+            <a:off x="2428202" y="2539935"/>
+            <a:ext cx="1073730" cy="400110"/>
+          </a:xfrm>
+          <a:prstGeom prst="rect">
+            <a:avLst/>
+          </a:prstGeom>
+          <a:noFill/>
+        </p:spPr>
+        <p:txBody>
+          <a:bodyPr wrap="square" rtlCol="0">
+            <a:spAutoFit/>
+          </a:bodyPr>
+          <a:lstStyle/>
+          <a:p>
+            <a:r>
+              <a:rPr lang="en-SG" sz="1000" b="1" dirty="0">
+                <a:solidFill>
+                  <a:srgbClr val="C00000"/>
+                </a:solidFill>
+              </a:rPr>
+              <a:t>Scam popup advertisement</a:t>
+            </a:r>
+          </a:p>
+        </p:txBody>
+      </p:sp>
+      <p:sp>
+        <p:nvSpPr>
+          <p:cNvPr id="24" name="TextBox 23">
+            <a:extLst>
+              <a:ext uri="{FF2B5EF4-FFF2-40B4-BE49-F238E27FC236}">
+                <a16:creationId xmlns:a16="http://schemas.microsoft.com/office/drawing/2014/main" id="{A6426009-C779-0094-46B7-E07D30D3DE2C}"/>
+              </a:ext>
+            </a:extLst>
+          </p:cNvPr>
+          <p:cNvSpPr txBox="1"/>
+          <p:nvPr/>
+        </p:nvSpPr>
+        <p:spPr>
+          <a:xfrm>
+            <a:off x="1906848" y="2541094"/>
+            <a:ext cx="759523" cy="246221"/>
+          </a:xfrm>
+          <a:prstGeom prst="rect">
+            <a:avLst/>
+          </a:prstGeom>
+          <a:noFill/>
+        </p:spPr>
+        <p:txBody>
+          <a:bodyPr wrap="square" rtlCol="0">
+            <a:spAutoFit/>
+          </a:bodyPr>
+          <a:lstStyle/>
+          <a:p>
+            <a:r>
+              <a:rPr lang="en-SG" sz="1000" b="1" dirty="0">
+                <a:solidFill>
+                  <a:srgbClr val="C00000"/>
+                </a:solidFill>
+              </a:rPr>
+              <a:t>Trojan</a:t>
+            </a:r>
+          </a:p>
+        </p:txBody>
+      </p:sp>
+      <p:sp>
+        <p:nvSpPr>
+          <p:cNvPr id="25" name="TextBox 24">
+            <a:extLst>
+              <a:ext uri="{FF2B5EF4-FFF2-40B4-BE49-F238E27FC236}">
+                <a16:creationId xmlns:a16="http://schemas.microsoft.com/office/drawing/2014/main" id="{F8449211-4AA1-7F4D-83F5-6E718F846517}"/>
+              </a:ext>
+            </a:extLst>
+          </p:cNvPr>
+          <p:cNvSpPr txBox="1"/>
+          <p:nvPr/>
+        </p:nvSpPr>
+        <p:spPr>
+          <a:xfrm>
+            <a:off x="2992225" y="2165461"/>
+            <a:ext cx="377190" cy="461665"/>
+          </a:xfrm>
+          <a:prstGeom prst="rect">
+            <a:avLst/>
+          </a:prstGeom>
+          <a:noFill/>
+        </p:spPr>
+        <p:txBody>
+          <a:bodyPr wrap="square" rtlCol="0">
+            <a:spAutoFit/>
+          </a:bodyPr>
+          <a:lstStyle/>
+          <a:p>
+            <a:r>
+              <a:rPr lang="en-US" sz="2400" b="1" dirty="0"/>
+              <a:t>…</a:t>
+            </a:r>
+            <a:endParaRPr lang="en-SG" sz="2400" b="1" dirty="0"/>
+          </a:p>
+        </p:txBody>
+      </p:sp>
+      <p:sp>
+        <p:nvSpPr>
+          <p:cNvPr id="26" name="TextBox 25">
+            <a:extLst>
+              <a:ext uri="{FF2B5EF4-FFF2-40B4-BE49-F238E27FC236}">
+                <a16:creationId xmlns:a16="http://schemas.microsoft.com/office/drawing/2014/main" id="{8E26B0C0-6B37-4A59-2940-FA3D706F0A48}"/>
+              </a:ext>
+            </a:extLst>
+          </p:cNvPr>
+          <p:cNvSpPr txBox="1"/>
+          <p:nvPr/>
+        </p:nvSpPr>
+        <p:spPr>
+          <a:xfrm>
+            <a:off x="653006" y="2952242"/>
+            <a:ext cx="2494844" cy="276999"/>
+          </a:xfrm>
+          <a:prstGeom prst="rect">
+            <a:avLst/>
+          </a:prstGeom>
+          <a:noFill/>
+        </p:spPr>
+        <p:txBody>
+          <a:bodyPr wrap="square" rtlCol="0">
+            <a:spAutoFit/>
+          </a:bodyPr>
+          <a:lstStyle/>
+          <a:p>
+            <a:r>
+              <a:rPr lang="en-SG" sz="1200" b="1" dirty="0"/>
+              <a:t>Scan and Record Module</a:t>
+            </a:r>
+          </a:p>
+        </p:txBody>
+      </p:sp>
+      <p:sp>
+        <p:nvSpPr>
+          <p:cNvPr id="27" name="Rectangle 26">
+            <a:extLst>
+              <a:ext uri="{FF2B5EF4-FFF2-40B4-BE49-F238E27FC236}">
+                <a16:creationId xmlns:a16="http://schemas.microsoft.com/office/drawing/2014/main" id="{E13E051B-79FD-EA2C-8274-5D46D950CD07}"/>
+              </a:ext>
+            </a:extLst>
+          </p:cNvPr>
+          <p:cNvSpPr/>
+          <p:nvPr/>
+        </p:nvSpPr>
+        <p:spPr>
+          <a:xfrm>
+            <a:off x="695770" y="3253797"/>
+            <a:ext cx="2752107" cy="795780"/>
+          </a:xfrm>
+          <a:prstGeom prst="rect">
+            <a:avLst/>
+          </a:prstGeom>
+          <a:solidFill>
+            <a:schemeClr val="accent2">
+              <a:lumMod val="20000"/>
+              <a:lumOff val="80000"/>
+            </a:schemeClr>
+          </a:solidFill>
+          <a:ln>
+            <a:solidFill>
+              <a:srgbClr val="C00000"/>
+            </a:solidFill>
+          </a:ln>
+        </p:spPr>
+        <p:style>
+          <a:lnRef idx="2">
+            <a:schemeClr val="accent1">
+              <a:shade val="15000"/>
+            </a:schemeClr>
+          </a:lnRef>
+          <a:fillRef idx="1">
+            <a:schemeClr val="accent1"/>
+          </a:fillRef>
+          <a:effectRef idx="0">
+            <a:schemeClr val="accent1"/>
+          </a:effectRef>
+          <a:fontRef idx="minor">
+            <a:schemeClr val="lt1"/>
+          </a:fontRef>
+        </p:style>
+        <p:txBody>
+          <a:bodyPr rtlCol="0" anchor="ctr"/>
+          <a:lstStyle/>
+          <a:p>
+            <a:pPr algn="ctr"/>
+            <a:endParaRPr lang="en-SG" dirty="0"/>
+          </a:p>
+        </p:txBody>
+      </p:sp>
+      <p:pic>
+        <p:nvPicPr>
+          <p:cNvPr id="28" name="Picture 27">
+            <a:extLst>
+              <a:ext uri="{FF2B5EF4-FFF2-40B4-BE49-F238E27FC236}">
+                <a16:creationId xmlns:a16="http://schemas.microsoft.com/office/drawing/2014/main" id="{976FD8A5-163D-B699-046A-792E00BBD05C}"/>
+              </a:ext>
+            </a:extLst>
+          </p:cNvPr>
+          <p:cNvPicPr>
+            <a:picLocks noChangeAspect="1"/>
+          </p:cNvPicPr>
+          <p:nvPr/>
+        </p:nvPicPr>
+        <p:blipFill>
+          <a:blip r:embed="rId9">
+            <a:duotone>
+              <a:schemeClr val="accent2">
+                <a:shade val="45000"/>
+                <a:satMod val="135000"/>
+              </a:schemeClr>
+              <a:prstClr val="white"/>
+            </a:duotone>
+          </a:blip>
+          <a:stretch>
+            <a:fillRect/>
+          </a:stretch>
+        </p:blipFill>
+        <p:spPr>
+          <a:xfrm>
+            <a:off x="780555" y="3336412"/>
+            <a:ext cx="388318" cy="387556"/>
+          </a:xfrm>
+          <a:prstGeom prst="rect">
+            <a:avLst/>
+          </a:prstGeom>
+          <a:ln w="6350">
+            <a:solidFill>
+              <a:schemeClr val="tx1"/>
+            </a:solidFill>
+          </a:ln>
+        </p:spPr>
+      </p:pic>
+      <p:sp>
+        <p:nvSpPr>
+          <p:cNvPr id="29" name="TextBox 28">
+            <a:extLst>
+              <a:ext uri="{FF2B5EF4-FFF2-40B4-BE49-F238E27FC236}">
+                <a16:creationId xmlns:a16="http://schemas.microsoft.com/office/drawing/2014/main" id="{F1D33223-5F9F-8B26-7271-AA0C384E9407}"/>
+              </a:ext>
+            </a:extLst>
+          </p:cNvPr>
+          <p:cNvSpPr txBox="1"/>
+          <p:nvPr/>
+        </p:nvSpPr>
+        <p:spPr>
+          <a:xfrm>
+            <a:off x="650495" y="3698569"/>
+            <a:ext cx="693847" cy="400110"/>
+          </a:xfrm>
+          <a:prstGeom prst="rect">
+            <a:avLst/>
+          </a:prstGeom>
+          <a:noFill/>
+        </p:spPr>
+        <p:txBody>
+          <a:bodyPr wrap="square" rtlCol="0">
+            <a:spAutoFit/>
+          </a:bodyPr>
+          <a:lstStyle/>
+          <a:p>
+            <a:r>
+              <a:rPr lang="en-SG" sz="1000" b="1" dirty="0">
+                <a:solidFill>
+                  <a:srgbClr val="C00000"/>
+                </a:solidFill>
+              </a:rPr>
+              <a:t>Network scan</a:t>
+            </a:r>
+          </a:p>
+        </p:txBody>
+      </p:sp>
+      <p:pic>
+        <p:nvPicPr>
+          <p:cNvPr id="30" name="Picture 29">
+            <a:extLst>
+              <a:ext uri="{FF2B5EF4-FFF2-40B4-BE49-F238E27FC236}">
+                <a16:creationId xmlns:a16="http://schemas.microsoft.com/office/drawing/2014/main" id="{B7859209-A407-1AB8-D4DE-75F1A06E0E76}"/>
+              </a:ext>
+            </a:extLst>
+          </p:cNvPr>
+          <p:cNvPicPr>
+            <a:picLocks noChangeAspect="1"/>
+          </p:cNvPicPr>
+          <p:nvPr/>
+        </p:nvPicPr>
+        <p:blipFill>
+          <a:blip r:embed="rId10"/>
+          <a:stretch>
+            <a:fillRect/>
+          </a:stretch>
+        </p:blipFill>
+        <p:spPr>
+          <a:xfrm>
+            <a:off x="1338370" y="3328264"/>
+            <a:ext cx="388318" cy="403851"/>
+          </a:xfrm>
+          <a:prstGeom prst="rect">
+            <a:avLst/>
+          </a:prstGeom>
+          <a:ln w="6350">
+            <a:solidFill>
+              <a:schemeClr val="tx1"/>
+            </a:solidFill>
+          </a:ln>
+        </p:spPr>
+      </p:pic>
+      <p:sp>
+        <p:nvSpPr>
+          <p:cNvPr id="31" name="TextBox 30">
+            <a:extLst>
+              <a:ext uri="{FF2B5EF4-FFF2-40B4-BE49-F238E27FC236}">
+                <a16:creationId xmlns:a16="http://schemas.microsoft.com/office/drawing/2014/main" id="{664777CC-0C26-7282-E05E-03ACE31BC178}"/>
+              </a:ext>
+            </a:extLst>
+          </p:cNvPr>
+          <p:cNvSpPr txBox="1"/>
+          <p:nvPr/>
+        </p:nvSpPr>
+        <p:spPr>
+          <a:xfrm>
+            <a:off x="1217063" y="3693571"/>
+            <a:ext cx="693847" cy="400110"/>
+          </a:xfrm>
+          <a:prstGeom prst="rect">
+            <a:avLst/>
+          </a:prstGeom>
+          <a:noFill/>
+        </p:spPr>
+        <p:txBody>
+          <a:bodyPr wrap="square" rtlCol="0">
+            <a:spAutoFit/>
+          </a:bodyPr>
+          <a:lstStyle/>
+          <a:p>
+            <a:r>
+              <a:rPr lang="en-SG" sz="1000" b="1" dirty="0">
+                <a:solidFill>
+                  <a:srgbClr val="C00000"/>
+                </a:solidFill>
+              </a:rPr>
+              <a:t>Service probe</a:t>
+            </a:r>
+          </a:p>
+        </p:txBody>
+      </p:sp>
+      <p:pic>
+        <p:nvPicPr>
+          <p:cNvPr id="32" name="Picture 31" descr="Screenshot icon - Free download on Iconfinder">
+            <a:extLst>
+              <a:ext uri="{FF2B5EF4-FFF2-40B4-BE49-F238E27FC236}">
+                <a16:creationId xmlns:a16="http://schemas.microsoft.com/office/drawing/2014/main" id="{5BC14C2D-89B6-D2B0-D6F4-07CFA6D2156E}"/>
+              </a:ext>
+            </a:extLst>
+          </p:cNvPr>
+          <p:cNvPicPr>
+            <a:picLocks noChangeAspect="1"/>
+          </p:cNvPicPr>
+          <p:nvPr/>
+        </p:nvPicPr>
+        <p:blipFill>
+          <a:blip r:embed="rId11"/>
+          <a:stretch>
+            <a:fillRect/>
+          </a:stretch>
+        </p:blipFill>
+        <p:spPr>
+          <a:xfrm>
+            <a:off x="2405838" y="3320369"/>
+            <a:ext cx="406716" cy="396536"/>
+          </a:xfrm>
+          <a:prstGeom prst="rect">
+            <a:avLst/>
+          </a:prstGeom>
+          <a:ln w="6350">
+            <a:solidFill>
+              <a:schemeClr val="tx1"/>
+            </a:solidFill>
+          </a:ln>
+        </p:spPr>
+      </p:pic>
+      <p:sp>
+        <p:nvSpPr>
+          <p:cNvPr id="33" name="TextBox 32">
+            <a:extLst>
+              <a:ext uri="{FF2B5EF4-FFF2-40B4-BE49-F238E27FC236}">
+                <a16:creationId xmlns:a16="http://schemas.microsoft.com/office/drawing/2014/main" id="{C12AA8E9-1DCB-D05B-117D-41DEC38F6ADE}"/>
+              </a:ext>
+            </a:extLst>
+          </p:cNvPr>
+          <p:cNvSpPr txBox="1"/>
+          <p:nvPr/>
+        </p:nvSpPr>
+        <p:spPr>
+          <a:xfrm>
+            <a:off x="2309216" y="3684851"/>
+            <a:ext cx="693847" cy="400110"/>
+          </a:xfrm>
+          <a:prstGeom prst="rect">
+            <a:avLst/>
+          </a:prstGeom>
+          <a:noFill/>
+        </p:spPr>
+        <p:txBody>
+          <a:bodyPr wrap="square" rtlCol="0">
+            <a:spAutoFit/>
+          </a:bodyPr>
+          <a:lstStyle/>
+          <a:p>
+            <a:r>
+              <a:rPr lang="en-SG" sz="1000" b="1" dirty="0">
+                <a:solidFill>
+                  <a:srgbClr val="C00000"/>
+                </a:solidFill>
+              </a:rPr>
+              <a:t>Screen record </a:t>
+            </a:r>
+          </a:p>
+        </p:txBody>
+      </p:sp>
+      <p:pic>
+        <p:nvPicPr>
+          <p:cNvPr id="34" name="Picture 33">
+            <a:extLst>
+              <a:ext uri="{FF2B5EF4-FFF2-40B4-BE49-F238E27FC236}">
+                <a16:creationId xmlns:a16="http://schemas.microsoft.com/office/drawing/2014/main" id="{A66490D9-6807-B44B-0EFF-D9C23C46C912}"/>
+              </a:ext>
+            </a:extLst>
+          </p:cNvPr>
+          <p:cNvPicPr>
+            <a:picLocks noChangeAspect="1"/>
+          </p:cNvPicPr>
+          <p:nvPr/>
+        </p:nvPicPr>
+        <p:blipFill>
+          <a:blip r:embed="rId12"/>
+          <a:stretch>
+            <a:fillRect/>
+          </a:stretch>
+        </p:blipFill>
+        <p:spPr>
+          <a:xfrm>
+            <a:off x="1825357" y="3317252"/>
+            <a:ext cx="406716" cy="406716"/>
+          </a:xfrm>
+          <a:prstGeom prst="rect">
+            <a:avLst/>
+          </a:prstGeom>
+        </p:spPr>
+      </p:pic>
+      <p:sp>
+        <p:nvSpPr>
+          <p:cNvPr id="35" name="TextBox 34">
+            <a:extLst>
+              <a:ext uri="{FF2B5EF4-FFF2-40B4-BE49-F238E27FC236}">
+                <a16:creationId xmlns:a16="http://schemas.microsoft.com/office/drawing/2014/main" id="{43A99E9E-E4E0-FD71-2C9F-EBEC154DBAC6}"/>
+              </a:ext>
+            </a:extLst>
+          </p:cNvPr>
+          <p:cNvSpPr txBox="1"/>
+          <p:nvPr/>
+        </p:nvSpPr>
+        <p:spPr>
+          <a:xfrm>
+            <a:off x="1732811" y="3684851"/>
+            <a:ext cx="759523" cy="400110"/>
+          </a:xfrm>
+          <a:prstGeom prst="rect">
+            <a:avLst/>
+          </a:prstGeom>
+          <a:noFill/>
+        </p:spPr>
+        <p:txBody>
+          <a:bodyPr wrap="square" rtlCol="0">
+            <a:spAutoFit/>
+          </a:bodyPr>
+          <a:lstStyle/>
+          <a:p>
+            <a:r>
+              <a:rPr lang="en-SG" sz="1000" b="1" dirty="0">
+                <a:solidFill>
+                  <a:srgbClr val="C00000"/>
+                </a:solidFill>
+              </a:rPr>
+              <a:t>Traffic mirroring</a:t>
+            </a:r>
+          </a:p>
+        </p:txBody>
+      </p:sp>
+      <p:pic>
+        <p:nvPicPr>
+          <p:cNvPr id="36" name="Picture 35" descr="1,451 Keylogger Images, Stock Photos, 3D objects, &amp; Vectors | Shutterstock">
+            <a:extLst>
+              <a:ext uri="{FF2B5EF4-FFF2-40B4-BE49-F238E27FC236}">
+                <a16:creationId xmlns:a16="http://schemas.microsoft.com/office/drawing/2014/main" id="{6F7045AC-A7F5-5E65-3AAF-C74190DD212C}"/>
+              </a:ext>
+            </a:extLst>
+          </p:cNvPr>
+          <p:cNvPicPr>
+            <a:picLocks noChangeAspect="1"/>
+          </p:cNvPicPr>
+          <p:nvPr/>
+        </p:nvPicPr>
+        <p:blipFill rotWithShape="1">
+          <a:blip r:embed="rId13"/>
+          <a:srcRect l="25208" t="25614" r="26720" b="47193"/>
+          <a:stretch/>
+        </p:blipFill>
+        <p:spPr>
+          <a:xfrm>
+            <a:off x="2923289" y="3332948"/>
+            <a:ext cx="413852" cy="383957"/>
+          </a:xfrm>
+          <a:prstGeom prst="rect">
+            <a:avLst/>
+          </a:prstGeom>
+          <a:ln w="6350">
+            <a:solidFill>
+              <a:schemeClr val="tx1"/>
+            </a:solidFill>
+          </a:ln>
+        </p:spPr>
+      </p:pic>
+      <p:sp>
+        <p:nvSpPr>
+          <p:cNvPr id="37" name="TextBox 36">
+            <a:extLst>
+              <a:ext uri="{FF2B5EF4-FFF2-40B4-BE49-F238E27FC236}">
+                <a16:creationId xmlns:a16="http://schemas.microsoft.com/office/drawing/2014/main" id="{71A16F56-1A19-855D-50DC-8DF8F5D94093}"/>
+              </a:ext>
+            </a:extLst>
+          </p:cNvPr>
+          <p:cNvSpPr txBox="1"/>
+          <p:nvPr/>
+        </p:nvSpPr>
+        <p:spPr>
+          <a:xfrm>
+            <a:off x="2790341" y="3684851"/>
+            <a:ext cx="759523" cy="400110"/>
+          </a:xfrm>
+          <a:prstGeom prst="rect">
+            <a:avLst/>
+          </a:prstGeom>
+          <a:noFill/>
+        </p:spPr>
+        <p:txBody>
+          <a:bodyPr wrap="square" rtlCol="0">
+            <a:spAutoFit/>
+          </a:bodyPr>
+          <a:lstStyle/>
+          <a:p>
+            <a:r>
+              <a:rPr lang="en-SG" sz="1000" b="1" dirty="0">
+                <a:solidFill>
+                  <a:srgbClr val="C00000"/>
+                </a:solidFill>
+              </a:rPr>
+              <a:t>Keyboard logging</a:t>
+            </a:r>
+          </a:p>
+        </p:txBody>
+      </p:sp>
+      <p:sp>
+        <p:nvSpPr>
+          <p:cNvPr id="38" name="Rectangle 37">
+            <a:extLst>
+              <a:ext uri="{FF2B5EF4-FFF2-40B4-BE49-F238E27FC236}">
+                <a16:creationId xmlns:a16="http://schemas.microsoft.com/office/drawing/2014/main" id="{52413CD0-F848-B458-A4B0-C1B895B395E1}"/>
+              </a:ext>
+            </a:extLst>
+          </p:cNvPr>
+          <p:cNvSpPr/>
+          <p:nvPr/>
+        </p:nvSpPr>
+        <p:spPr>
+          <a:xfrm>
+            <a:off x="703020" y="4376422"/>
+            <a:ext cx="2752107" cy="795780"/>
+          </a:xfrm>
+          <a:prstGeom prst="rect">
+            <a:avLst/>
+          </a:prstGeom>
+          <a:solidFill>
+            <a:schemeClr val="accent2">
+              <a:lumMod val="20000"/>
+              <a:lumOff val="80000"/>
+            </a:schemeClr>
+          </a:solidFill>
+          <a:ln>
+            <a:solidFill>
+              <a:srgbClr val="C00000"/>
+            </a:solidFill>
+          </a:ln>
+        </p:spPr>
+        <p:style>
+          <a:lnRef idx="2">
+            <a:schemeClr val="accent1">
+              <a:shade val="15000"/>
+            </a:schemeClr>
+          </a:lnRef>
+          <a:fillRef idx="1">
+            <a:schemeClr val="accent1"/>
+          </a:fillRef>
+          <a:effectRef idx="0">
+            <a:schemeClr val="accent1"/>
+          </a:effectRef>
+          <a:fontRef idx="minor">
+            <a:schemeClr val="lt1"/>
+          </a:fontRef>
+        </p:style>
+        <p:txBody>
+          <a:bodyPr rtlCol="0" anchor="ctr"/>
+          <a:lstStyle/>
+          <a:p>
+            <a:pPr algn="ctr"/>
+            <a:endParaRPr lang="en-SG" dirty="0"/>
+          </a:p>
+        </p:txBody>
+      </p:sp>
+      <p:sp>
+        <p:nvSpPr>
+          <p:cNvPr id="39" name="TextBox 38">
+            <a:extLst>
+              <a:ext uri="{FF2B5EF4-FFF2-40B4-BE49-F238E27FC236}">
+                <a16:creationId xmlns:a16="http://schemas.microsoft.com/office/drawing/2014/main" id="{71839F34-8488-D939-82F4-0B9280B113B5}"/>
+              </a:ext>
+            </a:extLst>
+          </p:cNvPr>
+          <p:cNvSpPr txBox="1"/>
+          <p:nvPr/>
+        </p:nvSpPr>
+        <p:spPr>
+          <a:xfrm>
+            <a:off x="603441" y="4092744"/>
+            <a:ext cx="2494844" cy="276999"/>
+          </a:xfrm>
+          <a:prstGeom prst="rect">
+            <a:avLst/>
+          </a:prstGeom>
+          <a:noFill/>
+        </p:spPr>
+        <p:txBody>
+          <a:bodyPr wrap="square" rtlCol="0">
+            <a:spAutoFit/>
+          </a:bodyPr>
+          <a:lstStyle/>
+          <a:p>
+            <a:r>
+              <a:rPr lang="en-SG" sz="1200" b="1" dirty="0"/>
+              <a:t>Denial of Service Module</a:t>
+            </a:r>
+          </a:p>
+        </p:txBody>
+      </p:sp>
+      <p:pic>
+        <p:nvPicPr>
+          <p:cNvPr id="40" name="Picture 39">
+            <a:extLst>
+              <a:ext uri="{FF2B5EF4-FFF2-40B4-BE49-F238E27FC236}">
+                <a16:creationId xmlns:a16="http://schemas.microsoft.com/office/drawing/2014/main" id="{5D4AA308-AD21-75F2-0B29-FEA699EB2AF7}"/>
+              </a:ext>
+            </a:extLst>
+          </p:cNvPr>
+          <p:cNvPicPr>
+            <a:picLocks noChangeAspect="1"/>
+          </p:cNvPicPr>
+          <p:nvPr/>
+        </p:nvPicPr>
+        <p:blipFill rotWithShape="1">
+          <a:blip r:embed="rId14"/>
+          <a:srcRect l="5536"/>
+          <a:stretch/>
+        </p:blipFill>
+        <p:spPr>
+          <a:xfrm>
+            <a:off x="780555" y="4472848"/>
+            <a:ext cx="388318" cy="375209"/>
+          </a:xfrm>
+          <a:prstGeom prst="rect">
+            <a:avLst/>
+          </a:prstGeom>
+        </p:spPr>
+      </p:pic>
+      <p:sp>
+        <p:nvSpPr>
+          <p:cNvPr id="41" name="TextBox 40">
+            <a:extLst>
+              <a:ext uri="{FF2B5EF4-FFF2-40B4-BE49-F238E27FC236}">
+                <a16:creationId xmlns:a16="http://schemas.microsoft.com/office/drawing/2014/main" id="{75C05D2C-7A6F-DBA8-924B-CE6A1D9421C9}"/>
+              </a:ext>
+            </a:extLst>
+          </p:cNvPr>
+          <p:cNvSpPr txBox="1"/>
+          <p:nvPr/>
+        </p:nvSpPr>
+        <p:spPr>
+          <a:xfrm>
+            <a:off x="678259" y="4785341"/>
+            <a:ext cx="693847" cy="400110"/>
+          </a:xfrm>
+          <a:prstGeom prst="rect">
+            <a:avLst/>
+          </a:prstGeom>
+          <a:noFill/>
+        </p:spPr>
+        <p:txBody>
+          <a:bodyPr wrap="square" rtlCol="0">
+            <a:spAutoFit/>
+          </a:bodyPr>
+          <a:lstStyle/>
+          <a:p>
+            <a:r>
+              <a:rPr lang="en-SG" sz="1000" b="1" dirty="0">
+                <a:solidFill>
+                  <a:srgbClr val="C00000"/>
+                </a:solidFill>
+              </a:rPr>
+              <a:t>ARP spoofing</a:t>
+            </a:r>
+          </a:p>
+        </p:txBody>
+      </p:sp>
+      <p:pic>
+        <p:nvPicPr>
+          <p:cNvPr id="42" name="Picture 41">
+            <a:extLst>
+              <a:ext uri="{FF2B5EF4-FFF2-40B4-BE49-F238E27FC236}">
+                <a16:creationId xmlns:a16="http://schemas.microsoft.com/office/drawing/2014/main" id="{B5B18414-4092-EEEA-6461-44FDD6B9D064}"/>
+              </a:ext>
+            </a:extLst>
+          </p:cNvPr>
+          <p:cNvPicPr>
+            <a:picLocks noChangeAspect="1"/>
+          </p:cNvPicPr>
+          <p:nvPr/>
+        </p:nvPicPr>
+        <p:blipFill>
+          <a:blip r:embed="rId15"/>
+          <a:stretch>
+            <a:fillRect/>
+          </a:stretch>
+        </p:blipFill>
+        <p:spPr>
+          <a:xfrm>
+            <a:off x="1328107" y="4465706"/>
+            <a:ext cx="388318" cy="375209"/>
+          </a:xfrm>
+          <a:prstGeom prst="rect">
+            <a:avLst/>
+          </a:prstGeom>
+          <a:ln w="9525">
+            <a:solidFill>
+              <a:schemeClr val="tx1"/>
+            </a:solidFill>
+          </a:ln>
+        </p:spPr>
+      </p:pic>
+      <p:sp>
+        <p:nvSpPr>
+          <p:cNvPr id="43" name="TextBox 42">
+            <a:extLst>
+              <a:ext uri="{FF2B5EF4-FFF2-40B4-BE49-F238E27FC236}">
+                <a16:creationId xmlns:a16="http://schemas.microsoft.com/office/drawing/2014/main" id="{DE3621D4-1E6D-0AE6-0DCF-B545AE25CA2E}"/>
+              </a:ext>
+            </a:extLst>
+          </p:cNvPr>
+          <p:cNvSpPr txBox="1"/>
+          <p:nvPr/>
+        </p:nvSpPr>
+        <p:spPr>
+          <a:xfrm>
+            <a:off x="1272868" y="4828085"/>
+            <a:ext cx="693847" cy="246221"/>
+          </a:xfrm>
+          <a:prstGeom prst="rect">
+            <a:avLst/>
+          </a:prstGeom>
+          <a:noFill/>
+        </p:spPr>
+        <p:txBody>
+          <a:bodyPr wrap="square" rtlCol="0">
+            <a:spAutoFit/>
+          </a:bodyPr>
+          <a:lstStyle/>
+          <a:p>
+            <a:r>
+              <a:rPr lang="en-SG" sz="1000" b="1" dirty="0">
+                <a:solidFill>
+                  <a:srgbClr val="C00000"/>
+                </a:solidFill>
+              </a:rPr>
+              <a:t>MITM</a:t>
+            </a:r>
+          </a:p>
+        </p:txBody>
+      </p:sp>
+      <p:pic>
+        <p:nvPicPr>
+          <p:cNvPr id="44" name="Picture 43" descr="DDoS protection - iIT Distribution">
+            <a:extLst>
+              <a:ext uri="{FF2B5EF4-FFF2-40B4-BE49-F238E27FC236}">
+                <a16:creationId xmlns:a16="http://schemas.microsoft.com/office/drawing/2014/main" id="{42D9ABEE-37B5-1ED5-8272-31AD816F32CE}"/>
+              </a:ext>
+            </a:extLst>
+          </p:cNvPr>
+          <p:cNvPicPr>
+            <a:picLocks noChangeAspect="1"/>
+          </p:cNvPicPr>
+          <p:nvPr/>
+        </p:nvPicPr>
+        <p:blipFill rotWithShape="1">
+          <a:blip r:embed="rId16"/>
+          <a:srcRect l="6437" t="1122" r="7000" b="-1677"/>
+          <a:stretch/>
+        </p:blipFill>
+        <p:spPr>
+          <a:xfrm>
+            <a:off x="1854938" y="4457837"/>
+            <a:ext cx="366571" cy="399605"/>
+          </a:xfrm>
+          <a:prstGeom prst="rect">
+            <a:avLst/>
+          </a:prstGeom>
+          <a:ln w="6350">
+            <a:solidFill>
+              <a:schemeClr val="tx1"/>
+            </a:solidFill>
+          </a:ln>
+        </p:spPr>
+      </p:pic>
+      <p:sp>
+        <p:nvSpPr>
+          <p:cNvPr id="45" name="TextBox 44">
+            <a:extLst>
+              <a:ext uri="{FF2B5EF4-FFF2-40B4-BE49-F238E27FC236}">
+                <a16:creationId xmlns:a16="http://schemas.microsoft.com/office/drawing/2014/main" id="{5EC38C8E-BCF9-4033-483F-09D81BFD631F}"/>
+              </a:ext>
+            </a:extLst>
+          </p:cNvPr>
+          <p:cNvSpPr txBox="1"/>
+          <p:nvPr/>
+        </p:nvSpPr>
+        <p:spPr>
+          <a:xfrm>
+            <a:off x="1765649" y="4831304"/>
+            <a:ext cx="543568" cy="246221"/>
+          </a:xfrm>
+          <a:prstGeom prst="rect">
+            <a:avLst/>
+          </a:prstGeom>
+          <a:noFill/>
+        </p:spPr>
+        <p:txBody>
+          <a:bodyPr wrap="square" rtlCol="0">
+            <a:spAutoFit/>
+          </a:bodyPr>
+          <a:lstStyle/>
+          <a:p>
+            <a:r>
+              <a:rPr lang="en-SG" sz="1000" b="1" dirty="0">
+                <a:solidFill>
+                  <a:srgbClr val="C00000"/>
+                </a:solidFill>
+              </a:rPr>
+              <a:t>DDoS</a:t>
+            </a:r>
+          </a:p>
+        </p:txBody>
+      </p:sp>
+      <p:pic>
+        <p:nvPicPr>
+          <p:cNvPr id="46" name="Picture 45" descr="Trojan horse malware virus computer sign isolated on white background.  Vector illustration cyber crime online security concept. Stock Vector |  Adobe Stock">
+            <a:extLst>
+              <a:ext uri="{FF2B5EF4-FFF2-40B4-BE49-F238E27FC236}">
+                <a16:creationId xmlns:a16="http://schemas.microsoft.com/office/drawing/2014/main" id="{5C0695EC-8DEB-36A9-3CC9-9BD5AAC5D384}"/>
+              </a:ext>
+            </a:extLst>
+          </p:cNvPr>
+          <p:cNvPicPr>
+            <a:picLocks noChangeAspect="1"/>
+          </p:cNvPicPr>
+          <p:nvPr/>
+        </p:nvPicPr>
+        <p:blipFill rotWithShape="1">
+          <a:blip r:embed="rId17"/>
+          <a:srcRect l="4301" t="4301" r="4227" b="4301"/>
+          <a:stretch/>
+        </p:blipFill>
+        <p:spPr>
+          <a:xfrm>
+            <a:off x="1974372" y="2188641"/>
+            <a:ext cx="369719" cy="371466"/>
+          </a:xfrm>
+          <a:prstGeom prst="rect">
+            <a:avLst/>
+          </a:prstGeom>
+          <a:ln w="6350">
+            <a:solidFill>
+              <a:schemeClr val="tx1"/>
+            </a:solidFill>
+          </a:ln>
+        </p:spPr>
+      </p:pic>
+      <p:pic>
+        <p:nvPicPr>
+          <p:cNvPr id="47" name="Picture 46">
+            <a:extLst>
+              <a:ext uri="{FF2B5EF4-FFF2-40B4-BE49-F238E27FC236}">
+                <a16:creationId xmlns:a16="http://schemas.microsoft.com/office/drawing/2014/main" id="{ACC2D84E-52E6-CB75-B7EB-975E3889F556}"/>
+              </a:ext>
+            </a:extLst>
+          </p:cNvPr>
+          <p:cNvPicPr>
+            <a:picLocks noChangeAspect="1"/>
+          </p:cNvPicPr>
+          <p:nvPr/>
+        </p:nvPicPr>
+        <p:blipFill>
+          <a:blip r:embed="rId18">
+            <a:alphaModFix amt="70000"/>
+          </a:blip>
+          <a:stretch>
+            <a:fillRect/>
+          </a:stretch>
+        </p:blipFill>
+        <p:spPr>
+          <a:xfrm>
+            <a:off x="2384626" y="4472848"/>
+            <a:ext cx="375209" cy="375209"/>
+          </a:xfrm>
+          <a:prstGeom prst="rect">
+            <a:avLst/>
+          </a:prstGeom>
+          <a:ln w="12700">
+            <a:solidFill>
+              <a:schemeClr val="tx1"/>
+            </a:solidFill>
+          </a:ln>
+        </p:spPr>
+      </p:pic>
+      <p:sp>
+        <p:nvSpPr>
+          <p:cNvPr id="48" name="Multiplication Sign 47">
+            <a:extLst>
+              <a:ext uri="{FF2B5EF4-FFF2-40B4-BE49-F238E27FC236}">
+                <a16:creationId xmlns:a16="http://schemas.microsoft.com/office/drawing/2014/main" id="{65DC9B26-8575-F51F-BF31-FF5009DC3AD2}"/>
+              </a:ext>
+            </a:extLst>
+          </p:cNvPr>
+          <p:cNvSpPr/>
+          <p:nvPr/>
+        </p:nvSpPr>
+        <p:spPr>
+          <a:xfrm>
+            <a:off x="2428202" y="4516015"/>
+            <a:ext cx="265471" cy="284996"/>
+          </a:xfrm>
+          <a:prstGeom prst="mathMultiply">
+            <a:avLst/>
+          </a:prstGeom>
+          <a:noFill/>
+          <a:ln>
+            <a:solidFill>
+              <a:srgbClr val="C00000"/>
+            </a:solidFill>
+          </a:ln>
+        </p:spPr>
+        <p:style>
+          <a:lnRef idx="2">
+            <a:schemeClr val="accent1">
+              <a:shade val="15000"/>
+            </a:schemeClr>
+          </a:lnRef>
+          <a:fillRef idx="1">
+            <a:schemeClr val="accent1"/>
+          </a:fillRef>
+          <a:effectRef idx="0">
+            <a:schemeClr val="accent1"/>
+          </a:effectRef>
+          <a:fontRef idx="minor">
+            <a:schemeClr val="lt1"/>
+          </a:fontRef>
+        </p:style>
+        <p:txBody>
+          <a:bodyPr rtlCol="0" anchor="ctr"/>
+          <a:lstStyle/>
+          <a:p>
+            <a:pPr algn="ctr"/>
+            <a:endParaRPr lang="en-SG"/>
+          </a:p>
+        </p:txBody>
+      </p:sp>
+      <p:sp>
+        <p:nvSpPr>
+          <p:cNvPr id="49" name="TextBox 48">
+            <a:extLst>
+              <a:ext uri="{FF2B5EF4-FFF2-40B4-BE49-F238E27FC236}">
+                <a16:creationId xmlns:a16="http://schemas.microsoft.com/office/drawing/2014/main" id="{83769462-FF08-B222-A471-E9C426BC3584}"/>
+              </a:ext>
+            </a:extLst>
+          </p:cNvPr>
+          <p:cNvSpPr txBox="1"/>
+          <p:nvPr/>
+        </p:nvSpPr>
+        <p:spPr>
+          <a:xfrm>
+            <a:off x="2232073" y="4817930"/>
+            <a:ext cx="814533" cy="400110"/>
+          </a:xfrm>
+          <a:prstGeom prst="rect">
+            <a:avLst/>
+          </a:prstGeom>
+          <a:noFill/>
+        </p:spPr>
+        <p:txBody>
+          <a:bodyPr wrap="square" rtlCol="0">
+            <a:spAutoFit/>
+          </a:bodyPr>
+          <a:lstStyle/>
+          <a:p>
+            <a:r>
+              <a:rPr lang="en-SG" sz="1000" b="1" dirty="0">
+                <a:solidFill>
+                  <a:srgbClr val="C00000"/>
+                </a:solidFill>
+              </a:rPr>
+              <a:t>Hardware freeze</a:t>
+            </a:r>
+          </a:p>
+        </p:txBody>
+      </p:sp>
+      <p:sp>
+        <p:nvSpPr>
+          <p:cNvPr id="50" name="Rectangle 49">
+            <a:extLst>
+              <a:ext uri="{FF2B5EF4-FFF2-40B4-BE49-F238E27FC236}">
+                <a16:creationId xmlns:a16="http://schemas.microsoft.com/office/drawing/2014/main" id="{50F1D537-34A6-E06A-2648-F3D01C079034}"/>
+              </a:ext>
+            </a:extLst>
+          </p:cNvPr>
+          <p:cNvSpPr/>
+          <p:nvPr/>
+        </p:nvSpPr>
+        <p:spPr>
+          <a:xfrm>
+            <a:off x="685880" y="5503167"/>
+            <a:ext cx="2752107" cy="795780"/>
+          </a:xfrm>
+          <a:prstGeom prst="rect">
+            <a:avLst/>
+          </a:prstGeom>
+          <a:solidFill>
+            <a:schemeClr val="accent2">
+              <a:lumMod val="20000"/>
+              <a:lumOff val="80000"/>
+            </a:schemeClr>
+          </a:solidFill>
+          <a:ln>
+            <a:solidFill>
+              <a:srgbClr val="C00000"/>
+            </a:solidFill>
+          </a:ln>
+        </p:spPr>
+        <p:style>
+          <a:lnRef idx="2">
+            <a:schemeClr val="accent1">
+              <a:shade val="15000"/>
+            </a:schemeClr>
+          </a:lnRef>
+          <a:fillRef idx="1">
+            <a:schemeClr val="accent1"/>
+          </a:fillRef>
+          <a:effectRef idx="0">
+            <a:schemeClr val="accent1"/>
+          </a:effectRef>
+          <a:fontRef idx="minor">
+            <a:schemeClr val="lt1"/>
+          </a:fontRef>
+        </p:style>
+        <p:txBody>
+          <a:bodyPr rtlCol="0" anchor="ctr"/>
+          <a:lstStyle/>
+          <a:p>
+            <a:pPr algn="ctr"/>
+            <a:endParaRPr lang="en-SG" dirty="0"/>
+          </a:p>
+        </p:txBody>
+      </p:sp>
+      <p:pic>
+        <p:nvPicPr>
+          <p:cNvPr id="51" name="Picture 50">
+            <a:extLst>
+              <a:ext uri="{FF2B5EF4-FFF2-40B4-BE49-F238E27FC236}">
+                <a16:creationId xmlns:a16="http://schemas.microsoft.com/office/drawing/2014/main" id="{5A0FFB9D-DF09-C674-ED08-9A6885067FC3}"/>
+              </a:ext>
+            </a:extLst>
+          </p:cNvPr>
+          <p:cNvPicPr>
+            <a:picLocks noChangeAspect="1"/>
+          </p:cNvPicPr>
+          <p:nvPr/>
+        </p:nvPicPr>
+        <p:blipFill>
+          <a:blip r:embed="rId19"/>
+          <a:stretch>
+            <a:fillRect/>
+          </a:stretch>
+        </p:blipFill>
+        <p:spPr>
+          <a:xfrm>
+            <a:off x="2924560" y="4451056"/>
+            <a:ext cx="421453" cy="384440"/>
+          </a:xfrm>
+          <a:prstGeom prst="rect">
+            <a:avLst/>
+          </a:prstGeom>
+        </p:spPr>
+      </p:pic>
+      <p:sp>
+        <p:nvSpPr>
+          <p:cNvPr id="52" name="TextBox 51">
+            <a:extLst>
+              <a:ext uri="{FF2B5EF4-FFF2-40B4-BE49-F238E27FC236}">
+                <a16:creationId xmlns:a16="http://schemas.microsoft.com/office/drawing/2014/main" id="{8287655D-521B-DDDB-1909-0BC475DD3EB6}"/>
+              </a:ext>
+            </a:extLst>
+          </p:cNvPr>
+          <p:cNvSpPr txBox="1"/>
+          <p:nvPr/>
+        </p:nvSpPr>
+        <p:spPr>
+          <a:xfrm>
+            <a:off x="2888517" y="4807618"/>
+            <a:ext cx="814533" cy="400110"/>
+          </a:xfrm>
+          <a:prstGeom prst="rect">
+            <a:avLst/>
+          </a:prstGeom>
+          <a:noFill/>
+        </p:spPr>
+        <p:txBody>
+          <a:bodyPr wrap="square" rtlCol="0">
+            <a:spAutoFit/>
+          </a:bodyPr>
+          <a:lstStyle/>
+          <a:p>
+            <a:r>
+              <a:rPr lang="en-SG" sz="1000" b="1" dirty="0">
+                <a:solidFill>
+                  <a:srgbClr val="C00000"/>
+                </a:solidFill>
+              </a:rPr>
+              <a:t>Packet block </a:t>
+            </a:r>
+          </a:p>
+        </p:txBody>
+      </p:sp>
+      <p:sp>
+        <p:nvSpPr>
+          <p:cNvPr id="53" name="TextBox 52">
+            <a:extLst>
+              <a:ext uri="{FF2B5EF4-FFF2-40B4-BE49-F238E27FC236}">
+                <a16:creationId xmlns:a16="http://schemas.microsoft.com/office/drawing/2014/main" id="{243088D9-3ED4-4212-9814-E04FD6F861A1}"/>
+              </a:ext>
+            </a:extLst>
+          </p:cNvPr>
+          <p:cNvSpPr txBox="1"/>
+          <p:nvPr/>
+        </p:nvSpPr>
+        <p:spPr>
+          <a:xfrm>
+            <a:off x="624034" y="5231245"/>
+            <a:ext cx="1912227" cy="276999"/>
+          </a:xfrm>
+          <a:prstGeom prst="rect">
+            <a:avLst/>
+          </a:prstGeom>
+          <a:noFill/>
+        </p:spPr>
+        <p:txBody>
+          <a:bodyPr wrap="square" rtlCol="0">
+            <a:spAutoFit/>
+          </a:bodyPr>
+          <a:lstStyle/>
+          <a:p>
+            <a:r>
+              <a:rPr lang="en-SG" sz="1200" b="1" dirty="0"/>
+              <a:t>Destruction Module </a:t>
+            </a:r>
+          </a:p>
+        </p:txBody>
+      </p:sp>
+      <p:pic>
+        <p:nvPicPr>
+          <p:cNvPr id="54" name="Picture 53">
+            <a:extLst>
+              <a:ext uri="{FF2B5EF4-FFF2-40B4-BE49-F238E27FC236}">
+                <a16:creationId xmlns:a16="http://schemas.microsoft.com/office/drawing/2014/main" id="{6188E9C4-534D-8644-EEE0-8E79FBE4C4A8}"/>
+              </a:ext>
+            </a:extLst>
+          </p:cNvPr>
+          <p:cNvPicPr>
+            <a:picLocks noChangeAspect="1"/>
+          </p:cNvPicPr>
+          <p:nvPr/>
+        </p:nvPicPr>
+        <p:blipFill>
+          <a:blip r:embed="rId20"/>
+          <a:stretch>
+            <a:fillRect/>
+          </a:stretch>
+        </p:blipFill>
+        <p:spPr>
+          <a:xfrm>
+            <a:off x="796282" y="5577138"/>
+            <a:ext cx="356863" cy="372962"/>
+          </a:xfrm>
+          <a:prstGeom prst="rect">
+            <a:avLst/>
+          </a:prstGeom>
+          <a:ln w="6350">
+            <a:solidFill>
+              <a:schemeClr val="tx1"/>
+            </a:solidFill>
+          </a:ln>
+        </p:spPr>
+      </p:pic>
+      <p:sp>
+        <p:nvSpPr>
+          <p:cNvPr id="55" name="TextBox 54">
+            <a:extLst>
+              <a:ext uri="{FF2B5EF4-FFF2-40B4-BE49-F238E27FC236}">
+                <a16:creationId xmlns:a16="http://schemas.microsoft.com/office/drawing/2014/main" id="{D7598E26-9560-5137-614A-624BD92B496C}"/>
+              </a:ext>
+            </a:extLst>
+          </p:cNvPr>
+          <p:cNvSpPr txBox="1"/>
+          <p:nvPr/>
+        </p:nvSpPr>
+        <p:spPr>
+          <a:xfrm>
+            <a:off x="624035" y="5950100"/>
+            <a:ext cx="704072" cy="400110"/>
+          </a:xfrm>
+          <a:prstGeom prst="rect">
+            <a:avLst/>
+          </a:prstGeom>
+          <a:noFill/>
+        </p:spPr>
+        <p:txBody>
+          <a:bodyPr wrap="square" rtlCol="0">
+            <a:spAutoFit/>
+          </a:bodyPr>
+          <a:lstStyle/>
+          <a:p>
+            <a:r>
+              <a:rPr lang="en-SG" sz="1000" b="1" dirty="0">
+                <a:solidFill>
+                  <a:srgbClr val="C00000"/>
+                </a:solidFill>
+              </a:rPr>
+              <a:t>File-sys destruct</a:t>
+            </a:r>
+          </a:p>
+        </p:txBody>
+      </p:sp>
+      <p:pic>
+        <p:nvPicPr>
+          <p:cNvPr id="56" name="Picture 55">
+            <a:extLst>
+              <a:ext uri="{FF2B5EF4-FFF2-40B4-BE49-F238E27FC236}">
+                <a16:creationId xmlns:a16="http://schemas.microsoft.com/office/drawing/2014/main" id="{3B6EA14F-66A5-8574-E69A-14BAF9C53AE8}"/>
+              </a:ext>
+            </a:extLst>
+          </p:cNvPr>
+          <p:cNvPicPr>
+            <a:picLocks noChangeAspect="1"/>
+          </p:cNvPicPr>
+          <p:nvPr/>
+        </p:nvPicPr>
+        <p:blipFill>
+          <a:blip r:embed="rId21"/>
+          <a:stretch>
+            <a:fillRect/>
+          </a:stretch>
+        </p:blipFill>
+        <p:spPr>
+          <a:xfrm>
+            <a:off x="1310975" y="5576021"/>
+            <a:ext cx="377056" cy="364626"/>
+          </a:xfrm>
+          <a:prstGeom prst="rect">
+            <a:avLst/>
+          </a:prstGeom>
+          <a:ln w="6350">
+            <a:solidFill>
+              <a:schemeClr val="tx1"/>
+            </a:solidFill>
+          </a:ln>
+        </p:spPr>
+      </p:pic>
+      <p:sp>
+        <p:nvSpPr>
+          <p:cNvPr id="57" name="TextBox 56">
+            <a:extLst>
+              <a:ext uri="{FF2B5EF4-FFF2-40B4-BE49-F238E27FC236}">
+                <a16:creationId xmlns:a16="http://schemas.microsoft.com/office/drawing/2014/main" id="{46EA9FFA-7A54-3651-071D-D3A8C87B4A1D}"/>
+              </a:ext>
+            </a:extLst>
+          </p:cNvPr>
+          <p:cNvSpPr txBox="1"/>
+          <p:nvPr/>
+        </p:nvSpPr>
+        <p:spPr>
+          <a:xfrm>
+            <a:off x="1190538" y="5930094"/>
+            <a:ext cx="726900" cy="400110"/>
+          </a:xfrm>
+          <a:prstGeom prst="rect">
+            <a:avLst/>
+          </a:prstGeom>
+          <a:noFill/>
+        </p:spPr>
+        <p:txBody>
+          <a:bodyPr wrap="square" rtlCol="0">
+            <a:spAutoFit/>
+          </a:bodyPr>
+          <a:lstStyle/>
+          <a:p>
+            <a:r>
+              <a:rPr lang="en-SG" sz="1000" b="1" dirty="0">
+                <a:solidFill>
+                  <a:srgbClr val="C00000"/>
+                </a:solidFill>
+              </a:rPr>
+              <a:t>Malware</a:t>
+            </a:r>
+          </a:p>
+          <a:p>
+            <a:r>
+              <a:rPr lang="en-SG" sz="1000" b="1" dirty="0">
+                <a:solidFill>
+                  <a:srgbClr val="C00000"/>
+                </a:solidFill>
+              </a:rPr>
+              <a:t>injection </a:t>
+            </a:r>
+          </a:p>
+        </p:txBody>
+      </p:sp>
+      <p:pic>
+        <p:nvPicPr>
+          <p:cNvPr id="58" name="Picture 57">
+            <a:extLst>
+              <a:ext uri="{FF2B5EF4-FFF2-40B4-BE49-F238E27FC236}">
+                <a16:creationId xmlns:a16="http://schemas.microsoft.com/office/drawing/2014/main" id="{2215E6D6-53C9-457A-A161-0EAC0D2E4F48}"/>
+              </a:ext>
+            </a:extLst>
+          </p:cNvPr>
+          <p:cNvPicPr>
+            <a:picLocks noChangeAspect="1"/>
+          </p:cNvPicPr>
+          <p:nvPr/>
+        </p:nvPicPr>
+        <p:blipFill>
+          <a:blip r:embed="rId22"/>
+          <a:stretch>
+            <a:fillRect/>
+          </a:stretch>
+        </p:blipFill>
+        <p:spPr>
+          <a:xfrm>
+            <a:off x="1835553" y="5574671"/>
+            <a:ext cx="421600" cy="384038"/>
+          </a:xfrm>
+          <a:prstGeom prst="rect">
+            <a:avLst/>
+          </a:prstGeom>
+          <a:ln w="9525">
+            <a:solidFill>
+              <a:schemeClr val="tx1"/>
+            </a:solidFill>
+          </a:ln>
+        </p:spPr>
+      </p:pic>
+      <p:sp>
+        <p:nvSpPr>
+          <p:cNvPr id="59" name="TextBox 58">
+            <a:extLst>
+              <a:ext uri="{FF2B5EF4-FFF2-40B4-BE49-F238E27FC236}">
+                <a16:creationId xmlns:a16="http://schemas.microsoft.com/office/drawing/2014/main" id="{A490497E-0DA3-F8F1-8BCA-4F4B8B41D75F}"/>
+              </a:ext>
+            </a:extLst>
+          </p:cNvPr>
+          <p:cNvSpPr txBox="1"/>
+          <p:nvPr/>
+        </p:nvSpPr>
+        <p:spPr>
+          <a:xfrm>
+            <a:off x="1845861" y="5938779"/>
+            <a:ext cx="538765" cy="400110"/>
+          </a:xfrm>
+          <a:prstGeom prst="rect">
+            <a:avLst/>
+          </a:prstGeom>
+          <a:noFill/>
+        </p:spPr>
+        <p:txBody>
+          <a:bodyPr wrap="square" rtlCol="0">
+            <a:spAutoFit/>
+          </a:bodyPr>
+          <a:lstStyle/>
+          <a:p>
+            <a:r>
+              <a:rPr lang="en-SG" sz="1000" b="1" dirty="0">
+                <a:solidFill>
+                  <a:srgbClr val="C00000"/>
+                </a:solidFill>
+              </a:rPr>
+              <a:t>FDI FCI</a:t>
+            </a:r>
+          </a:p>
+        </p:txBody>
+      </p:sp>
+      <p:pic>
+        <p:nvPicPr>
+          <p:cNvPr id="60" name="Picture 59">
+            <a:extLst>
+              <a:ext uri="{FF2B5EF4-FFF2-40B4-BE49-F238E27FC236}">
+                <a16:creationId xmlns:a16="http://schemas.microsoft.com/office/drawing/2014/main" id="{F931650E-1B40-7924-A860-D0E4EADA166B}"/>
+              </a:ext>
+            </a:extLst>
+          </p:cNvPr>
+          <p:cNvPicPr>
+            <a:picLocks noChangeAspect="1"/>
+          </p:cNvPicPr>
+          <p:nvPr/>
+        </p:nvPicPr>
+        <p:blipFill>
+          <a:blip r:embed="rId23"/>
+          <a:stretch>
+            <a:fillRect/>
+          </a:stretch>
+        </p:blipFill>
+        <p:spPr>
+          <a:xfrm>
+            <a:off x="2353542" y="5556670"/>
+            <a:ext cx="391831" cy="400110"/>
+          </a:xfrm>
+          <a:prstGeom prst="rect">
+            <a:avLst/>
+          </a:prstGeom>
+          <a:ln w="9525">
+            <a:solidFill>
+              <a:schemeClr val="tx1"/>
+            </a:solidFill>
+          </a:ln>
+        </p:spPr>
+      </p:pic>
+      <p:sp>
+        <p:nvSpPr>
+          <p:cNvPr id="61" name="TextBox 60">
+            <a:extLst>
+              <a:ext uri="{FF2B5EF4-FFF2-40B4-BE49-F238E27FC236}">
+                <a16:creationId xmlns:a16="http://schemas.microsoft.com/office/drawing/2014/main" id="{0F3ED159-08EC-A4FB-77D5-1A19DBCACBFF}"/>
+              </a:ext>
+            </a:extLst>
+          </p:cNvPr>
+          <p:cNvSpPr txBox="1"/>
+          <p:nvPr/>
+        </p:nvSpPr>
+        <p:spPr>
+          <a:xfrm>
+            <a:off x="2163265" y="5941676"/>
+            <a:ext cx="779617" cy="400110"/>
+          </a:xfrm>
+          <a:prstGeom prst="rect">
+            <a:avLst/>
+          </a:prstGeom>
+          <a:noFill/>
+        </p:spPr>
+        <p:txBody>
+          <a:bodyPr wrap="square" rtlCol="0">
+            <a:spAutoFit/>
+          </a:bodyPr>
+          <a:lstStyle/>
+          <a:p>
+            <a:r>
+              <a:rPr lang="en-SG" sz="1000" b="1" dirty="0">
+                <a:solidFill>
+                  <a:srgbClr val="C00000"/>
+                </a:solidFill>
+              </a:rPr>
+              <a:t>Malware watchdog</a:t>
+            </a:r>
+          </a:p>
+        </p:txBody>
+      </p:sp>
+      <p:pic>
+        <p:nvPicPr>
+          <p:cNvPr id="62" name="Picture 61">
+            <a:extLst>
+              <a:ext uri="{FF2B5EF4-FFF2-40B4-BE49-F238E27FC236}">
+                <a16:creationId xmlns:a16="http://schemas.microsoft.com/office/drawing/2014/main" id="{24F6B089-7007-1415-6E17-ADAE0996E7CC}"/>
+              </a:ext>
+            </a:extLst>
+          </p:cNvPr>
+          <p:cNvPicPr>
+            <a:picLocks noChangeAspect="1"/>
+          </p:cNvPicPr>
+          <p:nvPr/>
+        </p:nvPicPr>
+        <p:blipFill>
+          <a:blip r:embed="rId24"/>
+          <a:stretch>
+            <a:fillRect/>
+          </a:stretch>
+        </p:blipFill>
+        <p:spPr>
+          <a:xfrm>
+            <a:off x="2902264" y="5561827"/>
+            <a:ext cx="392041" cy="376360"/>
+          </a:xfrm>
+          <a:prstGeom prst="rect">
+            <a:avLst/>
+          </a:prstGeom>
+          <a:ln w="9525">
+            <a:solidFill>
+              <a:schemeClr val="tx1"/>
+            </a:solidFill>
+          </a:ln>
+        </p:spPr>
+      </p:pic>
+      <p:pic>
+        <p:nvPicPr>
+          <p:cNvPr id="63" name="Picture 62">
+            <a:extLst>
+              <a:ext uri="{FF2B5EF4-FFF2-40B4-BE49-F238E27FC236}">
+                <a16:creationId xmlns:a16="http://schemas.microsoft.com/office/drawing/2014/main" id="{9D83EF29-3392-CDAA-E3F3-991CBF921226}"/>
+              </a:ext>
+            </a:extLst>
+          </p:cNvPr>
+          <p:cNvPicPr>
+            <a:picLocks noChangeAspect="1"/>
+          </p:cNvPicPr>
+          <p:nvPr/>
+        </p:nvPicPr>
+        <p:blipFill>
+          <a:blip r:embed="rId25"/>
+          <a:stretch>
+            <a:fillRect/>
+          </a:stretch>
+        </p:blipFill>
+        <p:spPr>
+          <a:xfrm>
+            <a:off x="2943176" y="5586163"/>
+            <a:ext cx="222855" cy="155998"/>
+          </a:xfrm>
+          <a:prstGeom prst="rect">
+            <a:avLst/>
+          </a:prstGeom>
+          <a:ln w="12700">
+            <a:solidFill>
+              <a:schemeClr val="tx1"/>
+            </a:solidFill>
+          </a:ln>
+        </p:spPr>
+      </p:pic>
+      <p:sp>
+        <p:nvSpPr>
+          <p:cNvPr id="64" name="TextBox 63">
+            <a:extLst>
+              <a:ext uri="{FF2B5EF4-FFF2-40B4-BE49-F238E27FC236}">
+                <a16:creationId xmlns:a16="http://schemas.microsoft.com/office/drawing/2014/main" id="{C7AAC27A-A96F-356C-7F3A-B6DD750DC6EA}"/>
+              </a:ext>
+            </a:extLst>
+          </p:cNvPr>
+          <p:cNvSpPr txBox="1"/>
+          <p:nvPr/>
+        </p:nvSpPr>
+        <p:spPr>
+          <a:xfrm>
+            <a:off x="2752596" y="5937720"/>
+            <a:ext cx="779617" cy="400110"/>
+          </a:xfrm>
+          <a:prstGeom prst="rect">
+            <a:avLst/>
+          </a:prstGeom>
+          <a:noFill/>
+        </p:spPr>
+        <p:txBody>
+          <a:bodyPr wrap="square" rtlCol="0">
+            <a:spAutoFit/>
+          </a:bodyPr>
+          <a:lstStyle/>
+          <a:p>
+            <a:r>
+              <a:rPr lang="en-SG" sz="1000" b="1" dirty="0">
+                <a:solidFill>
+                  <a:srgbClr val="C00000"/>
+                </a:solidFill>
+              </a:rPr>
+              <a:t>Python-lib</a:t>
+            </a:r>
+          </a:p>
+          <a:p>
+            <a:r>
+              <a:rPr lang="en-SG" sz="1000" b="1" dirty="0">
+                <a:solidFill>
+                  <a:srgbClr val="C00000"/>
+                </a:solidFill>
+              </a:rPr>
+              <a:t>hijack</a:t>
+            </a:r>
+          </a:p>
+        </p:txBody>
+      </p:sp>
+      <p:sp>
+        <p:nvSpPr>
+          <p:cNvPr id="65" name="TextBox 64">
+            <a:extLst>
+              <a:ext uri="{FF2B5EF4-FFF2-40B4-BE49-F238E27FC236}">
+                <a16:creationId xmlns:a16="http://schemas.microsoft.com/office/drawing/2014/main" id="{2F2DE703-AD86-F81D-B3B7-B1AFF1BB85E0}"/>
+              </a:ext>
+            </a:extLst>
+          </p:cNvPr>
+          <p:cNvSpPr txBox="1"/>
+          <p:nvPr/>
+        </p:nvSpPr>
+        <p:spPr>
+          <a:xfrm>
+            <a:off x="457532" y="322362"/>
+            <a:ext cx="3403398" cy="307777"/>
+          </a:xfrm>
+          <a:prstGeom prst="rect">
+            <a:avLst/>
+          </a:prstGeom>
+          <a:noFill/>
+        </p:spPr>
+        <p:txBody>
+          <a:bodyPr wrap="square" rtlCol="0">
+            <a:spAutoFit/>
+          </a:bodyPr>
+          <a:lstStyle/>
+          <a:p>
+            <a:r>
+              <a:rPr lang="en-SG" sz="1400" b="1" dirty="0"/>
+              <a:t>Malicious Activities Plugin Repository </a:t>
+            </a:r>
+          </a:p>
+        </p:txBody>
+      </p:sp>
+      <p:pic>
+        <p:nvPicPr>
+          <p:cNvPr id="66" name="Picture 65">
+            <a:extLst>
+              <a:ext uri="{FF2B5EF4-FFF2-40B4-BE49-F238E27FC236}">
+                <a16:creationId xmlns:a16="http://schemas.microsoft.com/office/drawing/2014/main" id="{AF48DB5F-73CE-3C63-83BA-4D6A4C4649EE}"/>
+              </a:ext>
+            </a:extLst>
+          </p:cNvPr>
+          <p:cNvPicPr>
+            <a:picLocks noChangeAspect="1"/>
+          </p:cNvPicPr>
+          <p:nvPr/>
+        </p:nvPicPr>
+        <p:blipFill>
+          <a:blip r:embed="rId26"/>
+          <a:stretch>
+            <a:fillRect/>
+          </a:stretch>
+        </p:blipFill>
+        <p:spPr>
+          <a:xfrm>
+            <a:off x="3484101" y="4457837"/>
+            <a:ext cx="306472" cy="251307"/>
+          </a:xfrm>
+          <a:prstGeom prst="rect">
+            <a:avLst/>
+          </a:prstGeom>
+          <a:ln w="12700">
+            <a:solidFill>
+              <a:schemeClr val="tx1"/>
+            </a:solidFill>
+          </a:ln>
+        </p:spPr>
+      </p:pic>
+      <p:pic>
+        <p:nvPicPr>
+          <p:cNvPr id="67" name="Picture 66">
+            <a:extLst>
+              <a:ext uri="{FF2B5EF4-FFF2-40B4-BE49-F238E27FC236}">
+                <a16:creationId xmlns:a16="http://schemas.microsoft.com/office/drawing/2014/main" id="{7E86A586-96B7-FDA4-2562-C4FC110DBC7E}"/>
+              </a:ext>
+            </a:extLst>
+          </p:cNvPr>
+          <p:cNvPicPr>
+            <a:picLocks noChangeAspect="1"/>
+          </p:cNvPicPr>
+          <p:nvPr/>
+        </p:nvPicPr>
+        <p:blipFill>
+          <a:blip r:embed="rId26"/>
+          <a:stretch>
+            <a:fillRect/>
+          </a:stretch>
+        </p:blipFill>
+        <p:spPr>
+          <a:xfrm>
+            <a:off x="3462052" y="5632679"/>
+            <a:ext cx="306472" cy="251307"/>
+          </a:xfrm>
+          <a:prstGeom prst="rect">
+            <a:avLst/>
+          </a:prstGeom>
+          <a:ln w="12700">
+            <a:solidFill>
+              <a:schemeClr val="tx1"/>
+            </a:solidFill>
+          </a:ln>
+        </p:spPr>
+      </p:pic>
+      <p:pic>
+        <p:nvPicPr>
+          <p:cNvPr id="68" name="Picture 67">
+            <a:extLst>
+              <a:ext uri="{FF2B5EF4-FFF2-40B4-BE49-F238E27FC236}">
+                <a16:creationId xmlns:a16="http://schemas.microsoft.com/office/drawing/2014/main" id="{55ED55CE-551C-A2E5-7160-4BC1DDF0A2B0}"/>
+              </a:ext>
+            </a:extLst>
+          </p:cNvPr>
+          <p:cNvPicPr>
+            <a:picLocks noChangeAspect="1"/>
+          </p:cNvPicPr>
+          <p:nvPr/>
+        </p:nvPicPr>
+        <p:blipFill>
+          <a:blip r:embed="rId26"/>
+          <a:stretch>
+            <a:fillRect/>
+          </a:stretch>
+        </p:blipFill>
+        <p:spPr>
+          <a:xfrm>
+            <a:off x="3473374" y="3358640"/>
+            <a:ext cx="306472" cy="251307"/>
+          </a:xfrm>
+          <a:prstGeom prst="rect">
+            <a:avLst/>
+          </a:prstGeom>
+          <a:ln w="12700">
+            <a:solidFill>
+              <a:schemeClr val="tx1"/>
+            </a:solidFill>
+          </a:ln>
+        </p:spPr>
+      </p:pic>
+      <p:pic>
+        <p:nvPicPr>
+          <p:cNvPr id="69" name="Picture 68">
+            <a:extLst>
+              <a:ext uri="{FF2B5EF4-FFF2-40B4-BE49-F238E27FC236}">
+                <a16:creationId xmlns:a16="http://schemas.microsoft.com/office/drawing/2014/main" id="{B6DCE7DE-9C0E-8F84-902B-04F52E5A4278}"/>
+              </a:ext>
+            </a:extLst>
+          </p:cNvPr>
+          <p:cNvPicPr>
+            <a:picLocks noChangeAspect="1"/>
+          </p:cNvPicPr>
+          <p:nvPr/>
+        </p:nvPicPr>
+        <p:blipFill>
+          <a:blip r:embed="rId26"/>
+          <a:stretch>
+            <a:fillRect/>
+          </a:stretch>
+        </p:blipFill>
+        <p:spPr>
+          <a:xfrm>
+            <a:off x="3448488" y="2244289"/>
+            <a:ext cx="306472" cy="251307"/>
+          </a:xfrm>
+          <a:prstGeom prst="rect">
+            <a:avLst/>
+          </a:prstGeom>
+          <a:ln w="12700">
+            <a:solidFill>
+              <a:schemeClr val="tx1"/>
+            </a:solidFill>
+          </a:ln>
+        </p:spPr>
+      </p:pic>
+      <p:pic>
+        <p:nvPicPr>
+          <p:cNvPr id="70" name="Picture 69">
+            <a:extLst>
+              <a:ext uri="{FF2B5EF4-FFF2-40B4-BE49-F238E27FC236}">
+                <a16:creationId xmlns:a16="http://schemas.microsoft.com/office/drawing/2014/main" id="{F8DD14A0-3DC1-30F0-5A2F-229A4E1158BA}"/>
+              </a:ext>
+            </a:extLst>
+          </p:cNvPr>
+          <p:cNvPicPr>
+            <a:picLocks noChangeAspect="1"/>
+          </p:cNvPicPr>
+          <p:nvPr/>
+        </p:nvPicPr>
+        <p:blipFill>
+          <a:blip r:embed="rId26"/>
+          <a:stretch>
+            <a:fillRect/>
+          </a:stretch>
+        </p:blipFill>
+        <p:spPr>
+          <a:xfrm>
+            <a:off x="3435668" y="1213998"/>
+            <a:ext cx="306472" cy="251307"/>
+          </a:xfrm>
+          <a:prstGeom prst="rect">
+            <a:avLst/>
+          </a:prstGeom>
+          <a:ln w="12700">
+            <a:solidFill>
+              <a:schemeClr val="tx1"/>
+            </a:solidFill>
+          </a:ln>
+        </p:spPr>
+      </p:pic>
+      <p:sp>
+        <p:nvSpPr>
+          <p:cNvPr id="71" name="Rectangle 70">
+            <a:extLst>
+              <a:ext uri="{FF2B5EF4-FFF2-40B4-BE49-F238E27FC236}">
+                <a16:creationId xmlns:a16="http://schemas.microsoft.com/office/drawing/2014/main" id="{B7291DF1-2BF9-605B-3A62-B9C547FDF8DB}"/>
+              </a:ext>
+            </a:extLst>
+          </p:cNvPr>
+          <p:cNvSpPr/>
+          <p:nvPr/>
+        </p:nvSpPr>
+        <p:spPr>
+          <a:xfrm>
+            <a:off x="5134340" y="2997535"/>
+            <a:ext cx="3513666" cy="3030443"/>
+          </a:xfrm>
+          <a:prstGeom prst="rect">
+            <a:avLst/>
+          </a:prstGeom>
+          <a:solidFill>
+            <a:schemeClr val="accent6">
+              <a:lumMod val="20000"/>
+              <a:lumOff val="80000"/>
+            </a:schemeClr>
+          </a:solidFill>
+        </p:spPr>
+        <p:style>
+          <a:lnRef idx="2">
+            <a:schemeClr val="accent1">
+              <a:shade val="15000"/>
+            </a:schemeClr>
+          </a:lnRef>
+          <a:fillRef idx="1">
+            <a:schemeClr val="accent1"/>
+          </a:fillRef>
+          <a:effectRef idx="0">
+            <a:schemeClr val="accent1"/>
+          </a:effectRef>
+          <a:fontRef idx="minor">
+            <a:schemeClr val="lt1"/>
+          </a:fontRef>
+        </p:style>
+        <p:txBody>
+          <a:bodyPr rtlCol="0" anchor="ctr"/>
+          <a:lstStyle/>
+          <a:p>
+            <a:pPr algn="ctr"/>
+            <a:endParaRPr lang="en-SG" dirty="0"/>
+          </a:p>
+        </p:txBody>
+      </p:sp>
+      <p:pic>
+        <p:nvPicPr>
+          <p:cNvPr id="72" name="Picture 71">
+            <a:extLst>
+              <a:ext uri="{FF2B5EF4-FFF2-40B4-BE49-F238E27FC236}">
+                <a16:creationId xmlns:a16="http://schemas.microsoft.com/office/drawing/2014/main" id="{D2957447-BC80-BE7E-C59A-B7C4F9DB24F7}"/>
+              </a:ext>
+            </a:extLst>
+          </p:cNvPr>
+          <p:cNvPicPr>
+            <a:picLocks noChangeAspect="1"/>
+          </p:cNvPicPr>
+          <p:nvPr/>
+        </p:nvPicPr>
+        <p:blipFill>
+          <a:blip r:embed="rId27"/>
+          <a:stretch>
+            <a:fillRect/>
+          </a:stretch>
+        </p:blipFill>
+        <p:spPr>
+          <a:xfrm>
+            <a:off x="7276019" y="5304182"/>
+            <a:ext cx="1269629" cy="584213"/>
+          </a:xfrm>
+          <a:prstGeom prst="rect">
+            <a:avLst/>
+          </a:prstGeom>
+          <a:ln w="19050">
+            <a:solidFill>
+              <a:srgbClr val="FF0000"/>
+            </a:solidFill>
+            <a:prstDash val="sysDash"/>
+          </a:ln>
+        </p:spPr>
+      </p:pic>
+      <p:sp>
+        <p:nvSpPr>
+          <p:cNvPr id="73" name="TextBox 72">
+            <a:extLst>
+              <a:ext uri="{FF2B5EF4-FFF2-40B4-BE49-F238E27FC236}">
+                <a16:creationId xmlns:a16="http://schemas.microsoft.com/office/drawing/2014/main" id="{E13F6C77-DD1B-B835-56C7-C1FB2CD9CC65}"/>
+              </a:ext>
+            </a:extLst>
+          </p:cNvPr>
+          <p:cNvSpPr txBox="1"/>
+          <p:nvPr/>
+        </p:nvSpPr>
+        <p:spPr>
+          <a:xfrm>
+            <a:off x="5205529" y="5365784"/>
+            <a:ext cx="2326661" cy="523220"/>
+          </a:xfrm>
+          <a:prstGeom prst="rect">
+            <a:avLst/>
+          </a:prstGeom>
+          <a:noFill/>
+        </p:spPr>
+        <p:txBody>
+          <a:bodyPr wrap="square">
+            <a:spAutoFit/>
+          </a:bodyPr>
+          <a:lstStyle/>
+          <a:p>
+            <a:r>
+              <a:rPr lang="en-SG" sz="1400" b="1" dirty="0">
+                <a:solidFill>
+                  <a:schemeClr val="tx1"/>
+                </a:solidFill>
+              </a:rPr>
+              <a:t>Command and Control (C2)</a:t>
+            </a:r>
+            <a:r>
+              <a:rPr lang="en-US" sz="1400" b="1" dirty="0">
+                <a:solidFill>
+                  <a:schemeClr val="tx1"/>
+                </a:solidFill>
+              </a:rPr>
+              <a:t> Orchestrator </a:t>
+            </a:r>
+            <a:r>
+              <a:rPr lang="en-SG" sz="1400" b="1" dirty="0"/>
+              <a:t> </a:t>
+            </a:r>
+          </a:p>
+        </p:txBody>
+      </p:sp>
+      <p:sp>
+        <p:nvSpPr>
+          <p:cNvPr id="74" name="Rectangle 73">
+            <a:extLst>
+              <a:ext uri="{FF2B5EF4-FFF2-40B4-BE49-F238E27FC236}">
+                <a16:creationId xmlns:a16="http://schemas.microsoft.com/office/drawing/2014/main" id="{557005A1-295B-5D77-4B1A-F7F13DD92846}"/>
+              </a:ext>
+            </a:extLst>
+          </p:cNvPr>
+          <p:cNvSpPr/>
+          <p:nvPr/>
+        </p:nvSpPr>
+        <p:spPr>
+          <a:xfrm>
+            <a:off x="6826455" y="3246799"/>
+            <a:ext cx="1699732" cy="386845"/>
+          </a:xfrm>
+          <a:prstGeom prst="rect">
+            <a:avLst/>
+          </a:prstGeom>
+          <a:solidFill>
+            <a:schemeClr val="accent6">
+              <a:lumMod val="60000"/>
+              <a:lumOff val="40000"/>
+            </a:schemeClr>
+          </a:solidFill>
+          <a:ln>
+            <a:prstDash val="sysDash"/>
+          </a:ln>
+        </p:spPr>
+        <p:style>
+          <a:lnRef idx="2">
+            <a:schemeClr val="accent1">
+              <a:shade val="15000"/>
+            </a:schemeClr>
+          </a:lnRef>
+          <a:fillRef idx="1">
+            <a:schemeClr val="accent1"/>
+          </a:fillRef>
+          <a:effectRef idx="0">
+            <a:schemeClr val="accent1"/>
+          </a:effectRef>
+          <a:fontRef idx="minor">
+            <a:schemeClr val="lt1"/>
+          </a:fontRef>
+        </p:style>
+        <p:txBody>
+          <a:bodyPr rtlCol="0" anchor="ctr"/>
+          <a:lstStyle/>
+          <a:p>
+            <a:r>
+              <a:rPr lang="en-SG" sz="1200" b="1" dirty="0">
+                <a:solidFill>
+                  <a:schemeClr val="tx1"/>
+                </a:solidFill>
+              </a:rPr>
+              <a:t>Malware tasks management module</a:t>
+            </a:r>
+          </a:p>
+        </p:txBody>
+      </p:sp>
+      <p:sp>
+        <p:nvSpPr>
+          <p:cNvPr id="75" name="Rectangle 74">
+            <a:extLst>
+              <a:ext uri="{FF2B5EF4-FFF2-40B4-BE49-F238E27FC236}">
+                <a16:creationId xmlns:a16="http://schemas.microsoft.com/office/drawing/2014/main" id="{A522B920-36F0-D70E-FD64-A3754932ADE8}"/>
+              </a:ext>
+            </a:extLst>
+          </p:cNvPr>
+          <p:cNvSpPr/>
+          <p:nvPr/>
+        </p:nvSpPr>
+        <p:spPr>
+          <a:xfrm>
+            <a:off x="5281948" y="4032371"/>
+            <a:ext cx="1612628" cy="386845"/>
+          </a:xfrm>
+          <a:prstGeom prst="rect">
+            <a:avLst/>
+          </a:prstGeom>
+          <a:solidFill>
+            <a:schemeClr val="accent6">
+              <a:lumMod val="60000"/>
+              <a:lumOff val="40000"/>
+            </a:schemeClr>
+          </a:solidFill>
+          <a:ln>
+            <a:prstDash val="sysDash"/>
+          </a:ln>
+        </p:spPr>
+        <p:style>
+          <a:lnRef idx="2">
+            <a:schemeClr val="accent1">
+              <a:shade val="15000"/>
+            </a:schemeClr>
+          </a:lnRef>
+          <a:fillRef idx="1">
+            <a:schemeClr val="accent1"/>
+          </a:fillRef>
+          <a:effectRef idx="0">
+            <a:schemeClr val="accent1"/>
+          </a:effectRef>
+          <a:fontRef idx="minor">
+            <a:schemeClr val="lt1"/>
+          </a:fontRef>
+        </p:style>
+        <p:txBody>
+          <a:bodyPr rtlCol="0" anchor="ctr"/>
+          <a:lstStyle/>
+          <a:p>
+            <a:r>
+              <a:rPr lang="en-US" sz="1200" b="1" dirty="0">
+                <a:solidFill>
+                  <a:schemeClr val="tx1"/>
+                </a:solidFill>
+              </a:rPr>
+              <a:t>Attack function assemble module </a:t>
+            </a:r>
+            <a:endParaRPr lang="en-SG" sz="1200" b="1" dirty="0">
+              <a:solidFill>
+                <a:schemeClr val="tx1"/>
+              </a:solidFill>
+            </a:endParaRPr>
+          </a:p>
+        </p:txBody>
+      </p:sp>
+      <p:pic>
+        <p:nvPicPr>
+          <p:cNvPr id="76" name="Picture 75">
+            <a:extLst>
+              <a:ext uri="{FF2B5EF4-FFF2-40B4-BE49-F238E27FC236}">
+                <a16:creationId xmlns:a16="http://schemas.microsoft.com/office/drawing/2014/main" id="{66ECCC8B-3E24-5B50-A2DB-88A1CCA6AD91}"/>
+              </a:ext>
+            </a:extLst>
+          </p:cNvPr>
+          <p:cNvPicPr>
+            <a:picLocks noChangeAspect="1"/>
+          </p:cNvPicPr>
+          <p:nvPr/>
+        </p:nvPicPr>
+        <p:blipFill>
+          <a:blip r:embed="rId25"/>
+          <a:stretch>
+            <a:fillRect/>
+          </a:stretch>
+        </p:blipFill>
+        <p:spPr>
+          <a:xfrm>
+            <a:off x="3434269" y="1588894"/>
+            <a:ext cx="356212" cy="249348"/>
+          </a:xfrm>
+          <a:prstGeom prst="rect">
+            <a:avLst/>
+          </a:prstGeom>
+        </p:spPr>
+      </p:pic>
+      <p:cxnSp>
+        <p:nvCxnSpPr>
+          <p:cNvPr id="77" name="Straight Arrow Connector 76">
+            <a:extLst>
+              <a:ext uri="{FF2B5EF4-FFF2-40B4-BE49-F238E27FC236}">
+                <a16:creationId xmlns:a16="http://schemas.microsoft.com/office/drawing/2014/main" id="{F5C7E779-CB2E-B43B-6773-A6E8F3512C84}"/>
+              </a:ext>
+            </a:extLst>
+          </p:cNvPr>
+          <p:cNvCxnSpPr>
+            <a:cxnSpLocks/>
+          </p:cNvCxnSpPr>
+          <p:nvPr/>
+        </p:nvCxnSpPr>
+        <p:spPr>
+          <a:xfrm>
+            <a:off x="10242850" y="4850643"/>
+            <a:ext cx="0" cy="655843"/>
+          </a:xfrm>
+          <a:prstGeom prst="straightConnector1">
+            <a:avLst/>
+          </a:prstGeom>
+          <a:ln>
+            <a:solidFill>
+              <a:srgbClr val="C00000"/>
+            </a:solidFill>
+            <a:prstDash val="sysDash"/>
+            <a:tailEnd type="triangle"/>
+          </a:ln>
+        </p:spPr>
+        <p:style>
+          <a:lnRef idx="2">
+            <a:schemeClr val="accent1"/>
+          </a:lnRef>
+          <a:fillRef idx="0">
+            <a:schemeClr val="accent1"/>
+          </a:fillRef>
+          <a:effectRef idx="1">
+            <a:schemeClr val="accent1"/>
+          </a:effectRef>
+          <a:fontRef idx="minor">
+            <a:schemeClr val="tx1"/>
+          </a:fontRef>
+        </p:style>
+      </p:cxnSp>
+      <p:pic>
+        <p:nvPicPr>
+          <p:cNvPr id="78" name="Picture 77">
+            <a:extLst>
+              <a:ext uri="{FF2B5EF4-FFF2-40B4-BE49-F238E27FC236}">
+                <a16:creationId xmlns:a16="http://schemas.microsoft.com/office/drawing/2014/main" id="{4D42CBD4-550C-F92C-FBB9-7AE10D76D4E3}"/>
+              </a:ext>
+            </a:extLst>
+          </p:cNvPr>
+          <p:cNvPicPr>
+            <a:picLocks noChangeAspect="1"/>
+          </p:cNvPicPr>
+          <p:nvPr/>
+        </p:nvPicPr>
+        <p:blipFill>
+          <a:blip r:embed="rId25"/>
+          <a:stretch>
+            <a:fillRect/>
+          </a:stretch>
+        </p:blipFill>
+        <p:spPr>
+          <a:xfrm>
+            <a:off x="3444428" y="2682107"/>
+            <a:ext cx="356212" cy="249348"/>
+          </a:xfrm>
+          <a:prstGeom prst="rect">
+            <a:avLst/>
+          </a:prstGeom>
+        </p:spPr>
+      </p:pic>
+      <p:cxnSp>
+        <p:nvCxnSpPr>
+          <p:cNvPr id="83" name="Straight Arrow Connector 82">
+            <a:extLst>
+              <a:ext uri="{FF2B5EF4-FFF2-40B4-BE49-F238E27FC236}">
+                <a16:creationId xmlns:a16="http://schemas.microsoft.com/office/drawing/2014/main" id="{134EDFFC-809F-297F-F6E1-510E898C2992}"/>
+              </a:ext>
+            </a:extLst>
+          </p:cNvPr>
+          <p:cNvCxnSpPr>
+            <a:cxnSpLocks/>
+          </p:cNvCxnSpPr>
+          <p:nvPr/>
+        </p:nvCxnSpPr>
+        <p:spPr>
+          <a:xfrm>
+            <a:off x="6894576" y="4207990"/>
+            <a:ext cx="420624" cy="0"/>
+          </a:xfrm>
+          <a:prstGeom prst="straightConnector1">
+            <a:avLst/>
+          </a:prstGeom>
+          <a:ln>
+            <a:solidFill>
+              <a:schemeClr val="accent6">
+                <a:lumMod val="75000"/>
+              </a:schemeClr>
+            </a:solidFill>
+            <a:prstDash val="sysDash"/>
+            <a:tailEnd type="triangle"/>
+          </a:ln>
+        </p:spPr>
+        <p:style>
+          <a:lnRef idx="2">
+            <a:schemeClr val="accent1"/>
+          </a:lnRef>
+          <a:fillRef idx="0">
+            <a:schemeClr val="accent1"/>
+          </a:fillRef>
+          <a:effectRef idx="1">
+            <a:schemeClr val="accent1"/>
+          </a:effectRef>
+          <a:fontRef idx="minor">
+            <a:schemeClr val="tx1"/>
+          </a:fontRef>
+        </p:style>
+      </p:cxnSp>
+      <p:pic>
+        <p:nvPicPr>
+          <p:cNvPr id="84" name="Picture 83">
+            <a:extLst>
+              <a:ext uri="{FF2B5EF4-FFF2-40B4-BE49-F238E27FC236}">
+                <a16:creationId xmlns:a16="http://schemas.microsoft.com/office/drawing/2014/main" id="{8FA02B5D-4849-CE44-0EB0-D286DEAE355A}"/>
+              </a:ext>
+            </a:extLst>
+          </p:cNvPr>
+          <p:cNvPicPr>
+            <a:picLocks noChangeAspect="1"/>
+          </p:cNvPicPr>
+          <p:nvPr/>
+        </p:nvPicPr>
+        <p:blipFill>
+          <a:blip r:embed="rId25"/>
+          <a:stretch>
+            <a:fillRect/>
+          </a:stretch>
+        </p:blipFill>
+        <p:spPr>
+          <a:xfrm>
+            <a:off x="3459231" y="3797302"/>
+            <a:ext cx="356212" cy="249348"/>
+          </a:xfrm>
+          <a:prstGeom prst="rect">
+            <a:avLst/>
+          </a:prstGeom>
+        </p:spPr>
+      </p:pic>
+      <p:pic>
+        <p:nvPicPr>
+          <p:cNvPr id="85" name="Picture 84">
+            <a:extLst>
+              <a:ext uri="{FF2B5EF4-FFF2-40B4-BE49-F238E27FC236}">
+                <a16:creationId xmlns:a16="http://schemas.microsoft.com/office/drawing/2014/main" id="{15236F79-6290-C631-3ACE-1D40B07B2D6E}"/>
+              </a:ext>
+            </a:extLst>
+          </p:cNvPr>
+          <p:cNvPicPr>
+            <a:picLocks noChangeAspect="1"/>
+          </p:cNvPicPr>
+          <p:nvPr/>
+        </p:nvPicPr>
+        <p:blipFill>
+          <a:blip r:embed="rId25"/>
+          <a:stretch>
+            <a:fillRect/>
+          </a:stretch>
+        </p:blipFill>
+        <p:spPr>
+          <a:xfrm>
+            <a:off x="3465708" y="4918712"/>
+            <a:ext cx="356212" cy="249348"/>
+          </a:xfrm>
+          <a:prstGeom prst="rect">
+            <a:avLst/>
+          </a:prstGeom>
+        </p:spPr>
+      </p:pic>
+      <p:pic>
+        <p:nvPicPr>
+          <p:cNvPr id="86" name="Picture 85">
+            <a:extLst>
+              <a:ext uri="{FF2B5EF4-FFF2-40B4-BE49-F238E27FC236}">
+                <a16:creationId xmlns:a16="http://schemas.microsoft.com/office/drawing/2014/main" id="{90891225-728E-38F6-526C-3B4705225779}"/>
+              </a:ext>
+            </a:extLst>
+          </p:cNvPr>
+          <p:cNvPicPr>
+            <a:picLocks noChangeAspect="1"/>
+          </p:cNvPicPr>
+          <p:nvPr/>
+        </p:nvPicPr>
+        <p:blipFill>
+          <a:blip r:embed="rId25"/>
+          <a:stretch>
+            <a:fillRect/>
+          </a:stretch>
+        </p:blipFill>
+        <p:spPr>
+          <a:xfrm>
+            <a:off x="3429739" y="5972052"/>
+            <a:ext cx="356212" cy="249348"/>
+          </a:xfrm>
+          <a:prstGeom prst="rect">
+            <a:avLst/>
+          </a:prstGeom>
+        </p:spPr>
+      </p:pic>
+      <p:sp>
+        <p:nvSpPr>
+          <p:cNvPr id="88" name="Rectangle 87">
+            <a:extLst>
+              <a:ext uri="{FF2B5EF4-FFF2-40B4-BE49-F238E27FC236}">
+                <a16:creationId xmlns:a16="http://schemas.microsoft.com/office/drawing/2014/main" id="{F7327EC2-8D86-61E0-67D1-8ADFCF1FCD48}"/>
+              </a:ext>
+            </a:extLst>
+          </p:cNvPr>
+          <p:cNvSpPr/>
+          <p:nvPr/>
+        </p:nvSpPr>
+        <p:spPr>
+          <a:xfrm>
+            <a:off x="5281948" y="4781215"/>
+            <a:ext cx="1612628" cy="386845"/>
+          </a:xfrm>
+          <a:prstGeom prst="rect">
+            <a:avLst/>
+          </a:prstGeom>
+          <a:solidFill>
+            <a:schemeClr val="accent6">
+              <a:lumMod val="60000"/>
+              <a:lumOff val="40000"/>
+            </a:schemeClr>
+          </a:solidFill>
+          <a:ln>
+            <a:prstDash val="sysDash"/>
+          </a:ln>
+        </p:spPr>
+        <p:style>
+          <a:lnRef idx="2">
+            <a:schemeClr val="accent1">
+              <a:shade val="15000"/>
+            </a:schemeClr>
+          </a:lnRef>
+          <a:fillRef idx="1">
+            <a:schemeClr val="accent1"/>
+          </a:fillRef>
+          <a:effectRef idx="0">
+            <a:schemeClr val="accent1"/>
+          </a:effectRef>
+          <a:fontRef idx="minor">
+            <a:schemeClr val="lt1"/>
+          </a:fontRef>
+        </p:style>
+        <p:txBody>
+          <a:bodyPr rtlCol="0" anchor="ctr"/>
+          <a:lstStyle/>
+          <a:p>
+            <a:r>
+              <a:rPr lang="en-US" sz="1200" b="1" dirty="0">
+                <a:solidFill>
+                  <a:schemeClr val="tx1"/>
+                </a:solidFill>
+              </a:rPr>
+              <a:t>Malicious program injection module </a:t>
+            </a:r>
+            <a:endParaRPr lang="en-SG" sz="1200" b="1" dirty="0">
+              <a:solidFill>
+                <a:schemeClr val="tx1"/>
+              </a:solidFill>
+            </a:endParaRPr>
+          </a:p>
+        </p:txBody>
+      </p:sp>
+      <p:cxnSp>
+        <p:nvCxnSpPr>
+          <p:cNvPr id="89" name="Straight Arrow Connector 88">
+            <a:extLst>
+              <a:ext uri="{FF2B5EF4-FFF2-40B4-BE49-F238E27FC236}">
+                <a16:creationId xmlns:a16="http://schemas.microsoft.com/office/drawing/2014/main" id="{03C16D02-7AFC-25C3-53A0-4482FD358267}"/>
+              </a:ext>
+            </a:extLst>
+          </p:cNvPr>
+          <p:cNvCxnSpPr>
+            <a:cxnSpLocks/>
+            <a:stCxn id="70" idx="3"/>
+            <a:endCxn id="75" idx="1"/>
+          </p:cNvCxnSpPr>
+          <p:nvPr/>
+        </p:nvCxnSpPr>
+        <p:spPr>
+          <a:xfrm>
+            <a:off x="3742140" y="1339652"/>
+            <a:ext cx="1539808" cy="2886142"/>
+          </a:xfrm>
+          <a:prstGeom prst="straightConnector1">
+            <a:avLst/>
+          </a:prstGeom>
+          <a:ln>
+            <a:tailEnd type="triangle"/>
+          </a:ln>
+        </p:spPr>
+        <p:style>
+          <a:lnRef idx="2">
+            <a:schemeClr val="accent1"/>
+          </a:lnRef>
+          <a:fillRef idx="0">
+            <a:schemeClr val="accent1"/>
+          </a:fillRef>
+          <a:effectRef idx="1">
+            <a:schemeClr val="accent1"/>
+          </a:effectRef>
+          <a:fontRef idx="minor">
+            <a:schemeClr val="tx1"/>
+          </a:fontRef>
+        </p:style>
+      </p:cxnSp>
+      <p:cxnSp>
+        <p:nvCxnSpPr>
+          <p:cNvPr id="92" name="Straight Arrow Connector 91">
+            <a:extLst>
+              <a:ext uri="{FF2B5EF4-FFF2-40B4-BE49-F238E27FC236}">
+                <a16:creationId xmlns:a16="http://schemas.microsoft.com/office/drawing/2014/main" id="{7B3B5B20-2346-B044-C1D4-54FBC160AC60}"/>
+              </a:ext>
+            </a:extLst>
+          </p:cNvPr>
+          <p:cNvCxnSpPr>
+            <a:cxnSpLocks/>
+            <a:stCxn id="69" idx="3"/>
+            <a:endCxn id="75" idx="1"/>
+          </p:cNvCxnSpPr>
+          <p:nvPr/>
+        </p:nvCxnSpPr>
+        <p:spPr>
+          <a:xfrm>
+            <a:off x="3754960" y="2369943"/>
+            <a:ext cx="1526988" cy="1855851"/>
+          </a:xfrm>
+          <a:prstGeom prst="straightConnector1">
+            <a:avLst/>
+          </a:prstGeom>
+          <a:ln>
+            <a:tailEnd type="triangle"/>
+          </a:ln>
+        </p:spPr>
+        <p:style>
+          <a:lnRef idx="2">
+            <a:schemeClr val="accent1"/>
+          </a:lnRef>
+          <a:fillRef idx="0">
+            <a:schemeClr val="accent1"/>
+          </a:fillRef>
+          <a:effectRef idx="1">
+            <a:schemeClr val="accent1"/>
+          </a:effectRef>
+          <a:fontRef idx="minor">
+            <a:schemeClr val="tx1"/>
+          </a:fontRef>
+        </p:style>
+      </p:cxnSp>
+      <p:cxnSp>
+        <p:nvCxnSpPr>
+          <p:cNvPr id="95" name="Straight Arrow Connector 94">
+            <a:extLst>
+              <a:ext uri="{FF2B5EF4-FFF2-40B4-BE49-F238E27FC236}">
+                <a16:creationId xmlns:a16="http://schemas.microsoft.com/office/drawing/2014/main" id="{D649FF26-554B-4414-D49D-45AF19299473}"/>
+              </a:ext>
+            </a:extLst>
+          </p:cNvPr>
+          <p:cNvCxnSpPr>
+            <a:cxnSpLocks/>
+            <a:stCxn id="68" idx="3"/>
+            <a:endCxn id="75" idx="1"/>
+          </p:cNvCxnSpPr>
+          <p:nvPr/>
+        </p:nvCxnSpPr>
+        <p:spPr>
+          <a:xfrm>
+            <a:off x="3779846" y="3484294"/>
+            <a:ext cx="1502102" cy="741500"/>
+          </a:xfrm>
+          <a:prstGeom prst="straightConnector1">
+            <a:avLst/>
+          </a:prstGeom>
+          <a:ln>
+            <a:tailEnd type="triangle"/>
+          </a:ln>
+        </p:spPr>
+        <p:style>
+          <a:lnRef idx="2">
+            <a:schemeClr val="accent1"/>
+          </a:lnRef>
+          <a:fillRef idx="0">
+            <a:schemeClr val="accent1"/>
+          </a:fillRef>
+          <a:effectRef idx="1">
+            <a:schemeClr val="accent1"/>
+          </a:effectRef>
+          <a:fontRef idx="minor">
+            <a:schemeClr val="tx1"/>
+          </a:fontRef>
+        </p:style>
+      </p:cxnSp>
+      <p:cxnSp>
+        <p:nvCxnSpPr>
+          <p:cNvPr id="98" name="Straight Arrow Connector 97">
+            <a:extLst>
+              <a:ext uri="{FF2B5EF4-FFF2-40B4-BE49-F238E27FC236}">
+                <a16:creationId xmlns:a16="http://schemas.microsoft.com/office/drawing/2014/main" id="{8D6127F3-579F-2906-CE9D-8EE2DEA3A3AD}"/>
+              </a:ext>
+            </a:extLst>
+          </p:cNvPr>
+          <p:cNvCxnSpPr>
+            <a:cxnSpLocks/>
+            <a:stCxn id="66" idx="3"/>
+            <a:endCxn id="75" idx="1"/>
+          </p:cNvCxnSpPr>
+          <p:nvPr/>
+        </p:nvCxnSpPr>
+        <p:spPr>
+          <a:xfrm flipV="1">
+            <a:off x="3790573" y="4225794"/>
+            <a:ext cx="1491375" cy="357697"/>
+          </a:xfrm>
+          <a:prstGeom prst="straightConnector1">
+            <a:avLst/>
+          </a:prstGeom>
+          <a:ln>
+            <a:tailEnd type="triangle"/>
+          </a:ln>
+        </p:spPr>
+        <p:style>
+          <a:lnRef idx="2">
+            <a:schemeClr val="accent1"/>
+          </a:lnRef>
+          <a:fillRef idx="0">
+            <a:schemeClr val="accent1"/>
+          </a:fillRef>
+          <a:effectRef idx="1">
+            <a:schemeClr val="accent1"/>
+          </a:effectRef>
+          <a:fontRef idx="minor">
+            <a:schemeClr val="tx1"/>
+          </a:fontRef>
+        </p:style>
+      </p:cxnSp>
+      <p:cxnSp>
+        <p:nvCxnSpPr>
+          <p:cNvPr id="101" name="Straight Arrow Connector 100">
+            <a:extLst>
+              <a:ext uri="{FF2B5EF4-FFF2-40B4-BE49-F238E27FC236}">
+                <a16:creationId xmlns:a16="http://schemas.microsoft.com/office/drawing/2014/main" id="{E28D02C7-6789-8BD8-7965-F2E956B6A0DC}"/>
+              </a:ext>
+            </a:extLst>
+          </p:cNvPr>
+          <p:cNvCxnSpPr>
+            <a:cxnSpLocks/>
+            <a:stCxn id="67" idx="3"/>
+          </p:cNvCxnSpPr>
+          <p:nvPr/>
+        </p:nvCxnSpPr>
+        <p:spPr>
+          <a:xfrm flipV="1">
+            <a:off x="3768524" y="4225794"/>
+            <a:ext cx="1513424" cy="1532539"/>
+          </a:xfrm>
+          <a:prstGeom prst="straightConnector1">
+            <a:avLst/>
+          </a:prstGeom>
+          <a:ln>
+            <a:tailEnd type="triangle"/>
+          </a:ln>
+        </p:spPr>
+        <p:style>
+          <a:lnRef idx="2">
+            <a:schemeClr val="accent1"/>
+          </a:lnRef>
+          <a:fillRef idx="0">
+            <a:schemeClr val="accent1"/>
+          </a:fillRef>
+          <a:effectRef idx="1">
+            <a:schemeClr val="accent1"/>
+          </a:effectRef>
+          <a:fontRef idx="minor">
+            <a:schemeClr val="tx1"/>
+          </a:fontRef>
+        </p:style>
+      </p:cxnSp>
+      <p:sp>
+        <p:nvSpPr>
+          <p:cNvPr id="104" name="TextBox 103">
+            <a:extLst>
+              <a:ext uri="{FF2B5EF4-FFF2-40B4-BE49-F238E27FC236}">
+                <a16:creationId xmlns:a16="http://schemas.microsoft.com/office/drawing/2014/main" id="{D9C06AED-E4FA-C009-7104-06B8FAEEB3E2}"/>
+              </a:ext>
+            </a:extLst>
+          </p:cNvPr>
+          <p:cNvSpPr txBox="1"/>
+          <p:nvPr/>
+        </p:nvSpPr>
+        <p:spPr>
+          <a:xfrm>
+            <a:off x="4272171" y="2279875"/>
+            <a:ext cx="1205906" cy="646331"/>
+          </a:xfrm>
+          <a:prstGeom prst="rect">
+            <a:avLst/>
+          </a:prstGeom>
+          <a:noFill/>
+        </p:spPr>
+        <p:txBody>
+          <a:bodyPr wrap="square" rtlCol="0">
+            <a:spAutoFit/>
+          </a:bodyPr>
+          <a:lstStyle/>
+          <a:p>
+            <a:r>
+              <a:rPr lang="en-SG" sz="1200" b="1" dirty="0">
+                <a:solidFill>
+                  <a:schemeClr val="tx2">
+                    <a:lumMod val="75000"/>
+                    <a:lumOff val="25000"/>
+                  </a:schemeClr>
+                </a:solidFill>
+              </a:rPr>
+              <a:t>Import attack module source code</a:t>
+            </a:r>
+          </a:p>
+        </p:txBody>
+      </p:sp>
+      <p:cxnSp>
+        <p:nvCxnSpPr>
+          <p:cNvPr id="105" name="Straight Arrow Connector 104">
+            <a:extLst>
+              <a:ext uri="{FF2B5EF4-FFF2-40B4-BE49-F238E27FC236}">
+                <a16:creationId xmlns:a16="http://schemas.microsoft.com/office/drawing/2014/main" id="{F70E401E-967C-1306-D730-FD3834DE326B}"/>
+              </a:ext>
+            </a:extLst>
+          </p:cNvPr>
+          <p:cNvCxnSpPr>
+            <a:cxnSpLocks/>
+            <a:stCxn id="76" idx="3"/>
+            <a:endCxn id="88" idx="1"/>
+          </p:cNvCxnSpPr>
+          <p:nvPr/>
+        </p:nvCxnSpPr>
+        <p:spPr>
+          <a:xfrm>
+            <a:off x="3790481" y="1713568"/>
+            <a:ext cx="1491467" cy="3261070"/>
+          </a:xfrm>
+          <a:prstGeom prst="straightConnector1">
+            <a:avLst/>
+          </a:prstGeom>
+          <a:ln>
+            <a:solidFill>
+              <a:srgbClr val="C00000"/>
+            </a:solidFill>
+            <a:tailEnd type="triangle"/>
+          </a:ln>
+        </p:spPr>
+        <p:style>
+          <a:lnRef idx="2">
+            <a:schemeClr val="accent1"/>
+          </a:lnRef>
+          <a:fillRef idx="0">
+            <a:schemeClr val="accent1"/>
+          </a:fillRef>
+          <a:effectRef idx="1">
+            <a:schemeClr val="accent1"/>
+          </a:effectRef>
+          <a:fontRef idx="minor">
+            <a:schemeClr val="tx1"/>
+          </a:fontRef>
+        </p:style>
+      </p:cxnSp>
+      <p:cxnSp>
+        <p:nvCxnSpPr>
+          <p:cNvPr id="108" name="Straight Arrow Connector 107">
+            <a:extLst>
+              <a:ext uri="{FF2B5EF4-FFF2-40B4-BE49-F238E27FC236}">
+                <a16:creationId xmlns:a16="http://schemas.microsoft.com/office/drawing/2014/main" id="{AA2E263C-77D1-7CB4-CBC8-C487BC403915}"/>
+              </a:ext>
+            </a:extLst>
+          </p:cNvPr>
+          <p:cNvCxnSpPr>
+            <a:cxnSpLocks/>
+            <a:stCxn id="78" idx="3"/>
+            <a:endCxn id="88" idx="1"/>
+          </p:cNvCxnSpPr>
+          <p:nvPr/>
+        </p:nvCxnSpPr>
+        <p:spPr>
+          <a:xfrm>
+            <a:off x="3800640" y="2806781"/>
+            <a:ext cx="1481308" cy="2167857"/>
+          </a:xfrm>
+          <a:prstGeom prst="straightConnector1">
+            <a:avLst/>
+          </a:prstGeom>
+          <a:ln>
+            <a:solidFill>
+              <a:srgbClr val="C00000"/>
+            </a:solidFill>
+            <a:tailEnd type="triangle"/>
+          </a:ln>
+        </p:spPr>
+        <p:style>
+          <a:lnRef idx="2">
+            <a:schemeClr val="accent1"/>
+          </a:lnRef>
+          <a:fillRef idx="0">
+            <a:schemeClr val="accent1"/>
+          </a:fillRef>
+          <a:effectRef idx="1">
+            <a:schemeClr val="accent1"/>
+          </a:effectRef>
+          <a:fontRef idx="minor">
+            <a:schemeClr val="tx1"/>
+          </a:fontRef>
+        </p:style>
+      </p:cxnSp>
+      <p:cxnSp>
+        <p:nvCxnSpPr>
+          <p:cNvPr id="111" name="Straight Arrow Connector 110">
+            <a:extLst>
+              <a:ext uri="{FF2B5EF4-FFF2-40B4-BE49-F238E27FC236}">
+                <a16:creationId xmlns:a16="http://schemas.microsoft.com/office/drawing/2014/main" id="{75462B73-8329-BA67-B832-21E0FC0A6DFB}"/>
+              </a:ext>
+            </a:extLst>
+          </p:cNvPr>
+          <p:cNvCxnSpPr>
+            <a:cxnSpLocks/>
+            <a:stCxn id="84" idx="3"/>
+            <a:endCxn id="88" idx="1"/>
+          </p:cNvCxnSpPr>
+          <p:nvPr/>
+        </p:nvCxnSpPr>
+        <p:spPr>
+          <a:xfrm>
+            <a:off x="3815443" y="3921976"/>
+            <a:ext cx="1466505" cy="1052662"/>
+          </a:xfrm>
+          <a:prstGeom prst="straightConnector1">
+            <a:avLst/>
+          </a:prstGeom>
+          <a:ln>
+            <a:solidFill>
+              <a:srgbClr val="C00000"/>
+            </a:solidFill>
+            <a:tailEnd type="triangle"/>
+          </a:ln>
+        </p:spPr>
+        <p:style>
+          <a:lnRef idx="2">
+            <a:schemeClr val="accent1"/>
+          </a:lnRef>
+          <a:fillRef idx="0">
+            <a:schemeClr val="accent1"/>
+          </a:fillRef>
+          <a:effectRef idx="1">
+            <a:schemeClr val="accent1"/>
+          </a:effectRef>
+          <a:fontRef idx="minor">
+            <a:schemeClr val="tx1"/>
+          </a:fontRef>
+        </p:style>
+      </p:cxnSp>
+      <p:cxnSp>
+        <p:nvCxnSpPr>
+          <p:cNvPr id="114" name="Straight Arrow Connector 113">
+            <a:extLst>
+              <a:ext uri="{FF2B5EF4-FFF2-40B4-BE49-F238E27FC236}">
+                <a16:creationId xmlns:a16="http://schemas.microsoft.com/office/drawing/2014/main" id="{C14BC6C8-A013-CEA3-2E0D-7958AF23E19A}"/>
+              </a:ext>
+            </a:extLst>
+          </p:cNvPr>
+          <p:cNvCxnSpPr>
+            <a:cxnSpLocks/>
+            <a:stCxn id="85" idx="3"/>
+            <a:endCxn id="88" idx="1"/>
+          </p:cNvCxnSpPr>
+          <p:nvPr/>
+        </p:nvCxnSpPr>
+        <p:spPr>
+          <a:xfrm flipV="1">
+            <a:off x="3821920" y="4974638"/>
+            <a:ext cx="1460028" cy="68748"/>
+          </a:xfrm>
+          <a:prstGeom prst="straightConnector1">
+            <a:avLst/>
+          </a:prstGeom>
+          <a:ln>
+            <a:solidFill>
+              <a:srgbClr val="C00000"/>
+            </a:solidFill>
+            <a:tailEnd type="triangle"/>
+          </a:ln>
+        </p:spPr>
+        <p:style>
+          <a:lnRef idx="2">
+            <a:schemeClr val="accent1"/>
+          </a:lnRef>
+          <a:fillRef idx="0">
+            <a:schemeClr val="accent1"/>
+          </a:fillRef>
+          <a:effectRef idx="1">
+            <a:schemeClr val="accent1"/>
+          </a:effectRef>
+          <a:fontRef idx="minor">
+            <a:schemeClr val="tx1"/>
+          </a:fontRef>
+        </p:style>
+      </p:cxnSp>
+      <p:cxnSp>
+        <p:nvCxnSpPr>
+          <p:cNvPr id="117" name="Straight Arrow Connector 116">
+            <a:extLst>
+              <a:ext uri="{FF2B5EF4-FFF2-40B4-BE49-F238E27FC236}">
+                <a16:creationId xmlns:a16="http://schemas.microsoft.com/office/drawing/2014/main" id="{DCB7C4E8-AFEB-541A-EB8E-D8B6907535AF}"/>
+              </a:ext>
+            </a:extLst>
+          </p:cNvPr>
+          <p:cNvCxnSpPr>
+            <a:cxnSpLocks/>
+            <a:stCxn id="86" idx="3"/>
+            <a:endCxn id="88" idx="1"/>
+          </p:cNvCxnSpPr>
+          <p:nvPr/>
+        </p:nvCxnSpPr>
+        <p:spPr>
+          <a:xfrm flipV="1">
+            <a:off x="3785951" y="4974638"/>
+            <a:ext cx="1495997" cy="1122088"/>
+          </a:xfrm>
+          <a:prstGeom prst="straightConnector1">
+            <a:avLst/>
+          </a:prstGeom>
+          <a:ln>
+            <a:solidFill>
+              <a:srgbClr val="C00000"/>
+            </a:solidFill>
+            <a:tailEnd type="triangle"/>
+          </a:ln>
+        </p:spPr>
+        <p:style>
+          <a:lnRef idx="2">
+            <a:schemeClr val="accent1"/>
+          </a:lnRef>
+          <a:fillRef idx="0">
+            <a:schemeClr val="accent1"/>
+          </a:fillRef>
+          <a:effectRef idx="1">
+            <a:schemeClr val="accent1"/>
+          </a:effectRef>
+          <a:fontRef idx="minor">
+            <a:schemeClr val="tx1"/>
+          </a:fontRef>
+        </p:style>
+      </p:cxnSp>
+      <p:sp>
+        <p:nvSpPr>
+          <p:cNvPr id="120" name="TextBox 119">
+            <a:extLst>
+              <a:ext uri="{FF2B5EF4-FFF2-40B4-BE49-F238E27FC236}">
+                <a16:creationId xmlns:a16="http://schemas.microsoft.com/office/drawing/2014/main" id="{2262B760-EFB8-E535-EB2C-7BEFF4F36536}"/>
+              </a:ext>
+            </a:extLst>
+          </p:cNvPr>
+          <p:cNvSpPr txBox="1"/>
+          <p:nvPr/>
+        </p:nvSpPr>
+        <p:spPr>
+          <a:xfrm>
+            <a:off x="4106669" y="5489191"/>
+            <a:ext cx="1138669" cy="830997"/>
+          </a:xfrm>
+          <a:prstGeom prst="rect">
+            <a:avLst/>
+          </a:prstGeom>
+          <a:noFill/>
+        </p:spPr>
+        <p:txBody>
+          <a:bodyPr wrap="square" rtlCol="0">
+            <a:spAutoFit/>
+          </a:bodyPr>
+          <a:lstStyle/>
+          <a:p>
+            <a:r>
+              <a:rPr lang="en-SG" sz="1200" b="1" dirty="0">
+                <a:solidFill>
+                  <a:srgbClr val="C00000"/>
+                </a:solidFill>
+              </a:rPr>
+              <a:t>Import malware execution module </a:t>
+            </a:r>
+          </a:p>
+        </p:txBody>
+      </p:sp>
+      <p:pic>
+        <p:nvPicPr>
+          <p:cNvPr id="122" name="Picture 121" descr="A green rectangular sign with text and images&#10;&#10;Description automatically generated">
+            <a:extLst>
+              <a:ext uri="{FF2B5EF4-FFF2-40B4-BE49-F238E27FC236}">
+                <a16:creationId xmlns:a16="http://schemas.microsoft.com/office/drawing/2014/main" id="{CB04A07C-FE1C-508F-1832-455CB206805C}"/>
+              </a:ext>
+            </a:extLst>
+          </p:cNvPr>
+          <p:cNvPicPr>
+            <a:picLocks noChangeAspect="1"/>
+          </p:cNvPicPr>
+          <p:nvPr/>
+        </p:nvPicPr>
+        <p:blipFill>
+          <a:blip r:embed="rId28">
+            <a:extLst>
+              <a:ext uri="{28A0092B-C50C-407E-A947-70E740481C1C}">
+                <a14:useLocalDpi xmlns:a14="http://schemas.microsoft.com/office/drawing/2010/main" val="0"/>
+              </a:ext>
+            </a:extLst>
+          </a:blip>
+          <a:stretch>
+            <a:fillRect/>
+          </a:stretch>
+        </p:blipFill>
+        <p:spPr>
+          <a:xfrm>
+            <a:off x="7284005" y="3836376"/>
+            <a:ext cx="962470" cy="804625"/>
+          </a:xfrm>
+          <a:prstGeom prst="rect">
+            <a:avLst/>
+          </a:prstGeom>
+        </p:spPr>
+      </p:pic>
+      <p:sp>
+        <p:nvSpPr>
+          <p:cNvPr id="123" name="Rectangle 122">
+            <a:extLst>
+              <a:ext uri="{FF2B5EF4-FFF2-40B4-BE49-F238E27FC236}">
+                <a16:creationId xmlns:a16="http://schemas.microsoft.com/office/drawing/2014/main" id="{7A6253E5-C3B3-AE09-3C5D-22045CD4CE28}"/>
+              </a:ext>
+            </a:extLst>
+          </p:cNvPr>
+          <p:cNvSpPr/>
+          <p:nvPr/>
+        </p:nvSpPr>
+        <p:spPr>
+          <a:xfrm>
+            <a:off x="7270354" y="4781268"/>
+            <a:ext cx="1074309" cy="386845"/>
+          </a:xfrm>
+          <a:prstGeom prst="rect">
+            <a:avLst/>
+          </a:prstGeom>
+          <a:solidFill>
+            <a:schemeClr val="accent6">
+              <a:lumMod val="60000"/>
+              <a:lumOff val="40000"/>
+            </a:schemeClr>
+          </a:solidFill>
+          <a:ln>
+            <a:prstDash val="sysDash"/>
+          </a:ln>
+        </p:spPr>
+        <p:style>
+          <a:lnRef idx="2">
+            <a:schemeClr val="accent1">
+              <a:shade val="15000"/>
+            </a:schemeClr>
+          </a:lnRef>
+          <a:fillRef idx="1">
+            <a:schemeClr val="accent1"/>
+          </a:fillRef>
+          <a:effectRef idx="0">
+            <a:schemeClr val="accent1"/>
+          </a:effectRef>
+          <a:fontRef idx="minor">
+            <a:schemeClr val="lt1"/>
+          </a:fontRef>
+        </p:style>
+        <p:txBody>
+          <a:bodyPr rtlCol="0" anchor="ctr"/>
+          <a:lstStyle/>
+          <a:p>
+            <a:r>
+              <a:rPr lang="en-US" sz="1200" b="1" dirty="0">
+                <a:solidFill>
+                  <a:schemeClr val="tx1"/>
+                </a:solidFill>
+              </a:rPr>
+              <a:t>Binary file encryption</a:t>
+            </a:r>
+            <a:endParaRPr lang="en-SG" sz="1200" b="1" dirty="0">
+              <a:solidFill>
+                <a:schemeClr val="tx1"/>
+              </a:solidFill>
+            </a:endParaRPr>
+          </a:p>
+        </p:txBody>
+      </p:sp>
+      <p:cxnSp>
+        <p:nvCxnSpPr>
+          <p:cNvPr id="124" name="Straight Arrow Connector 123">
+            <a:extLst>
+              <a:ext uri="{FF2B5EF4-FFF2-40B4-BE49-F238E27FC236}">
+                <a16:creationId xmlns:a16="http://schemas.microsoft.com/office/drawing/2014/main" id="{DCC66C9C-939B-EADF-0655-B3404945CE72}"/>
+              </a:ext>
+            </a:extLst>
+          </p:cNvPr>
+          <p:cNvCxnSpPr>
+            <a:cxnSpLocks/>
+          </p:cNvCxnSpPr>
+          <p:nvPr/>
+        </p:nvCxnSpPr>
+        <p:spPr>
+          <a:xfrm>
+            <a:off x="6912864" y="4969839"/>
+            <a:ext cx="321956" cy="0"/>
+          </a:xfrm>
+          <a:prstGeom prst="straightConnector1">
+            <a:avLst/>
+          </a:prstGeom>
+          <a:ln>
+            <a:solidFill>
+              <a:srgbClr val="C00000"/>
+            </a:solidFill>
+            <a:prstDash val="sysDash"/>
+            <a:tailEnd type="triangle"/>
+          </a:ln>
+        </p:spPr>
+        <p:style>
+          <a:lnRef idx="2">
+            <a:schemeClr val="accent1"/>
+          </a:lnRef>
+          <a:fillRef idx="0">
+            <a:schemeClr val="accent1"/>
+          </a:fillRef>
+          <a:effectRef idx="1">
+            <a:schemeClr val="accent1"/>
+          </a:effectRef>
+          <a:fontRef idx="minor">
+            <a:schemeClr val="tx1"/>
+          </a:fontRef>
+        </p:style>
+      </p:cxnSp>
+      <p:sp>
+        <p:nvSpPr>
+          <p:cNvPr id="2" name="Rectangle 1">
+            <a:extLst>
+              <a:ext uri="{FF2B5EF4-FFF2-40B4-BE49-F238E27FC236}">
+                <a16:creationId xmlns:a16="http://schemas.microsoft.com/office/drawing/2014/main" id="{8DA39F5D-886D-B52B-5C27-D28F8E80AB4E}"/>
+              </a:ext>
+            </a:extLst>
+          </p:cNvPr>
+          <p:cNvSpPr/>
+          <p:nvPr/>
+        </p:nvSpPr>
+        <p:spPr>
+          <a:xfrm>
+            <a:off x="9411464" y="3209544"/>
+            <a:ext cx="2197586" cy="2299260"/>
+          </a:xfrm>
+          <a:prstGeom prst="rect">
+            <a:avLst/>
+          </a:prstGeom>
+          <a:solidFill>
+            <a:schemeClr val="tx2">
+              <a:lumMod val="10000"/>
+              <a:lumOff val="90000"/>
+            </a:schemeClr>
+          </a:solidFill>
+        </p:spPr>
+        <p:style>
+          <a:lnRef idx="2">
+            <a:schemeClr val="accent1">
+              <a:shade val="15000"/>
+            </a:schemeClr>
+          </a:lnRef>
+          <a:fillRef idx="1">
+            <a:schemeClr val="accent1"/>
+          </a:fillRef>
+          <a:effectRef idx="0">
+            <a:schemeClr val="accent1"/>
+          </a:effectRef>
+          <a:fontRef idx="minor">
+            <a:schemeClr val="lt1"/>
+          </a:fontRef>
+        </p:style>
+        <p:txBody>
+          <a:bodyPr rtlCol="0" anchor="ctr"/>
+          <a:lstStyle/>
+          <a:p>
+            <a:pPr algn="ctr"/>
+            <a:endParaRPr lang="en-SG" dirty="0"/>
+          </a:p>
+        </p:txBody>
+      </p:sp>
+      <p:sp>
+        <p:nvSpPr>
+          <p:cNvPr id="3" name="TextBox 2">
+            <a:extLst>
+              <a:ext uri="{FF2B5EF4-FFF2-40B4-BE49-F238E27FC236}">
+                <a16:creationId xmlns:a16="http://schemas.microsoft.com/office/drawing/2014/main" id="{E53157F2-C37F-8232-0E80-EB13EBB915FC}"/>
+              </a:ext>
+            </a:extLst>
+          </p:cNvPr>
+          <p:cNvSpPr txBox="1"/>
+          <p:nvPr/>
+        </p:nvSpPr>
+        <p:spPr>
+          <a:xfrm>
+            <a:off x="9291599" y="2824635"/>
+            <a:ext cx="2751263" cy="307777"/>
+          </a:xfrm>
+          <a:prstGeom prst="rect">
+            <a:avLst/>
+          </a:prstGeom>
+          <a:noFill/>
+        </p:spPr>
+        <p:txBody>
+          <a:bodyPr wrap="square" rtlCol="0">
+            <a:spAutoFit/>
+          </a:bodyPr>
+          <a:lstStyle/>
+          <a:p>
+            <a:r>
+              <a:rPr lang="en-SG" sz="1400" b="1" dirty="0"/>
+              <a:t>Ninja Malware Agent Interface </a:t>
+            </a:r>
+          </a:p>
+        </p:txBody>
+      </p:sp>
+      <p:sp>
+        <p:nvSpPr>
+          <p:cNvPr id="79" name="TextBox 78">
+            <a:extLst>
+              <a:ext uri="{FF2B5EF4-FFF2-40B4-BE49-F238E27FC236}">
+                <a16:creationId xmlns:a16="http://schemas.microsoft.com/office/drawing/2014/main" id="{A1BD29E8-696C-E967-59FE-7BEDB2189821}"/>
+              </a:ext>
+            </a:extLst>
+          </p:cNvPr>
+          <p:cNvSpPr txBox="1"/>
+          <p:nvPr/>
+        </p:nvSpPr>
+        <p:spPr>
+          <a:xfrm>
+            <a:off x="9411464" y="5185451"/>
+            <a:ext cx="2038310" cy="246221"/>
+          </a:xfrm>
+          <a:prstGeom prst="rect">
+            <a:avLst/>
+          </a:prstGeom>
+          <a:noFill/>
+        </p:spPr>
+        <p:txBody>
+          <a:bodyPr wrap="square" rtlCol="0">
+            <a:spAutoFit/>
+          </a:bodyPr>
+          <a:lstStyle/>
+          <a:p>
+            <a:r>
+              <a:rPr lang="en-SG" sz="1000" b="1" dirty="0"/>
+              <a:t>Level 0 :  malware code base</a:t>
+            </a:r>
+          </a:p>
+        </p:txBody>
+      </p:sp>
+      <p:cxnSp>
+        <p:nvCxnSpPr>
+          <p:cNvPr id="80" name="Straight Connector 79">
+            <a:extLst>
+              <a:ext uri="{FF2B5EF4-FFF2-40B4-BE49-F238E27FC236}">
+                <a16:creationId xmlns:a16="http://schemas.microsoft.com/office/drawing/2014/main" id="{24875710-AE70-CBC8-068A-8A045F623959}"/>
+              </a:ext>
+            </a:extLst>
+          </p:cNvPr>
+          <p:cNvCxnSpPr>
+            <a:cxnSpLocks/>
+          </p:cNvCxnSpPr>
+          <p:nvPr/>
+        </p:nvCxnSpPr>
+        <p:spPr>
+          <a:xfrm flipV="1">
+            <a:off x="9446594" y="3974425"/>
+            <a:ext cx="2162456" cy="14040"/>
+          </a:xfrm>
+          <a:prstGeom prst="line">
+            <a:avLst/>
+          </a:prstGeom>
+        </p:spPr>
+        <p:style>
+          <a:lnRef idx="2">
+            <a:schemeClr val="dk1"/>
+          </a:lnRef>
+          <a:fillRef idx="0">
+            <a:schemeClr val="dk1"/>
+          </a:fillRef>
+          <a:effectRef idx="1">
+            <a:schemeClr val="dk1"/>
+          </a:effectRef>
+          <a:fontRef idx="minor">
+            <a:schemeClr val="tx1"/>
+          </a:fontRef>
+        </p:style>
+      </p:cxnSp>
+      <p:sp>
+        <p:nvSpPr>
+          <p:cNvPr id="81" name="TextBox 80">
+            <a:extLst>
+              <a:ext uri="{FF2B5EF4-FFF2-40B4-BE49-F238E27FC236}">
+                <a16:creationId xmlns:a16="http://schemas.microsoft.com/office/drawing/2014/main" id="{4162B86B-4ED0-321A-BC37-D0B568568408}"/>
+              </a:ext>
+            </a:extLst>
+          </p:cNvPr>
+          <p:cNvSpPr txBox="1"/>
+          <p:nvPr/>
+        </p:nvSpPr>
+        <p:spPr>
+          <a:xfrm>
+            <a:off x="9400585" y="3984583"/>
+            <a:ext cx="2246302" cy="246221"/>
+          </a:xfrm>
+          <a:prstGeom prst="rect">
+            <a:avLst/>
+          </a:prstGeom>
+          <a:noFill/>
+        </p:spPr>
+        <p:txBody>
+          <a:bodyPr wrap="square" rtlCol="0">
+            <a:spAutoFit/>
+          </a:bodyPr>
+          <a:lstStyle/>
+          <a:p>
+            <a:r>
+              <a:rPr lang="en-SG" sz="1000" b="1" dirty="0"/>
+              <a:t>Level 1 :  malware attack modules </a:t>
+            </a:r>
+          </a:p>
+        </p:txBody>
+      </p:sp>
+      <p:sp>
+        <p:nvSpPr>
+          <p:cNvPr id="82" name="TextBox 81">
+            <a:extLst>
+              <a:ext uri="{FF2B5EF4-FFF2-40B4-BE49-F238E27FC236}">
+                <a16:creationId xmlns:a16="http://schemas.microsoft.com/office/drawing/2014/main" id="{E14E31B7-6822-C09B-5087-86DC3A0F8677}"/>
+              </a:ext>
+            </a:extLst>
+          </p:cNvPr>
+          <p:cNvSpPr txBox="1"/>
+          <p:nvPr/>
+        </p:nvSpPr>
+        <p:spPr>
+          <a:xfrm>
+            <a:off x="9381492" y="3196819"/>
+            <a:ext cx="1854749" cy="400110"/>
+          </a:xfrm>
+          <a:prstGeom prst="rect">
+            <a:avLst/>
+          </a:prstGeom>
+          <a:noFill/>
+        </p:spPr>
+        <p:txBody>
+          <a:bodyPr wrap="square" rtlCol="0">
+            <a:spAutoFit/>
+          </a:bodyPr>
+          <a:lstStyle/>
+          <a:p>
+            <a:r>
+              <a:rPr lang="en-SG" sz="1000" b="1" dirty="0"/>
+              <a:t>Level 2 : Attack config and schedule timeline </a:t>
+            </a:r>
+          </a:p>
+        </p:txBody>
+      </p:sp>
+      <p:cxnSp>
+        <p:nvCxnSpPr>
+          <p:cNvPr id="100" name="Straight Connector 99">
+            <a:extLst>
+              <a:ext uri="{FF2B5EF4-FFF2-40B4-BE49-F238E27FC236}">
+                <a16:creationId xmlns:a16="http://schemas.microsoft.com/office/drawing/2014/main" id="{174AE134-B529-E98D-417B-4223275077AD}"/>
+              </a:ext>
+            </a:extLst>
+          </p:cNvPr>
+          <p:cNvCxnSpPr>
+            <a:cxnSpLocks/>
+          </p:cNvCxnSpPr>
+          <p:nvPr/>
+        </p:nvCxnSpPr>
+        <p:spPr>
+          <a:xfrm>
+            <a:off x="9419803" y="5150110"/>
+            <a:ext cx="2189247" cy="0"/>
+          </a:xfrm>
+          <a:prstGeom prst="line">
+            <a:avLst/>
+          </a:prstGeom>
+        </p:spPr>
+        <p:style>
+          <a:lnRef idx="2">
+            <a:schemeClr val="dk1"/>
+          </a:lnRef>
+          <a:fillRef idx="0">
+            <a:schemeClr val="dk1"/>
+          </a:fillRef>
+          <a:effectRef idx="1">
+            <a:schemeClr val="dk1"/>
+          </a:effectRef>
+          <a:fontRef idx="minor">
+            <a:schemeClr val="tx1"/>
+          </a:fontRef>
+        </p:style>
+      </p:cxnSp>
+      <p:pic>
+        <p:nvPicPr>
+          <p:cNvPr id="106" name="Picture 105" descr="A red horse on wheels&#10;&#10;Description automatically generated">
+            <a:extLst>
+              <a:ext uri="{FF2B5EF4-FFF2-40B4-BE49-F238E27FC236}">
+                <a16:creationId xmlns:a16="http://schemas.microsoft.com/office/drawing/2014/main" id="{17956515-7AEC-92E0-2800-6E81FB31D479}"/>
+              </a:ext>
+            </a:extLst>
+          </p:cNvPr>
+          <p:cNvPicPr>
+            <a:picLocks noChangeAspect="1"/>
+          </p:cNvPicPr>
+          <p:nvPr/>
+        </p:nvPicPr>
+        <p:blipFill>
+          <a:blip r:embed="rId29">
+            <a:extLst>
+              <a:ext uri="{28A0092B-C50C-407E-A947-70E740481C1C}">
+                <a14:useLocalDpi xmlns:a14="http://schemas.microsoft.com/office/drawing/2010/main" val="0"/>
+              </a:ext>
+            </a:extLst>
+          </a:blip>
+          <a:stretch>
+            <a:fillRect/>
+          </a:stretch>
+        </p:blipFill>
+        <p:spPr>
+          <a:xfrm flipH="1">
+            <a:off x="10270139" y="4728109"/>
+            <a:ext cx="397091" cy="313783"/>
+          </a:xfrm>
+          <a:prstGeom prst="rect">
+            <a:avLst/>
+          </a:prstGeom>
+          <a:ln w="19050">
+            <a:solidFill>
+              <a:srgbClr val="FF0000"/>
+            </a:solidFill>
+          </a:ln>
+        </p:spPr>
+      </p:pic>
+      <p:pic>
+        <p:nvPicPr>
+          <p:cNvPr id="109" name="Picture 108">
+            <a:extLst>
+              <a:ext uri="{FF2B5EF4-FFF2-40B4-BE49-F238E27FC236}">
+                <a16:creationId xmlns:a16="http://schemas.microsoft.com/office/drawing/2014/main" id="{8CB0EC3C-7FA8-D0EA-490E-B242758203CA}"/>
+              </a:ext>
+            </a:extLst>
+          </p:cNvPr>
+          <p:cNvPicPr>
+            <a:picLocks noChangeAspect="1"/>
+          </p:cNvPicPr>
+          <p:nvPr/>
+        </p:nvPicPr>
+        <p:blipFill>
+          <a:blip r:embed="rId30"/>
+          <a:stretch>
+            <a:fillRect/>
+          </a:stretch>
+        </p:blipFill>
+        <p:spPr>
+          <a:xfrm>
+            <a:off x="9669776" y="4727008"/>
+            <a:ext cx="410299" cy="323875"/>
+          </a:xfrm>
+          <a:prstGeom prst="rect">
+            <a:avLst/>
+          </a:prstGeom>
+          <a:ln w="19050">
+            <a:solidFill>
+              <a:srgbClr val="FF0000"/>
+            </a:solidFill>
+          </a:ln>
+        </p:spPr>
+      </p:pic>
+      <p:pic>
+        <p:nvPicPr>
+          <p:cNvPr id="110" name="Picture 109">
+            <a:extLst>
+              <a:ext uri="{FF2B5EF4-FFF2-40B4-BE49-F238E27FC236}">
+                <a16:creationId xmlns:a16="http://schemas.microsoft.com/office/drawing/2014/main" id="{AE10A7AA-E522-BCA1-C27A-12748D9B9D29}"/>
+              </a:ext>
+            </a:extLst>
+          </p:cNvPr>
+          <p:cNvPicPr>
+            <a:picLocks noChangeAspect="1"/>
+          </p:cNvPicPr>
+          <p:nvPr/>
+        </p:nvPicPr>
+        <p:blipFill>
+          <a:blip r:embed="rId31"/>
+          <a:stretch>
+            <a:fillRect/>
+          </a:stretch>
+        </p:blipFill>
+        <p:spPr>
+          <a:xfrm>
+            <a:off x="10884746" y="4711284"/>
+            <a:ext cx="430147" cy="331576"/>
+          </a:xfrm>
+          <a:prstGeom prst="rect">
+            <a:avLst/>
+          </a:prstGeom>
+          <a:ln w="19050">
+            <a:solidFill>
+              <a:srgbClr val="FF0000"/>
+            </a:solidFill>
+          </a:ln>
+        </p:spPr>
+      </p:pic>
+      <p:pic>
+        <p:nvPicPr>
+          <p:cNvPr id="113" name="Picture 112">
+            <a:extLst>
+              <a:ext uri="{FF2B5EF4-FFF2-40B4-BE49-F238E27FC236}">
+                <a16:creationId xmlns:a16="http://schemas.microsoft.com/office/drawing/2014/main" id="{71FF5880-2F7E-ED0D-A9F0-0B40C0EC6596}"/>
+              </a:ext>
+            </a:extLst>
+          </p:cNvPr>
+          <p:cNvPicPr>
+            <a:picLocks noChangeAspect="1"/>
+          </p:cNvPicPr>
+          <p:nvPr/>
+        </p:nvPicPr>
+        <p:blipFill>
+          <a:blip r:embed="rId26"/>
+          <a:stretch>
+            <a:fillRect/>
+          </a:stretch>
+        </p:blipFill>
+        <p:spPr>
+          <a:xfrm>
+            <a:off x="9669776" y="4280707"/>
+            <a:ext cx="369248" cy="302783"/>
+          </a:xfrm>
+          <a:prstGeom prst="rect">
+            <a:avLst/>
+          </a:prstGeom>
+          <a:ln w="12700">
+            <a:solidFill>
+              <a:schemeClr val="tx1"/>
+            </a:solidFill>
+          </a:ln>
+        </p:spPr>
+      </p:pic>
+      <p:pic>
+        <p:nvPicPr>
+          <p:cNvPr id="115" name="Picture 114">
+            <a:extLst>
+              <a:ext uri="{FF2B5EF4-FFF2-40B4-BE49-F238E27FC236}">
+                <a16:creationId xmlns:a16="http://schemas.microsoft.com/office/drawing/2014/main" id="{EF48DC7B-07AA-C840-D1FB-38FE7514D354}"/>
+              </a:ext>
+            </a:extLst>
+          </p:cNvPr>
+          <p:cNvPicPr>
+            <a:picLocks noChangeAspect="1"/>
+          </p:cNvPicPr>
+          <p:nvPr/>
+        </p:nvPicPr>
+        <p:blipFill>
+          <a:blip r:embed="rId26"/>
+          <a:stretch>
+            <a:fillRect/>
+          </a:stretch>
+        </p:blipFill>
+        <p:spPr>
+          <a:xfrm>
+            <a:off x="10242793" y="4267824"/>
+            <a:ext cx="369248" cy="302783"/>
+          </a:xfrm>
+          <a:prstGeom prst="rect">
+            <a:avLst/>
+          </a:prstGeom>
+          <a:ln w="12700">
+            <a:solidFill>
+              <a:schemeClr val="tx1"/>
+            </a:solidFill>
+          </a:ln>
+        </p:spPr>
+      </p:pic>
+      <p:pic>
+        <p:nvPicPr>
+          <p:cNvPr id="116" name="Picture 115">
+            <a:extLst>
+              <a:ext uri="{FF2B5EF4-FFF2-40B4-BE49-F238E27FC236}">
+                <a16:creationId xmlns:a16="http://schemas.microsoft.com/office/drawing/2014/main" id="{03A0728A-784D-62FC-094F-6AE362A7D67C}"/>
+              </a:ext>
+            </a:extLst>
+          </p:cNvPr>
+          <p:cNvPicPr>
+            <a:picLocks noChangeAspect="1"/>
+          </p:cNvPicPr>
+          <p:nvPr/>
+        </p:nvPicPr>
+        <p:blipFill>
+          <a:blip r:embed="rId26"/>
+          <a:stretch>
+            <a:fillRect/>
+          </a:stretch>
+        </p:blipFill>
+        <p:spPr>
+          <a:xfrm>
+            <a:off x="10815810" y="4248793"/>
+            <a:ext cx="369248" cy="302783"/>
+          </a:xfrm>
+          <a:prstGeom prst="rect">
+            <a:avLst/>
+          </a:prstGeom>
+          <a:ln w="12700">
+            <a:solidFill>
+              <a:schemeClr val="tx1"/>
+            </a:solidFill>
+          </a:ln>
+        </p:spPr>
+      </p:pic>
+      <p:sp>
+        <p:nvSpPr>
+          <p:cNvPr id="118" name="Rectangle 117">
+            <a:extLst>
+              <a:ext uri="{FF2B5EF4-FFF2-40B4-BE49-F238E27FC236}">
+                <a16:creationId xmlns:a16="http://schemas.microsoft.com/office/drawing/2014/main" id="{32D170CA-441B-CD5C-6E01-89CCF913E529}"/>
+              </a:ext>
+            </a:extLst>
+          </p:cNvPr>
+          <p:cNvSpPr/>
+          <p:nvPr/>
+        </p:nvSpPr>
+        <p:spPr>
+          <a:xfrm>
+            <a:off x="5342066" y="3199910"/>
+            <a:ext cx="1384203" cy="532205"/>
+          </a:xfrm>
+          <a:prstGeom prst="rect">
+            <a:avLst/>
+          </a:prstGeom>
+          <a:solidFill>
+            <a:schemeClr val="accent6">
+              <a:lumMod val="60000"/>
+              <a:lumOff val="40000"/>
+            </a:schemeClr>
+          </a:solidFill>
+          <a:ln>
+            <a:prstDash val="sysDash"/>
+          </a:ln>
+        </p:spPr>
+        <p:style>
+          <a:lnRef idx="2">
+            <a:schemeClr val="accent1">
+              <a:shade val="15000"/>
+            </a:schemeClr>
+          </a:lnRef>
+          <a:fillRef idx="1">
+            <a:schemeClr val="accent1"/>
+          </a:fillRef>
+          <a:effectRef idx="0">
+            <a:schemeClr val="accent1"/>
+          </a:effectRef>
+          <a:fontRef idx="minor">
+            <a:schemeClr val="lt1"/>
+          </a:fontRef>
+        </p:style>
+        <p:txBody>
+          <a:bodyPr rtlCol="0" anchor="ctr"/>
+          <a:lstStyle/>
+          <a:p>
+            <a:r>
+              <a:rPr lang="en-SG" sz="1200" b="1" dirty="0">
+                <a:solidFill>
+                  <a:schemeClr val="tx1"/>
+                </a:solidFill>
+              </a:rPr>
+              <a:t>Attack plug-in management module</a:t>
+            </a:r>
+          </a:p>
+        </p:txBody>
+      </p:sp>
+      <p:pic>
+        <p:nvPicPr>
+          <p:cNvPr id="119" name="Picture 118">
+            <a:extLst>
+              <a:ext uri="{FF2B5EF4-FFF2-40B4-BE49-F238E27FC236}">
+                <a16:creationId xmlns:a16="http://schemas.microsoft.com/office/drawing/2014/main" id="{CBD4AEBC-FA75-1999-78FA-B91474D5B396}"/>
+              </a:ext>
+            </a:extLst>
+          </p:cNvPr>
+          <p:cNvPicPr>
+            <a:picLocks noChangeAspect="1"/>
+          </p:cNvPicPr>
+          <p:nvPr/>
+        </p:nvPicPr>
+        <p:blipFill>
+          <a:blip r:embed="rId32"/>
+          <a:stretch>
+            <a:fillRect/>
+          </a:stretch>
+        </p:blipFill>
+        <p:spPr>
+          <a:xfrm>
+            <a:off x="6728199" y="796364"/>
+            <a:ext cx="376689" cy="417634"/>
+          </a:xfrm>
+          <a:prstGeom prst="rect">
+            <a:avLst/>
+          </a:prstGeom>
+          <a:ln w="9525">
+            <a:solidFill>
+              <a:schemeClr val="tx1"/>
+            </a:solidFill>
+          </a:ln>
+        </p:spPr>
+      </p:pic>
+      <p:sp>
+        <p:nvSpPr>
+          <p:cNvPr id="121" name="TextBox 120">
+            <a:extLst>
+              <a:ext uri="{FF2B5EF4-FFF2-40B4-BE49-F238E27FC236}">
+                <a16:creationId xmlns:a16="http://schemas.microsoft.com/office/drawing/2014/main" id="{E68773A5-57D1-D0D4-7312-689F2B627A26}"/>
+              </a:ext>
+            </a:extLst>
+          </p:cNvPr>
+          <p:cNvSpPr txBox="1"/>
+          <p:nvPr/>
+        </p:nvSpPr>
+        <p:spPr>
+          <a:xfrm>
+            <a:off x="6906786" y="1250975"/>
+            <a:ext cx="1208032" cy="553998"/>
+          </a:xfrm>
+          <a:prstGeom prst="rect">
+            <a:avLst/>
+          </a:prstGeom>
+          <a:noFill/>
+        </p:spPr>
+        <p:txBody>
+          <a:bodyPr wrap="square" rtlCol="0">
+            <a:spAutoFit/>
+          </a:bodyPr>
+          <a:lstStyle/>
+          <a:p>
+            <a:r>
+              <a:rPr lang="en-SG" sz="1000" b="1" dirty="0"/>
+              <a:t>Add attack schedule timeline config</a:t>
+            </a:r>
+          </a:p>
+        </p:txBody>
+      </p:sp>
+      <p:cxnSp>
+        <p:nvCxnSpPr>
+          <p:cNvPr id="125" name="Straight Arrow Connector 124">
+            <a:extLst>
+              <a:ext uri="{FF2B5EF4-FFF2-40B4-BE49-F238E27FC236}">
+                <a16:creationId xmlns:a16="http://schemas.microsoft.com/office/drawing/2014/main" id="{A3D9815D-B2FC-8265-2EA1-42D89E986A81}"/>
+              </a:ext>
+            </a:extLst>
+          </p:cNvPr>
+          <p:cNvCxnSpPr>
+            <a:cxnSpLocks/>
+          </p:cNvCxnSpPr>
+          <p:nvPr/>
+        </p:nvCxnSpPr>
+        <p:spPr>
+          <a:xfrm>
+            <a:off x="6920478" y="1213998"/>
+            <a:ext cx="0" cy="1989738"/>
+          </a:xfrm>
+          <a:prstGeom prst="straightConnector1">
+            <a:avLst/>
+          </a:prstGeom>
+          <a:ln>
+            <a:solidFill>
+              <a:schemeClr val="tx1"/>
+            </a:solidFill>
+            <a:prstDash val="sysDash"/>
+            <a:tailEnd type="triangle"/>
+          </a:ln>
+        </p:spPr>
+        <p:style>
+          <a:lnRef idx="2">
+            <a:schemeClr val="accent1"/>
+          </a:lnRef>
+          <a:fillRef idx="0">
+            <a:schemeClr val="accent1"/>
+          </a:fillRef>
+          <a:effectRef idx="1">
+            <a:schemeClr val="accent1"/>
+          </a:effectRef>
+          <a:fontRef idx="minor">
+            <a:schemeClr val="tx1"/>
+          </a:fontRef>
+        </p:style>
+      </p:cxnSp>
+      <p:pic>
+        <p:nvPicPr>
+          <p:cNvPr id="128" name="Picture 127">
+            <a:extLst>
+              <a:ext uri="{FF2B5EF4-FFF2-40B4-BE49-F238E27FC236}">
+                <a16:creationId xmlns:a16="http://schemas.microsoft.com/office/drawing/2014/main" id="{64B5E474-5DD4-168E-68E3-C8403ADAEA19}"/>
+              </a:ext>
+            </a:extLst>
+          </p:cNvPr>
+          <p:cNvPicPr>
+            <a:picLocks noChangeAspect="1"/>
+          </p:cNvPicPr>
+          <p:nvPr/>
+        </p:nvPicPr>
+        <p:blipFill>
+          <a:blip r:embed="rId33">
+            <a:biLevel thresh="75000"/>
+          </a:blip>
+          <a:stretch>
+            <a:fillRect/>
+          </a:stretch>
+        </p:blipFill>
+        <p:spPr>
+          <a:xfrm>
+            <a:off x="6754302" y="2143092"/>
+            <a:ext cx="317123" cy="325523"/>
+          </a:xfrm>
+          <a:prstGeom prst="rect">
+            <a:avLst/>
+          </a:prstGeom>
+          <a:ln w="9525">
+            <a:solidFill>
+              <a:schemeClr val="tx1"/>
+            </a:solidFill>
+          </a:ln>
+        </p:spPr>
+      </p:pic>
+      <p:pic>
+        <p:nvPicPr>
+          <p:cNvPr id="129" name="Picture 128">
+            <a:extLst>
+              <a:ext uri="{FF2B5EF4-FFF2-40B4-BE49-F238E27FC236}">
+                <a16:creationId xmlns:a16="http://schemas.microsoft.com/office/drawing/2014/main" id="{F777C145-FD38-C045-CE04-AC9C0E6AF67E}"/>
+              </a:ext>
+            </a:extLst>
+          </p:cNvPr>
+          <p:cNvPicPr>
+            <a:picLocks noChangeAspect="1"/>
+          </p:cNvPicPr>
+          <p:nvPr/>
+        </p:nvPicPr>
+        <p:blipFill>
+          <a:blip r:embed="rId33">
+            <a:biLevel thresh="75000"/>
+          </a:blip>
+          <a:stretch>
+            <a:fillRect/>
+          </a:stretch>
+        </p:blipFill>
+        <p:spPr>
+          <a:xfrm>
+            <a:off x="9649780" y="3581928"/>
+            <a:ext cx="317123" cy="325523"/>
+          </a:xfrm>
+          <a:prstGeom prst="rect">
+            <a:avLst/>
+          </a:prstGeom>
+          <a:ln w="9525">
+            <a:solidFill>
+              <a:schemeClr val="tx1"/>
+            </a:solidFill>
+          </a:ln>
+        </p:spPr>
+      </p:pic>
+      <p:pic>
+        <p:nvPicPr>
+          <p:cNvPr id="130" name="Picture 129">
+            <a:extLst>
+              <a:ext uri="{FF2B5EF4-FFF2-40B4-BE49-F238E27FC236}">
+                <a16:creationId xmlns:a16="http://schemas.microsoft.com/office/drawing/2014/main" id="{0E0A05BA-F3F1-04DF-C527-67837CA725F5}"/>
+              </a:ext>
+            </a:extLst>
+          </p:cNvPr>
+          <p:cNvPicPr>
+            <a:picLocks noChangeAspect="1"/>
+          </p:cNvPicPr>
+          <p:nvPr/>
+        </p:nvPicPr>
+        <p:blipFill>
+          <a:blip r:embed="rId33">
+            <a:biLevel thresh="75000"/>
+          </a:blip>
+          <a:stretch>
+            <a:fillRect/>
+          </a:stretch>
+        </p:blipFill>
+        <p:spPr>
+          <a:xfrm>
+            <a:off x="10151561" y="3581468"/>
+            <a:ext cx="317123" cy="325523"/>
+          </a:xfrm>
+          <a:prstGeom prst="rect">
+            <a:avLst/>
+          </a:prstGeom>
+          <a:ln w="9525">
+            <a:solidFill>
+              <a:schemeClr val="tx1"/>
+            </a:solidFill>
+          </a:ln>
+        </p:spPr>
+      </p:pic>
+      <p:cxnSp>
+        <p:nvCxnSpPr>
+          <p:cNvPr id="131" name="Straight Arrow Connector 130">
+            <a:extLst>
+              <a:ext uri="{FF2B5EF4-FFF2-40B4-BE49-F238E27FC236}">
+                <a16:creationId xmlns:a16="http://schemas.microsoft.com/office/drawing/2014/main" id="{7A49E340-85C6-A1A9-F409-207BD57AF658}"/>
+              </a:ext>
+            </a:extLst>
+          </p:cNvPr>
+          <p:cNvCxnSpPr>
+            <a:cxnSpLocks/>
+            <a:endCxn id="129" idx="1"/>
+          </p:cNvCxnSpPr>
+          <p:nvPr/>
+        </p:nvCxnSpPr>
+        <p:spPr>
+          <a:xfrm>
+            <a:off x="8526187" y="3440221"/>
+            <a:ext cx="1123593" cy="304469"/>
+          </a:xfrm>
+          <a:prstGeom prst="straightConnector1">
+            <a:avLst/>
+          </a:prstGeom>
+          <a:ln>
+            <a:solidFill>
+              <a:schemeClr val="tx1"/>
+            </a:solidFill>
+            <a:prstDash val="sysDash"/>
+            <a:tailEnd type="triangle"/>
+          </a:ln>
+        </p:spPr>
+        <p:style>
+          <a:lnRef idx="2">
+            <a:schemeClr val="accent1"/>
+          </a:lnRef>
+          <a:fillRef idx="0">
+            <a:schemeClr val="accent1"/>
+          </a:fillRef>
+          <a:effectRef idx="1">
+            <a:schemeClr val="accent1"/>
+          </a:effectRef>
+          <a:fontRef idx="minor">
+            <a:schemeClr val="tx1"/>
+          </a:fontRef>
+        </p:style>
+      </p:cxnSp>
+      <p:cxnSp>
+        <p:nvCxnSpPr>
+          <p:cNvPr id="134" name="Straight Arrow Connector 133">
+            <a:extLst>
+              <a:ext uri="{FF2B5EF4-FFF2-40B4-BE49-F238E27FC236}">
+                <a16:creationId xmlns:a16="http://schemas.microsoft.com/office/drawing/2014/main" id="{208E2080-5086-52C7-7173-A68BB0892F9B}"/>
+              </a:ext>
+            </a:extLst>
+          </p:cNvPr>
+          <p:cNvCxnSpPr>
+            <a:cxnSpLocks/>
+          </p:cNvCxnSpPr>
+          <p:nvPr/>
+        </p:nvCxnSpPr>
+        <p:spPr>
+          <a:xfrm flipV="1">
+            <a:off x="8227382" y="4359174"/>
+            <a:ext cx="1422398" cy="0"/>
+          </a:xfrm>
+          <a:prstGeom prst="straightConnector1">
+            <a:avLst/>
+          </a:prstGeom>
+          <a:ln>
+            <a:solidFill>
+              <a:schemeClr val="accent6">
+                <a:lumMod val="75000"/>
+              </a:schemeClr>
+            </a:solidFill>
+            <a:prstDash val="sysDash"/>
+            <a:tailEnd type="triangle"/>
+          </a:ln>
+        </p:spPr>
+        <p:style>
+          <a:lnRef idx="2">
+            <a:schemeClr val="accent1"/>
+          </a:lnRef>
+          <a:fillRef idx="0">
+            <a:schemeClr val="accent1"/>
+          </a:fillRef>
+          <a:effectRef idx="1">
+            <a:schemeClr val="accent1"/>
+          </a:effectRef>
+          <a:fontRef idx="minor">
+            <a:schemeClr val="tx1"/>
+          </a:fontRef>
+        </p:style>
+      </p:cxnSp>
+      <p:cxnSp>
+        <p:nvCxnSpPr>
+          <p:cNvPr id="136" name="Straight Arrow Connector 135">
+            <a:extLst>
+              <a:ext uri="{FF2B5EF4-FFF2-40B4-BE49-F238E27FC236}">
+                <a16:creationId xmlns:a16="http://schemas.microsoft.com/office/drawing/2014/main" id="{A8003757-63BE-9F5A-36A2-0CBC8121D057}"/>
+              </a:ext>
+            </a:extLst>
+          </p:cNvPr>
+          <p:cNvCxnSpPr>
+            <a:cxnSpLocks/>
+          </p:cNvCxnSpPr>
+          <p:nvPr/>
+        </p:nvCxnSpPr>
+        <p:spPr>
+          <a:xfrm>
+            <a:off x="8355542" y="4985396"/>
+            <a:ext cx="1314234" cy="0"/>
+          </a:xfrm>
+          <a:prstGeom prst="straightConnector1">
+            <a:avLst/>
+          </a:prstGeom>
+          <a:ln>
+            <a:solidFill>
+              <a:srgbClr val="C00000"/>
+            </a:solidFill>
+            <a:prstDash val="sysDash"/>
+            <a:tailEnd type="triangle"/>
+          </a:ln>
+        </p:spPr>
+        <p:style>
+          <a:lnRef idx="2">
+            <a:schemeClr val="accent1"/>
+          </a:lnRef>
+          <a:fillRef idx="0">
+            <a:schemeClr val="accent1"/>
+          </a:fillRef>
+          <a:effectRef idx="1">
+            <a:schemeClr val="accent1"/>
+          </a:effectRef>
+          <a:fontRef idx="minor">
+            <a:schemeClr val="tx1"/>
+          </a:fontRef>
+        </p:style>
+      </p:cxnSp>
+      <p:pic>
+        <p:nvPicPr>
+          <p:cNvPr id="139" name="Picture 138">
+            <a:extLst>
+              <a:ext uri="{FF2B5EF4-FFF2-40B4-BE49-F238E27FC236}">
+                <a16:creationId xmlns:a16="http://schemas.microsoft.com/office/drawing/2014/main" id="{45B8FDAA-1080-02E5-C7B6-ABCFB1D323CE}"/>
+              </a:ext>
+            </a:extLst>
+          </p:cNvPr>
+          <p:cNvPicPr>
+            <a:picLocks noChangeAspect="1"/>
+          </p:cNvPicPr>
+          <p:nvPr/>
+        </p:nvPicPr>
+        <p:blipFill>
+          <a:blip r:embed="rId32"/>
+          <a:stretch>
+            <a:fillRect/>
+          </a:stretch>
+        </p:blipFill>
+        <p:spPr>
+          <a:xfrm>
+            <a:off x="5869748" y="809860"/>
+            <a:ext cx="376689" cy="417634"/>
+          </a:xfrm>
+          <a:prstGeom prst="rect">
+            <a:avLst/>
+          </a:prstGeom>
+          <a:ln w="9525">
+            <a:solidFill>
+              <a:schemeClr val="tx1"/>
+            </a:solidFill>
+          </a:ln>
+        </p:spPr>
+      </p:pic>
+      <p:sp>
+        <p:nvSpPr>
+          <p:cNvPr id="140" name="TextBox 139">
+            <a:extLst>
+              <a:ext uri="{FF2B5EF4-FFF2-40B4-BE49-F238E27FC236}">
+                <a16:creationId xmlns:a16="http://schemas.microsoft.com/office/drawing/2014/main" id="{97C3E99E-B1A4-7DAC-3DD3-862364A97C5E}"/>
+              </a:ext>
+            </a:extLst>
+          </p:cNvPr>
+          <p:cNvSpPr txBox="1"/>
+          <p:nvPr/>
+        </p:nvSpPr>
+        <p:spPr>
+          <a:xfrm>
+            <a:off x="5957581" y="1272893"/>
+            <a:ext cx="904125" cy="553998"/>
+          </a:xfrm>
+          <a:prstGeom prst="rect">
+            <a:avLst/>
+          </a:prstGeom>
+          <a:noFill/>
+        </p:spPr>
+        <p:txBody>
+          <a:bodyPr wrap="square" rtlCol="0">
+            <a:spAutoFit/>
+          </a:bodyPr>
+          <a:lstStyle/>
+          <a:p>
+            <a:r>
+              <a:rPr lang="en-SG" sz="1000" b="1" dirty="0"/>
+              <a:t>Add attack plug-in config</a:t>
+            </a:r>
+          </a:p>
+        </p:txBody>
+      </p:sp>
+      <p:cxnSp>
+        <p:nvCxnSpPr>
+          <p:cNvPr id="141" name="Straight Arrow Connector 140">
+            <a:extLst>
+              <a:ext uri="{FF2B5EF4-FFF2-40B4-BE49-F238E27FC236}">
+                <a16:creationId xmlns:a16="http://schemas.microsoft.com/office/drawing/2014/main" id="{69857FAF-979C-0D82-B5AC-6E04D9C82BE7}"/>
+              </a:ext>
+            </a:extLst>
+          </p:cNvPr>
+          <p:cNvCxnSpPr>
+            <a:cxnSpLocks/>
+            <a:stCxn id="139" idx="2"/>
+          </p:cNvCxnSpPr>
+          <p:nvPr/>
+        </p:nvCxnSpPr>
+        <p:spPr>
+          <a:xfrm flipH="1">
+            <a:off x="6019756" y="1227494"/>
+            <a:ext cx="0" cy="1972247"/>
+          </a:xfrm>
+          <a:prstGeom prst="straightConnector1">
+            <a:avLst/>
+          </a:prstGeom>
+          <a:ln>
+            <a:solidFill>
+              <a:schemeClr val="tx1"/>
+            </a:solidFill>
+            <a:prstDash val="sysDash"/>
+            <a:tailEnd type="triangle"/>
+          </a:ln>
+        </p:spPr>
+        <p:style>
+          <a:lnRef idx="2">
+            <a:schemeClr val="accent1"/>
+          </a:lnRef>
+          <a:fillRef idx="0">
+            <a:schemeClr val="accent1"/>
+          </a:fillRef>
+          <a:effectRef idx="1">
+            <a:schemeClr val="accent1"/>
+          </a:effectRef>
+          <a:fontRef idx="minor">
+            <a:schemeClr val="tx1"/>
+          </a:fontRef>
+        </p:style>
+      </p:cxnSp>
+      <p:cxnSp>
+        <p:nvCxnSpPr>
+          <p:cNvPr id="143" name="Connector: Elbow 142">
+            <a:extLst>
+              <a:ext uri="{FF2B5EF4-FFF2-40B4-BE49-F238E27FC236}">
+                <a16:creationId xmlns:a16="http://schemas.microsoft.com/office/drawing/2014/main" id="{93A00296-ECA7-99D9-8434-3A22668BD9EB}"/>
+              </a:ext>
+            </a:extLst>
+          </p:cNvPr>
+          <p:cNvCxnSpPr>
+            <a:cxnSpLocks/>
+          </p:cNvCxnSpPr>
+          <p:nvPr/>
+        </p:nvCxnSpPr>
+        <p:spPr>
+          <a:xfrm rot="16200000" flipV="1">
+            <a:off x="3422853" y="1088949"/>
+            <a:ext cx="2294484" cy="1935090"/>
+          </a:xfrm>
+          <a:prstGeom prst="bentConnector3">
+            <a:avLst>
+              <a:gd name="adj1" fmla="val 100214"/>
+            </a:avLst>
+          </a:prstGeom>
+          <a:ln>
+            <a:tailEnd type="triangle"/>
+          </a:ln>
+        </p:spPr>
+        <p:style>
+          <a:lnRef idx="2">
+            <a:schemeClr val="accent1"/>
+          </a:lnRef>
+          <a:fillRef idx="0">
+            <a:schemeClr val="accent1"/>
+          </a:fillRef>
+          <a:effectRef idx="1">
+            <a:schemeClr val="accent1"/>
+          </a:effectRef>
+          <a:fontRef idx="minor">
+            <a:schemeClr val="tx1"/>
+          </a:fontRef>
+        </p:style>
+      </p:cxnSp>
+      <p:cxnSp>
+        <p:nvCxnSpPr>
+          <p:cNvPr id="147" name="Straight Arrow Connector 146">
+            <a:extLst>
+              <a:ext uri="{FF2B5EF4-FFF2-40B4-BE49-F238E27FC236}">
+                <a16:creationId xmlns:a16="http://schemas.microsoft.com/office/drawing/2014/main" id="{490D395D-6FF0-818B-9324-9F85A349842A}"/>
+              </a:ext>
+            </a:extLst>
+          </p:cNvPr>
+          <p:cNvCxnSpPr>
+            <a:cxnSpLocks/>
+          </p:cNvCxnSpPr>
+          <p:nvPr/>
+        </p:nvCxnSpPr>
+        <p:spPr>
+          <a:xfrm>
+            <a:off x="5825255" y="3744229"/>
+            <a:ext cx="0" cy="288142"/>
+          </a:xfrm>
+          <a:prstGeom prst="straightConnector1">
+            <a:avLst/>
+          </a:prstGeom>
+          <a:ln>
+            <a:solidFill>
+              <a:schemeClr val="tx1"/>
+            </a:solidFill>
+            <a:prstDash val="sysDash"/>
+            <a:tailEnd type="triangle"/>
+          </a:ln>
+        </p:spPr>
+        <p:style>
+          <a:lnRef idx="2">
+            <a:schemeClr val="accent1"/>
+          </a:lnRef>
+          <a:fillRef idx="0">
+            <a:schemeClr val="accent1"/>
+          </a:fillRef>
+          <a:effectRef idx="1">
+            <a:schemeClr val="accent1"/>
+          </a:effectRef>
+          <a:fontRef idx="minor">
+            <a:schemeClr val="tx1"/>
+          </a:fontRef>
+        </p:style>
+      </p:cxnSp>
+      <p:cxnSp>
+        <p:nvCxnSpPr>
+          <p:cNvPr id="149" name="Straight Arrow Connector 148">
+            <a:extLst>
+              <a:ext uri="{FF2B5EF4-FFF2-40B4-BE49-F238E27FC236}">
+                <a16:creationId xmlns:a16="http://schemas.microsoft.com/office/drawing/2014/main" id="{5EF38F01-8AE4-DEE1-ECD7-B895B61E7006}"/>
+              </a:ext>
+            </a:extLst>
+          </p:cNvPr>
+          <p:cNvCxnSpPr>
+            <a:cxnSpLocks/>
+          </p:cNvCxnSpPr>
+          <p:nvPr/>
+        </p:nvCxnSpPr>
+        <p:spPr>
+          <a:xfrm>
+            <a:off x="6649802" y="3756458"/>
+            <a:ext cx="0" cy="1024757"/>
+          </a:xfrm>
+          <a:prstGeom prst="straightConnector1">
+            <a:avLst/>
+          </a:prstGeom>
+          <a:ln>
+            <a:solidFill>
+              <a:schemeClr val="tx1"/>
+            </a:solidFill>
+            <a:prstDash val="sysDash"/>
+            <a:tailEnd type="triangle"/>
+          </a:ln>
+        </p:spPr>
+        <p:style>
+          <a:lnRef idx="2">
+            <a:schemeClr val="accent1"/>
+          </a:lnRef>
+          <a:fillRef idx="0">
+            <a:schemeClr val="accent1"/>
+          </a:fillRef>
+          <a:effectRef idx="1">
+            <a:schemeClr val="accent1"/>
+          </a:effectRef>
+          <a:fontRef idx="minor">
+            <a:schemeClr val="tx1"/>
+          </a:fontRef>
+        </p:style>
+      </p:cxnSp>
+      <p:sp>
+        <p:nvSpPr>
+          <p:cNvPr id="152" name="TextBox 151">
+            <a:extLst>
+              <a:ext uri="{FF2B5EF4-FFF2-40B4-BE49-F238E27FC236}">
+                <a16:creationId xmlns:a16="http://schemas.microsoft.com/office/drawing/2014/main" id="{E014FF3E-4A56-4242-358A-AF2289FEFD28}"/>
+              </a:ext>
+            </a:extLst>
+          </p:cNvPr>
+          <p:cNvSpPr txBox="1"/>
+          <p:nvPr/>
+        </p:nvSpPr>
+        <p:spPr>
+          <a:xfrm>
+            <a:off x="8532447" y="2567042"/>
+            <a:ext cx="1106500" cy="400110"/>
+          </a:xfrm>
+          <a:prstGeom prst="rect">
+            <a:avLst/>
+          </a:prstGeom>
+          <a:noFill/>
+        </p:spPr>
+        <p:txBody>
+          <a:bodyPr wrap="square" rtlCol="0">
+            <a:spAutoFit/>
+          </a:bodyPr>
+          <a:lstStyle/>
+          <a:p>
+            <a:r>
+              <a:rPr lang="en-US" sz="1000" b="1" dirty="0"/>
+              <a:t>Network with firewall </a:t>
+            </a:r>
+            <a:endParaRPr lang="en-SG" sz="1000" b="1" dirty="0"/>
+          </a:p>
+        </p:txBody>
+      </p:sp>
+      <p:cxnSp>
+        <p:nvCxnSpPr>
+          <p:cNvPr id="153" name="Straight Arrow Connector 152">
+            <a:extLst>
+              <a:ext uri="{FF2B5EF4-FFF2-40B4-BE49-F238E27FC236}">
+                <a16:creationId xmlns:a16="http://schemas.microsoft.com/office/drawing/2014/main" id="{BC13A29F-A59F-0435-4D1F-1183AC46CE16}"/>
+              </a:ext>
+            </a:extLst>
+          </p:cNvPr>
+          <p:cNvCxnSpPr>
+            <a:cxnSpLocks/>
+          </p:cNvCxnSpPr>
+          <p:nvPr/>
+        </p:nvCxnSpPr>
+        <p:spPr>
+          <a:xfrm flipH="1">
+            <a:off x="8556527" y="5387303"/>
+            <a:ext cx="843162" cy="6737"/>
+          </a:xfrm>
+          <a:prstGeom prst="straightConnector1">
+            <a:avLst/>
+          </a:prstGeom>
+          <a:ln>
+            <a:solidFill>
+              <a:schemeClr val="tx1"/>
+            </a:solidFill>
+            <a:prstDash val="sysDash"/>
+            <a:tailEnd type="triangle"/>
+          </a:ln>
+        </p:spPr>
+        <p:style>
+          <a:lnRef idx="2">
+            <a:schemeClr val="accent1"/>
+          </a:lnRef>
+          <a:fillRef idx="0">
+            <a:schemeClr val="accent1"/>
+          </a:fillRef>
+          <a:effectRef idx="1">
+            <a:schemeClr val="accent1"/>
+          </a:effectRef>
+          <a:fontRef idx="minor">
+            <a:schemeClr val="tx1"/>
+          </a:fontRef>
+        </p:style>
+      </p:cxnSp>
+      <p:sp>
+        <p:nvSpPr>
+          <p:cNvPr id="158" name="TextBox 157">
+            <a:extLst>
+              <a:ext uri="{FF2B5EF4-FFF2-40B4-BE49-F238E27FC236}">
+                <a16:creationId xmlns:a16="http://schemas.microsoft.com/office/drawing/2014/main" id="{EE707F87-B534-7495-4537-8FACCCF8FF8B}"/>
+              </a:ext>
+            </a:extLst>
+          </p:cNvPr>
+          <p:cNvSpPr txBox="1"/>
+          <p:nvPr/>
+        </p:nvSpPr>
+        <p:spPr>
+          <a:xfrm>
+            <a:off x="8441465" y="3587982"/>
+            <a:ext cx="1106500" cy="400110"/>
+          </a:xfrm>
+          <a:prstGeom prst="rect">
+            <a:avLst/>
+          </a:prstGeom>
+          <a:noFill/>
+        </p:spPr>
+        <p:txBody>
+          <a:bodyPr wrap="square" rtlCol="0">
+            <a:spAutoFit/>
+          </a:bodyPr>
+          <a:lstStyle/>
+          <a:p>
+            <a:r>
+              <a:rPr lang="en-US" sz="1000" b="1" dirty="0"/>
+              <a:t>Task schedule and config</a:t>
+            </a:r>
+            <a:endParaRPr lang="en-SG" sz="1000" b="1" dirty="0"/>
+          </a:p>
+        </p:txBody>
+      </p:sp>
+      <p:sp>
+        <p:nvSpPr>
+          <p:cNvPr id="159" name="TextBox 158">
+            <a:extLst>
+              <a:ext uri="{FF2B5EF4-FFF2-40B4-BE49-F238E27FC236}">
+                <a16:creationId xmlns:a16="http://schemas.microsoft.com/office/drawing/2014/main" id="{4C9F55C1-5B4F-B56B-11B9-54BD317545CF}"/>
+              </a:ext>
+            </a:extLst>
+          </p:cNvPr>
+          <p:cNvSpPr txBox="1"/>
+          <p:nvPr/>
+        </p:nvSpPr>
+        <p:spPr>
+          <a:xfrm>
+            <a:off x="8274089" y="4007935"/>
+            <a:ext cx="1106500" cy="400110"/>
+          </a:xfrm>
+          <a:prstGeom prst="rect">
+            <a:avLst/>
+          </a:prstGeom>
+          <a:noFill/>
+        </p:spPr>
+        <p:txBody>
+          <a:bodyPr wrap="square" rtlCol="0">
+            <a:spAutoFit/>
+          </a:bodyPr>
+          <a:lstStyle/>
+          <a:p>
+            <a:r>
+              <a:rPr lang="en-US" sz="1000" b="1" dirty="0">
+                <a:solidFill>
+                  <a:schemeClr val="accent6">
+                    <a:lumMod val="75000"/>
+                  </a:schemeClr>
+                </a:solidFill>
+              </a:rPr>
+              <a:t>Obfuscated malicious code</a:t>
+            </a:r>
+            <a:endParaRPr lang="en-SG" sz="1000" b="1" dirty="0">
+              <a:solidFill>
+                <a:schemeClr val="accent6">
+                  <a:lumMod val="75000"/>
+                </a:schemeClr>
+              </a:solidFill>
+            </a:endParaRPr>
+          </a:p>
+        </p:txBody>
+      </p:sp>
+      <p:sp>
+        <p:nvSpPr>
+          <p:cNvPr id="160" name="TextBox 159">
+            <a:extLst>
+              <a:ext uri="{FF2B5EF4-FFF2-40B4-BE49-F238E27FC236}">
+                <a16:creationId xmlns:a16="http://schemas.microsoft.com/office/drawing/2014/main" id="{F843BDD7-11A7-7678-842B-F82C4BD7A243}"/>
+              </a:ext>
+            </a:extLst>
+          </p:cNvPr>
+          <p:cNvSpPr txBox="1"/>
+          <p:nvPr/>
+        </p:nvSpPr>
+        <p:spPr>
+          <a:xfrm>
+            <a:off x="8323344" y="4442789"/>
+            <a:ext cx="1106500" cy="553998"/>
+          </a:xfrm>
+          <a:prstGeom prst="rect">
+            <a:avLst/>
+          </a:prstGeom>
+          <a:noFill/>
+        </p:spPr>
+        <p:txBody>
+          <a:bodyPr wrap="square" rtlCol="0">
+            <a:spAutoFit/>
+          </a:bodyPr>
+          <a:lstStyle/>
+          <a:p>
+            <a:r>
+              <a:rPr lang="en-US" sz="1000" b="1" dirty="0">
+                <a:solidFill>
+                  <a:srgbClr val="C00000"/>
+                </a:solidFill>
+              </a:rPr>
+              <a:t>Encrypted malicious action program</a:t>
+            </a:r>
+            <a:endParaRPr lang="en-SG" sz="1000" b="1" dirty="0">
+              <a:solidFill>
+                <a:srgbClr val="C00000"/>
+              </a:solidFill>
+            </a:endParaRPr>
+          </a:p>
+        </p:txBody>
+      </p:sp>
+      <p:sp>
+        <p:nvSpPr>
+          <p:cNvPr id="161" name="TextBox 160">
+            <a:extLst>
+              <a:ext uri="{FF2B5EF4-FFF2-40B4-BE49-F238E27FC236}">
+                <a16:creationId xmlns:a16="http://schemas.microsoft.com/office/drawing/2014/main" id="{7DE81331-244E-2E6C-448D-1EB8D67AC0BF}"/>
+              </a:ext>
+            </a:extLst>
+          </p:cNvPr>
+          <p:cNvSpPr txBox="1"/>
+          <p:nvPr/>
+        </p:nvSpPr>
+        <p:spPr>
+          <a:xfrm>
+            <a:off x="8584207" y="5412571"/>
+            <a:ext cx="928903" cy="246221"/>
+          </a:xfrm>
+          <a:prstGeom prst="rect">
+            <a:avLst/>
+          </a:prstGeom>
+          <a:noFill/>
+        </p:spPr>
+        <p:txBody>
+          <a:bodyPr wrap="square" rtlCol="0">
+            <a:spAutoFit/>
+          </a:bodyPr>
+          <a:lstStyle/>
+          <a:p>
+            <a:r>
+              <a:rPr lang="en-US" sz="1000" b="1" dirty="0"/>
+              <a:t>State report</a:t>
+            </a:r>
+            <a:endParaRPr lang="en-SG" sz="1000" b="1" dirty="0"/>
+          </a:p>
+        </p:txBody>
+      </p:sp>
+      <p:sp>
+        <p:nvSpPr>
+          <p:cNvPr id="162" name="Flowchart: Magnetic Disk 161">
+            <a:extLst>
+              <a:ext uri="{FF2B5EF4-FFF2-40B4-BE49-F238E27FC236}">
+                <a16:creationId xmlns:a16="http://schemas.microsoft.com/office/drawing/2014/main" id="{E22F62EE-C324-910D-0E34-F01F44E33E34}"/>
+              </a:ext>
+            </a:extLst>
+          </p:cNvPr>
+          <p:cNvSpPr/>
+          <p:nvPr/>
+        </p:nvSpPr>
+        <p:spPr>
+          <a:xfrm>
+            <a:off x="7520460" y="2029629"/>
+            <a:ext cx="739475" cy="480374"/>
+          </a:xfrm>
+          <a:prstGeom prst="flowChartMagneticDisk">
+            <a:avLst/>
+          </a:prstGeom>
+        </p:spPr>
+        <p:style>
+          <a:lnRef idx="2">
+            <a:schemeClr val="accent1">
+              <a:shade val="15000"/>
+            </a:schemeClr>
+          </a:lnRef>
+          <a:fillRef idx="1">
+            <a:schemeClr val="accent1"/>
+          </a:fillRef>
+          <a:effectRef idx="0">
+            <a:schemeClr val="accent1"/>
+          </a:effectRef>
+          <a:fontRef idx="minor">
+            <a:schemeClr val="lt1"/>
+          </a:fontRef>
+        </p:style>
+        <p:txBody>
+          <a:bodyPr rtlCol="0" anchor="ctr"/>
+          <a:lstStyle/>
+          <a:p>
+            <a:pPr algn="ctr"/>
+            <a:r>
+              <a:rPr lang="en-US" sz="1100" b="1" dirty="0"/>
+              <a:t>C2-DB</a:t>
+            </a:r>
+            <a:endParaRPr lang="en-SG" sz="1100" b="1" dirty="0"/>
+          </a:p>
+        </p:txBody>
+      </p:sp>
+      <p:sp>
+        <p:nvSpPr>
+          <p:cNvPr id="163" name="Arrow: Down 162">
+            <a:extLst>
+              <a:ext uri="{FF2B5EF4-FFF2-40B4-BE49-F238E27FC236}">
+                <a16:creationId xmlns:a16="http://schemas.microsoft.com/office/drawing/2014/main" id="{7B5812D9-7C75-2F47-D070-5780EC489780}"/>
+              </a:ext>
+            </a:extLst>
+          </p:cNvPr>
+          <p:cNvSpPr/>
+          <p:nvPr/>
+        </p:nvSpPr>
+        <p:spPr>
+          <a:xfrm rot="10800000">
+            <a:off x="7849197" y="2540804"/>
+            <a:ext cx="135884" cy="411438"/>
+          </a:xfrm>
+          <a:prstGeom prst="downArrow">
+            <a:avLst/>
+          </a:prstGeom>
+        </p:spPr>
+        <p:style>
+          <a:lnRef idx="2">
+            <a:schemeClr val="accent1">
+              <a:shade val="15000"/>
+            </a:schemeClr>
+          </a:lnRef>
+          <a:fillRef idx="1">
+            <a:schemeClr val="accent1"/>
+          </a:fillRef>
+          <a:effectRef idx="0">
+            <a:schemeClr val="accent1"/>
+          </a:effectRef>
+          <a:fontRef idx="minor">
+            <a:schemeClr val="lt1"/>
+          </a:fontRef>
+        </p:style>
+        <p:txBody>
+          <a:bodyPr rtlCol="0" anchor="ctr"/>
+          <a:lstStyle/>
+          <a:p>
+            <a:pPr algn="ctr"/>
+            <a:endParaRPr lang="en-SG"/>
+          </a:p>
+        </p:txBody>
+      </p:sp>
+      <p:pic>
+        <p:nvPicPr>
+          <p:cNvPr id="166" name="Picture 165" descr="A computer screen with text and words&#10;&#10;Description automatically generated">
+            <a:extLst>
+              <a:ext uri="{FF2B5EF4-FFF2-40B4-BE49-F238E27FC236}">
+                <a16:creationId xmlns:a16="http://schemas.microsoft.com/office/drawing/2014/main" id="{AF72F6A2-F452-E70D-351B-84EC44D27E27}"/>
+              </a:ext>
+            </a:extLst>
+          </p:cNvPr>
+          <p:cNvPicPr>
+            <a:picLocks noChangeAspect="1"/>
+          </p:cNvPicPr>
+          <p:nvPr/>
+        </p:nvPicPr>
+        <p:blipFill>
+          <a:blip r:embed="rId34">
+            <a:extLst>
+              <a:ext uri="{28A0092B-C50C-407E-A947-70E740481C1C}">
+                <a14:useLocalDpi xmlns:a14="http://schemas.microsoft.com/office/drawing/2010/main" val="0"/>
+              </a:ext>
+            </a:extLst>
+          </a:blip>
+          <a:stretch>
+            <a:fillRect/>
+          </a:stretch>
+        </p:blipFill>
+        <p:spPr>
+          <a:xfrm>
+            <a:off x="9518387" y="1374624"/>
+            <a:ext cx="1580958" cy="1249058"/>
+          </a:xfrm>
+          <a:prstGeom prst="roundRect">
+            <a:avLst>
+              <a:gd name="adj" fmla="val 16667"/>
+            </a:avLst>
+          </a:prstGeom>
+          <a:ln>
+            <a:noFill/>
+          </a:ln>
+          <a:effectLst>
+            <a:outerShdw blurRad="76200" dist="38100" dir="7800000" algn="tl" rotWithShape="0">
+              <a:srgbClr val="000000">
+                <a:alpha val="40000"/>
+              </a:srgbClr>
+            </a:outerShdw>
+          </a:effectLst>
+          <a:scene3d>
+            <a:camera prst="orthographicFront"/>
+            <a:lightRig rig="contrasting" dir="t">
+              <a:rot lat="0" lon="0" rev="4200000"/>
+            </a:lightRig>
+          </a:scene3d>
+          <a:sp3d prstMaterial="plastic">
+            <a:bevelT w="381000" h="114300" prst="relaxedInset"/>
+            <a:contourClr>
+              <a:srgbClr val="969696"/>
+            </a:contourClr>
+          </a:sp3d>
+        </p:spPr>
+      </p:pic>
+      <p:cxnSp>
+        <p:nvCxnSpPr>
+          <p:cNvPr id="167" name="Straight Arrow Connector 166">
+            <a:extLst>
+              <a:ext uri="{FF2B5EF4-FFF2-40B4-BE49-F238E27FC236}">
+                <a16:creationId xmlns:a16="http://schemas.microsoft.com/office/drawing/2014/main" id="{CA8E7DB0-08CD-E8E8-A6BA-A1CB9C4A6BC0}"/>
+              </a:ext>
+            </a:extLst>
+          </p:cNvPr>
+          <p:cNvCxnSpPr>
+            <a:cxnSpLocks/>
+          </p:cNvCxnSpPr>
+          <p:nvPr/>
+        </p:nvCxnSpPr>
+        <p:spPr>
+          <a:xfrm>
+            <a:off x="9688771" y="5518498"/>
+            <a:ext cx="0" cy="365488"/>
+          </a:xfrm>
+          <a:prstGeom prst="straightConnector1">
+            <a:avLst/>
+          </a:prstGeom>
+          <a:ln>
+            <a:solidFill>
+              <a:srgbClr val="C00000"/>
+            </a:solidFill>
+            <a:prstDash val="solid"/>
+            <a:tailEnd type="triangle"/>
+          </a:ln>
+        </p:spPr>
+        <p:style>
+          <a:lnRef idx="2">
+            <a:schemeClr val="accent1"/>
+          </a:lnRef>
+          <a:fillRef idx="0">
+            <a:schemeClr val="accent1"/>
+          </a:fillRef>
+          <a:effectRef idx="1">
+            <a:schemeClr val="accent1"/>
+          </a:effectRef>
+          <a:fontRef idx="minor">
+            <a:schemeClr val="tx1"/>
+          </a:fontRef>
+        </p:style>
+      </p:cxnSp>
+      <p:sp>
+        <p:nvSpPr>
+          <p:cNvPr id="168" name="TextBox 167">
+            <a:extLst>
+              <a:ext uri="{FF2B5EF4-FFF2-40B4-BE49-F238E27FC236}">
+                <a16:creationId xmlns:a16="http://schemas.microsoft.com/office/drawing/2014/main" id="{85C16CAF-C4DE-126A-06F3-118DD79D5A0D}"/>
+              </a:ext>
+            </a:extLst>
+          </p:cNvPr>
+          <p:cNvSpPr txBox="1"/>
+          <p:nvPr/>
+        </p:nvSpPr>
+        <p:spPr>
+          <a:xfrm>
+            <a:off x="10612041" y="5529552"/>
+            <a:ext cx="797920" cy="276999"/>
+          </a:xfrm>
+          <a:prstGeom prst="rect">
+            <a:avLst/>
+          </a:prstGeom>
+          <a:noFill/>
+        </p:spPr>
+        <p:txBody>
+          <a:bodyPr wrap="square" rtlCol="0">
+            <a:spAutoFit/>
+          </a:bodyPr>
+          <a:lstStyle/>
+          <a:p>
+            <a:r>
+              <a:rPr lang="en-US" sz="1200" b="1" dirty="0">
+                <a:solidFill>
+                  <a:srgbClr val="C00000"/>
+                </a:solidFill>
+              </a:rPr>
+              <a:t>Attack</a:t>
+            </a:r>
+            <a:endParaRPr lang="en-SG" sz="1200" b="1" dirty="0">
+              <a:solidFill>
+                <a:srgbClr val="C00000"/>
+              </a:solidFill>
+            </a:endParaRPr>
+          </a:p>
+        </p:txBody>
+      </p:sp>
+      <p:pic>
+        <p:nvPicPr>
+          <p:cNvPr id="170" name="Graphic 169" descr="Server with solid fill">
+            <a:extLst>
+              <a:ext uri="{FF2B5EF4-FFF2-40B4-BE49-F238E27FC236}">
+                <a16:creationId xmlns:a16="http://schemas.microsoft.com/office/drawing/2014/main" id="{C3AD3F18-6005-2474-48BE-6AA9BF39A1C0}"/>
+              </a:ext>
+            </a:extLst>
+          </p:cNvPr>
+          <p:cNvPicPr>
+            <a:picLocks noChangeAspect="1"/>
+          </p:cNvPicPr>
+          <p:nvPr/>
+        </p:nvPicPr>
+        <p:blipFill>
+          <a:blip r:embed="rId35">
+            <a:extLst>
+              <a:ext uri="{28A0092B-C50C-407E-A947-70E740481C1C}">
+                <a14:useLocalDpi xmlns:a14="http://schemas.microsoft.com/office/drawing/2010/main" val="0"/>
+              </a:ext>
+              <a:ext uri="{96DAC541-7B7A-43D3-8B79-37D633B846F1}">
+                <asvg:svgBlip xmlns:asvg="http://schemas.microsoft.com/office/drawing/2016/SVG/main" r:embed="rId36"/>
+              </a:ext>
+            </a:extLst>
+          </a:blip>
+          <a:stretch>
+            <a:fillRect/>
+          </a:stretch>
+        </p:blipFill>
+        <p:spPr>
+          <a:xfrm>
+            <a:off x="10480823" y="5899519"/>
+            <a:ext cx="394414" cy="394414"/>
+          </a:xfrm>
+          <a:prstGeom prst="rect">
+            <a:avLst/>
+          </a:prstGeom>
+        </p:spPr>
+      </p:pic>
+      <p:pic>
+        <p:nvPicPr>
+          <p:cNvPr id="171" name="Graphic 170" descr="Wireless router with solid fill">
+            <a:extLst>
+              <a:ext uri="{FF2B5EF4-FFF2-40B4-BE49-F238E27FC236}">
+                <a16:creationId xmlns:a16="http://schemas.microsoft.com/office/drawing/2014/main" id="{6D8D0ABC-EA9C-54F8-8178-9B6A51F2B471}"/>
+              </a:ext>
+            </a:extLst>
+          </p:cNvPr>
+          <p:cNvPicPr>
+            <a:picLocks noChangeAspect="1"/>
+          </p:cNvPicPr>
+          <p:nvPr/>
+        </p:nvPicPr>
+        <p:blipFill>
+          <a:blip r:embed="rId37">
+            <a:extLst>
+              <a:ext uri="{28A0092B-C50C-407E-A947-70E740481C1C}">
+                <a14:useLocalDpi xmlns:a14="http://schemas.microsoft.com/office/drawing/2010/main" val="0"/>
+              </a:ext>
+              <a:ext uri="{96DAC541-7B7A-43D3-8B79-37D633B846F1}">
+                <asvg:svgBlip xmlns:asvg="http://schemas.microsoft.com/office/drawing/2016/SVG/main" r:embed="rId38"/>
+              </a:ext>
+            </a:extLst>
+          </a:blip>
+          <a:stretch>
+            <a:fillRect/>
+          </a:stretch>
+        </p:blipFill>
+        <p:spPr>
+          <a:xfrm>
+            <a:off x="9486532" y="5887953"/>
+            <a:ext cx="438769" cy="438769"/>
+          </a:xfrm>
+          <a:prstGeom prst="rect">
+            <a:avLst/>
+          </a:prstGeom>
+        </p:spPr>
+      </p:pic>
+      <p:pic>
+        <p:nvPicPr>
+          <p:cNvPr id="172" name="Graphic 171" descr="Database with solid fill">
+            <a:extLst>
+              <a:ext uri="{FF2B5EF4-FFF2-40B4-BE49-F238E27FC236}">
+                <a16:creationId xmlns:a16="http://schemas.microsoft.com/office/drawing/2014/main" id="{26ED3DF5-56C6-81F4-FEA8-715804EDB9C9}"/>
+              </a:ext>
+            </a:extLst>
+          </p:cNvPr>
+          <p:cNvPicPr>
+            <a:picLocks noChangeAspect="1"/>
+          </p:cNvPicPr>
+          <p:nvPr/>
+        </p:nvPicPr>
+        <p:blipFill>
+          <a:blip r:embed="rId39">
+            <a:extLst>
+              <a:ext uri="{28A0092B-C50C-407E-A947-70E740481C1C}">
+                <a14:useLocalDpi xmlns:a14="http://schemas.microsoft.com/office/drawing/2010/main" val="0"/>
+              </a:ext>
+              <a:ext uri="{96DAC541-7B7A-43D3-8B79-37D633B846F1}">
+                <asvg:svgBlip xmlns:asvg="http://schemas.microsoft.com/office/drawing/2016/SVG/main" r:embed="rId40"/>
+              </a:ext>
+            </a:extLst>
+          </a:blip>
+          <a:stretch>
+            <a:fillRect/>
+          </a:stretch>
+        </p:blipFill>
+        <p:spPr>
+          <a:xfrm>
+            <a:off x="10023612" y="5906267"/>
+            <a:ext cx="391826" cy="391826"/>
+          </a:xfrm>
+          <a:prstGeom prst="rect">
+            <a:avLst/>
+          </a:prstGeom>
+        </p:spPr>
+      </p:pic>
+      <p:pic>
+        <p:nvPicPr>
+          <p:cNvPr id="173" name="Picture 172">
+            <a:extLst>
+              <a:ext uri="{FF2B5EF4-FFF2-40B4-BE49-F238E27FC236}">
+                <a16:creationId xmlns:a16="http://schemas.microsoft.com/office/drawing/2014/main" id="{BCF2D3A5-2F84-156A-D858-DCC86AF5578A}"/>
+              </a:ext>
+            </a:extLst>
+          </p:cNvPr>
+          <p:cNvPicPr>
+            <a:picLocks noChangeAspect="1"/>
+          </p:cNvPicPr>
+          <p:nvPr/>
+        </p:nvPicPr>
+        <p:blipFill>
+          <a:blip r:embed="rId41"/>
+          <a:stretch>
+            <a:fillRect/>
+          </a:stretch>
+        </p:blipFill>
+        <p:spPr>
+          <a:xfrm>
+            <a:off x="10961547" y="5958403"/>
+            <a:ext cx="490521" cy="276999"/>
+          </a:xfrm>
+          <a:prstGeom prst="rect">
+            <a:avLst/>
+          </a:prstGeom>
+          <a:ln>
+            <a:noFill/>
+          </a:ln>
+        </p:spPr>
+      </p:pic>
+      <p:cxnSp>
+        <p:nvCxnSpPr>
+          <p:cNvPr id="175" name="Straight Arrow Connector 174">
+            <a:extLst>
+              <a:ext uri="{FF2B5EF4-FFF2-40B4-BE49-F238E27FC236}">
+                <a16:creationId xmlns:a16="http://schemas.microsoft.com/office/drawing/2014/main" id="{43DF476E-9671-1710-4F39-B88FD7494F06}"/>
+              </a:ext>
+            </a:extLst>
+          </p:cNvPr>
+          <p:cNvCxnSpPr>
+            <a:cxnSpLocks/>
+          </p:cNvCxnSpPr>
+          <p:nvPr/>
+        </p:nvCxnSpPr>
+        <p:spPr>
+          <a:xfrm>
+            <a:off x="10217627" y="5518349"/>
+            <a:ext cx="0" cy="365488"/>
+          </a:xfrm>
+          <a:prstGeom prst="straightConnector1">
+            <a:avLst/>
+          </a:prstGeom>
+          <a:ln>
+            <a:solidFill>
+              <a:srgbClr val="C00000"/>
+            </a:solidFill>
+            <a:prstDash val="solid"/>
+            <a:tailEnd type="triangle"/>
+          </a:ln>
+        </p:spPr>
+        <p:style>
+          <a:lnRef idx="2">
+            <a:schemeClr val="accent1"/>
+          </a:lnRef>
+          <a:fillRef idx="0">
+            <a:schemeClr val="accent1"/>
+          </a:fillRef>
+          <a:effectRef idx="1">
+            <a:schemeClr val="accent1"/>
+          </a:effectRef>
+          <a:fontRef idx="minor">
+            <a:schemeClr val="tx1"/>
+          </a:fontRef>
+        </p:style>
+      </p:cxnSp>
+      <p:cxnSp>
+        <p:nvCxnSpPr>
+          <p:cNvPr id="176" name="Straight Arrow Connector 175">
+            <a:extLst>
+              <a:ext uri="{FF2B5EF4-FFF2-40B4-BE49-F238E27FC236}">
+                <a16:creationId xmlns:a16="http://schemas.microsoft.com/office/drawing/2014/main" id="{488CEFD3-7872-7C1C-E7CC-DBD02C00CF82}"/>
+              </a:ext>
+            </a:extLst>
+          </p:cNvPr>
+          <p:cNvCxnSpPr>
+            <a:cxnSpLocks/>
+          </p:cNvCxnSpPr>
+          <p:nvPr/>
+        </p:nvCxnSpPr>
+        <p:spPr>
+          <a:xfrm>
+            <a:off x="10678030" y="5523025"/>
+            <a:ext cx="0" cy="365488"/>
+          </a:xfrm>
+          <a:prstGeom prst="straightConnector1">
+            <a:avLst/>
+          </a:prstGeom>
+          <a:ln>
+            <a:solidFill>
+              <a:srgbClr val="C00000"/>
+            </a:solidFill>
+            <a:prstDash val="solid"/>
+            <a:tailEnd type="triangle"/>
+          </a:ln>
+        </p:spPr>
+        <p:style>
+          <a:lnRef idx="2">
+            <a:schemeClr val="accent1"/>
+          </a:lnRef>
+          <a:fillRef idx="0">
+            <a:schemeClr val="accent1"/>
+          </a:fillRef>
+          <a:effectRef idx="1">
+            <a:schemeClr val="accent1"/>
+          </a:effectRef>
+          <a:fontRef idx="minor">
+            <a:schemeClr val="tx1"/>
+          </a:fontRef>
+        </p:style>
+      </p:cxnSp>
+      <p:cxnSp>
+        <p:nvCxnSpPr>
+          <p:cNvPr id="177" name="Straight Arrow Connector 176">
+            <a:extLst>
+              <a:ext uri="{FF2B5EF4-FFF2-40B4-BE49-F238E27FC236}">
+                <a16:creationId xmlns:a16="http://schemas.microsoft.com/office/drawing/2014/main" id="{0EAE4461-C19F-9EE8-96AC-4DED7E7F5A0E}"/>
+              </a:ext>
+            </a:extLst>
+          </p:cNvPr>
+          <p:cNvCxnSpPr>
+            <a:cxnSpLocks/>
+          </p:cNvCxnSpPr>
+          <p:nvPr/>
+        </p:nvCxnSpPr>
+        <p:spPr>
+          <a:xfrm>
+            <a:off x="11178141" y="5540779"/>
+            <a:ext cx="0" cy="365488"/>
+          </a:xfrm>
+          <a:prstGeom prst="straightConnector1">
+            <a:avLst/>
+          </a:prstGeom>
+          <a:ln>
+            <a:solidFill>
+              <a:srgbClr val="C00000"/>
+            </a:solidFill>
+            <a:prstDash val="solid"/>
+            <a:tailEnd type="triangle"/>
+          </a:ln>
+        </p:spPr>
+        <p:style>
+          <a:lnRef idx="2">
+            <a:schemeClr val="accent1"/>
+          </a:lnRef>
+          <a:fillRef idx="0">
+            <a:schemeClr val="accent1"/>
+          </a:fillRef>
+          <a:effectRef idx="1">
+            <a:schemeClr val="accent1"/>
+          </a:effectRef>
+          <a:fontRef idx="minor">
+            <a:schemeClr val="tx1"/>
+          </a:fontRef>
+        </p:style>
+      </p:cxnSp>
+      <p:sp>
+        <p:nvSpPr>
+          <p:cNvPr id="178" name="TextBox 177">
+            <a:extLst>
+              <a:ext uri="{FF2B5EF4-FFF2-40B4-BE49-F238E27FC236}">
+                <a16:creationId xmlns:a16="http://schemas.microsoft.com/office/drawing/2014/main" id="{B100D9E6-8E0D-2E96-A2AB-971C6E51A6DE}"/>
+              </a:ext>
+            </a:extLst>
+          </p:cNvPr>
+          <p:cNvSpPr txBox="1"/>
+          <p:nvPr/>
+        </p:nvSpPr>
+        <p:spPr>
+          <a:xfrm>
+            <a:off x="8108680" y="654985"/>
+            <a:ext cx="3127559" cy="584775"/>
+          </a:xfrm>
+          <a:prstGeom prst="rect">
+            <a:avLst/>
+          </a:prstGeom>
+          <a:noFill/>
+          <a:ln w="19050">
+            <a:solidFill>
+              <a:schemeClr val="tx1"/>
+            </a:solidFill>
+            <a:prstDash val="sysDash"/>
+          </a:ln>
+        </p:spPr>
+        <p:txBody>
+          <a:bodyPr wrap="square" rtlCol="0">
+            <a:spAutoFit/>
+          </a:bodyPr>
+          <a:lstStyle/>
+          <a:p>
+            <a:r>
+              <a:rPr lang="en-SG" sz="1600" b="1" dirty="0">
+                <a:solidFill>
+                  <a:schemeClr val="tx1"/>
+                </a:solidFill>
+              </a:rPr>
+              <a:t>Ninja Command and Control (C2)</a:t>
+            </a:r>
+            <a:r>
+              <a:rPr lang="en-US" sz="1600" b="1" dirty="0">
+                <a:solidFill>
+                  <a:schemeClr val="tx1"/>
+                </a:solidFill>
+              </a:rPr>
+              <a:t> Orchestrator Workflow </a:t>
+            </a:r>
+            <a:endParaRPr lang="en-SG" sz="1600" b="1" dirty="0"/>
+          </a:p>
+        </p:txBody>
+      </p:sp>
+    </p:spTree>
+    <p:extLst>
+      <p:ext uri="{BB962C8B-B14F-4D97-AF65-F5344CB8AC3E}">
+        <p14:creationId xmlns:p14="http://schemas.microsoft.com/office/powerpoint/2010/main" val="1506033464"/>
+      </p:ext>
+    </p:extLst>
+  </p:cSld>
+  <p:clrMapOvr>
+    <a:masterClrMapping/>
+  </p:clrMapOvr>
+</p:sld>
+</file>
+
+<file path=ppt/slides/slide8.xml><?xml version="1.0" encoding="utf-8"?>
 <p:sld xmlns:a="http://schemas.openxmlformats.org/drawingml/2006/main" xmlns:r="http://schemas.openxmlformats.org/officeDocument/2006/relationships" xmlns:p="http://schemas.openxmlformats.org/presentationml/2006/main">
   <p:cSld>
     <p:spTree>

--- a/doc/designDoc.pptx
+++ b/doc/designDoc.pptx
@@ -268,7 +268,7 @@
           <a:p>
             <a:fld id="{9FCA313A-65B0-404C-ABF6-BBAAB537D5DB}" type="datetimeFigureOut">
               <a:rPr lang="en-SG" smtClean="0"/>
-              <a:t>25/5/2024</a:t>
+              <a:t>26/5/2024</a:t>
             </a:fld>
             <a:endParaRPr lang="en-SG"/>
           </a:p>
@@ -468,7 +468,7 @@
           <a:p>
             <a:fld id="{9FCA313A-65B0-404C-ABF6-BBAAB537D5DB}" type="datetimeFigureOut">
               <a:rPr lang="en-SG" smtClean="0"/>
-              <a:t>25/5/2024</a:t>
+              <a:t>26/5/2024</a:t>
             </a:fld>
             <a:endParaRPr lang="en-SG"/>
           </a:p>
@@ -678,7 +678,7 @@
           <a:p>
             <a:fld id="{9FCA313A-65B0-404C-ABF6-BBAAB537D5DB}" type="datetimeFigureOut">
               <a:rPr lang="en-SG" smtClean="0"/>
-              <a:t>25/5/2024</a:t>
+              <a:t>26/5/2024</a:t>
             </a:fld>
             <a:endParaRPr lang="en-SG"/>
           </a:p>
@@ -878,7 +878,7 @@
           <a:p>
             <a:fld id="{9FCA313A-65B0-404C-ABF6-BBAAB537D5DB}" type="datetimeFigureOut">
               <a:rPr lang="en-SG" smtClean="0"/>
-              <a:t>25/5/2024</a:t>
+              <a:t>26/5/2024</a:t>
             </a:fld>
             <a:endParaRPr lang="en-SG"/>
           </a:p>
@@ -1154,7 +1154,7 @@
           <a:p>
             <a:fld id="{9FCA313A-65B0-404C-ABF6-BBAAB537D5DB}" type="datetimeFigureOut">
               <a:rPr lang="en-SG" smtClean="0"/>
-              <a:t>25/5/2024</a:t>
+              <a:t>26/5/2024</a:t>
             </a:fld>
             <a:endParaRPr lang="en-SG"/>
           </a:p>
@@ -1422,7 +1422,7 @@
           <a:p>
             <a:fld id="{9FCA313A-65B0-404C-ABF6-BBAAB537D5DB}" type="datetimeFigureOut">
               <a:rPr lang="en-SG" smtClean="0"/>
-              <a:t>25/5/2024</a:t>
+              <a:t>26/5/2024</a:t>
             </a:fld>
             <a:endParaRPr lang="en-SG"/>
           </a:p>
@@ -1837,7 +1837,7 @@
           <a:p>
             <a:fld id="{9FCA313A-65B0-404C-ABF6-BBAAB537D5DB}" type="datetimeFigureOut">
               <a:rPr lang="en-SG" smtClean="0"/>
-              <a:t>25/5/2024</a:t>
+              <a:t>26/5/2024</a:t>
             </a:fld>
             <a:endParaRPr lang="en-SG"/>
           </a:p>
@@ -1979,7 +1979,7 @@
           <a:p>
             <a:fld id="{9FCA313A-65B0-404C-ABF6-BBAAB537D5DB}" type="datetimeFigureOut">
               <a:rPr lang="en-SG" smtClean="0"/>
-              <a:t>25/5/2024</a:t>
+              <a:t>26/5/2024</a:t>
             </a:fld>
             <a:endParaRPr lang="en-SG"/>
           </a:p>
@@ -2092,7 +2092,7 @@
           <a:p>
             <a:fld id="{9FCA313A-65B0-404C-ABF6-BBAAB537D5DB}" type="datetimeFigureOut">
               <a:rPr lang="en-SG" smtClean="0"/>
-              <a:t>25/5/2024</a:t>
+              <a:t>26/5/2024</a:t>
             </a:fld>
             <a:endParaRPr lang="en-SG"/>
           </a:p>
@@ -2405,7 +2405,7 @@
           <a:p>
             <a:fld id="{9FCA313A-65B0-404C-ABF6-BBAAB537D5DB}" type="datetimeFigureOut">
               <a:rPr lang="en-SG" smtClean="0"/>
-              <a:t>25/5/2024</a:t>
+              <a:t>26/5/2024</a:t>
             </a:fld>
             <a:endParaRPr lang="en-SG"/>
           </a:p>
@@ -2694,7 +2694,7 @@
           <a:p>
             <a:fld id="{9FCA313A-65B0-404C-ABF6-BBAAB537D5DB}" type="datetimeFigureOut">
               <a:rPr lang="en-SG" smtClean="0"/>
-              <a:t>25/5/2024</a:t>
+              <a:t>26/5/2024</a:t>
             </a:fld>
             <a:endParaRPr lang="en-SG"/>
           </a:p>
@@ -2937,7 +2937,7 @@
           <a:p>
             <a:fld id="{9FCA313A-65B0-404C-ABF6-BBAAB537D5DB}" type="datetimeFigureOut">
               <a:rPr lang="en-SG" smtClean="0"/>
-              <a:t>25/5/2024</a:t>
+              <a:t>26/5/2024</a:t>
             </a:fld>
             <a:endParaRPr lang="en-SG"/>
           </a:p>
@@ -13248,7 +13248,7 @@
         </p:nvCxnSpPr>
         <p:spPr>
           <a:xfrm>
-            <a:off x="8790303" y="1733971"/>
+            <a:off x="8790303" y="1395643"/>
             <a:ext cx="6331" cy="4692578"/>
           </a:xfrm>
           <a:prstGeom prst="line">
@@ -13290,7 +13290,7 @@
         </p:nvSpPr>
         <p:spPr>
           <a:xfrm>
-            <a:off x="4732323" y="2824226"/>
+            <a:off x="4732323" y="2485898"/>
             <a:ext cx="2921232" cy="2180540"/>
           </a:xfrm>
           <a:prstGeom prst="rect">
@@ -13342,7 +13342,7 @@
         </p:nvSpPr>
         <p:spPr>
           <a:xfrm>
-            <a:off x="686005" y="1197166"/>
+            <a:off x="686005" y="858838"/>
             <a:ext cx="2751121" cy="858673"/>
           </a:xfrm>
           <a:prstGeom prst="rect">
@@ -13399,7 +13399,7 @@
         </p:nvSpPr>
         <p:spPr>
           <a:xfrm>
-            <a:off x="552860" y="922931"/>
+            <a:off x="552860" y="584603"/>
             <a:ext cx="3049875" cy="5699937"/>
           </a:xfrm>
           <a:prstGeom prst="rect">
@@ -13459,7 +13459,7 @@
         </p:nvSpPr>
         <p:spPr>
           <a:xfrm>
-            <a:off x="593199" y="920167"/>
+            <a:off x="593199" y="581839"/>
             <a:ext cx="2494844" cy="276999"/>
           </a:xfrm>
           <a:prstGeom prst="rect">
@@ -13501,7 +13501,7 @@
         </p:blipFill>
         <p:spPr>
           <a:xfrm>
-            <a:off x="800707" y="1280710"/>
+            <a:off x="800707" y="942382"/>
             <a:ext cx="392204" cy="414586"/>
           </a:xfrm>
           <a:prstGeom prst="rect">
@@ -13536,7 +13536,7 @@
         </p:blipFill>
         <p:spPr>
           <a:xfrm>
-            <a:off x="1364928" y="1271445"/>
+            <a:off x="1364928" y="933117"/>
             <a:ext cx="464622" cy="414586"/>
           </a:xfrm>
           <a:prstGeom prst="rect">
@@ -13570,7 +13570,7 @@
         </p:blipFill>
         <p:spPr>
           <a:xfrm>
-            <a:off x="1987758" y="1253151"/>
+            <a:off x="1987758" y="914823"/>
             <a:ext cx="408619" cy="423733"/>
           </a:xfrm>
           <a:prstGeom prst="rect">
@@ -13605,7 +13605,7 @@
         </p:blipFill>
         <p:spPr>
           <a:xfrm>
-            <a:off x="2599723" y="1247936"/>
+            <a:off x="2599723" y="909608"/>
             <a:ext cx="411309" cy="438095"/>
           </a:xfrm>
           <a:prstGeom prst="rect">
@@ -13632,7 +13632,7 @@
         </p:nvSpPr>
         <p:spPr>
           <a:xfrm>
-            <a:off x="666956" y="1655729"/>
+            <a:off x="666956" y="1317401"/>
             <a:ext cx="716455" cy="400110"/>
           </a:xfrm>
           <a:prstGeom prst="rect">
@@ -13671,7 +13671,7 @@
         </p:nvSpPr>
         <p:spPr>
           <a:xfrm>
-            <a:off x="1290638" y="1655729"/>
+            <a:off x="1290638" y="1317401"/>
             <a:ext cx="611680" cy="400110"/>
           </a:xfrm>
           <a:prstGeom prst="rect">
@@ -13710,7 +13710,7 @@
         </p:nvSpPr>
         <p:spPr>
           <a:xfrm>
-            <a:off x="1829550" y="1655729"/>
+            <a:off x="1829550" y="1317401"/>
             <a:ext cx="759523" cy="400110"/>
           </a:xfrm>
           <a:prstGeom prst="rect">
@@ -13749,7 +13749,7 @@
         </p:nvSpPr>
         <p:spPr>
           <a:xfrm>
-            <a:off x="2536261" y="1668501"/>
+            <a:off x="2536261" y="1330173"/>
             <a:ext cx="759523" cy="400110"/>
           </a:xfrm>
           <a:prstGeom prst="rect">
@@ -13788,7 +13788,7 @@
         </p:nvSpPr>
         <p:spPr>
           <a:xfrm>
-            <a:off x="2984720" y="1316327"/>
+            <a:off x="2984720" y="977999"/>
             <a:ext cx="377190" cy="461665"/>
           </a:xfrm>
           <a:prstGeom prst="rect">
@@ -13832,7 +13832,7 @@
         </p:nvSpPr>
         <p:spPr>
           <a:xfrm>
-            <a:off x="654896" y="2052886"/>
+            <a:off x="654896" y="1714558"/>
             <a:ext cx="2494844" cy="276999"/>
           </a:xfrm>
           <a:prstGeom prst="rect">
@@ -13867,7 +13867,7 @@
         </p:nvSpPr>
         <p:spPr>
           <a:xfrm>
-            <a:off x="696755" y="2339674"/>
+            <a:off x="696755" y="2001346"/>
             <a:ext cx="2751122" cy="795780"/>
           </a:xfrm>
           <a:prstGeom prst="rect">
@@ -13932,7 +13932,7 @@
         </p:blipFill>
         <p:spPr>
           <a:xfrm>
-            <a:off x="810472" y="2417929"/>
+            <a:off x="810472" y="2079601"/>
             <a:ext cx="328485" cy="351080"/>
           </a:xfrm>
           <a:prstGeom prst="rect">
@@ -13959,7 +13959,7 @@
         </p:nvSpPr>
         <p:spPr>
           <a:xfrm>
-            <a:off x="699089" y="2735343"/>
+            <a:off x="699089" y="2397015"/>
             <a:ext cx="694087" cy="400110"/>
           </a:xfrm>
           <a:prstGeom prst="rect">
@@ -14006,7 +14006,7 @@
         </p:blipFill>
         <p:spPr>
           <a:xfrm>
-            <a:off x="1393176" y="2397543"/>
+            <a:off x="1393176" y="2059215"/>
             <a:ext cx="386944" cy="371466"/>
           </a:xfrm>
           <a:prstGeom prst="rect">
@@ -14033,7 +14033,7 @@
         </p:nvSpPr>
         <p:spPr>
           <a:xfrm>
-            <a:off x="1272868" y="2740925"/>
+            <a:off x="1272868" y="2402597"/>
             <a:ext cx="759523" cy="400110"/>
           </a:xfrm>
           <a:prstGeom prst="rect">
@@ -14080,7 +14080,7 @@
         </p:blipFill>
         <p:spPr>
           <a:xfrm>
-            <a:off x="2550023" y="2388287"/>
+            <a:off x="2550023" y="2049959"/>
             <a:ext cx="444150" cy="399735"/>
           </a:xfrm>
           <a:prstGeom prst="rect">
@@ -14107,7 +14107,7 @@
         </p:nvSpPr>
         <p:spPr>
           <a:xfrm>
-            <a:off x="2428202" y="2759391"/>
+            <a:off x="2428202" y="2421063"/>
             <a:ext cx="1073730" cy="400110"/>
           </a:xfrm>
           <a:prstGeom prst="rect">
@@ -14146,7 +14146,7 @@
         </p:nvSpPr>
         <p:spPr>
           <a:xfrm>
-            <a:off x="1906848" y="2760550"/>
+            <a:off x="1906848" y="2422222"/>
             <a:ext cx="759523" cy="246221"/>
           </a:xfrm>
           <a:prstGeom prst="rect">
@@ -14185,7 +14185,7 @@
         </p:nvSpPr>
         <p:spPr>
           <a:xfrm>
-            <a:off x="2992225" y="2384917"/>
+            <a:off x="2992225" y="2046589"/>
             <a:ext cx="377190" cy="461665"/>
           </a:xfrm>
           <a:prstGeom prst="rect">
@@ -14221,7 +14221,7 @@
         </p:nvSpPr>
         <p:spPr>
           <a:xfrm>
-            <a:off x="653006" y="3171698"/>
+            <a:off x="653006" y="2833370"/>
             <a:ext cx="2494844" cy="276999"/>
           </a:xfrm>
           <a:prstGeom prst="rect">
@@ -14256,7 +14256,7 @@
         </p:nvSpPr>
         <p:spPr>
           <a:xfrm>
-            <a:off x="695770" y="3473253"/>
+            <a:off x="695770" y="3134925"/>
             <a:ext cx="2752107" cy="795780"/>
           </a:xfrm>
           <a:prstGeom prst="rect">
@@ -14329,7 +14329,7 @@
         </p:blipFill>
         <p:spPr>
           <a:xfrm>
-            <a:off x="780555" y="3555868"/>
+            <a:off x="780555" y="3217540"/>
             <a:ext cx="388318" cy="387556"/>
           </a:xfrm>
           <a:prstGeom prst="rect">
@@ -14356,7 +14356,7 @@
         </p:nvSpPr>
         <p:spPr>
           <a:xfrm>
-            <a:off x="650495" y="3918025"/>
+            <a:off x="650495" y="3579697"/>
             <a:ext cx="693847" cy="400110"/>
           </a:xfrm>
           <a:prstGeom prst="rect">
@@ -14403,7 +14403,7 @@
         </p:blipFill>
         <p:spPr>
           <a:xfrm>
-            <a:off x="1338370" y="3547720"/>
+            <a:off x="1338370" y="3209392"/>
             <a:ext cx="388318" cy="403851"/>
           </a:xfrm>
           <a:prstGeom prst="rect">
@@ -14430,7 +14430,7 @@
         </p:nvSpPr>
         <p:spPr>
           <a:xfrm>
-            <a:off x="1217063" y="3913027"/>
+            <a:off x="1217063" y="3574699"/>
             <a:ext cx="693847" cy="400110"/>
           </a:xfrm>
           <a:prstGeom prst="rect">
@@ -14477,7 +14477,7 @@
         </p:blipFill>
         <p:spPr>
           <a:xfrm>
-            <a:off x="2405838" y="3539825"/>
+            <a:off x="2405838" y="3201497"/>
             <a:ext cx="406716" cy="396536"/>
           </a:xfrm>
           <a:prstGeom prst="rect">
@@ -14504,7 +14504,7 @@
         </p:nvSpPr>
         <p:spPr>
           <a:xfrm>
-            <a:off x="2309216" y="3904307"/>
+            <a:off x="2309216" y="3565979"/>
             <a:ext cx="693847" cy="400110"/>
           </a:xfrm>
           <a:prstGeom prst="rect">
@@ -14551,7 +14551,7 @@
         </p:blipFill>
         <p:spPr>
           <a:xfrm>
-            <a:off x="1825357" y="3536708"/>
+            <a:off x="1825357" y="3198380"/>
             <a:ext cx="406716" cy="406716"/>
           </a:xfrm>
           <a:prstGeom prst="rect">
@@ -14573,7 +14573,7 @@
         </p:nvSpPr>
         <p:spPr>
           <a:xfrm>
-            <a:off x="1732811" y="3904307"/>
+            <a:off x="1732811" y="3565979"/>
             <a:ext cx="759523" cy="400110"/>
           </a:xfrm>
           <a:prstGeom prst="rect">
@@ -14619,7 +14619,7 @@
         </p:blipFill>
         <p:spPr>
           <a:xfrm>
-            <a:off x="2923289" y="3552404"/>
+            <a:off x="2923289" y="3214076"/>
             <a:ext cx="413852" cy="383957"/>
           </a:xfrm>
           <a:prstGeom prst="rect">
@@ -14646,7 +14646,7 @@
         </p:nvSpPr>
         <p:spPr>
           <a:xfrm>
-            <a:off x="2790341" y="3904307"/>
+            <a:off x="2790341" y="3565979"/>
             <a:ext cx="759523" cy="400110"/>
           </a:xfrm>
           <a:prstGeom prst="rect">
@@ -14685,7 +14685,7 @@
         </p:nvSpPr>
         <p:spPr>
           <a:xfrm>
-            <a:off x="703020" y="4595878"/>
+            <a:off x="703020" y="4257550"/>
             <a:ext cx="2752107" cy="795780"/>
           </a:xfrm>
           <a:prstGeom prst="rect">
@@ -14742,7 +14742,7 @@
         </p:nvSpPr>
         <p:spPr>
           <a:xfrm>
-            <a:off x="603441" y="4312200"/>
+            <a:off x="603441" y="3973872"/>
             <a:ext cx="2494844" cy="276999"/>
           </a:xfrm>
           <a:prstGeom prst="rect">
@@ -14784,7 +14784,7 @@
         </p:blipFill>
         <p:spPr>
           <a:xfrm>
-            <a:off x="780555" y="4692304"/>
+            <a:off x="780555" y="4353976"/>
             <a:ext cx="388318" cy="375209"/>
           </a:xfrm>
           <a:prstGeom prst="rect">
@@ -14806,7 +14806,7 @@
         </p:nvSpPr>
         <p:spPr>
           <a:xfrm>
-            <a:off x="678259" y="5004797"/>
+            <a:off x="678259" y="4666469"/>
             <a:ext cx="693847" cy="400110"/>
           </a:xfrm>
           <a:prstGeom prst="rect">
@@ -14853,7 +14853,7 @@
         </p:blipFill>
         <p:spPr>
           <a:xfrm>
-            <a:off x="1328107" y="4685162"/>
+            <a:off x="1328107" y="4346834"/>
             <a:ext cx="388318" cy="375209"/>
           </a:xfrm>
           <a:prstGeom prst="rect">
@@ -14880,7 +14880,7 @@
         </p:nvSpPr>
         <p:spPr>
           <a:xfrm>
-            <a:off x="1272868" y="5047541"/>
+            <a:off x="1272868" y="4709213"/>
             <a:ext cx="693847" cy="246221"/>
           </a:xfrm>
           <a:prstGeom prst="rect">
@@ -14926,7 +14926,7 @@
         </p:blipFill>
         <p:spPr>
           <a:xfrm>
-            <a:off x="1854938" y="4677293"/>
+            <a:off x="1854938" y="4338965"/>
             <a:ext cx="366571" cy="399605"/>
           </a:xfrm>
           <a:prstGeom prst="rect">
@@ -14953,7 +14953,7 @@
         </p:nvSpPr>
         <p:spPr>
           <a:xfrm>
-            <a:off x="1765649" y="5050760"/>
+            <a:off x="1765649" y="4712432"/>
             <a:ext cx="543568" cy="246221"/>
           </a:xfrm>
           <a:prstGeom prst="rect">
@@ -14999,7 +14999,7 @@
         </p:blipFill>
         <p:spPr>
           <a:xfrm>
-            <a:off x="1974372" y="2408097"/>
+            <a:off x="1974372" y="2069769"/>
             <a:ext cx="369719" cy="371466"/>
           </a:xfrm>
           <a:prstGeom prst="rect">
@@ -15036,7 +15036,7 @@
         </p:blipFill>
         <p:spPr>
           <a:xfrm>
-            <a:off x="2384626" y="4692304"/>
+            <a:off x="2384626" y="4353976"/>
             <a:ext cx="375209" cy="375209"/>
           </a:xfrm>
           <a:prstGeom prst="rect">
@@ -15063,7 +15063,7 @@
         </p:nvSpPr>
         <p:spPr>
           <a:xfrm>
-            <a:off x="2428202" y="4735471"/>
+            <a:off x="2428202" y="4397143"/>
             <a:ext cx="265471" cy="284996"/>
           </a:xfrm>
           <a:prstGeom prst="mathMultiply">
@@ -15115,7 +15115,7 @@
         </p:nvSpPr>
         <p:spPr>
           <a:xfrm>
-            <a:off x="2232073" y="5037386"/>
+            <a:off x="2232073" y="4699058"/>
             <a:ext cx="814533" cy="400110"/>
           </a:xfrm>
           <a:prstGeom prst="rect">
@@ -15154,7 +15154,7 @@
         </p:nvSpPr>
         <p:spPr>
           <a:xfrm>
-            <a:off x="685880" y="5722623"/>
+            <a:off x="685880" y="5384295"/>
             <a:ext cx="2752107" cy="795780"/>
           </a:xfrm>
           <a:prstGeom prst="rect">
@@ -15219,7 +15219,7 @@
         </p:blipFill>
         <p:spPr>
           <a:xfrm>
-            <a:off x="2924560" y="4670512"/>
+            <a:off x="2924560" y="4332184"/>
             <a:ext cx="421453" cy="384440"/>
           </a:xfrm>
           <a:prstGeom prst="rect">
@@ -15241,7 +15241,7 @@
         </p:nvSpPr>
         <p:spPr>
           <a:xfrm>
-            <a:off x="2888517" y="5027074"/>
+            <a:off x="2888517" y="4688746"/>
             <a:ext cx="814533" cy="400110"/>
           </a:xfrm>
           <a:prstGeom prst="rect">
@@ -15280,7 +15280,7 @@
         </p:nvSpPr>
         <p:spPr>
           <a:xfrm>
-            <a:off x="624034" y="5450701"/>
+            <a:off x="624034" y="5112373"/>
             <a:ext cx="1912227" cy="276999"/>
           </a:xfrm>
           <a:prstGeom prst="rect">
@@ -15323,7 +15323,7 @@
         </p:blipFill>
         <p:spPr>
           <a:xfrm>
-            <a:off x="796282" y="5796594"/>
+            <a:off x="796282" y="5458266"/>
             <a:ext cx="356863" cy="372962"/>
           </a:xfrm>
           <a:prstGeom prst="rect">
@@ -15350,7 +15350,7 @@
         </p:nvSpPr>
         <p:spPr>
           <a:xfrm>
-            <a:off x="624035" y="6169556"/>
+            <a:off x="624035" y="5831228"/>
             <a:ext cx="704072" cy="400110"/>
           </a:xfrm>
           <a:prstGeom prst="rect">
@@ -15397,7 +15397,7 @@
         </p:blipFill>
         <p:spPr>
           <a:xfrm>
-            <a:off x="1310975" y="5795477"/>
+            <a:off x="1310975" y="5457149"/>
             <a:ext cx="377056" cy="364626"/>
           </a:xfrm>
           <a:prstGeom prst="rect">
@@ -15424,7 +15424,7 @@
         </p:nvSpPr>
         <p:spPr>
           <a:xfrm>
-            <a:off x="1190538" y="6149550"/>
+            <a:off x="1190538" y="5811222"/>
             <a:ext cx="726900" cy="400110"/>
           </a:xfrm>
           <a:prstGeom prst="rect">
@@ -15481,7 +15481,7 @@
         </p:blipFill>
         <p:spPr>
           <a:xfrm>
-            <a:off x="1835553" y="5794127"/>
+            <a:off x="1835553" y="5455799"/>
             <a:ext cx="421600" cy="384038"/>
           </a:xfrm>
           <a:prstGeom prst="rect">
@@ -15508,7 +15508,7 @@
         </p:nvSpPr>
         <p:spPr>
           <a:xfrm>
-            <a:off x="1845861" y="6158235"/>
+            <a:off x="1845861" y="5819907"/>
             <a:ext cx="538765" cy="400110"/>
           </a:xfrm>
           <a:prstGeom prst="rect">
@@ -15555,7 +15555,7 @@
         </p:blipFill>
         <p:spPr>
           <a:xfrm>
-            <a:off x="2353542" y="5776126"/>
+            <a:off x="2353542" y="5437798"/>
             <a:ext cx="391831" cy="400110"/>
           </a:xfrm>
           <a:prstGeom prst="rect">
@@ -15582,7 +15582,7 @@
         </p:nvSpPr>
         <p:spPr>
           <a:xfrm>
-            <a:off x="2163265" y="6161132"/>
+            <a:off x="2163265" y="5822804"/>
             <a:ext cx="779617" cy="400110"/>
           </a:xfrm>
           <a:prstGeom prst="rect">
@@ -15629,7 +15629,7 @@
         </p:blipFill>
         <p:spPr>
           <a:xfrm>
-            <a:off x="2902264" y="5781283"/>
+            <a:off x="2902264" y="5442955"/>
             <a:ext cx="392041" cy="376360"/>
           </a:xfrm>
           <a:prstGeom prst="rect">
@@ -15664,7 +15664,7 @@
         </p:blipFill>
         <p:spPr>
           <a:xfrm>
-            <a:off x="2943176" y="5805619"/>
+            <a:off x="2943176" y="5467291"/>
             <a:ext cx="222855" cy="155998"/>
           </a:xfrm>
           <a:prstGeom prst="rect">
@@ -15691,7 +15691,7 @@
         </p:nvSpPr>
         <p:spPr>
           <a:xfrm>
-            <a:off x="2752596" y="6157176"/>
+            <a:off x="2752596" y="5818848"/>
             <a:ext cx="779617" cy="400110"/>
           </a:xfrm>
           <a:prstGeom prst="rect">
@@ -15740,7 +15740,7 @@
         </p:nvSpPr>
         <p:spPr>
           <a:xfrm>
-            <a:off x="457532" y="541818"/>
+            <a:off x="457532" y="203490"/>
             <a:ext cx="3403398" cy="307777"/>
           </a:xfrm>
           <a:prstGeom prst="rect">
@@ -15775,7 +15775,7 @@
         </p:nvSpPr>
         <p:spPr>
           <a:xfrm>
-            <a:off x="4871040" y="4589082"/>
+            <a:off x="4871040" y="4250754"/>
             <a:ext cx="2597707" cy="307778"/>
           </a:xfrm>
           <a:prstGeom prst="rect">
@@ -15824,7 +15824,7 @@
         </p:nvSpPr>
         <p:spPr>
           <a:xfrm>
-            <a:off x="4831711" y="4572586"/>
+            <a:off x="4831711" y="4234258"/>
             <a:ext cx="2676363" cy="307777"/>
           </a:xfrm>
           <a:prstGeom prst="rect">
@@ -15867,7 +15867,7 @@
         </p:blipFill>
         <p:spPr>
           <a:xfrm>
-            <a:off x="6869671" y="2080343"/>
+            <a:off x="6869671" y="1742015"/>
             <a:ext cx="376689" cy="417634"/>
           </a:xfrm>
           <a:prstGeom prst="rect">
@@ -15896,7 +15896,7 @@
         </p:nvCxnSpPr>
         <p:spPr>
           <a:xfrm>
-            <a:off x="7037274" y="2498947"/>
+            <a:off x="7037274" y="2160619"/>
             <a:ext cx="0" cy="1353337"/>
           </a:xfrm>
           <a:prstGeom prst="straightConnector1">
@@ -15947,7 +15947,7 @@
         </p:blipFill>
         <p:spPr>
           <a:xfrm>
-            <a:off x="6004594" y="1595224"/>
+            <a:off x="6004594" y="1256896"/>
             <a:ext cx="376689" cy="417634"/>
           </a:xfrm>
           <a:prstGeom prst="rect">
@@ -15978,7 +15978,7 @@
         </p:nvCxnSpPr>
         <p:spPr>
           <a:xfrm>
-            <a:off x="3742140" y="1559108"/>
+            <a:off x="3742140" y="1220780"/>
             <a:ext cx="1209687" cy="2448269"/>
           </a:xfrm>
           <a:prstGeom prst="straightConnector1">
@@ -16021,7 +16021,7 @@
         </p:nvCxnSpPr>
         <p:spPr>
           <a:xfrm>
-            <a:off x="3707618" y="2682150"/>
+            <a:off x="3707618" y="2343822"/>
             <a:ext cx="1244209" cy="1325227"/>
           </a:xfrm>
           <a:prstGeom prst="straightConnector1">
@@ -16060,7 +16060,7 @@
         </p:nvSpPr>
         <p:spPr>
           <a:xfrm>
-            <a:off x="4951827" y="3776544"/>
+            <a:off x="4951827" y="3438216"/>
             <a:ext cx="1792351" cy="461665"/>
           </a:xfrm>
           <a:prstGeom prst="rect">
@@ -16114,7 +16114,7 @@
         </p:nvCxnSpPr>
         <p:spPr>
           <a:xfrm>
-            <a:off x="3759529" y="3885330"/>
+            <a:off x="3759529" y="3547002"/>
             <a:ext cx="1192298" cy="122047"/>
           </a:xfrm>
           <a:prstGeom prst="straightConnector1">
@@ -16157,7 +16157,7 @@
         </p:nvCxnSpPr>
         <p:spPr>
           <a:xfrm flipV="1">
-            <a:off x="3765703" y="4007377"/>
+            <a:off x="3765703" y="3669049"/>
             <a:ext cx="1186124" cy="921922"/>
           </a:xfrm>
           <a:prstGeom prst="straightConnector1">
@@ -16200,7 +16200,7 @@
         </p:nvCxnSpPr>
         <p:spPr>
           <a:xfrm flipV="1">
-            <a:off x="3769856" y="4007377"/>
+            <a:off x="3769856" y="3669049"/>
             <a:ext cx="1181971" cy="2052020"/>
           </a:xfrm>
           <a:prstGeom prst="straightConnector1">
@@ -16246,7 +16246,7 @@
         </p:blipFill>
         <p:spPr>
           <a:xfrm>
-            <a:off x="5018633" y="3827699"/>
+            <a:off x="5018633" y="3489371"/>
             <a:ext cx="357468" cy="345400"/>
           </a:xfrm>
           <a:prstGeom prst="rect">
@@ -16276,7 +16276,7 @@
         </p:blipFill>
         <p:spPr>
           <a:xfrm>
-            <a:off x="5477333" y="3835697"/>
+            <a:off x="5477333" y="3497369"/>
             <a:ext cx="357468" cy="325620"/>
           </a:xfrm>
           <a:prstGeom prst="rect">
@@ -16310,7 +16310,7 @@
         </p:blipFill>
         <p:spPr>
           <a:xfrm>
-            <a:off x="5928753" y="3852284"/>
+            <a:off x="5928753" y="3513956"/>
             <a:ext cx="322839" cy="334780"/>
           </a:xfrm>
           <a:prstGeom prst="rect">
@@ -16337,7 +16337,7 @@
         </p:nvSpPr>
         <p:spPr>
           <a:xfrm>
-            <a:off x="6304463" y="3798334"/>
+            <a:off x="6304463" y="3460006"/>
             <a:ext cx="377190" cy="461665"/>
           </a:xfrm>
           <a:prstGeom prst="rect">
@@ -16389,7 +16389,7 @@
         </p:blipFill>
         <p:spPr>
           <a:xfrm>
-            <a:off x="3459231" y="4803645"/>
+            <a:off x="3459231" y="4465317"/>
             <a:ext cx="306472" cy="251307"/>
           </a:xfrm>
           <a:prstGeom prst="rect">
@@ -16424,7 +16424,7 @@
         </p:blipFill>
         <p:spPr>
           <a:xfrm>
-            <a:off x="3463384" y="5933743"/>
+            <a:off x="3463384" y="5595415"/>
             <a:ext cx="306472" cy="251307"/>
           </a:xfrm>
           <a:prstGeom prst="rect">
@@ -16459,7 +16459,7 @@
         </p:blipFill>
         <p:spPr>
           <a:xfrm>
-            <a:off x="3453057" y="3759676"/>
+            <a:off x="3453057" y="3421348"/>
             <a:ext cx="306472" cy="251307"/>
           </a:xfrm>
           <a:prstGeom prst="rect">
@@ -16494,7 +16494,7 @@
         </p:blipFill>
         <p:spPr>
           <a:xfrm>
-            <a:off x="3401146" y="2556496"/>
+            <a:off x="3401146" y="2218168"/>
             <a:ext cx="306472" cy="251307"/>
           </a:xfrm>
           <a:prstGeom prst="rect">
@@ -16529,7 +16529,7 @@
         </p:blipFill>
         <p:spPr>
           <a:xfrm>
-            <a:off x="3435668" y="1433454"/>
+            <a:off x="3435668" y="1095126"/>
             <a:ext cx="306472" cy="251307"/>
           </a:xfrm>
           <a:prstGeom prst="rect">
@@ -16564,7 +16564,7 @@
         </p:blipFill>
         <p:spPr>
           <a:xfrm>
-            <a:off x="6963682" y="3903512"/>
+            <a:off x="6963682" y="3565184"/>
             <a:ext cx="306472" cy="251307"/>
           </a:xfrm>
           <a:prstGeom prst="rect">
@@ -16591,7 +16591,7 @@
         </p:nvSpPr>
         <p:spPr>
           <a:xfrm>
-            <a:off x="6868997" y="3783133"/>
+            <a:off x="6868997" y="3444805"/>
             <a:ext cx="648796" cy="461665"/>
           </a:xfrm>
           <a:prstGeom prst="rect">
@@ -16641,7 +16641,7 @@
         </p:nvSpPr>
         <p:spPr>
           <a:xfrm>
-            <a:off x="3625805" y="3224814"/>
+            <a:off x="3625805" y="2886486"/>
             <a:ext cx="1205906" cy="461665"/>
           </a:xfrm>
           <a:prstGeom prst="rect">
@@ -16683,7 +16683,7 @@
         </p:nvSpPr>
         <p:spPr>
           <a:xfrm>
-            <a:off x="7226310" y="2102003"/>
+            <a:off x="7226310" y="1763675"/>
             <a:ext cx="1149594" cy="553998"/>
           </a:xfrm>
           <a:prstGeom prst="rect">
@@ -16718,7 +16718,7 @@
         </p:nvSpPr>
         <p:spPr>
           <a:xfrm>
-            <a:off x="6107428" y="2002445"/>
+            <a:off x="6107428" y="1664117"/>
             <a:ext cx="1004148" cy="707886"/>
           </a:xfrm>
           <a:prstGeom prst="rect">
@@ -16757,7 +16757,7 @@
         </p:nvCxnSpPr>
         <p:spPr>
           <a:xfrm flipV="1">
-            <a:off x="7031026" y="2788022"/>
+            <a:off x="7031026" y="2449694"/>
             <a:ext cx="1989931" cy="3178564"/>
           </a:xfrm>
           <a:prstGeom prst="bentConnector3">
@@ -16809,7 +16809,7 @@
         </p:blipFill>
         <p:spPr>
           <a:xfrm>
-            <a:off x="9020957" y="2600417"/>
+            <a:off x="9020957" y="2262089"/>
             <a:ext cx="388318" cy="375209"/>
           </a:xfrm>
           <a:prstGeom prst="rect">
@@ -16831,7 +16831,7 @@
         </p:nvSpPr>
         <p:spPr>
           <a:xfrm>
-            <a:off x="8950430" y="2180820"/>
+            <a:off x="8950430" y="1842492"/>
             <a:ext cx="1284548" cy="461665"/>
           </a:xfrm>
           <a:prstGeom prst="rect">
@@ -16884,7 +16884,7 @@
         </p:blipFill>
         <p:spPr>
           <a:xfrm flipH="1">
-            <a:off x="9055774" y="3779978"/>
+            <a:off x="9055774" y="3441650"/>
             <a:ext cx="376652" cy="297632"/>
           </a:xfrm>
           <a:prstGeom prst="rect">
@@ -16911,7 +16911,7 @@
         </p:nvSpPr>
         <p:spPr>
           <a:xfrm>
-            <a:off x="8949373" y="3327651"/>
+            <a:off x="8949373" y="2989323"/>
             <a:ext cx="1208331" cy="461665"/>
           </a:xfrm>
           <a:prstGeom prst="rect">
@@ -16959,7 +16959,7 @@
         </p:nvCxnSpPr>
         <p:spPr>
           <a:xfrm flipV="1">
-            <a:off x="7031026" y="3928794"/>
+            <a:off x="7031026" y="3590466"/>
             <a:ext cx="2024748" cy="2037792"/>
           </a:xfrm>
           <a:prstGeom prst="bentConnector3">
@@ -17011,7 +17011,7 @@
         </p:blipFill>
         <p:spPr>
           <a:xfrm>
-            <a:off x="9078081" y="4920142"/>
+            <a:off x="9078081" y="4581814"/>
             <a:ext cx="414399" cy="323527"/>
           </a:xfrm>
           <a:prstGeom prst="rect">
@@ -17038,7 +17038,7 @@
         </p:nvSpPr>
         <p:spPr>
           <a:xfrm>
-            <a:off x="8993330" y="4467387"/>
+            <a:off x="8993330" y="4129059"/>
             <a:ext cx="1402252" cy="461665"/>
           </a:xfrm>
           <a:prstGeom prst="rect">
@@ -17089,7 +17089,7 @@
         </p:blipFill>
         <p:spPr>
           <a:xfrm>
-            <a:off x="9049870" y="6053313"/>
+            <a:off x="9049870" y="5714985"/>
             <a:ext cx="413852" cy="315858"/>
           </a:xfrm>
           <a:prstGeom prst="rect">
@@ -17116,7 +17116,7 @@
         </p:nvSpPr>
         <p:spPr>
           <a:xfrm>
-            <a:off x="8949373" y="5635456"/>
+            <a:off x="8949373" y="5297128"/>
             <a:ext cx="1082854" cy="461665"/>
           </a:xfrm>
           <a:prstGeom prst="rect">
@@ -17159,7 +17159,7 @@
         </p:nvCxnSpPr>
         <p:spPr>
           <a:xfrm flipV="1">
-            <a:off x="7031026" y="5081906"/>
+            <a:off x="7031026" y="4743578"/>
             <a:ext cx="2047055" cy="884680"/>
           </a:xfrm>
           <a:prstGeom prst="bentConnector3">
@@ -17208,7 +17208,7 @@
         </p:nvCxnSpPr>
         <p:spPr>
           <a:xfrm>
-            <a:off x="7031026" y="5966586"/>
+            <a:off x="7031026" y="5628258"/>
             <a:ext cx="2018844" cy="244656"/>
           </a:xfrm>
           <a:prstGeom prst="bentConnector3">
@@ -17253,7 +17253,7 @@
         </p:nvSpPr>
         <p:spPr>
           <a:xfrm>
-            <a:off x="7066843" y="6032325"/>
+            <a:off x="7066843" y="5693997"/>
             <a:ext cx="797920" cy="276999"/>
           </a:xfrm>
           <a:prstGeom prst="rect">
@@ -17311,7 +17311,7 @@
         </p:blipFill>
         <p:spPr>
           <a:xfrm>
-            <a:off x="5765261" y="5437496"/>
+            <a:off x="5765261" y="5099168"/>
             <a:ext cx="1265765" cy="1058180"/>
           </a:xfrm>
           <a:prstGeom prst="rect">
@@ -17333,7 +17333,7 @@
         </p:nvSpPr>
         <p:spPr>
           <a:xfrm>
-            <a:off x="6287173" y="5065170"/>
+            <a:off x="6287173" y="4726842"/>
             <a:ext cx="1440375" cy="400110"/>
           </a:xfrm>
           <a:prstGeom prst="rect">
@@ -17370,7 +17370,7 @@
         </p:nvCxnSpPr>
         <p:spPr>
           <a:xfrm>
-            <a:off x="9409275" y="2783681"/>
+            <a:off x="9409275" y="2445353"/>
             <a:ext cx="685359" cy="0"/>
           </a:xfrm>
           <a:prstGeom prst="straightConnector1">
@@ -17413,7 +17413,7 @@
         </p:nvCxnSpPr>
         <p:spPr>
           <a:xfrm>
-            <a:off x="4732323" y="4350115"/>
+            <a:off x="4732323" y="4011787"/>
             <a:ext cx="2921232" cy="0"/>
           </a:xfrm>
           <a:prstGeom prst="line">
@@ -17449,7 +17449,7 @@
         </p:nvSpPr>
         <p:spPr>
           <a:xfrm>
-            <a:off x="4741332" y="4320403"/>
+            <a:off x="4741332" y="3982075"/>
             <a:ext cx="2038310" cy="246221"/>
           </a:xfrm>
           <a:prstGeom prst="rect">
@@ -17484,7 +17484,7 @@
         </p:nvCxnSpPr>
         <p:spPr>
           <a:xfrm>
-            <a:off x="4741332" y="3486745"/>
+            <a:off x="4741332" y="3148417"/>
             <a:ext cx="2921232" cy="0"/>
           </a:xfrm>
           <a:prstGeom prst="line">
@@ -17520,7 +17520,7 @@
         </p:nvSpPr>
         <p:spPr>
           <a:xfrm>
-            <a:off x="4740647" y="3482593"/>
+            <a:off x="4740647" y="3144265"/>
             <a:ext cx="2246302" cy="246221"/>
           </a:xfrm>
           <a:prstGeom prst="rect">
@@ -17555,7 +17555,7 @@
         </p:nvSpPr>
         <p:spPr>
           <a:xfrm>
-            <a:off x="4714540" y="2814226"/>
+            <a:off x="4714540" y="2475898"/>
             <a:ext cx="2751263" cy="246221"/>
           </a:xfrm>
           <a:prstGeom prst="rect">
@@ -17600,7 +17600,7 @@
         </p:blipFill>
         <p:spPr>
           <a:xfrm>
-            <a:off x="6041870" y="3133745"/>
+            <a:off x="6041870" y="2795417"/>
             <a:ext cx="262593" cy="269549"/>
           </a:xfrm>
           <a:prstGeom prst="rect">
@@ -17631,7 +17631,7 @@
         </p:nvCxnSpPr>
         <p:spPr>
           <a:xfrm flipH="1">
-            <a:off x="6173167" y="2012858"/>
+            <a:off x="6173167" y="1674530"/>
             <a:ext cx="0" cy="1120887"/>
           </a:xfrm>
           <a:prstGeom prst="straightConnector1">
@@ -17684,7 +17684,7 @@
         </p:blipFill>
         <p:spPr>
           <a:xfrm>
-            <a:off x="5317422" y="3141035"/>
+            <a:off x="5317422" y="2802707"/>
             <a:ext cx="262593" cy="269549"/>
           </a:xfrm>
           <a:prstGeom prst="rect">
@@ -17719,7 +17719,7 @@
         </p:blipFill>
         <p:spPr>
           <a:xfrm>
-            <a:off x="5296837" y="1015820"/>
+            <a:off x="5296837" y="677492"/>
             <a:ext cx="376689" cy="417634"/>
           </a:xfrm>
           <a:prstGeom prst="rect">
@@ -17750,7 +17750,7 @@
         </p:nvCxnSpPr>
         <p:spPr>
           <a:xfrm flipH="1">
-            <a:off x="5448719" y="1433454"/>
+            <a:off x="5448719" y="1095126"/>
             <a:ext cx="0" cy="1707581"/>
           </a:xfrm>
           <a:prstGeom prst="straightConnector1">
@@ -17793,7 +17793,7 @@
         </p:nvSpPr>
         <p:spPr>
           <a:xfrm>
-            <a:off x="5374818" y="1429652"/>
+            <a:off x="5374818" y="1091324"/>
             <a:ext cx="924259" cy="553998"/>
           </a:xfrm>
           <a:prstGeom prst="rect">
@@ -17828,7 +17828,7 @@
         </p:nvSpPr>
         <p:spPr>
           <a:xfrm>
-            <a:off x="6159170" y="5090531"/>
+            <a:off x="6159170" y="4752203"/>
             <a:ext cx="102768" cy="293820"/>
           </a:xfrm>
           <a:prstGeom prst="downArrow">
@@ -17874,7 +17874,7 @@
         </p:nvSpPr>
         <p:spPr>
           <a:xfrm>
-            <a:off x="9460084" y="2820228"/>
+            <a:off x="9460084" y="2481900"/>
             <a:ext cx="797920" cy="276999"/>
           </a:xfrm>
           <a:prstGeom prst="rect">
@@ -17935,7 +17935,7 @@
         </p:blipFill>
         <p:spPr>
           <a:xfrm>
-            <a:off x="10166905" y="4813185"/>
+            <a:off x="10166905" y="4474857"/>
             <a:ext cx="550981" cy="550981"/>
           </a:xfrm>
           <a:prstGeom prst="rect">
@@ -17974,7 +17974,7 @@
         </p:blipFill>
         <p:spPr>
           <a:xfrm>
-            <a:off x="10102230" y="2559796"/>
+            <a:off x="10102230" y="2221468"/>
             <a:ext cx="618548" cy="618548"/>
           </a:xfrm>
           <a:prstGeom prst="rect">
@@ -17996,7 +17996,7 @@
         </p:nvSpPr>
         <p:spPr>
           <a:xfrm>
-            <a:off x="10011841" y="3072897"/>
+            <a:off x="10011841" y="2734569"/>
             <a:ext cx="1276492" cy="400110"/>
           </a:xfrm>
           <a:prstGeom prst="rect">
@@ -18033,7 +18033,7 @@
         </p:nvCxnSpPr>
         <p:spPr>
           <a:xfrm>
-            <a:off x="9460084" y="3920507"/>
+            <a:off x="9460084" y="3582179"/>
             <a:ext cx="634550" cy="0"/>
           </a:xfrm>
           <a:prstGeom prst="straightConnector1">
@@ -18076,7 +18076,7 @@
         </p:nvSpPr>
         <p:spPr>
           <a:xfrm>
-            <a:off x="9959927" y="4155518"/>
+            <a:off x="9959927" y="3817190"/>
             <a:ext cx="1328406" cy="400110"/>
           </a:xfrm>
           <a:prstGeom prst="rect">
@@ -18128,7 +18128,7 @@
         </p:blipFill>
         <p:spPr>
           <a:xfrm>
-            <a:off x="10137259" y="3589227"/>
+            <a:off x="10137259" y="3250899"/>
             <a:ext cx="558577" cy="558577"/>
           </a:xfrm>
           <a:prstGeom prst="rect">
@@ -18152,7 +18152,7 @@
         </p:nvCxnSpPr>
         <p:spPr>
           <a:xfrm>
-            <a:off x="9497538" y="5088675"/>
+            <a:off x="9497538" y="4750347"/>
             <a:ext cx="634550" cy="0"/>
           </a:xfrm>
           <a:prstGeom prst="straightConnector1">
@@ -18195,7 +18195,7 @@
         </p:nvSpPr>
         <p:spPr>
           <a:xfrm>
-            <a:off x="9443610" y="3939419"/>
+            <a:off x="9443610" y="3601091"/>
             <a:ext cx="797920" cy="276999"/>
           </a:xfrm>
           <a:prstGeom prst="rect">
@@ -18239,7 +18239,7 @@
         </p:nvSpPr>
         <p:spPr>
           <a:xfrm>
-            <a:off x="9492480" y="5092337"/>
+            <a:off x="9492480" y="4754009"/>
             <a:ext cx="797920" cy="276999"/>
           </a:xfrm>
           <a:prstGeom prst="rect">
@@ -18283,7 +18283,7 @@
         </p:nvSpPr>
         <p:spPr>
           <a:xfrm>
-            <a:off x="9459742" y="6149550"/>
+            <a:off x="9459742" y="5811222"/>
             <a:ext cx="797920" cy="276999"/>
           </a:xfrm>
           <a:prstGeom prst="rect">
@@ -18329,7 +18329,7 @@
         </p:nvCxnSpPr>
         <p:spPr>
           <a:xfrm>
-            <a:off x="9497538" y="6123801"/>
+            <a:off x="9497538" y="5785473"/>
             <a:ext cx="634550" cy="0"/>
           </a:xfrm>
           <a:prstGeom prst="straightConnector1">
@@ -18380,7 +18380,7 @@
         </p:blipFill>
         <p:spPr>
           <a:xfrm>
-            <a:off x="10173834" y="5955650"/>
+            <a:off x="10173834" y="5617322"/>
             <a:ext cx="536529" cy="302980"/>
           </a:xfrm>
           <a:prstGeom prst="rect">
@@ -18405,7 +18405,7 @@
         </p:nvSpPr>
         <p:spPr>
           <a:xfrm>
-            <a:off x="9981314" y="5329271"/>
+            <a:off x="9981314" y="4990943"/>
             <a:ext cx="1314892" cy="400110"/>
           </a:xfrm>
           <a:prstGeom prst="rect">
@@ -18440,7 +18440,7 @@
         </p:nvSpPr>
         <p:spPr>
           <a:xfrm>
-            <a:off x="10082703" y="6258630"/>
+            <a:off x="10082703" y="5920302"/>
             <a:ext cx="1112113" cy="400110"/>
           </a:xfrm>
           <a:prstGeom prst="rect">
@@ -18483,7 +18483,7 @@
         </p:blipFill>
         <p:spPr>
           <a:xfrm>
-            <a:off x="8088063" y="1126320"/>
+            <a:off x="8088063" y="787992"/>
             <a:ext cx="1269629" cy="584213"/>
           </a:xfrm>
           <a:prstGeom prst="rect">
@@ -18513,7 +18513,7 @@
         </p:nvCxnSpPr>
         <p:spPr>
           <a:xfrm>
-            <a:off x="5709726" y="1280710"/>
+            <a:off x="5709726" y="942382"/>
             <a:ext cx="2344827" cy="0"/>
           </a:xfrm>
           <a:prstGeom prst="straightConnector1">
@@ -18558,7 +18558,7 @@
         </p:nvCxnSpPr>
         <p:spPr>
           <a:xfrm rot="5400000">
-            <a:off x="8904673" y="2861255"/>
+            <a:off x="8904673" y="2522927"/>
             <a:ext cx="196072" cy="424814"/>
           </a:xfrm>
           <a:prstGeom prst="bentConnector2">
@@ -18597,7 +18597,7 @@
         </p:nvCxnSpPr>
         <p:spPr>
           <a:xfrm rot="5400000">
-            <a:off x="8886028" y="3961440"/>
+            <a:off x="8886028" y="3623112"/>
             <a:ext cx="241902" cy="474243"/>
           </a:xfrm>
           <a:prstGeom prst="bentConnector2">
@@ -18636,7 +18636,7 @@
         </p:nvCxnSpPr>
         <p:spPr>
           <a:xfrm rot="5400000">
-            <a:off x="8932752" y="5129858"/>
+            <a:off x="8932752" y="4791530"/>
             <a:ext cx="238718" cy="466340"/>
           </a:xfrm>
           <a:prstGeom prst="bentConnector2">
@@ -18675,7 +18675,7 @@
         </p:nvCxnSpPr>
         <p:spPr>
           <a:xfrm rot="5400000">
-            <a:off x="8991737" y="6161488"/>
+            <a:off x="8991737" y="5823160"/>
             <a:ext cx="57376" cy="472742"/>
           </a:xfrm>
           <a:prstGeom prst="bentConnector2">
@@ -18711,7 +18711,7 @@
         </p:nvSpPr>
         <p:spPr>
           <a:xfrm>
-            <a:off x="6038038" y="1014820"/>
+            <a:off x="6038038" y="676492"/>
             <a:ext cx="1661917" cy="246221"/>
           </a:xfrm>
           <a:prstGeom prst="rect">

--- a/doc/designDoc.pptx
+++ b/doc/designDoc.pptx
@@ -268,7 +268,7 @@
           <a:p>
             <a:fld id="{9FCA313A-65B0-404C-ABF6-BBAAB537D5DB}" type="datetimeFigureOut">
               <a:rPr lang="en-SG" smtClean="0"/>
-              <a:t>26/5/2024</a:t>
+              <a:t>28/5/2024</a:t>
             </a:fld>
             <a:endParaRPr lang="en-SG"/>
           </a:p>
@@ -468,7 +468,7 @@
           <a:p>
             <a:fld id="{9FCA313A-65B0-404C-ABF6-BBAAB537D5DB}" type="datetimeFigureOut">
               <a:rPr lang="en-SG" smtClean="0"/>
-              <a:t>26/5/2024</a:t>
+              <a:t>28/5/2024</a:t>
             </a:fld>
             <a:endParaRPr lang="en-SG"/>
           </a:p>
@@ -678,7 +678,7 @@
           <a:p>
             <a:fld id="{9FCA313A-65B0-404C-ABF6-BBAAB537D5DB}" type="datetimeFigureOut">
               <a:rPr lang="en-SG" smtClean="0"/>
-              <a:t>26/5/2024</a:t>
+              <a:t>28/5/2024</a:t>
             </a:fld>
             <a:endParaRPr lang="en-SG"/>
           </a:p>
@@ -878,7 +878,7 @@
           <a:p>
             <a:fld id="{9FCA313A-65B0-404C-ABF6-BBAAB537D5DB}" type="datetimeFigureOut">
               <a:rPr lang="en-SG" smtClean="0"/>
-              <a:t>26/5/2024</a:t>
+              <a:t>28/5/2024</a:t>
             </a:fld>
             <a:endParaRPr lang="en-SG"/>
           </a:p>
@@ -1154,7 +1154,7 @@
           <a:p>
             <a:fld id="{9FCA313A-65B0-404C-ABF6-BBAAB537D5DB}" type="datetimeFigureOut">
               <a:rPr lang="en-SG" smtClean="0"/>
-              <a:t>26/5/2024</a:t>
+              <a:t>28/5/2024</a:t>
             </a:fld>
             <a:endParaRPr lang="en-SG"/>
           </a:p>
@@ -1422,7 +1422,7 @@
           <a:p>
             <a:fld id="{9FCA313A-65B0-404C-ABF6-BBAAB537D5DB}" type="datetimeFigureOut">
               <a:rPr lang="en-SG" smtClean="0"/>
-              <a:t>26/5/2024</a:t>
+              <a:t>28/5/2024</a:t>
             </a:fld>
             <a:endParaRPr lang="en-SG"/>
           </a:p>
@@ -1837,7 +1837,7 @@
           <a:p>
             <a:fld id="{9FCA313A-65B0-404C-ABF6-BBAAB537D5DB}" type="datetimeFigureOut">
               <a:rPr lang="en-SG" smtClean="0"/>
-              <a:t>26/5/2024</a:t>
+              <a:t>28/5/2024</a:t>
             </a:fld>
             <a:endParaRPr lang="en-SG"/>
           </a:p>
@@ -1979,7 +1979,7 @@
           <a:p>
             <a:fld id="{9FCA313A-65B0-404C-ABF6-BBAAB537D5DB}" type="datetimeFigureOut">
               <a:rPr lang="en-SG" smtClean="0"/>
-              <a:t>26/5/2024</a:t>
+              <a:t>28/5/2024</a:t>
             </a:fld>
             <a:endParaRPr lang="en-SG"/>
           </a:p>
@@ -2092,7 +2092,7 @@
           <a:p>
             <a:fld id="{9FCA313A-65B0-404C-ABF6-BBAAB537D5DB}" type="datetimeFigureOut">
               <a:rPr lang="en-SG" smtClean="0"/>
-              <a:t>26/5/2024</a:t>
+              <a:t>28/5/2024</a:t>
             </a:fld>
             <a:endParaRPr lang="en-SG"/>
           </a:p>
@@ -2405,7 +2405,7 @@
           <a:p>
             <a:fld id="{9FCA313A-65B0-404C-ABF6-BBAAB537D5DB}" type="datetimeFigureOut">
               <a:rPr lang="en-SG" smtClean="0"/>
-              <a:t>26/5/2024</a:t>
+              <a:t>28/5/2024</a:t>
             </a:fld>
             <a:endParaRPr lang="en-SG"/>
           </a:p>
@@ -2694,7 +2694,7 @@
           <a:p>
             <a:fld id="{9FCA313A-65B0-404C-ABF6-BBAAB537D5DB}" type="datetimeFigureOut">
               <a:rPr lang="en-SG" smtClean="0"/>
-              <a:t>26/5/2024</a:t>
+              <a:t>28/5/2024</a:t>
             </a:fld>
             <a:endParaRPr lang="en-SG"/>
           </a:p>
@@ -2937,7 +2937,7 @@
           <a:p>
             <a:fld id="{9FCA313A-65B0-404C-ABF6-BBAAB537D5DB}" type="datetimeFigureOut">
               <a:rPr lang="en-SG" smtClean="0"/>
-              <a:t>26/5/2024</a:t>
+              <a:t>28/5/2024</a:t>
             </a:fld>
             <a:endParaRPr lang="en-SG"/>
           </a:p>
@@ -8168,14 +8168,15 @@
           </p:cNvPr>
           <p:cNvCxnSpPr>
             <a:cxnSpLocks/>
+            <a:stCxn id="29" idx="3"/>
             <a:endCxn id="19" idx="3"/>
           </p:cNvCxnSpPr>
           <p:nvPr/>
         </p:nvCxnSpPr>
         <p:spPr>
           <a:xfrm>
-            <a:off x="8932749" y="4158080"/>
-            <a:ext cx="578078" cy="46335"/>
+            <a:off x="8928151" y="4203779"/>
+            <a:ext cx="582676" cy="636"/>
           </a:xfrm>
           <a:prstGeom prst="straightConnector1">
             <a:avLst/>
@@ -8261,14 +8262,15 @@
           </p:cNvPr>
           <p:cNvCxnSpPr>
             <a:cxnSpLocks/>
+            <a:stCxn id="29" idx="3"/>
             <a:endCxn id="25" idx="1"/>
           </p:cNvCxnSpPr>
           <p:nvPr/>
         </p:nvCxnSpPr>
         <p:spPr>
           <a:xfrm>
-            <a:off x="8976326" y="4217230"/>
-            <a:ext cx="504008" cy="1397296"/>
+            <a:off x="8928151" y="4203779"/>
+            <a:ext cx="552183" cy="1410747"/>
           </a:xfrm>
           <a:prstGeom prst="straightConnector1">
             <a:avLst/>
@@ -9103,41 +9105,6 @@
           </a:fontRef>
         </p:style>
       </p:cxnSp>
-      <p:pic>
-        <p:nvPicPr>
-          <p:cNvPr id="138" name="Picture 137">
-            <a:extLst>
-              <a:ext uri="{FF2B5EF4-FFF2-40B4-BE49-F238E27FC236}">
-                <a16:creationId xmlns:a16="http://schemas.microsoft.com/office/drawing/2014/main" id="{DDA86CCE-68E1-E8A2-206D-64F51B0CCE11}"/>
-              </a:ext>
-            </a:extLst>
-          </p:cNvPr>
-          <p:cNvPicPr>
-            <a:picLocks noChangeAspect="1"/>
-          </p:cNvPicPr>
-          <p:nvPr/>
-        </p:nvPicPr>
-        <p:blipFill>
-          <a:blip r:embed="rId4"/>
-          <a:stretch>
-            <a:fillRect/>
-          </a:stretch>
-        </p:blipFill>
-        <p:spPr>
-          <a:xfrm>
-            <a:off x="10492729" y="1090215"/>
-            <a:ext cx="741414" cy="418680"/>
-          </a:xfrm>
-          <a:prstGeom prst="rect">
-            <a:avLst/>
-          </a:prstGeom>
-          <a:ln>
-            <a:solidFill>
-              <a:srgbClr val="FF0000"/>
-            </a:solidFill>
-          </a:ln>
-        </p:spPr>
-      </p:pic>
       <p:sp>
         <p:nvSpPr>
           <p:cNvPr id="139" name="TextBox 138">
@@ -9152,7 +9119,7 @@
         </p:nvSpPr>
         <p:spPr>
           <a:xfrm>
-            <a:off x="10255488" y="812633"/>
+            <a:off x="10164291" y="380783"/>
             <a:ext cx="1320542" cy="276999"/>
           </a:xfrm>
           <a:prstGeom prst="rect">
@@ -9174,41 +9141,6 @@
           </a:p>
         </p:txBody>
       </p:sp>
-      <p:pic>
-        <p:nvPicPr>
-          <p:cNvPr id="142" name="Picture 141">
-            <a:extLst>
-              <a:ext uri="{FF2B5EF4-FFF2-40B4-BE49-F238E27FC236}">
-                <a16:creationId xmlns:a16="http://schemas.microsoft.com/office/drawing/2014/main" id="{40483DC2-6BE5-C2C3-8446-0F721A7A4685}"/>
-              </a:ext>
-            </a:extLst>
-          </p:cNvPr>
-          <p:cNvPicPr>
-            <a:picLocks noChangeAspect="1"/>
-          </p:cNvPicPr>
-          <p:nvPr/>
-        </p:nvPicPr>
-        <p:blipFill>
-          <a:blip r:embed="rId4"/>
-          <a:stretch>
-            <a:fillRect/>
-          </a:stretch>
-        </p:blipFill>
-        <p:spPr>
-          <a:xfrm>
-            <a:off x="10472222" y="1624641"/>
-            <a:ext cx="741414" cy="418680"/>
-          </a:xfrm>
-          <a:prstGeom prst="rect">
-            <a:avLst/>
-          </a:prstGeom>
-          <a:ln>
-            <a:solidFill>
-              <a:srgbClr val="FF0000"/>
-            </a:solidFill>
-          </a:ln>
-        </p:spPr>
-      </p:pic>
       <p:cxnSp>
         <p:nvCxnSpPr>
           <p:cNvPr id="143" name="Straight Arrow Connector 142">
@@ -9358,15 +9290,13 @@
           </p:cNvPr>
           <p:cNvCxnSpPr>
             <a:cxnSpLocks/>
-            <a:stCxn id="128" idx="3"/>
-            <a:endCxn id="142" idx="1"/>
           </p:cNvCxnSpPr>
           <p:nvPr/>
         </p:nvCxnSpPr>
         <p:spPr>
           <a:xfrm flipV="1">
-            <a:off x="9191153" y="1833981"/>
-            <a:ext cx="1281069" cy="44462"/>
+            <a:off x="9206945" y="1938992"/>
+            <a:ext cx="1281069" cy="0"/>
           </a:xfrm>
           <a:prstGeom prst="straightConnector1">
             <a:avLst/>
@@ -9394,41 +9324,6 @@
           </a:fontRef>
         </p:style>
       </p:cxnSp>
-      <p:pic>
-        <p:nvPicPr>
-          <p:cNvPr id="158" name="Picture 157">
-            <a:extLst>
-              <a:ext uri="{FF2B5EF4-FFF2-40B4-BE49-F238E27FC236}">
-                <a16:creationId xmlns:a16="http://schemas.microsoft.com/office/drawing/2014/main" id="{D2DAD496-07C2-D3C2-8880-53090B9433A7}"/>
-              </a:ext>
-            </a:extLst>
-          </p:cNvPr>
-          <p:cNvPicPr>
-            <a:picLocks noChangeAspect="1"/>
-          </p:cNvPicPr>
-          <p:nvPr/>
-        </p:nvPicPr>
-        <p:blipFill>
-          <a:blip r:embed="rId4"/>
-          <a:stretch>
-            <a:fillRect/>
-          </a:stretch>
-        </p:blipFill>
-        <p:spPr>
-          <a:xfrm>
-            <a:off x="10465863" y="2203713"/>
-            <a:ext cx="741414" cy="418680"/>
-          </a:xfrm>
-          <a:prstGeom prst="rect">
-            <a:avLst/>
-          </a:prstGeom>
-          <a:ln>
-            <a:solidFill>
-              <a:srgbClr val="FF0000"/>
-            </a:solidFill>
-          </a:ln>
-        </p:spPr>
-      </p:pic>
       <p:cxnSp>
         <p:nvCxnSpPr>
           <p:cNvPr id="159" name="Straight Arrow Connector 158">
@@ -9440,14 +9335,13 @@
           </p:cNvPr>
           <p:cNvCxnSpPr>
             <a:cxnSpLocks/>
-            <a:endCxn id="158" idx="1"/>
           </p:cNvCxnSpPr>
           <p:nvPr/>
         </p:nvCxnSpPr>
         <p:spPr>
           <a:xfrm flipV="1">
             <a:off x="9206945" y="2413053"/>
-            <a:ext cx="1258918" cy="21335"/>
+            <a:ext cx="1258918" cy="0"/>
           </a:xfrm>
           <a:prstGeom prst="straightConnector1">
             <a:avLst/>
@@ -11448,6 +11342,201 @@
           </a:p>
         </p:txBody>
       </p:sp>
+      <p:pic>
+        <p:nvPicPr>
+          <p:cNvPr id="2" name="Graphic 1" descr="Server with solid fill">
+            <a:extLst>
+              <a:ext uri="{FF2B5EF4-FFF2-40B4-BE49-F238E27FC236}">
+                <a16:creationId xmlns:a16="http://schemas.microsoft.com/office/drawing/2014/main" id="{E0EB6335-88E2-841C-C967-153FC2BF3EF6}"/>
+              </a:ext>
+            </a:extLst>
+          </p:cNvPr>
+          <p:cNvPicPr>
+            <a:picLocks noChangeAspect="1"/>
+          </p:cNvPicPr>
+          <p:nvPr/>
+        </p:nvPicPr>
+        <p:blipFill>
+          <a:blip r:embed="rId18">
+            <a:extLst>
+              <a:ext uri="{28A0092B-C50C-407E-A947-70E740481C1C}">
+                <a14:useLocalDpi xmlns:a14="http://schemas.microsoft.com/office/drawing/2010/main" val="0"/>
+              </a:ext>
+              <a:ext uri="{96DAC541-7B7A-43D3-8B79-37D633B846F1}">
+                <asvg:svgBlip xmlns:asvg="http://schemas.microsoft.com/office/drawing/2016/SVG/main" r:embed="rId19"/>
+              </a:ext>
+            </a:extLst>
+          </a:blip>
+          <a:stretch>
+            <a:fillRect/>
+          </a:stretch>
+        </p:blipFill>
+        <p:spPr>
+          <a:xfrm>
+            <a:off x="10506726" y="1726368"/>
+            <a:ext cx="414399" cy="414399"/>
+          </a:xfrm>
+          <a:prstGeom prst="rect">
+            <a:avLst/>
+          </a:prstGeom>
+        </p:spPr>
+      </p:pic>
+      <p:pic>
+        <p:nvPicPr>
+          <p:cNvPr id="3" name="Graphic 2" descr="Wireless router with solid fill">
+            <a:extLst>
+              <a:ext uri="{FF2B5EF4-FFF2-40B4-BE49-F238E27FC236}">
+                <a16:creationId xmlns:a16="http://schemas.microsoft.com/office/drawing/2014/main" id="{7365D132-6DA1-20B6-38ED-7AB93D8654E8}"/>
+              </a:ext>
+            </a:extLst>
+          </p:cNvPr>
+          <p:cNvPicPr>
+            <a:picLocks noChangeAspect="1"/>
+          </p:cNvPicPr>
+          <p:nvPr/>
+        </p:nvPicPr>
+        <p:blipFill>
+          <a:blip r:embed="rId20">
+            <a:extLst>
+              <a:ext uri="{28A0092B-C50C-407E-A947-70E740481C1C}">
+                <a14:useLocalDpi xmlns:a14="http://schemas.microsoft.com/office/drawing/2010/main" val="0"/>
+              </a:ext>
+              <a:ext uri="{96DAC541-7B7A-43D3-8B79-37D633B846F1}">
+                <asvg:svgBlip xmlns:asvg="http://schemas.microsoft.com/office/drawing/2016/SVG/main" r:embed="rId21"/>
+              </a:ext>
+            </a:extLst>
+          </a:blip>
+          <a:stretch>
+            <a:fillRect/>
+          </a:stretch>
+        </p:blipFill>
+        <p:spPr>
+          <a:xfrm>
+            <a:off x="10447679" y="561670"/>
+            <a:ext cx="539811" cy="539811"/>
+          </a:xfrm>
+          <a:prstGeom prst="rect">
+            <a:avLst/>
+          </a:prstGeom>
+        </p:spPr>
+      </p:pic>
+      <p:pic>
+        <p:nvPicPr>
+          <p:cNvPr id="12" name="Graphic 11" descr="Database with solid fill">
+            <a:extLst>
+              <a:ext uri="{FF2B5EF4-FFF2-40B4-BE49-F238E27FC236}">
+                <a16:creationId xmlns:a16="http://schemas.microsoft.com/office/drawing/2014/main" id="{A87AE4AE-5BCE-1FCA-08ED-EFD8600F12C3}"/>
+              </a:ext>
+            </a:extLst>
+          </p:cNvPr>
+          <p:cNvPicPr>
+            <a:picLocks noChangeAspect="1"/>
+          </p:cNvPicPr>
+          <p:nvPr/>
+        </p:nvPicPr>
+        <p:blipFill>
+          <a:blip r:embed="rId22">
+            <a:extLst>
+              <a:ext uri="{28A0092B-C50C-407E-A947-70E740481C1C}">
+                <a14:useLocalDpi xmlns:a14="http://schemas.microsoft.com/office/drawing/2010/main" val="0"/>
+              </a:ext>
+              <a:ext uri="{96DAC541-7B7A-43D3-8B79-37D633B846F1}">
+                <asvg:svgBlip xmlns:asvg="http://schemas.microsoft.com/office/drawing/2016/SVG/main" r:embed="rId23"/>
+              </a:ext>
+            </a:extLst>
+          </a:blip>
+          <a:stretch>
+            <a:fillRect/>
+          </a:stretch>
+        </p:blipFill>
+        <p:spPr>
+          <a:xfrm>
+            <a:off x="10448424" y="1099356"/>
+            <a:ext cx="507416" cy="507416"/>
+          </a:xfrm>
+          <a:prstGeom prst="rect">
+            <a:avLst/>
+          </a:prstGeom>
+        </p:spPr>
+      </p:pic>
+      <p:pic>
+        <p:nvPicPr>
+          <p:cNvPr id="16" name="Picture 15">
+            <a:extLst>
+              <a:ext uri="{FF2B5EF4-FFF2-40B4-BE49-F238E27FC236}">
+                <a16:creationId xmlns:a16="http://schemas.microsoft.com/office/drawing/2014/main" id="{935872B2-BB73-4A37-5DAD-5B3520556F9F}"/>
+              </a:ext>
+            </a:extLst>
+          </p:cNvPr>
+          <p:cNvPicPr>
+            <a:picLocks noChangeAspect="1"/>
+          </p:cNvPicPr>
+          <p:nvPr/>
+        </p:nvPicPr>
+        <p:blipFill>
+          <a:blip r:embed="rId4"/>
+          <a:stretch>
+            <a:fillRect/>
+          </a:stretch>
+        </p:blipFill>
+        <p:spPr>
+          <a:xfrm>
+            <a:off x="10497941" y="2286271"/>
+            <a:ext cx="507417" cy="286540"/>
+          </a:xfrm>
+          <a:prstGeom prst="rect">
+            <a:avLst/>
+          </a:prstGeom>
+          <a:ln>
+            <a:noFill/>
+          </a:ln>
+        </p:spPr>
+      </p:pic>
+      <p:cxnSp>
+        <p:nvCxnSpPr>
+          <p:cNvPr id="34" name="Straight Arrow Connector 33">
+            <a:extLst>
+              <a:ext uri="{FF2B5EF4-FFF2-40B4-BE49-F238E27FC236}">
+                <a16:creationId xmlns:a16="http://schemas.microsoft.com/office/drawing/2014/main" id="{8E9E6F05-9DF8-87F7-00DA-298DEFD4C5B8}"/>
+              </a:ext>
+            </a:extLst>
+          </p:cNvPr>
+          <p:cNvCxnSpPr>
+            <a:cxnSpLocks/>
+          </p:cNvCxnSpPr>
+          <p:nvPr/>
+        </p:nvCxnSpPr>
+        <p:spPr>
+          <a:xfrm flipV="1">
+            <a:off x="9158309" y="743781"/>
+            <a:ext cx="1258918" cy="0"/>
+          </a:xfrm>
+          <a:prstGeom prst="straightConnector1">
+            <a:avLst/>
+          </a:prstGeom>
+          <a:ln>
+            <a:solidFill>
+              <a:srgbClr val="C00000"/>
+            </a:solidFill>
+            <a:prstDash val="solid"/>
+            <a:tailEnd type="triangle"/>
+          </a:ln>
+        </p:spPr>
+        <p:style>
+          <a:lnRef idx="2">
+            <a:schemeClr val="accent1"/>
+          </a:lnRef>
+          <a:fillRef idx="0">
+            <a:schemeClr val="accent1"/>
+          </a:fillRef>
+          <a:effectRef idx="1">
+            <a:schemeClr val="accent1"/>
+          </a:effectRef>
+          <a:fontRef idx="minor">
+            <a:schemeClr val="tx1"/>
+          </a:fontRef>
+        </p:style>
+      </p:cxnSp>
     </p:spTree>
     <p:extLst>
       <p:ext uri="{BB962C8B-B14F-4D97-AF65-F5344CB8AC3E}">
